--- a/Apresentação_AlentejoPleasures.pptx
+++ b/Apresentação_AlentejoPleasures.pptx
@@ -2,28 +2,32 @@
 <file path=ppt/presentation.xml><?xml version="1.0" encoding="utf-8"?>
 <p:presentation xmlns:a="http://schemas.openxmlformats.org/drawingml/2006/main" xmlns:r="http://schemas.openxmlformats.org/officeDocument/2006/relationships" xmlns:p="http://schemas.openxmlformats.org/presentationml/2006/main" saveSubsetFonts="1" autoCompressPictures="0">
   <p:sldMasterIdLst>
-    <p:sldMasterId id="2147483672" r:id="rId1"/>
+    <p:sldMasterId id="2147483684" r:id="rId1"/>
   </p:sldMasterIdLst>
   <p:notesMasterIdLst>
-    <p:notesMasterId r:id="rId7"/>
+    <p:notesMasterId r:id="rId11"/>
   </p:notesMasterIdLst>
   <p:handoutMasterIdLst>
-    <p:handoutMasterId r:id="rId8"/>
+    <p:handoutMasterId r:id="rId12"/>
   </p:handoutMasterIdLst>
   <p:sldIdLst>
     <p:sldId id="270" r:id="rId2"/>
     <p:sldId id="271" r:id="rId3"/>
     <p:sldId id="272" r:id="rId4"/>
-    <p:sldId id="273" r:id="rId5"/>
-    <p:sldId id="274" r:id="rId6"/>
+    <p:sldId id="275" r:id="rId5"/>
+    <p:sldId id="276" r:id="rId6"/>
+    <p:sldId id="277" r:id="rId7"/>
+    <p:sldId id="278" r:id="rId8"/>
+    <p:sldId id="273" r:id="rId9"/>
+    <p:sldId id="274" r:id="rId10"/>
   </p:sldIdLst>
   <p:sldSz cx="12192000" cy="6858000"/>
   <p:notesSz cx="6858000" cy="9144000"/>
   <p:defaultTextStyle>
-    <a:defPPr rtl="0">
-      <a:defRPr lang="pt-pt"/>
+    <a:defPPr>
+      <a:defRPr lang="en-US"/>
     </a:defPPr>
-    <a:lvl1pPr marL="0" algn="l" defTabSz="914400" rtl="0" eaLnBrk="1" latinLnBrk="0" hangingPunct="1">
+    <a:lvl1pPr marL="0" algn="l" defTabSz="457200" rtl="0" eaLnBrk="1" latinLnBrk="0" hangingPunct="1">
       <a:defRPr sz="1800" kern="1200">
         <a:solidFill>
           <a:schemeClr val="tx1"/>
@@ -33,7 +37,7 @@
         <a:cs typeface="+mn-cs"/>
       </a:defRPr>
     </a:lvl1pPr>
-    <a:lvl2pPr marL="457200" algn="l" defTabSz="914400" rtl="0" eaLnBrk="1" latinLnBrk="0" hangingPunct="1">
+    <a:lvl2pPr marL="457200" algn="l" defTabSz="457200" rtl="0" eaLnBrk="1" latinLnBrk="0" hangingPunct="1">
       <a:defRPr sz="1800" kern="1200">
         <a:solidFill>
           <a:schemeClr val="tx1"/>
@@ -43,7 +47,7 @@
         <a:cs typeface="+mn-cs"/>
       </a:defRPr>
     </a:lvl2pPr>
-    <a:lvl3pPr marL="914400" algn="l" defTabSz="914400" rtl="0" eaLnBrk="1" latinLnBrk="0" hangingPunct="1">
+    <a:lvl3pPr marL="914400" algn="l" defTabSz="457200" rtl="0" eaLnBrk="1" latinLnBrk="0" hangingPunct="1">
       <a:defRPr sz="1800" kern="1200">
         <a:solidFill>
           <a:schemeClr val="tx1"/>
@@ -53,7 +57,7 @@
         <a:cs typeface="+mn-cs"/>
       </a:defRPr>
     </a:lvl3pPr>
-    <a:lvl4pPr marL="1371600" algn="l" defTabSz="914400" rtl="0" eaLnBrk="1" latinLnBrk="0" hangingPunct="1">
+    <a:lvl4pPr marL="1371600" algn="l" defTabSz="457200" rtl="0" eaLnBrk="1" latinLnBrk="0" hangingPunct="1">
       <a:defRPr sz="1800" kern="1200">
         <a:solidFill>
           <a:schemeClr val="tx1"/>
@@ -63,7 +67,7 @@
         <a:cs typeface="+mn-cs"/>
       </a:defRPr>
     </a:lvl4pPr>
-    <a:lvl5pPr marL="1828800" algn="l" defTabSz="914400" rtl="0" eaLnBrk="1" latinLnBrk="0" hangingPunct="1">
+    <a:lvl5pPr marL="1828800" algn="l" defTabSz="457200" rtl="0" eaLnBrk="1" latinLnBrk="0" hangingPunct="1">
       <a:defRPr sz="1800" kern="1200">
         <a:solidFill>
           <a:schemeClr val="tx1"/>
@@ -73,7 +77,7 @@
         <a:cs typeface="+mn-cs"/>
       </a:defRPr>
     </a:lvl5pPr>
-    <a:lvl6pPr marL="2286000" algn="l" defTabSz="914400" rtl="0" eaLnBrk="1" latinLnBrk="0" hangingPunct="1">
+    <a:lvl6pPr marL="2286000" algn="l" defTabSz="457200" rtl="0" eaLnBrk="1" latinLnBrk="0" hangingPunct="1">
       <a:defRPr sz="1800" kern="1200">
         <a:solidFill>
           <a:schemeClr val="tx1"/>
@@ -83,7 +87,7 @@
         <a:cs typeface="+mn-cs"/>
       </a:defRPr>
     </a:lvl6pPr>
-    <a:lvl7pPr marL="2743200" algn="l" defTabSz="914400" rtl="0" eaLnBrk="1" latinLnBrk="0" hangingPunct="1">
+    <a:lvl7pPr marL="2743200" algn="l" defTabSz="457200" rtl="0" eaLnBrk="1" latinLnBrk="0" hangingPunct="1">
       <a:defRPr sz="1800" kern="1200">
         <a:solidFill>
           <a:schemeClr val="tx1"/>
@@ -93,7 +97,7 @@
         <a:cs typeface="+mn-cs"/>
       </a:defRPr>
     </a:lvl7pPr>
-    <a:lvl8pPr marL="3200400" algn="l" defTabSz="914400" rtl="0" eaLnBrk="1" latinLnBrk="0" hangingPunct="1">
+    <a:lvl8pPr marL="3200400" algn="l" defTabSz="457200" rtl="0" eaLnBrk="1" latinLnBrk="0" hangingPunct="1">
       <a:defRPr sz="1800" kern="1200">
         <a:solidFill>
           <a:schemeClr val="tx1"/>
@@ -103,7 +107,7 @@
         <a:cs typeface="+mn-cs"/>
       </a:defRPr>
     </a:lvl8pPr>
-    <a:lvl9pPr marL="3657600" algn="l" defTabSz="914400" rtl="0" eaLnBrk="1" latinLnBrk="0" hangingPunct="1">
+    <a:lvl9pPr marL="3657600" algn="l" defTabSz="457200" rtl="0" eaLnBrk="1" latinLnBrk="0" hangingPunct="1">
       <a:defRPr sz="1800" kern="1200">
         <a:solidFill>
           <a:schemeClr val="tx1"/>
@@ -988,7 +992,7 @@
             <a:fld id="{3DF1C5CE-222C-4659-9A99-B99FC42AF6EC}" type="slidenum">
               <a:rPr lang="pt-PT" smtClean="0"/>
               <a:pPr/>
-              <a:t>4</a:t>
+              <a:t>8</a:t>
             </a:fld>
             <a:endParaRPr lang="pt-PT"/>
           </a:p>
@@ -1008,7 +1012,7 @@
 </file>
 
 <file path=ppt/slideLayouts/slideLayout1.xml><?xml version="1.0" encoding="utf-8"?>
-<p:sldLayout xmlns:a="http://schemas.openxmlformats.org/drawingml/2006/main" xmlns:r="http://schemas.openxmlformats.org/officeDocument/2006/relationships" xmlns:p="http://schemas.openxmlformats.org/presentationml/2006/main" type="title" preserve="1">
+<p:sldLayout xmlns:a="http://schemas.openxmlformats.org/drawingml/2006/main" xmlns:r="http://schemas.openxmlformats.org/officeDocument/2006/relationships" xmlns:p="http://schemas.openxmlformats.org/presentationml/2006/main" showMasterSp="0" type="title" preserve="1">
   <p:cSld name="Diapositivo de Título">
     <p:spTree>
       <p:nvGrpSpPr>
@@ -1024,73 +1028,602 @@
           <a:chExt cx="0" cy="0"/>
         </a:xfrm>
       </p:grpSpPr>
-      <p:sp>
-        <p:nvSpPr>
-          <p:cNvPr id="2" name="Título 1"/>
-          <p:cNvSpPr>
-            <a:spLocks noGrp="1"/>
-          </p:cNvSpPr>
-          <p:nvPr>
-            <p:ph type="ctrTitle" hasCustomPrompt="1"/>
+      <p:grpSp>
+        <p:nvGrpSpPr>
+          <p:cNvPr id="7" name="Group 6"/>
+          <p:cNvGrpSpPr/>
+          <p:nvPr/>
+        </p:nvGrpSpPr>
+        <p:grpSpPr>
+          <a:xfrm>
+            <a:off x="0" y="-8467"/>
+            <a:ext cx="12192000" cy="6866467"/>
+            <a:chOff x="0" y="-8467"/>
+            <a:chExt cx="12192000" cy="6866467"/>
+          </a:xfrm>
+        </p:grpSpPr>
+        <p:cxnSp>
+          <p:nvCxnSpPr>
+            <p:cNvPr id="32" name="Straight Connector 31"/>
+            <p:cNvCxnSpPr/>
+            <p:nvPr/>
+          </p:nvCxnSpPr>
+          <p:spPr>
+            <a:xfrm>
+              <a:off x="9371012" y="0"/>
+              <a:ext cx="1219200" cy="6858000"/>
+            </a:xfrm>
+            <a:prstGeom prst="line">
+              <a:avLst/>
+            </a:prstGeom>
+            <a:ln w="9525">
+              <a:solidFill>
+                <a:schemeClr val="bg1">
+                  <a:lumMod val="75000"/>
+                </a:schemeClr>
+              </a:solidFill>
+            </a:ln>
+          </p:spPr>
+          <p:style>
+            <a:lnRef idx="2">
+              <a:schemeClr val="accent1"/>
+            </a:lnRef>
+            <a:fillRef idx="0">
+              <a:schemeClr val="accent1"/>
+            </a:fillRef>
+            <a:effectRef idx="1">
+              <a:schemeClr val="accent1"/>
+            </a:effectRef>
+            <a:fontRef idx="minor">
+              <a:schemeClr val="tx1"/>
+            </a:fontRef>
+          </p:style>
+        </p:cxnSp>
+        <p:cxnSp>
+          <p:nvCxnSpPr>
+            <p:cNvPr id="21" name="Straight Connector 20"/>
+            <p:cNvCxnSpPr/>
+            <p:nvPr/>
+          </p:nvCxnSpPr>
+          <p:spPr>
+            <a:xfrm flipH="1">
+              <a:off x="7425267" y="3681413"/>
+              <a:ext cx="4763558" cy="3176587"/>
+            </a:xfrm>
+            <a:prstGeom prst="line">
+              <a:avLst/>
+            </a:prstGeom>
+            <a:ln w="9525">
+              <a:solidFill>
+                <a:schemeClr val="bg1">
+                  <a:lumMod val="85000"/>
+                </a:schemeClr>
+              </a:solidFill>
+            </a:ln>
+          </p:spPr>
+          <p:style>
+            <a:lnRef idx="2">
+              <a:schemeClr val="accent1"/>
+            </a:lnRef>
+            <a:fillRef idx="0">
+              <a:schemeClr val="accent1"/>
+            </a:fillRef>
+            <a:effectRef idx="1">
+              <a:schemeClr val="accent1"/>
+            </a:effectRef>
+            <a:fontRef idx="minor">
+              <a:schemeClr val="tx1"/>
+            </a:fontRef>
+          </p:style>
+        </p:cxnSp>
+        <p:sp>
+          <p:nvSpPr>
+            <p:cNvPr id="24" name="Rectangle 23"/>
+            <p:cNvSpPr/>
+            <p:nvPr/>
+          </p:nvSpPr>
+          <p:spPr>
+            <a:xfrm>
+              <a:off x="9181476" y="-8467"/>
+              <a:ext cx="3007349" cy="6866467"/>
+            </a:xfrm>
+            <a:custGeom>
+              <a:avLst/>
+              <a:gdLst/>
+              <a:ahLst/>
+              <a:cxnLst/>
+              <a:rect l="l" t="t" r="r" b="b"/>
+              <a:pathLst>
+                <a:path w="3007349" h="6866467">
+                  <a:moveTo>
+                    <a:pt x="2045532" y="0"/>
+                  </a:moveTo>
+                  <a:lnTo>
+                    <a:pt x="3007349" y="0"/>
+                  </a:lnTo>
+                  <a:lnTo>
+                    <a:pt x="3007349" y="6866467"/>
+                  </a:lnTo>
+                  <a:lnTo>
+                    <a:pt x="0" y="6866467"/>
+                  </a:lnTo>
+                  <a:lnTo>
+                    <a:pt x="2045532" y="0"/>
+                  </a:lnTo>
+                  <a:close/>
+                </a:path>
+              </a:pathLst>
+            </a:custGeom>
+            <a:solidFill>
+              <a:schemeClr val="accent1">
+                <a:alpha val="30000"/>
+              </a:schemeClr>
+            </a:solidFill>
+            <a:ln>
+              <a:noFill/>
+            </a:ln>
+            <a:effectLst/>
+          </p:spPr>
+          <p:style>
+            <a:lnRef idx="1">
+              <a:schemeClr val="accent1"/>
+            </a:lnRef>
+            <a:fillRef idx="3">
+              <a:schemeClr val="accent1"/>
+            </a:fillRef>
+            <a:effectRef idx="2">
+              <a:schemeClr val="accent1"/>
+            </a:effectRef>
+            <a:fontRef idx="minor">
+              <a:schemeClr val="lt1"/>
+            </a:fontRef>
+          </p:style>
+        </p:sp>
+        <p:sp>
+          <p:nvSpPr>
+            <p:cNvPr id="26" name="Rectangle 25"/>
+            <p:cNvSpPr/>
+            <p:nvPr/>
+          </p:nvSpPr>
+          <p:spPr>
+            <a:xfrm>
+              <a:off x="9603442" y="-8467"/>
+              <a:ext cx="2588558" cy="6866467"/>
+            </a:xfrm>
+            <a:custGeom>
+              <a:avLst/>
+              <a:gdLst/>
+              <a:ahLst/>
+              <a:cxnLst/>
+              <a:rect l="l" t="t" r="r" b="b"/>
+              <a:pathLst>
+                <a:path w="2573311" h="6866467">
+                  <a:moveTo>
+                    <a:pt x="0" y="0"/>
+                  </a:moveTo>
+                  <a:lnTo>
+                    <a:pt x="2573311" y="0"/>
+                  </a:lnTo>
+                  <a:lnTo>
+                    <a:pt x="2573311" y="6866467"/>
+                  </a:lnTo>
+                  <a:lnTo>
+                    <a:pt x="1202336" y="6866467"/>
+                  </a:lnTo>
+                  <a:lnTo>
+                    <a:pt x="0" y="0"/>
+                  </a:lnTo>
+                  <a:close/>
+                </a:path>
+              </a:pathLst>
+            </a:custGeom>
+            <a:solidFill>
+              <a:schemeClr val="accent1">
+                <a:alpha val="20000"/>
+              </a:schemeClr>
+            </a:solidFill>
+            <a:ln>
+              <a:noFill/>
+            </a:ln>
+            <a:effectLst/>
+          </p:spPr>
+          <p:style>
+            <a:lnRef idx="1">
+              <a:schemeClr val="accent1"/>
+            </a:lnRef>
+            <a:fillRef idx="3">
+              <a:schemeClr val="accent1"/>
+            </a:fillRef>
+            <a:effectRef idx="2">
+              <a:schemeClr val="accent1"/>
+            </a:effectRef>
+            <a:fontRef idx="minor">
+              <a:schemeClr val="lt1"/>
+            </a:fontRef>
+          </p:style>
+        </p:sp>
+        <p:sp>
+          <p:nvSpPr>
+            <p:cNvPr id="27" name="Isosceles Triangle 26"/>
+            <p:cNvSpPr/>
+            <p:nvPr/>
+          </p:nvSpPr>
+          <p:spPr>
+            <a:xfrm>
+              <a:off x="8932333" y="3048000"/>
+              <a:ext cx="3259667" cy="3810000"/>
+            </a:xfrm>
+            <a:prstGeom prst="triangle">
+              <a:avLst>
+                <a:gd name="adj" fmla="val 100000"/>
+              </a:avLst>
+            </a:prstGeom>
+            <a:solidFill>
+              <a:schemeClr val="accent2">
+                <a:alpha val="72000"/>
+              </a:schemeClr>
+            </a:solidFill>
+            <a:ln>
+              <a:noFill/>
+            </a:ln>
+            <a:effectLst/>
+          </p:spPr>
+          <p:style>
+            <a:lnRef idx="1">
+              <a:schemeClr val="accent1"/>
+            </a:lnRef>
+            <a:fillRef idx="3">
+              <a:schemeClr val="accent1"/>
+            </a:fillRef>
+            <a:effectRef idx="2">
+              <a:schemeClr val="accent1"/>
+            </a:effectRef>
+            <a:fontRef idx="minor">
+              <a:schemeClr val="lt1"/>
+            </a:fontRef>
+          </p:style>
+        </p:sp>
+        <p:sp>
+          <p:nvSpPr>
+            <p:cNvPr id="28" name="Rectangle 27"/>
+            <p:cNvSpPr/>
+            <p:nvPr/>
+          </p:nvSpPr>
+          <p:spPr>
+            <a:xfrm>
+              <a:off x="9334500" y="-8467"/>
+              <a:ext cx="2854326" cy="6866467"/>
+            </a:xfrm>
+            <a:custGeom>
+              <a:avLst/>
+              <a:gdLst/>
+              <a:ahLst/>
+              <a:cxnLst/>
+              <a:rect l="l" t="t" r="r" b="b"/>
+              <a:pathLst>
+                <a:path w="2858013" h="6866467">
+                  <a:moveTo>
+                    <a:pt x="0" y="0"/>
+                  </a:moveTo>
+                  <a:lnTo>
+                    <a:pt x="2858013" y="0"/>
+                  </a:lnTo>
+                  <a:lnTo>
+                    <a:pt x="2858013" y="6866467"/>
+                  </a:lnTo>
+                  <a:lnTo>
+                    <a:pt x="2473942" y="6866467"/>
+                  </a:lnTo>
+                  <a:lnTo>
+                    <a:pt x="0" y="0"/>
+                  </a:lnTo>
+                  <a:close/>
+                </a:path>
+              </a:pathLst>
+            </a:custGeom>
+            <a:solidFill>
+              <a:schemeClr val="accent2">
+                <a:lumMod val="75000"/>
+                <a:alpha val="70000"/>
+              </a:schemeClr>
+            </a:solidFill>
+            <a:ln>
+              <a:noFill/>
+            </a:ln>
+            <a:effectLst/>
+          </p:spPr>
+          <p:style>
+            <a:lnRef idx="1">
+              <a:schemeClr val="accent1"/>
+            </a:lnRef>
+            <a:fillRef idx="3">
+              <a:schemeClr val="accent1"/>
+            </a:fillRef>
+            <a:effectRef idx="2">
+              <a:schemeClr val="accent1"/>
+            </a:effectRef>
+            <a:fontRef idx="minor">
+              <a:schemeClr val="lt1"/>
+            </a:fontRef>
+          </p:style>
+        </p:sp>
+        <p:sp>
+          <p:nvSpPr>
+            <p:cNvPr id="29" name="Rectangle 28"/>
+            <p:cNvSpPr/>
+            <p:nvPr/>
+          </p:nvSpPr>
+          <p:spPr>
+            <a:xfrm>
+              <a:off x="10898730" y="-8467"/>
+              <a:ext cx="1290094" cy="6866467"/>
+            </a:xfrm>
+            <a:custGeom>
+              <a:avLst/>
+              <a:gdLst/>
+              <a:ahLst/>
+              <a:cxnLst/>
+              <a:rect l="l" t="t" r="r" b="b"/>
+              <a:pathLst>
+                <a:path w="1290094" h="6858000">
+                  <a:moveTo>
+                    <a:pt x="1019735" y="0"/>
+                  </a:moveTo>
+                  <a:lnTo>
+                    <a:pt x="1290094" y="0"/>
+                  </a:lnTo>
+                  <a:lnTo>
+                    <a:pt x="1290094" y="6858000"/>
+                  </a:lnTo>
+                  <a:lnTo>
+                    <a:pt x="0" y="6858000"/>
+                  </a:lnTo>
+                  <a:lnTo>
+                    <a:pt x="1019735" y="0"/>
+                  </a:lnTo>
+                  <a:close/>
+                </a:path>
+              </a:pathLst>
+            </a:custGeom>
+            <a:solidFill>
+              <a:schemeClr val="accent1">
+                <a:lumMod val="60000"/>
+                <a:lumOff val="40000"/>
+                <a:alpha val="70000"/>
+              </a:schemeClr>
+            </a:solidFill>
+            <a:ln>
+              <a:noFill/>
+            </a:ln>
+            <a:effectLst/>
+          </p:spPr>
+          <p:style>
+            <a:lnRef idx="1">
+              <a:schemeClr val="accent1"/>
+            </a:lnRef>
+            <a:fillRef idx="3">
+              <a:schemeClr val="accent1"/>
+            </a:fillRef>
+            <a:effectRef idx="2">
+              <a:schemeClr val="accent1"/>
+            </a:effectRef>
+            <a:fontRef idx="minor">
+              <a:schemeClr val="lt1"/>
+            </a:fontRef>
+          </p:style>
+        </p:sp>
+        <p:sp>
+          <p:nvSpPr>
+            <p:cNvPr id="30" name="Rectangle 29"/>
+            <p:cNvSpPr/>
+            <p:nvPr/>
+          </p:nvSpPr>
+          <p:spPr>
+            <a:xfrm>
+              <a:off x="10938999" y="-8467"/>
+              <a:ext cx="1249825" cy="6866467"/>
+            </a:xfrm>
+            <a:custGeom>
+              <a:avLst/>
+              <a:gdLst/>
+              <a:ahLst/>
+              <a:cxnLst/>
+              <a:rect l="l" t="t" r="r" b="b"/>
+              <a:pathLst>
+                <a:path w="1249825" h="6858000">
+                  <a:moveTo>
+                    <a:pt x="0" y="0"/>
+                  </a:moveTo>
+                  <a:lnTo>
+                    <a:pt x="1249825" y="0"/>
+                  </a:lnTo>
+                  <a:lnTo>
+                    <a:pt x="1249825" y="6858000"/>
+                  </a:lnTo>
+                  <a:lnTo>
+                    <a:pt x="1109382" y="6858000"/>
+                  </a:lnTo>
+                  <a:lnTo>
+                    <a:pt x="0" y="0"/>
+                  </a:lnTo>
+                  <a:close/>
+                </a:path>
+              </a:pathLst>
+            </a:custGeom>
+            <a:solidFill>
+              <a:schemeClr val="accent1">
+                <a:alpha val="65000"/>
+              </a:schemeClr>
+            </a:solidFill>
+            <a:ln>
+              <a:noFill/>
+            </a:ln>
+            <a:effectLst/>
+          </p:spPr>
+          <p:style>
+            <a:lnRef idx="1">
+              <a:schemeClr val="accent1"/>
+            </a:lnRef>
+            <a:fillRef idx="3">
+              <a:schemeClr val="accent1"/>
+            </a:fillRef>
+            <a:effectRef idx="2">
+              <a:schemeClr val="accent1"/>
+            </a:effectRef>
+            <a:fontRef idx="minor">
+              <a:schemeClr val="lt1"/>
+            </a:fontRef>
+          </p:style>
+        </p:sp>
+        <p:sp>
+          <p:nvSpPr>
+            <p:cNvPr id="31" name="Isosceles Triangle 30"/>
+            <p:cNvSpPr/>
+            <p:nvPr/>
+          </p:nvSpPr>
+          <p:spPr>
+            <a:xfrm>
+              <a:off x="10371666" y="3589867"/>
+              <a:ext cx="1817159" cy="3268133"/>
+            </a:xfrm>
+            <a:prstGeom prst="triangle">
+              <a:avLst>
+                <a:gd name="adj" fmla="val 100000"/>
+              </a:avLst>
+            </a:prstGeom>
+            <a:solidFill>
+              <a:schemeClr val="accent1">
+                <a:alpha val="80000"/>
+              </a:schemeClr>
+            </a:solidFill>
+            <a:ln>
+              <a:noFill/>
+            </a:ln>
+            <a:effectLst/>
+          </p:spPr>
+          <p:style>
+            <a:lnRef idx="1">
+              <a:schemeClr val="accent1"/>
+            </a:lnRef>
+            <a:fillRef idx="3">
+              <a:schemeClr val="accent1"/>
+            </a:fillRef>
+            <a:effectRef idx="2">
+              <a:schemeClr val="accent1"/>
+            </a:effectRef>
+            <a:fontRef idx="minor">
+              <a:schemeClr val="lt1"/>
+            </a:fontRef>
+          </p:style>
+        </p:sp>
+        <p:sp>
+          <p:nvSpPr>
+            <p:cNvPr id="19" name="Isosceles Triangle 18"/>
+            <p:cNvSpPr/>
+            <p:nvPr/>
+          </p:nvSpPr>
+          <p:spPr>
+            <a:xfrm rot="10800000">
+              <a:off x="0" y="0"/>
+              <a:ext cx="842596" cy="5666154"/>
+            </a:xfrm>
+            <a:prstGeom prst="triangle">
+              <a:avLst>
+                <a:gd name="adj" fmla="val 100000"/>
+              </a:avLst>
+            </a:prstGeom>
+            <a:solidFill>
+              <a:schemeClr val="accent1">
+                <a:alpha val="85000"/>
+              </a:schemeClr>
+            </a:solidFill>
+            <a:ln>
+              <a:noFill/>
+            </a:ln>
+            <a:effectLst/>
+          </p:spPr>
+          <p:style>
+            <a:lnRef idx="1">
+              <a:schemeClr val="accent1"/>
+            </a:lnRef>
+            <a:fillRef idx="3">
+              <a:schemeClr val="accent1"/>
+            </a:fillRef>
+            <a:effectRef idx="2">
+              <a:schemeClr val="accent1"/>
+            </a:effectRef>
+            <a:fontRef idx="minor">
+              <a:schemeClr val="lt1"/>
+            </a:fontRef>
+          </p:style>
+        </p:sp>
+      </p:grpSp>
+      <p:sp>
+        <p:nvSpPr>
+          <p:cNvPr id="2" name="Title 1"/>
+          <p:cNvSpPr>
+            <a:spLocks noGrp="1"/>
+          </p:cNvSpPr>
+          <p:nvPr>
+            <p:ph type="ctrTitle"/>
           </p:nvPr>
         </p:nvSpPr>
         <p:spPr>
           <a:xfrm>
-            <a:off x="914400" y="609601"/>
-            <a:ext cx="10363200" cy="4267200"/>
+            <a:off x="1507067" y="2404534"/>
+            <a:ext cx="7766936" cy="1646302"/>
           </a:xfrm>
         </p:spPr>
         <p:txBody>
-          <a:bodyPr rtlCol="0" anchor="b">
+          <a:bodyPr anchor="b">
             <a:noAutofit/>
           </a:bodyPr>
           <a:lstStyle>
-            <a:lvl1pPr>
-              <a:lnSpc>
-                <a:spcPct val="100000"/>
-              </a:lnSpc>
-              <a:defRPr sz="6600">
-                <a:latin typeface="Century Gothic" panose="020B0502020202020204" pitchFamily="34" charset="0"/>
+            <a:lvl1pPr algn="r">
+              <a:defRPr sz="5400">
+                <a:solidFill>
+                  <a:schemeClr val="accent1"/>
+                </a:solidFill>
               </a:defRPr>
             </a:lvl1pPr>
           </a:lstStyle>
           <a:p>
-            <a:pPr rtl="0"/>
-            <a:r>
-              <a:rPr lang="pt-PT" noProof="0"/>
-              <a:t>Clique para editar o estilo do título do Modelo Global</a:t>
-            </a:r>
-          </a:p>
-        </p:txBody>
-      </p:sp>
-      <p:sp>
-        <p:nvSpPr>
-          <p:cNvPr id="3" name="Subtítulo 2"/>
-          <p:cNvSpPr>
-            <a:spLocks noGrp="1"/>
-          </p:cNvSpPr>
-          <p:nvPr>
-            <p:ph type="subTitle" idx="1" hasCustomPrompt="1"/>
+            <a:r>
+              <a:rPr lang="pt-PT"/>
+              <a:t>Clique para editar o estilo de título do Modelo Global</a:t>
+            </a:r>
+            <a:endParaRPr lang="en-US" dirty="0"/>
+          </a:p>
+        </p:txBody>
+      </p:sp>
+      <p:sp>
+        <p:nvSpPr>
+          <p:cNvPr id="3" name="Subtitle 2"/>
+          <p:cNvSpPr>
+            <a:spLocks noGrp="1"/>
+          </p:cNvSpPr>
+          <p:nvPr>
+            <p:ph type="subTitle" idx="1"/>
           </p:nvPr>
         </p:nvSpPr>
         <p:spPr>
           <a:xfrm>
-            <a:off x="1828800" y="4953000"/>
-            <a:ext cx="8534400" cy="1219200"/>
+            <a:off x="1507067" y="4050833"/>
+            <a:ext cx="7766936" cy="1096899"/>
           </a:xfrm>
         </p:spPr>
         <p:txBody>
-          <a:bodyPr rtlCol="0">
-            <a:normAutofit/>
-          </a:bodyPr>
+          <a:bodyPr anchor="t"/>
           <a:lstStyle>
-            <a:lvl1pPr marL="0" indent="0" algn="ctr">
-              <a:buNone/>
-              <a:defRPr sz="2400">
+            <a:lvl1pPr marL="0" indent="0" algn="r">
+              <a:buNone/>
+              <a:defRPr>
                 <a:solidFill>
-                  <a:schemeClr val="tx1"/>
+                  <a:schemeClr val="tx1">
+                    <a:lumMod val="50000"/>
+                    <a:lumOff val="50000"/>
+                  </a:schemeClr>
                 </a:solidFill>
-                <a:latin typeface="Palatino Linotype" panose="02040502050505030304" pitchFamily="18" charset="0"/>
               </a:defRPr>
             </a:lvl1pPr>
             <a:lvl2pPr marL="457200" indent="0" algn="ctr">
@@ -1175,68 +1708,28 @@
             </a:lvl9pPr>
           </a:lstStyle>
           <a:p>
-            <a:pPr rtl="0"/>
-            <a:r>
-              <a:rPr lang="pt-PT" noProof="0"/>
-              <a:t>Clique para editar o estilo do subtítulo do Modelo Global</a:t>
-            </a:r>
-          </a:p>
-        </p:txBody>
-      </p:sp>
-      <p:sp>
-        <p:nvSpPr>
-          <p:cNvPr id="9" name="Marcador de Posição do Rodapé 8"/>
-          <p:cNvSpPr>
-            <a:spLocks noGrp="1"/>
-          </p:cNvSpPr>
-          <p:nvPr>
-            <p:ph type="ftr" sz="quarter" idx="12"/>
+            <a:r>
+              <a:rPr lang="pt-PT"/>
+              <a:t>Clique para editar o estilo de subtítulo do Modelo Global</a:t>
+            </a:r>
+            <a:endParaRPr lang="en-US" dirty="0"/>
+          </a:p>
+        </p:txBody>
+      </p:sp>
+      <p:sp>
+        <p:nvSpPr>
+          <p:cNvPr id="4" name="Date Placeholder 3"/>
+          <p:cNvSpPr>
+            <a:spLocks noGrp="1"/>
+          </p:cNvSpPr>
+          <p:nvPr>
+            <p:ph type="dt" sz="half" idx="10"/>
           </p:nvPr>
         </p:nvSpPr>
         <p:spPr/>
         <p:txBody>
-          <a:bodyPr rtlCol="0"/>
-          <a:lstStyle>
-            <a:lvl1pPr>
-              <a:defRPr>
-                <a:solidFill>
-                  <a:schemeClr val="tx1"/>
-                </a:solidFill>
-                <a:latin typeface="Century Gothic" panose="020B0502020202020204" pitchFamily="34" charset="0"/>
-              </a:defRPr>
-            </a:lvl1pPr>
-          </a:lstStyle>
-          <a:p>
-            <a:r>
-              <a:rPr lang="pt-PT" noProof="0"/>
-              <a:t>Adicione um rodapé</a:t>
-            </a:r>
-          </a:p>
-        </p:txBody>
-      </p:sp>
-      <p:sp>
-        <p:nvSpPr>
-          <p:cNvPr id="7" name="Marcador de Posição da Data 6"/>
-          <p:cNvSpPr>
-            <a:spLocks noGrp="1"/>
-          </p:cNvSpPr>
-          <p:nvPr>
-            <p:ph type="dt" sz="half" idx="10"/>
-          </p:nvPr>
-        </p:nvSpPr>
-        <p:spPr/>
-        <p:txBody>
-          <a:bodyPr rtlCol="0"/>
-          <a:lstStyle>
-            <a:lvl1pPr>
-              <a:defRPr>
-                <a:solidFill>
-                  <a:schemeClr val="tx1"/>
-                </a:solidFill>
-                <a:latin typeface="Century Gothic" panose="020B0502020202020204" pitchFamily="34" charset="0"/>
-              </a:defRPr>
-            </a:lvl1pPr>
-          </a:lstStyle>
+          <a:bodyPr/>
+          <a:lstStyle/>
           <a:p>
             <a:fld id="{88CCF7AA-32B7-4EF8-AE73-27550F08FC3A}" type="datetime1">
               <a:rPr lang="pt-PT" noProof="0" smtClean="0"/>
@@ -1248,27 +1741,40 @@
       </p:sp>
       <p:sp>
         <p:nvSpPr>
-          <p:cNvPr id="8" name="Marcador de Posição do Número do Diapositivo 7"/>
-          <p:cNvSpPr>
-            <a:spLocks noGrp="1"/>
-          </p:cNvSpPr>
-          <p:nvPr>
-            <p:ph type="sldNum" sz="quarter" idx="11"/>
+          <p:cNvPr id="5" name="Footer Placeholder 4"/>
+          <p:cNvSpPr>
+            <a:spLocks noGrp="1"/>
+          </p:cNvSpPr>
+          <p:nvPr>
+            <p:ph type="ftr" sz="quarter" idx="11"/>
           </p:nvPr>
         </p:nvSpPr>
         <p:spPr/>
         <p:txBody>
-          <a:bodyPr rtlCol="0"/>
-          <a:lstStyle>
-            <a:lvl1pPr>
-              <a:defRPr>
-                <a:solidFill>
-                  <a:schemeClr val="tx1"/>
-                </a:solidFill>
-                <a:latin typeface="Century Gothic" panose="020B0502020202020204" pitchFamily="34" charset="0"/>
-              </a:defRPr>
-            </a:lvl1pPr>
-          </a:lstStyle>
+          <a:bodyPr/>
+          <a:lstStyle/>
+          <a:p>
+            <a:r>
+              <a:rPr lang="pt-PT" noProof="0"/>
+              <a:t>Adicione um rodapé</a:t>
+            </a:r>
+          </a:p>
+        </p:txBody>
+      </p:sp>
+      <p:sp>
+        <p:nvSpPr>
+          <p:cNvPr id="6" name="Slide Number Placeholder 5"/>
+          <p:cNvSpPr>
+            <a:spLocks noGrp="1"/>
+          </p:cNvSpPr>
+          <p:nvPr>
+            <p:ph type="sldNum" sz="quarter" idx="12"/>
+          </p:nvPr>
+        </p:nvSpPr>
+        <p:spPr/>
+        <p:txBody>
+          <a:bodyPr/>
+          <a:lstStyle/>
           <a:p>
             <a:fld id="{401CF334-2D5C-4859-84A6-CA7E6E43FAEB}" type="slidenum">
               <a:rPr lang="pt-PT" noProof="0" smtClean="0"/>
@@ -1282,7 +1788,7 @@
     </p:spTree>
     <p:extLst>
       <p:ext uri="{BB962C8B-B14F-4D97-AF65-F5344CB8AC3E}">
-        <p14:creationId xmlns:p14="http://schemas.microsoft.com/office/powerpoint/2010/main" val="2794820782"/>
+        <p14:creationId xmlns:p14="http://schemas.microsoft.com/office/powerpoint/2010/main" val="3469514737"/>
       </p:ext>
     </p:extLst>
   </p:cSld>
@@ -1305,6 +1811,1644 @@
 </file>
 
 <file path=ppt/slideLayouts/slideLayout10.xml><?xml version="1.0" encoding="utf-8"?>
+<p:sldLayout xmlns:a="http://schemas.openxmlformats.org/drawingml/2006/main" xmlns:r="http://schemas.openxmlformats.org/officeDocument/2006/relationships" xmlns:p="http://schemas.openxmlformats.org/presentationml/2006/main" preserve="1">
+  <p:cSld name="Título e Legenda">
+    <p:spTree>
+      <p:nvGrpSpPr>
+        <p:cNvPr id="1" name=""/>
+        <p:cNvGrpSpPr/>
+        <p:nvPr/>
+      </p:nvGrpSpPr>
+      <p:grpSpPr>
+        <a:xfrm>
+          <a:off x="0" y="0"/>
+          <a:ext cx="0" cy="0"/>
+          <a:chOff x="0" y="0"/>
+          <a:chExt cx="0" cy="0"/>
+        </a:xfrm>
+      </p:grpSpPr>
+      <p:sp>
+        <p:nvSpPr>
+          <p:cNvPr id="2" name="Title 1"/>
+          <p:cNvSpPr>
+            <a:spLocks noGrp="1"/>
+          </p:cNvSpPr>
+          <p:nvPr>
+            <p:ph type="title"/>
+          </p:nvPr>
+        </p:nvSpPr>
+        <p:spPr>
+          <a:xfrm>
+            <a:off x="677335" y="609600"/>
+            <a:ext cx="8596668" cy="3403600"/>
+          </a:xfrm>
+        </p:spPr>
+        <p:txBody>
+          <a:bodyPr anchor="ctr">
+            <a:normAutofit/>
+          </a:bodyPr>
+          <a:lstStyle>
+            <a:lvl1pPr algn="l">
+              <a:defRPr sz="4400" b="0" cap="none"/>
+            </a:lvl1pPr>
+          </a:lstStyle>
+          <a:p>
+            <a:r>
+              <a:rPr lang="pt-PT"/>
+              <a:t>Clique para editar o estilo de título do Modelo Global</a:t>
+            </a:r>
+            <a:endParaRPr lang="en-US" dirty="0"/>
+          </a:p>
+        </p:txBody>
+      </p:sp>
+      <p:sp>
+        <p:nvSpPr>
+          <p:cNvPr id="3" name="Text Placeholder 2"/>
+          <p:cNvSpPr>
+            <a:spLocks noGrp="1"/>
+          </p:cNvSpPr>
+          <p:nvPr>
+            <p:ph type="body" idx="1"/>
+          </p:nvPr>
+        </p:nvSpPr>
+        <p:spPr>
+          <a:xfrm>
+            <a:off x="677335" y="4470400"/>
+            <a:ext cx="8596668" cy="1570962"/>
+          </a:xfrm>
+        </p:spPr>
+        <p:txBody>
+          <a:bodyPr anchor="ctr">
+            <a:normAutofit/>
+          </a:bodyPr>
+          <a:lstStyle>
+            <a:lvl1pPr marL="0" indent="0" algn="l">
+              <a:buNone/>
+              <a:defRPr sz="1800">
+                <a:solidFill>
+                  <a:schemeClr val="tx1">
+                    <a:lumMod val="75000"/>
+                    <a:lumOff val="25000"/>
+                  </a:schemeClr>
+                </a:solidFill>
+              </a:defRPr>
+            </a:lvl1pPr>
+            <a:lvl2pPr marL="457200" indent="0">
+              <a:buNone/>
+              <a:defRPr sz="1800">
+                <a:solidFill>
+                  <a:schemeClr val="tx1">
+                    <a:tint val="75000"/>
+                  </a:schemeClr>
+                </a:solidFill>
+              </a:defRPr>
+            </a:lvl2pPr>
+            <a:lvl3pPr marL="914400" indent="0">
+              <a:buNone/>
+              <a:defRPr sz="1600">
+                <a:solidFill>
+                  <a:schemeClr val="tx1">
+                    <a:tint val="75000"/>
+                  </a:schemeClr>
+                </a:solidFill>
+              </a:defRPr>
+            </a:lvl3pPr>
+            <a:lvl4pPr marL="1371600" indent="0">
+              <a:buNone/>
+              <a:defRPr sz="1400">
+                <a:solidFill>
+                  <a:schemeClr val="tx1">
+                    <a:tint val="75000"/>
+                  </a:schemeClr>
+                </a:solidFill>
+              </a:defRPr>
+            </a:lvl4pPr>
+            <a:lvl5pPr marL="1828800" indent="0">
+              <a:buNone/>
+              <a:defRPr sz="1400">
+                <a:solidFill>
+                  <a:schemeClr val="tx1">
+                    <a:tint val="75000"/>
+                  </a:schemeClr>
+                </a:solidFill>
+              </a:defRPr>
+            </a:lvl5pPr>
+            <a:lvl6pPr marL="2286000" indent="0">
+              <a:buNone/>
+              <a:defRPr sz="1400">
+                <a:solidFill>
+                  <a:schemeClr val="tx1">
+                    <a:tint val="75000"/>
+                  </a:schemeClr>
+                </a:solidFill>
+              </a:defRPr>
+            </a:lvl6pPr>
+            <a:lvl7pPr marL="2743200" indent="0">
+              <a:buNone/>
+              <a:defRPr sz="1400">
+                <a:solidFill>
+                  <a:schemeClr val="tx1">
+                    <a:tint val="75000"/>
+                  </a:schemeClr>
+                </a:solidFill>
+              </a:defRPr>
+            </a:lvl7pPr>
+            <a:lvl8pPr marL="3200400" indent="0">
+              <a:buNone/>
+              <a:defRPr sz="1400">
+                <a:solidFill>
+                  <a:schemeClr val="tx1">
+                    <a:tint val="75000"/>
+                  </a:schemeClr>
+                </a:solidFill>
+              </a:defRPr>
+            </a:lvl8pPr>
+            <a:lvl9pPr marL="3657600" indent="0">
+              <a:buNone/>
+              <a:defRPr sz="1400">
+                <a:solidFill>
+                  <a:schemeClr val="tx1">
+                    <a:tint val="75000"/>
+                  </a:schemeClr>
+                </a:solidFill>
+              </a:defRPr>
+            </a:lvl9pPr>
+          </a:lstStyle>
+          <a:p>
+            <a:pPr lvl="0"/>
+            <a:r>
+              <a:rPr lang="pt-PT"/>
+              <a:t>Editar os estilos de texto do Modelo Global</a:t>
+            </a:r>
+          </a:p>
+        </p:txBody>
+      </p:sp>
+      <p:sp>
+        <p:nvSpPr>
+          <p:cNvPr id="4" name="Date Placeholder 3"/>
+          <p:cNvSpPr>
+            <a:spLocks noGrp="1"/>
+          </p:cNvSpPr>
+          <p:nvPr>
+            <p:ph type="dt" sz="half" idx="10"/>
+          </p:nvPr>
+        </p:nvSpPr>
+        <p:spPr/>
+        <p:txBody>
+          <a:bodyPr/>
+          <a:lstStyle/>
+          <a:p>
+            <a:fld id="{80BF842D-1605-46E4-8DA6-48CAB1706D79}" type="datetime1">
+              <a:rPr lang="pt-PT" noProof="0" smtClean="0"/>
+              <a:t>24/01/2019</a:t>
+            </a:fld>
+            <a:endParaRPr lang="pt-PT" noProof="0"/>
+          </a:p>
+        </p:txBody>
+      </p:sp>
+      <p:sp>
+        <p:nvSpPr>
+          <p:cNvPr id="5" name="Footer Placeholder 4"/>
+          <p:cNvSpPr>
+            <a:spLocks noGrp="1"/>
+          </p:cNvSpPr>
+          <p:nvPr>
+            <p:ph type="ftr" sz="quarter" idx="11"/>
+          </p:nvPr>
+        </p:nvSpPr>
+        <p:spPr/>
+        <p:txBody>
+          <a:bodyPr/>
+          <a:lstStyle/>
+          <a:p>
+            <a:r>
+              <a:rPr lang="pt-PT" noProof="0"/>
+              <a:t>Adicione um rodapé</a:t>
+            </a:r>
+          </a:p>
+        </p:txBody>
+      </p:sp>
+      <p:sp>
+        <p:nvSpPr>
+          <p:cNvPr id="6" name="Slide Number Placeholder 5"/>
+          <p:cNvSpPr>
+            <a:spLocks noGrp="1"/>
+          </p:cNvSpPr>
+          <p:nvPr>
+            <p:ph type="sldNum" sz="quarter" idx="12"/>
+          </p:nvPr>
+        </p:nvSpPr>
+        <p:spPr/>
+        <p:txBody>
+          <a:bodyPr/>
+          <a:lstStyle/>
+          <a:p>
+            <a:fld id="{401CF334-2D5C-4859-84A6-CA7E6E43FAEB}" type="slidenum">
+              <a:rPr lang="pt-PT" noProof="0" smtClean="0"/>
+              <a:pPr/>
+              <a:t>‹nº›</a:t>
+            </a:fld>
+            <a:endParaRPr lang="pt-PT" noProof="0"/>
+          </a:p>
+        </p:txBody>
+      </p:sp>
+    </p:spTree>
+    <p:extLst>
+      <p:ext uri="{BB962C8B-B14F-4D97-AF65-F5344CB8AC3E}">
+        <p14:creationId xmlns:p14="http://schemas.microsoft.com/office/powerpoint/2010/main" val="1850381238"/>
+      </p:ext>
+    </p:extLst>
+  </p:cSld>
+  <p:clrMapOvr>
+    <a:masterClrMapping/>
+  </p:clrMapOvr>
+  <p:hf sldNum="0" hdr="0" ftr="0" dt="0"/>
+</p:sldLayout>
+</file>
+
+<file path=ppt/slideLayouts/slideLayout11.xml><?xml version="1.0" encoding="utf-8"?>
+<p:sldLayout xmlns:a="http://schemas.openxmlformats.org/drawingml/2006/main" xmlns:r="http://schemas.openxmlformats.org/officeDocument/2006/relationships" xmlns:p="http://schemas.openxmlformats.org/presentationml/2006/main" preserve="1">
+  <p:cSld name="Citação com Legenda">
+    <p:spTree>
+      <p:nvGrpSpPr>
+        <p:cNvPr id="1" name=""/>
+        <p:cNvGrpSpPr/>
+        <p:nvPr/>
+      </p:nvGrpSpPr>
+      <p:grpSpPr>
+        <a:xfrm>
+          <a:off x="0" y="0"/>
+          <a:ext cx="0" cy="0"/>
+          <a:chOff x="0" y="0"/>
+          <a:chExt cx="0" cy="0"/>
+        </a:xfrm>
+      </p:grpSpPr>
+      <p:sp>
+        <p:nvSpPr>
+          <p:cNvPr id="2" name="Title 1"/>
+          <p:cNvSpPr>
+            <a:spLocks noGrp="1"/>
+          </p:cNvSpPr>
+          <p:nvPr>
+            <p:ph type="title"/>
+          </p:nvPr>
+        </p:nvSpPr>
+        <p:spPr>
+          <a:xfrm>
+            <a:off x="931334" y="609600"/>
+            <a:ext cx="8094134" cy="3022600"/>
+          </a:xfrm>
+        </p:spPr>
+        <p:txBody>
+          <a:bodyPr anchor="ctr">
+            <a:normAutofit/>
+          </a:bodyPr>
+          <a:lstStyle>
+            <a:lvl1pPr algn="l">
+              <a:defRPr sz="4400" b="0" cap="none"/>
+            </a:lvl1pPr>
+          </a:lstStyle>
+          <a:p>
+            <a:r>
+              <a:rPr lang="pt-PT"/>
+              <a:t>Clique para editar o estilo de título do Modelo Global</a:t>
+            </a:r>
+            <a:endParaRPr lang="en-US" dirty="0"/>
+          </a:p>
+        </p:txBody>
+      </p:sp>
+      <p:sp>
+        <p:nvSpPr>
+          <p:cNvPr id="23" name="Text Placeholder 9"/>
+          <p:cNvSpPr>
+            <a:spLocks noGrp="1"/>
+          </p:cNvSpPr>
+          <p:nvPr>
+            <p:ph type="body" sz="quarter" idx="13"/>
+          </p:nvPr>
+        </p:nvSpPr>
+        <p:spPr>
+          <a:xfrm>
+            <a:off x="1366139" y="3632200"/>
+            <a:ext cx="7224524" cy="381000"/>
+          </a:xfrm>
+        </p:spPr>
+        <p:txBody>
+          <a:bodyPr anchor="ctr">
+            <a:noAutofit/>
+          </a:bodyPr>
+          <a:lstStyle>
+            <a:lvl1pPr marL="0" indent="0">
+              <a:buFontTx/>
+              <a:buNone/>
+              <a:defRPr sz="1600">
+                <a:solidFill>
+                  <a:schemeClr val="tx1">
+                    <a:lumMod val="50000"/>
+                    <a:lumOff val="50000"/>
+                  </a:schemeClr>
+                </a:solidFill>
+              </a:defRPr>
+            </a:lvl1pPr>
+            <a:lvl2pPr marL="457200" indent="0">
+              <a:buFontTx/>
+              <a:buNone/>
+              <a:defRPr/>
+            </a:lvl2pPr>
+            <a:lvl3pPr marL="914400" indent="0">
+              <a:buFontTx/>
+              <a:buNone/>
+              <a:defRPr/>
+            </a:lvl3pPr>
+            <a:lvl4pPr marL="1371600" indent="0">
+              <a:buFontTx/>
+              <a:buNone/>
+              <a:defRPr/>
+            </a:lvl4pPr>
+            <a:lvl5pPr marL="1828800" indent="0">
+              <a:buFontTx/>
+              <a:buNone/>
+              <a:defRPr/>
+            </a:lvl5pPr>
+          </a:lstStyle>
+          <a:p>
+            <a:pPr lvl="0"/>
+            <a:r>
+              <a:rPr lang="pt-PT"/>
+              <a:t>Editar os estilos de texto do Modelo Global</a:t>
+            </a:r>
+          </a:p>
+        </p:txBody>
+      </p:sp>
+      <p:sp>
+        <p:nvSpPr>
+          <p:cNvPr id="3" name="Text Placeholder 2"/>
+          <p:cNvSpPr>
+            <a:spLocks noGrp="1"/>
+          </p:cNvSpPr>
+          <p:nvPr>
+            <p:ph type="body" idx="1"/>
+          </p:nvPr>
+        </p:nvSpPr>
+        <p:spPr>
+          <a:xfrm>
+            <a:off x="677335" y="4470400"/>
+            <a:ext cx="8596668" cy="1570962"/>
+          </a:xfrm>
+        </p:spPr>
+        <p:txBody>
+          <a:bodyPr anchor="ctr">
+            <a:normAutofit/>
+          </a:bodyPr>
+          <a:lstStyle>
+            <a:lvl1pPr marL="0" indent="0" algn="l">
+              <a:buNone/>
+              <a:defRPr sz="1800">
+                <a:solidFill>
+                  <a:schemeClr val="tx1">
+                    <a:lumMod val="75000"/>
+                    <a:lumOff val="25000"/>
+                  </a:schemeClr>
+                </a:solidFill>
+              </a:defRPr>
+            </a:lvl1pPr>
+            <a:lvl2pPr marL="457200" indent="0">
+              <a:buNone/>
+              <a:defRPr sz="1800">
+                <a:solidFill>
+                  <a:schemeClr val="tx1">
+                    <a:tint val="75000"/>
+                  </a:schemeClr>
+                </a:solidFill>
+              </a:defRPr>
+            </a:lvl2pPr>
+            <a:lvl3pPr marL="914400" indent="0">
+              <a:buNone/>
+              <a:defRPr sz="1600">
+                <a:solidFill>
+                  <a:schemeClr val="tx1">
+                    <a:tint val="75000"/>
+                  </a:schemeClr>
+                </a:solidFill>
+              </a:defRPr>
+            </a:lvl3pPr>
+            <a:lvl4pPr marL="1371600" indent="0">
+              <a:buNone/>
+              <a:defRPr sz="1400">
+                <a:solidFill>
+                  <a:schemeClr val="tx1">
+                    <a:tint val="75000"/>
+                  </a:schemeClr>
+                </a:solidFill>
+              </a:defRPr>
+            </a:lvl4pPr>
+            <a:lvl5pPr marL="1828800" indent="0">
+              <a:buNone/>
+              <a:defRPr sz="1400">
+                <a:solidFill>
+                  <a:schemeClr val="tx1">
+                    <a:tint val="75000"/>
+                  </a:schemeClr>
+                </a:solidFill>
+              </a:defRPr>
+            </a:lvl5pPr>
+            <a:lvl6pPr marL="2286000" indent="0">
+              <a:buNone/>
+              <a:defRPr sz="1400">
+                <a:solidFill>
+                  <a:schemeClr val="tx1">
+                    <a:tint val="75000"/>
+                  </a:schemeClr>
+                </a:solidFill>
+              </a:defRPr>
+            </a:lvl6pPr>
+            <a:lvl7pPr marL="2743200" indent="0">
+              <a:buNone/>
+              <a:defRPr sz="1400">
+                <a:solidFill>
+                  <a:schemeClr val="tx1">
+                    <a:tint val="75000"/>
+                  </a:schemeClr>
+                </a:solidFill>
+              </a:defRPr>
+            </a:lvl7pPr>
+            <a:lvl8pPr marL="3200400" indent="0">
+              <a:buNone/>
+              <a:defRPr sz="1400">
+                <a:solidFill>
+                  <a:schemeClr val="tx1">
+                    <a:tint val="75000"/>
+                  </a:schemeClr>
+                </a:solidFill>
+              </a:defRPr>
+            </a:lvl8pPr>
+            <a:lvl9pPr marL="3657600" indent="0">
+              <a:buNone/>
+              <a:defRPr sz="1400">
+                <a:solidFill>
+                  <a:schemeClr val="tx1">
+                    <a:tint val="75000"/>
+                  </a:schemeClr>
+                </a:solidFill>
+              </a:defRPr>
+            </a:lvl9pPr>
+          </a:lstStyle>
+          <a:p>
+            <a:pPr lvl="0"/>
+            <a:r>
+              <a:rPr lang="pt-PT"/>
+              <a:t>Editar os estilos de texto do Modelo Global</a:t>
+            </a:r>
+          </a:p>
+        </p:txBody>
+      </p:sp>
+      <p:sp>
+        <p:nvSpPr>
+          <p:cNvPr id="4" name="Date Placeholder 3"/>
+          <p:cNvSpPr>
+            <a:spLocks noGrp="1"/>
+          </p:cNvSpPr>
+          <p:nvPr>
+            <p:ph type="dt" sz="half" idx="10"/>
+          </p:nvPr>
+        </p:nvSpPr>
+        <p:spPr/>
+        <p:txBody>
+          <a:bodyPr/>
+          <a:lstStyle/>
+          <a:p>
+            <a:fld id="{80BF842D-1605-46E4-8DA6-48CAB1706D79}" type="datetime1">
+              <a:rPr lang="pt-PT" noProof="0" smtClean="0"/>
+              <a:t>24/01/2019</a:t>
+            </a:fld>
+            <a:endParaRPr lang="pt-PT" noProof="0"/>
+          </a:p>
+        </p:txBody>
+      </p:sp>
+      <p:sp>
+        <p:nvSpPr>
+          <p:cNvPr id="5" name="Footer Placeholder 4"/>
+          <p:cNvSpPr>
+            <a:spLocks noGrp="1"/>
+          </p:cNvSpPr>
+          <p:nvPr>
+            <p:ph type="ftr" sz="quarter" idx="11"/>
+          </p:nvPr>
+        </p:nvSpPr>
+        <p:spPr/>
+        <p:txBody>
+          <a:bodyPr/>
+          <a:lstStyle/>
+          <a:p>
+            <a:r>
+              <a:rPr lang="pt-PT" noProof="0"/>
+              <a:t>Adicione um rodapé</a:t>
+            </a:r>
+          </a:p>
+        </p:txBody>
+      </p:sp>
+      <p:sp>
+        <p:nvSpPr>
+          <p:cNvPr id="6" name="Slide Number Placeholder 5"/>
+          <p:cNvSpPr>
+            <a:spLocks noGrp="1"/>
+          </p:cNvSpPr>
+          <p:nvPr>
+            <p:ph type="sldNum" sz="quarter" idx="12"/>
+          </p:nvPr>
+        </p:nvSpPr>
+        <p:spPr/>
+        <p:txBody>
+          <a:bodyPr/>
+          <a:lstStyle/>
+          <a:p>
+            <a:fld id="{401CF334-2D5C-4859-84A6-CA7E6E43FAEB}" type="slidenum">
+              <a:rPr lang="pt-PT" noProof="0" smtClean="0"/>
+              <a:pPr/>
+              <a:t>‹nº›</a:t>
+            </a:fld>
+            <a:endParaRPr lang="pt-PT" noProof="0"/>
+          </a:p>
+        </p:txBody>
+      </p:sp>
+      <p:sp>
+        <p:nvSpPr>
+          <p:cNvPr id="20" name="TextBox 19"/>
+          <p:cNvSpPr txBox="1"/>
+          <p:nvPr/>
+        </p:nvSpPr>
+        <p:spPr>
+          <a:xfrm>
+            <a:off x="541870" y="790378"/>
+            <a:ext cx="609600" cy="584776"/>
+          </a:xfrm>
+          <a:prstGeom prst="rect">
+            <a:avLst/>
+          </a:prstGeom>
+        </p:spPr>
+        <p:txBody>
+          <a:bodyPr vert="horz" lIns="91440" tIns="45720" rIns="91440" bIns="45720" rtlCol="0" anchor="ctr">
+            <a:noAutofit/>
+          </a:bodyPr>
+          <a:lstStyle/>
+          <a:p>
+            <a:pPr lvl="0"/>
+            <a:r>
+              <a:rPr lang="en-US" sz="8000" baseline="0" dirty="0">
+                <a:ln w="3175" cmpd="sng">
+                  <a:noFill/>
+                </a:ln>
+                <a:solidFill>
+                  <a:schemeClr val="accent1">
+                    <a:lumMod val="60000"/>
+                    <a:lumOff val="40000"/>
+                  </a:schemeClr>
+                </a:solidFill>
+                <a:effectLst/>
+                <a:latin typeface="Arial"/>
+              </a:rPr>
+              <a:t>“</a:t>
+            </a:r>
+          </a:p>
+        </p:txBody>
+      </p:sp>
+      <p:sp>
+        <p:nvSpPr>
+          <p:cNvPr id="22" name="TextBox 21"/>
+          <p:cNvSpPr txBox="1"/>
+          <p:nvPr/>
+        </p:nvSpPr>
+        <p:spPr>
+          <a:xfrm>
+            <a:off x="8893011" y="2886556"/>
+            <a:ext cx="609600" cy="584776"/>
+          </a:xfrm>
+          <a:prstGeom prst="rect">
+            <a:avLst/>
+          </a:prstGeom>
+        </p:spPr>
+        <p:txBody>
+          <a:bodyPr vert="horz" lIns="91440" tIns="45720" rIns="91440" bIns="45720" rtlCol="0" anchor="ctr">
+            <a:noAutofit/>
+          </a:bodyPr>
+          <a:lstStyle/>
+          <a:p>
+            <a:pPr lvl="0"/>
+            <a:r>
+              <a:rPr lang="en-US" sz="8000" baseline="0" dirty="0">
+                <a:ln w="3175" cmpd="sng">
+                  <a:noFill/>
+                </a:ln>
+                <a:solidFill>
+                  <a:schemeClr val="accent1">
+                    <a:lumMod val="60000"/>
+                    <a:lumOff val="40000"/>
+                  </a:schemeClr>
+                </a:solidFill>
+                <a:latin typeface="Arial"/>
+              </a:rPr>
+              <a:t>”</a:t>
+            </a:r>
+            <a:endParaRPr lang="en-US" dirty="0">
+              <a:solidFill>
+                <a:schemeClr val="accent1">
+                  <a:lumMod val="60000"/>
+                  <a:lumOff val="40000"/>
+                </a:schemeClr>
+              </a:solidFill>
+              <a:latin typeface="Arial"/>
+            </a:endParaRPr>
+          </a:p>
+        </p:txBody>
+      </p:sp>
+    </p:spTree>
+    <p:extLst>
+      <p:ext uri="{BB962C8B-B14F-4D97-AF65-F5344CB8AC3E}">
+        <p14:creationId xmlns:p14="http://schemas.microsoft.com/office/powerpoint/2010/main" val="1957528161"/>
+      </p:ext>
+    </p:extLst>
+  </p:cSld>
+  <p:clrMapOvr>
+    <a:masterClrMapping/>
+  </p:clrMapOvr>
+  <p:hf sldNum="0" hdr="0" ftr="0" dt="0"/>
+</p:sldLayout>
+</file>
+
+<file path=ppt/slideLayouts/slideLayout12.xml><?xml version="1.0" encoding="utf-8"?>
+<p:sldLayout xmlns:a="http://schemas.openxmlformats.org/drawingml/2006/main" xmlns:r="http://schemas.openxmlformats.org/officeDocument/2006/relationships" xmlns:p="http://schemas.openxmlformats.org/presentationml/2006/main" preserve="1">
+  <p:cSld name="Cartão de Nome">
+    <p:spTree>
+      <p:nvGrpSpPr>
+        <p:cNvPr id="1" name=""/>
+        <p:cNvGrpSpPr/>
+        <p:nvPr/>
+      </p:nvGrpSpPr>
+      <p:grpSpPr>
+        <a:xfrm>
+          <a:off x="0" y="0"/>
+          <a:ext cx="0" cy="0"/>
+          <a:chOff x="0" y="0"/>
+          <a:chExt cx="0" cy="0"/>
+        </a:xfrm>
+      </p:grpSpPr>
+      <p:sp>
+        <p:nvSpPr>
+          <p:cNvPr id="2" name="Title 1"/>
+          <p:cNvSpPr>
+            <a:spLocks noGrp="1"/>
+          </p:cNvSpPr>
+          <p:nvPr>
+            <p:ph type="title"/>
+          </p:nvPr>
+        </p:nvSpPr>
+        <p:spPr>
+          <a:xfrm>
+            <a:off x="677335" y="1931988"/>
+            <a:ext cx="8596668" cy="2595460"/>
+          </a:xfrm>
+        </p:spPr>
+        <p:txBody>
+          <a:bodyPr anchor="b">
+            <a:normAutofit/>
+          </a:bodyPr>
+          <a:lstStyle>
+            <a:lvl1pPr algn="l">
+              <a:defRPr sz="4400" b="0" cap="none"/>
+            </a:lvl1pPr>
+          </a:lstStyle>
+          <a:p>
+            <a:r>
+              <a:rPr lang="pt-PT"/>
+              <a:t>Clique para editar o estilo de título do Modelo Global</a:t>
+            </a:r>
+            <a:endParaRPr lang="en-US" dirty="0"/>
+          </a:p>
+        </p:txBody>
+      </p:sp>
+      <p:sp>
+        <p:nvSpPr>
+          <p:cNvPr id="3" name="Text Placeholder 2"/>
+          <p:cNvSpPr>
+            <a:spLocks noGrp="1"/>
+          </p:cNvSpPr>
+          <p:nvPr>
+            <p:ph type="body" idx="1"/>
+          </p:nvPr>
+        </p:nvSpPr>
+        <p:spPr>
+          <a:xfrm>
+            <a:off x="677335" y="4527448"/>
+            <a:ext cx="8596668" cy="1513914"/>
+          </a:xfrm>
+        </p:spPr>
+        <p:txBody>
+          <a:bodyPr anchor="t">
+            <a:normAutofit/>
+          </a:bodyPr>
+          <a:lstStyle>
+            <a:lvl1pPr marL="0" indent="0" algn="l">
+              <a:buNone/>
+              <a:defRPr sz="1800">
+                <a:solidFill>
+                  <a:schemeClr val="tx1">
+                    <a:lumMod val="75000"/>
+                    <a:lumOff val="25000"/>
+                  </a:schemeClr>
+                </a:solidFill>
+              </a:defRPr>
+            </a:lvl1pPr>
+            <a:lvl2pPr marL="457200" indent="0">
+              <a:buNone/>
+              <a:defRPr sz="1800">
+                <a:solidFill>
+                  <a:schemeClr val="tx1">
+                    <a:tint val="75000"/>
+                  </a:schemeClr>
+                </a:solidFill>
+              </a:defRPr>
+            </a:lvl2pPr>
+            <a:lvl3pPr marL="914400" indent="0">
+              <a:buNone/>
+              <a:defRPr sz="1600">
+                <a:solidFill>
+                  <a:schemeClr val="tx1">
+                    <a:tint val="75000"/>
+                  </a:schemeClr>
+                </a:solidFill>
+              </a:defRPr>
+            </a:lvl3pPr>
+            <a:lvl4pPr marL="1371600" indent="0">
+              <a:buNone/>
+              <a:defRPr sz="1400">
+                <a:solidFill>
+                  <a:schemeClr val="tx1">
+                    <a:tint val="75000"/>
+                  </a:schemeClr>
+                </a:solidFill>
+              </a:defRPr>
+            </a:lvl4pPr>
+            <a:lvl5pPr marL="1828800" indent="0">
+              <a:buNone/>
+              <a:defRPr sz="1400">
+                <a:solidFill>
+                  <a:schemeClr val="tx1">
+                    <a:tint val="75000"/>
+                  </a:schemeClr>
+                </a:solidFill>
+              </a:defRPr>
+            </a:lvl5pPr>
+            <a:lvl6pPr marL="2286000" indent="0">
+              <a:buNone/>
+              <a:defRPr sz="1400">
+                <a:solidFill>
+                  <a:schemeClr val="tx1">
+                    <a:tint val="75000"/>
+                  </a:schemeClr>
+                </a:solidFill>
+              </a:defRPr>
+            </a:lvl6pPr>
+            <a:lvl7pPr marL="2743200" indent="0">
+              <a:buNone/>
+              <a:defRPr sz="1400">
+                <a:solidFill>
+                  <a:schemeClr val="tx1">
+                    <a:tint val="75000"/>
+                  </a:schemeClr>
+                </a:solidFill>
+              </a:defRPr>
+            </a:lvl7pPr>
+            <a:lvl8pPr marL="3200400" indent="0">
+              <a:buNone/>
+              <a:defRPr sz="1400">
+                <a:solidFill>
+                  <a:schemeClr val="tx1">
+                    <a:tint val="75000"/>
+                  </a:schemeClr>
+                </a:solidFill>
+              </a:defRPr>
+            </a:lvl8pPr>
+            <a:lvl9pPr marL="3657600" indent="0">
+              <a:buNone/>
+              <a:defRPr sz="1400">
+                <a:solidFill>
+                  <a:schemeClr val="tx1">
+                    <a:tint val="75000"/>
+                  </a:schemeClr>
+                </a:solidFill>
+              </a:defRPr>
+            </a:lvl9pPr>
+          </a:lstStyle>
+          <a:p>
+            <a:pPr lvl="0"/>
+            <a:r>
+              <a:rPr lang="pt-PT"/>
+              <a:t>Editar os estilos de texto do Modelo Global</a:t>
+            </a:r>
+          </a:p>
+        </p:txBody>
+      </p:sp>
+      <p:sp>
+        <p:nvSpPr>
+          <p:cNvPr id="4" name="Date Placeholder 3"/>
+          <p:cNvSpPr>
+            <a:spLocks noGrp="1"/>
+          </p:cNvSpPr>
+          <p:nvPr>
+            <p:ph type="dt" sz="half" idx="10"/>
+          </p:nvPr>
+        </p:nvSpPr>
+        <p:spPr/>
+        <p:txBody>
+          <a:bodyPr/>
+          <a:lstStyle/>
+          <a:p>
+            <a:fld id="{80BF842D-1605-46E4-8DA6-48CAB1706D79}" type="datetime1">
+              <a:rPr lang="pt-PT" noProof="0" smtClean="0"/>
+              <a:t>24/01/2019</a:t>
+            </a:fld>
+            <a:endParaRPr lang="pt-PT" noProof="0"/>
+          </a:p>
+        </p:txBody>
+      </p:sp>
+      <p:sp>
+        <p:nvSpPr>
+          <p:cNvPr id="5" name="Footer Placeholder 4"/>
+          <p:cNvSpPr>
+            <a:spLocks noGrp="1"/>
+          </p:cNvSpPr>
+          <p:nvPr>
+            <p:ph type="ftr" sz="quarter" idx="11"/>
+          </p:nvPr>
+        </p:nvSpPr>
+        <p:spPr/>
+        <p:txBody>
+          <a:bodyPr/>
+          <a:lstStyle/>
+          <a:p>
+            <a:r>
+              <a:rPr lang="pt-PT" noProof="0"/>
+              <a:t>Adicione um rodapé</a:t>
+            </a:r>
+          </a:p>
+        </p:txBody>
+      </p:sp>
+      <p:sp>
+        <p:nvSpPr>
+          <p:cNvPr id="6" name="Slide Number Placeholder 5"/>
+          <p:cNvSpPr>
+            <a:spLocks noGrp="1"/>
+          </p:cNvSpPr>
+          <p:nvPr>
+            <p:ph type="sldNum" sz="quarter" idx="12"/>
+          </p:nvPr>
+        </p:nvSpPr>
+        <p:spPr/>
+        <p:txBody>
+          <a:bodyPr/>
+          <a:lstStyle/>
+          <a:p>
+            <a:fld id="{401CF334-2D5C-4859-84A6-CA7E6E43FAEB}" type="slidenum">
+              <a:rPr lang="pt-PT" noProof="0" smtClean="0"/>
+              <a:pPr/>
+              <a:t>‹nº›</a:t>
+            </a:fld>
+            <a:endParaRPr lang="pt-PT" noProof="0"/>
+          </a:p>
+        </p:txBody>
+      </p:sp>
+    </p:spTree>
+    <p:extLst>
+      <p:ext uri="{BB962C8B-B14F-4D97-AF65-F5344CB8AC3E}">
+        <p14:creationId xmlns:p14="http://schemas.microsoft.com/office/powerpoint/2010/main" val="3973792150"/>
+      </p:ext>
+    </p:extLst>
+  </p:cSld>
+  <p:clrMapOvr>
+    <a:masterClrMapping/>
+  </p:clrMapOvr>
+  <p:hf sldNum="0" hdr="0" ftr="0" dt="0"/>
+</p:sldLayout>
+</file>
+
+<file path=ppt/slideLayouts/slideLayout13.xml><?xml version="1.0" encoding="utf-8"?>
+<p:sldLayout xmlns:a="http://schemas.openxmlformats.org/drawingml/2006/main" xmlns:r="http://schemas.openxmlformats.org/officeDocument/2006/relationships" xmlns:p="http://schemas.openxmlformats.org/presentationml/2006/main" preserve="1">
+  <p:cSld name="Cartão de Nome com Citação">
+    <p:spTree>
+      <p:nvGrpSpPr>
+        <p:cNvPr id="1" name=""/>
+        <p:cNvGrpSpPr/>
+        <p:nvPr/>
+      </p:nvGrpSpPr>
+      <p:grpSpPr>
+        <a:xfrm>
+          <a:off x="0" y="0"/>
+          <a:ext cx="0" cy="0"/>
+          <a:chOff x="0" y="0"/>
+          <a:chExt cx="0" cy="0"/>
+        </a:xfrm>
+      </p:grpSpPr>
+      <p:sp>
+        <p:nvSpPr>
+          <p:cNvPr id="2" name="Title 1"/>
+          <p:cNvSpPr>
+            <a:spLocks noGrp="1"/>
+          </p:cNvSpPr>
+          <p:nvPr>
+            <p:ph type="title"/>
+          </p:nvPr>
+        </p:nvSpPr>
+        <p:spPr>
+          <a:xfrm>
+            <a:off x="931334" y="609600"/>
+            <a:ext cx="8094134" cy="3022600"/>
+          </a:xfrm>
+        </p:spPr>
+        <p:txBody>
+          <a:bodyPr anchor="ctr">
+            <a:normAutofit/>
+          </a:bodyPr>
+          <a:lstStyle>
+            <a:lvl1pPr algn="l">
+              <a:defRPr sz="4400" b="0" cap="none"/>
+            </a:lvl1pPr>
+          </a:lstStyle>
+          <a:p>
+            <a:r>
+              <a:rPr lang="pt-PT"/>
+              <a:t>Clique para editar o estilo de título do Modelo Global</a:t>
+            </a:r>
+            <a:endParaRPr lang="en-US" dirty="0"/>
+          </a:p>
+        </p:txBody>
+      </p:sp>
+      <p:sp>
+        <p:nvSpPr>
+          <p:cNvPr id="23" name="Text Placeholder 9"/>
+          <p:cNvSpPr>
+            <a:spLocks noGrp="1"/>
+          </p:cNvSpPr>
+          <p:nvPr>
+            <p:ph type="body" sz="quarter" idx="13"/>
+          </p:nvPr>
+        </p:nvSpPr>
+        <p:spPr>
+          <a:xfrm>
+            <a:off x="677332" y="4013200"/>
+            <a:ext cx="8596669" cy="514248"/>
+          </a:xfrm>
+        </p:spPr>
+        <p:txBody>
+          <a:bodyPr anchor="b">
+            <a:noAutofit/>
+          </a:bodyPr>
+          <a:lstStyle>
+            <a:lvl1pPr marL="0" indent="0">
+              <a:buFontTx/>
+              <a:buNone/>
+              <a:defRPr sz="2400">
+                <a:solidFill>
+                  <a:schemeClr val="tx1">
+                    <a:lumMod val="75000"/>
+                    <a:lumOff val="25000"/>
+                  </a:schemeClr>
+                </a:solidFill>
+              </a:defRPr>
+            </a:lvl1pPr>
+            <a:lvl2pPr marL="457200" indent="0">
+              <a:buFontTx/>
+              <a:buNone/>
+              <a:defRPr/>
+            </a:lvl2pPr>
+            <a:lvl3pPr marL="914400" indent="0">
+              <a:buFontTx/>
+              <a:buNone/>
+              <a:defRPr/>
+            </a:lvl3pPr>
+            <a:lvl4pPr marL="1371600" indent="0">
+              <a:buFontTx/>
+              <a:buNone/>
+              <a:defRPr/>
+            </a:lvl4pPr>
+            <a:lvl5pPr marL="1828800" indent="0">
+              <a:buFontTx/>
+              <a:buNone/>
+              <a:defRPr/>
+            </a:lvl5pPr>
+          </a:lstStyle>
+          <a:p>
+            <a:pPr lvl="0"/>
+            <a:r>
+              <a:rPr lang="pt-PT"/>
+              <a:t>Editar os estilos de texto do Modelo Global</a:t>
+            </a:r>
+          </a:p>
+        </p:txBody>
+      </p:sp>
+      <p:sp>
+        <p:nvSpPr>
+          <p:cNvPr id="3" name="Text Placeholder 2"/>
+          <p:cNvSpPr>
+            <a:spLocks noGrp="1"/>
+          </p:cNvSpPr>
+          <p:nvPr>
+            <p:ph type="body" idx="1"/>
+          </p:nvPr>
+        </p:nvSpPr>
+        <p:spPr>
+          <a:xfrm>
+            <a:off x="677335" y="4527448"/>
+            <a:ext cx="8596668" cy="1513914"/>
+          </a:xfrm>
+        </p:spPr>
+        <p:txBody>
+          <a:bodyPr anchor="t">
+            <a:normAutofit/>
+          </a:bodyPr>
+          <a:lstStyle>
+            <a:lvl1pPr marL="0" indent="0" algn="l">
+              <a:buNone/>
+              <a:defRPr sz="1800">
+                <a:solidFill>
+                  <a:schemeClr val="tx1">
+                    <a:lumMod val="50000"/>
+                    <a:lumOff val="50000"/>
+                  </a:schemeClr>
+                </a:solidFill>
+              </a:defRPr>
+            </a:lvl1pPr>
+            <a:lvl2pPr marL="457200" indent="0">
+              <a:buNone/>
+              <a:defRPr sz="1800">
+                <a:solidFill>
+                  <a:schemeClr val="tx1">
+                    <a:tint val="75000"/>
+                  </a:schemeClr>
+                </a:solidFill>
+              </a:defRPr>
+            </a:lvl2pPr>
+            <a:lvl3pPr marL="914400" indent="0">
+              <a:buNone/>
+              <a:defRPr sz="1600">
+                <a:solidFill>
+                  <a:schemeClr val="tx1">
+                    <a:tint val="75000"/>
+                  </a:schemeClr>
+                </a:solidFill>
+              </a:defRPr>
+            </a:lvl3pPr>
+            <a:lvl4pPr marL="1371600" indent="0">
+              <a:buNone/>
+              <a:defRPr sz="1400">
+                <a:solidFill>
+                  <a:schemeClr val="tx1">
+                    <a:tint val="75000"/>
+                  </a:schemeClr>
+                </a:solidFill>
+              </a:defRPr>
+            </a:lvl4pPr>
+            <a:lvl5pPr marL="1828800" indent="0">
+              <a:buNone/>
+              <a:defRPr sz="1400">
+                <a:solidFill>
+                  <a:schemeClr val="tx1">
+                    <a:tint val="75000"/>
+                  </a:schemeClr>
+                </a:solidFill>
+              </a:defRPr>
+            </a:lvl5pPr>
+            <a:lvl6pPr marL="2286000" indent="0">
+              <a:buNone/>
+              <a:defRPr sz="1400">
+                <a:solidFill>
+                  <a:schemeClr val="tx1">
+                    <a:tint val="75000"/>
+                  </a:schemeClr>
+                </a:solidFill>
+              </a:defRPr>
+            </a:lvl6pPr>
+            <a:lvl7pPr marL="2743200" indent="0">
+              <a:buNone/>
+              <a:defRPr sz="1400">
+                <a:solidFill>
+                  <a:schemeClr val="tx1">
+                    <a:tint val="75000"/>
+                  </a:schemeClr>
+                </a:solidFill>
+              </a:defRPr>
+            </a:lvl7pPr>
+            <a:lvl8pPr marL="3200400" indent="0">
+              <a:buNone/>
+              <a:defRPr sz="1400">
+                <a:solidFill>
+                  <a:schemeClr val="tx1">
+                    <a:tint val="75000"/>
+                  </a:schemeClr>
+                </a:solidFill>
+              </a:defRPr>
+            </a:lvl8pPr>
+            <a:lvl9pPr marL="3657600" indent="0">
+              <a:buNone/>
+              <a:defRPr sz="1400">
+                <a:solidFill>
+                  <a:schemeClr val="tx1">
+                    <a:tint val="75000"/>
+                  </a:schemeClr>
+                </a:solidFill>
+              </a:defRPr>
+            </a:lvl9pPr>
+          </a:lstStyle>
+          <a:p>
+            <a:pPr lvl="0"/>
+            <a:r>
+              <a:rPr lang="pt-PT"/>
+              <a:t>Editar os estilos de texto do Modelo Global</a:t>
+            </a:r>
+          </a:p>
+        </p:txBody>
+      </p:sp>
+      <p:sp>
+        <p:nvSpPr>
+          <p:cNvPr id="4" name="Date Placeholder 3"/>
+          <p:cNvSpPr>
+            <a:spLocks noGrp="1"/>
+          </p:cNvSpPr>
+          <p:nvPr>
+            <p:ph type="dt" sz="half" idx="10"/>
+          </p:nvPr>
+        </p:nvSpPr>
+        <p:spPr/>
+        <p:txBody>
+          <a:bodyPr/>
+          <a:lstStyle/>
+          <a:p>
+            <a:fld id="{80BF842D-1605-46E4-8DA6-48CAB1706D79}" type="datetime1">
+              <a:rPr lang="pt-PT" noProof="0" smtClean="0"/>
+              <a:t>24/01/2019</a:t>
+            </a:fld>
+            <a:endParaRPr lang="pt-PT" noProof="0"/>
+          </a:p>
+        </p:txBody>
+      </p:sp>
+      <p:sp>
+        <p:nvSpPr>
+          <p:cNvPr id="5" name="Footer Placeholder 4"/>
+          <p:cNvSpPr>
+            <a:spLocks noGrp="1"/>
+          </p:cNvSpPr>
+          <p:nvPr>
+            <p:ph type="ftr" sz="quarter" idx="11"/>
+          </p:nvPr>
+        </p:nvSpPr>
+        <p:spPr/>
+        <p:txBody>
+          <a:bodyPr/>
+          <a:lstStyle/>
+          <a:p>
+            <a:r>
+              <a:rPr lang="pt-PT" noProof="0"/>
+              <a:t>Adicione um rodapé</a:t>
+            </a:r>
+          </a:p>
+        </p:txBody>
+      </p:sp>
+      <p:sp>
+        <p:nvSpPr>
+          <p:cNvPr id="6" name="Slide Number Placeholder 5"/>
+          <p:cNvSpPr>
+            <a:spLocks noGrp="1"/>
+          </p:cNvSpPr>
+          <p:nvPr>
+            <p:ph type="sldNum" sz="quarter" idx="12"/>
+          </p:nvPr>
+        </p:nvSpPr>
+        <p:spPr/>
+        <p:txBody>
+          <a:bodyPr/>
+          <a:lstStyle/>
+          <a:p>
+            <a:fld id="{401CF334-2D5C-4859-84A6-CA7E6E43FAEB}" type="slidenum">
+              <a:rPr lang="pt-PT" noProof="0" smtClean="0"/>
+              <a:pPr/>
+              <a:t>‹nº›</a:t>
+            </a:fld>
+            <a:endParaRPr lang="pt-PT" noProof="0"/>
+          </a:p>
+        </p:txBody>
+      </p:sp>
+      <p:sp>
+        <p:nvSpPr>
+          <p:cNvPr id="24" name="TextBox 23"/>
+          <p:cNvSpPr txBox="1"/>
+          <p:nvPr/>
+        </p:nvSpPr>
+        <p:spPr>
+          <a:xfrm>
+            <a:off x="541870" y="790378"/>
+            <a:ext cx="609600" cy="584776"/>
+          </a:xfrm>
+          <a:prstGeom prst="rect">
+            <a:avLst/>
+          </a:prstGeom>
+        </p:spPr>
+        <p:txBody>
+          <a:bodyPr vert="horz" lIns="91440" tIns="45720" rIns="91440" bIns="45720" rtlCol="0" anchor="ctr">
+            <a:noAutofit/>
+          </a:bodyPr>
+          <a:lstStyle/>
+          <a:p>
+            <a:pPr lvl="0"/>
+            <a:r>
+              <a:rPr lang="en-US" sz="8000" baseline="0" dirty="0">
+                <a:ln w="3175" cmpd="sng">
+                  <a:noFill/>
+                </a:ln>
+                <a:solidFill>
+                  <a:schemeClr val="accent1">
+                    <a:lumMod val="60000"/>
+                    <a:lumOff val="40000"/>
+                  </a:schemeClr>
+                </a:solidFill>
+                <a:effectLst/>
+                <a:latin typeface="Arial"/>
+              </a:rPr>
+              <a:t>“</a:t>
+            </a:r>
+          </a:p>
+        </p:txBody>
+      </p:sp>
+      <p:sp>
+        <p:nvSpPr>
+          <p:cNvPr id="25" name="TextBox 24"/>
+          <p:cNvSpPr txBox="1"/>
+          <p:nvPr/>
+        </p:nvSpPr>
+        <p:spPr>
+          <a:xfrm>
+            <a:off x="8893011" y="2886556"/>
+            <a:ext cx="609600" cy="584776"/>
+          </a:xfrm>
+          <a:prstGeom prst="rect">
+            <a:avLst/>
+          </a:prstGeom>
+        </p:spPr>
+        <p:txBody>
+          <a:bodyPr vert="horz" lIns="91440" tIns="45720" rIns="91440" bIns="45720" rtlCol="0" anchor="ctr">
+            <a:noAutofit/>
+          </a:bodyPr>
+          <a:lstStyle/>
+          <a:p>
+            <a:pPr lvl="0"/>
+            <a:r>
+              <a:rPr lang="en-US" sz="8000" baseline="0" dirty="0">
+                <a:ln w="3175" cmpd="sng">
+                  <a:noFill/>
+                </a:ln>
+                <a:solidFill>
+                  <a:schemeClr val="accent1">
+                    <a:lumMod val="60000"/>
+                    <a:lumOff val="40000"/>
+                  </a:schemeClr>
+                </a:solidFill>
+                <a:effectLst/>
+                <a:latin typeface="Arial"/>
+              </a:rPr>
+              <a:t>”</a:t>
+            </a:r>
+          </a:p>
+        </p:txBody>
+      </p:sp>
+    </p:spTree>
+    <p:extLst>
+      <p:ext uri="{BB962C8B-B14F-4D97-AF65-F5344CB8AC3E}">
+        <p14:creationId xmlns:p14="http://schemas.microsoft.com/office/powerpoint/2010/main" val="3788719120"/>
+      </p:ext>
+    </p:extLst>
+  </p:cSld>
+  <p:clrMapOvr>
+    <a:masterClrMapping/>
+  </p:clrMapOvr>
+  <p:hf sldNum="0" hdr="0" ftr="0" dt="0"/>
+</p:sldLayout>
+</file>
+
+<file path=ppt/slideLayouts/slideLayout14.xml><?xml version="1.0" encoding="utf-8"?>
+<p:sldLayout xmlns:a="http://schemas.openxmlformats.org/drawingml/2006/main" xmlns:r="http://schemas.openxmlformats.org/officeDocument/2006/relationships" xmlns:p="http://schemas.openxmlformats.org/presentationml/2006/main" preserve="1">
+  <p:cSld name="Verdadeiro ou Falso">
+    <p:spTree>
+      <p:nvGrpSpPr>
+        <p:cNvPr id="1" name=""/>
+        <p:cNvGrpSpPr/>
+        <p:nvPr/>
+      </p:nvGrpSpPr>
+      <p:grpSpPr>
+        <a:xfrm>
+          <a:off x="0" y="0"/>
+          <a:ext cx="0" cy="0"/>
+          <a:chOff x="0" y="0"/>
+          <a:chExt cx="0" cy="0"/>
+        </a:xfrm>
+      </p:grpSpPr>
+      <p:sp>
+        <p:nvSpPr>
+          <p:cNvPr id="2" name="Title 1"/>
+          <p:cNvSpPr>
+            <a:spLocks noGrp="1"/>
+          </p:cNvSpPr>
+          <p:nvPr>
+            <p:ph type="title"/>
+          </p:nvPr>
+        </p:nvSpPr>
+        <p:spPr>
+          <a:xfrm>
+            <a:off x="685799" y="609600"/>
+            <a:ext cx="8588203" cy="3022600"/>
+          </a:xfrm>
+        </p:spPr>
+        <p:txBody>
+          <a:bodyPr anchor="ctr">
+            <a:normAutofit/>
+          </a:bodyPr>
+          <a:lstStyle>
+            <a:lvl1pPr algn="l">
+              <a:defRPr sz="4400" b="0" cap="none"/>
+            </a:lvl1pPr>
+          </a:lstStyle>
+          <a:p>
+            <a:r>
+              <a:rPr lang="pt-PT"/>
+              <a:t>Clique para editar o estilo de título do Modelo Global</a:t>
+            </a:r>
+            <a:endParaRPr lang="en-US" dirty="0"/>
+          </a:p>
+        </p:txBody>
+      </p:sp>
+      <p:sp>
+        <p:nvSpPr>
+          <p:cNvPr id="23" name="Text Placeholder 9"/>
+          <p:cNvSpPr>
+            <a:spLocks noGrp="1"/>
+          </p:cNvSpPr>
+          <p:nvPr>
+            <p:ph type="body" sz="quarter" idx="13"/>
+          </p:nvPr>
+        </p:nvSpPr>
+        <p:spPr>
+          <a:xfrm>
+            <a:off x="677332" y="4013200"/>
+            <a:ext cx="8596669" cy="514248"/>
+          </a:xfrm>
+        </p:spPr>
+        <p:txBody>
+          <a:bodyPr anchor="b">
+            <a:noAutofit/>
+          </a:bodyPr>
+          <a:lstStyle>
+            <a:lvl1pPr marL="0" indent="0">
+              <a:buFontTx/>
+              <a:buNone/>
+              <a:defRPr sz="2400">
+                <a:solidFill>
+                  <a:schemeClr val="accent1"/>
+                </a:solidFill>
+              </a:defRPr>
+            </a:lvl1pPr>
+            <a:lvl2pPr marL="457200" indent="0">
+              <a:buFontTx/>
+              <a:buNone/>
+              <a:defRPr/>
+            </a:lvl2pPr>
+            <a:lvl3pPr marL="914400" indent="0">
+              <a:buFontTx/>
+              <a:buNone/>
+              <a:defRPr/>
+            </a:lvl3pPr>
+            <a:lvl4pPr marL="1371600" indent="0">
+              <a:buFontTx/>
+              <a:buNone/>
+              <a:defRPr/>
+            </a:lvl4pPr>
+            <a:lvl5pPr marL="1828800" indent="0">
+              <a:buFontTx/>
+              <a:buNone/>
+              <a:defRPr/>
+            </a:lvl5pPr>
+          </a:lstStyle>
+          <a:p>
+            <a:pPr lvl="0"/>
+            <a:r>
+              <a:rPr lang="pt-PT"/>
+              <a:t>Editar os estilos de texto do Modelo Global</a:t>
+            </a:r>
+          </a:p>
+        </p:txBody>
+      </p:sp>
+      <p:sp>
+        <p:nvSpPr>
+          <p:cNvPr id="3" name="Text Placeholder 2"/>
+          <p:cNvSpPr>
+            <a:spLocks noGrp="1"/>
+          </p:cNvSpPr>
+          <p:nvPr>
+            <p:ph type="body" idx="1"/>
+          </p:nvPr>
+        </p:nvSpPr>
+        <p:spPr>
+          <a:xfrm>
+            <a:off x="677335" y="4527448"/>
+            <a:ext cx="8596668" cy="1513914"/>
+          </a:xfrm>
+        </p:spPr>
+        <p:txBody>
+          <a:bodyPr anchor="t">
+            <a:normAutofit/>
+          </a:bodyPr>
+          <a:lstStyle>
+            <a:lvl1pPr marL="0" indent="0" algn="l">
+              <a:buNone/>
+              <a:defRPr sz="1800">
+                <a:solidFill>
+                  <a:schemeClr val="tx1">
+                    <a:lumMod val="50000"/>
+                    <a:lumOff val="50000"/>
+                  </a:schemeClr>
+                </a:solidFill>
+              </a:defRPr>
+            </a:lvl1pPr>
+            <a:lvl2pPr marL="457200" indent="0">
+              <a:buNone/>
+              <a:defRPr sz="1800">
+                <a:solidFill>
+                  <a:schemeClr val="tx1">
+                    <a:tint val="75000"/>
+                  </a:schemeClr>
+                </a:solidFill>
+              </a:defRPr>
+            </a:lvl2pPr>
+            <a:lvl3pPr marL="914400" indent="0">
+              <a:buNone/>
+              <a:defRPr sz="1600">
+                <a:solidFill>
+                  <a:schemeClr val="tx1">
+                    <a:tint val="75000"/>
+                  </a:schemeClr>
+                </a:solidFill>
+              </a:defRPr>
+            </a:lvl3pPr>
+            <a:lvl4pPr marL="1371600" indent="0">
+              <a:buNone/>
+              <a:defRPr sz="1400">
+                <a:solidFill>
+                  <a:schemeClr val="tx1">
+                    <a:tint val="75000"/>
+                  </a:schemeClr>
+                </a:solidFill>
+              </a:defRPr>
+            </a:lvl4pPr>
+            <a:lvl5pPr marL="1828800" indent="0">
+              <a:buNone/>
+              <a:defRPr sz="1400">
+                <a:solidFill>
+                  <a:schemeClr val="tx1">
+                    <a:tint val="75000"/>
+                  </a:schemeClr>
+                </a:solidFill>
+              </a:defRPr>
+            </a:lvl5pPr>
+            <a:lvl6pPr marL="2286000" indent="0">
+              <a:buNone/>
+              <a:defRPr sz="1400">
+                <a:solidFill>
+                  <a:schemeClr val="tx1">
+                    <a:tint val="75000"/>
+                  </a:schemeClr>
+                </a:solidFill>
+              </a:defRPr>
+            </a:lvl6pPr>
+            <a:lvl7pPr marL="2743200" indent="0">
+              <a:buNone/>
+              <a:defRPr sz="1400">
+                <a:solidFill>
+                  <a:schemeClr val="tx1">
+                    <a:tint val="75000"/>
+                  </a:schemeClr>
+                </a:solidFill>
+              </a:defRPr>
+            </a:lvl7pPr>
+            <a:lvl8pPr marL="3200400" indent="0">
+              <a:buNone/>
+              <a:defRPr sz="1400">
+                <a:solidFill>
+                  <a:schemeClr val="tx1">
+                    <a:tint val="75000"/>
+                  </a:schemeClr>
+                </a:solidFill>
+              </a:defRPr>
+            </a:lvl8pPr>
+            <a:lvl9pPr marL="3657600" indent="0">
+              <a:buNone/>
+              <a:defRPr sz="1400">
+                <a:solidFill>
+                  <a:schemeClr val="tx1">
+                    <a:tint val="75000"/>
+                  </a:schemeClr>
+                </a:solidFill>
+              </a:defRPr>
+            </a:lvl9pPr>
+          </a:lstStyle>
+          <a:p>
+            <a:pPr lvl="0"/>
+            <a:r>
+              <a:rPr lang="pt-PT"/>
+              <a:t>Editar os estilos de texto do Modelo Global</a:t>
+            </a:r>
+          </a:p>
+        </p:txBody>
+      </p:sp>
+      <p:sp>
+        <p:nvSpPr>
+          <p:cNvPr id="4" name="Date Placeholder 3"/>
+          <p:cNvSpPr>
+            <a:spLocks noGrp="1"/>
+          </p:cNvSpPr>
+          <p:nvPr>
+            <p:ph type="dt" sz="half" idx="10"/>
+          </p:nvPr>
+        </p:nvSpPr>
+        <p:spPr/>
+        <p:txBody>
+          <a:bodyPr/>
+          <a:lstStyle/>
+          <a:p>
+            <a:fld id="{80BF842D-1605-46E4-8DA6-48CAB1706D79}" type="datetime1">
+              <a:rPr lang="pt-PT" noProof="0" smtClean="0"/>
+              <a:t>24/01/2019</a:t>
+            </a:fld>
+            <a:endParaRPr lang="pt-PT" noProof="0"/>
+          </a:p>
+        </p:txBody>
+      </p:sp>
+      <p:sp>
+        <p:nvSpPr>
+          <p:cNvPr id="5" name="Footer Placeholder 4"/>
+          <p:cNvSpPr>
+            <a:spLocks noGrp="1"/>
+          </p:cNvSpPr>
+          <p:nvPr>
+            <p:ph type="ftr" sz="quarter" idx="11"/>
+          </p:nvPr>
+        </p:nvSpPr>
+        <p:spPr/>
+        <p:txBody>
+          <a:bodyPr/>
+          <a:lstStyle/>
+          <a:p>
+            <a:r>
+              <a:rPr lang="pt-PT" noProof="0"/>
+              <a:t>Adicione um rodapé</a:t>
+            </a:r>
+          </a:p>
+        </p:txBody>
+      </p:sp>
+      <p:sp>
+        <p:nvSpPr>
+          <p:cNvPr id="6" name="Slide Number Placeholder 5"/>
+          <p:cNvSpPr>
+            <a:spLocks noGrp="1"/>
+          </p:cNvSpPr>
+          <p:nvPr>
+            <p:ph type="sldNum" sz="quarter" idx="12"/>
+          </p:nvPr>
+        </p:nvSpPr>
+        <p:spPr/>
+        <p:txBody>
+          <a:bodyPr/>
+          <a:lstStyle/>
+          <a:p>
+            <a:fld id="{401CF334-2D5C-4859-84A6-CA7E6E43FAEB}" type="slidenum">
+              <a:rPr lang="pt-PT" noProof="0" smtClean="0"/>
+              <a:pPr/>
+              <a:t>‹nº›</a:t>
+            </a:fld>
+            <a:endParaRPr lang="pt-PT" noProof="0"/>
+          </a:p>
+        </p:txBody>
+      </p:sp>
+    </p:spTree>
+    <p:extLst>
+      <p:ext uri="{BB962C8B-B14F-4D97-AF65-F5344CB8AC3E}">
+        <p14:creationId xmlns:p14="http://schemas.microsoft.com/office/powerpoint/2010/main" val="1340733346"/>
+      </p:ext>
+    </p:extLst>
+  </p:cSld>
+  <p:clrMapOvr>
+    <a:masterClrMapping/>
+  </p:clrMapOvr>
+  <p:hf sldNum="0" hdr="0" ftr="0" dt="0"/>
+</p:sldLayout>
+</file>
+
+<file path=ppt/slideLayouts/slideLayout15.xml><?xml version="1.0" encoding="utf-8"?>
 <p:sldLayout xmlns:a="http://schemas.openxmlformats.org/drawingml/2006/main" xmlns:r="http://schemas.openxmlformats.org/officeDocument/2006/relationships" xmlns:p="http://schemas.openxmlformats.org/presentationml/2006/main" type="vertTx" preserve="1">
   <p:cSld name="Título e Texto Vertical">
     <p:spTree>
@@ -1323,159 +3467,93 @@
       </p:grpSpPr>
       <p:sp>
         <p:nvSpPr>
-          <p:cNvPr id="2" name="Título 1"/>
-          <p:cNvSpPr>
-            <a:spLocks noGrp="1"/>
-          </p:cNvSpPr>
-          <p:nvPr>
-            <p:ph type="title" hasCustomPrompt="1"/>
+          <p:cNvPr id="2" name="Title 1"/>
+          <p:cNvSpPr>
+            <a:spLocks noGrp="1"/>
+          </p:cNvSpPr>
+          <p:nvPr>
+            <p:ph type="title"/>
           </p:nvPr>
         </p:nvSpPr>
         <p:spPr/>
         <p:txBody>
-          <a:bodyPr rtlCol="0"/>
-          <a:lstStyle>
-            <a:lvl1pPr>
-              <a:defRPr>
-                <a:effectLst/>
-                <a:latin typeface="Century Gothic" panose="020B0502020202020204" pitchFamily="34" charset="0"/>
-              </a:defRPr>
-            </a:lvl1pPr>
-          </a:lstStyle>
-          <a:p>
-            <a:pPr rtl="0"/>
-            <a:r>
-              <a:rPr lang="pt-PT" noProof="0"/>
-              <a:t>Clique para editar o estilo do título do Modelo Global</a:t>
-            </a:r>
-          </a:p>
-        </p:txBody>
-      </p:sp>
-      <p:sp>
-        <p:nvSpPr>
-          <p:cNvPr id="3" name="Marcador de Posição de Texto Vertical 2"/>
-          <p:cNvSpPr>
-            <a:spLocks noGrp="1"/>
-          </p:cNvSpPr>
-          <p:nvPr>
-            <p:ph type="body" orient="vert" idx="1" hasCustomPrompt="1"/>
+          <a:bodyPr/>
+          <a:lstStyle/>
+          <a:p>
+            <a:r>
+              <a:rPr lang="pt-PT"/>
+              <a:t>Clique para editar o estilo de título do Modelo Global</a:t>
+            </a:r>
+            <a:endParaRPr lang="en-US" dirty="0"/>
+          </a:p>
+        </p:txBody>
+      </p:sp>
+      <p:sp>
+        <p:nvSpPr>
+          <p:cNvPr id="3" name="Vertical Text Placeholder 2"/>
+          <p:cNvSpPr>
+            <a:spLocks noGrp="1"/>
+          </p:cNvSpPr>
+          <p:nvPr>
+            <p:ph type="body" orient="vert" idx="1"/>
           </p:nvPr>
         </p:nvSpPr>
         <p:spPr/>
         <p:txBody>
-          <a:bodyPr vert="eaVert" rtlCol="0"/>
-          <a:lstStyle>
-            <a:lvl1pPr>
-              <a:defRPr>
-                <a:latin typeface="Palatino Linotype" panose="02040502050505030304" pitchFamily="18" charset="0"/>
-              </a:defRPr>
-            </a:lvl1pPr>
-            <a:lvl2pPr>
-              <a:defRPr>
-                <a:latin typeface="Palatino Linotype" panose="02040502050505030304" pitchFamily="18" charset="0"/>
-              </a:defRPr>
-            </a:lvl2pPr>
-            <a:lvl3pPr>
-              <a:defRPr>
-                <a:latin typeface="Palatino Linotype" panose="02040502050505030304" pitchFamily="18" charset="0"/>
-              </a:defRPr>
-            </a:lvl3pPr>
-            <a:lvl4pPr>
-              <a:defRPr>
-                <a:latin typeface="Palatino Linotype" panose="02040502050505030304" pitchFamily="18" charset="0"/>
-              </a:defRPr>
-            </a:lvl4pPr>
-            <a:lvl5pPr>
-              <a:defRPr>
-                <a:latin typeface="Palatino Linotype" panose="02040502050505030304" pitchFamily="18" charset="0"/>
-              </a:defRPr>
-            </a:lvl5pPr>
-          </a:lstStyle>
-          <a:p>
-            <a:pPr lvl="0" rtl="0"/>
-            <a:r>
-              <a:rPr lang="pt-PT" noProof="0"/>
-              <a:t>Clique para editar os estilos de texto do Modelo Global</a:t>
-            </a:r>
-          </a:p>
-          <a:p>
-            <a:pPr lvl="1" rtl="0"/>
-            <a:r>
-              <a:rPr lang="pt-PT" noProof="0"/>
+          <a:bodyPr vert="eaVert"/>
+          <a:lstStyle/>
+          <a:p>
+            <a:pPr lvl="0"/>
+            <a:r>
+              <a:rPr lang="pt-PT"/>
+              <a:t>Editar os estilos de texto do Modelo Global</a:t>
+            </a:r>
+          </a:p>
+          <a:p>
+            <a:pPr lvl="1"/>
+            <a:r>
+              <a:rPr lang="pt-PT"/>
               <a:t>Segundo nível</a:t>
             </a:r>
           </a:p>
           <a:p>
-            <a:pPr lvl="2" rtl="0"/>
-            <a:r>
-              <a:rPr lang="pt-PT" noProof="0"/>
+            <a:pPr lvl="2"/>
+            <a:r>
+              <a:rPr lang="pt-PT"/>
               <a:t>Terceiro nível</a:t>
             </a:r>
           </a:p>
           <a:p>
-            <a:pPr lvl="3" rtl="0"/>
-            <a:r>
-              <a:rPr lang="pt-PT" noProof="0"/>
+            <a:pPr lvl="3"/>
+            <a:r>
+              <a:rPr lang="pt-PT"/>
               <a:t>Quarto nível</a:t>
             </a:r>
           </a:p>
           <a:p>
-            <a:pPr lvl="4" rtl="0"/>
-            <a:r>
-              <a:rPr lang="pt-PT" noProof="0"/>
+            <a:pPr lvl="4"/>
+            <a:r>
+              <a:rPr lang="pt-PT"/>
               <a:t>Quinto nível</a:t>
             </a:r>
-          </a:p>
-        </p:txBody>
-      </p:sp>
-      <p:sp>
-        <p:nvSpPr>
-          <p:cNvPr id="5" name="Marcador de Posição do Rodapé 4"/>
-          <p:cNvSpPr>
-            <a:spLocks noGrp="1"/>
-          </p:cNvSpPr>
-          <p:nvPr>
-            <p:ph type="ftr" sz="quarter" idx="11"/>
+            <a:endParaRPr lang="en-US" dirty="0"/>
+          </a:p>
+        </p:txBody>
+      </p:sp>
+      <p:sp>
+        <p:nvSpPr>
+          <p:cNvPr id="4" name="Date Placeholder 3"/>
+          <p:cNvSpPr>
+            <a:spLocks noGrp="1"/>
+          </p:cNvSpPr>
+          <p:nvPr>
+            <p:ph type="dt" sz="half" idx="10"/>
           </p:nvPr>
         </p:nvSpPr>
         <p:spPr/>
         <p:txBody>
-          <a:bodyPr rtlCol="0"/>
-          <a:lstStyle>
-            <a:lvl1pPr>
-              <a:defRPr>
-                <a:latin typeface="Century Gothic" panose="020B0502020202020204" pitchFamily="34" charset="0"/>
-              </a:defRPr>
-            </a:lvl1pPr>
-          </a:lstStyle>
-          <a:p>
-            <a:r>
-              <a:rPr lang="pt-PT" noProof="0"/>
-              <a:t>Adicione um rodapé</a:t>
-            </a:r>
-          </a:p>
-        </p:txBody>
-      </p:sp>
-      <p:sp>
-        <p:nvSpPr>
-          <p:cNvPr id="4" name="Marcador de Posição da Data 3"/>
-          <p:cNvSpPr>
-            <a:spLocks noGrp="1"/>
-          </p:cNvSpPr>
-          <p:nvPr>
-            <p:ph type="dt" sz="half" idx="10"/>
-          </p:nvPr>
-        </p:nvSpPr>
-        <p:spPr/>
-        <p:txBody>
-          <a:bodyPr rtlCol="0"/>
-          <a:lstStyle>
-            <a:lvl1pPr>
-              <a:defRPr>
-                <a:latin typeface="Century Gothic" panose="020B0502020202020204" pitchFamily="34" charset="0"/>
-              </a:defRPr>
-            </a:lvl1pPr>
-          </a:lstStyle>
+          <a:bodyPr/>
+          <a:lstStyle/>
           <a:p>
             <a:fld id="{FB1B8416-5A18-4ACA-AFEF-1D5B7600BCB9}" type="datetime1">
               <a:rPr lang="pt-PT" noProof="0" smtClean="0"/>
@@ -1487,7 +3565,29 @@
       </p:sp>
       <p:sp>
         <p:nvSpPr>
-          <p:cNvPr id="6" name="Marcador de Posição do Número do Diapositivo 5"/>
+          <p:cNvPr id="5" name="Footer Placeholder 4"/>
+          <p:cNvSpPr>
+            <a:spLocks noGrp="1"/>
+          </p:cNvSpPr>
+          <p:nvPr>
+            <p:ph type="ftr" sz="quarter" idx="11"/>
+          </p:nvPr>
+        </p:nvSpPr>
+        <p:spPr/>
+        <p:txBody>
+          <a:bodyPr/>
+          <a:lstStyle/>
+          <a:p>
+            <a:r>
+              <a:rPr lang="pt-PT" noProof="0"/>
+              <a:t>Adicione um rodapé</a:t>
+            </a:r>
+          </a:p>
+        </p:txBody>
+      </p:sp>
+      <p:sp>
+        <p:nvSpPr>
+          <p:cNvPr id="6" name="Slide Number Placeholder 5"/>
           <p:cNvSpPr>
             <a:spLocks noGrp="1"/>
           </p:cNvSpPr>
@@ -1497,14 +3597,8 @@
         </p:nvSpPr>
         <p:spPr/>
         <p:txBody>
-          <a:bodyPr rtlCol="0"/>
-          <a:lstStyle>
-            <a:lvl1pPr>
-              <a:defRPr>
-                <a:latin typeface="Century Gothic" panose="020B0502020202020204" pitchFamily="34" charset="0"/>
-              </a:defRPr>
-            </a:lvl1pPr>
-          </a:lstStyle>
+          <a:bodyPr/>
+          <a:lstStyle/>
           <a:p>
             <a:fld id="{401CF334-2D5C-4859-84A6-CA7E6E43FAEB}" type="slidenum">
               <a:rPr lang="pt-PT" noProof="0" smtClean="0"/>
@@ -1518,7 +3612,7 @@
     </p:spTree>
     <p:extLst>
       <p:ext uri="{BB962C8B-B14F-4D97-AF65-F5344CB8AC3E}">
-        <p14:creationId xmlns:p14="http://schemas.microsoft.com/office/powerpoint/2010/main" val="4172995853"/>
+        <p14:creationId xmlns:p14="http://schemas.microsoft.com/office/powerpoint/2010/main" val="3494673762"/>
       </p:ext>
     </p:extLst>
   </p:cSld>
@@ -1540,9 +3634,9 @@
 </p:sldLayout>
 </file>
 
-<file path=ppt/slideLayouts/slideLayout11.xml><?xml version="1.0" encoding="utf-8"?>
+<file path=ppt/slideLayouts/slideLayout16.xml><?xml version="1.0" encoding="utf-8"?>
 <p:sldLayout xmlns:a="http://schemas.openxmlformats.org/drawingml/2006/main" xmlns:r="http://schemas.openxmlformats.org/officeDocument/2006/relationships" xmlns:p="http://schemas.openxmlformats.org/presentationml/2006/main" type="vertTitleAndTx" preserve="1">
-  <p:cSld name="Título e Texto Vertical">
+  <p:cSld name="Título Vertical e Texto">
     <p:spTree>
       <p:nvGrpSpPr>
         <p:cNvPr id="1" name=""/>
@@ -1559,171 +3653,105 @@
       </p:grpSpPr>
       <p:sp>
         <p:nvSpPr>
-          <p:cNvPr id="2" name="Título Vertical 1"/>
-          <p:cNvSpPr>
-            <a:spLocks noGrp="1"/>
-          </p:cNvSpPr>
-          <p:nvPr>
-            <p:ph type="title" orient="vert" hasCustomPrompt="1"/>
+          <p:cNvPr id="2" name="Vertical Title 1"/>
+          <p:cNvSpPr>
+            <a:spLocks noGrp="1"/>
+          </p:cNvSpPr>
+          <p:nvPr>
+            <p:ph type="title" orient="vert"/>
           </p:nvPr>
         </p:nvSpPr>
         <p:spPr>
           <a:xfrm>
-            <a:off x="8839200" y="274639"/>
-            <a:ext cx="2743200" cy="5851525"/>
+            <a:off x="7967673" y="609599"/>
+            <a:ext cx="1304743" cy="5251451"/>
           </a:xfrm>
         </p:spPr>
         <p:txBody>
-          <a:bodyPr vert="eaVert" rtlCol="0"/>
-          <a:lstStyle>
-            <a:lvl1pPr>
-              <a:defRPr>
-                <a:effectLst/>
-                <a:latin typeface="Century Gothic" panose="020B0502020202020204" pitchFamily="34" charset="0"/>
-              </a:defRPr>
-            </a:lvl1pPr>
-          </a:lstStyle>
-          <a:p>
-            <a:pPr rtl="0"/>
-            <a:r>
-              <a:rPr lang="pt-PT" noProof="0"/>
-              <a:t>Clique para editar o estilo do título do Modelo Global</a:t>
-            </a:r>
-          </a:p>
-        </p:txBody>
-      </p:sp>
-      <p:sp>
-        <p:nvSpPr>
-          <p:cNvPr id="3" name="Marcador de Posição de Texto Vertical 2"/>
-          <p:cNvSpPr>
-            <a:spLocks noGrp="1"/>
-          </p:cNvSpPr>
-          <p:nvPr>
-            <p:ph type="body" orient="vert" idx="1" hasCustomPrompt="1"/>
+          <a:bodyPr vert="eaVert" anchor="ctr"/>
+          <a:lstStyle/>
+          <a:p>
+            <a:r>
+              <a:rPr lang="pt-PT"/>
+              <a:t>Clique para editar o estilo de título do Modelo Global</a:t>
+            </a:r>
+            <a:endParaRPr lang="en-US" dirty="0"/>
+          </a:p>
+        </p:txBody>
+      </p:sp>
+      <p:sp>
+        <p:nvSpPr>
+          <p:cNvPr id="3" name="Vertical Text Placeholder 2"/>
+          <p:cNvSpPr>
+            <a:spLocks noGrp="1"/>
+          </p:cNvSpPr>
+          <p:nvPr>
+            <p:ph type="body" orient="vert" idx="1"/>
           </p:nvPr>
         </p:nvSpPr>
         <p:spPr>
           <a:xfrm>
-            <a:off x="609600" y="274639"/>
-            <a:ext cx="8026400" cy="5851525"/>
+            <a:off x="677335" y="609600"/>
+            <a:ext cx="7060150" cy="5251450"/>
           </a:xfrm>
         </p:spPr>
         <p:txBody>
-          <a:bodyPr vert="eaVert" rtlCol="0"/>
-          <a:lstStyle>
-            <a:lvl1pPr>
-              <a:defRPr>
-                <a:latin typeface="Palatino Linotype" panose="02040502050505030304" pitchFamily="18" charset="0"/>
-              </a:defRPr>
-            </a:lvl1pPr>
-            <a:lvl2pPr>
-              <a:defRPr>
-                <a:latin typeface="Palatino Linotype" panose="02040502050505030304" pitchFamily="18" charset="0"/>
-              </a:defRPr>
-            </a:lvl2pPr>
-            <a:lvl3pPr>
-              <a:defRPr>
-                <a:latin typeface="Palatino Linotype" panose="02040502050505030304" pitchFamily="18" charset="0"/>
-              </a:defRPr>
-            </a:lvl3pPr>
-            <a:lvl4pPr>
-              <a:defRPr>
-                <a:latin typeface="Palatino Linotype" panose="02040502050505030304" pitchFamily="18" charset="0"/>
-              </a:defRPr>
-            </a:lvl4pPr>
-            <a:lvl5pPr>
-              <a:defRPr>
-                <a:latin typeface="Palatino Linotype" panose="02040502050505030304" pitchFamily="18" charset="0"/>
-              </a:defRPr>
-            </a:lvl5pPr>
-          </a:lstStyle>
-          <a:p>
-            <a:pPr lvl="0" rtl="0"/>
-            <a:r>
-              <a:rPr lang="pt-PT" noProof="0"/>
-              <a:t>Clique para editar os estilos de texto do Modelo Global</a:t>
-            </a:r>
-          </a:p>
-          <a:p>
-            <a:pPr lvl="1" rtl="0"/>
-            <a:r>
-              <a:rPr lang="pt-PT" noProof="0"/>
+          <a:bodyPr vert="eaVert"/>
+          <a:lstStyle/>
+          <a:p>
+            <a:pPr lvl="0"/>
+            <a:r>
+              <a:rPr lang="pt-PT"/>
+              <a:t>Editar os estilos de texto do Modelo Global</a:t>
+            </a:r>
+          </a:p>
+          <a:p>
+            <a:pPr lvl="1"/>
+            <a:r>
+              <a:rPr lang="pt-PT"/>
               <a:t>Segundo nível</a:t>
             </a:r>
           </a:p>
           <a:p>
-            <a:pPr lvl="2" rtl="0"/>
-            <a:r>
-              <a:rPr lang="pt-PT" noProof="0"/>
+            <a:pPr lvl="2"/>
+            <a:r>
+              <a:rPr lang="pt-PT"/>
               <a:t>Terceiro nível</a:t>
             </a:r>
           </a:p>
           <a:p>
-            <a:pPr lvl="3" rtl="0"/>
-            <a:r>
-              <a:rPr lang="pt-PT" noProof="0"/>
+            <a:pPr lvl="3"/>
+            <a:r>
+              <a:rPr lang="pt-PT"/>
               <a:t>Quarto nível</a:t>
             </a:r>
           </a:p>
           <a:p>
-            <a:pPr lvl="4" rtl="0"/>
-            <a:r>
-              <a:rPr lang="pt-PT" noProof="0"/>
+            <a:pPr lvl="4"/>
+            <a:r>
+              <a:rPr lang="pt-PT"/>
               <a:t>Quinto nível</a:t>
             </a:r>
-          </a:p>
-        </p:txBody>
-      </p:sp>
-      <p:sp>
-        <p:nvSpPr>
-          <p:cNvPr id="5" name="Marcador de Posição do Rodapé 4"/>
-          <p:cNvSpPr>
-            <a:spLocks noGrp="1"/>
-          </p:cNvSpPr>
-          <p:nvPr>
-            <p:ph type="ftr" sz="quarter" idx="11"/>
+            <a:endParaRPr lang="en-US" dirty="0"/>
+          </a:p>
+        </p:txBody>
+      </p:sp>
+      <p:sp>
+        <p:nvSpPr>
+          <p:cNvPr id="4" name="Date Placeholder 3"/>
+          <p:cNvSpPr>
+            <a:spLocks noGrp="1"/>
+          </p:cNvSpPr>
+          <p:nvPr>
+            <p:ph type="dt" sz="half" idx="10"/>
           </p:nvPr>
         </p:nvSpPr>
         <p:spPr/>
         <p:txBody>
-          <a:bodyPr rtlCol="0"/>
-          <a:lstStyle>
-            <a:lvl1pPr>
-              <a:defRPr>
-                <a:latin typeface="Century Gothic" panose="020B0502020202020204" pitchFamily="34" charset="0"/>
-              </a:defRPr>
-            </a:lvl1pPr>
-          </a:lstStyle>
-          <a:p>
-            <a:r>
-              <a:rPr lang="pt-PT" noProof="0"/>
-              <a:t>Adicione um rodapé</a:t>
-            </a:r>
-          </a:p>
-        </p:txBody>
-      </p:sp>
-      <p:sp>
-        <p:nvSpPr>
-          <p:cNvPr id="4" name="Marcador de Posição da Data 3"/>
-          <p:cNvSpPr>
-            <a:spLocks noGrp="1"/>
-          </p:cNvSpPr>
-          <p:nvPr>
-            <p:ph type="dt" sz="half" idx="10"/>
-          </p:nvPr>
-        </p:nvSpPr>
-        <p:spPr/>
-        <p:txBody>
-          <a:bodyPr rtlCol="0"/>
-          <a:lstStyle>
-            <a:lvl1pPr>
-              <a:defRPr>
-                <a:latin typeface="Century Gothic" panose="020B0502020202020204" pitchFamily="34" charset="0"/>
-              </a:defRPr>
-            </a:lvl1pPr>
-          </a:lstStyle>
-          <a:p>
-            <a:fld id="{B9DFF131-7E8D-4BF8-BD3E-B15C27A1613E}" type="datetime1">
+          <a:bodyPr/>
+          <a:lstStyle/>
+          <a:p>
+            <a:fld id="{80BF842D-1605-46E4-8DA6-48CAB1706D79}" type="datetime1">
               <a:rPr lang="pt-PT" noProof="0" smtClean="0"/>
               <a:t>24/01/2019</a:t>
             </a:fld>
@@ -1733,7 +3761,29 @@
       </p:sp>
       <p:sp>
         <p:nvSpPr>
-          <p:cNvPr id="6" name="Marcador de Posição do Número do Diapositivo 5"/>
+          <p:cNvPr id="5" name="Footer Placeholder 4"/>
+          <p:cNvSpPr>
+            <a:spLocks noGrp="1"/>
+          </p:cNvSpPr>
+          <p:nvPr>
+            <p:ph type="ftr" sz="quarter" idx="11"/>
+          </p:nvPr>
+        </p:nvSpPr>
+        <p:spPr/>
+        <p:txBody>
+          <a:bodyPr/>
+          <a:lstStyle/>
+          <a:p>
+            <a:r>
+              <a:rPr lang="pt-PT" noProof="0"/>
+              <a:t>Adicione um rodapé</a:t>
+            </a:r>
+          </a:p>
+        </p:txBody>
+      </p:sp>
+      <p:sp>
+        <p:nvSpPr>
+          <p:cNvPr id="6" name="Slide Number Placeholder 5"/>
           <p:cNvSpPr>
             <a:spLocks noGrp="1"/>
           </p:cNvSpPr>
@@ -1743,14 +3793,8 @@
         </p:nvSpPr>
         <p:spPr/>
         <p:txBody>
-          <a:bodyPr rtlCol="0"/>
-          <a:lstStyle>
-            <a:lvl1pPr>
-              <a:defRPr>
-                <a:latin typeface="Century Gothic" panose="020B0502020202020204" pitchFamily="34" charset="0"/>
-              </a:defRPr>
-            </a:lvl1pPr>
-          </a:lstStyle>
+          <a:bodyPr/>
+          <a:lstStyle/>
           <a:p>
             <a:fld id="{401CF334-2D5C-4859-84A6-CA7E6E43FAEB}" type="slidenum">
               <a:rPr lang="pt-PT" noProof="0" smtClean="0"/>
@@ -1764,31 +3808,20 @@
     </p:spTree>
     <p:extLst>
       <p:ext uri="{BB962C8B-B14F-4D97-AF65-F5344CB8AC3E}">
-        <p14:creationId xmlns:p14="http://schemas.microsoft.com/office/powerpoint/2010/main" val="3711999067"/>
+        <p14:creationId xmlns:p14="http://schemas.microsoft.com/office/powerpoint/2010/main" val="3325629846"/>
       </p:ext>
     </p:extLst>
   </p:cSld>
   <p:clrMapOvr>
     <a:masterClrMapping/>
   </p:clrMapOvr>
-  <mc:AlternateContent xmlns:mc="http://schemas.openxmlformats.org/markup-compatibility/2006" xmlns:p14="http://schemas.microsoft.com/office/powerpoint/2010/main">
-    <mc:Choice Requires="p14">
-      <p:transition spd="med" p14:dur="700">
-        <p:fade/>
-      </p:transition>
-    </mc:Choice>
-    <mc:Fallback xmlns="">
-      <p:transition spd="med">
-        <p:fade/>
-      </p:transition>
-    </mc:Fallback>
-  </mc:AlternateContent>
+  <p:hf sldNum="0" hdr="0" ftr="0" dt="0"/>
 </p:sldLayout>
 </file>
 
 <file path=ppt/slideLayouts/slideLayout2.xml><?xml version="1.0" encoding="utf-8"?>
 <p:sldLayout xmlns:a="http://schemas.openxmlformats.org/drawingml/2006/main" xmlns:r="http://schemas.openxmlformats.org/officeDocument/2006/relationships" xmlns:p="http://schemas.openxmlformats.org/presentationml/2006/main" type="obj" preserve="1">
-  <p:cSld name="Título e Conteúdo">
+  <p:cSld name="Título e Objeto">
     <p:spTree>
       <p:nvGrpSpPr>
         <p:cNvPr id="1" name=""/>
@@ -1805,205 +3838,101 @@
       </p:grpSpPr>
       <p:sp>
         <p:nvSpPr>
-          <p:cNvPr id="2" name="Título 1"/>
-          <p:cNvSpPr>
-            <a:spLocks noGrp="1"/>
-          </p:cNvSpPr>
-          <p:nvPr>
-            <p:ph type="title" hasCustomPrompt="1"/>
+          <p:cNvPr id="2" name="Title 1"/>
+          <p:cNvSpPr>
+            <a:spLocks noGrp="1"/>
+          </p:cNvSpPr>
+          <p:nvPr>
+            <p:ph type="title"/>
           </p:nvPr>
         </p:nvSpPr>
         <p:spPr/>
         <p:txBody>
-          <a:bodyPr rtlCol="0"/>
+          <a:bodyPr>
+            <a:normAutofit/>
+          </a:bodyPr>
           <a:lstStyle>
             <a:lvl1pPr>
-              <a:defRPr>
-                <a:latin typeface="Century Gothic" panose="020B0502020202020204" pitchFamily="34" charset="0"/>
-              </a:defRPr>
+              <a:defRPr sz="3600"/>
             </a:lvl1pPr>
           </a:lstStyle>
           <a:p>
-            <a:pPr rtl="0"/>
-            <a:r>
-              <a:rPr lang="pt-PT" noProof="0"/>
-              <a:t>Clique para editar o estilo do título do Modelo Global</a:t>
-            </a:r>
-          </a:p>
-        </p:txBody>
-      </p:sp>
-      <p:sp>
-        <p:nvSpPr>
-          <p:cNvPr id="3" name="Marcador de Posição de Conteúdo 2"/>
-          <p:cNvSpPr>
-            <a:spLocks noGrp="1"/>
-          </p:cNvSpPr>
-          <p:nvPr>
-            <p:ph idx="1" hasCustomPrompt="1"/>
+            <a:r>
+              <a:rPr lang="pt-PT"/>
+              <a:t>Clique para editar o estilo de título do Modelo Global</a:t>
+            </a:r>
+            <a:endParaRPr lang="en-US" dirty="0"/>
+          </a:p>
+        </p:txBody>
+      </p:sp>
+      <p:sp>
+        <p:nvSpPr>
+          <p:cNvPr id="3" name="Content Placeholder 2"/>
+          <p:cNvSpPr>
+            <a:spLocks noGrp="1"/>
+          </p:cNvSpPr>
+          <p:nvPr>
+            <p:ph idx="1"/>
           </p:nvPr>
         </p:nvSpPr>
         <p:spPr/>
         <p:txBody>
-          <a:bodyPr rtlCol="0"/>
-          <a:lstStyle>
-            <a:lvl1pPr>
-              <a:defRPr>
-                <a:solidFill>
-                  <a:schemeClr val="tx1"/>
-                </a:solidFill>
-                <a:latin typeface="Palatino Linotype" panose="02040502050505030304" pitchFamily="18" charset="0"/>
-              </a:defRPr>
-            </a:lvl1pPr>
-            <a:lvl2pPr>
-              <a:defRPr>
-                <a:solidFill>
-                  <a:schemeClr val="tx1"/>
-                </a:solidFill>
-                <a:latin typeface="Palatino Linotype" panose="02040502050505030304" pitchFamily="18" charset="0"/>
-              </a:defRPr>
-            </a:lvl2pPr>
-            <a:lvl3pPr>
-              <a:defRPr>
-                <a:solidFill>
-                  <a:schemeClr val="tx1"/>
-                </a:solidFill>
-                <a:latin typeface="Palatino Linotype" panose="02040502050505030304" pitchFamily="18" charset="0"/>
-              </a:defRPr>
-            </a:lvl3pPr>
-            <a:lvl4pPr>
-              <a:defRPr>
-                <a:solidFill>
-                  <a:schemeClr val="tx1"/>
-                </a:solidFill>
-                <a:latin typeface="Palatino Linotype" panose="02040502050505030304" pitchFamily="18" charset="0"/>
-              </a:defRPr>
-            </a:lvl4pPr>
-            <a:lvl5pPr>
-              <a:defRPr>
-                <a:solidFill>
-                  <a:schemeClr val="tx1"/>
-                </a:solidFill>
-                <a:latin typeface="Palatino Linotype" panose="02040502050505030304" pitchFamily="18" charset="0"/>
-              </a:defRPr>
-            </a:lvl5pPr>
-            <a:lvl6pPr>
-              <a:defRPr>
-                <a:solidFill>
-                  <a:schemeClr val="tx1"/>
-                </a:solidFill>
-              </a:defRPr>
-            </a:lvl6pPr>
-            <a:lvl7pPr>
-              <a:defRPr>
-                <a:solidFill>
-                  <a:schemeClr val="tx1"/>
-                </a:solidFill>
-              </a:defRPr>
-            </a:lvl7pPr>
-            <a:lvl8pPr>
-              <a:defRPr>
-                <a:solidFill>
-                  <a:schemeClr val="tx1"/>
-                </a:solidFill>
-              </a:defRPr>
-            </a:lvl8pPr>
-            <a:lvl9pPr>
-              <a:buFont typeface="Arial" pitchFamily="34" charset="0"/>
-              <a:buChar char="•"/>
-              <a:defRPr>
-                <a:solidFill>
-                  <a:schemeClr val="tx1"/>
-                </a:solidFill>
-              </a:defRPr>
-            </a:lvl9pPr>
-          </a:lstStyle>
-          <a:p>
-            <a:pPr lvl="0" rtl="0"/>
-            <a:r>
-              <a:rPr lang="pt-PT" noProof="0"/>
-              <a:t>Clique para editar os estilos de texto do Modelo Global</a:t>
-            </a:r>
-          </a:p>
-          <a:p>
-            <a:pPr lvl="1" rtl="0"/>
-            <a:r>
-              <a:rPr lang="pt-PT" noProof="0"/>
+          <a:bodyPr/>
+          <a:lstStyle/>
+          <a:p>
+            <a:pPr lvl="0"/>
+            <a:r>
+              <a:rPr lang="pt-PT"/>
+              <a:t>Editar os estilos de texto do Modelo Global</a:t>
+            </a:r>
+          </a:p>
+          <a:p>
+            <a:pPr lvl="1"/>
+            <a:r>
+              <a:rPr lang="pt-PT"/>
               <a:t>Segundo nível</a:t>
             </a:r>
           </a:p>
           <a:p>
-            <a:pPr lvl="2" rtl="0"/>
-            <a:r>
-              <a:rPr lang="pt-PT" noProof="0"/>
+            <a:pPr lvl="2"/>
+            <a:r>
+              <a:rPr lang="pt-PT"/>
               <a:t>Terceiro nível</a:t>
             </a:r>
           </a:p>
           <a:p>
-            <a:pPr lvl="3" rtl="0"/>
-            <a:r>
-              <a:rPr lang="pt-PT" noProof="0"/>
+            <a:pPr lvl="3"/>
+            <a:r>
+              <a:rPr lang="pt-PT"/>
               <a:t>Quarto nível</a:t>
             </a:r>
           </a:p>
           <a:p>
-            <a:pPr lvl="4" rtl="0"/>
-            <a:r>
-              <a:rPr lang="pt-PT" noProof="0"/>
+            <a:pPr lvl="4"/>
+            <a:r>
+              <a:rPr lang="pt-PT"/>
               <a:t>Quinto nível</a:t>
             </a:r>
-          </a:p>
-        </p:txBody>
-      </p:sp>
-      <p:sp>
-        <p:nvSpPr>
-          <p:cNvPr id="5" name="Marcador de Posição do Rodapé 4"/>
-          <p:cNvSpPr>
-            <a:spLocks noGrp="1"/>
-          </p:cNvSpPr>
-          <p:nvPr>
-            <p:ph type="ftr" sz="quarter" idx="11"/>
+            <a:endParaRPr lang="en-US" dirty="0"/>
+          </a:p>
+        </p:txBody>
+      </p:sp>
+      <p:sp>
+        <p:nvSpPr>
+          <p:cNvPr id="4" name="Date Placeholder 3"/>
+          <p:cNvSpPr>
+            <a:spLocks noGrp="1"/>
+          </p:cNvSpPr>
+          <p:nvPr>
+            <p:ph type="dt" sz="half" idx="10"/>
           </p:nvPr>
         </p:nvSpPr>
         <p:spPr/>
         <p:txBody>
-          <a:bodyPr rtlCol="0"/>
-          <a:lstStyle>
-            <a:lvl1pPr>
-              <a:defRPr>
-                <a:latin typeface="Century Gothic" panose="020B0502020202020204" pitchFamily="34" charset="0"/>
-              </a:defRPr>
-            </a:lvl1pPr>
-          </a:lstStyle>
-          <a:p>
-            <a:r>
-              <a:rPr lang="pt-PT" noProof="0"/>
-              <a:t>Adicione um rodapé</a:t>
-            </a:r>
-          </a:p>
-        </p:txBody>
-      </p:sp>
-      <p:sp>
-        <p:nvSpPr>
-          <p:cNvPr id="4" name="Marcador de Posição da Data 3"/>
-          <p:cNvSpPr>
-            <a:spLocks noGrp="1"/>
-          </p:cNvSpPr>
-          <p:nvPr>
-            <p:ph type="dt" sz="half" idx="10"/>
-          </p:nvPr>
-        </p:nvSpPr>
-        <p:spPr/>
-        <p:txBody>
-          <a:bodyPr rtlCol="0"/>
-          <a:lstStyle>
-            <a:lvl1pPr>
-              <a:defRPr>
-                <a:latin typeface="Century Gothic" panose="020B0502020202020204" pitchFamily="34" charset="0"/>
-              </a:defRPr>
-            </a:lvl1pPr>
-          </a:lstStyle>
-          <a:p>
-            <a:fld id="{D6AAF299-3038-4D4D-9517-9DDF9B73FE07}" type="datetime1">
+          <a:bodyPr/>
+          <a:lstStyle/>
+          <a:p>
+            <a:fld id="{80BF842D-1605-46E4-8DA6-48CAB1706D79}" type="datetime1">
               <a:rPr lang="pt-PT" noProof="0" smtClean="0"/>
               <a:t>24/01/2019</a:t>
             </a:fld>
@@ -2013,7 +3942,29 @@
       </p:sp>
       <p:sp>
         <p:nvSpPr>
-          <p:cNvPr id="6" name="Marcador de Posição do Número do Diapositivo 5"/>
+          <p:cNvPr id="5" name="Footer Placeholder 4"/>
+          <p:cNvSpPr>
+            <a:spLocks noGrp="1"/>
+          </p:cNvSpPr>
+          <p:nvPr>
+            <p:ph type="ftr" sz="quarter" idx="11"/>
+          </p:nvPr>
+        </p:nvSpPr>
+        <p:spPr/>
+        <p:txBody>
+          <a:bodyPr/>
+          <a:lstStyle/>
+          <a:p>
+            <a:r>
+              <a:rPr lang="pt-PT" noProof="0"/>
+              <a:t>Adicione um rodapé</a:t>
+            </a:r>
+          </a:p>
+        </p:txBody>
+      </p:sp>
+      <p:sp>
+        <p:nvSpPr>
+          <p:cNvPr id="6" name="Slide Number Placeholder 5"/>
           <p:cNvSpPr>
             <a:spLocks noGrp="1"/>
           </p:cNvSpPr>
@@ -2023,14 +3974,8 @@
         </p:nvSpPr>
         <p:spPr/>
         <p:txBody>
-          <a:bodyPr rtlCol="0"/>
-          <a:lstStyle>
-            <a:lvl1pPr>
-              <a:defRPr>
-                <a:latin typeface="Century Gothic" panose="020B0502020202020204" pitchFamily="34" charset="0"/>
-              </a:defRPr>
-            </a:lvl1pPr>
-          </a:lstStyle>
+          <a:bodyPr/>
+          <a:lstStyle/>
           <a:p>
             <a:fld id="{401CF334-2D5C-4859-84A6-CA7E6E43FAEB}" type="slidenum">
               <a:rPr lang="pt-PT" noProof="0" smtClean="0"/>
@@ -2044,25 +3989,14 @@
     </p:spTree>
     <p:extLst>
       <p:ext uri="{BB962C8B-B14F-4D97-AF65-F5344CB8AC3E}">
-        <p14:creationId xmlns:p14="http://schemas.microsoft.com/office/powerpoint/2010/main" val="3381064927"/>
+        <p14:creationId xmlns:p14="http://schemas.microsoft.com/office/powerpoint/2010/main" val="2252225325"/>
       </p:ext>
     </p:extLst>
   </p:cSld>
   <p:clrMapOvr>
     <a:masterClrMapping/>
   </p:clrMapOvr>
-  <mc:AlternateContent xmlns:mc="http://schemas.openxmlformats.org/markup-compatibility/2006" xmlns:p14="http://schemas.microsoft.com/office/powerpoint/2010/main">
-    <mc:Choice Requires="p14">
-      <p:transition spd="med" p14:dur="700">
-        <p:fade/>
-      </p:transition>
-    </mc:Choice>
-    <mc:Fallback xmlns="">
-      <p:transition spd="med">
-        <p:fade/>
-      </p:transition>
-    </mc:Fallback>
-  </mc:AlternateContent>
+  <p:hf sldNum="0" hdr="0" ftr="0" dt="0"/>
 </p:sldLayout>
 </file>
 
@@ -2085,233 +4019,64 @@
       </p:grpSpPr>
       <p:sp>
         <p:nvSpPr>
-          <p:cNvPr id="7" name="Oval 6"/>
-          <p:cNvSpPr/>
-          <p:nvPr/>
+          <p:cNvPr id="2" name="Title 1"/>
+          <p:cNvSpPr>
+            <a:spLocks noGrp="1"/>
+          </p:cNvSpPr>
+          <p:nvPr>
+            <p:ph type="title"/>
+          </p:nvPr>
         </p:nvSpPr>
         <p:spPr>
           <a:xfrm>
-            <a:off x="5994400" y="3924300"/>
-            <a:ext cx="113029" cy="84772"/>
+            <a:off x="677335" y="2700867"/>
+            <a:ext cx="8596668" cy="1826581"/>
           </a:xfrm>
-          <a:prstGeom prst="ellipse">
-            <a:avLst/>
-          </a:prstGeom>
-          <a:solidFill>
-            <a:schemeClr val="tx1">
-              <a:lumMod val="50000"/>
-              <a:lumOff val="50000"/>
-            </a:schemeClr>
-          </a:solidFill>
-          <a:ln w="12700">
-            <a:noFill/>
-          </a:ln>
-          <a:effectLst/>
         </p:spPr>
-        <p:style>
-          <a:lnRef idx="2">
-            <a:schemeClr val="accent1">
-              <a:shade val="50000"/>
-            </a:schemeClr>
-          </a:lnRef>
-          <a:fillRef idx="1">
-            <a:schemeClr val="accent1"/>
-          </a:fillRef>
-          <a:effectRef idx="0">
-            <a:schemeClr val="accent1"/>
-          </a:effectRef>
-          <a:fontRef idx="minor">
-            <a:schemeClr val="lt1"/>
-          </a:fontRef>
-        </p:style>
-        <p:txBody>
-          <a:bodyPr rtlCol="0" anchor="ctr"/>
-          <a:lstStyle/>
-          <a:p>
-            <a:pPr algn="ctr" rtl="0"/>
-            <a:endParaRPr lang="pt-PT" sz="1800" noProof="0">
-              <a:latin typeface="Palatino Linotype" panose="02040502050505030304" pitchFamily="18" charset="0"/>
-            </a:endParaRPr>
-          </a:p>
-        </p:txBody>
-      </p:sp>
-      <p:sp>
-        <p:nvSpPr>
-          <p:cNvPr id="8" name="Oval 7"/>
-          <p:cNvSpPr/>
-          <p:nvPr/>
+        <p:txBody>
+          <a:bodyPr anchor="b"/>
+          <a:lstStyle>
+            <a:lvl1pPr algn="l">
+              <a:defRPr sz="4000" b="0" cap="none"/>
+            </a:lvl1pPr>
+          </a:lstStyle>
+          <a:p>
+            <a:r>
+              <a:rPr lang="pt-PT"/>
+              <a:t>Clique para editar o estilo de título do Modelo Global</a:t>
+            </a:r>
+            <a:endParaRPr lang="en-US" dirty="0"/>
+          </a:p>
+        </p:txBody>
+      </p:sp>
+      <p:sp>
+        <p:nvSpPr>
+          <p:cNvPr id="3" name="Text Placeholder 2"/>
+          <p:cNvSpPr>
+            <a:spLocks noGrp="1"/>
+          </p:cNvSpPr>
+          <p:nvPr>
+            <p:ph type="body" idx="1"/>
+          </p:nvPr>
         </p:nvSpPr>
         <p:spPr>
           <a:xfrm>
-            <a:off x="6261100" y="3924300"/>
-            <a:ext cx="113029" cy="84772"/>
-          </a:xfrm>
-          <a:prstGeom prst="ellipse">
-            <a:avLst/>
-          </a:prstGeom>
-          <a:solidFill>
-            <a:schemeClr val="tx1">
-              <a:lumMod val="50000"/>
-              <a:lumOff val="50000"/>
-            </a:schemeClr>
-          </a:solidFill>
-          <a:ln w="12700">
-            <a:noFill/>
-          </a:ln>
-          <a:effectLst/>
-        </p:spPr>
-        <p:style>
-          <a:lnRef idx="2">
-            <a:schemeClr val="accent1">
-              <a:shade val="50000"/>
-            </a:schemeClr>
-          </a:lnRef>
-          <a:fillRef idx="1">
-            <a:schemeClr val="accent1"/>
-          </a:fillRef>
-          <a:effectRef idx="0">
-            <a:schemeClr val="accent1"/>
-          </a:effectRef>
-          <a:fontRef idx="minor">
-            <a:schemeClr val="lt1"/>
-          </a:fontRef>
-        </p:style>
-        <p:txBody>
-          <a:bodyPr rtlCol="0" anchor="ctr"/>
-          <a:lstStyle/>
-          <a:p>
-            <a:pPr algn="ctr" rtl="0"/>
-            <a:endParaRPr lang="pt-PT" sz="1800" noProof="0">
-              <a:latin typeface="Palatino Linotype" panose="02040502050505030304" pitchFamily="18" charset="0"/>
-            </a:endParaRPr>
-          </a:p>
-        </p:txBody>
-      </p:sp>
-      <p:sp>
-        <p:nvSpPr>
-          <p:cNvPr id="9" name="Oval 8"/>
-          <p:cNvSpPr/>
-          <p:nvPr/>
-        </p:nvSpPr>
-        <p:spPr>
-          <a:xfrm>
-            <a:off x="5728971" y="3924300"/>
-            <a:ext cx="113029" cy="84772"/>
-          </a:xfrm>
-          <a:prstGeom prst="ellipse">
-            <a:avLst/>
-          </a:prstGeom>
-          <a:solidFill>
-            <a:schemeClr val="tx1">
-              <a:lumMod val="50000"/>
-              <a:lumOff val="50000"/>
-            </a:schemeClr>
-          </a:solidFill>
-          <a:ln w="12700">
-            <a:noFill/>
-          </a:ln>
-          <a:effectLst/>
-        </p:spPr>
-        <p:style>
-          <a:lnRef idx="2">
-            <a:schemeClr val="accent1">
-              <a:shade val="50000"/>
-            </a:schemeClr>
-          </a:lnRef>
-          <a:fillRef idx="1">
-            <a:schemeClr val="accent1"/>
-          </a:fillRef>
-          <a:effectRef idx="0">
-            <a:schemeClr val="accent1"/>
-          </a:effectRef>
-          <a:fontRef idx="minor">
-            <a:schemeClr val="lt1"/>
-          </a:fontRef>
-        </p:style>
-        <p:txBody>
-          <a:bodyPr rtlCol="0" anchor="ctr"/>
-          <a:lstStyle/>
-          <a:p>
-            <a:pPr algn="ctr" rtl="0"/>
-            <a:endParaRPr lang="pt-PT" sz="1800" noProof="0">
-              <a:latin typeface="Palatino Linotype" panose="02040502050505030304" pitchFamily="18" charset="0"/>
-            </a:endParaRPr>
-          </a:p>
-        </p:txBody>
-      </p:sp>
-      <p:sp>
-        <p:nvSpPr>
-          <p:cNvPr id="2" name="Título 1"/>
-          <p:cNvSpPr>
-            <a:spLocks noGrp="1"/>
-          </p:cNvSpPr>
-          <p:nvPr>
-            <p:ph type="title" hasCustomPrompt="1"/>
-          </p:nvPr>
-        </p:nvSpPr>
-        <p:spPr>
-          <a:xfrm>
-            <a:off x="963084" y="1371601"/>
-            <a:ext cx="10363200" cy="2505075"/>
+            <a:off x="677335" y="4527448"/>
+            <a:ext cx="8596668" cy="860400"/>
           </a:xfrm>
         </p:spPr>
         <p:txBody>
-          <a:bodyPr rtlCol="0" anchor="b"/>
+          <a:bodyPr anchor="t"/>
           <a:lstStyle>
-            <a:lvl1pPr algn="ctr" defTabSz="914400" rtl="0" eaLnBrk="1" latinLnBrk="0" hangingPunct="1">
-              <a:lnSpc>
-                <a:spcPct val="100000"/>
-              </a:lnSpc>
-              <a:spcBef>
-                <a:spcPct val="0"/>
-              </a:spcBef>
-              <a:buNone/>
-              <a:defRPr lang="en-US" sz="4800" kern="1200" dirty="0" smtClean="0">
-                <a:solidFill>
-                  <a:schemeClr val="tx2"/>
-                </a:solidFill>
-                <a:effectLst/>
-                <a:latin typeface="Century Gothic" panose="020B0502020202020204" pitchFamily="34" charset="0"/>
-                <a:ea typeface="+mj-ea"/>
-                <a:cs typeface="+mj-cs"/>
-              </a:defRPr>
-            </a:lvl1pPr>
-          </a:lstStyle>
-          <a:p>
-            <a:pPr rtl="0"/>
-            <a:r>
-              <a:rPr lang="pt-PT" noProof="0"/>
-              <a:t>Clique para editar o estilo do título do Modelo Global</a:t>
-            </a:r>
-          </a:p>
-        </p:txBody>
-      </p:sp>
-      <p:sp>
-        <p:nvSpPr>
-          <p:cNvPr id="3" name="Marcador de Posição do Texto 2"/>
-          <p:cNvSpPr>
-            <a:spLocks noGrp="1"/>
-          </p:cNvSpPr>
-          <p:nvPr>
-            <p:ph type="body" idx="1" hasCustomPrompt="1"/>
-          </p:nvPr>
-        </p:nvSpPr>
-        <p:spPr>
-          <a:xfrm>
-            <a:off x="963084" y="4068764"/>
-            <a:ext cx="10363200" cy="1131887"/>
-          </a:xfrm>
-        </p:spPr>
-        <p:txBody>
-          <a:bodyPr rtlCol="0" anchor="t"/>
-          <a:lstStyle>
-            <a:lvl1pPr marL="0" indent="0" algn="ctr">
+            <a:lvl1pPr marL="0" indent="0" algn="l">
               <a:buNone/>
               <a:defRPr sz="2000">
                 <a:solidFill>
-                  <a:schemeClr val="tx1"/>
+                  <a:schemeClr val="tx1">
+                    <a:lumMod val="50000"/>
+                    <a:lumOff val="50000"/>
+                  </a:schemeClr>
                 </a:solidFill>
-                <a:latin typeface="Palatino Linotype" panose="02040502050505030304" pitchFamily="18" charset="0"/>
               </a:defRPr>
             </a:lvl1pPr>
             <a:lvl2pPr marL="457200" indent="0">
@@ -2396,62 +4161,28 @@
             </a:lvl9pPr>
           </a:lstStyle>
           <a:p>
-            <a:pPr lvl="0" rtl="0"/>
-            <a:r>
-              <a:rPr lang="pt-PT" noProof="0"/>
-              <a:t>Clique para editar os estilos de texto do Modelo Global</a:t>
-            </a:r>
-          </a:p>
-        </p:txBody>
-      </p:sp>
-      <p:sp>
-        <p:nvSpPr>
-          <p:cNvPr id="5" name="Marcador de Posição do Rodapé 4"/>
-          <p:cNvSpPr>
-            <a:spLocks noGrp="1"/>
-          </p:cNvSpPr>
-          <p:nvPr>
-            <p:ph type="ftr" sz="quarter" idx="11"/>
+            <a:pPr lvl="0"/>
+            <a:r>
+              <a:rPr lang="pt-PT"/>
+              <a:t>Editar os estilos de texto do Modelo Global</a:t>
+            </a:r>
+          </a:p>
+        </p:txBody>
+      </p:sp>
+      <p:sp>
+        <p:nvSpPr>
+          <p:cNvPr id="4" name="Date Placeholder 3"/>
+          <p:cNvSpPr>
+            <a:spLocks noGrp="1"/>
+          </p:cNvSpPr>
+          <p:nvPr>
+            <p:ph type="dt" sz="half" idx="10"/>
           </p:nvPr>
         </p:nvSpPr>
         <p:spPr/>
         <p:txBody>
-          <a:bodyPr rtlCol="0"/>
-          <a:lstStyle>
-            <a:lvl1pPr>
-              <a:defRPr>
-                <a:latin typeface="Century Gothic" panose="020B0502020202020204" pitchFamily="34" charset="0"/>
-              </a:defRPr>
-            </a:lvl1pPr>
-          </a:lstStyle>
-          <a:p>
-            <a:r>
-              <a:rPr lang="pt-PT" noProof="0"/>
-              <a:t>Adicione um rodapé</a:t>
-            </a:r>
-          </a:p>
-        </p:txBody>
-      </p:sp>
-      <p:sp>
-        <p:nvSpPr>
-          <p:cNvPr id="4" name="Marcador de Posição da Data 3"/>
-          <p:cNvSpPr>
-            <a:spLocks noGrp="1"/>
-          </p:cNvSpPr>
-          <p:nvPr>
-            <p:ph type="dt" sz="half" idx="10"/>
-          </p:nvPr>
-        </p:nvSpPr>
-        <p:spPr/>
-        <p:txBody>
-          <a:bodyPr rtlCol="0"/>
-          <a:lstStyle>
-            <a:lvl1pPr>
-              <a:defRPr>
-                <a:latin typeface="Century Gothic" panose="020B0502020202020204" pitchFamily="34" charset="0"/>
-              </a:defRPr>
-            </a:lvl1pPr>
-          </a:lstStyle>
+          <a:bodyPr/>
+          <a:lstStyle/>
           <a:p>
             <a:fld id="{58EDCC29-EDAB-460A-9183-3459117ECA2F}" type="datetime1">
               <a:rPr lang="pt-PT" noProof="0" smtClean="0"/>
@@ -2463,7 +4194,29 @@
       </p:sp>
       <p:sp>
         <p:nvSpPr>
-          <p:cNvPr id="6" name="Marcador de Posição do Número do Diapositivo 5"/>
+          <p:cNvPr id="5" name="Footer Placeholder 4"/>
+          <p:cNvSpPr>
+            <a:spLocks noGrp="1"/>
+          </p:cNvSpPr>
+          <p:nvPr>
+            <p:ph type="ftr" sz="quarter" idx="11"/>
+          </p:nvPr>
+        </p:nvSpPr>
+        <p:spPr/>
+        <p:txBody>
+          <a:bodyPr/>
+          <a:lstStyle/>
+          <a:p>
+            <a:r>
+              <a:rPr lang="pt-PT" noProof="0"/>
+              <a:t>Adicione um rodapé</a:t>
+            </a:r>
+          </a:p>
+        </p:txBody>
+      </p:sp>
+      <p:sp>
+        <p:nvSpPr>
+          <p:cNvPr id="6" name="Slide Number Placeholder 5"/>
           <p:cNvSpPr>
             <a:spLocks noGrp="1"/>
           </p:cNvSpPr>
@@ -2473,14 +4226,8 @@
         </p:nvSpPr>
         <p:spPr/>
         <p:txBody>
-          <a:bodyPr rtlCol="0"/>
-          <a:lstStyle>
-            <a:lvl1pPr>
-              <a:defRPr>
-                <a:latin typeface="Century Gothic" panose="020B0502020202020204" pitchFamily="34" charset="0"/>
-              </a:defRPr>
-            </a:lvl1pPr>
-          </a:lstStyle>
+          <a:bodyPr/>
+          <a:lstStyle/>
           <a:p>
             <a:fld id="{401CF334-2D5C-4859-84A6-CA7E6E43FAEB}" type="slidenum">
               <a:rPr lang="pt-PT" noProof="0" smtClean="0"/>
@@ -2494,7 +4241,7 @@
     </p:spTree>
     <p:extLst>
       <p:ext uri="{BB962C8B-B14F-4D97-AF65-F5344CB8AC3E}">
-        <p14:creationId xmlns:p14="http://schemas.microsoft.com/office/powerpoint/2010/main" val="3415689626"/>
+        <p14:creationId xmlns:p14="http://schemas.microsoft.com/office/powerpoint/2010/main" val="696342610"/>
       </p:ext>
     </p:extLst>
   </p:cSld>
@@ -2535,260 +4282,157 @@
       </p:grpSpPr>
       <p:sp>
         <p:nvSpPr>
-          <p:cNvPr id="2" name="Título 1"/>
-          <p:cNvSpPr>
-            <a:spLocks noGrp="1"/>
-          </p:cNvSpPr>
-          <p:nvPr>
-            <p:ph type="title" hasCustomPrompt="1"/>
+          <p:cNvPr id="2" name="Title 1"/>
+          <p:cNvSpPr>
+            <a:spLocks noGrp="1"/>
+          </p:cNvSpPr>
+          <p:nvPr>
+            <p:ph type="title"/>
           </p:nvPr>
         </p:nvSpPr>
         <p:spPr/>
         <p:txBody>
-          <a:bodyPr rtlCol="0"/>
-          <a:lstStyle>
-            <a:lvl1pPr>
-              <a:defRPr>
-                <a:effectLst/>
-                <a:latin typeface="Century Gothic" panose="020B0502020202020204" pitchFamily="34" charset="0"/>
-              </a:defRPr>
-            </a:lvl1pPr>
-          </a:lstStyle>
-          <a:p>
-            <a:pPr rtl="0"/>
-            <a:r>
-              <a:rPr lang="pt-PT" noProof="0"/>
-              <a:t>Clique para editar o estilo do título do Modelo Global</a:t>
-            </a:r>
-          </a:p>
-        </p:txBody>
-      </p:sp>
-      <p:sp>
-        <p:nvSpPr>
-          <p:cNvPr id="9" name="Marcador de Posição de Conteúdo 8"/>
-          <p:cNvSpPr>
-            <a:spLocks noGrp="1"/>
-          </p:cNvSpPr>
-          <p:nvPr>
-            <p:ph sz="quarter" idx="13" hasCustomPrompt="1"/>
+          <a:bodyPr/>
+          <a:lstStyle/>
+          <a:p>
+            <a:r>
+              <a:rPr lang="pt-PT"/>
+              <a:t>Clique para editar o estilo de título do Modelo Global</a:t>
+            </a:r>
+            <a:endParaRPr lang="en-US" dirty="0"/>
+          </a:p>
+        </p:txBody>
+      </p:sp>
+      <p:sp>
+        <p:nvSpPr>
+          <p:cNvPr id="3" name="Content Placeholder 2"/>
+          <p:cNvSpPr>
+            <a:spLocks noGrp="1"/>
+          </p:cNvSpPr>
+          <p:nvPr>
+            <p:ph sz="half" idx="1"/>
           </p:nvPr>
         </p:nvSpPr>
         <p:spPr>
           <a:xfrm>
-            <a:off x="487680" y="1600200"/>
-            <a:ext cx="5388864" cy="4526280"/>
+            <a:off x="677334" y="2160589"/>
+            <a:ext cx="4184035" cy="3880772"/>
           </a:xfrm>
         </p:spPr>
         <p:txBody>
-          <a:bodyPr rtlCol="0"/>
-          <a:lstStyle>
-            <a:lvl1pPr>
-              <a:defRPr>
-                <a:latin typeface="Palatino Linotype" panose="02040502050505030304" pitchFamily="18" charset="0"/>
-              </a:defRPr>
-            </a:lvl1pPr>
-            <a:lvl2pPr>
-              <a:defRPr>
-                <a:latin typeface="Palatino Linotype" panose="02040502050505030304" pitchFamily="18" charset="0"/>
-              </a:defRPr>
-            </a:lvl2pPr>
-            <a:lvl3pPr>
-              <a:defRPr>
-                <a:latin typeface="Palatino Linotype" panose="02040502050505030304" pitchFamily="18" charset="0"/>
-              </a:defRPr>
-            </a:lvl3pPr>
-            <a:lvl4pPr>
-              <a:defRPr>
-                <a:latin typeface="Palatino Linotype" panose="02040502050505030304" pitchFamily="18" charset="0"/>
-              </a:defRPr>
-            </a:lvl4pPr>
-            <a:lvl5pPr>
-              <a:defRPr>
-                <a:latin typeface="Palatino Linotype" panose="02040502050505030304" pitchFamily="18" charset="0"/>
-              </a:defRPr>
-            </a:lvl5pPr>
-          </a:lstStyle>
-          <a:p>
-            <a:pPr lvl="0" rtl="0"/>
-            <a:r>
-              <a:rPr lang="pt-PT" noProof="0"/>
-              <a:t>Clique para editar os estilos de texto do Modelo Global</a:t>
-            </a:r>
-          </a:p>
-          <a:p>
-            <a:pPr lvl="1" rtl="0"/>
-            <a:r>
-              <a:rPr lang="pt-PT" noProof="0"/>
+          <a:bodyPr/>
+          <a:lstStyle/>
+          <a:p>
+            <a:pPr lvl="0"/>
+            <a:r>
+              <a:rPr lang="pt-PT"/>
+              <a:t>Editar os estilos de texto do Modelo Global</a:t>
+            </a:r>
+          </a:p>
+          <a:p>
+            <a:pPr lvl="1"/>
+            <a:r>
+              <a:rPr lang="pt-PT"/>
               <a:t>Segundo nível</a:t>
             </a:r>
           </a:p>
           <a:p>
-            <a:pPr lvl="2" rtl="0"/>
-            <a:r>
-              <a:rPr lang="pt-PT" noProof="0"/>
+            <a:pPr lvl="2"/>
+            <a:r>
+              <a:rPr lang="pt-PT"/>
               <a:t>Terceiro nível</a:t>
             </a:r>
           </a:p>
           <a:p>
-            <a:pPr lvl="3" rtl="0"/>
-            <a:r>
-              <a:rPr lang="pt-PT" noProof="0"/>
+            <a:pPr lvl="3"/>
+            <a:r>
+              <a:rPr lang="pt-PT"/>
               <a:t>Quarto nível</a:t>
             </a:r>
           </a:p>
           <a:p>
-            <a:pPr lvl="4" rtl="0"/>
-            <a:r>
-              <a:rPr lang="pt-PT" noProof="0"/>
+            <a:pPr lvl="4"/>
+            <a:r>
+              <a:rPr lang="pt-PT"/>
               <a:t>Quinto nível</a:t>
             </a:r>
-          </a:p>
-        </p:txBody>
-      </p:sp>
-      <p:sp>
-        <p:nvSpPr>
-          <p:cNvPr id="4" name="Marcador de Posição de Conteúdo 3"/>
-          <p:cNvSpPr>
-            <a:spLocks noGrp="1"/>
-          </p:cNvSpPr>
-          <p:nvPr>
-            <p:ph sz="half" idx="2" hasCustomPrompt="1"/>
+            <a:endParaRPr lang="en-US" dirty="0"/>
+          </a:p>
+        </p:txBody>
+      </p:sp>
+      <p:sp>
+        <p:nvSpPr>
+          <p:cNvPr id="4" name="Content Placeholder 3"/>
+          <p:cNvSpPr>
+            <a:spLocks noGrp="1"/>
+          </p:cNvSpPr>
+          <p:nvPr>
+            <p:ph sz="half" idx="2"/>
           </p:nvPr>
         </p:nvSpPr>
         <p:spPr>
           <a:xfrm>
-            <a:off x="6197600" y="1600201"/>
-            <a:ext cx="5384800" cy="4525963"/>
+            <a:off x="5089970" y="2160589"/>
+            <a:ext cx="4184034" cy="3880773"/>
           </a:xfrm>
         </p:spPr>
         <p:txBody>
-          <a:bodyPr rtlCol="0"/>
-          <a:lstStyle>
-            <a:lvl1pPr>
-              <a:defRPr sz="2400">
-                <a:latin typeface="Palatino Linotype" panose="02040502050505030304" pitchFamily="18" charset="0"/>
-              </a:defRPr>
-            </a:lvl1pPr>
-            <a:lvl2pPr>
-              <a:defRPr sz="1600">
-                <a:latin typeface="Palatino Linotype" panose="02040502050505030304" pitchFamily="18" charset="0"/>
-              </a:defRPr>
-            </a:lvl2pPr>
-            <a:lvl3pPr>
-              <a:defRPr sz="1600">
-                <a:latin typeface="Palatino Linotype" panose="02040502050505030304" pitchFamily="18" charset="0"/>
-              </a:defRPr>
-            </a:lvl3pPr>
-            <a:lvl4pPr>
-              <a:defRPr sz="1600">
-                <a:latin typeface="Palatino Linotype" panose="02040502050505030304" pitchFamily="18" charset="0"/>
-              </a:defRPr>
-            </a:lvl4pPr>
-            <a:lvl5pPr>
-              <a:defRPr sz="1600">
-                <a:latin typeface="Palatino Linotype" panose="02040502050505030304" pitchFamily="18" charset="0"/>
-              </a:defRPr>
-            </a:lvl5pPr>
-            <a:lvl6pPr>
-              <a:defRPr sz="1600"/>
-            </a:lvl6pPr>
-            <a:lvl7pPr>
-              <a:defRPr sz="1600"/>
-            </a:lvl7pPr>
-            <a:lvl8pPr>
-              <a:defRPr sz="1600"/>
-            </a:lvl8pPr>
-            <a:lvl9pPr>
-              <a:defRPr sz="1600"/>
-            </a:lvl9pPr>
-          </a:lstStyle>
-          <a:p>
-            <a:pPr lvl="0" rtl="0"/>
-            <a:r>
-              <a:rPr lang="pt-PT" noProof="0"/>
-              <a:t>Clique para editar os estilos de texto do Modelo Global</a:t>
-            </a:r>
-          </a:p>
-          <a:p>
-            <a:pPr lvl="1" rtl="0"/>
-            <a:r>
-              <a:rPr lang="pt-PT" noProof="0"/>
+          <a:bodyPr/>
+          <a:lstStyle/>
+          <a:p>
+            <a:pPr lvl="0"/>
+            <a:r>
+              <a:rPr lang="pt-PT"/>
+              <a:t>Editar os estilos de texto do Modelo Global</a:t>
+            </a:r>
+          </a:p>
+          <a:p>
+            <a:pPr lvl="1"/>
+            <a:r>
+              <a:rPr lang="pt-PT"/>
               <a:t>Segundo nível</a:t>
             </a:r>
           </a:p>
           <a:p>
-            <a:pPr lvl="2" rtl="0"/>
-            <a:r>
-              <a:rPr lang="pt-PT" noProof="0"/>
+            <a:pPr lvl="2"/>
+            <a:r>
+              <a:rPr lang="pt-PT"/>
               <a:t>Terceiro nível</a:t>
             </a:r>
           </a:p>
           <a:p>
-            <a:pPr lvl="3" rtl="0"/>
-            <a:r>
-              <a:rPr lang="pt-PT" noProof="0"/>
+            <a:pPr lvl="3"/>
+            <a:r>
+              <a:rPr lang="pt-PT"/>
               <a:t>Quarto nível</a:t>
             </a:r>
           </a:p>
           <a:p>
-            <a:pPr lvl="4" rtl="0"/>
-            <a:r>
-              <a:rPr lang="pt-PT" noProof="0"/>
+            <a:pPr lvl="4"/>
+            <a:r>
+              <a:rPr lang="pt-PT"/>
               <a:t>Quinto nível</a:t>
             </a:r>
-          </a:p>
-        </p:txBody>
-      </p:sp>
-      <p:sp>
-        <p:nvSpPr>
-          <p:cNvPr id="6" name="Marcador de Posição do Rodapé 5"/>
-          <p:cNvSpPr>
-            <a:spLocks noGrp="1"/>
-          </p:cNvSpPr>
-          <p:nvPr>
-            <p:ph type="ftr" sz="quarter" idx="11"/>
+            <a:endParaRPr lang="en-US" dirty="0"/>
+          </a:p>
+        </p:txBody>
+      </p:sp>
+      <p:sp>
+        <p:nvSpPr>
+          <p:cNvPr id="5" name="Date Placeholder 4"/>
+          <p:cNvSpPr>
+            <a:spLocks noGrp="1"/>
+          </p:cNvSpPr>
+          <p:nvPr>
+            <p:ph type="dt" sz="half" idx="10"/>
           </p:nvPr>
         </p:nvSpPr>
         <p:spPr/>
         <p:txBody>
-          <a:bodyPr rtlCol="0"/>
-          <a:lstStyle>
-            <a:lvl1pPr>
-              <a:defRPr>
-                <a:latin typeface="Century Gothic" panose="020B0502020202020204" pitchFamily="34" charset="0"/>
-              </a:defRPr>
-            </a:lvl1pPr>
-          </a:lstStyle>
-          <a:p>
-            <a:r>
-              <a:rPr lang="pt-PT" noProof="0"/>
-              <a:t>Adicione um rodapé</a:t>
-            </a:r>
-          </a:p>
-        </p:txBody>
-      </p:sp>
-      <p:sp>
-        <p:nvSpPr>
-          <p:cNvPr id="5" name="Marcador de Posição da Data 4"/>
-          <p:cNvSpPr>
-            <a:spLocks noGrp="1"/>
-          </p:cNvSpPr>
-          <p:nvPr>
-            <p:ph type="dt" sz="half" idx="10"/>
-          </p:nvPr>
-        </p:nvSpPr>
-        <p:spPr/>
-        <p:txBody>
-          <a:bodyPr rtlCol="0"/>
-          <a:lstStyle>
-            <a:lvl1pPr>
-              <a:defRPr>
-                <a:latin typeface="Century Gothic" panose="020B0502020202020204" pitchFamily="34" charset="0"/>
-              </a:defRPr>
-            </a:lvl1pPr>
-          </a:lstStyle>
-          <a:p>
-            <a:fld id="{DCA318C6-D744-4B84-98BE-C89A75CEDE78}" type="datetime1">
+          <a:bodyPr/>
+          <a:lstStyle/>
+          <a:p>
+            <a:fld id="{80BF842D-1605-46E4-8DA6-48CAB1706D79}" type="datetime1">
               <a:rPr lang="pt-PT" noProof="0" smtClean="0"/>
               <a:t>24/01/2019</a:t>
             </a:fld>
@@ -2798,7 +4442,29 @@
       </p:sp>
       <p:sp>
         <p:nvSpPr>
-          <p:cNvPr id="7" name="Marcador de Posição do Número do Diapositivo 6"/>
+          <p:cNvPr id="6" name="Footer Placeholder 5"/>
+          <p:cNvSpPr>
+            <a:spLocks noGrp="1"/>
+          </p:cNvSpPr>
+          <p:nvPr>
+            <p:ph type="ftr" sz="quarter" idx="11"/>
+          </p:nvPr>
+        </p:nvSpPr>
+        <p:spPr/>
+        <p:txBody>
+          <a:bodyPr/>
+          <a:lstStyle/>
+          <a:p>
+            <a:r>
+              <a:rPr lang="pt-PT" noProof="0"/>
+              <a:t>Adicione um rodapé</a:t>
+            </a:r>
+          </a:p>
+        </p:txBody>
+      </p:sp>
+      <p:sp>
+        <p:nvSpPr>
+          <p:cNvPr id="7" name="Slide Number Placeholder 6"/>
           <p:cNvSpPr>
             <a:spLocks noGrp="1"/>
           </p:cNvSpPr>
@@ -2808,14 +4474,8 @@
         </p:nvSpPr>
         <p:spPr/>
         <p:txBody>
-          <a:bodyPr rtlCol="0"/>
-          <a:lstStyle>
-            <a:lvl1pPr>
-              <a:defRPr>
-                <a:latin typeface="Century Gothic" panose="020B0502020202020204" pitchFamily="34" charset="0"/>
-              </a:defRPr>
-            </a:lvl1pPr>
-          </a:lstStyle>
+          <a:bodyPr/>
+          <a:lstStyle/>
           <a:p>
             <a:fld id="{401CF334-2D5C-4859-84A6-CA7E6E43FAEB}" type="slidenum">
               <a:rPr lang="pt-PT" noProof="0" smtClean="0"/>
@@ -2829,25 +4489,14 @@
     </p:spTree>
     <p:extLst>
       <p:ext uri="{BB962C8B-B14F-4D97-AF65-F5344CB8AC3E}">
-        <p14:creationId xmlns:p14="http://schemas.microsoft.com/office/powerpoint/2010/main" val="2533336930"/>
+        <p14:creationId xmlns:p14="http://schemas.microsoft.com/office/powerpoint/2010/main" val="3937713518"/>
       </p:ext>
     </p:extLst>
   </p:cSld>
   <p:clrMapOvr>
     <a:masterClrMapping/>
   </p:clrMapOvr>
-  <mc:AlternateContent xmlns:mc="http://schemas.openxmlformats.org/markup-compatibility/2006" xmlns:p14="http://schemas.microsoft.com/office/powerpoint/2010/main">
-    <mc:Choice Requires="p14">
-      <p:transition spd="med" p14:dur="700">
-        <p:fade/>
-      </p:transition>
-    </mc:Choice>
-    <mc:Fallback xmlns="">
-      <p:transition spd="med">
-        <p:fade/>
-      </p:transition>
-    </mc:Fallback>
-  </mc:AlternateContent>
+  <p:hf sldNum="0" hdr="0" ftr="0" dt="0"/>
 </p:sldLayout>
 </file>
 
@@ -2870,60 +4519,55 @@
       </p:grpSpPr>
       <p:sp>
         <p:nvSpPr>
-          <p:cNvPr id="2" name="Título 1"/>
-          <p:cNvSpPr>
-            <a:spLocks noGrp="1"/>
-          </p:cNvSpPr>
-          <p:nvPr>
-            <p:ph type="title" hasCustomPrompt="1"/>
+          <p:cNvPr id="2" name="Title 1"/>
+          <p:cNvSpPr>
+            <a:spLocks noGrp="1"/>
+          </p:cNvSpPr>
+          <p:nvPr>
+            <p:ph type="title"/>
           </p:nvPr>
         </p:nvSpPr>
         <p:spPr/>
         <p:txBody>
-          <a:bodyPr rtlCol="0"/>
+          <a:bodyPr/>
           <a:lstStyle>
             <a:lvl1pPr>
-              <a:defRPr>
-                <a:effectLst/>
-                <a:latin typeface="Century Gothic" panose="020B0502020202020204" pitchFamily="34" charset="0"/>
-              </a:defRPr>
+              <a:defRPr/>
             </a:lvl1pPr>
           </a:lstStyle>
           <a:p>
-            <a:pPr rtl="0"/>
-            <a:r>
-              <a:rPr lang="pt-PT" noProof="0"/>
-              <a:t>Clique para editar o estilo do título do Modelo Global</a:t>
-            </a:r>
-          </a:p>
-        </p:txBody>
-      </p:sp>
-      <p:sp>
-        <p:nvSpPr>
-          <p:cNvPr id="3" name="Marcador de Posição do Texto 2"/>
-          <p:cNvSpPr>
-            <a:spLocks noGrp="1"/>
-          </p:cNvSpPr>
-          <p:nvPr>
-            <p:ph type="body" idx="1" hasCustomPrompt="1"/>
+            <a:r>
+              <a:rPr lang="pt-PT"/>
+              <a:t>Clique para editar o estilo de título do Modelo Global</a:t>
+            </a:r>
+            <a:endParaRPr lang="en-US" dirty="0"/>
+          </a:p>
+        </p:txBody>
+      </p:sp>
+      <p:sp>
+        <p:nvSpPr>
+          <p:cNvPr id="3" name="Text Placeholder 2"/>
+          <p:cNvSpPr>
+            <a:spLocks noGrp="1"/>
+          </p:cNvSpPr>
+          <p:nvPr>
+            <p:ph type="body" idx="1"/>
           </p:nvPr>
         </p:nvSpPr>
         <p:spPr>
           <a:xfrm>
-            <a:off x="609600" y="1600200"/>
-            <a:ext cx="5386917" cy="609600"/>
+            <a:off x="675745" y="2160983"/>
+            <a:ext cx="4185623" cy="576262"/>
           </a:xfrm>
         </p:spPr>
         <p:txBody>
-          <a:bodyPr rtlCol="0" anchor="b">
+          <a:bodyPr anchor="b">
             <a:noAutofit/>
           </a:bodyPr>
           <a:lstStyle>
-            <a:lvl1pPr marL="0" indent="0" algn="ctr">
-              <a:buNone/>
-              <a:defRPr sz="2400" b="0">
-                <a:latin typeface="Palatino Linotype" panose="02040502050505030304" pitchFamily="18" charset="0"/>
-              </a:defRPr>
+            <a:lvl1pPr marL="0" indent="0">
+              <a:buNone/>
+              <a:defRPr sz="2400" b="0"/>
             </a:lvl1pPr>
             <a:lvl2pPr marL="457200" indent="0">
               <a:buNone/>
@@ -2959,122 +4603,97 @@
             </a:lvl9pPr>
           </a:lstStyle>
           <a:p>
-            <a:pPr lvl="0" rtl="0"/>
-            <a:r>
-              <a:rPr lang="pt-PT" noProof="0"/>
-              <a:t>Clique para editar os estilos de texto do Modelo Global</a:t>
-            </a:r>
-          </a:p>
-        </p:txBody>
-      </p:sp>
-      <p:sp>
-        <p:nvSpPr>
-          <p:cNvPr id="11" name="Marcador de Posição de Conteúdo 10"/>
-          <p:cNvSpPr>
-            <a:spLocks noGrp="1"/>
-          </p:cNvSpPr>
-          <p:nvPr>
-            <p:ph sz="quarter" idx="13" hasCustomPrompt="1"/>
+            <a:pPr lvl="0"/>
+            <a:r>
+              <a:rPr lang="pt-PT"/>
+              <a:t>Editar os estilos de texto do Modelo Global</a:t>
+            </a:r>
+          </a:p>
+        </p:txBody>
+      </p:sp>
+      <p:sp>
+        <p:nvSpPr>
+          <p:cNvPr id="4" name="Content Placeholder 3"/>
+          <p:cNvSpPr>
+            <a:spLocks noGrp="1"/>
+          </p:cNvSpPr>
+          <p:nvPr>
+            <p:ph sz="half" idx="2"/>
           </p:nvPr>
         </p:nvSpPr>
         <p:spPr>
           <a:xfrm>
-            <a:off x="609600" y="2212848"/>
-            <a:ext cx="5388864" cy="3913632"/>
+            <a:off x="675745" y="2737245"/>
+            <a:ext cx="4185623" cy="3304117"/>
           </a:xfrm>
         </p:spPr>
         <p:txBody>
-          <a:bodyPr rtlCol="0"/>
-          <a:lstStyle>
-            <a:lvl1pPr>
-              <a:defRPr>
-                <a:latin typeface="Palatino Linotype" panose="02040502050505030304" pitchFamily="18" charset="0"/>
-              </a:defRPr>
-            </a:lvl1pPr>
-            <a:lvl2pPr>
-              <a:defRPr>
-                <a:latin typeface="Palatino Linotype" panose="02040502050505030304" pitchFamily="18" charset="0"/>
-              </a:defRPr>
-            </a:lvl2pPr>
-            <a:lvl3pPr>
-              <a:defRPr>
-                <a:latin typeface="Palatino Linotype" panose="02040502050505030304" pitchFamily="18" charset="0"/>
-              </a:defRPr>
-            </a:lvl3pPr>
-            <a:lvl4pPr>
-              <a:defRPr>
-                <a:latin typeface="Palatino Linotype" panose="02040502050505030304" pitchFamily="18" charset="0"/>
-              </a:defRPr>
-            </a:lvl4pPr>
-            <a:lvl5pPr>
-              <a:defRPr>
-                <a:latin typeface="Palatino Linotype" panose="02040502050505030304" pitchFamily="18" charset="0"/>
-              </a:defRPr>
-            </a:lvl5pPr>
-          </a:lstStyle>
-          <a:p>
-            <a:pPr lvl="0" rtl="0"/>
-            <a:r>
-              <a:rPr lang="pt-PT" noProof="0"/>
-              <a:t>Clique para editar os estilos de texto do Modelo Global</a:t>
-            </a:r>
-          </a:p>
-          <a:p>
-            <a:pPr lvl="1" rtl="0"/>
-            <a:r>
-              <a:rPr lang="pt-PT" noProof="0"/>
+          <a:bodyPr>
+            <a:normAutofit/>
+          </a:bodyPr>
+          <a:lstStyle/>
+          <a:p>
+            <a:pPr lvl="0"/>
+            <a:r>
+              <a:rPr lang="pt-PT"/>
+              <a:t>Editar os estilos de texto do Modelo Global</a:t>
+            </a:r>
+          </a:p>
+          <a:p>
+            <a:pPr lvl="1"/>
+            <a:r>
+              <a:rPr lang="pt-PT"/>
               <a:t>Segundo nível</a:t>
             </a:r>
           </a:p>
           <a:p>
-            <a:pPr lvl="2" rtl="0"/>
-            <a:r>
-              <a:rPr lang="pt-PT" noProof="0"/>
+            <a:pPr lvl="2"/>
+            <a:r>
+              <a:rPr lang="pt-PT"/>
               <a:t>Terceiro nível</a:t>
             </a:r>
           </a:p>
           <a:p>
-            <a:pPr lvl="3" rtl="0"/>
-            <a:r>
-              <a:rPr lang="pt-PT" noProof="0"/>
+            <a:pPr lvl="3"/>
+            <a:r>
+              <a:rPr lang="pt-PT"/>
               <a:t>Quarto nível</a:t>
             </a:r>
           </a:p>
           <a:p>
-            <a:pPr lvl="4" rtl="0"/>
-            <a:r>
-              <a:rPr lang="pt-PT" noProof="0"/>
+            <a:pPr lvl="4"/>
+            <a:r>
+              <a:rPr lang="pt-PT"/>
               <a:t>Quinto nível</a:t>
             </a:r>
-          </a:p>
-        </p:txBody>
-      </p:sp>
-      <p:sp>
-        <p:nvSpPr>
-          <p:cNvPr id="5" name="Marcador de Posição do Texto 4"/>
-          <p:cNvSpPr>
-            <a:spLocks noGrp="1"/>
-          </p:cNvSpPr>
-          <p:nvPr>
-            <p:ph type="body" sz="quarter" idx="3" hasCustomPrompt="1"/>
+            <a:endParaRPr lang="en-US" dirty="0"/>
+          </a:p>
+        </p:txBody>
+      </p:sp>
+      <p:sp>
+        <p:nvSpPr>
+          <p:cNvPr id="5" name="Text Placeholder 4"/>
+          <p:cNvSpPr>
+            <a:spLocks noGrp="1"/>
+          </p:cNvSpPr>
+          <p:nvPr>
+            <p:ph type="body" sz="quarter" idx="3"/>
           </p:nvPr>
         </p:nvSpPr>
         <p:spPr>
           <a:xfrm>
-            <a:off x="6197601" y="1600200"/>
-            <a:ext cx="5389033" cy="609600"/>
+            <a:off x="5088383" y="2160983"/>
+            <a:ext cx="4185618" cy="576262"/>
           </a:xfrm>
         </p:spPr>
         <p:txBody>
-          <a:bodyPr rtlCol="0" anchor="b">
+          <a:bodyPr anchor="b">
             <a:noAutofit/>
           </a:bodyPr>
           <a:lstStyle>
-            <a:lvl1pPr marL="0" indent="0" algn="ctr">
-              <a:buNone/>
-              <a:defRPr sz="2400" b="0">
-                <a:latin typeface="Palatino Linotype" panose="02040502050505030304" pitchFamily="18" charset="0"/>
-              </a:defRPr>
+            <a:lvl1pPr marL="0" indent="0">
+              <a:buNone/>
+              <a:defRPr sz="2400" b="0"/>
             </a:lvl1pPr>
             <a:lvl2pPr marL="457200" indent="0">
               <a:buNone/>
@@ -3110,146 +4729,89 @@
             </a:lvl9pPr>
           </a:lstStyle>
           <a:p>
-            <a:pPr lvl="0" rtl="0"/>
-            <a:r>
-              <a:rPr lang="pt-PT" noProof="0"/>
-              <a:t>Clique para editar os estilos de texto do Modelo Global</a:t>
-            </a:r>
-          </a:p>
-        </p:txBody>
-      </p:sp>
-      <p:sp>
-        <p:nvSpPr>
-          <p:cNvPr id="13" name="Marcador de Posição de Conteúdo 12"/>
-          <p:cNvSpPr>
-            <a:spLocks noGrp="1"/>
-          </p:cNvSpPr>
-          <p:nvPr>
-            <p:ph sz="quarter" idx="14" hasCustomPrompt="1"/>
+            <a:pPr lvl="0"/>
+            <a:r>
+              <a:rPr lang="pt-PT"/>
+              <a:t>Editar os estilos de texto do Modelo Global</a:t>
+            </a:r>
+          </a:p>
+        </p:txBody>
+      </p:sp>
+      <p:sp>
+        <p:nvSpPr>
+          <p:cNvPr id="6" name="Content Placeholder 5"/>
+          <p:cNvSpPr>
+            <a:spLocks noGrp="1"/>
+          </p:cNvSpPr>
+          <p:nvPr>
+            <p:ph sz="quarter" idx="4"/>
           </p:nvPr>
         </p:nvSpPr>
         <p:spPr>
           <a:xfrm>
-            <a:off x="6230112" y="2212849"/>
-            <a:ext cx="5388864" cy="3913187"/>
+            <a:off x="5088384" y="2737245"/>
+            <a:ext cx="4185617" cy="3304117"/>
           </a:xfrm>
         </p:spPr>
         <p:txBody>
-          <a:bodyPr rtlCol="0"/>
-          <a:lstStyle>
-            <a:lvl1pPr>
-              <a:defRPr>
-                <a:latin typeface="Palatino Linotype" panose="02040502050505030304" pitchFamily="18" charset="0"/>
-              </a:defRPr>
-            </a:lvl1pPr>
-            <a:lvl2pPr>
-              <a:defRPr>
-                <a:latin typeface="Palatino Linotype" panose="02040502050505030304" pitchFamily="18" charset="0"/>
-              </a:defRPr>
-            </a:lvl2pPr>
-            <a:lvl3pPr>
-              <a:defRPr>
-                <a:latin typeface="Palatino Linotype" panose="02040502050505030304" pitchFamily="18" charset="0"/>
-              </a:defRPr>
-            </a:lvl3pPr>
-            <a:lvl4pPr>
-              <a:defRPr>
-                <a:latin typeface="Palatino Linotype" panose="02040502050505030304" pitchFamily="18" charset="0"/>
-              </a:defRPr>
-            </a:lvl4pPr>
-            <a:lvl5pPr>
-              <a:defRPr>
-                <a:latin typeface="Palatino Linotype" panose="02040502050505030304" pitchFamily="18" charset="0"/>
-              </a:defRPr>
-            </a:lvl5pPr>
-          </a:lstStyle>
-          <a:p>
-            <a:pPr lvl="0" rtl="0"/>
-            <a:r>
-              <a:rPr lang="pt-PT" noProof="0"/>
-              <a:t>Clique para editar os estilos de texto do Modelo Global</a:t>
-            </a:r>
-          </a:p>
-          <a:p>
-            <a:pPr lvl="1" rtl="0"/>
-            <a:r>
-              <a:rPr lang="pt-PT" noProof="0"/>
+          <a:bodyPr>
+            <a:normAutofit/>
+          </a:bodyPr>
+          <a:lstStyle/>
+          <a:p>
+            <a:pPr lvl="0"/>
+            <a:r>
+              <a:rPr lang="pt-PT"/>
+              <a:t>Editar os estilos de texto do Modelo Global</a:t>
+            </a:r>
+          </a:p>
+          <a:p>
+            <a:pPr lvl="1"/>
+            <a:r>
+              <a:rPr lang="pt-PT"/>
               <a:t>Segundo nível</a:t>
             </a:r>
           </a:p>
           <a:p>
-            <a:pPr lvl="2" rtl="0"/>
-            <a:r>
-              <a:rPr lang="pt-PT" noProof="0"/>
+            <a:pPr lvl="2"/>
+            <a:r>
+              <a:rPr lang="pt-PT"/>
               <a:t>Terceiro nível</a:t>
             </a:r>
           </a:p>
           <a:p>
-            <a:pPr lvl="3" rtl="0"/>
-            <a:r>
-              <a:rPr lang="pt-PT" noProof="0"/>
+            <a:pPr lvl="3"/>
+            <a:r>
+              <a:rPr lang="pt-PT"/>
               <a:t>Quarto nível</a:t>
             </a:r>
           </a:p>
           <a:p>
-            <a:pPr lvl="4" rtl="0"/>
-            <a:r>
-              <a:rPr lang="pt-PT" noProof="0"/>
+            <a:pPr lvl="4"/>
+            <a:r>
+              <a:rPr lang="pt-PT"/>
               <a:t>Quinto nível</a:t>
             </a:r>
-          </a:p>
-        </p:txBody>
-      </p:sp>
-      <p:sp>
-        <p:nvSpPr>
-          <p:cNvPr id="8" name="Marcador de Posição do Rodapé 7"/>
-          <p:cNvSpPr>
-            <a:spLocks noGrp="1"/>
-          </p:cNvSpPr>
-          <p:nvPr>
-            <p:ph type="ftr" sz="quarter" idx="11"/>
+            <a:endParaRPr lang="en-US" dirty="0"/>
+          </a:p>
+        </p:txBody>
+      </p:sp>
+      <p:sp>
+        <p:nvSpPr>
+          <p:cNvPr id="7" name="Date Placeholder 6"/>
+          <p:cNvSpPr>
+            <a:spLocks noGrp="1"/>
+          </p:cNvSpPr>
+          <p:nvPr>
+            <p:ph type="dt" sz="half" idx="10"/>
           </p:nvPr>
         </p:nvSpPr>
         <p:spPr/>
         <p:txBody>
-          <a:bodyPr rtlCol="0"/>
-          <a:lstStyle>
-            <a:lvl1pPr>
-              <a:defRPr>
-                <a:latin typeface="Century Gothic" panose="020B0502020202020204" pitchFamily="34" charset="0"/>
-              </a:defRPr>
-            </a:lvl1pPr>
-          </a:lstStyle>
-          <a:p>
-            <a:r>
-              <a:rPr lang="pt-PT" noProof="0"/>
-              <a:t>Adicione um rodapé</a:t>
-            </a:r>
-          </a:p>
-        </p:txBody>
-      </p:sp>
-      <p:sp>
-        <p:nvSpPr>
-          <p:cNvPr id="7" name="Marcador de Posição da Data 6"/>
-          <p:cNvSpPr>
-            <a:spLocks noGrp="1"/>
-          </p:cNvSpPr>
-          <p:nvPr>
-            <p:ph type="dt" sz="half" idx="10"/>
-          </p:nvPr>
-        </p:nvSpPr>
-        <p:spPr/>
-        <p:txBody>
-          <a:bodyPr rtlCol="0"/>
-          <a:lstStyle>
-            <a:lvl1pPr>
-              <a:defRPr>
-                <a:latin typeface="Century Gothic" panose="020B0502020202020204" pitchFamily="34" charset="0"/>
-              </a:defRPr>
-            </a:lvl1pPr>
-          </a:lstStyle>
-          <a:p>
-            <a:fld id="{89A9F3BD-CDBA-404F-B3CB-2FFA2CFE5197}" type="datetime1">
+          <a:bodyPr/>
+          <a:lstStyle/>
+          <a:p>
+            <a:fld id="{80BF842D-1605-46E4-8DA6-48CAB1706D79}" type="datetime1">
               <a:rPr lang="pt-PT" noProof="0" smtClean="0"/>
               <a:t>24/01/2019</a:t>
             </a:fld>
@@ -3259,7 +4821,29 @@
       </p:sp>
       <p:sp>
         <p:nvSpPr>
-          <p:cNvPr id="9" name="Marcador de Posição do Número do Diapositivo 8"/>
+          <p:cNvPr id="8" name="Footer Placeholder 7"/>
+          <p:cNvSpPr>
+            <a:spLocks noGrp="1"/>
+          </p:cNvSpPr>
+          <p:nvPr>
+            <p:ph type="ftr" sz="quarter" idx="11"/>
+          </p:nvPr>
+        </p:nvSpPr>
+        <p:spPr/>
+        <p:txBody>
+          <a:bodyPr/>
+          <a:lstStyle/>
+          <a:p>
+            <a:r>
+              <a:rPr lang="pt-PT" noProof="0"/>
+              <a:t>Adicione um rodapé</a:t>
+            </a:r>
+          </a:p>
+        </p:txBody>
+      </p:sp>
+      <p:sp>
+        <p:nvSpPr>
+          <p:cNvPr id="9" name="Slide Number Placeholder 8"/>
           <p:cNvSpPr>
             <a:spLocks noGrp="1"/>
           </p:cNvSpPr>
@@ -3269,14 +4853,8 @@
         </p:nvSpPr>
         <p:spPr/>
         <p:txBody>
-          <a:bodyPr rtlCol="0"/>
-          <a:lstStyle>
-            <a:lvl1pPr>
-              <a:defRPr>
-                <a:latin typeface="Century Gothic" panose="020B0502020202020204" pitchFamily="34" charset="0"/>
-              </a:defRPr>
-            </a:lvl1pPr>
-          </a:lstStyle>
+          <a:bodyPr/>
+          <a:lstStyle/>
           <a:p>
             <a:fld id="{401CF334-2D5C-4859-84A6-CA7E6E43FAEB}" type="slidenum">
               <a:rPr lang="pt-PT" noProof="0" smtClean="0"/>
@@ -3290,25 +4868,14 @@
     </p:spTree>
     <p:extLst>
       <p:ext uri="{BB962C8B-B14F-4D97-AF65-F5344CB8AC3E}">
-        <p14:creationId xmlns:p14="http://schemas.microsoft.com/office/powerpoint/2010/main" val="3244593729"/>
+        <p14:creationId xmlns:p14="http://schemas.microsoft.com/office/powerpoint/2010/main" val="1738274786"/>
       </p:ext>
     </p:extLst>
   </p:cSld>
   <p:clrMapOvr>
     <a:masterClrMapping/>
   </p:clrMapOvr>
-  <mc:AlternateContent xmlns:mc="http://schemas.openxmlformats.org/markup-compatibility/2006" xmlns:p14="http://schemas.microsoft.com/office/powerpoint/2010/main">
-    <mc:Choice Requires="p14">
-      <p:transition spd="med" p14:dur="700">
-        <p:fade/>
-      </p:transition>
-    </mc:Choice>
-    <mc:Fallback xmlns="">
-      <p:transition spd="med">
-        <p:fade/>
-      </p:transition>
-    </mc:Fallback>
-  </mc:AlternateContent>
+  <p:hf sldNum="0" hdr="0" ftr="0" dt="0"/>
 </p:sldLayout>
 </file>
 
@@ -3331,87 +4898,46 @@
       </p:grpSpPr>
       <p:sp>
         <p:nvSpPr>
-          <p:cNvPr id="2" name="Título 1"/>
-          <p:cNvSpPr>
-            <a:spLocks noGrp="1"/>
-          </p:cNvSpPr>
-          <p:nvPr>
-            <p:ph type="title" hasCustomPrompt="1"/>
+          <p:cNvPr id="2" name="Title 1"/>
+          <p:cNvSpPr>
+            <a:spLocks noGrp="1"/>
+          </p:cNvSpPr>
+          <p:nvPr>
+            <p:ph type="title"/>
           </p:nvPr>
         </p:nvSpPr>
         <p:spPr>
           <a:xfrm>
-            <a:off x="609600" y="9625"/>
-            <a:ext cx="10972800" cy="1600200"/>
+            <a:off x="677334" y="609600"/>
+            <a:ext cx="8596668" cy="1320800"/>
           </a:xfrm>
         </p:spPr>
         <p:txBody>
-          <a:bodyPr rtlCol="0"/>
-          <a:lstStyle>
-            <a:lvl1pPr>
-              <a:defRPr>
-                <a:effectLst/>
-                <a:latin typeface="Century Gothic" panose="020B0502020202020204" pitchFamily="34" charset="0"/>
-              </a:defRPr>
-            </a:lvl1pPr>
-          </a:lstStyle>
-          <a:p>
-            <a:pPr rtl="0"/>
-            <a:r>
-              <a:rPr lang="pt-PT" noProof="0"/>
-              <a:t>Clique para editar o estilo do título do Modelo Global</a:t>
-            </a:r>
-          </a:p>
-        </p:txBody>
-      </p:sp>
-      <p:sp>
-        <p:nvSpPr>
-          <p:cNvPr id="4" name="Marcador de Posição do Rodapé 3"/>
-          <p:cNvSpPr>
-            <a:spLocks noGrp="1"/>
-          </p:cNvSpPr>
-          <p:nvPr>
-            <p:ph type="ftr" sz="quarter" idx="11"/>
+          <a:bodyPr/>
+          <a:lstStyle/>
+          <a:p>
+            <a:r>
+              <a:rPr lang="pt-PT"/>
+              <a:t>Clique para editar o estilo de título do Modelo Global</a:t>
+            </a:r>
+            <a:endParaRPr lang="en-US" dirty="0"/>
+          </a:p>
+        </p:txBody>
+      </p:sp>
+      <p:sp>
+        <p:nvSpPr>
+          <p:cNvPr id="3" name="Date Placeholder 2"/>
+          <p:cNvSpPr>
+            <a:spLocks noGrp="1"/>
+          </p:cNvSpPr>
+          <p:nvPr>
+            <p:ph type="dt" sz="half" idx="10"/>
           </p:nvPr>
         </p:nvSpPr>
         <p:spPr/>
         <p:txBody>
-          <a:bodyPr rtlCol="0"/>
-          <a:lstStyle>
-            <a:lvl1pPr>
-              <a:defRPr>
-                <a:latin typeface="Century Gothic" panose="020B0502020202020204" pitchFamily="34" charset="0"/>
-              </a:defRPr>
-            </a:lvl1pPr>
-          </a:lstStyle>
-          <a:p>
-            <a:r>
-              <a:rPr lang="pt-PT" noProof="0"/>
-              <a:t>Adicione um rodapé</a:t>
-            </a:r>
-          </a:p>
-        </p:txBody>
-      </p:sp>
-      <p:sp>
-        <p:nvSpPr>
-          <p:cNvPr id="3" name="Marcador de Posição da Data 2"/>
-          <p:cNvSpPr>
-            <a:spLocks noGrp="1"/>
-          </p:cNvSpPr>
-          <p:nvPr>
-            <p:ph type="dt" sz="half" idx="10"/>
-          </p:nvPr>
-        </p:nvSpPr>
-        <p:spPr/>
-        <p:txBody>
-          <a:bodyPr rtlCol="0"/>
-          <a:lstStyle>
-            <a:lvl1pPr>
-              <a:defRPr>
-                <a:latin typeface="Century Gothic" panose="020B0502020202020204" pitchFamily="34" charset="0"/>
-              </a:defRPr>
-            </a:lvl1pPr>
-          </a:lstStyle>
+          <a:bodyPr/>
+          <a:lstStyle/>
           <a:p>
             <a:fld id="{49DE8E58-58AF-434D-A834-9B5381F366BE}" type="datetime1">
               <a:rPr lang="pt-PT" noProof="0" smtClean="0"/>
@@ -3423,7 +4949,29 @@
       </p:sp>
       <p:sp>
         <p:nvSpPr>
-          <p:cNvPr id="5" name="Marcador de Posição do Número do Diapositivo 4"/>
+          <p:cNvPr id="4" name="Footer Placeholder 3"/>
+          <p:cNvSpPr>
+            <a:spLocks noGrp="1"/>
+          </p:cNvSpPr>
+          <p:nvPr>
+            <p:ph type="ftr" sz="quarter" idx="11"/>
+          </p:nvPr>
+        </p:nvSpPr>
+        <p:spPr/>
+        <p:txBody>
+          <a:bodyPr/>
+          <a:lstStyle/>
+          <a:p>
+            <a:r>
+              <a:rPr lang="pt-PT" noProof="0"/>
+              <a:t>Adicione um rodapé</a:t>
+            </a:r>
+          </a:p>
+        </p:txBody>
+      </p:sp>
+      <p:sp>
+        <p:nvSpPr>
+          <p:cNvPr id="5" name="Slide Number Placeholder 4"/>
           <p:cNvSpPr>
             <a:spLocks noGrp="1"/>
           </p:cNvSpPr>
@@ -3433,14 +4981,8 @@
         </p:nvSpPr>
         <p:spPr/>
         <p:txBody>
-          <a:bodyPr rtlCol="0"/>
-          <a:lstStyle>
-            <a:lvl1pPr>
-              <a:defRPr>
-                <a:latin typeface="Century Gothic" panose="020B0502020202020204" pitchFamily="34" charset="0"/>
-              </a:defRPr>
-            </a:lvl1pPr>
-          </a:lstStyle>
+          <a:bodyPr/>
+          <a:lstStyle/>
           <a:p>
             <a:fld id="{401CF334-2D5C-4859-84A6-CA7E6E43FAEB}" type="slidenum">
               <a:rPr lang="pt-PT" noProof="0" smtClean="0"/>
@@ -3454,7 +4996,7 @@
     </p:spTree>
     <p:extLst>
       <p:ext uri="{BB962C8B-B14F-4D97-AF65-F5344CB8AC3E}">
-        <p14:creationId xmlns:p14="http://schemas.microsoft.com/office/powerpoint/2010/main" val="3067989198"/>
+        <p14:creationId xmlns:p14="http://schemas.microsoft.com/office/powerpoint/2010/main" val="2612953537"/>
       </p:ext>
     </p:extLst>
   </p:cSld>
@@ -3495,52 +5037,18 @@
       </p:grpSpPr>
       <p:sp>
         <p:nvSpPr>
-          <p:cNvPr id="3" name="Marcador de Posição do Rodapé 2"/>
-          <p:cNvSpPr>
-            <a:spLocks noGrp="1"/>
-          </p:cNvSpPr>
-          <p:nvPr>
-            <p:ph type="ftr" sz="quarter" idx="11"/>
+          <p:cNvPr id="2" name="Date Placeholder 1"/>
+          <p:cNvSpPr>
+            <a:spLocks noGrp="1"/>
+          </p:cNvSpPr>
+          <p:nvPr>
+            <p:ph type="dt" sz="half" idx="10"/>
           </p:nvPr>
         </p:nvSpPr>
         <p:spPr/>
         <p:txBody>
-          <a:bodyPr rtlCol="0"/>
-          <a:lstStyle>
-            <a:lvl1pPr>
-              <a:defRPr>
-                <a:latin typeface="Century Gothic" panose="020B0502020202020204" pitchFamily="34" charset="0"/>
-              </a:defRPr>
-            </a:lvl1pPr>
-          </a:lstStyle>
-          <a:p>
-            <a:r>
-              <a:rPr lang="pt-PT" noProof="0"/>
-              <a:t>Adicione um rodapé</a:t>
-            </a:r>
-          </a:p>
-        </p:txBody>
-      </p:sp>
-      <p:sp>
-        <p:nvSpPr>
-          <p:cNvPr id="2" name="Marcador de Posição da Data 1"/>
-          <p:cNvSpPr>
-            <a:spLocks noGrp="1"/>
-          </p:cNvSpPr>
-          <p:nvPr>
-            <p:ph type="dt" sz="half" idx="10"/>
-          </p:nvPr>
-        </p:nvSpPr>
-        <p:spPr/>
-        <p:txBody>
-          <a:bodyPr rtlCol="0"/>
-          <a:lstStyle>
-            <a:lvl1pPr>
-              <a:defRPr>
-                <a:latin typeface="Century Gothic" panose="020B0502020202020204" pitchFamily="34" charset="0"/>
-              </a:defRPr>
-            </a:lvl1pPr>
-          </a:lstStyle>
+          <a:bodyPr/>
+          <a:lstStyle/>
           <a:p>
             <a:fld id="{9F5E4E1A-29D6-4CCC-A822-35D51A5DA968}" type="datetime1">
               <a:rPr lang="pt-PT" noProof="0" smtClean="0"/>
@@ -3552,7 +5060,29 @@
       </p:sp>
       <p:sp>
         <p:nvSpPr>
-          <p:cNvPr id="4" name="Marcador de Posição do Número do Diapositivo 3"/>
+          <p:cNvPr id="3" name="Footer Placeholder 2"/>
+          <p:cNvSpPr>
+            <a:spLocks noGrp="1"/>
+          </p:cNvSpPr>
+          <p:nvPr>
+            <p:ph type="ftr" sz="quarter" idx="11"/>
+          </p:nvPr>
+        </p:nvSpPr>
+        <p:spPr/>
+        <p:txBody>
+          <a:bodyPr/>
+          <a:lstStyle/>
+          <a:p>
+            <a:r>
+              <a:rPr lang="pt-PT" noProof="0"/>
+              <a:t>Adicione um rodapé</a:t>
+            </a:r>
+          </a:p>
+        </p:txBody>
+      </p:sp>
+      <p:sp>
+        <p:nvSpPr>
+          <p:cNvPr id="4" name="Slide Number Placeholder 3"/>
           <p:cNvSpPr>
             <a:spLocks noGrp="1"/>
           </p:cNvSpPr>
@@ -3562,14 +5092,8 @@
         </p:nvSpPr>
         <p:spPr/>
         <p:txBody>
-          <a:bodyPr rtlCol="0"/>
-          <a:lstStyle>
-            <a:lvl1pPr>
-              <a:defRPr>
-                <a:latin typeface="Century Gothic" panose="020B0502020202020204" pitchFamily="34" charset="0"/>
-              </a:defRPr>
-            </a:lvl1pPr>
-          </a:lstStyle>
+          <a:bodyPr/>
+          <a:lstStyle/>
           <a:p>
             <a:fld id="{401CF334-2D5C-4859-84A6-CA7E6E43FAEB}" type="slidenum">
               <a:rPr lang="pt-PT" noProof="0" smtClean="0"/>
@@ -3583,7 +5107,7 @@
     </p:spTree>
     <p:extLst>
       <p:ext uri="{BB962C8B-B14F-4D97-AF65-F5344CB8AC3E}">
-        <p14:creationId xmlns:p14="http://schemas.microsoft.com/office/powerpoint/2010/main" val="546002789"/>
+        <p14:creationId xmlns:p14="http://schemas.microsoft.com/office/powerpoint/2010/main" val="356119353"/>
       </p:ext>
     </p:extLst>
   </p:cSld>
@@ -3624,256 +5148,178 @@
       </p:grpSpPr>
       <p:sp>
         <p:nvSpPr>
-          <p:cNvPr id="2" name="Título 1"/>
-          <p:cNvSpPr>
-            <a:spLocks noGrp="1"/>
-          </p:cNvSpPr>
-          <p:nvPr>
-            <p:ph type="title" hasCustomPrompt="1"/>
+          <p:cNvPr id="2" name="Title 1"/>
+          <p:cNvSpPr>
+            <a:spLocks noGrp="1"/>
+          </p:cNvSpPr>
+          <p:nvPr>
+            <p:ph type="title"/>
           </p:nvPr>
         </p:nvSpPr>
         <p:spPr>
           <a:xfrm>
-            <a:off x="7876117" y="266700"/>
-            <a:ext cx="4011084" cy="2095500"/>
+            <a:off x="677334" y="1498604"/>
+            <a:ext cx="3854528" cy="1278466"/>
           </a:xfrm>
         </p:spPr>
         <p:txBody>
-          <a:bodyPr rtlCol="0" anchor="b"/>
-          <a:lstStyle>
-            <a:lvl1pPr algn="ctr">
-              <a:lnSpc>
-                <a:spcPct val="100000"/>
-              </a:lnSpc>
-              <a:defRPr sz="2800" b="0">
-                <a:effectLst/>
-                <a:latin typeface="Century Gothic" panose="020B0502020202020204" pitchFamily="34" charset="0"/>
-              </a:defRPr>
-            </a:lvl1pPr>
-          </a:lstStyle>
-          <a:p>
-            <a:pPr rtl="0"/>
-            <a:r>
-              <a:rPr lang="pt-PT" noProof="0"/>
-              <a:t>Clique para editar o estilo do título do Modelo Global</a:t>
-            </a:r>
-          </a:p>
-        </p:txBody>
-      </p:sp>
-      <p:sp>
-        <p:nvSpPr>
-          <p:cNvPr id="3" name="Marcador de Posição de Conteúdo 2"/>
-          <p:cNvSpPr>
-            <a:spLocks noGrp="1"/>
-          </p:cNvSpPr>
-          <p:nvPr>
-            <p:ph idx="1" hasCustomPrompt="1"/>
-          </p:nvPr>
-        </p:nvSpPr>
-        <p:spPr>
-          <a:xfrm>
-            <a:off x="958850" y="273051"/>
-            <a:ext cx="6661151" cy="5853113"/>
-          </a:xfrm>
-        </p:spPr>
-        <p:txBody>
-          <a:bodyPr rtlCol="0"/>
-          <a:lstStyle>
-            <a:lvl1pPr>
-              <a:defRPr sz="3200">
-                <a:latin typeface="Palatino Linotype" panose="02040502050505030304" pitchFamily="18" charset="0"/>
-              </a:defRPr>
-            </a:lvl1pPr>
-            <a:lvl2pPr>
-              <a:defRPr sz="2800">
-                <a:latin typeface="Palatino Linotype" panose="02040502050505030304" pitchFamily="18" charset="0"/>
-              </a:defRPr>
-            </a:lvl2pPr>
-            <a:lvl3pPr>
-              <a:defRPr sz="2400">
-                <a:latin typeface="Palatino Linotype" panose="02040502050505030304" pitchFamily="18" charset="0"/>
-              </a:defRPr>
-            </a:lvl3pPr>
-            <a:lvl4pPr>
-              <a:defRPr sz="2000">
-                <a:latin typeface="Palatino Linotype" panose="02040502050505030304" pitchFamily="18" charset="0"/>
-              </a:defRPr>
-            </a:lvl4pPr>
-            <a:lvl5pPr>
-              <a:defRPr sz="2000">
-                <a:latin typeface="Palatino Linotype" panose="02040502050505030304" pitchFamily="18" charset="0"/>
-              </a:defRPr>
-            </a:lvl5pPr>
-            <a:lvl6pPr>
-              <a:defRPr sz="2000"/>
-            </a:lvl6pPr>
-            <a:lvl7pPr>
-              <a:defRPr sz="2000"/>
-            </a:lvl7pPr>
-            <a:lvl8pPr>
-              <a:defRPr sz="2000"/>
-            </a:lvl8pPr>
-            <a:lvl9pPr>
-              <a:defRPr sz="2000"/>
-            </a:lvl9pPr>
-          </a:lstStyle>
-          <a:p>
-            <a:pPr lvl="0" rtl="0"/>
-            <a:r>
-              <a:rPr lang="pt-PT" noProof="0"/>
-              <a:t>Clique para editar os estilos de texto do Modelo Global</a:t>
-            </a:r>
-          </a:p>
-          <a:p>
-            <a:pPr lvl="1" rtl="0"/>
-            <a:r>
-              <a:rPr lang="pt-PT" noProof="0"/>
-              <a:t>Segundo nível</a:t>
-            </a:r>
-          </a:p>
-          <a:p>
-            <a:pPr lvl="2" rtl="0"/>
-            <a:r>
-              <a:rPr lang="pt-PT" noProof="0"/>
-              <a:t>Terceiro nível</a:t>
-            </a:r>
-          </a:p>
-          <a:p>
-            <a:pPr lvl="3" rtl="0"/>
-            <a:r>
-              <a:rPr lang="pt-PT" noProof="0"/>
-              <a:t>Quarto nível</a:t>
-            </a:r>
-          </a:p>
-          <a:p>
-            <a:pPr lvl="4" rtl="0"/>
-            <a:r>
-              <a:rPr lang="pt-PT" noProof="0"/>
-              <a:t>Quinto nível</a:t>
-            </a:r>
-          </a:p>
-        </p:txBody>
-      </p:sp>
-      <p:sp>
-        <p:nvSpPr>
-          <p:cNvPr id="4" name="Marcador de Posição do Texto 3"/>
-          <p:cNvSpPr>
-            <a:spLocks noGrp="1"/>
-          </p:cNvSpPr>
-          <p:nvPr>
-            <p:ph type="body" sz="half" idx="2" hasCustomPrompt="1"/>
-          </p:nvPr>
-        </p:nvSpPr>
-        <p:spPr>
-          <a:xfrm>
-            <a:off x="7876117" y="2438401"/>
-            <a:ext cx="4011084" cy="3687763"/>
-          </a:xfrm>
-        </p:spPr>
-        <p:txBody>
-          <a:bodyPr rtlCol="0">
+          <a:bodyPr anchor="b">
             <a:normAutofit/>
           </a:bodyPr>
           <a:lstStyle>
-            <a:lvl1pPr marL="0" indent="0" algn="ctr">
-              <a:lnSpc>
-                <a:spcPct val="125000"/>
-              </a:lnSpc>
-              <a:buNone/>
-              <a:defRPr sz="1600">
-                <a:latin typeface="Palatino Linotype" panose="02040502050505030304" pitchFamily="18" charset="0"/>
-              </a:defRPr>
+            <a:lvl1pPr>
+              <a:defRPr sz="2000"/>
             </a:lvl1pPr>
-            <a:lvl2pPr marL="457200" indent="0">
+          </a:lstStyle>
+          <a:p>
+            <a:r>
+              <a:rPr lang="pt-PT"/>
+              <a:t>Clique para editar o estilo de título do Modelo Global</a:t>
+            </a:r>
+            <a:endParaRPr lang="en-US" dirty="0"/>
+          </a:p>
+        </p:txBody>
+      </p:sp>
+      <p:sp>
+        <p:nvSpPr>
+          <p:cNvPr id="3" name="Content Placeholder 2"/>
+          <p:cNvSpPr>
+            <a:spLocks noGrp="1"/>
+          </p:cNvSpPr>
+          <p:nvPr>
+            <p:ph idx="1"/>
+          </p:nvPr>
+        </p:nvSpPr>
+        <p:spPr>
+          <a:xfrm>
+            <a:off x="4760461" y="514924"/>
+            <a:ext cx="4513541" cy="5526437"/>
+          </a:xfrm>
+        </p:spPr>
+        <p:txBody>
+          <a:bodyPr>
+            <a:normAutofit/>
+          </a:bodyPr>
+          <a:lstStyle/>
+          <a:p>
+            <a:pPr lvl="0"/>
+            <a:r>
+              <a:rPr lang="pt-PT"/>
+              <a:t>Editar os estilos de texto do Modelo Global</a:t>
+            </a:r>
+          </a:p>
+          <a:p>
+            <a:pPr lvl="1"/>
+            <a:r>
+              <a:rPr lang="pt-PT"/>
+              <a:t>Segundo nível</a:t>
+            </a:r>
+          </a:p>
+          <a:p>
+            <a:pPr lvl="2"/>
+            <a:r>
+              <a:rPr lang="pt-PT"/>
+              <a:t>Terceiro nível</a:t>
+            </a:r>
+          </a:p>
+          <a:p>
+            <a:pPr lvl="3"/>
+            <a:r>
+              <a:rPr lang="pt-PT"/>
+              <a:t>Quarto nível</a:t>
+            </a:r>
+          </a:p>
+          <a:p>
+            <a:pPr lvl="4"/>
+            <a:r>
+              <a:rPr lang="pt-PT"/>
+              <a:t>Quinto nível</a:t>
+            </a:r>
+            <a:endParaRPr lang="en-US" dirty="0"/>
+          </a:p>
+        </p:txBody>
+      </p:sp>
+      <p:sp>
+        <p:nvSpPr>
+          <p:cNvPr id="4" name="Text Placeholder 3"/>
+          <p:cNvSpPr>
+            <a:spLocks noGrp="1"/>
+          </p:cNvSpPr>
+          <p:nvPr>
+            <p:ph type="body" sz="half" idx="2"/>
+          </p:nvPr>
+        </p:nvSpPr>
+        <p:spPr>
+          <a:xfrm>
+            <a:off x="677334" y="2777069"/>
+            <a:ext cx="3854528" cy="2584449"/>
+          </a:xfrm>
+        </p:spPr>
+        <p:txBody>
+          <a:bodyPr>
+            <a:normAutofit/>
+          </a:bodyPr>
+          <a:lstStyle>
+            <a:lvl1pPr marL="0" indent="0">
+              <a:buNone/>
+              <a:defRPr sz="1400"/>
+            </a:lvl1pPr>
+            <a:lvl2pPr marL="457063" indent="0">
+              <a:buNone/>
+              <a:defRPr sz="1400"/>
+            </a:lvl2pPr>
+            <a:lvl3pPr marL="914126" indent="0">
               <a:buNone/>
               <a:defRPr sz="1200"/>
-            </a:lvl2pPr>
-            <a:lvl3pPr marL="914400" indent="0">
+            </a:lvl3pPr>
+            <a:lvl4pPr marL="1371189" indent="0">
               <a:buNone/>
               <a:defRPr sz="1000"/>
-            </a:lvl3pPr>
-            <a:lvl4pPr marL="1371600" indent="0">
-              <a:buNone/>
-              <a:defRPr sz="900"/>
             </a:lvl4pPr>
-            <a:lvl5pPr marL="1828800" indent="0">
-              <a:buNone/>
-              <a:defRPr sz="900"/>
+            <a:lvl5pPr marL="1828251" indent="0">
+              <a:buNone/>
+              <a:defRPr sz="1000"/>
             </a:lvl5pPr>
-            <a:lvl6pPr marL="2286000" indent="0">
-              <a:buNone/>
-              <a:defRPr sz="900"/>
+            <a:lvl6pPr marL="2285314" indent="0">
+              <a:buNone/>
+              <a:defRPr sz="1000"/>
             </a:lvl6pPr>
-            <a:lvl7pPr marL="2743200" indent="0">
-              <a:buNone/>
-              <a:defRPr sz="900"/>
+            <a:lvl7pPr marL="2742377" indent="0">
+              <a:buNone/>
+              <a:defRPr sz="1000"/>
             </a:lvl7pPr>
-            <a:lvl8pPr marL="3200400" indent="0">
-              <a:buNone/>
-              <a:defRPr sz="900"/>
+            <a:lvl8pPr marL="3199440" indent="0">
+              <a:buNone/>
+              <a:defRPr sz="1000"/>
             </a:lvl8pPr>
-            <a:lvl9pPr marL="3657600" indent="0">
-              <a:buNone/>
-              <a:defRPr sz="900"/>
+            <a:lvl9pPr marL="3656503" indent="0">
+              <a:buNone/>
+              <a:defRPr sz="1000"/>
             </a:lvl9pPr>
           </a:lstStyle>
           <a:p>
-            <a:pPr lvl="0" rtl="0"/>
-            <a:r>
-              <a:rPr lang="pt-PT" noProof="0"/>
-              <a:t>Clique para editar os estilos de texto do Modelo Global</a:t>
-            </a:r>
-          </a:p>
-        </p:txBody>
-      </p:sp>
-      <p:sp>
-        <p:nvSpPr>
-          <p:cNvPr id="6" name="Marcador de Posição do Rodapé 5"/>
-          <p:cNvSpPr>
-            <a:spLocks noGrp="1"/>
-          </p:cNvSpPr>
-          <p:nvPr>
-            <p:ph type="ftr" sz="quarter" idx="11"/>
+            <a:pPr lvl="0"/>
+            <a:r>
+              <a:rPr lang="pt-PT"/>
+              <a:t>Editar os estilos de texto do Modelo Global</a:t>
+            </a:r>
+          </a:p>
+        </p:txBody>
+      </p:sp>
+      <p:sp>
+        <p:nvSpPr>
+          <p:cNvPr id="5" name="Date Placeholder 4"/>
+          <p:cNvSpPr>
+            <a:spLocks noGrp="1"/>
+          </p:cNvSpPr>
+          <p:nvPr>
+            <p:ph type="dt" sz="half" idx="10"/>
           </p:nvPr>
         </p:nvSpPr>
         <p:spPr/>
         <p:txBody>
-          <a:bodyPr rtlCol="0"/>
-          <a:lstStyle>
-            <a:lvl1pPr>
-              <a:defRPr>
-                <a:latin typeface="Century Gothic" panose="020B0502020202020204" pitchFamily="34" charset="0"/>
-              </a:defRPr>
-            </a:lvl1pPr>
-          </a:lstStyle>
-          <a:p>
-            <a:r>
-              <a:rPr lang="pt-PT" noProof="0"/>
-              <a:t>Adicione um rodapé</a:t>
-            </a:r>
-          </a:p>
-        </p:txBody>
-      </p:sp>
-      <p:sp>
-        <p:nvSpPr>
-          <p:cNvPr id="5" name="Marcador de Posição da Data 4"/>
-          <p:cNvSpPr>
-            <a:spLocks noGrp="1"/>
-          </p:cNvSpPr>
-          <p:nvPr>
-            <p:ph type="dt" sz="half" idx="10"/>
-          </p:nvPr>
-        </p:nvSpPr>
-        <p:spPr/>
-        <p:txBody>
-          <a:bodyPr rtlCol="0"/>
-          <a:lstStyle>
-            <a:lvl1pPr>
-              <a:defRPr>
-                <a:latin typeface="Century Gothic" panose="020B0502020202020204" pitchFamily="34" charset="0"/>
-              </a:defRPr>
-            </a:lvl1pPr>
-          </a:lstStyle>
+          <a:bodyPr/>
+          <a:lstStyle/>
           <a:p>
             <a:fld id="{8A7F2DC4-B70E-40E1-91E6-1BCD1886F87E}" type="datetime1">
               <a:rPr lang="pt-PT" noProof="0" smtClean="0"/>
@@ -3885,7 +5331,29 @@
       </p:sp>
       <p:sp>
         <p:nvSpPr>
-          <p:cNvPr id="7" name="Marcador de Posição do Número do Diapositivo 6"/>
+          <p:cNvPr id="6" name="Footer Placeholder 5"/>
+          <p:cNvSpPr>
+            <a:spLocks noGrp="1"/>
+          </p:cNvSpPr>
+          <p:nvPr>
+            <p:ph type="ftr" sz="quarter" idx="11"/>
+          </p:nvPr>
+        </p:nvSpPr>
+        <p:spPr/>
+        <p:txBody>
+          <a:bodyPr/>
+          <a:lstStyle/>
+          <a:p>
+            <a:r>
+              <a:rPr lang="pt-PT" noProof="0"/>
+              <a:t>Adicione um rodapé</a:t>
+            </a:r>
+          </a:p>
+        </p:txBody>
+      </p:sp>
+      <p:sp>
+        <p:nvSpPr>
+          <p:cNvPr id="7" name="Slide Number Placeholder 6"/>
           <p:cNvSpPr>
             <a:spLocks noGrp="1"/>
           </p:cNvSpPr>
@@ -3895,14 +5363,8 @@
         </p:nvSpPr>
         <p:spPr/>
         <p:txBody>
-          <a:bodyPr rtlCol="0"/>
-          <a:lstStyle>
-            <a:lvl1pPr>
-              <a:defRPr>
-                <a:latin typeface="Century Gothic" panose="020B0502020202020204" pitchFamily="34" charset="0"/>
-              </a:defRPr>
-            </a:lvl1pPr>
-          </a:lstStyle>
+          <a:bodyPr/>
+          <a:lstStyle/>
           <a:p>
             <a:fld id="{401CF334-2D5C-4859-84A6-CA7E6E43FAEB}" type="slidenum">
               <a:rPr lang="pt-PT" noProof="0" smtClean="0"/>
@@ -3916,7 +5378,7 @@
     </p:spTree>
     <p:extLst>
       <p:ext uri="{BB962C8B-B14F-4D97-AF65-F5344CB8AC3E}">
-        <p14:creationId xmlns:p14="http://schemas.microsoft.com/office/powerpoint/2010/main" val="307785903"/>
+        <p14:creationId xmlns:p14="http://schemas.microsoft.com/office/powerpoint/2010/main" val="3679691987"/>
       </p:ext>
     </p:extLst>
   </p:cSld>
@@ -3957,47 +5419,43 @@
       </p:grpSpPr>
       <p:sp>
         <p:nvSpPr>
-          <p:cNvPr id="2" name="Título 1"/>
-          <p:cNvSpPr>
-            <a:spLocks noGrp="1"/>
-          </p:cNvSpPr>
-          <p:nvPr>
-            <p:ph type="title" hasCustomPrompt="1"/>
+          <p:cNvPr id="2" name="Title 1"/>
+          <p:cNvSpPr>
+            <a:spLocks noGrp="1"/>
+          </p:cNvSpPr>
+          <p:nvPr>
+            <p:ph type="title"/>
           </p:nvPr>
         </p:nvSpPr>
         <p:spPr>
           <a:xfrm>
-            <a:off x="2239435" y="228600"/>
-            <a:ext cx="7615765" cy="895350"/>
+            <a:off x="677334" y="4800600"/>
+            <a:ext cx="8596667" cy="566738"/>
           </a:xfrm>
         </p:spPr>
         <p:txBody>
-          <a:bodyPr rtlCol="0" anchor="b"/>
+          <a:bodyPr anchor="b">
+            <a:normAutofit/>
+          </a:bodyPr>
           <a:lstStyle>
-            <a:lvl1pPr algn="ctr">
-              <a:lnSpc>
-                <a:spcPct val="100000"/>
-              </a:lnSpc>
-              <a:defRPr sz="2800" b="0">
-                <a:effectLst/>
-                <a:latin typeface="Century Gothic" panose="020B0502020202020204" pitchFamily="34" charset="0"/>
-              </a:defRPr>
+            <a:lvl1pPr algn="l">
+              <a:defRPr sz="2400" b="0"/>
             </a:lvl1pPr>
           </a:lstStyle>
           <a:p>
-            <a:pPr rtl="0"/>
-            <a:r>
-              <a:rPr lang="pt-PT" noProof="0"/>
-              <a:t>Clique para editar o estilo do título do Modelo Global</a:t>
-            </a:r>
-          </a:p>
-        </p:txBody>
-      </p:sp>
-      <p:sp>
-        <p:nvSpPr>
-          <p:cNvPr id="3" name="Marcador de Posição da Imagem 2" descr="Um marcador de posição vazio para adicionar uma imagem. Clique no marcador de posição e selecione a imagem que pretende adicionar"/>
-          <p:cNvSpPr>
-            <a:spLocks noGrp="1"/>
+            <a:r>
+              <a:rPr lang="pt-PT"/>
+              <a:t>Clique para editar o estilo de título do Modelo Global</a:t>
+            </a:r>
+            <a:endParaRPr lang="en-US" dirty="0"/>
+          </a:p>
+        </p:txBody>
+      </p:sp>
+      <p:sp>
+        <p:nvSpPr>
+          <p:cNvPr id="3" name="Picture Placeholder 2"/>
+          <p:cNvSpPr>
+            <a:spLocks noGrp="1" noChangeAspect="1"/>
           </p:cNvSpPr>
           <p:nvPr>
             <p:ph type="pic" idx="1"/>
@@ -4005,99 +5463,85 @@
         </p:nvSpPr>
         <p:spPr>
           <a:xfrm>
-            <a:off x="2010835" y="1143000"/>
-            <a:ext cx="8072965" cy="4541044"/>
-          </a:xfrm>
-          <a:ln w="76200">
-            <a:solidFill>
-              <a:schemeClr val="bg1"/>
-            </a:solidFill>
-          </a:ln>
-          <a:effectLst>
-            <a:outerShdw blurRad="88900" dist="50800" dir="5400000" algn="ctr" rotWithShape="0">
-              <a:srgbClr val="000000">
-                <a:alpha val="25000"/>
-              </a:srgbClr>
-            </a:outerShdw>
-          </a:effectLst>
-        </p:spPr>
-        <p:txBody>
-          <a:bodyPr rtlCol="0" anchor="t"/>
-          <a:lstStyle>
-            <a:lvl1pPr marL="0" indent="0" algn="ctr">
-              <a:buNone/>
-              <a:defRPr sz="3200">
-                <a:latin typeface="Palatino Linotype" panose="02040502050505030304" pitchFamily="18" charset="0"/>
-              </a:defRPr>
-            </a:lvl1pPr>
-            <a:lvl2pPr marL="457200" indent="0">
-              <a:buNone/>
-              <a:defRPr sz="2800"/>
-            </a:lvl2pPr>
-            <a:lvl3pPr marL="914400" indent="0">
-              <a:buNone/>
-              <a:defRPr sz="2400"/>
-            </a:lvl3pPr>
-            <a:lvl4pPr marL="1371600" indent="0">
-              <a:buNone/>
-              <a:defRPr sz="2000"/>
-            </a:lvl4pPr>
-            <a:lvl5pPr marL="1828800" indent="0">
-              <a:buNone/>
-              <a:defRPr sz="2000"/>
-            </a:lvl5pPr>
-            <a:lvl6pPr marL="2286000" indent="0">
-              <a:buNone/>
-              <a:defRPr sz="2000"/>
-            </a:lvl6pPr>
-            <a:lvl7pPr marL="2743200" indent="0">
-              <a:buNone/>
-              <a:defRPr sz="2000"/>
-            </a:lvl7pPr>
-            <a:lvl8pPr marL="3200400" indent="0">
-              <a:buNone/>
-              <a:defRPr sz="2000"/>
-            </a:lvl8pPr>
-            <a:lvl9pPr marL="3657600" indent="0">
-              <a:buNone/>
-              <a:defRPr sz="2000"/>
-            </a:lvl9pPr>
-          </a:lstStyle>
-          <a:p>
-            <a:pPr rtl="0"/>
-            <a:r>
-              <a:rPr lang="pt-PT" noProof="0"/>
-              <a:t>Clique no ícone para adicionar uma imagem</a:t>
-            </a:r>
-          </a:p>
-        </p:txBody>
-      </p:sp>
-      <p:sp>
-        <p:nvSpPr>
-          <p:cNvPr id="4" name="Marcador de Posição do Texto 3"/>
-          <p:cNvSpPr>
-            <a:spLocks noGrp="1"/>
-          </p:cNvSpPr>
-          <p:nvPr>
-            <p:ph type="body" sz="half" idx="2" hasCustomPrompt="1"/>
-          </p:nvPr>
-        </p:nvSpPr>
-        <p:spPr>
-          <a:xfrm>
-            <a:off x="2239435" y="5810250"/>
-            <a:ext cx="7615765" cy="533400"/>
+            <a:off x="677334" y="609600"/>
+            <a:ext cx="8596668" cy="3845718"/>
           </a:xfrm>
         </p:spPr>
         <p:txBody>
-          <a:bodyPr rtlCol="0">
+          <a:bodyPr anchor="t">
             <a:normAutofit/>
           </a:bodyPr>
           <a:lstStyle>
             <a:lvl1pPr marL="0" indent="0" algn="ctr">
               <a:buNone/>
-              <a:defRPr sz="1600">
-                <a:latin typeface="Palatino Linotype" panose="02040502050505030304" pitchFamily="18" charset="0"/>
-              </a:defRPr>
+              <a:defRPr sz="1600"/>
+            </a:lvl1pPr>
+            <a:lvl2pPr marL="457200" indent="0">
+              <a:buNone/>
+              <a:defRPr sz="1600"/>
+            </a:lvl2pPr>
+            <a:lvl3pPr marL="914400" indent="0">
+              <a:buNone/>
+              <a:defRPr sz="1600"/>
+            </a:lvl3pPr>
+            <a:lvl4pPr marL="1371600" indent="0">
+              <a:buNone/>
+              <a:defRPr sz="1600"/>
+            </a:lvl4pPr>
+            <a:lvl5pPr marL="1828800" indent="0">
+              <a:buNone/>
+              <a:defRPr sz="1600"/>
+            </a:lvl5pPr>
+            <a:lvl6pPr marL="2286000" indent="0">
+              <a:buNone/>
+              <a:defRPr sz="1600"/>
+            </a:lvl6pPr>
+            <a:lvl7pPr marL="2743200" indent="0">
+              <a:buNone/>
+              <a:defRPr sz="1600"/>
+            </a:lvl7pPr>
+            <a:lvl8pPr marL="3200400" indent="0">
+              <a:buNone/>
+              <a:defRPr sz="1600"/>
+            </a:lvl8pPr>
+            <a:lvl9pPr marL="3657600" indent="0">
+              <a:buNone/>
+              <a:defRPr sz="1600"/>
+            </a:lvl9pPr>
+          </a:lstStyle>
+          <a:p>
+            <a:r>
+              <a:rPr lang="pt-PT"/>
+              <a:t>Clique no ícone para adicionar uma imagem</a:t>
+            </a:r>
+            <a:endParaRPr lang="en-US" dirty="0"/>
+          </a:p>
+        </p:txBody>
+      </p:sp>
+      <p:sp>
+        <p:nvSpPr>
+          <p:cNvPr id="4" name="Text Placeholder 3"/>
+          <p:cNvSpPr>
+            <a:spLocks noGrp="1"/>
+          </p:cNvSpPr>
+          <p:nvPr>
+            <p:ph type="body" sz="half" idx="2"/>
+          </p:nvPr>
+        </p:nvSpPr>
+        <p:spPr>
+          <a:xfrm>
+            <a:off x="677334" y="5367338"/>
+            <a:ext cx="8596667" cy="674024"/>
+          </a:xfrm>
+        </p:spPr>
+        <p:txBody>
+          <a:bodyPr>
+            <a:normAutofit/>
+          </a:bodyPr>
+          <a:lstStyle>
+            <a:lvl1pPr marL="0" indent="0">
+              <a:buNone/>
+              <a:defRPr sz="1200"/>
             </a:lvl1pPr>
             <a:lvl2pPr marL="457200" indent="0">
               <a:buNone/>
@@ -4133,62 +5577,28 @@
             </a:lvl9pPr>
           </a:lstStyle>
           <a:p>
-            <a:pPr lvl="0" rtl="0"/>
-            <a:r>
-              <a:rPr lang="pt-PT" noProof="0"/>
-              <a:t>Clique para editar os estilos de texto do Modelo Global</a:t>
-            </a:r>
-          </a:p>
-        </p:txBody>
-      </p:sp>
-      <p:sp>
-        <p:nvSpPr>
-          <p:cNvPr id="6" name="Marcador de Posição do Rodapé 5"/>
-          <p:cNvSpPr>
-            <a:spLocks noGrp="1"/>
-          </p:cNvSpPr>
-          <p:nvPr>
-            <p:ph type="ftr" sz="quarter" idx="11"/>
+            <a:pPr lvl="0"/>
+            <a:r>
+              <a:rPr lang="pt-PT"/>
+              <a:t>Editar os estilos de texto do Modelo Global</a:t>
+            </a:r>
+          </a:p>
+        </p:txBody>
+      </p:sp>
+      <p:sp>
+        <p:nvSpPr>
+          <p:cNvPr id="5" name="Date Placeholder 4"/>
+          <p:cNvSpPr>
+            <a:spLocks noGrp="1"/>
+          </p:cNvSpPr>
+          <p:nvPr>
+            <p:ph type="dt" sz="half" idx="10"/>
           </p:nvPr>
         </p:nvSpPr>
         <p:spPr/>
         <p:txBody>
-          <a:bodyPr rtlCol="0"/>
-          <a:lstStyle>
-            <a:lvl1pPr>
-              <a:defRPr>
-                <a:latin typeface="Century Gothic" panose="020B0502020202020204" pitchFamily="34" charset="0"/>
-              </a:defRPr>
-            </a:lvl1pPr>
-          </a:lstStyle>
-          <a:p>
-            <a:r>
-              <a:rPr lang="pt-PT" noProof="0"/>
-              <a:t>Adicione um rodapé</a:t>
-            </a:r>
-          </a:p>
-        </p:txBody>
-      </p:sp>
-      <p:sp>
-        <p:nvSpPr>
-          <p:cNvPr id="5" name="Marcador de Posição da Data 4"/>
-          <p:cNvSpPr>
-            <a:spLocks noGrp="1"/>
-          </p:cNvSpPr>
-          <p:nvPr>
-            <p:ph type="dt" sz="half" idx="10"/>
-          </p:nvPr>
-        </p:nvSpPr>
-        <p:spPr/>
-        <p:txBody>
-          <a:bodyPr rtlCol="0"/>
-          <a:lstStyle>
-            <a:lvl1pPr>
-              <a:defRPr>
-                <a:latin typeface="Century Gothic" panose="020B0502020202020204" pitchFamily="34" charset="0"/>
-              </a:defRPr>
-            </a:lvl1pPr>
-          </a:lstStyle>
+          <a:bodyPr/>
+          <a:lstStyle/>
           <a:p>
             <a:fld id="{80580C39-BF7C-4619-9D83-F4B823462026}" type="datetime1">
               <a:rPr lang="pt-PT" noProof="0" smtClean="0"/>
@@ -4200,7 +5610,29 @@
       </p:sp>
       <p:sp>
         <p:nvSpPr>
-          <p:cNvPr id="7" name="Marcador de Posição do Número do Diapositivo 6"/>
+          <p:cNvPr id="6" name="Footer Placeholder 5"/>
+          <p:cNvSpPr>
+            <a:spLocks noGrp="1"/>
+          </p:cNvSpPr>
+          <p:nvPr>
+            <p:ph type="ftr" sz="quarter" idx="11"/>
+          </p:nvPr>
+        </p:nvSpPr>
+        <p:spPr/>
+        <p:txBody>
+          <a:bodyPr/>
+          <a:lstStyle/>
+          <a:p>
+            <a:r>
+              <a:rPr lang="pt-PT" noProof="0"/>
+              <a:t>Adicione um rodapé</a:t>
+            </a:r>
+          </a:p>
+        </p:txBody>
+      </p:sp>
+      <p:sp>
+        <p:nvSpPr>
+          <p:cNvPr id="7" name="Slide Number Placeholder 6"/>
           <p:cNvSpPr>
             <a:spLocks noGrp="1"/>
           </p:cNvSpPr>
@@ -4210,14 +5642,8 @@
         </p:nvSpPr>
         <p:spPr/>
         <p:txBody>
-          <a:bodyPr rtlCol="0"/>
-          <a:lstStyle>
-            <a:lvl1pPr>
-              <a:defRPr>
-                <a:latin typeface="Century Gothic" panose="020B0502020202020204" pitchFamily="34" charset="0"/>
-              </a:defRPr>
-            </a:lvl1pPr>
-          </a:lstStyle>
+          <a:bodyPr/>
+          <a:lstStyle/>
           <a:p>
             <a:fld id="{401CF334-2D5C-4859-84A6-CA7E6E43FAEB}" type="slidenum">
               <a:rPr lang="pt-PT" noProof="0" smtClean="0"/>
@@ -4231,7 +5657,7 @@
     </p:spTree>
     <p:extLst>
       <p:ext uri="{BB962C8B-B14F-4D97-AF65-F5344CB8AC3E}">
-        <p14:creationId xmlns:p14="http://schemas.microsoft.com/office/powerpoint/2010/main" val="3655479332"/>
+        <p14:creationId xmlns:p14="http://schemas.microsoft.com/office/powerpoint/2010/main" val="2202910319"/>
       </p:ext>
     </p:extLst>
   </p:cSld>
@@ -4256,9 +5682,9 @@
 <file path=ppt/slideMasters/slideMaster1.xml><?xml version="1.0" encoding="utf-8"?>
 <p:sldMaster xmlns:a="http://schemas.openxmlformats.org/drawingml/2006/main" xmlns:r="http://schemas.openxmlformats.org/officeDocument/2006/relationships" xmlns:p="http://schemas.openxmlformats.org/presentationml/2006/main">
   <p:cSld>
-    <p:bg bwMode="ltGray">
-      <p:bgRef idx="1002">
-        <a:schemeClr val="bg2"/>
+    <p:bg>
+      <p:bgRef idx="1001">
+        <a:schemeClr val="bg1"/>
       </p:bgRef>
     </p:bg>
     <p:spTree>
@@ -4275,160 +5701,572 @@
           <a:chExt cx="0" cy="0"/>
         </a:xfrm>
       </p:grpSpPr>
-      <p:sp>
-        <p:nvSpPr>
-          <p:cNvPr id="7" name="Oval 6"/>
-          <p:cNvSpPr/>
+      <p:grpSp>
+        <p:nvGrpSpPr>
+          <p:cNvPr id="7" name="Group 6"/>
+          <p:cNvGrpSpPr/>
           <p:nvPr/>
+        </p:nvGrpSpPr>
+        <p:grpSpPr>
+          <a:xfrm>
+            <a:off x="0" y="-8467"/>
+            <a:ext cx="12192000" cy="6866467"/>
+            <a:chOff x="0" y="-8467"/>
+            <a:chExt cx="12192000" cy="6866467"/>
+          </a:xfrm>
+        </p:grpSpPr>
+        <p:cxnSp>
+          <p:nvCxnSpPr>
+            <p:cNvPr id="20" name="Straight Connector 19"/>
+            <p:cNvCxnSpPr/>
+            <p:nvPr/>
+          </p:nvCxnSpPr>
+          <p:spPr>
+            <a:xfrm>
+              <a:off x="9371012" y="0"/>
+              <a:ext cx="1219200" cy="6858000"/>
+            </a:xfrm>
+            <a:prstGeom prst="line">
+              <a:avLst/>
+            </a:prstGeom>
+            <a:ln w="9525">
+              <a:solidFill>
+                <a:schemeClr val="bg1">
+                  <a:lumMod val="75000"/>
+                </a:schemeClr>
+              </a:solidFill>
+            </a:ln>
+          </p:spPr>
+          <p:style>
+            <a:lnRef idx="2">
+              <a:schemeClr val="accent1"/>
+            </a:lnRef>
+            <a:fillRef idx="0">
+              <a:schemeClr val="accent1"/>
+            </a:fillRef>
+            <a:effectRef idx="1">
+              <a:schemeClr val="accent1"/>
+            </a:effectRef>
+            <a:fontRef idx="minor">
+              <a:schemeClr val="tx1"/>
+            </a:fontRef>
+          </p:style>
+        </p:cxnSp>
+        <p:cxnSp>
+          <p:nvCxnSpPr>
+            <p:cNvPr id="21" name="Straight Connector 20"/>
+            <p:cNvCxnSpPr/>
+            <p:nvPr/>
+          </p:nvCxnSpPr>
+          <p:spPr>
+            <a:xfrm flipH="1">
+              <a:off x="7425267" y="3681413"/>
+              <a:ext cx="4763558" cy="3176587"/>
+            </a:xfrm>
+            <a:prstGeom prst="line">
+              <a:avLst/>
+            </a:prstGeom>
+            <a:ln w="9525">
+              <a:solidFill>
+                <a:schemeClr val="bg1">
+                  <a:lumMod val="85000"/>
+                </a:schemeClr>
+              </a:solidFill>
+            </a:ln>
+          </p:spPr>
+          <p:style>
+            <a:lnRef idx="2">
+              <a:schemeClr val="accent1"/>
+            </a:lnRef>
+            <a:fillRef idx="0">
+              <a:schemeClr val="accent1"/>
+            </a:fillRef>
+            <a:effectRef idx="1">
+              <a:schemeClr val="accent1"/>
+            </a:effectRef>
+            <a:fontRef idx="minor">
+              <a:schemeClr val="tx1"/>
+            </a:fontRef>
+          </p:style>
+        </p:cxnSp>
+        <p:sp>
+          <p:nvSpPr>
+            <p:cNvPr id="22" name="Rectangle 23"/>
+            <p:cNvSpPr/>
+            <p:nvPr/>
+          </p:nvSpPr>
+          <p:spPr>
+            <a:xfrm>
+              <a:off x="9181476" y="-8467"/>
+              <a:ext cx="3007349" cy="6866467"/>
+            </a:xfrm>
+            <a:custGeom>
+              <a:avLst/>
+              <a:gdLst/>
+              <a:ahLst/>
+              <a:cxnLst/>
+              <a:rect l="l" t="t" r="r" b="b"/>
+              <a:pathLst>
+                <a:path w="3007349" h="6866467">
+                  <a:moveTo>
+                    <a:pt x="2045532" y="0"/>
+                  </a:moveTo>
+                  <a:lnTo>
+                    <a:pt x="3007349" y="0"/>
+                  </a:lnTo>
+                  <a:lnTo>
+                    <a:pt x="3007349" y="6866467"/>
+                  </a:lnTo>
+                  <a:lnTo>
+                    <a:pt x="0" y="6866467"/>
+                  </a:lnTo>
+                  <a:lnTo>
+                    <a:pt x="2045532" y="0"/>
+                  </a:lnTo>
+                  <a:close/>
+                </a:path>
+              </a:pathLst>
+            </a:custGeom>
+            <a:solidFill>
+              <a:schemeClr val="accent1">
+                <a:alpha val="30000"/>
+              </a:schemeClr>
+            </a:solidFill>
+            <a:ln>
+              <a:noFill/>
+            </a:ln>
+            <a:effectLst/>
+          </p:spPr>
+          <p:style>
+            <a:lnRef idx="1">
+              <a:schemeClr val="accent1"/>
+            </a:lnRef>
+            <a:fillRef idx="3">
+              <a:schemeClr val="accent1"/>
+            </a:fillRef>
+            <a:effectRef idx="2">
+              <a:schemeClr val="accent1"/>
+            </a:effectRef>
+            <a:fontRef idx="minor">
+              <a:schemeClr val="lt1"/>
+            </a:fontRef>
+          </p:style>
+        </p:sp>
+        <p:sp>
+          <p:nvSpPr>
+            <p:cNvPr id="23" name="Rectangle 25"/>
+            <p:cNvSpPr/>
+            <p:nvPr/>
+          </p:nvSpPr>
+          <p:spPr>
+            <a:xfrm>
+              <a:off x="9603442" y="-8467"/>
+              <a:ext cx="2588558" cy="6866467"/>
+            </a:xfrm>
+            <a:custGeom>
+              <a:avLst/>
+              <a:gdLst/>
+              <a:ahLst/>
+              <a:cxnLst/>
+              <a:rect l="l" t="t" r="r" b="b"/>
+              <a:pathLst>
+                <a:path w="2573311" h="6866467">
+                  <a:moveTo>
+                    <a:pt x="0" y="0"/>
+                  </a:moveTo>
+                  <a:lnTo>
+                    <a:pt x="2573311" y="0"/>
+                  </a:lnTo>
+                  <a:lnTo>
+                    <a:pt x="2573311" y="6866467"/>
+                  </a:lnTo>
+                  <a:lnTo>
+                    <a:pt x="1202336" y="6866467"/>
+                  </a:lnTo>
+                  <a:lnTo>
+                    <a:pt x="0" y="0"/>
+                  </a:lnTo>
+                  <a:close/>
+                </a:path>
+              </a:pathLst>
+            </a:custGeom>
+            <a:solidFill>
+              <a:schemeClr val="accent1">
+                <a:alpha val="20000"/>
+              </a:schemeClr>
+            </a:solidFill>
+            <a:ln>
+              <a:noFill/>
+            </a:ln>
+            <a:effectLst/>
+          </p:spPr>
+          <p:style>
+            <a:lnRef idx="1">
+              <a:schemeClr val="accent1"/>
+            </a:lnRef>
+            <a:fillRef idx="3">
+              <a:schemeClr val="accent1"/>
+            </a:fillRef>
+            <a:effectRef idx="2">
+              <a:schemeClr val="accent1"/>
+            </a:effectRef>
+            <a:fontRef idx="minor">
+              <a:schemeClr val="lt1"/>
+            </a:fontRef>
+          </p:style>
+        </p:sp>
+        <p:sp>
+          <p:nvSpPr>
+            <p:cNvPr id="24" name="Isosceles Triangle 23"/>
+            <p:cNvSpPr/>
+            <p:nvPr/>
+          </p:nvSpPr>
+          <p:spPr>
+            <a:xfrm>
+              <a:off x="8932333" y="3048000"/>
+              <a:ext cx="3259667" cy="3810000"/>
+            </a:xfrm>
+            <a:prstGeom prst="triangle">
+              <a:avLst>
+                <a:gd name="adj" fmla="val 100000"/>
+              </a:avLst>
+            </a:prstGeom>
+            <a:solidFill>
+              <a:schemeClr val="accent2">
+                <a:alpha val="72000"/>
+              </a:schemeClr>
+            </a:solidFill>
+            <a:ln>
+              <a:noFill/>
+            </a:ln>
+            <a:effectLst/>
+          </p:spPr>
+          <p:style>
+            <a:lnRef idx="1">
+              <a:schemeClr val="accent1"/>
+            </a:lnRef>
+            <a:fillRef idx="3">
+              <a:schemeClr val="accent1"/>
+            </a:fillRef>
+            <a:effectRef idx="2">
+              <a:schemeClr val="accent1"/>
+            </a:effectRef>
+            <a:fontRef idx="minor">
+              <a:schemeClr val="lt1"/>
+            </a:fontRef>
+          </p:style>
+        </p:sp>
+        <p:sp>
+          <p:nvSpPr>
+            <p:cNvPr id="25" name="Rectangle 27"/>
+            <p:cNvSpPr/>
+            <p:nvPr/>
+          </p:nvSpPr>
+          <p:spPr>
+            <a:xfrm>
+              <a:off x="9334500" y="-8467"/>
+              <a:ext cx="2854326" cy="6866467"/>
+            </a:xfrm>
+            <a:custGeom>
+              <a:avLst/>
+              <a:gdLst/>
+              <a:ahLst/>
+              <a:cxnLst/>
+              <a:rect l="l" t="t" r="r" b="b"/>
+              <a:pathLst>
+                <a:path w="2858013" h="6866467">
+                  <a:moveTo>
+                    <a:pt x="0" y="0"/>
+                  </a:moveTo>
+                  <a:lnTo>
+                    <a:pt x="2858013" y="0"/>
+                  </a:lnTo>
+                  <a:lnTo>
+                    <a:pt x="2858013" y="6866467"/>
+                  </a:lnTo>
+                  <a:lnTo>
+                    <a:pt x="2473942" y="6866467"/>
+                  </a:lnTo>
+                  <a:lnTo>
+                    <a:pt x="0" y="0"/>
+                  </a:lnTo>
+                  <a:close/>
+                </a:path>
+              </a:pathLst>
+            </a:custGeom>
+            <a:solidFill>
+              <a:schemeClr val="accent2">
+                <a:lumMod val="75000"/>
+                <a:alpha val="70000"/>
+              </a:schemeClr>
+            </a:solidFill>
+            <a:ln>
+              <a:noFill/>
+            </a:ln>
+            <a:effectLst/>
+          </p:spPr>
+          <p:style>
+            <a:lnRef idx="1">
+              <a:schemeClr val="accent1"/>
+            </a:lnRef>
+            <a:fillRef idx="3">
+              <a:schemeClr val="accent1"/>
+            </a:fillRef>
+            <a:effectRef idx="2">
+              <a:schemeClr val="accent1"/>
+            </a:effectRef>
+            <a:fontRef idx="minor">
+              <a:schemeClr val="lt1"/>
+            </a:fontRef>
+          </p:style>
+        </p:sp>
+        <p:sp>
+          <p:nvSpPr>
+            <p:cNvPr id="26" name="Rectangle 28"/>
+            <p:cNvSpPr/>
+            <p:nvPr/>
+          </p:nvSpPr>
+          <p:spPr>
+            <a:xfrm>
+              <a:off x="10898730" y="-8467"/>
+              <a:ext cx="1290094" cy="6866467"/>
+            </a:xfrm>
+            <a:custGeom>
+              <a:avLst/>
+              <a:gdLst/>
+              <a:ahLst/>
+              <a:cxnLst/>
+              <a:rect l="l" t="t" r="r" b="b"/>
+              <a:pathLst>
+                <a:path w="1290094" h="6858000">
+                  <a:moveTo>
+                    <a:pt x="1019735" y="0"/>
+                  </a:moveTo>
+                  <a:lnTo>
+                    <a:pt x="1290094" y="0"/>
+                  </a:lnTo>
+                  <a:lnTo>
+                    <a:pt x="1290094" y="6858000"/>
+                  </a:lnTo>
+                  <a:lnTo>
+                    <a:pt x="0" y="6858000"/>
+                  </a:lnTo>
+                  <a:lnTo>
+                    <a:pt x="1019735" y="0"/>
+                  </a:lnTo>
+                  <a:close/>
+                </a:path>
+              </a:pathLst>
+            </a:custGeom>
+            <a:solidFill>
+              <a:schemeClr val="accent1">
+                <a:lumMod val="60000"/>
+                <a:lumOff val="40000"/>
+                <a:alpha val="70000"/>
+              </a:schemeClr>
+            </a:solidFill>
+            <a:ln>
+              <a:noFill/>
+            </a:ln>
+            <a:effectLst/>
+          </p:spPr>
+          <p:style>
+            <a:lnRef idx="1">
+              <a:schemeClr val="accent1"/>
+            </a:lnRef>
+            <a:fillRef idx="3">
+              <a:schemeClr val="accent1"/>
+            </a:fillRef>
+            <a:effectRef idx="2">
+              <a:schemeClr val="accent1"/>
+            </a:effectRef>
+            <a:fontRef idx="minor">
+              <a:schemeClr val="lt1"/>
+            </a:fontRef>
+          </p:style>
+        </p:sp>
+        <p:sp>
+          <p:nvSpPr>
+            <p:cNvPr id="27" name="Rectangle 29"/>
+            <p:cNvSpPr/>
+            <p:nvPr/>
+          </p:nvSpPr>
+          <p:spPr>
+            <a:xfrm>
+              <a:off x="10938999" y="-8467"/>
+              <a:ext cx="1249825" cy="6866467"/>
+            </a:xfrm>
+            <a:custGeom>
+              <a:avLst/>
+              <a:gdLst/>
+              <a:ahLst/>
+              <a:cxnLst/>
+              <a:rect l="l" t="t" r="r" b="b"/>
+              <a:pathLst>
+                <a:path w="1249825" h="6858000">
+                  <a:moveTo>
+                    <a:pt x="0" y="0"/>
+                  </a:moveTo>
+                  <a:lnTo>
+                    <a:pt x="1249825" y="0"/>
+                  </a:lnTo>
+                  <a:lnTo>
+                    <a:pt x="1249825" y="6858000"/>
+                  </a:lnTo>
+                  <a:lnTo>
+                    <a:pt x="1109382" y="6858000"/>
+                  </a:lnTo>
+                  <a:lnTo>
+                    <a:pt x="0" y="0"/>
+                  </a:lnTo>
+                  <a:close/>
+                </a:path>
+              </a:pathLst>
+            </a:custGeom>
+            <a:solidFill>
+              <a:schemeClr val="accent1">
+                <a:alpha val="65000"/>
+              </a:schemeClr>
+            </a:solidFill>
+            <a:ln>
+              <a:noFill/>
+            </a:ln>
+            <a:effectLst/>
+          </p:spPr>
+          <p:style>
+            <a:lnRef idx="1">
+              <a:schemeClr val="accent1"/>
+            </a:lnRef>
+            <a:fillRef idx="3">
+              <a:schemeClr val="accent1"/>
+            </a:fillRef>
+            <a:effectRef idx="2">
+              <a:schemeClr val="accent1"/>
+            </a:effectRef>
+            <a:fontRef idx="minor">
+              <a:schemeClr val="lt1"/>
+            </a:fontRef>
+          </p:style>
+        </p:sp>
+        <p:sp>
+          <p:nvSpPr>
+            <p:cNvPr id="28" name="Isosceles Triangle 27"/>
+            <p:cNvSpPr/>
+            <p:nvPr/>
+          </p:nvSpPr>
+          <p:spPr>
+            <a:xfrm>
+              <a:off x="10371666" y="3589867"/>
+              <a:ext cx="1817159" cy="3268133"/>
+            </a:xfrm>
+            <a:prstGeom prst="triangle">
+              <a:avLst>
+                <a:gd name="adj" fmla="val 100000"/>
+              </a:avLst>
+            </a:prstGeom>
+            <a:solidFill>
+              <a:schemeClr val="accent1">
+                <a:alpha val="80000"/>
+              </a:schemeClr>
+            </a:solidFill>
+            <a:ln>
+              <a:noFill/>
+            </a:ln>
+            <a:effectLst/>
+          </p:spPr>
+          <p:style>
+            <a:lnRef idx="1">
+              <a:schemeClr val="accent1"/>
+            </a:lnRef>
+            <a:fillRef idx="3">
+              <a:schemeClr val="accent1"/>
+            </a:fillRef>
+            <a:effectRef idx="2">
+              <a:schemeClr val="accent1"/>
+            </a:effectRef>
+            <a:fontRef idx="minor">
+              <a:schemeClr val="lt1"/>
+            </a:fontRef>
+          </p:style>
+        </p:sp>
+        <p:sp>
+          <p:nvSpPr>
+            <p:cNvPr id="29" name="Isosceles Triangle 28"/>
+            <p:cNvSpPr/>
+            <p:nvPr/>
+          </p:nvSpPr>
+          <p:spPr>
+            <a:xfrm>
+              <a:off x="0" y="4013200"/>
+              <a:ext cx="448733" cy="2844800"/>
+            </a:xfrm>
+            <a:prstGeom prst="triangle">
+              <a:avLst>
+                <a:gd name="adj" fmla="val 0"/>
+              </a:avLst>
+            </a:prstGeom>
+            <a:solidFill>
+              <a:schemeClr val="accent1">
+                <a:alpha val="85000"/>
+              </a:schemeClr>
+            </a:solidFill>
+            <a:ln>
+              <a:noFill/>
+            </a:ln>
+            <a:effectLst/>
+          </p:spPr>
+          <p:style>
+            <a:lnRef idx="1">
+              <a:schemeClr val="accent1"/>
+            </a:lnRef>
+            <a:fillRef idx="3">
+              <a:schemeClr val="accent1"/>
+            </a:fillRef>
+            <a:effectRef idx="2">
+              <a:schemeClr val="accent1"/>
+            </a:effectRef>
+            <a:fontRef idx="minor">
+              <a:schemeClr val="lt1"/>
+            </a:fontRef>
+          </p:style>
+        </p:sp>
+      </p:grpSp>
+      <p:sp>
+        <p:nvSpPr>
+          <p:cNvPr id="2" name="Title Placeholder 1"/>
+          <p:cNvSpPr>
+            <a:spLocks noGrp="1"/>
+          </p:cNvSpPr>
+          <p:nvPr>
+            <p:ph type="title"/>
+          </p:nvPr>
         </p:nvSpPr>
         <p:spPr>
           <a:xfrm>
-            <a:off x="11277014" y="6499384"/>
-            <a:ext cx="113029" cy="84772"/>
-          </a:xfrm>
-          <a:prstGeom prst="ellipse">
-            <a:avLst/>
-          </a:prstGeom>
-          <a:solidFill>
-            <a:schemeClr val="tx1">
-              <a:lumMod val="50000"/>
-              <a:lumOff val="50000"/>
-            </a:schemeClr>
-          </a:solidFill>
-          <a:ln w="12700">
-            <a:noFill/>
-          </a:ln>
-          <a:effectLst/>
-        </p:spPr>
-        <p:style>
-          <a:lnRef idx="2">
-            <a:schemeClr val="accent1">
-              <a:shade val="50000"/>
-            </a:schemeClr>
-          </a:lnRef>
-          <a:fillRef idx="1">
-            <a:schemeClr val="accent1"/>
-          </a:fillRef>
-          <a:effectRef idx="0">
-            <a:schemeClr val="accent1"/>
-          </a:effectRef>
-          <a:fontRef idx="minor">
-            <a:schemeClr val="lt1"/>
-          </a:fontRef>
-        </p:style>
-        <p:txBody>
-          <a:bodyPr rtlCol="0" anchor="ctr"/>
-          <a:lstStyle/>
-          <a:p>
-            <a:pPr marL="0" algn="ctr" defTabSz="914400" rtl="0" eaLnBrk="1" latinLnBrk="0" hangingPunct="1"/>
-            <a:endParaRPr lang="pt-PT" sz="1800" kern="1200" noProof="0">
-              <a:solidFill>
-                <a:schemeClr val="tx1">
-                  <a:lumMod val="65000"/>
-                  <a:lumOff val="35000"/>
-                </a:schemeClr>
-              </a:solidFill>
-              <a:latin typeface="Palatino Linotype" panose="02040502050505030304" pitchFamily="18" charset="0"/>
-              <a:ea typeface="+mn-ea"/>
-              <a:cs typeface="+mn-cs"/>
-            </a:endParaRPr>
-          </a:p>
-        </p:txBody>
-      </p:sp>
-      <p:sp>
-        <p:nvSpPr>
-          <p:cNvPr id="8" name="Oval 7"/>
-          <p:cNvSpPr/>
-          <p:nvPr/>
-        </p:nvSpPr>
-        <p:spPr>
-          <a:xfrm>
-            <a:off x="758826" y="6499384"/>
-            <a:ext cx="113029" cy="84772"/>
-          </a:xfrm>
-          <a:prstGeom prst="ellipse">
-            <a:avLst/>
-          </a:prstGeom>
-          <a:solidFill>
-            <a:schemeClr val="tx1">
-              <a:lumMod val="50000"/>
-              <a:lumOff val="50000"/>
-            </a:schemeClr>
-          </a:solidFill>
-          <a:ln w="12700">
-            <a:noFill/>
-          </a:ln>
-          <a:effectLst/>
-        </p:spPr>
-        <p:style>
-          <a:lnRef idx="2">
-            <a:schemeClr val="accent1">
-              <a:shade val="50000"/>
-            </a:schemeClr>
-          </a:lnRef>
-          <a:fillRef idx="1">
-            <a:schemeClr val="accent1"/>
-          </a:fillRef>
-          <a:effectRef idx="0">
-            <a:schemeClr val="accent1"/>
-          </a:effectRef>
-          <a:fontRef idx="minor">
-            <a:schemeClr val="lt1"/>
-          </a:fontRef>
-        </p:style>
-        <p:txBody>
-          <a:bodyPr rtlCol="0" anchor="ctr"/>
-          <a:lstStyle/>
-          <a:p>
-            <a:pPr algn="ctr" rtl="0"/>
-            <a:endParaRPr lang="pt-PT" sz="1800" noProof="0">
-              <a:solidFill>
-                <a:schemeClr val="tx1">
-                  <a:lumMod val="65000"/>
-                  <a:lumOff val="35000"/>
-                </a:schemeClr>
-              </a:solidFill>
-              <a:latin typeface="Palatino Linotype" panose="02040502050505030304" pitchFamily="18" charset="0"/>
-            </a:endParaRPr>
-          </a:p>
-        </p:txBody>
-      </p:sp>
-      <p:sp>
-        <p:nvSpPr>
-          <p:cNvPr id="2" name="Marcador de Posição do Título 1"/>
-          <p:cNvSpPr>
-            <a:spLocks noGrp="1"/>
-          </p:cNvSpPr>
-          <p:nvPr>
-            <p:ph type="title"/>
-          </p:nvPr>
-        </p:nvSpPr>
-        <p:spPr>
-          <a:xfrm>
-            <a:off x="609600" y="0"/>
-            <a:ext cx="10972800" cy="1600200"/>
+            <a:off x="677334" y="609600"/>
+            <a:ext cx="8596668" cy="1320800"/>
           </a:xfrm>
           <a:prstGeom prst="rect">
             <a:avLst/>
           </a:prstGeom>
         </p:spPr>
         <p:txBody>
-          <a:bodyPr vert="horz" lIns="91440" tIns="45720" rIns="91440" bIns="45720" rtlCol="0" anchor="b">
-            <a:noAutofit/>
+          <a:bodyPr vert="horz" lIns="91440" tIns="45720" rIns="91440" bIns="45720" rtlCol="0" anchor="t">
+            <a:normAutofit/>
           </a:bodyPr>
           <a:lstStyle/>
           <a:p>
-            <a:pPr rtl="0"/>
-            <a:r>
-              <a:rPr lang="pt-PT" noProof="0"/>
-              <a:t>Clique para editar o estilo do título do Modelo Global</a:t>
-            </a:r>
-          </a:p>
-        </p:txBody>
-      </p:sp>
-      <p:sp>
-        <p:nvSpPr>
-          <p:cNvPr id="3" name="Marcador de Posição do Texto 2"/>
+            <a:r>
+              <a:rPr lang="pt-PT"/>
+              <a:t>Clique para editar o estilo de título do Modelo Global</a:t>
+            </a:r>
+            <a:endParaRPr lang="en-US" dirty="0"/>
+          </a:p>
+        </p:txBody>
+      </p:sp>
+      <p:sp>
+        <p:nvSpPr>
+          <p:cNvPr id="3" name="Text Placeholder 2"/>
           <p:cNvSpPr>
             <a:spLocks noGrp="1"/>
           </p:cNvSpPr>
@@ -4438,8 +6276,8 @@
         </p:nvSpPr>
         <p:spPr>
           <a:xfrm>
-            <a:off x="609600" y="1600201"/>
-            <a:ext cx="10972800" cy="4525963"/>
+            <a:off x="677334" y="2160589"/>
+            <a:ext cx="8596668" cy="3880773"/>
           </a:xfrm>
           <a:prstGeom prst="rect">
             <a:avLst/>
@@ -4451,124 +6289,127 @@
           </a:bodyPr>
           <a:lstStyle/>
           <a:p>
-            <a:pPr lvl="0" rtl="0"/>
-            <a:r>
-              <a:rPr lang="pt-PT" noProof="0"/>
-              <a:t>Clique para editar os estilos de texto do Modelo Global</a:t>
-            </a:r>
-          </a:p>
-          <a:p>
-            <a:pPr lvl="1" rtl="0"/>
-            <a:r>
-              <a:rPr lang="pt-PT" noProof="0"/>
+            <a:pPr lvl="0"/>
+            <a:r>
+              <a:rPr lang="pt-PT"/>
+              <a:t>Editar os estilos de texto do Modelo Global</a:t>
+            </a:r>
+          </a:p>
+          <a:p>
+            <a:pPr lvl="1"/>
+            <a:r>
+              <a:rPr lang="pt-PT"/>
               <a:t>Segundo nível</a:t>
             </a:r>
           </a:p>
           <a:p>
-            <a:pPr lvl="2" rtl="0"/>
-            <a:r>
-              <a:rPr lang="pt-PT" noProof="0"/>
+            <a:pPr lvl="2"/>
+            <a:r>
+              <a:rPr lang="pt-PT"/>
               <a:t>Terceiro nível</a:t>
             </a:r>
           </a:p>
           <a:p>
-            <a:pPr lvl="3" rtl="0"/>
-            <a:r>
-              <a:rPr lang="pt-PT" noProof="0"/>
+            <a:pPr lvl="3"/>
+            <a:r>
+              <a:rPr lang="pt-PT"/>
               <a:t>Quarto nível</a:t>
             </a:r>
           </a:p>
           <a:p>
-            <a:pPr lvl="4" rtl="0"/>
-            <a:r>
-              <a:rPr lang="pt-PT" noProof="0"/>
+            <a:pPr lvl="4"/>
+            <a:r>
+              <a:rPr lang="pt-PT"/>
               <a:t>Quinto nível</a:t>
             </a:r>
-          </a:p>
-        </p:txBody>
-      </p:sp>
-      <p:sp>
-        <p:nvSpPr>
-          <p:cNvPr id="5" name="Marcador de Posição do Rodapé 4"/>
-          <p:cNvSpPr>
-            <a:spLocks noGrp="1"/>
-          </p:cNvSpPr>
-          <p:nvPr>
-            <p:ph type="ftr" sz="quarter" idx="3"/>
+            <a:endParaRPr lang="en-US" dirty="0"/>
+          </a:p>
+        </p:txBody>
+      </p:sp>
+      <p:sp>
+        <p:nvSpPr>
+          <p:cNvPr id="4" name="Date Placeholder 3"/>
+          <p:cNvSpPr>
+            <a:spLocks noGrp="1"/>
+          </p:cNvSpPr>
+          <p:nvPr>
+            <p:ph type="dt" sz="half" idx="2"/>
           </p:nvPr>
         </p:nvSpPr>
         <p:spPr>
           <a:xfrm>
-            <a:off x="878887" y="6356351"/>
-            <a:ext cx="3797300" cy="365125"/>
+            <a:off x="7205133" y="6041362"/>
+            <a:ext cx="911939" cy="365125"/>
           </a:xfrm>
           <a:prstGeom prst="rect">
             <a:avLst/>
           </a:prstGeom>
         </p:spPr>
         <p:txBody>
-          <a:bodyPr vert="horz" lIns="45720" tIns="45720" rIns="91440" bIns="45720" rtlCol="0" anchor="ctr"/>
+          <a:bodyPr vert="horz" lIns="91440" tIns="45720" rIns="91440" bIns="45720" rtlCol="0" anchor="ctr"/>
           <a:lstStyle>
-            <a:lvl1pPr algn="l">
-              <a:defRPr sz="1200">
+            <a:lvl1pPr algn="r">
+              <a:defRPr sz="900">
                 <a:solidFill>
-                  <a:schemeClr val="tx1"/>
+                  <a:schemeClr val="tx1">
+                    <a:tint val="75000"/>
+                  </a:schemeClr>
                 </a:solidFill>
-                <a:latin typeface="Century Gothic" pitchFamily="34" charset="0"/>
               </a:defRPr>
             </a:lvl1pPr>
           </a:lstStyle>
           <a:p>
-            <a:r>
-              <a:rPr lang="pt-PT" noProof="0"/>
-              <a:t>Adicione um rodapé</a:t>
-            </a:r>
-          </a:p>
-        </p:txBody>
-      </p:sp>
-      <p:sp>
-        <p:nvSpPr>
-          <p:cNvPr id="4" name="Marcador de Posição da Data 3"/>
-          <p:cNvSpPr>
-            <a:spLocks noGrp="1"/>
-          </p:cNvSpPr>
-          <p:nvPr>
-            <p:ph type="dt" sz="half" idx="2"/>
+            <a:fld id="{80BF842D-1605-46E4-8DA6-48CAB1706D79}" type="datetime1">
+              <a:rPr lang="pt-PT" noProof="0" smtClean="0"/>
+              <a:t>24/01/2019</a:t>
+            </a:fld>
+            <a:endParaRPr lang="pt-PT" noProof="0"/>
+          </a:p>
+        </p:txBody>
+      </p:sp>
+      <p:sp>
+        <p:nvSpPr>
+          <p:cNvPr id="5" name="Footer Placeholder 4"/>
+          <p:cNvSpPr>
+            <a:spLocks noGrp="1"/>
+          </p:cNvSpPr>
+          <p:nvPr>
+            <p:ph type="ftr" sz="quarter" idx="3"/>
           </p:nvPr>
         </p:nvSpPr>
         <p:spPr>
           <a:xfrm>
-            <a:off x="8484463" y="6356351"/>
-            <a:ext cx="2781300" cy="365125"/>
+            <a:off x="677334" y="6041362"/>
+            <a:ext cx="6297612" cy="365125"/>
           </a:xfrm>
           <a:prstGeom prst="rect">
             <a:avLst/>
           </a:prstGeom>
         </p:spPr>
         <p:txBody>
-          <a:bodyPr vert="horz" lIns="91440" tIns="45720" rIns="45720" bIns="45720" rtlCol="0" anchor="ctr"/>
+          <a:bodyPr vert="horz" lIns="91440" tIns="45720" rIns="91440" bIns="45720" rtlCol="0" anchor="ctr"/>
           <a:lstStyle>
-            <a:lvl1pPr algn="r">
-              <a:defRPr sz="1200">
+            <a:lvl1pPr algn="l">
+              <a:defRPr sz="900">
                 <a:solidFill>
-                  <a:schemeClr val="tx1"/>
+                  <a:schemeClr val="tx1">
+                    <a:tint val="75000"/>
+                  </a:schemeClr>
                 </a:solidFill>
-                <a:latin typeface="Century Gothic" pitchFamily="34" charset="0"/>
               </a:defRPr>
             </a:lvl1pPr>
           </a:lstStyle>
           <a:p>
-            <a:fld id="{80BF842D-1605-46E4-8DA6-48CAB1706D79}" type="datetime1">
-              <a:rPr lang="pt-PT" noProof="0" smtClean="0"/>
-              <a:t>24/01/2019</a:t>
-            </a:fld>
-            <a:endParaRPr lang="pt-PT" noProof="0"/>
-          </a:p>
-        </p:txBody>
-      </p:sp>
-      <p:sp>
-        <p:nvSpPr>
-          <p:cNvPr id="6" name="Marcador de Posição do Número do Diapositivo 5"/>
+            <a:r>
+              <a:rPr lang="pt-PT" noProof="0"/>
+              <a:t>Adicione um rodapé</a:t>
+            </a:r>
+          </a:p>
+        </p:txBody>
+      </p:sp>
+      <p:sp>
+        <p:nvSpPr>
+          <p:cNvPr id="6" name="Slide Number Placeholder 5"/>
           <p:cNvSpPr>
             <a:spLocks noGrp="1"/>
           </p:cNvSpPr>
@@ -4578,22 +6419,21 @@
         </p:nvSpPr>
         <p:spPr>
           <a:xfrm>
-            <a:off x="11391038" y="6356351"/>
-            <a:ext cx="749300" cy="365125"/>
+            <a:off x="8590663" y="6041362"/>
+            <a:ext cx="683339" cy="365125"/>
           </a:xfrm>
           <a:prstGeom prst="rect">
             <a:avLst/>
           </a:prstGeom>
         </p:spPr>
         <p:txBody>
-          <a:bodyPr vert="horz" lIns="27432" tIns="45720" rIns="45720" bIns="45720" rtlCol="0" anchor="ctr"/>
+          <a:bodyPr vert="horz" lIns="91440" tIns="45720" rIns="91440" bIns="45720" rtlCol="0" anchor="ctr"/>
           <a:lstStyle>
-            <a:lvl1pPr algn="l">
-              <a:defRPr sz="1200">
+            <a:lvl1pPr algn="r">
+              <a:defRPr sz="900">
                 <a:solidFill>
-                  <a:schemeClr val="tx1"/>
+                  <a:schemeClr val="accent1"/>
                 </a:solidFill>
-                <a:latin typeface="Century Gothic" pitchFamily="34" charset="0"/>
               </a:defRPr>
             </a:lvl1pPr>
           </a:lstStyle>
@@ -4610,23 +6450,28 @@
     </p:spTree>
     <p:extLst>
       <p:ext uri="{BB962C8B-B14F-4D97-AF65-F5344CB8AC3E}">
-        <p14:creationId xmlns:p14="http://schemas.microsoft.com/office/powerpoint/2010/main" val="3012251994"/>
+        <p14:creationId xmlns:p14="http://schemas.microsoft.com/office/powerpoint/2010/main" val="354107166"/>
       </p:ext>
     </p:extLst>
   </p:cSld>
   <p:clrMap bg1="lt1" tx1="dk1" bg2="lt2" tx2="dk2" accent1="accent1" accent2="accent2" accent3="accent3" accent4="accent4" accent5="accent5" accent6="accent6" hlink="hlink" folHlink="folHlink"/>
   <p:sldLayoutIdLst>
-    <p:sldLayoutId id="2147483673" r:id="rId1"/>
-    <p:sldLayoutId id="2147483674" r:id="rId2"/>
-    <p:sldLayoutId id="2147483675" r:id="rId3"/>
-    <p:sldLayoutId id="2147483676" r:id="rId4"/>
-    <p:sldLayoutId id="2147483677" r:id="rId5"/>
-    <p:sldLayoutId id="2147483678" r:id="rId6"/>
-    <p:sldLayoutId id="2147483679" r:id="rId7"/>
-    <p:sldLayoutId id="2147483680" r:id="rId8"/>
-    <p:sldLayoutId id="2147483681" r:id="rId9"/>
-    <p:sldLayoutId id="2147483682" r:id="rId10"/>
-    <p:sldLayoutId id="2147483683" r:id="rId11"/>
+    <p:sldLayoutId id="2147483685" r:id="rId1"/>
+    <p:sldLayoutId id="2147483686" r:id="rId2"/>
+    <p:sldLayoutId id="2147483687" r:id="rId3"/>
+    <p:sldLayoutId id="2147483688" r:id="rId4"/>
+    <p:sldLayoutId id="2147483689" r:id="rId5"/>
+    <p:sldLayoutId id="2147483690" r:id="rId6"/>
+    <p:sldLayoutId id="2147483691" r:id="rId7"/>
+    <p:sldLayoutId id="2147483692" r:id="rId8"/>
+    <p:sldLayoutId id="2147483693" r:id="rId9"/>
+    <p:sldLayoutId id="2147483694" r:id="rId10"/>
+    <p:sldLayoutId id="2147483695" r:id="rId11"/>
+    <p:sldLayoutId id="2147483696" r:id="rId12"/>
+    <p:sldLayoutId id="2147483697" r:id="rId13"/>
+    <p:sldLayoutId id="2147483698" r:id="rId14"/>
+    <p:sldLayoutId id="2147483699" r:id="rId15"/>
+    <p:sldLayoutId id="2147483700" r:id="rId16"/>
   </p:sldLayoutIdLst>
   <mc:AlternateContent xmlns:mc="http://schemas.openxmlformats.org/markup-compatibility/2006" xmlns:p14="http://schemas.microsoft.com/office/powerpoint/2010/main">
     <mc:Choice Requires="p14">
@@ -4643,155 +6488,297 @@
   <p:hf sldNum="0" hdr="0" ftr="0" dt="0"/>
   <p:txStyles>
     <p:titleStyle>
-      <a:lvl1pPr algn="ctr" defTabSz="914400" rtl="0" eaLnBrk="1" latinLnBrk="0" hangingPunct="1">
-        <a:lnSpc>
-          <a:spcPts val="4800"/>
-        </a:lnSpc>
+      <a:lvl1pPr algn="l" defTabSz="457200" rtl="0" eaLnBrk="1" latinLnBrk="0" hangingPunct="1">
         <a:spcBef>
           <a:spcPct val="0"/>
         </a:spcBef>
         <a:buNone/>
-        <a:defRPr sz="4800" kern="1200">
+        <a:defRPr sz="3600" kern="1200">
           <a:solidFill>
-            <a:schemeClr val="tx2"/>
+            <a:schemeClr val="accent1"/>
           </a:solidFill>
-          <a:effectLst/>
-          <a:latin typeface="Century Gothic" panose="020B0502020202020204" pitchFamily="34" charset="0"/>
+          <a:latin typeface="+mj-lt"/>
           <a:ea typeface="+mj-ea"/>
           <a:cs typeface="+mj-cs"/>
         </a:defRPr>
       </a:lvl1pPr>
+      <a:lvl2pPr eaLnBrk="1" hangingPunct="1">
+        <a:defRPr>
+          <a:solidFill>
+            <a:schemeClr val="tx2"/>
+          </a:solidFill>
+        </a:defRPr>
+      </a:lvl2pPr>
+      <a:lvl3pPr eaLnBrk="1" hangingPunct="1">
+        <a:defRPr>
+          <a:solidFill>
+            <a:schemeClr val="tx2"/>
+          </a:solidFill>
+        </a:defRPr>
+      </a:lvl3pPr>
+      <a:lvl4pPr eaLnBrk="1" hangingPunct="1">
+        <a:defRPr>
+          <a:solidFill>
+            <a:schemeClr val="tx2"/>
+          </a:solidFill>
+        </a:defRPr>
+      </a:lvl4pPr>
+      <a:lvl5pPr eaLnBrk="1" hangingPunct="1">
+        <a:defRPr>
+          <a:solidFill>
+            <a:schemeClr val="tx2"/>
+          </a:solidFill>
+        </a:defRPr>
+      </a:lvl5pPr>
+      <a:lvl6pPr eaLnBrk="1" hangingPunct="1">
+        <a:defRPr>
+          <a:solidFill>
+            <a:schemeClr val="tx2"/>
+          </a:solidFill>
+        </a:defRPr>
+      </a:lvl6pPr>
+      <a:lvl7pPr eaLnBrk="1" hangingPunct="1">
+        <a:defRPr>
+          <a:solidFill>
+            <a:schemeClr val="tx2"/>
+          </a:solidFill>
+        </a:defRPr>
+      </a:lvl7pPr>
+      <a:lvl8pPr eaLnBrk="1" hangingPunct="1">
+        <a:defRPr>
+          <a:solidFill>
+            <a:schemeClr val="tx2"/>
+          </a:solidFill>
+        </a:defRPr>
+      </a:lvl8pPr>
+      <a:lvl9pPr eaLnBrk="1" hangingPunct="1">
+        <a:defRPr>
+          <a:solidFill>
+            <a:schemeClr val="tx2"/>
+          </a:solidFill>
+        </a:defRPr>
+      </a:lvl9pPr>
     </p:titleStyle>
     <p:bodyStyle>
-      <a:lvl1pPr marL="342900" indent="-342900" algn="l" defTabSz="914400" rtl="0" eaLnBrk="1" latinLnBrk="0" hangingPunct="1">
+      <a:lvl1pPr marL="342900" indent="-342900" algn="l" defTabSz="457200" rtl="0" eaLnBrk="1" latinLnBrk="0" hangingPunct="1">
         <a:spcBef>
-          <a:spcPct val="20000"/>
+          <a:spcPts val="1000"/>
         </a:spcBef>
-        <a:buFont typeface="Arial" pitchFamily="34" charset="0"/>
-        <a:buChar char="•"/>
-        <a:defRPr sz="2400" kern="1200">
+        <a:spcAft>
+          <a:spcPts val="0"/>
+        </a:spcAft>
+        <a:buClr>
+          <a:schemeClr val="accent1"/>
+        </a:buClr>
+        <a:buSzPct val="80000"/>
+        <a:buFont typeface="Wingdings 3" charset="2"/>
+        <a:buChar char=""/>
+        <a:defRPr sz="1800" kern="1200">
           <a:solidFill>
-            <a:schemeClr val="tx1"/>
+            <a:schemeClr val="tx1">
+              <a:lumMod val="75000"/>
+              <a:lumOff val="25000"/>
+            </a:schemeClr>
           </a:solidFill>
-          <a:latin typeface="Palatino Linotype" panose="02040502050505030304" pitchFamily="18" charset="0"/>
+          <a:latin typeface="+mn-lt"/>
           <a:ea typeface="+mn-ea"/>
           <a:cs typeface="+mn-cs"/>
         </a:defRPr>
       </a:lvl1pPr>
-      <a:lvl2pPr marL="742950" indent="-285750" algn="l" defTabSz="914400" rtl="0" eaLnBrk="1" latinLnBrk="0" hangingPunct="1">
+      <a:lvl2pPr marL="742950" indent="-285750" algn="l" defTabSz="457200" rtl="0" eaLnBrk="1" latinLnBrk="0" hangingPunct="1">
         <a:spcBef>
-          <a:spcPct val="20000"/>
+          <a:spcPts val="1000"/>
         </a:spcBef>
-        <a:buFont typeface="Courier New" pitchFamily="49" charset="0"/>
-        <a:buChar char="o"/>
+        <a:spcAft>
+          <a:spcPts val="0"/>
+        </a:spcAft>
+        <a:buClr>
+          <a:schemeClr val="accent1"/>
+        </a:buClr>
+        <a:buSzPct val="80000"/>
+        <a:buFont typeface="Wingdings 3" charset="2"/>
+        <a:buChar char=""/>
         <a:defRPr sz="1600" kern="1200">
           <a:solidFill>
-            <a:schemeClr val="tx1"/>
+            <a:schemeClr val="tx1">
+              <a:lumMod val="75000"/>
+              <a:lumOff val="25000"/>
+            </a:schemeClr>
           </a:solidFill>
-          <a:latin typeface="Palatino Linotype" panose="02040502050505030304" pitchFamily="18" charset="0"/>
+          <a:latin typeface="+mn-lt"/>
           <a:ea typeface="+mn-ea"/>
           <a:cs typeface="+mn-cs"/>
         </a:defRPr>
       </a:lvl2pPr>
-      <a:lvl3pPr marL="1143000" indent="-228600" algn="l" defTabSz="914400" rtl="0" eaLnBrk="1" latinLnBrk="0" hangingPunct="1">
+      <a:lvl3pPr marL="1143000" indent="-228600" algn="l" defTabSz="457200" rtl="0" eaLnBrk="1" latinLnBrk="0" hangingPunct="1">
         <a:spcBef>
-          <a:spcPct val="20000"/>
+          <a:spcPts val="1000"/>
         </a:spcBef>
-        <a:buFont typeface="Arial" pitchFamily="34" charset="0"/>
-        <a:buChar char="•"/>
-        <a:defRPr sz="1600" kern="1200">
+        <a:spcAft>
+          <a:spcPts val="0"/>
+        </a:spcAft>
+        <a:buClr>
+          <a:schemeClr val="accent1"/>
+        </a:buClr>
+        <a:buSzPct val="80000"/>
+        <a:buFont typeface="Wingdings 3" charset="2"/>
+        <a:buChar char=""/>
+        <a:defRPr sz="1400" kern="1200">
           <a:solidFill>
-            <a:schemeClr val="tx1"/>
+            <a:schemeClr val="tx1">
+              <a:lumMod val="75000"/>
+              <a:lumOff val="25000"/>
+            </a:schemeClr>
           </a:solidFill>
-          <a:latin typeface="Palatino Linotype" panose="02040502050505030304" pitchFamily="18" charset="0"/>
+          <a:latin typeface="+mn-lt"/>
           <a:ea typeface="+mn-ea"/>
           <a:cs typeface="+mn-cs"/>
         </a:defRPr>
       </a:lvl3pPr>
-      <a:lvl4pPr marL="1600200" indent="-228600" algn="l" defTabSz="914400" rtl="0" eaLnBrk="1" latinLnBrk="0" hangingPunct="1">
+      <a:lvl4pPr marL="1600200" indent="-228600" algn="l" defTabSz="457200" rtl="0" eaLnBrk="1" latinLnBrk="0" hangingPunct="1">
         <a:spcBef>
-          <a:spcPct val="20000"/>
+          <a:spcPts val="1000"/>
         </a:spcBef>
-        <a:buFont typeface="Courier New" pitchFamily="49" charset="0"/>
-        <a:buChar char="o"/>
-        <a:defRPr sz="1600" kern="1200">
+        <a:spcAft>
+          <a:spcPts val="0"/>
+        </a:spcAft>
+        <a:buClr>
+          <a:schemeClr val="accent1"/>
+        </a:buClr>
+        <a:buSzPct val="80000"/>
+        <a:buFont typeface="Wingdings 3" charset="2"/>
+        <a:buChar char=""/>
+        <a:defRPr sz="1200" kern="1200">
           <a:solidFill>
-            <a:schemeClr val="tx1"/>
+            <a:schemeClr val="tx1">
+              <a:lumMod val="75000"/>
+              <a:lumOff val="25000"/>
+            </a:schemeClr>
           </a:solidFill>
-          <a:latin typeface="Palatino Linotype" panose="02040502050505030304" pitchFamily="18" charset="0"/>
+          <a:latin typeface="+mn-lt"/>
           <a:ea typeface="+mn-ea"/>
           <a:cs typeface="+mn-cs"/>
         </a:defRPr>
       </a:lvl4pPr>
-      <a:lvl5pPr marL="2057400" indent="-228600" algn="l" defTabSz="914400" rtl="0" eaLnBrk="1" latinLnBrk="0" hangingPunct="1">
+      <a:lvl5pPr marL="2057400" indent="-228600" algn="l" defTabSz="457200" rtl="0" eaLnBrk="1" latinLnBrk="0" hangingPunct="1">
         <a:spcBef>
-          <a:spcPct val="20000"/>
+          <a:spcPts val="1000"/>
         </a:spcBef>
-        <a:buFont typeface="Arial" pitchFamily="34" charset="0"/>
-        <a:buChar char="•"/>
-        <a:defRPr sz="1600" kern="1200">
+        <a:spcAft>
+          <a:spcPts val="0"/>
+        </a:spcAft>
+        <a:buClr>
+          <a:schemeClr val="accent1"/>
+        </a:buClr>
+        <a:buSzPct val="80000"/>
+        <a:buFont typeface="Wingdings 3" charset="2"/>
+        <a:buChar char=""/>
+        <a:defRPr sz="1200" kern="1200">
           <a:solidFill>
-            <a:schemeClr val="tx1"/>
+            <a:schemeClr val="tx1">
+              <a:lumMod val="75000"/>
+              <a:lumOff val="25000"/>
+            </a:schemeClr>
           </a:solidFill>
-          <a:latin typeface="Palatino Linotype" panose="02040502050505030304" pitchFamily="18" charset="0"/>
+          <a:latin typeface="+mn-lt"/>
           <a:ea typeface="+mn-ea"/>
           <a:cs typeface="+mn-cs"/>
         </a:defRPr>
       </a:lvl5pPr>
-      <a:lvl6pPr marL="2514600" indent="-228600" algn="l" defTabSz="914400" rtl="0" eaLnBrk="1" latinLnBrk="0" hangingPunct="1">
+      <a:lvl6pPr marL="2514600" indent="-228600" algn="l" defTabSz="457200" rtl="0" eaLnBrk="1" latinLnBrk="0" hangingPunct="1">
         <a:spcBef>
-          <a:spcPct val="20000"/>
+          <a:spcPts val="1000"/>
         </a:spcBef>
-        <a:buFont typeface="Courier New" pitchFamily="49" charset="0"/>
-        <a:buChar char="o"/>
-        <a:defRPr sz="1600" kern="1200">
+        <a:spcAft>
+          <a:spcPts val="0"/>
+        </a:spcAft>
+        <a:buClr>
+          <a:schemeClr val="accent1"/>
+        </a:buClr>
+        <a:buSzPct val="80000"/>
+        <a:buFont typeface="Wingdings 3" charset="2"/>
+        <a:buChar char=""/>
+        <a:defRPr sz="1200" kern="1200">
           <a:solidFill>
-            <a:schemeClr val="tx1"/>
+            <a:schemeClr val="tx1">
+              <a:lumMod val="75000"/>
+              <a:lumOff val="25000"/>
+            </a:schemeClr>
           </a:solidFill>
           <a:latin typeface="+mn-lt"/>
           <a:ea typeface="+mn-ea"/>
           <a:cs typeface="+mn-cs"/>
         </a:defRPr>
       </a:lvl6pPr>
-      <a:lvl7pPr marL="2971800" indent="-228600" algn="l" defTabSz="914400" rtl="0" eaLnBrk="1" latinLnBrk="0" hangingPunct="1">
+      <a:lvl7pPr marL="2971800" indent="-228600" algn="l" defTabSz="457200" rtl="0" eaLnBrk="1" latinLnBrk="0" hangingPunct="1">
         <a:spcBef>
-          <a:spcPct val="20000"/>
+          <a:spcPts val="1000"/>
         </a:spcBef>
-        <a:buFont typeface="Arial" pitchFamily="34" charset="0"/>
-        <a:buChar char="•"/>
-        <a:defRPr sz="1600" kern="1200">
+        <a:spcAft>
+          <a:spcPts val="0"/>
+        </a:spcAft>
+        <a:buClr>
+          <a:schemeClr val="accent1"/>
+        </a:buClr>
+        <a:buSzPct val="80000"/>
+        <a:buFont typeface="Wingdings 3" charset="2"/>
+        <a:buChar char=""/>
+        <a:defRPr sz="1200" kern="1200">
           <a:solidFill>
-            <a:schemeClr val="tx1"/>
+            <a:schemeClr val="tx1">
+              <a:lumMod val="75000"/>
+              <a:lumOff val="25000"/>
+            </a:schemeClr>
           </a:solidFill>
           <a:latin typeface="+mn-lt"/>
           <a:ea typeface="+mn-ea"/>
           <a:cs typeface="+mn-cs"/>
         </a:defRPr>
       </a:lvl7pPr>
-      <a:lvl8pPr marL="3429000" indent="-228600" algn="l" defTabSz="914400" rtl="0" eaLnBrk="1" latinLnBrk="0" hangingPunct="1">
+      <a:lvl8pPr marL="3429000" indent="-228600" algn="l" defTabSz="457200" rtl="0" eaLnBrk="1" latinLnBrk="0" hangingPunct="1">
         <a:spcBef>
-          <a:spcPct val="20000"/>
+          <a:spcPts val="1000"/>
         </a:spcBef>
-        <a:buFont typeface="Courier New" pitchFamily="49" charset="0"/>
-        <a:buChar char="o"/>
-        <a:defRPr sz="1600" kern="1200">
+        <a:spcAft>
+          <a:spcPts val="0"/>
+        </a:spcAft>
+        <a:buClr>
+          <a:schemeClr val="accent1"/>
+        </a:buClr>
+        <a:buSzPct val="80000"/>
+        <a:buFont typeface="Wingdings 3" charset="2"/>
+        <a:buChar char=""/>
+        <a:defRPr sz="1200" kern="1200">
           <a:solidFill>
-            <a:schemeClr val="tx1"/>
+            <a:schemeClr val="tx1">
+              <a:lumMod val="75000"/>
+              <a:lumOff val="25000"/>
+            </a:schemeClr>
           </a:solidFill>
           <a:latin typeface="+mn-lt"/>
           <a:ea typeface="+mn-ea"/>
           <a:cs typeface="+mn-cs"/>
         </a:defRPr>
       </a:lvl8pPr>
-      <a:lvl9pPr marL="3886200" indent="-228600" algn="l" defTabSz="914400" rtl="0" eaLnBrk="1" latinLnBrk="0" hangingPunct="1">
+      <a:lvl9pPr marL="3886200" indent="-228600" algn="l" defTabSz="457200" rtl="0" eaLnBrk="1" latinLnBrk="0" hangingPunct="1">
         <a:spcBef>
-          <a:spcPct val="20000"/>
+          <a:spcPts val="1000"/>
         </a:spcBef>
-        <a:buFont typeface="Arial" pitchFamily="34" charset="0"/>
-        <a:buChar char="•"/>
-        <a:defRPr sz="1600" kern="1200">
+        <a:spcAft>
+          <a:spcPts val="0"/>
+        </a:spcAft>
+        <a:buClr>
+          <a:schemeClr val="accent1"/>
+        </a:buClr>
+        <a:buSzPct val="80000"/>
+        <a:buFont typeface="Wingdings 3" charset="2"/>
+        <a:buChar char=""/>
+        <a:defRPr sz="1200" kern="1200">
           <a:solidFill>
-            <a:schemeClr val="tx1"/>
+            <a:schemeClr val="tx1">
+              <a:lumMod val="75000"/>
+              <a:lumOff val="25000"/>
+            </a:schemeClr>
           </a:solidFill>
           <a:latin typeface="+mn-lt"/>
           <a:ea typeface="+mn-ea"/>
@@ -4803,7 +6790,7 @@
       <a:defPPr>
         <a:defRPr lang="en-US"/>
       </a:defPPr>
-      <a:lvl1pPr marL="0" algn="l" defTabSz="914400" rtl="0" eaLnBrk="1" latinLnBrk="0" hangingPunct="1">
+      <a:lvl1pPr marL="0" algn="l" defTabSz="457200" rtl="0" eaLnBrk="1" latinLnBrk="0" hangingPunct="1">
         <a:defRPr sz="1800" kern="1200">
           <a:solidFill>
             <a:schemeClr val="tx1"/>
@@ -4813,7 +6800,7 @@
           <a:cs typeface="+mn-cs"/>
         </a:defRPr>
       </a:lvl1pPr>
-      <a:lvl2pPr marL="457200" algn="l" defTabSz="914400" rtl="0" eaLnBrk="1" latinLnBrk="0" hangingPunct="1">
+      <a:lvl2pPr marL="457200" algn="l" defTabSz="457200" rtl="0" eaLnBrk="1" latinLnBrk="0" hangingPunct="1">
         <a:defRPr sz="1800" kern="1200">
           <a:solidFill>
             <a:schemeClr val="tx1"/>
@@ -4823,7 +6810,7 @@
           <a:cs typeface="+mn-cs"/>
         </a:defRPr>
       </a:lvl2pPr>
-      <a:lvl3pPr marL="914400" algn="l" defTabSz="914400" rtl="0" eaLnBrk="1" latinLnBrk="0" hangingPunct="1">
+      <a:lvl3pPr marL="914400" algn="l" defTabSz="457200" rtl="0" eaLnBrk="1" latinLnBrk="0" hangingPunct="1">
         <a:defRPr sz="1800" kern="1200">
           <a:solidFill>
             <a:schemeClr val="tx1"/>
@@ -4833,7 +6820,7 @@
           <a:cs typeface="+mn-cs"/>
         </a:defRPr>
       </a:lvl3pPr>
-      <a:lvl4pPr marL="1371600" algn="l" defTabSz="914400" rtl="0" eaLnBrk="1" latinLnBrk="0" hangingPunct="1">
+      <a:lvl4pPr marL="1371600" algn="l" defTabSz="457200" rtl="0" eaLnBrk="1" latinLnBrk="0" hangingPunct="1">
         <a:defRPr sz="1800" kern="1200">
           <a:solidFill>
             <a:schemeClr val="tx1"/>
@@ -4843,7 +6830,7 @@
           <a:cs typeface="+mn-cs"/>
         </a:defRPr>
       </a:lvl4pPr>
-      <a:lvl5pPr marL="1828800" algn="l" defTabSz="914400" rtl="0" eaLnBrk="1" latinLnBrk="0" hangingPunct="1">
+      <a:lvl5pPr marL="1828800" algn="l" defTabSz="457200" rtl="0" eaLnBrk="1" latinLnBrk="0" hangingPunct="1">
         <a:defRPr sz="1800" kern="1200">
           <a:solidFill>
             <a:schemeClr val="tx1"/>
@@ -4853,7 +6840,7 @@
           <a:cs typeface="+mn-cs"/>
         </a:defRPr>
       </a:lvl5pPr>
-      <a:lvl6pPr marL="2286000" algn="l" defTabSz="914400" rtl="0" eaLnBrk="1" latinLnBrk="0" hangingPunct="1">
+      <a:lvl6pPr marL="2286000" algn="l" defTabSz="457200" rtl="0" eaLnBrk="1" latinLnBrk="0" hangingPunct="1">
         <a:defRPr sz="1800" kern="1200">
           <a:solidFill>
             <a:schemeClr val="tx1"/>
@@ -4863,7 +6850,7 @@
           <a:cs typeface="+mn-cs"/>
         </a:defRPr>
       </a:lvl6pPr>
-      <a:lvl7pPr marL="2743200" algn="l" defTabSz="914400" rtl="0" eaLnBrk="1" latinLnBrk="0" hangingPunct="1">
+      <a:lvl7pPr marL="2743200" algn="l" defTabSz="457200" rtl="0" eaLnBrk="1" latinLnBrk="0" hangingPunct="1">
         <a:defRPr sz="1800" kern="1200">
           <a:solidFill>
             <a:schemeClr val="tx1"/>
@@ -4873,7 +6860,7 @@
           <a:cs typeface="+mn-cs"/>
         </a:defRPr>
       </a:lvl7pPr>
-      <a:lvl8pPr marL="3200400" algn="l" defTabSz="914400" rtl="0" eaLnBrk="1" latinLnBrk="0" hangingPunct="1">
+      <a:lvl8pPr marL="3200400" algn="l" defTabSz="457200" rtl="0" eaLnBrk="1" latinLnBrk="0" hangingPunct="1">
         <a:defRPr sz="1800" kern="1200">
           <a:solidFill>
             <a:schemeClr val="tx1"/>
@@ -4883,7 +6870,7 @@
           <a:cs typeface="+mn-cs"/>
         </a:defRPr>
       </a:lvl8pPr>
-      <a:lvl9pPr marL="3657600" algn="l" defTabSz="914400" rtl="0" eaLnBrk="1" latinLnBrk="0" hangingPunct="1">
+      <a:lvl9pPr marL="3657600" algn="l" defTabSz="457200" rtl="0" eaLnBrk="1" latinLnBrk="0" hangingPunct="1">
         <a:defRPr sz="1800" kern="1200">
           <a:solidFill>
             <a:schemeClr val="tx1"/>
@@ -4925,18 +6912,21 @@
             <p:ph type="subTitle" idx="1"/>
           </p:nvPr>
         </p:nvSpPr>
-        <p:spPr/>
+        <p:spPr>
+          <a:xfrm>
+            <a:off x="3659784" y="4380271"/>
+            <a:ext cx="3029542" cy="1718732"/>
+          </a:xfrm>
+        </p:spPr>
         <p:txBody>
           <a:bodyPr rtlCol="0">
-            <a:normAutofit fontScale="77500" lnSpcReduction="20000"/>
+            <a:normAutofit/>
           </a:bodyPr>
           <a:lstStyle/>
           <a:p>
             <a:pPr rtl="0"/>
             <a:r>
-              <a:rPr lang="pt-PT" dirty="0">
-                <a:latin typeface="Palatino Linotype" panose="02040502050505030304" pitchFamily="18" charset="0"/>
-              </a:rPr>
+              <a:rPr lang="pt-PT" dirty="0"/>
               <a:t>Trabalho realizado por:</a:t>
             </a:r>
           </a:p>
@@ -4950,9 +6940,7 @@
           <a:p>
             <a:pPr rtl="0"/>
             <a:r>
-              <a:rPr lang="pt-PT" dirty="0">
-                <a:latin typeface="Palatino Linotype" panose="02040502050505030304" pitchFamily="18" charset="0"/>
-              </a:rPr>
+              <a:rPr lang="pt-PT" dirty="0"/>
               <a:t>Diogo Neves, nº17686</a:t>
             </a:r>
           </a:p>
@@ -4962,9 +6950,6 @@
               <a:rPr lang="pt-PT" dirty="0"/>
               <a:t>Ricardo Mestre, nº17696</a:t>
             </a:r>
-            <a:endParaRPr lang="pt-PT" dirty="0">
-              <a:latin typeface="Palatino Linotype" panose="02040502050505030304" pitchFamily="18" charset="0"/>
-            </a:endParaRPr>
           </a:p>
         </p:txBody>
       </p:sp>
@@ -4990,8 +6975,8 @@
         </p:blipFill>
         <p:spPr>
           <a:xfrm>
-            <a:off x="2225528" y="1094080"/>
-            <a:ext cx="7740943" cy="3451287"/>
+            <a:off x="2371301" y="1141070"/>
+            <a:ext cx="5606508" cy="2499653"/>
           </a:xfrm>
           <a:prstGeom prst="rect">
             <a:avLst/>
@@ -5055,7 +7040,7 @@
           <a:bodyPr rtlCol="0"/>
           <a:lstStyle/>
           <a:p>
-            <a:pPr rtl="0"/>
+            <a:pPr algn="ctr" rtl="0"/>
             <a:r>
               <a:rPr lang="pt-PT" dirty="0">
                 <a:solidFill>
@@ -5063,7 +7048,7 @@
                 </a:solidFill>
                 <a:latin typeface="Century Gothic" panose="020B0502020202020204" pitchFamily="34" charset="0"/>
               </a:rPr>
-              <a:t>Introdução</a:t>
+              <a:t>Índice</a:t>
             </a:r>
           </a:p>
         </p:txBody>
@@ -5078,9 +7063,16 @@
             <p:ph idx="1"/>
           </p:nvPr>
         </p:nvSpPr>
-        <p:spPr/>
-        <p:txBody>
-          <a:bodyPr rtlCol="0"/>
+        <p:spPr>
+          <a:xfrm>
+            <a:off x="677334" y="1763023"/>
+            <a:ext cx="8596668" cy="3880773"/>
+          </a:xfrm>
+        </p:spPr>
+        <p:txBody>
+          <a:bodyPr rtlCol="0">
+            <a:normAutofit/>
+          </a:bodyPr>
           <a:lstStyle/>
           <a:p>
             <a:pPr algn="just">
@@ -5089,8 +7081,8 @@
               </a:lnSpc>
             </a:pPr>
             <a:r>
-              <a:rPr lang="pt-PT" dirty="0"/>
-              <a:t>Aplicação mobile e web site;</a:t>
+              <a:rPr lang="pt-PT" sz="1700" dirty="0"/>
+              <a:t>Promover o Alentejo; </a:t>
             </a:r>
           </a:p>
           <a:p>
@@ -5100,8 +7092,8 @@
               </a:lnSpc>
             </a:pPr>
             <a:r>
-              <a:rPr lang="pt-PT" dirty="0"/>
-              <a:t>Promover o Alentejo; </a:t>
+              <a:rPr lang="pt-PT" sz="1700" dirty="0"/>
+              <a:t>Aplicação mobile e web;</a:t>
             </a:r>
           </a:p>
           <a:p>
@@ -5111,7 +7103,7 @@
               </a:lnSpc>
             </a:pPr>
             <a:r>
-              <a:rPr lang="pt-PT" dirty="0"/>
+              <a:rPr lang="pt-PT" sz="1700" dirty="0"/>
               <a:t>Inexistência de uma aplicação que satisfaça por completo um turista que visite o Alentejo. </a:t>
             </a:r>
           </a:p>
@@ -5122,10 +7114,10 @@
               </a:lnSpc>
             </a:pPr>
             <a:r>
-              <a:rPr lang="pt-PT" dirty="0"/>
+              <a:rPr lang="pt-PT" sz="1700" dirty="0"/>
               <a:t>Decidimos criar algo inovador que abrangesse hotéis, monumentos, praias, herdades de vinhos e rotas.</a:t>
             </a:r>
-            <a:endParaRPr lang="pt-PT" dirty="0">
+            <a:endParaRPr lang="pt-PT" sz="1700" dirty="0">
               <a:latin typeface="Palatino Linotype" panose="02040502050505030304" pitchFamily="18" charset="0"/>
             </a:endParaRPr>
           </a:p>
@@ -5183,12 +7175,17 @@
             <p:ph type="title"/>
           </p:nvPr>
         </p:nvSpPr>
-        <p:spPr/>
+        <p:spPr>
+          <a:xfrm>
+            <a:off x="770099" y="243442"/>
+            <a:ext cx="8596668" cy="1320800"/>
+          </a:xfrm>
+        </p:spPr>
         <p:txBody>
           <a:bodyPr rtlCol="0"/>
           <a:lstStyle/>
           <a:p>
-            <a:pPr rtl="0"/>
+            <a:pPr algn="ctr" rtl="0"/>
             <a:r>
               <a:rPr lang="pt-PT" dirty="0">
                 <a:solidFill>
@@ -5211,15 +7208,133 @@
             <p:ph idx="1"/>
           </p:nvPr>
         </p:nvSpPr>
-        <p:spPr/>
-        <p:txBody>
-          <a:bodyPr rtlCol="0"/>
-          <a:lstStyle/>
-          <a:p>
-            <a:pPr rtl="0"/>
-            <a:endParaRPr lang="pt-PT" dirty="0">
-              <a:latin typeface="Palatino Linotype" panose="02040502050505030304" pitchFamily="18" charset="0"/>
-            </a:endParaRPr>
+        <p:spPr>
+          <a:xfrm>
+            <a:off x="371062" y="1564242"/>
+            <a:ext cx="10561982" cy="5081723"/>
+          </a:xfrm>
+        </p:spPr>
+        <p:txBody>
+          <a:bodyPr rtlCol="0">
+            <a:normAutofit fontScale="92500" lnSpcReduction="10000"/>
+          </a:bodyPr>
+          <a:lstStyle/>
+          <a:p>
+            <a:r>
+              <a:rPr lang="pt-PT" b="1" dirty="0">
+                <a:latin typeface="Palatino Linotype" panose="02040502050505030304" pitchFamily="18" charset="0"/>
+              </a:rPr>
+              <a:t>  </a:t>
+            </a:r>
+            <a:r>
+              <a:rPr lang="pt-PT" b="1" dirty="0"/>
+              <a:t>Objetivos Mínimos:</a:t>
+            </a:r>
+          </a:p>
+          <a:p>
+            <a:pPr marL="0" indent="0">
+              <a:buNone/>
+            </a:pPr>
+            <a:r>
+              <a:rPr lang="pt-PT" dirty="0"/>
+              <a:t>   - Criar conta pessoal para entrar na app;  </a:t>
+            </a:r>
+          </a:p>
+          <a:p>
+            <a:pPr marL="0" indent="0">
+              <a:buNone/>
+            </a:pPr>
+            <a:r>
+              <a:rPr lang="pt-PT" dirty="0"/>
+              <a:t>  - Adicionar conteúdos a uma pasta de favoritos; </a:t>
+            </a:r>
+          </a:p>
+          <a:p>
+            <a:pPr marL="0" indent="0">
+              <a:buNone/>
+            </a:pPr>
+            <a:r>
+              <a:rPr lang="pt-PT" dirty="0"/>
+              <a:t>  - Comentar e avaliar um determinado local ou rota; </a:t>
+            </a:r>
+          </a:p>
+          <a:p>
+            <a:pPr marL="0" indent="0">
+              <a:buNone/>
+            </a:pPr>
+            <a:endParaRPr lang="pt-PT" dirty="0"/>
+          </a:p>
+          <a:p>
+            <a:r>
+              <a:rPr lang="pt-PT" b="1" dirty="0"/>
+              <a:t> Objetivos Médios:</a:t>
+            </a:r>
+          </a:p>
+          <a:p>
+            <a:pPr marL="0" indent="0">
+              <a:buNone/>
+            </a:pPr>
+            <a:r>
+              <a:rPr lang="pt-PT" dirty="0"/>
+              <a:t>  - Ordenar pelas classificações dados pelos utilizadores;  </a:t>
+            </a:r>
+          </a:p>
+          <a:p>
+            <a:pPr marL="0" indent="0">
+              <a:buNone/>
+            </a:pPr>
+            <a:r>
+              <a:rPr lang="pt-PT" dirty="0"/>
+              <a:t>  - Filtrar pesquisas. </a:t>
+            </a:r>
+          </a:p>
+          <a:p>
+            <a:pPr marL="0" indent="0">
+              <a:buNone/>
+            </a:pPr>
+            <a:endParaRPr lang="pt-PT" dirty="0"/>
+          </a:p>
+          <a:p>
+            <a:r>
+              <a:rPr lang="pt-PT" b="1" dirty="0"/>
+              <a:t>Objetivos Avançados:</a:t>
+            </a:r>
+          </a:p>
+          <a:p>
+            <a:pPr marL="0" indent="0">
+              <a:buNone/>
+            </a:pPr>
+            <a:r>
+              <a:rPr lang="pt-PT" dirty="0"/>
+              <a:t>  - Enviar notificação sempre o utilizador passe por determinado ponto de atração turística;  </a:t>
+            </a:r>
+          </a:p>
+          <a:p>
+            <a:pPr marL="0" indent="0">
+              <a:buNone/>
+            </a:pPr>
+            <a:r>
+              <a:rPr lang="pt-PT" dirty="0"/>
+              <a:t>  - Sistema de navegação GPS, baseado em rotas personalizadas. </a:t>
+            </a:r>
+          </a:p>
+          <a:p>
+            <a:pPr marL="0" indent="0">
+              <a:buNone/>
+            </a:pPr>
+            <a:r>
+              <a:rPr lang="pt-PT" dirty="0"/>
+              <a:t>  - Comentar e avaliar um determinado local ou rota;  </a:t>
+            </a:r>
+          </a:p>
+          <a:p>
+            <a:pPr marL="0" indent="0">
+              <a:buNone/>
+            </a:pPr>
+            <a:r>
+              <a:rPr lang="pt-PT" dirty="0"/>
+              <a:t>  - Visualização de itinerários baseados em rotas predefinidas.</a:t>
+            </a:r>
           </a:p>
         </p:txBody>
       </p:sp>
@@ -5267,6 +7382,533 @@
       </p:grpSpPr>
       <p:sp>
         <p:nvSpPr>
+          <p:cNvPr id="2" name="Título 1">
+            <a:extLst>
+              <a:ext uri="{FF2B5EF4-FFF2-40B4-BE49-F238E27FC236}">
+                <a16:creationId xmlns:a16="http://schemas.microsoft.com/office/drawing/2014/main" id="{3CA91AE1-B3B7-470C-962C-3A369EB470E2}"/>
+              </a:ext>
+            </a:extLst>
+          </p:cNvPr>
+          <p:cNvSpPr>
+            <a:spLocks noGrp="1"/>
+          </p:cNvSpPr>
+          <p:nvPr>
+            <p:ph type="title"/>
+          </p:nvPr>
+        </p:nvSpPr>
+        <p:spPr/>
+        <p:txBody>
+          <a:bodyPr/>
+          <a:lstStyle/>
+          <a:p>
+            <a:pPr algn="ctr"/>
+            <a:r>
+              <a:rPr lang="pt-PT" dirty="0"/>
+              <a:t>Elaboração da Base de Dados</a:t>
+            </a:r>
+          </a:p>
+        </p:txBody>
+      </p:sp>
+      <p:pic>
+        <p:nvPicPr>
+          <p:cNvPr id="5" name="Marcador de Posição de Conteúdo 4" descr="Uma imagem com preto&#10;&#10;Descrição gerada automaticamente">
+            <a:extLst>
+              <a:ext uri="{FF2B5EF4-FFF2-40B4-BE49-F238E27FC236}">
+                <a16:creationId xmlns:a16="http://schemas.microsoft.com/office/drawing/2014/main" id="{E0AEB7EC-9184-401A-9CB9-55A8A4F8D273}"/>
+              </a:ext>
+            </a:extLst>
+          </p:cNvPr>
+          <p:cNvPicPr>
+            <a:picLocks noGrp="1" noChangeAspect="1"/>
+          </p:cNvPicPr>
+          <p:nvPr>
+            <p:ph idx="1"/>
+          </p:nvPr>
+        </p:nvPicPr>
+        <p:blipFill>
+          <a:blip r:embed="rId2"/>
+          <a:stretch>
+            <a:fillRect/>
+          </a:stretch>
+        </p:blipFill>
+        <p:spPr>
+          <a:xfrm>
+            <a:off x="1379131" y="1930400"/>
+            <a:ext cx="7089619" cy="4185810"/>
+          </a:xfrm>
+        </p:spPr>
+      </p:pic>
+    </p:spTree>
+    <p:extLst>
+      <p:ext uri="{BB962C8B-B14F-4D97-AF65-F5344CB8AC3E}">
+        <p14:creationId xmlns:p14="http://schemas.microsoft.com/office/powerpoint/2010/main" val="2457848430"/>
+      </p:ext>
+    </p:extLst>
+  </p:cSld>
+  <p:clrMapOvr>
+    <a:masterClrMapping/>
+  </p:clrMapOvr>
+</p:sld>
+</file>
+
+<file path=ppt/slides/slide5.xml><?xml version="1.0" encoding="utf-8"?>
+<p:sld xmlns:a="http://schemas.openxmlformats.org/drawingml/2006/main" xmlns:r="http://schemas.openxmlformats.org/officeDocument/2006/relationships" xmlns:p="http://schemas.openxmlformats.org/presentationml/2006/main">
+  <p:cSld>
+    <p:bg>
+      <p:bgPr>
+        <a:solidFill>
+          <a:schemeClr val="bg1"/>
+        </a:solidFill>
+        <a:effectLst/>
+      </p:bgPr>
+    </p:bg>
+    <p:spTree>
+      <p:nvGrpSpPr>
+        <p:cNvPr id="1" name=""/>
+        <p:cNvGrpSpPr/>
+        <p:nvPr/>
+      </p:nvGrpSpPr>
+      <p:grpSpPr>
+        <a:xfrm>
+          <a:off x="0" y="0"/>
+          <a:ext cx="0" cy="0"/>
+          <a:chOff x="0" y="0"/>
+          <a:chExt cx="0" cy="0"/>
+        </a:xfrm>
+      </p:grpSpPr>
+      <p:sp>
+        <p:nvSpPr>
+          <p:cNvPr id="2" name="Título 1">
+            <a:extLst>
+              <a:ext uri="{FF2B5EF4-FFF2-40B4-BE49-F238E27FC236}">
+                <a16:creationId xmlns:a16="http://schemas.microsoft.com/office/drawing/2014/main" id="{8550295D-B6C1-49C7-8742-63852EB2F069}"/>
+              </a:ext>
+            </a:extLst>
+          </p:cNvPr>
+          <p:cNvSpPr>
+            <a:spLocks noGrp="1"/>
+          </p:cNvSpPr>
+          <p:nvPr>
+            <p:ph type="title"/>
+          </p:nvPr>
+        </p:nvSpPr>
+        <p:spPr>
+          <a:xfrm>
+            <a:off x="676746" y="609600"/>
+            <a:ext cx="3729076" cy="1320800"/>
+          </a:xfrm>
+        </p:spPr>
+        <p:txBody>
+          <a:bodyPr anchor="ctr">
+            <a:normAutofit/>
+          </a:bodyPr>
+          <a:lstStyle/>
+          <a:p>
+            <a:r>
+              <a:rPr lang="pt-PT" dirty="0"/>
+              <a:t>Aplicação Web</a:t>
+            </a:r>
+            <a:endParaRPr lang="pt-PT"/>
+          </a:p>
+        </p:txBody>
+      </p:sp>
+      <p:sp>
+        <p:nvSpPr>
+          <p:cNvPr id="3" name="Marcador de Posição de Conteúdo 2">
+            <a:extLst>
+              <a:ext uri="{FF2B5EF4-FFF2-40B4-BE49-F238E27FC236}">
+                <a16:creationId xmlns:a16="http://schemas.microsoft.com/office/drawing/2014/main" id="{E516A6F6-2B06-486D-A0F0-BBD19DC03CD5}"/>
+              </a:ext>
+            </a:extLst>
+          </p:cNvPr>
+          <p:cNvSpPr>
+            <a:spLocks noGrp="1"/>
+          </p:cNvSpPr>
+          <p:nvPr>
+            <p:ph idx="1"/>
+          </p:nvPr>
+        </p:nvSpPr>
+        <p:spPr>
+          <a:xfrm>
+            <a:off x="685167" y="2160589"/>
+            <a:ext cx="3720916" cy="3560733"/>
+          </a:xfrm>
+        </p:spPr>
+        <p:txBody>
+          <a:bodyPr>
+            <a:normAutofit/>
+          </a:bodyPr>
+          <a:lstStyle/>
+          <a:p>
+            <a:r>
+              <a:rPr lang="pt-PT" dirty="0"/>
+              <a:t> Consultar;</a:t>
+            </a:r>
+            <a:endParaRPr lang="pt-PT"/>
+          </a:p>
+          <a:p>
+            <a:r>
+              <a:rPr lang="pt-PT" dirty="0"/>
+              <a:t> Iniciar Sessão;</a:t>
+            </a:r>
+            <a:endParaRPr lang="pt-PT"/>
+          </a:p>
+          <a:p>
+            <a:r>
+              <a:rPr lang="pt-PT" dirty="0"/>
+              <a:t> Registar;</a:t>
+            </a:r>
+            <a:endParaRPr lang="pt-PT"/>
+          </a:p>
+        </p:txBody>
+      </p:sp>
+      <p:pic>
+        <p:nvPicPr>
+          <p:cNvPr id="4" name="Imagem 3">
+            <a:extLst>
+              <a:ext uri="{FF2B5EF4-FFF2-40B4-BE49-F238E27FC236}">
+                <a16:creationId xmlns:a16="http://schemas.microsoft.com/office/drawing/2014/main" id="{09A2F02D-0981-4AFF-9833-A9C29871425A}"/>
+              </a:ext>
+            </a:extLst>
+          </p:cNvPr>
+          <p:cNvPicPr/>
+          <p:nvPr/>
+        </p:nvPicPr>
+        <p:blipFill>
+          <a:blip r:embed="rId2" cstate="print">
+            <a:extLst>
+              <a:ext uri="{28A0092B-C50C-407E-A947-70E740481C1C}">
+                <a14:useLocalDpi xmlns:a14="http://schemas.microsoft.com/office/drawing/2010/main" val="0"/>
+              </a:ext>
+            </a:extLst>
+          </a:blip>
+          <a:stretch>
+            <a:fillRect/>
+          </a:stretch>
+        </p:blipFill>
+        <p:spPr>
+          <a:xfrm>
+            <a:off x="3671667" y="1930400"/>
+            <a:ext cx="5641386" cy="3218375"/>
+          </a:xfrm>
+          <a:prstGeom prst="rect">
+            <a:avLst/>
+          </a:prstGeom>
+        </p:spPr>
+      </p:pic>
+    </p:spTree>
+    <p:extLst>
+      <p:ext uri="{BB962C8B-B14F-4D97-AF65-F5344CB8AC3E}">
+        <p14:creationId xmlns:p14="http://schemas.microsoft.com/office/powerpoint/2010/main" val="2635410412"/>
+      </p:ext>
+    </p:extLst>
+  </p:cSld>
+  <p:clrMapOvr>
+    <a:masterClrMapping/>
+  </p:clrMapOvr>
+</p:sld>
+</file>
+
+<file path=ppt/slides/slide6.xml><?xml version="1.0" encoding="utf-8"?>
+<p:sld xmlns:a="http://schemas.openxmlformats.org/drawingml/2006/main" xmlns:r="http://schemas.openxmlformats.org/officeDocument/2006/relationships" xmlns:p="http://schemas.openxmlformats.org/presentationml/2006/main">
+  <p:cSld>
+    <p:bg>
+      <p:bgPr>
+        <a:solidFill>
+          <a:schemeClr val="bg1"/>
+        </a:solidFill>
+        <a:effectLst/>
+      </p:bgPr>
+    </p:bg>
+    <p:spTree>
+      <p:nvGrpSpPr>
+        <p:cNvPr id="1" name=""/>
+        <p:cNvGrpSpPr/>
+        <p:nvPr/>
+      </p:nvGrpSpPr>
+      <p:grpSpPr>
+        <a:xfrm>
+          <a:off x="0" y="0"/>
+          <a:ext cx="0" cy="0"/>
+          <a:chOff x="0" y="0"/>
+          <a:chExt cx="0" cy="0"/>
+        </a:xfrm>
+      </p:grpSpPr>
+      <p:sp>
+        <p:nvSpPr>
+          <p:cNvPr id="2" name="Título 1">
+            <a:extLst>
+              <a:ext uri="{FF2B5EF4-FFF2-40B4-BE49-F238E27FC236}">
+                <a16:creationId xmlns:a16="http://schemas.microsoft.com/office/drawing/2014/main" id="{D6061C3E-0939-44BB-82EA-AA22BEB6C6A1}"/>
+              </a:ext>
+            </a:extLst>
+          </p:cNvPr>
+          <p:cNvSpPr>
+            <a:spLocks noGrp="1"/>
+          </p:cNvSpPr>
+          <p:nvPr>
+            <p:ph type="title"/>
+          </p:nvPr>
+        </p:nvSpPr>
+        <p:spPr>
+          <a:xfrm>
+            <a:off x="676746" y="609600"/>
+            <a:ext cx="3729076" cy="1320800"/>
+          </a:xfrm>
+        </p:spPr>
+        <p:txBody>
+          <a:bodyPr anchor="ctr">
+            <a:normAutofit/>
+          </a:bodyPr>
+          <a:lstStyle/>
+          <a:p>
+            <a:r>
+              <a:rPr lang="pt-PT" dirty="0"/>
+              <a:t>Aplicação Mobile</a:t>
+            </a:r>
+            <a:endParaRPr lang="pt-PT"/>
+          </a:p>
+        </p:txBody>
+      </p:sp>
+      <p:sp>
+        <p:nvSpPr>
+          <p:cNvPr id="3" name="Marcador de Posição de Conteúdo 2">
+            <a:extLst>
+              <a:ext uri="{FF2B5EF4-FFF2-40B4-BE49-F238E27FC236}">
+                <a16:creationId xmlns:a16="http://schemas.microsoft.com/office/drawing/2014/main" id="{DAA33B04-2474-4DEF-8D0B-0B8AD11A3235}"/>
+              </a:ext>
+            </a:extLst>
+          </p:cNvPr>
+          <p:cNvSpPr>
+            <a:spLocks noGrp="1"/>
+          </p:cNvSpPr>
+          <p:nvPr>
+            <p:ph idx="1"/>
+          </p:nvPr>
+        </p:nvSpPr>
+        <p:spPr>
+          <a:xfrm>
+            <a:off x="685167" y="2160589"/>
+            <a:ext cx="3720916" cy="3560733"/>
+          </a:xfrm>
+        </p:spPr>
+        <p:txBody>
+          <a:bodyPr>
+            <a:normAutofit/>
+          </a:bodyPr>
+          <a:lstStyle/>
+          <a:p>
+            <a:r>
+              <a:rPr lang="pt-PT" dirty="0"/>
+              <a:t> Consultar;</a:t>
+            </a:r>
+            <a:endParaRPr lang="pt-PT"/>
+          </a:p>
+          <a:p>
+            <a:r>
+              <a:rPr lang="pt-PT" dirty="0"/>
+              <a:t> Iniciar Sessão;</a:t>
+            </a:r>
+            <a:endParaRPr lang="pt-PT"/>
+          </a:p>
+          <a:p>
+            <a:r>
+              <a:rPr lang="pt-PT" dirty="0"/>
+              <a:t> Registar;</a:t>
+            </a:r>
+            <a:endParaRPr lang="pt-PT"/>
+          </a:p>
+          <a:p>
+            <a:r>
+              <a:rPr lang="pt-PT" dirty="0"/>
+              <a:t> Favoritos;</a:t>
+            </a:r>
+            <a:endParaRPr lang="pt-PT"/>
+          </a:p>
+          <a:p>
+            <a:r>
+              <a:rPr lang="pt-PT" dirty="0"/>
+              <a:t> Comentários;</a:t>
+            </a:r>
+            <a:endParaRPr lang="pt-PT"/>
+          </a:p>
+        </p:txBody>
+      </p:sp>
+      <p:pic>
+        <p:nvPicPr>
+          <p:cNvPr id="4" name="Imagem 3">
+            <a:extLst>
+              <a:ext uri="{FF2B5EF4-FFF2-40B4-BE49-F238E27FC236}">
+                <a16:creationId xmlns:a16="http://schemas.microsoft.com/office/drawing/2014/main" id="{C3AC09C8-D7C6-4FB2-A2A1-F8FA13ADB80A}"/>
+              </a:ext>
+            </a:extLst>
+          </p:cNvPr>
+          <p:cNvPicPr>
+            <a:picLocks noChangeAspect="1"/>
+          </p:cNvPicPr>
+          <p:nvPr/>
+        </p:nvPicPr>
+        <p:blipFill rotWithShape="1">
+          <a:blip r:embed="rId2"/>
+          <a:srcRect l="623" t="750" r="2079"/>
+          <a:stretch/>
+        </p:blipFill>
+        <p:spPr>
+          <a:xfrm>
+            <a:off x="4698608" y="512360"/>
+            <a:ext cx="3291841" cy="5833280"/>
+          </a:xfrm>
+          <a:prstGeom prst="rect">
+            <a:avLst/>
+          </a:prstGeom>
+        </p:spPr>
+      </p:pic>
+    </p:spTree>
+    <p:extLst>
+      <p:ext uri="{BB962C8B-B14F-4D97-AF65-F5344CB8AC3E}">
+        <p14:creationId xmlns:p14="http://schemas.microsoft.com/office/powerpoint/2010/main" val="1053654043"/>
+      </p:ext>
+    </p:extLst>
+  </p:cSld>
+  <p:clrMapOvr>
+    <a:masterClrMapping/>
+  </p:clrMapOvr>
+</p:sld>
+</file>
+
+<file path=ppt/slides/slide7.xml><?xml version="1.0" encoding="utf-8"?>
+<p:sld xmlns:a="http://schemas.openxmlformats.org/drawingml/2006/main" xmlns:r="http://schemas.openxmlformats.org/officeDocument/2006/relationships" xmlns:p="http://schemas.openxmlformats.org/presentationml/2006/main">
+  <p:cSld>
+    <p:spTree>
+      <p:nvGrpSpPr>
+        <p:cNvPr id="1" name=""/>
+        <p:cNvGrpSpPr/>
+        <p:nvPr/>
+      </p:nvGrpSpPr>
+      <p:grpSpPr>
+        <a:xfrm>
+          <a:off x="0" y="0"/>
+          <a:ext cx="0" cy="0"/>
+          <a:chOff x="0" y="0"/>
+          <a:chExt cx="0" cy="0"/>
+        </a:xfrm>
+      </p:grpSpPr>
+      <p:sp>
+        <p:nvSpPr>
+          <p:cNvPr id="2" name="Título 1">
+            <a:extLst>
+              <a:ext uri="{FF2B5EF4-FFF2-40B4-BE49-F238E27FC236}">
+                <a16:creationId xmlns:a16="http://schemas.microsoft.com/office/drawing/2014/main" id="{B3229BD9-7012-46AF-91AD-13FA18DA0514}"/>
+              </a:ext>
+            </a:extLst>
+          </p:cNvPr>
+          <p:cNvSpPr>
+            <a:spLocks noGrp="1"/>
+          </p:cNvSpPr>
+          <p:nvPr>
+            <p:ph type="title"/>
+          </p:nvPr>
+        </p:nvSpPr>
+        <p:spPr/>
+        <p:txBody>
+          <a:bodyPr/>
+          <a:lstStyle/>
+          <a:p>
+            <a:pPr algn="ctr"/>
+            <a:r>
+              <a:rPr lang="pt-PT" dirty="0"/>
+              <a:t>Back Office</a:t>
+            </a:r>
+          </a:p>
+        </p:txBody>
+      </p:sp>
+      <p:sp>
+        <p:nvSpPr>
+          <p:cNvPr id="3" name="Marcador de Posição de Conteúdo 2">
+            <a:extLst>
+              <a:ext uri="{FF2B5EF4-FFF2-40B4-BE49-F238E27FC236}">
+                <a16:creationId xmlns:a16="http://schemas.microsoft.com/office/drawing/2014/main" id="{E12EEAA8-D473-433A-A074-283D76F201E0}"/>
+              </a:ext>
+            </a:extLst>
+          </p:cNvPr>
+          <p:cNvSpPr>
+            <a:spLocks noGrp="1"/>
+          </p:cNvSpPr>
+          <p:nvPr>
+            <p:ph idx="1"/>
+          </p:nvPr>
+        </p:nvSpPr>
+        <p:spPr/>
+        <p:txBody>
+          <a:bodyPr/>
+          <a:lstStyle/>
+          <a:p>
+            <a:pPr algn="just">
+              <a:lnSpc>
+                <a:spcPct val="150000"/>
+              </a:lnSpc>
+            </a:pPr>
+            <a:r>
+              <a:rPr lang="pt-PT" dirty="0"/>
+              <a:t> Inserir;</a:t>
+            </a:r>
+          </a:p>
+          <a:p>
+            <a:pPr algn="just">
+              <a:lnSpc>
+                <a:spcPct val="150000"/>
+              </a:lnSpc>
+            </a:pPr>
+            <a:r>
+              <a:rPr lang="pt-PT" dirty="0"/>
+              <a:t> Consultar;</a:t>
+            </a:r>
+          </a:p>
+          <a:p>
+            <a:pPr algn="just">
+              <a:lnSpc>
+                <a:spcPct val="150000"/>
+              </a:lnSpc>
+            </a:pPr>
+            <a:r>
+              <a:rPr lang="pt-PT" dirty="0"/>
+              <a:t>Apagar;</a:t>
+            </a:r>
+          </a:p>
+        </p:txBody>
+      </p:sp>
+    </p:spTree>
+    <p:extLst>
+      <p:ext uri="{BB962C8B-B14F-4D97-AF65-F5344CB8AC3E}">
+        <p14:creationId xmlns:p14="http://schemas.microsoft.com/office/powerpoint/2010/main" val="2374673988"/>
+      </p:ext>
+    </p:extLst>
+  </p:cSld>
+  <p:clrMapOvr>
+    <a:masterClrMapping/>
+  </p:clrMapOvr>
+</p:sld>
+</file>
+
+<file path=ppt/slides/slide8.xml><?xml version="1.0" encoding="utf-8"?>
+<p:sld xmlns:a="http://schemas.openxmlformats.org/drawingml/2006/main" xmlns:r="http://schemas.openxmlformats.org/officeDocument/2006/relationships" xmlns:p="http://schemas.openxmlformats.org/presentationml/2006/main">
+  <p:cSld>
+    <p:spTree>
+      <p:nvGrpSpPr>
+        <p:cNvPr id="1" name=""/>
+        <p:cNvGrpSpPr/>
+        <p:nvPr/>
+      </p:nvGrpSpPr>
+      <p:grpSpPr>
+        <a:xfrm>
+          <a:off x="0" y="0"/>
+          <a:ext cx="0" cy="0"/>
+          <a:chOff x="0" y="0"/>
+          <a:chExt cx="0" cy="0"/>
+        </a:xfrm>
+      </p:grpSpPr>
+      <p:sp>
+        <p:nvSpPr>
           <p:cNvPr id="2" name="Título 1"/>
           <p:cNvSpPr>
             <a:spLocks noGrp="1"/>
@@ -5280,7 +7922,7 @@
           <a:bodyPr rtlCol="0"/>
           <a:lstStyle/>
           <a:p>
-            <a:pPr rtl="0"/>
+            <a:pPr algn="ctr" rtl="0"/>
             <a:r>
               <a:rPr lang="pt-PT" dirty="0">
                 <a:solidFill>
@@ -5314,10 +7956,8 @@
               </a:lnSpc>
             </a:pPr>
             <a:r>
-              <a:rPr lang="pt-PT" dirty="0">
-                <a:latin typeface="Palatino Linotype" panose="02040502050505030304" pitchFamily="18" charset="0"/>
-              </a:rPr>
-              <a:t>Como foi o nosso desempenho;</a:t>
+              <a:rPr lang="pt-PT" dirty="0"/>
+              <a:t>O nosso desempenho;</a:t>
             </a:r>
           </a:p>
           <a:p>
@@ -5338,9 +7978,7 @@
               </a:lnSpc>
             </a:pPr>
             <a:r>
-              <a:rPr lang="pt-PT" dirty="0">
-                <a:latin typeface="Palatino Linotype" panose="02040502050505030304" pitchFamily="18" charset="0"/>
-              </a:rPr>
+              <a:rPr lang="pt-PT" dirty="0"/>
               <a:t>O que gostaríamos de ter feito;</a:t>
             </a:r>
           </a:p>
@@ -5379,7 +8017,7 @@
 </p:sld>
 </file>
 
-<file path=ppt/slides/slide5.xml><?xml version="1.0" encoding="utf-8"?>
+<file path=ppt/slides/slide9.xml><?xml version="1.0" encoding="utf-8"?>
 <p:sld xmlns:a="http://schemas.openxmlformats.org/drawingml/2006/main" xmlns:r="http://schemas.openxmlformats.org/officeDocument/2006/relationships" xmlns:p="http://schemas.openxmlformats.org/presentationml/2006/main">
   <p:cSld>
     <p:spTree>
@@ -5414,7 +8052,7 @@
         </p:nvSpPr>
         <p:spPr>
           <a:xfrm>
-            <a:off x="609600" y="2105117"/>
+            <a:off x="106018" y="2131621"/>
             <a:ext cx="10972800" cy="1600200"/>
           </a:xfrm>
         </p:spPr>
@@ -5459,58 +8097,58 @@
 </file>
 
 <file path=ppt/theme/theme1.xml><?xml version="1.0" encoding="utf-8"?>
-<a:theme xmlns:a="http://schemas.openxmlformats.org/drawingml/2006/main" name="Apresentação de informações sobre a empresa">
+<a:theme xmlns:a="http://schemas.openxmlformats.org/drawingml/2006/main" name="Faceta">
   <a:themeElements>
-    <a:clrScheme name="Office">
+    <a:clrScheme name="Laranja">
       <a:dk1>
-        <a:sysClr val="windowText" lastClr="000000"/>
+        <a:srgbClr val="000000"/>
       </a:dk1>
       <a:lt1>
         <a:sysClr val="window" lastClr="FFFFFF"/>
       </a:lt1>
       <a:dk2>
-        <a:srgbClr val="44546A"/>
+        <a:srgbClr val="637052"/>
       </a:dk2>
       <a:lt2>
-        <a:srgbClr val="E7E6E6"/>
+        <a:srgbClr val="CCDDEA"/>
       </a:lt2>
       <a:accent1>
-        <a:srgbClr val="5B9BD5"/>
+        <a:srgbClr val="E48312"/>
       </a:accent1>
       <a:accent2>
-        <a:srgbClr val="ED7D31"/>
+        <a:srgbClr val="BD582C"/>
       </a:accent2>
       <a:accent3>
-        <a:srgbClr val="A5A5A5"/>
+        <a:srgbClr val="865640"/>
       </a:accent3>
       <a:accent4>
-        <a:srgbClr val="FFC000"/>
+        <a:srgbClr val="9B8357"/>
       </a:accent4>
       <a:accent5>
-        <a:srgbClr val="4472C4"/>
+        <a:srgbClr val="C2BC80"/>
       </a:accent5>
       <a:accent6>
-        <a:srgbClr val="70AD47"/>
+        <a:srgbClr val="94A088"/>
       </a:accent6>
       <a:hlink>
-        <a:srgbClr val="0563C1"/>
+        <a:srgbClr val="2998E3"/>
       </a:hlink>
       <a:folHlink>
-        <a:srgbClr val="954F72"/>
+        <a:srgbClr val="8C8C8C"/>
       </a:folHlink>
     </a:clrScheme>
-    <a:fontScheme name="Century Gothic-Palatino Linotype">
+    <a:fontScheme name="Faceta">
       <a:majorFont>
-        <a:latin typeface="Century Gothic" panose="020B0502020202020204"/>
+        <a:latin typeface="Trebuchet MS" panose="020B0603020202020204"/>
         <a:ea typeface=""/>
         <a:cs typeface=""/>
-        <a:font script="Jpan" typeface="ＭＳ ゴシック"/>
+        <a:font script="Jpan" typeface="メイリオ"/>
         <a:font script="Hang" typeface="맑은 고딕"/>
-        <a:font script="Hans" typeface="宋体"/>
-        <a:font script="Hant" typeface="新細明體"/>
+        <a:font script="Hans" typeface="方正姚体"/>
+        <a:font script="Hant" typeface="微軟正黑體"/>
         <a:font script="Arab" typeface="Tahoma"/>
-        <a:font script="Hebr" typeface="Gisha"/>
-        <a:font script="Thai" typeface="DilleniaUPC"/>
+        <a:font script="Hebr" typeface="Arial"/>
+        <a:font script="Thai" typeface="Cordia New"/>
         <a:font script="Ethi" typeface="Nyala"/>
         <a:font script="Beng" typeface="Vrinda"/>
         <a:font script="Gujr" typeface="Shruti"/>
@@ -5536,16 +8174,16 @@
         <a:font script="Geor" typeface="Sylfaen"/>
       </a:majorFont>
       <a:minorFont>
-        <a:latin typeface="Palatino Linotype" panose="02040502050505030304"/>
+        <a:latin typeface="Trebuchet MS" panose="020B0603020202020204"/>
         <a:ea typeface=""/>
         <a:cs typeface=""/>
-        <a:font script="Jpan" typeface="ＭＳ ゴシック"/>
-        <a:font script="Hang" typeface="맑은 고딕"/>
-        <a:font script="Hans" typeface="宋体"/>
-        <a:font script="Hant" typeface="新細明體"/>
+        <a:font script="Jpan" typeface="メイリオ"/>
+        <a:font script="Hang" typeface="HY그래픽M"/>
+        <a:font script="Hans" typeface="华文新魏"/>
+        <a:font script="Hant" typeface="微軟正黑體"/>
         <a:font script="Arab" typeface="Tahoma"/>
         <a:font script="Hebr" typeface="Gisha"/>
-        <a:font script="Thai" typeface="DilleniaUPC"/>
+        <a:font script="Thai" typeface="IrisUPC"/>
         <a:font script="Ethi" typeface="Nyala"/>
         <a:font script="Beng" typeface="Vrinda"/>
         <a:font script="Gujr" typeface="Shruti"/>
@@ -5566,12 +8204,12 @@
         <a:font script="Laoo" typeface="DokChampa"/>
         <a:font script="Sinh" typeface="Iskoola Pota"/>
         <a:font script="Mong" typeface="Mongolian Baiti"/>
-        <a:font script="Viet" typeface="Verdana"/>
+        <a:font script="Viet" typeface="Arial"/>
         <a:font script="Uigh" typeface="Microsoft Uighur"/>
         <a:font script="Geor" typeface="Sylfaen"/>
       </a:minorFont>
     </a:fontScheme>
-    <a:fmtScheme name="Office">
+    <a:fmtScheme name="Faceta">
       <a:fillStyleLst>
         <a:solidFill>
           <a:schemeClr val="phClr"/>
@@ -5580,23 +8218,13 @@
           <a:gsLst>
             <a:gs pos="0">
               <a:schemeClr val="phClr">
+                <a:tint val="65000"/>
                 <a:lumMod val="110000"/>
-                <a:satMod val="105000"/>
-                <a:tint val="67000"/>
               </a:schemeClr>
             </a:gs>
-            <a:gs pos="50000">
+            <a:gs pos="88000">
               <a:schemeClr val="phClr">
-                <a:lumMod val="105000"/>
-                <a:satMod val="103000"/>
-                <a:tint val="73000"/>
-              </a:schemeClr>
-            </a:gs>
-            <a:gs pos="100000">
-              <a:schemeClr val="phClr">
-                <a:lumMod val="105000"/>
-                <a:satMod val="109000"/>
-                <a:tint val="81000"/>
+                <a:tint val="90000"/>
               </a:schemeClr>
             </a:gs>
           </a:gsLst>
@@ -5606,23 +8234,14 @@
           <a:gsLst>
             <a:gs pos="0">
               <a:schemeClr val="phClr">
-                <a:satMod val="103000"/>
-                <a:lumMod val="102000"/>
-                <a:tint val="94000"/>
+                <a:tint val="96000"/>
+                <a:lumMod val="100000"/>
               </a:schemeClr>
             </a:gs>
-            <a:gs pos="50000">
+            <a:gs pos="78000">
               <a:schemeClr val="phClr">
-                <a:satMod val="110000"/>
-                <a:lumMod val="100000"/>
-                <a:shade val="100000"/>
-              </a:schemeClr>
-            </a:gs>
-            <a:gs pos="100000">
-              <a:schemeClr val="phClr">
-                <a:lumMod val="99000"/>
-                <a:satMod val="120000"/>
-                <a:shade val="78000"/>
+                <a:shade val="94000"/>
+                <a:lumMod val="94000"/>
               </a:schemeClr>
             </a:gs>
           </a:gsLst>
@@ -5630,26 +8249,23 @@
         </a:gradFill>
       </a:fillStyleLst>
       <a:lnStyleLst>
-        <a:ln w="6350" cap="flat" cmpd="sng" algn="ctr">
+        <a:ln w="12700" cap="rnd" cmpd="sng" algn="ctr">
           <a:solidFill>
             <a:schemeClr val="phClr"/>
           </a:solidFill>
           <a:prstDash val="solid"/>
-          <a:miter lim="800000"/>
         </a:ln>
-        <a:ln w="12700" cap="flat" cmpd="sng" algn="ctr">
+        <a:ln w="19050" cap="rnd" cmpd="sng" algn="ctr">
           <a:solidFill>
             <a:schemeClr val="phClr"/>
           </a:solidFill>
           <a:prstDash val="solid"/>
-          <a:miter lim="800000"/>
         </a:ln>
-        <a:ln w="19050" cap="flat" cmpd="sng" algn="ctr">
+        <a:ln w="25400" cap="rnd" cmpd="sng" algn="ctr">
           <a:solidFill>
             <a:schemeClr val="phClr"/>
           </a:solidFill>
           <a:prstDash val="solid"/>
-          <a:miter lim="800000"/>
         </a:ln>
       </a:lnStyleLst>
       <a:effectStyleLst>
@@ -5657,16 +8273,31 @@
           <a:effectLst/>
         </a:effectStyle>
         <a:effectStyle>
-          <a:effectLst/>
+          <a:effectLst>
+            <a:outerShdw blurRad="38100" dist="25400" dir="5400000" rotWithShape="0">
+              <a:srgbClr val="000000">
+                <a:alpha val="35000"/>
+              </a:srgbClr>
+            </a:outerShdw>
+          </a:effectLst>
         </a:effectStyle>
         <a:effectStyle>
           <a:effectLst>
-            <a:outerShdw blurRad="57150" dist="19050" dir="5400000" algn="ctr" rotWithShape="0">
+            <a:outerShdw blurRad="50800" dist="38100" dir="5400000" rotWithShape="0">
               <a:srgbClr val="000000">
-                <a:alpha val="63000"/>
+                <a:alpha val="35000"/>
               </a:srgbClr>
             </a:outerShdw>
           </a:effectLst>
+          <a:scene3d>
+            <a:camera prst="orthographicFront">
+              <a:rot lat="0" lon="0" rev="0"/>
+            </a:camera>
+            <a:lightRig rig="threePt" dir="tl"/>
+          </a:scene3d>
+          <a:sp3d prstMaterial="plastic">
+            <a:bevelT w="0" h="0"/>
+          </a:sp3d>
         </a:effectStyle>
       </a:effectStyleLst>
       <a:bgFillStyleLst>
@@ -5675,87 +8306,48 @@
         </a:solidFill>
         <a:gradFill rotWithShape="1">
           <a:gsLst>
-            <a:gs pos="50000">
+            <a:gs pos="0">
               <a:schemeClr val="phClr">
-                <a:tint val="80000"/>
-                <a:satMod val="250000"/>
+                <a:tint val="90000"/>
+                <a:lumMod val="104000"/>
               </a:schemeClr>
             </a:gs>
-            <a:gs pos="76000">
+            <a:gs pos="94000">
+              <a:schemeClr val="phClr">
+                <a:shade val="96000"/>
+                <a:lumMod val="82000"/>
+              </a:schemeClr>
+            </a:gs>
+          </a:gsLst>
+          <a:lin ang="5400000" scaled="0"/>
+        </a:gradFill>
+        <a:gradFill rotWithShape="1">
+          <a:gsLst>
+            <a:gs pos="0">
               <a:schemeClr val="phClr">
                 <a:tint val="90000"/>
-                <a:shade val="90000"/>
-                <a:satMod val="200000"/>
+                <a:lumMod val="110000"/>
               </a:schemeClr>
             </a:gs>
-            <a:gs pos="92000">
+            <a:gs pos="100000">
               <a:schemeClr val="phClr">
-                <a:tint val="90000"/>
-                <a:shade val="70000"/>
-                <a:satMod val="250000"/>
+                <a:shade val="94000"/>
+                <a:lumMod val="96000"/>
               </a:schemeClr>
             </a:gs>
           </a:gsLst>
           <a:path path="circle">
-            <a:fillToRect l="50000" t="50000" r="50000" b="50000"/>
+            <a:fillToRect l="50000" t="50000" r="100000" b="100000"/>
           </a:path>
         </a:gradFill>
-        <a:blipFill>
-          <a:blip xmlns:r="http://schemas.openxmlformats.org/officeDocument/2006/relationships" r:embed="rId1">
-            <a:duotone>
-              <a:schemeClr val="phClr">
-                <a:tint val="95000"/>
-              </a:schemeClr>
-              <a:schemeClr val="phClr">
-                <a:shade val="90000"/>
-              </a:schemeClr>
-            </a:duotone>
-          </a:blip>
-          <a:tile tx="0" ty="0" sx="100000" sy="100000" flip="none" algn="tl"/>
-        </a:blipFill>
       </a:bgFillStyleLst>
     </a:fmtScheme>
   </a:themeElements>
-  <a:objectDefaults>
-    <a:spDef>
-      <a:spPr>
-        <a:solidFill>
-          <a:schemeClr val="tx2"/>
-        </a:solidFill>
-        <a:ln>
-          <a:solidFill>
-            <a:schemeClr val="tx2"/>
-          </a:solidFill>
-        </a:ln>
-      </a:spPr>
-      <a:bodyPr rtlCol="0" anchor="ctr"/>
-      <a:lstStyle>
-        <a:defPPr algn="ctr">
-          <a:defRPr dirty="0" err="1" smtClean="0"/>
-        </a:defPPr>
-      </a:lstStyle>
-      <a:style>
-        <a:lnRef idx="2">
-          <a:schemeClr val="accent1">
-            <a:shade val="50000"/>
-          </a:schemeClr>
-        </a:lnRef>
-        <a:fillRef idx="1">
-          <a:schemeClr val="accent1"/>
-        </a:fillRef>
-        <a:effectRef idx="0">
-          <a:schemeClr val="accent1"/>
-        </a:effectRef>
-        <a:fontRef idx="minor">
-          <a:schemeClr val="lt1"/>
-        </a:fontRef>
-      </a:style>
-    </a:spDef>
-  </a:objectDefaults>
+  <a:objectDefaults/>
   <a:extraClrSchemeLst/>
   <a:extLst>
     <a:ext uri="{05A4C25C-085E-4340-85A3-A5531E510DB2}">
-      <thm15:themeFamily xmlns:thm15="http://schemas.microsoft.com/office/thememl/2012/main" name="Office_26713794_TF03460510" id="{E1C41110-219D-4884-8655-52003635160D}" vid="{B7717CC6-FD33-4CCC-B853-42761D51DA32}"/>
+      <thm15:themeFamily xmlns:thm15="http://schemas.microsoft.com/office/thememl/2012/main" name="Facet" id="{C0C680CD-088A-49FC-A102-D699147F32B2}" vid="{CFBC31BA-B70F-4F30-BCAA-4F3011E16C4D}"/>
     </a:ext>
   </a:extLst>
 </a:theme>

--- a/Apresentação_AlentejoPleasures.pptx
+++ b/Apresentação_AlentejoPleasures.pptx
@@ -2,28 +2,32 @@
 <file path=ppt/presentation.xml><?xml version="1.0" encoding="utf-8"?>
 <p:presentation xmlns:a="http://schemas.openxmlformats.org/drawingml/2006/main" xmlns:r="http://schemas.openxmlformats.org/officeDocument/2006/relationships" xmlns:p="http://schemas.openxmlformats.org/presentationml/2006/main" saveSubsetFonts="1" autoCompressPictures="0">
   <p:sldMasterIdLst>
-    <p:sldMasterId id="2147483672" r:id="rId1"/>
+    <p:sldMasterId id="2147483684" r:id="rId1"/>
   </p:sldMasterIdLst>
   <p:notesMasterIdLst>
-    <p:notesMasterId r:id="rId7"/>
+    <p:notesMasterId r:id="rId11"/>
   </p:notesMasterIdLst>
   <p:handoutMasterIdLst>
-    <p:handoutMasterId r:id="rId8"/>
+    <p:handoutMasterId r:id="rId12"/>
   </p:handoutMasterIdLst>
   <p:sldIdLst>
     <p:sldId id="270" r:id="rId2"/>
     <p:sldId id="271" r:id="rId3"/>
     <p:sldId id="272" r:id="rId4"/>
-    <p:sldId id="273" r:id="rId5"/>
-    <p:sldId id="274" r:id="rId6"/>
+    <p:sldId id="275" r:id="rId5"/>
+    <p:sldId id="276" r:id="rId6"/>
+    <p:sldId id="277" r:id="rId7"/>
+    <p:sldId id="278" r:id="rId8"/>
+    <p:sldId id="273" r:id="rId9"/>
+    <p:sldId id="274" r:id="rId10"/>
   </p:sldIdLst>
   <p:sldSz cx="12192000" cy="6858000"/>
   <p:notesSz cx="6858000" cy="9144000"/>
   <p:defaultTextStyle>
-    <a:defPPr rtl="0">
-      <a:defRPr lang="pt-pt"/>
+    <a:defPPr>
+      <a:defRPr lang="en-US"/>
     </a:defPPr>
-    <a:lvl1pPr marL="0" algn="l" defTabSz="914400" rtl="0" eaLnBrk="1" latinLnBrk="0" hangingPunct="1">
+    <a:lvl1pPr marL="0" algn="l" defTabSz="457200" rtl="0" eaLnBrk="1" latinLnBrk="0" hangingPunct="1">
       <a:defRPr sz="1800" kern="1200">
         <a:solidFill>
           <a:schemeClr val="tx1"/>
@@ -33,7 +37,7 @@
         <a:cs typeface="+mn-cs"/>
       </a:defRPr>
     </a:lvl1pPr>
-    <a:lvl2pPr marL="457200" algn="l" defTabSz="914400" rtl="0" eaLnBrk="1" latinLnBrk="0" hangingPunct="1">
+    <a:lvl2pPr marL="457200" algn="l" defTabSz="457200" rtl="0" eaLnBrk="1" latinLnBrk="0" hangingPunct="1">
       <a:defRPr sz="1800" kern="1200">
         <a:solidFill>
           <a:schemeClr val="tx1"/>
@@ -43,7 +47,7 @@
         <a:cs typeface="+mn-cs"/>
       </a:defRPr>
     </a:lvl2pPr>
-    <a:lvl3pPr marL="914400" algn="l" defTabSz="914400" rtl="0" eaLnBrk="1" latinLnBrk="0" hangingPunct="1">
+    <a:lvl3pPr marL="914400" algn="l" defTabSz="457200" rtl="0" eaLnBrk="1" latinLnBrk="0" hangingPunct="1">
       <a:defRPr sz="1800" kern="1200">
         <a:solidFill>
           <a:schemeClr val="tx1"/>
@@ -53,7 +57,7 @@
         <a:cs typeface="+mn-cs"/>
       </a:defRPr>
     </a:lvl3pPr>
-    <a:lvl4pPr marL="1371600" algn="l" defTabSz="914400" rtl="0" eaLnBrk="1" latinLnBrk="0" hangingPunct="1">
+    <a:lvl4pPr marL="1371600" algn="l" defTabSz="457200" rtl="0" eaLnBrk="1" latinLnBrk="0" hangingPunct="1">
       <a:defRPr sz="1800" kern="1200">
         <a:solidFill>
           <a:schemeClr val="tx1"/>
@@ -63,7 +67,7 @@
         <a:cs typeface="+mn-cs"/>
       </a:defRPr>
     </a:lvl4pPr>
-    <a:lvl5pPr marL="1828800" algn="l" defTabSz="914400" rtl="0" eaLnBrk="1" latinLnBrk="0" hangingPunct="1">
+    <a:lvl5pPr marL="1828800" algn="l" defTabSz="457200" rtl="0" eaLnBrk="1" latinLnBrk="0" hangingPunct="1">
       <a:defRPr sz="1800" kern="1200">
         <a:solidFill>
           <a:schemeClr val="tx1"/>
@@ -73,7 +77,7 @@
         <a:cs typeface="+mn-cs"/>
       </a:defRPr>
     </a:lvl5pPr>
-    <a:lvl6pPr marL="2286000" algn="l" defTabSz="914400" rtl="0" eaLnBrk="1" latinLnBrk="0" hangingPunct="1">
+    <a:lvl6pPr marL="2286000" algn="l" defTabSz="457200" rtl="0" eaLnBrk="1" latinLnBrk="0" hangingPunct="1">
       <a:defRPr sz="1800" kern="1200">
         <a:solidFill>
           <a:schemeClr val="tx1"/>
@@ -83,7 +87,7 @@
         <a:cs typeface="+mn-cs"/>
       </a:defRPr>
     </a:lvl6pPr>
-    <a:lvl7pPr marL="2743200" algn="l" defTabSz="914400" rtl="0" eaLnBrk="1" latinLnBrk="0" hangingPunct="1">
+    <a:lvl7pPr marL="2743200" algn="l" defTabSz="457200" rtl="0" eaLnBrk="1" latinLnBrk="0" hangingPunct="1">
       <a:defRPr sz="1800" kern="1200">
         <a:solidFill>
           <a:schemeClr val="tx1"/>
@@ -93,7 +97,7 @@
         <a:cs typeface="+mn-cs"/>
       </a:defRPr>
     </a:lvl7pPr>
-    <a:lvl8pPr marL="3200400" algn="l" defTabSz="914400" rtl="0" eaLnBrk="1" latinLnBrk="0" hangingPunct="1">
+    <a:lvl8pPr marL="3200400" algn="l" defTabSz="457200" rtl="0" eaLnBrk="1" latinLnBrk="0" hangingPunct="1">
       <a:defRPr sz="1800" kern="1200">
         <a:solidFill>
           <a:schemeClr val="tx1"/>
@@ -103,7 +107,7 @@
         <a:cs typeface="+mn-cs"/>
       </a:defRPr>
     </a:lvl8pPr>
-    <a:lvl9pPr marL="3657600" algn="l" defTabSz="914400" rtl="0" eaLnBrk="1" latinLnBrk="0" hangingPunct="1">
+    <a:lvl9pPr marL="3657600" algn="l" defTabSz="457200" rtl="0" eaLnBrk="1" latinLnBrk="0" hangingPunct="1">
       <a:defRPr sz="1800" kern="1200">
         <a:solidFill>
           <a:schemeClr val="tx1"/>
@@ -988,7 +992,7 @@
             <a:fld id="{3DF1C5CE-222C-4659-9A99-B99FC42AF6EC}" type="slidenum">
               <a:rPr lang="pt-PT" smtClean="0"/>
               <a:pPr/>
-              <a:t>4</a:t>
+              <a:t>8</a:t>
             </a:fld>
             <a:endParaRPr lang="pt-PT"/>
           </a:p>
@@ -1008,7 +1012,7 @@
 </file>
 
 <file path=ppt/slideLayouts/slideLayout1.xml><?xml version="1.0" encoding="utf-8"?>
-<p:sldLayout xmlns:a="http://schemas.openxmlformats.org/drawingml/2006/main" xmlns:r="http://schemas.openxmlformats.org/officeDocument/2006/relationships" xmlns:p="http://schemas.openxmlformats.org/presentationml/2006/main" type="title" preserve="1">
+<p:sldLayout xmlns:a="http://schemas.openxmlformats.org/drawingml/2006/main" xmlns:r="http://schemas.openxmlformats.org/officeDocument/2006/relationships" xmlns:p="http://schemas.openxmlformats.org/presentationml/2006/main" showMasterSp="0" type="title" preserve="1">
   <p:cSld name="Diapositivo de Título">
     <p:spTree>
       <p:nvGrpSpPr>
@@ -1024,73 +1028,602 @@
           <a:chExt cx="0" cy="0"/>
         </a:xfrm>
       </p:grpSpPr>
-      <p:sp>
-        <p:nvSpPr>
-          <p:cNvPr id="2" name="Título 1"/>
-          <p:cNvSpPr>
-            <a:spLocks noGrp="1"/>
-          </p:cNvSpPr>
-          <p:nvPr>
-            <p:ph type="ctrTitle" hasCustomPrompt="1"/>
+      <p:grpSp>
+        <p:nvGrpSpPr>
+          <p:cNvPr id="7" name="Group 6"/>
+          <p:cNvGrpSpPr/>
+          <p:nvPr/>
+        </p:nvGrpSpPr>
+        <p:grpSpPr>
+          <a:xfrm>
+            <a:off x="0" y="-8467"/>
+            <a:ext cx="12192000" cy="6866467"/>
+            <a:chOff x="0" y="-8467"/>
+            <a:chExt cx="12192000" cy="6866467"/>
+          </a:xfrm>
+        </p:grpSpPr>
+        <p:cxnSp>
+          <p:nvCxnSpPr>
+            <p:cNvPr id="32" name="Straight Connector 31"/>
+            <p:cNvCxnSpPr/>
+            <p:nvPr/>
+          </p:nvCxnSpPr>
+          <p:spPr>
+            <a:xfrm>
+              <a:off x="9371012" y="0"/>
+              <a:ext cx="1219200" cy="6858000"/>
+            </a:xfrm>
+            <a:prstGeom prst="line">
+              <a:avLst/>
+            </a:prstGeom>
+            <a:ln w="9525">
+              <a:solidFill>
+                <a:schemeClr val="bg1">
+                  <a:lumMod val="75000"/>
+                </a:schemeClr>
+              </a:solidFill>
+            </a:ln>
+          </p:spPr>
+          <p:style>
+            <a:lnRef idx="2">
+              <a:schemeClr val="accent1"/>
+            </a:lnRef>
+            <a:fillRef idx="0">
+              <a:schemeClr val="accent1"/>
+            </a:fillRef>
+            <a:effectRef idx="1">
+              <a:schemeClr val="accent1"/>
+            </a:effectRef>
+            <a:fontRef idx="minor">
+              <a:schemeClr val="tx1"/>
+            </a:fontRef>
+          </p:style>
+        </p:cxnSp>
+        <p:cxnSp>
+          <p:nvCxnSpPr>
+            <p:cNvPr id="21" name="Straight Connector 20"/>
+            <p:cNvCxnSpPr/>
+            <p:nvPr/>
+          </p:nvCxnSpPr>
+          <p:spPr>
+            <a:xfrm flipH="1">
+              <a:off x="7425267" y="3681413"/>
+              <a:ext cx="4763558" cy="3176587"/>
+            </a:xfrm>
+            <a:prstGeom prst="line">
+              <a:avLst/>
+            </a:prstGeom>
+            <a:ln w="9525">
+              <a:solidFill>
+                <a:schemeClr val="bg1">
+                  <a:lumMod val="85000"/>
+                </a:schemeClr>
+              </a:solidFill>
+            </a:ln>
+          </p:spPr>
+          <p:style>
+            <a:lnRef idx="2">
+              <a:schemeClr val="accent1"/>
+            </a:lnRef>
+            <a:fillRef idx="0">
+              <a:schemeClr val="accent1"/>
+            </a:fillRef>
+            <a:effectRef idx="1">
+              <a:schemeClr val="accent1"/>
+            </a:effectRef>
+            <a:fontRef idx="minor">
+              <a:schemeClr val="tx1"/>
+            </a:fontRef>
+          </p:style>
+        </p:cxnSp>
+        <p:sp>
+          <p:nvSpPr>
+            <p:cNvPr id="24" name="Rectangle 23"/>
+            <p:cNvSpPr/>
+            <p:nvPr/>
+          </p:nvSpPr>
+          <p:spPr>
+            <a:xfrm>
+              <a:off x="9181476" y="-8467"/>
+              <a:ext cx="3007349" cy="6866467"/>
+            </a:xfrm>
+            <a:custGeom>
+              <a:avLst/>
+              <a:gdLst/>
+              <a:ahLst/>
+              <a:cxnLst/>
+              <a:rect l="l" t="t" r="r" b="b"/>
+              <a:pathLst>
+                <a:path w="3007349" h="6866467">
+                  <a:moveTo>
+                    <a:pt x="2045532" y="0"/>
+                  </a:moveTo>
+                  <a:lnTo>
+                    <a:pt x="3007349" y="0"/>
+                  </a:lnTo>
+                  <a:lnTo>
+                    <a:pt x="3007349" y="6866467"/>
+                  </a:lnTo>
+                  <a:lnTo>
+                    <a:pt x="0" y="6866467"/>
+                  </a:lnTo>
+                  <a:lnTo>
+                    <a:pt x="2045532" y="0"/>
+                  </a:lnTo>
+                  <a:close/>
+                </a:path>
+              </a:pathLst>
+            </a:custGeom>
+            <a:solidFill>
+              <a:schemeClr val="accent1">
+                <a:alpha val="30000"/>
+              </a:schemeClr>
+            </a:solidFill>
+            <a:ln>
+              <a:noFill/>
+            </a:ln>
+            <a:effectLst/>
+          </p:spPr>
+          <p:style>
+            <a:lnRef idx="1">
+              <a:schemeClr val="accent1"/>
+            </a:lnRef>
+            <a:fillRef idx="3">
+              <a:schemeClr val="accent1"/>
+            </a:fillRef>
+            <a:effectRef idx="2">
+              <a:schemeClr val="accent1"/>
+            </a:effectRef>
+            <a:fontRef idx="minor">
+              <a:schemeClr val="lt1"/>
+            </a:fontRef>
+          </p:style>
+        </p:sp>
+        <p:sp>
+          <p:nvSpPr>
+            <p:cNvPr id="26" name="Rectangle 25"/>
+            <p:cNvSpPr/>
+            <p:nvPr/>
+          </p:nvSpPr>
+          <p:spPr>
+            <a:xfrm>
+              <a:off x="9603442" y="-8467"/>
+              <a:ext cx="2588558" cy="6866467"/>
+            </a:xfrm>
+            <a:custGeom>
+              <a:avLst/>
+              <a:gdLst/>
+              <a:ahLst/>
+              <a:cxnLst/>
+              <a:rect l="l" t="t" r="r" b="b"/>
+              <a:pathLst>
+                <a:path w="2573311" h="6866467">
+                  <a:moveTo>
+                    <a:pt x="0" y="0"/>
+                  </a:moveTo>
+                  <a:lnTo>
+                    <a:pt x="2573311" y="0"/>
+                  </a:lnTo>
+                  <a:lnTo>
+                    <a:pt x="2573311" y="6866467"/>
+                  </a:lnTo>
+                  <a:lnTo>
+                    <a:pt x="1202336" y="6866467"/>
+                  </a:lnTo>
+                  <a:lnTo>
+                    <a:pt x="0" y="0"/>
+                  </a:lnTo>
+                  <a:close/>
+                </a:path>
+              </a:pathLst>
+            </a:custGeom>
+            <a:solidFill>
+              <a:schemeClr val="accent1">
+                <a:alpha val="20000"/>
+              </a:schemeClr>
+            </a:solidFill>
+            <a:ln>
+              <a:noFill/>
+            </a:ln>
+            <a:effectLst/>
+          </p:spPr>
+          <p:style>
+            <a:lnRef idx="1">
+              <a:schemeClr val="accent1"/>
+            </a:lnRef>
+            <a:fillRef idx="3">
+              <a:schemeClr val="accent1"/>
+            </a:fillRef>
+            <a:effectRef idx="2">
+              <a:schemeClr val="accent1"/>
+            </a:effectRef>
+            <a:fontRef idx="minor">
+              <a:schemeClr val="lt1"/>
+            </a:fontRef>
+          </p:style>
+        </p:sp>
+        <p:sp>
+          <p:nvSpPr>
+            <p:cNvPr id="27" name="Isosceles Triangle 26"/>
+            <p:cNvSpPr/>
+            <p:nvPr/>
+          </p:nvSpPr>
+          <p:spPr>
+            <a:xfrm>
+              <a:off x="8932333" y="3048000"/>
+              <a:ext cx="3259667" cy="3810000"/>
+            </a:xfrm>
+            <a:prstGeom prst="triangle">
+              <a:avLst>
+                <a:gd name="adj" fmla="val 100000"/>
+              </a:avLst>
+            </a:prstGeom>
+            <a:solidFill>
+              <a:schemeClr val="accent2">
+                <a:alpha val="72000"/>
+              </a:schemeClr>
+            </a:solidFill>
+            <a:ln>
+              <a:noFill/>
+            </a:ln>
+            <a:effectLst/>
+          </p:spPr>
+          <p:style>
+            <a:lnRef idx="1">
+              <a:schemeClr val="accent1"/>
+            </a:lnRef>
+            <a:fillRef idx="3">
+              <a:schemeClr val="accent1"/>
+            </a:fillRef>
+            <a:effectRef idx="2">
+              <a:schemeClr val="accent1"/>
+            </a:effectRef>
+            <a:fontRef idx="minor">
+              <a:schemeClr val="lt1"/>
+            </a:fontRef>
+          </p:style>
+        </p:sp>
+        <p:sp>
+          <p:nvSpPr>
+            <p:cNvPr id="28" name="Rectangle 27"/>
+            <p:cNvSpPr/>
+            <p:nvPr/>
+          </p:nvSpPr>
+          <p:spPr>
+            <a:xfrm>
+              <a:off x="9334500" y="-8467"/>
+              <a:ext cx="2854326" cy="6866467"/>
+            </a:xfrm>
+            <a:custGeom>
+              <a:avLst/>
+              <a:gdLst/>
+              <a:ahLst/>
+              <a:cxnLst/>
+              <a:rect l="l" t="t" r="r" b="b"/>
+              <a:pathLst>
+                <a:path w="2858013" h="6866467">
+                  <a:moveTo>
+                    <a:pt x="0" y="0"/>
+                  </a:moveTo>
+                  <a:lnTo>
+                    <a:pt x="2858013" y="0"/>
+                  </a:lnTo>
+                  <a:lnTo>
+                    <a:pt x="2858013" y="6866467"/>
+                  </a:lnTo>
+                  <a:lnTo>
+                    <a:pt x="2473942" y="6866467"/>
+                  </a:lnTo>
+                  <a:lnTo>
+                    <a:pt x="0" y="0"/>
+                  </a:lnTo>
+                  <a:close/>
+                </a:path>
+              </a:pathLst>
+            </a:custGeom>
+            <a:solidFill>
+              <a:schemeClr val="accent2">
+                <a:lumMod val="75000"/>
+                <a:alpha val="70000"/>
+              </a:schemeClr>
+            </a:solidFill>
+            <a:ln>
+              <a:noFill/>
+            </a:ln>
+            <a:effectLst/>
+          </p:spPr>
+          <p:style>
+            <a:lnRef idx="1">
+              <a:schemeClr val="accent1"/>
+            </a:lnRef>
+            <a:fillRef idx="3">
+              <a:schemeClr val="accent1"/>
+            </a:fillRef>
+            <a:effectRef idx="2">
+              <a:schemeClr val="accent1"/>
+            </a:effectRef>
+            <a:fontRef idx="minor">
+              <a:schemeClr val="lt1"/>
+            </a:fontRef>
+          </p:style>
+        </p:sp>
+        <p:sp>
+          <p:nvSpPr>
+            <p:cNvPr id="29" name="Rectangle 28"/>
+            <p:cNvSpPr/>
+            <p:nvPr/>
+          </p:nvSpPr>
+          <p:spPr>
+            <a:xfrm>
+              <a:off x="10898730" y="-8467"/>
+              <a:ext cx="1290094" cy="6866467"/>
+            </a:xfrm>
+            <a:custGeom>
+              <a:avLst/>
+              <a:gdLst/>
+              <a:ahLst/>
+              <a:cxnLst/>
+              <a:rect l="l" t="t" r="r" b="b"/>
+              <a:pathLst>
+                <a:path w="1290094" h="6858000">
+                  <a:moveTo>
+                    <a:pt x="1019735" y="0"/>
+                  </a:moveTo>
+                  <a:lnTo>
+                    <a:pt x="1290094" y="0"/>
+                  </a:lnTo>
+                  <a:lnTo>
+                    <a:pt x="1290094" y="6858000"/>
+                  </a:lnTo>
+                  <a:lnTo>
+                    <a:pt x="0" y="6858000"/>
+                  </a:lnTo>
+                  <a:lnTo>
+                    <a:pt x="1019735" y="0"/>
+                  </a:lnTo>
+                  <a:close/>
+                </a:path>
+              </a:pathLst>
+            </a:custGeom>
+            <a:solidFill>
+              <a:schemeClr val="accent1">
+                <a:lumMod val="60000"/>
+                <a:lumOff val="40000"/>
+                <a:alpha val="70000"/>
+              </a:schemeClr>
+            </a:solidFill>
+            <a:ln>
+              <a:noFill/>
+            </a:ln>
+            <a:effectLst/>
+          </p:spPr>
+          <p:style>
+            <a:lnRef idx="1">
+              <a:schemeClr val="accent1"/>
+            </a:lnRef>
+            <a:fillRef idx="3">
+              <a:schemeClr val="accent1"/>
+            </a:fillRef>
+            <a:effectRef idx="2">
+              <a:schemeClr val="accent1"/>
+            </a:effectRef>
+            <a:fontRef idx="minor">
+              <a:schemeClr val="lt1"/>
+            </a:fontRef>
+          </p:style>
+        </p:sp>
+        <p:sp>
+          <p:nvSpPr>
+            <p:cNvPr id="30" name="Rectangle 29"/>
+            <p:cNvSpPr/>
+            <p:nvPr/>
+          </p:nvSpPr>
+          <p:spPr>
+            <a:xfrm>
+              <a:off x="10938999" y="-8467"/>
+              <a:ext cx="1249825" cy="6866467"/>
+            </a:xfrm>
+            <a:custGeom>
+              <a:avLst/>
+              <a:gdLst/>
+              <a:ahLst/>
+              <a:cxnLst/>
+              <a:rect l="l" t="t" r="r" b="b"/>
+              <a:pathLst>
+                <a:path w="1249825" h="6858000">
+                  <a:moveTo>
+                    <a:pt x="0" y="0"/>
+                  </a:moveTo>
+                  <a:lnTo>
+                    <a:pt x="1249825" y="0"/>
+                  </a:lnTo>
+                  <a:lnTo>
+                    <a:pt x="1249825" y="6858000"/>
+                  </a:lnTo>
+                  <a:lnTo>
+                    <a:pt x="1109382" y="6858000"/>
+                  </a:lnTo>
+                  <a:lnTo>
+                    <a:pt x="0" y="0"/>
+                  </a:lnTo>
+                  <a:close/>
+                </a:path>
+              </a:pathLst>
+            </a:custGeom>
+            <a:solidFill>
+              <a:schemeClr val="accent1">
+                <a:alpha val="65000"/>
+              </a:schemeClr>
+            </a:solidFill>
+            <a:ln>
+              <a:noFill/>
+            </a:ln>
+            <a:effectLst/>
+          </p:spPr>
+          <p:style>
+            <a:lnRef idx="1">
+              <a:schemeClr val="accent1"/>
+            </a:lnRef>
+            <a:fillRef idx="3">
+              <a:schemeClr val="accent1"/>
+            </a:fillRef>
+            <a:effectRef idx="2">
+              <a:schemeClr val="accent1"/>
+            </a:effectRef>
+            <a:fontRef idx="minor">
+              <a:schemeClr val="lt1"/>
+            </a:fontRef>
+          </p:style>
+        </p:sp>
+        <p:sp>
+          <p:nvSpPr>
+            <p:cNvPr id="31" name="Isosceles Triangle 30"/>
+            <p:cNvSpPr/>
+            <p:nvPr/>
+          </p:nvSpPr>
+          <p:spPr>
+            <a:xfrm>
+              <a:off x="10371666" y="3589867"/>
+              <a:ext cx="1817159" cy="3268133"/>
+            </a:xfrm>
+            <a:prstGeom prst="triangle">
+              <a:avLst>
+                <a:gd name="adj" fmla="val 100000"/>
+              </a:avLst>
+            </a:prstGeom>
+            <a:solidFill>
+              <a:schemeClr val="accent1">
+                <a:alpha val="80000"/>
+              </a:schemeClr>
+            </a:solidFill>
+            <a:ln>
+              <a:noFill/>
+            </a:ln>
+            <a:effectLst/>
+          </p:spPr>
+          <p:style>
+            <a:lnRef idx="1">
+              <a:schemeClr val="accent1"/>
+            </a:lnRef>
+            <a:fillRef idx="3">
+              <a:schemeClr val="accent1"/>
+            </a:fillRef>
+            <a:effectRef idx="2">
+              <a:schemeClr val="accent1"/>
+            </a:effectRef>
+            <a:fontRef idx="minor">
+              <a:schemeClr val="lt1"/>
+            </a:fontRef>
+          </p:style>
+        </p:sp>
+        <p:sp>
+          <p:nvSpPr>
+            <p:cNvPr id="19" name="Isosceles Triangle 18"/>
+            <p:cNvSpPr/>
+            <p:nvPr/>
+          </p:nvSpPr>
+          <p:spPr>
+            <a:xfrm rot="10800000">
+              <a:off x="0" y="0"/>
+              <a:ext cx="842596" cy="5666154"/>
+            </a:xfrm>
+            <a:prstGeom prst="triangle">
+              <a:avLst>
+                <a:gd name="adj" fmla="val 100000"/>
+              </a:avLst>
+            </a:prstGeom>
+            <a:solidFill>
+              <a:schemeClr val="accent1">
+                <a:alpha val="85000"/>
+              </a:schemeClr>
+            </a:solidFill>
+            <a:ln>
+              <a:noFill/>
+            </a:ln>
+            <a:effectLst/>
+          </p:spPr>
+          <p:style>
+            <a:lnRef idx="1">
+              <a:schemeClr val="accent1"/>
+            </a:lnRef>
+            <a:fillRef idx="3">
+              <a:schemeClr val="accent1"/>
+            </a:fillRef>
+            <a:effectRef idx="2">
+              <a:schemeClr val="accent1"/>
+            </a:effectRef>
+            <a:fontRef idx="minor">
+              <a:schemeClr val="lt1"/>
+            </a:fontRef>
+          </p:style>
+        </p:sp>
+      </p:grpSp>
+      <p:sp>
+        <p:nvSpPr>
+          <p:cNvPr id="2" name="Title 1"/>
+          <p:cNvSpPr>
+            <a:spLocks noGrp="1"/>
+          </p:cNvSpPr>
+          <p:nvPr>
+            <p:ph type="ctrTitle"/>
           </p:nvPr>
         </p:nvSpPr>
         <p:spPr>
           <a:xfrm>
-            <a:off x="914400" y="609601"/>
-            <a:ext cx="10363200" cy="4267200"/>
+            <a:off x="1507067" y="2404534"/>
+            <a:ext cx="7766936" cy="1646302"/>
           </a:xfrm>
         </p:spPr>
         <p:txBody>
-          <a:bodyPr rtlCol="0" anchor="b">
+          <a:bodyPr anchor="b">
             <a:noAutofit/>
           </a:bodyPr>
           <a:lstStyle>
-            <a:lvl1pPr>
-              <a:lnSpc>
-                <a:spcPct val="100000"/>
-              </a:lnSpc>
-              <a:defRPr sz="6600">
-                <a:latin typeface="Century Gothic" panose="020B0502020202020204" pitchFamily="34" charset="0"/>
+            <a:lvl1pPr algn="r">
+              <a:defRPr sz="5400">
+                <a:solidFill>
+                  <a:schemeClr val="accent1"/>
+                </a:solidFill>
               </a:defRPr>
             </a:lvl1pPr>
           </a:lstStyle>
           <a:p>
-            <a:pPr rtl="0"/>
-            <a:r>
-              <a:rPr lang="pt-PT" noProof="0"/>
-              <a:t>Clique para editar o estilo do título do Modelo Global</a:t>
-            </a:r>
-          </a:p>
-        </p:txBody>
-      </p:sp>
-      <p:sp>
-        <p:nvSpPr>
-          <p:cNvPr id="3" name="Subtítulo 2"/>
-          <p:cNvSpPr>
-            <a:spLocks noGrp="1"/>
-          </p:cNvSpPr>
-          <p:nvPr>
-            <p:ph type="subTitle" idx="1" hasCustomPrompt="1"/>
+            <a:r>
+              <a:rPr lang="pt-PT"/>
+              <a:t>Clique para editar o estilo de título do Modelo Global</a:t>
+            </a:r>
+            <a:endParaRPr lang="en-US" dirty="0"/>
+          </a:p>
+        </p:txBody>
+      </p:sp>
+      <p:sp>
+        <p:nvSpPr>
+          <p:cNvPr id="3" name="Subtitle 2"/>
+          <p:cNvSpPr>
+            <a:spLocks noGrp="1"/>
+          </p:cNvSpPr>
+          <p:nvPr>
+            <p:ph type="subTitle" idx="1"/>
           </p:nvPr>
         </p:nvSpPr>
         <p:spPr>
           <a:xfrm>
-            <a:off x="1828800" y="4953000"/>
-            <a:ext cx="8534400" cy="1219200"/>
+            <a:off x="1507067" y="4050833"/>
+            <a:ext cx="7766936" cy="1096899"/>
           </a:xfrm>
         </p:spPr>
         <p:txBody>
-          <a:bodyPr rtlCol="0">
-            <a:normAutofit/>
-          </a:bodyPr>
+          <a:bodyPr anchor="t"/>
           <a:lstStyle>
-            <a:lvl1pPr marL="0" indent="0" algn="ctr">
-              <a:buNone/>
-              <a:defRPr sz="2400">
+            <a:lvl1pPr marL="0" indent="0" algn="r">
+              <a:buNone/>
+              <a:defRPr>
                 <a:solidFill>
-                  <a:schemeClr val="tx1"/>
+                  <a:schemeClr val="tx1">
+                    <a:lumMod val="50000"/>
+                    <a:lumOff val="50000"/>
+                  </a:schemeClr>
                 </a:solidFill>
-                <a:latin typeface="Palatino Linotype" panose="02040502050505030304" pitchFamily="18" charset="0"/>
               </a:defRPr>
             </a:lvl1pPr>
             <a:lvl2pPr marL="457200" indent="0" algn="ctr">
@@ -1175,68 +1708,28 @@
             </a:lvl9pPr>
           </a:lstStyle>
           <a:p>
-            <a:pPr rtl="0"/>
-            <a:r>
-              <a:rPr lang="pt-PT" noProof="0"/>
-              <a:t>Clique para editar o estilo do subtítulo do Modelo Global</a:t>
-            </a:r>
-          </a:p>
-        </p:txBody>
-      </p:sp>
-      <p:sp>
-        <p:nvSpPr>
-          <p:cNvPr id="9" name="Marcador de Posição do Rodapé 8"/>
-          <p:cNvSpPr>
-            <a:spLocks noGrp="1"/>
-          </p:cNvSpPr>
-          <p:nvPr>
-            <p:ph type="ftr" sz="quarter" idx="12"/>
+            <a:r>
+              <a:rPr lang="pt-PT"/>
+              <a:t>Clique para editar o estilo de subtítulo do Modelo Global</a:t>
+            </a:r>
+            <a:endParaRPr lang="en-US" dirty="0"/>
+          </a:p>
+        </p:txBody>
+      </p:sp>
+      <p:sp>
+        <p:nvSpPr>
+          <p:cNvPr id="4" name="Date Placeholder 3"/>
+          <p:cNvSpPr>
+            <a:spLocks noGrp="1"/>
+          </p:cNvSpPr>
+          <p:nvPr>
+            <p:ph type="dt" sz="half" idx="10"/>
           </p:nvPr>
         </p:nvSpPr>
         <p:spPr/>
         <p:txBody>
-          <a:bodyPr rtlCol="0"/>
-          <a:lstStyle>
-            <a:lvl1pPr>
-              <a:defRPr>
-                <a:solidFill>
-                  <a:schemeClr val="tx1"/>
-                </a:solidFill>
-                <a:latin typeface="Century Gothic" panose="020B0502020202020204" pitchFamily="34" charset="0"/>
-              </a:defRPr>
-            </a:lvl1pPr>
-          </a:lstStyle>
-          <a:p>
-            <a:r>
-              <a:rPr lang="pt-PT" noProof="0"/>
-              <a:t>Adicione um rodapé</a:t>
-            </a:r>
-          </a:p>
-        </p:txBody>
-      </p:sp>
-      <p:sp>
-        <p:nvSpPr>
-          <p:cNvPr id="7" name="Marcador de Posição da Data 6"/>
-          <p:cNvSpPr>
-            <a:spLocks noGrp="1"/>
-          </p:cNvSpPr>
-          <p:nvPr>
-            <p:ph type="dt" sz="half" idx="10"/>
-          </p:nvPr>
-        </p:nvSpPr>
-        <p:spPr/>
-        <p:txBody>
-          <a:bodyPr rtlCol="0"/>
-          <a:lstStyle>
-            <a:lvl1pPr>
-              <a:defRPr>
-                <a:solidFill>
-                  <a:schemeClr val="tx1"/>
-                </a:solidFill>
-                <a:latin typeface="Century Gothic" panose="020B0502020202020204" pitchFamily="34" charset="0"/>
-              </a:defRPr>
-            </a:lvl1pPr>
-          </a:lstStyle>
+          <a:bodyPr/>
+          <a:lstStyle/>
           <a:p>
             <a:fld id="{88CCF7AA-32B7-4EF8-AE73-27550F08FC3A}" type="datetime1">
               <a:rPr lang="pt-PT" noProof="0" smtClean="0"/>
@@ -1248,27 +1741,40 @@
       </p:sp>
       <p:sp>
         <p:nvSpPr>
-          <p:cNvPr id="8" name="Marcador de Posição do Número do Diapositivo 7"/>
-          <p:cNvSpPr>
-            <a:spLocks noGrp="1"/>
-          </p:cNvSpPr>
-          <p:nvPr>
-            <p:ph type="sldNum" sz="quarter" idx="11"/>
+          <p:cNvPr id="5" name="Footer Placeholder 4"/>
+          <p:cNvSpPr>
+            <a:spLocks noGrp="1"/>
+          </p:cNvSpPr>
+          <p:nvPr>
+            <p:ph type="ftr" sz="quarter" idx="11"/>
           </p:nvPr>
         </p:nvSpPr>
         <p:spPr/>
         <p:txBody>
-          <a:bodyPr rtlCol="0"/>
-          <a:lstStyle>
-            <a:lvl1pPr>
-              <a:defRPr>
-                <a:solidFill>
-                  <a:schemeClr val="tx1"/>
-                </a:solidFill>
-                <a:latin typeface="Century Gothic" panose="020B0502020202020204" pitchFamily="34" charset="0"/>
-              </a:defRPr>
-            </a:lvl1pPr>
-          </a:lstStyle>
+          <a:bodyPr/>
+          <a:lstStyle/>
+          <a:p>
+            <a:r>
+              <a:rPr lang="pt-PT" noProof="0"/>
+              <a:t>Adicione um rodapé</a:t>
+            </a:r>
+          </a:p>
+        </p:txBody>
+      </p:sp>
+      <p:sp>
+        <p:nvSpPr>
+          <p:cNvPr id="6" name="Slide Number Placeholder 5"/>
+          <p:cNvSpPr>
+            <a:spLocks noGrp="1"/>
+          </p:cNvSpPr>
+          <p:nvPr>
+            <p:ph type="sldNum" sz="quarter" idx="12"/>
+          </p:nvPr>
+        </p:nvSpPr>
+        <p:spPr/>
+        <p:txBody>
+          <a:bodyPr/>
+          <a:lstStyle/>
           <a:p>
             <a:fld id="{401CF334-2D5C-4859-84A6-CA7E6E43FAEB}" type="slidenum">
               <a:rPr lang="pt-PT" noProof="0" smtClean="0"/>
@@ -1282,7 +1788,7 @@
     </p:spTree>
     <p:extLst>
       <p:ext uri="{BB962C8B-B14F-4D97-AF65-F5344CB8AC3E}">
-        <p14:creationId xmlns:p14="http://schemas.microsoft.com/office/powerpoint/2010/main" val="2794820782"/>
+        <p14:creationId xmlns:p14="http://schemas.microsoft.com/office/powerpoint/2010/main" val="3469514737"/>
       </p:ext>
     </p:extLst>
   </p:cSld>
@@ -1305,6 +1811,1644 @@
 </file>
 
 <file path=ppt/slideLayouts/slideLayout10.xml><?xml version="1.0" encoding="utf-8"?>
+<p:sldLayout xmlns:a="http://schemas.openxmlformats.org/drawingml/2006/main" xmlns:r="http://schemas.openxmlformats.org/officeDocument/2006/relationships" xmlns:p="http://schemas.openxmlformats.org/presentationml/2006/main" preserve="1">
+  <p:cSld name="Título e Legenda">
+    <p:spTree>
+      <p:nvGrpSpPr>
+        <p:cNvPr id="1" name=""/>
+        <p:cNvGrpSpPr/>
+        <p:nvPr/>
+      </p:nvGrpSpPr>
+      <p:grpSpPr>
+        <a:xfrm>
+          <a:off x="0" y="0"/>
+          <a:ext cx="0" cy="0"/>
+          <a:chOff x="0" y="0"/>
+          <a:chExt cx="0" cy="0"/>
+        </a:xfrm>
+      </p:grpSpPr>
+      <p:sp>
+        <p:nvSpPr>
+          <p:cNvPr id="2" name="Title 1"/>
+          <p:cNvSpPr>
+            <a:spLocks noGrp="1"/>
+          </p:cNvSpPr>
+          <p:nvPr>
+            <p:ph type="title"/>
+          </p:nvPr>
+        </p:nvSpPr>
+        <p:spPr>
+          <a:xfrm>
+            <a:off x="677335" y="609600"/>
+            <a:ext cx="8596668" cy="3403600"/>
+          </a:xfrm>
+        </p:spPr>
+        <p:txBody>
+          <a:bodyPr anchor="ctr">
+            <a:normAutofit/>
+          </a:bodyPr>
+          <a:lstStyle>
+            <a:lvl1pPr algn="l">
+              <a:defRPr sz="4400" b="0" cap="none"/>
+            </a:lvl1pPr>
+          </a:lstStyle>
+          <a:p>
+            <a:r>
+              <a:rPr lang="pt-PT"/>
+              <a:t>Clique para editar o estilo de título do Modelo Global</a:t>
+            </a:r>
+            <a:endParaRPr lang="en-US" dirty="0"/>
+          </a:p>
+        </p:txBody>
+      </p:sp>
+      <p:sp>
+        <p:nvSpPr>
+          <p:cNvPr id="3" name="Text Placeholder 2"/>
+          <p:cNvSpPr>
+            <a:spLocks noGrp="1"/>
+          </p:cNvSpPr>
+          <p:nvPr>
+            <p:ph type="body" idx="1"/>
+          </p:nvPr>
+        </p:nvSpPr>
+        <p:spPr>
+          <a:xfrm>
+            <a:off x="677335" y="4470400"/>
+            <a:ext cx="8596668" cy="1570962"/>
+          </a:xfrm>
+        </p:spPr>
+        <p:txBody>
+          <a:bodyPr anchor="ctr">
+            <a:normAutofit/>
+          </a:bodyPr>
+          <a:lstStyle>
+            <a:lvl1pPr marL="0" indent="0" algn="l">
+              <a:buNone/>
+              <a:defRPr sz="1800">
+                <a:solidFill>
+                  <a:schemeClr val="tx1">
+                    <a:lumMod val="75000"/>
+                    <a:lumOff val="25000"/>
+                  </a:schemeClr>
+                </a:solidFill>
+              </a:defRPr>
+            </a:lvl1pPr>
+            <a:lvl2pPr marL="457200" indent="0">
+              <a:buNone/>
+              <a:defRPr sz="1800">
+                <a:solidFill>
+                  <a:schemeClr val="tx1">
+                    <a:tint val="75000"/>
+                  </a:schemeClr>
+                </a:solidFill>
+              </a:defRPr>
+            </a:lvl2pPr>
+            <a:lvl3pPr marL="914400" indent="0">
+              <a:buNone/>
+              <a:defRPr sz="1600">
+                <a:solidFill>
+                  <a:schemeClr val="tx1">
+                    <a:tint val="75000"/>
+                  </a:schemeClr>
+                </a:solidFill>
+              </a:defRPr>
+            </a:lvl3pPr>
+            <a:lvl4pPr marL="1371600" indent="0">
+              <a:buNone/>
+              <a:defRPr sz="1400">
+                <a:solidFill>
+                  <a:schemeClr val="tx1">
+                    <a:tint val="75000"/>
+                  </a:schemeClr>
+                </a:solidFill>
+              </a:defRPr>
+            </a:lvl4pPr>
+            <a:lvl5pPr marL="1828800" indent="0">
+              <a:buNone/>
+              <a:defRPr sz="1400">
+                <a:solidFill>
+                  <a:schemeClr val="tx1">
+                    <a:tint val="75000"/>
+                  </a:schemeClr>
+                </a:solidFill>
+              </a:defRPr>
+            </a:lvl5pPr>
+            <a:lvl6pPr marL="2286000" indent="0">
+              <a:buNone/>
+              <a:defRPr sz="1400">
+                <a:solidFill>
+                  <a:schemeClr val="tx1">
+                    <a:tint val="75000"/>
+                  </a:schemeClr>
+                </a:solidFill>
+              </a:defRPr>
+            </a:lvl6pPr>
+            <a:lvl7pPr marL="2743200" indent="0">
+              <a:buNone/>
+              <a:defRPr sz="1400">
+                <a:solidFill>
+                  <a:schemeClr val="tx1">
+                    <a:tint val="75000"/>
+                  </a:schemeClr>
+                </a:solidFill>
+              </a:defRPr>
+            </a:lvl7pPr>
+            <a:lvl8pPr marL="3200400" indent="0">
+              <a:buNone/>
+              <a:defRPr sz="1400">
+                <a:solidFill>
+                  <a:schemeClr val="tx1">
+                    <a:tint val="75000"/>
+                  </a:schemeClr>
+                </a:solidFill>
+              </a:defRPr>
+            </a:lvl8pPr>
+            <a:lvl9pPr marL="3657600" indent="0">
+              <a:buNone/>
+              <a:defRPr sz="1400">
+                <a:solidFill>
+                  <a:schemeClr val="tx1">
+                    <a:tint val="75000"/>
+                  </a:schemeClr>
+                </a:solidFill>
+              </a:defRPr>
+            </a:lvl9pPr>
+          </a:lstStyle>
+          <a:p>
+            <a:pPr lvl="0"/>
+            <a:r>
+              <a:rPr lang="pt-PT"/>
+              <a:t>Editar os estilos de texto do Modelo Global</a:t>
+            </a:r>
+          </a:p>
+        </p:txBody>
+      </p:sp>
+      <p:sp>
+        <p:nvSpPr>
+          <p:cNvPr id="4" name="Date Placeholder 3"/>
+          <p:cNvSpPr>
+            <a:spLocks noGrp="1"/>
+          </p:cNvSpPr>
+          <p:nvPr>
+            <p:ph type="dt" sz="half" idx="10"/>
+          </p:nvPr>
+        </p:nvSpPr>
+        <p:spPr/>
+        <p:txBody>
+          <a:bodyPr/>
+          <a:lstStyle/>
+          <a:p>
+            <a:fld id="{80BF842D-1605-46E4-8DA6-48CAB1706D79}" type="datetime1">
+              <a:rPr lang="pt-PT" noProof="0" smtClean="0"/>
+              <a:t>24/01/2019</a:t>
+            </a:fld>
+            <a:endParaRPr lang="pt-PT" noProof="0"/>
+          </a:p>
+        </p:txBody>
+      </p:sp>
+      <p:sp>
+        <p:nvSpPr>
+          <p:cNvPr id="5" name="Footer Placeholder 4"/>
+          <p:cNvSpPr>
+            <a:spLocks noGrp="1"/>
+          </p:cNvSpPr>
+          <p:nvPr>
+            <p:ph type="ftr" sz="quarter" idx="11"/>
+          </p:nvPr>
+        </p:nvSpPr>
+        <p:spPr/>
+        <p:txBody>
+          <a:bodyPr/>
+          <a:lstStyle/>
+          <a:p>
+            <a:r>
+              <a:rPr lang="pt-PT" noProof="0"/>
+              <a:t>Adicione um rodapé</a:t>
+            </a:r>
+          </a:p>
+        </p:txBody>
+      </p:sp>
+      <p:sp>
+        <p:nvSpPr>
+          <p:cNvPr id="6" name="Slide Number Placeholder 5"/>
+          <p:cNvSpPr>
+            <a:spLocks noGrp="1"/>
+          </p:cNvSpPr>
+          <p:nvPr>
+            <p:ph type="sldNum" sz="quarter" idx="12"/>
+          </p:nvPr>
+        </p:nvSpPr>
+        <p:spPr/>
+        <p:txBody>
+          <a:bodyPr/>
+          <a:lstStyle/>
+          <a:p>
+            <a:fld id="{401CF334-2D5C-4859-84A6-CA7E6E43FAEB}" type="slidenum">
+              <a:rPr lang="pt-PT" noProof="0" smtClean="0"/>
+              <a:pPr/>
+              <a:t>‹nº›</a:t>
+            </a:fld>
+            <a:endParaRPr lang="pt-PT" noProof="0"/>
+          </a:p>
+        </p:txBody>
+      </p:sp>
+    </p:spTree>
+    <p:extLst>
+      <p:ext uri="{BB962C8B-B14F-4D97-AF65-F5344CB8AC3E}">
+        <p14:creationId xmlns:p14="http://schemas.microsoft.com/office/powerpoint/2010/main" val="1850381238"/>
+      </p:ext>
+    </p:extLst>
+  </p:cSld>
+  <p:clrMapOvr>
+    <a:masterClrMapping/>
+  </p:clrMapOvr>
+  <p:hf sldNum="0" hdr="0" ftr="0" dt="0"/>
+</p:sldLayout>
+</file>
+
+<file path=ppt/slideLayouts/slideLayout11.xml><?xml version="1.0" encoding="utf-8"?>
+<p:sldLayout xmlns:a="http://schemas.openxmlformats.org/drawingml/2006/main" xmlns:r="http://schemas.openxmlformats.org/officeDocument/2006/relationships" xmlns:p="http://schemas.openxmlformats.org/presentationml/2006/main" preserve="1">
+  <p:cSld name="Citação com Legenda">
+    <p:spTree>
+      <p:nvGrpSpPr>
+        <p:cNvPr id="1" name=""/>
+        <p:cNvGrpSpPr/>
+        <p:nvPr/>
+      </p:nvGrpSpPr>
+      <p:grpSpPr>
+        <a:xfrm>
+          <a:off x="0" y="0"/>
+          <a:ext cx="0" cy="0"/>
+          <a:chOff x="0" y="0"/>
+          <a:chExt cx="0" cy="0"/>
+        </a:xfrm>
+      </p:grpSpPr>
+      <p:sp>
+        <p:nvSpPr>
+          <p:cNvPr id="2" name="Title 1"/>
+          <p:cNvSpPr>
+            <a:spLocks noGrp="1"/>
+          </p:cNvSpPr>
+          <p:nvPr>
+            <p:ph type="title"/>
+          </p:nvPr>
+        </p:nvSpPr>
+        <p:spPr>
+          <a:xfrm>
+            <a:off x="931334" y="609600"/>
+            <a:ext cx="8094134" cy="3022600"/>
+          </a:xfrm>
+        </p:spPr>
+        <p:txBody>
+          <a:bodyPr anchor="ctr">
+            <a:normAutofit/>
+          </a:bodyPr>
+          <a:lstStyle>
+            <a:lvl1pPr algn="l">
+              <a:defRPr sz="4400" b="0" cap="none"/>
+            </a:lvl1pPr>
+          </a:lstStyle>
+          <a:p>
+            <a:r>
+              <a:rPr lang="pt-PT"/>
+              <a:t>Clique para editar o estilo de título do Modelo Global</a:t>
+            </a:r>
+            <a:endParaRPr lang="en-US" dirty="0"/>
+          </a:p>
+        </p:txBody>
+      </p:sp>
+      <p:sp>
+        <p:nvSpPr>
+          <p:cNvPr id="23" name="Text Placeholder 9"/>
+          <p:cNvSpPr>
+            <a:spLocks noGrp="1"/>
+          </p:cNvSpPr>
+          <p:nvPr>
+            <p:ph type="body" sz="quarter" idx="13"/>
+          </p:nvPr>
+        </p:nvSpPr>
+        <p:spPr>
+          <a:xfrm>
+            <a:off x="1366139" y="3632200"/>
+            <a:ext cx="7224524" cy="381000"/>
+          </a:xfrm>
+        </p:spPr>
+        <p:txBody>
+          <a:bodyPr anchor="ctr">
+            <a:noAutofit/>
+          </a:bodyPr>
+          <a:lstStyle>
+            <a:lvl1pPr marL="0" indent="0">
+              <a:buFontTx/>
+              <a:buNone/>
+              <a:defRPr sz="1600">
+                <a:solidFill>
+                  <a:schemeClr val="tx1">
+                    <a:lumMod val="50000"/>
+                    <a:lumOff val="50000"/>
+                  </a:schemeClr>
+                </a:solidFill>
+              </a:defRPr>
+            </a:lvl1pPr>
+            <a:lvl2pPr marL="457200" indent="0">
+              <a:buFontTx/>
+              <a:buNone/>
+              <a:defRPr/>
+            </a:lvl2pPr>
+            <a:lvl3pPr marL="914400" indent="0">
+              <a:buFontTx/>
+              <a:buNone/>
+              <a:defRPr/>
+            </a:lvl3pPr>
+            <a:lvl4pPr marL="1371600" indent="0">
+              <a:buFontTx/>
+              <a:buNone/>
+              <a:defRPr/>
+            </a:lvl4pPr>
+            <a:lvl5pPr marL="1828800" indent="0">
+              <a:buFontTx/>
+              <a:buNone/>
+              <a:defRPr/>
+            </a:lvl5pPr>
+          </a:lstStyle>
+          <a:p>
+            <a:pPr lvl="0"/>
+            <a:r>
+              <a:rPr lang="pt-PT"/>
+              <a:t>Editar os estilos de texto do Modelo Global</a:t>
+            </a:r>
+          </a:p>
+        </p:txBody>
+      </p:sp>
+      <p:sp>
+        <p:nvSpPr>
+          <p:cNvPr id="3" name="Text Placeholder 2"/>
+          <p:cNvSpPr>
+            <a:spLocks noGrp="1"/>
+          </p:cNvSpPr>
+          <p:nvPr>
+            <p:ph type="body" idx="1"/>
+          </p:nvPr>
+        </p:nvSpPr>
+        <p:spPr>
+          <a:xfrm>
+            <a:off x="677335" y="4470400"/>
+            <a:ext cx="8596668" cy="1570962"/>
+          </a:xfrm>
+        </p:spPr>
+        <p:txBody>
+          <a:bodyPr anchor="ctr">
+            <a:normAutofit/>
+          </a:bodyPr>
+          <a:lstStyle>
+            <a:lvl1pPr marL="0" indent="0" algn="l">
+              <a:buNone/>
+              <a:defRPr sz="1800">
+                <a:solidFill>
+                  <a:schemeClr val="tx1">
+                    <a:lumMod val="75000"/>
+                    <a:lumOff val="25000"/>
+                  </a:schemeClr>
+                </a:solidFill>
+              </a:defRPr>
+            </a:lvl1pPr>
+            <a:lvl2pPr marL="457200" indent="0">
+              <a:buNone/>
+              <a:defRPr sz="1800">
+                <a:solidFill>
+                  <a:schemeClr val="tx1">
+                    <a:tint val="75000"/>
+                  </a:schemeClr>
+                </a:solidFill>
+              </a:defRPr>
+            </a:lvl2pPr>
+            <a:lvl3pPr marL="914400" indent="0">
+              <a:buNone/>
+              <a:defRPr sz="1600">
+                <a:solidFill>
+                  <a:schemeClr val="tx1">
+                    <a:tint val="75000"/>
+                  </a:schemeClr>
+                </a:solidFill>
+              </a:defRPr>
+            </a:lvl3pPr>
+            <a:lvl4pPr marL="1371600" indent="0">
+              <a:buNone/>
+              <a:defRPr sz="1400">
+                <a:solidFill>
+                  <a:schemeClr val="tx1">
+                    <a:tint val="75000"/>
+                  </a:schemeClr>
+                </a:solidFill>
+              </a:defRPr>
+            </a:lvl4pPr>
+            <a:lvl5pPr marL="1828800" indent="0">
+              <a:buNone/>
+              <a:defRPr sz="1400">
+                <a:solidFill>
+                  <a:schemeClr val="tx1">
+                    <a:tint val="75000"/>
+                  </a:schemeClr>
+                </a:solidFill>
+              </a:defRPr>
+            </a:lvl5pPr>
+            <a:lvl6pPr marL="2286000" indent="0">
+              <a:buNone/>
+              <a:defRPr sz="1400">
+                <a:solidFill>
+                  <a:schemeClr val="tx1">
+                    <a:tint val="75000"/>
+                  </a:schemeClr>
+                </a:solidFill>
+              </a:defRPr>
+            </a:lvl6pPr>
+            <a:lvl7pPr marL="2743200" indent="0">
+              <a:buNone/>
+              <a:defRPr sz="1400">
+                <a:solidFill>
+                  <a:schemeClr val="tx1">
+                    <a:tint val="75000"/>
+                  </a:schemeClr>
+                </a:solidFill>
+              </a:defRPr>
+            </a:lvl7pPr>
+            <a:lvl8pPr marL="3200400" indent="0">
+              <a:buNone/>
+              <a:defRPr sz="1400">
+                <a:solidFill>
+                  <a:schemeClr val="tx1">
+                    <a:tint val="75000"/>
+                  </a:schemeClr>
+                </a:solidFill>
+              </a:defRPr>
+            </a:lvl8pPr>
+            <a:lvl9pPr marL="3657600" indent="0">
+              <a:buNone/>
+              <a:defRPr sz="1400">
+                <a:solidFill>
+                  <a:schemeClr val="tx1">
+                    <a:tint val="75000"/>
+                  </a:schemeClr>
+                </a:solidFill>
+              </a:defRPr>
+            </a:lvl9pPr>
+          </a:lstStyle>
+          <a:p>
+            <a:pPr lvl="0"/>
+            <a:r>
+              <a:rPr lang="pt-PT"/>
+              <a:t>Editar os estilos de texto do Modelo Global</a:t>
+            </a:r>
+          </a:p>
+        </p:txBody>
+      </p:sp>
+      <p:sp>
+        <p:nvSpPr>
+          <p:cNvPr id="4" name="Date Placeholder 3"/>
+          <p:cNvSpPr>
+            <a:spLocks noGrp="1"/>
+          </p:cNvSpPr>
+          <p:nvPr>
+            <p:ph type="dt" sz="half" idx="10"/>
+          </p:nvPr>
+        </p:nvSpPr>
+        <p:spPr/>
+        <p:txBody>
+          <a:bodyPr/>
+          <a:lstStyle/>
+          <a:p>
+            <a:fld id="{80BF842D-1605-46E4-8DA6-48CAB1706D79}" type="datetime1">
+              <a:rPr lang="pt-PT" noProof="0" smtClean="0"/>
+              <a:t>24/01/2019</a:t>
+            </a:fld>
+            <a:endParaRPr lang="pt-PT" noProof="0"/>
+          </a:p>
+        </p:txBody>
+      </p:sp>
+      <p:sp>
+        <p:nvSpPr>
+          <p:cNvPr id="5" name="Footer Placeholder 4"/>
+          <p:cNvSpPr>
+            <a:spLocks noGrp="1"/>
+          </p:cNvSpPr>
+          <p:nvPr>
+            <p:ph type="ftr" sz="quarter" idx="11"/>
+          </p:nvPr>
+        </p:nvSpPr>
+        <p:spPr/>
+        <p:txBody>
+          <a:bodyPr/>
+          <a:lstStyle/>
+          <a:p>
+            <a:r>
+              <a:rPr lang="pt-PT" noProof="0"/>
+              <a:t>Adicione um rodapé</a:t>
+            </a:r>
+          </a:p>
+        </p:txBody>
+      </p:sp>
+      <p:sp>
+        <p:nvSpPr>
+          <p:cNvPr id="6" name="Slide Number Placeholder 5"/>
+          <p:cNvSpPr>
+            <a:spLocks noGrp="1"/>
+          </p:cNvSpPr>
+          <p:nvPr>
+            <p:ph type="sldNum" sz="quarter" idx="12"/>
+          </p:nvPr>
+        </p:nvSpPr>
+        <p:spPr/>
+        <p:txBody>
+          <a:bodyPr/>
+          <a:lstStyle/>
+          <a:p>
+            <a:fld id="{401CF334-2D5C-4859-84A6-CA7E6E43FAEB}" type="slidenum">
+              <a:rPr lang="pt-PT" noProof="0" smtClean="0"/>
+              <a:pPr/>
+              <a:t>‹nº›</a:t>
+            </a:fld>
+            <a:endParaRPr lang="pt-PT" noProof="0"/>
+          </a:p>
+        </p:txBody>
+      </p:sp>
+      <p:sp>
+        <p:nvSpPr>
+          <p:cNvPr id="20" name="TextBox 19"/>
+          <p:cNvSpPr txBox="1"/>
+          <p:nvPr/>
+        </p:nvSpPr>
+        <p:spPr>
+          <a:xfrm>
+            <a:off x="541870" y="790378"/>
+            <a:ext cx="609600" cy="584776"/>
+          </a:xfrm>
+          <a:prstGeom prst="rect">
+            <a:avLst/>
+          </a:prstGeom>
+        </p:spPr>
+        <p:txBody>
+          <a:bodyPr vert="horz" lIns="91440" tIns="45720" rIns="91440" bIns="45720" rtlCol="0" anchor="ctr">
+            <a:noAutofit/>
+          </a:bodyPr>
+          <a:lstStyle/>
+          <a:p>
+            <a:pPr lvl="0"/>
+            <a:r>
+              <a:rPr lang="en-US" sz="8000" baseline="0" dirty="0">
+                <a:ln w="3175" cmpd="sng">
+                  <a:noFill/>
+                </a:ln>
+                <a:solidFill>
+                  <a:schemeClr val="accent1">
+                    <a:lumMod val="60000"/>
+                    <a:lumOff val="40000"/>
+                  </a:schemeClr>
+                </a:solidFill>
+                <a:effectLst/>
+                <a:latin typeface="Arial"/>
+              </a:rPr>
+              <a:t>“</a:t>
+            </a:r>
+          </a:p>
+        </p:txBody>
+      </p:sp>
+      <p:sp>
+        <p:nvSpPr>
+          <p:cNvPr id="22" name="TextBox 21"/>
+          <p:cNvSpPr txBox="1"/>
+          <p:nvPr/>
+        </p:nvSpPr>
+        <p:spPr>
+          <a:xfrm>
+            <a:off x="8893011" y="2886556"/>
+            <a:ext cx="609600" cy="584776"/>
+          </a:xfrm>
+          <a:prstGeom prst="rect">
+            <a:avLst/>
+          </a:prstGeom>
+        </p:spPr>
+        <p:txBody>
+          <a:bodyPr vert="horz" lIns="91440" tIns="45720" rIns="91440" bIns="45720" rtlCol="0" anchor="ctr">
+            <a:noAutofit/>
+          </a:bodyPr>
+          <a:lstStyle/>
+          <a:p>
+            <a:pPr lvl="0"/>
+            <a:r>
+              <a:rPr lang="en-US" sz="8000" baseline="0" dirty="0">
+                <a:ln w="3175" cmpd="sng">
+                  <a:noFill/>
+                </a:ln>
+                <a:solidFill>
+                  <a:schemeClr val="accent1">
+                    <a:lumMod val="60000"/>
+                    <a:lumOff val="40000"/>
+                  </a:schemeClr>
+                </a:solidFill>
+                <a:latin typeface="Arial"/>
+              </a:rPr>
+              <a:t>”</a:t>
+            </a:r>
+            <a:endParaRPr lang="en-US" dirty="0">
+              <a:solidFill>
+                <a:schemeClr val="accent1">
+                  <a:lumMod val="60000"/>
+                  <a:lumOff val="40000"/>
+                </a:schemeClr>
+              </a:solidFill>
+              <a:latin typeface="Arial"/>
+            </a:endParaRPr>
+          </a:p>
+        </p:txBody>
+      </p:sp>
+    </p:spTree>
+    <p:extLst>
+      <p:ext uri="{BB962C8B-B14F-4D97-AF65-F5344CB8AC3E}">
+        <p14:creationId xmlns:p14="http://schemas.microsoft.com/office/powerpoint/2010/main" val="1957528161"/>
+      </p:ext>
+    </p:extLst>
+  </p:cSld>
+  <p:clrMapOvr>
+    <a:masterClrMapping/>
+  </p:clrMapOvr>
+  <p:hf sldNum="0" hdr="0" ftr="0" dt="0"/>
+</p:sldLayout>
+</file>
+
+<file path=ppt/slideLayouts/slideLayout12.xml><?xml version="1.0" encoding="utf-8"?>
+<p:sldLayout xmlns:a="http://schemas.openxmlformats.org/drawingml/2006/main" xmlns:r="http://schemas.openxmlformats.org/officeDocument/2006/relationships" xmlns:p="http://schemas.openxmlformats.org/presentationml/2006/main" preserve="1">
+  <p:cSld name="Cartão de Nome">
+    <p:spTree>
+      <p:nvGrpSpPr>
+        <p:cNvPr id="1" name=""/>
+        <p:cNvGrpSpPr/>
+        <p:nvPr/>
+      </p:nvGrpSpPr>
+      <p:grpSpPr>
+        <a:xfrm>
+          <a:off x="0" y="0"/>
+          <a:ext cx="0" cy="0"/>
+          <a:chOff x="0" y="0"/>
+          <a:chExt cx="0" cy="0"/>
+        </a:xfrm>
+      </p:grpSpPr>
+      <p:sp>
+        <p:nvSpPr>
+          <p:cNvPr id="2" name="Title 1"/>
+          <p:cNvSpPr>
+            <a:spLocks noGrp="1"/>
+          </p:cNvSpPr>
+          <p:nvPr>
+            <p:ph type="title"/>
+          </p:nvPr>
+        </p:nvSpPr>
+        <p:spPr>
+          <a:xfrm>
+            <a:off x="677335" y="1931988"/>
+            <a:ext cx="8596668" cy="2595460"/>
+          </a:xfrm>
+        </p:spPr>
+        <p:txBody>
+          <a:bodyPr anchor="b">
+            <a:normAutofit/>
+          </a:bodyPr>
+          <a:lstStyle>
+            <a:lvl1pPr algn="l">
+              <a:defRPr sz="4400" b="0" cap="none"/>
+            </a:lvl1pPr>
+          </a:lstStyle>
+          <a:p>
+            <a:r>
+              <a:rPr lang="pt-PT"/>
+              <a:t>Clique para editar o estilo de título do Modelo Global</a:t>
+            </a:r>
+            <a:endParaRPr lang="en-US" dirty="0"/>
+          </a:p>
+        </p:txBody>
+      </p:sp>
+      <p:sp>
+        <p:nvSpPr>
+          <p:cNvPr id="3" name="Text Placeholder 2"/>
+          <p:cNvSpPr>
+            <a:spLocks noGrp="1"/>
+          </p:cNvSpPr>
+          <p:nvPr>
+            <p:ph type="body" idx="1"/>
+          </p:nvPr>
+        </p:nvSpPr>
+        <p:spPr>
+          <a:xfrm>
+            <a:off x="677335" y="4527448"/>
+            <a:ext cx="8596668" cy="1513914"/>
+          </a:xfrm>
+        </p:spPr>
+        <p:txBody>
+          <a:bodyPr anchor="t">
+            <a:normAutofit/>
+          </a:bodyPr>
+          <a:lstStyle>
+            <a:lvl1pPr marL="0" indent="0" algn="l">
+              <a:buNone/>
+              <a:defRPr sz="1800">
+                <a:solidFill>
+                  <a:schemeClr val="tx1">
+                    <a:lumMod val="75000"/>
+                    <a:lumOff val="25000"/>
+                  </a:schemeClr>
+                </a:solidFill>
+              </a:defRPr>
+            </a:lvl1pPr>
+            <a:lvl2pPr marL="457200" indent="0">
+              <a:buNone/>
+              <a:defRPr sz="1800">
+                <a:solidFill>
+                  <a:schemeClr val="tx1">
+                    <a:tint val="75000"/>
+                  </a:schemeClr>
+                </a:solidFill>
+              </a:defRPr>
+            </a:lvl2pPr>
+            <a:lvl3pPr marL="914400" indent="0">
+              <a:buNone/>
+              <a:defRPr sz="1600">
+                <a:solidFill>
+                  <a:schemeClr val="tx1">
+                    <a:tint val="75000"/>
+                  </a:schemeClr>
+                </a:solidFill>
+              </a:defRPr>
+            </a:lvl3pPr>
+            <a:lvl4pPr marL="1371600" indent="0">
+              <a:buNone/>
+              <a:defRPr sz="1400">
+                <a:solidFill>
+                  <a:schemeClr val="tx1">
+                    <a:tint val="75000"/>
+                  </a:schemeClr>
+                </a:solidFill>
+              </a:defRPr>
+            </a:lvl4pPr>
+            <a:lvl5pPr marL="1828800" indent="0">
+              <a:buNone/>
+              <a:defRPr sz="1400">
+                <a:solidFill>
+                  <a:schemeClr val="tx1">
+                    <a:tint val="75000"/>
+                  </a:schemeClr>
+                </a:solidFill>
+              </a:defRPr>
+            </a:lvl5pPr>
+            <a:lvl6pPr marL="2286000" indent="0">
+              <a:buNone/>
+              <a:defRPr sz="1400">
+                <a:solidFill>
+                  <a:schemeClr val="tx1">
+                    <a:tint val="75000"/>
+                  </a:schemeClr>
+                </a:solidFill>
+              </a:defRPr>
+            </a:lvl6pPr>
+            <a:lvl7pPr marL="2743200" indent="0">
+              <a:buNone/>
+              <a:defRPr sz="1400">
+                <a:solidFill>
+                  <a:schemeClr val="tx1">
+                    <a:tint val="75000"/>
+                  </a:schemeClr>
+                </a:solidFill>
+              </a:defRPr>
+            </a:lvl7pPr>
+            <a:lvl8pPr marL="3200400" indent="0">
+              <a:buNone/>
+              <a:defRPr sz="1400">
+                <a:solidFill>
+                  <a:schemeClr val="tx1">
+                    <a:tint val="75000"/>
+                  </a:schemeClr>
+                </a:solidFill>
+              </a:defRPr>
+            </a:lvl8pPr>
+            <a:lvl9pPr marL="3657600" indent="0">
+              <a:buNone/>
+              <a:defRPr sz="1400">
+                <a:solidFill>
+                  <a:schemeClr val="tx1">
+                    <a:tint val="75000"/>
+                  </a:schemeClr>
+                </a:solidFill>
+              </a:defRPr>
+            </a:lvl9pPr>
+          </a:lstStyle>
+          <a:p>
+            <a:pPr lvl="0"/>
+            <a:r>
+              <a:rPr lang="pt-PT"/>
+              <a:t>Editar os estilos de texto do Modelo Global</a:t>
+            </a:r>
+          </a:p>
+        </p:txBody>
+      </p:sp>
+      <p:sp>
+        <p:nvSpPr>
+          <p:cNvPr id="4" name="Date Placeholder 3"/>
+          <p:cNvSpPr>
+            <a:spLocks noGrp="1"/>
+          </p:cNvSpPr>
+          <p:nvPr>
+            <p:ph type="dt" sz="half" idx="10"/>
+          </p:nvPr>
+        </p:nvSpPr>
+        <p:spPr/>
+        <p:txBody>
+          <a:bodyPr/>
+          <a:lstStyle/>
+          <a:p>
+            <a:fld id="{80BF842D-1605-46E4-8DA6-48CAB1706D79}" type="datetime1">
+              <a:rPr lang="pt-PT" noProof="0" smtClean="0"/>
+              <a:t>24/01/2019</a:t>
+            </a:fld>
+            <a:endParaRPr lang="pt-PT" noProof="0"/>
+          </a:p>
+        </p:txBody>
+      </p:sp>
+      <p:sp>
+        <p:nvSpPr>
+          <p:cNvPr id="5" name="Footer Placeholder 4"/>
+          <p:cNvSpPr>
+            <a:spLocks noGrp="1"/>
+          </p:cNvSpPr>
+          <p:nvPr>
+            <p:ph type="ftr" sz="quarter" idx="11"/>
+          </p:nvPr>
+        </p:nvSpPr>
+        <p:spPr/>
+        <p:txBody>
+          <a:bodyPr/>
+          <a:lstStyle/>
+          <a:p>
+            <a:r>
+              <a:rPr lang="pt-PT" noProof="0"/>
+              <a:t>Adicione um rodapé</a:t>
+            </a:r>
+          </a:p>
+        </p:txBody>
+      </p:sp>
+      <p:sp>
+        <p:nvSpPr>
+          <p:cNvPr id="6" name="Slide Number Placeholder 5"/>
+          <p:cNvSpPr>
+            <a:spLocks noGrp="1"/>
+          </p:cNvSpPr>
+          <p:nvPr>
+            <p:ph type="sldNum" sz="quarter" idx="12"/>
+          </p:nvPr>
+        </p:nvSpPr>
+        <p:spPr/>
+        <p:txBody>
+          <a:bodyPr/>
+          <a:lstStyle/>
+          <a:p>
+            <a:fld id="{401CF334-2D5C-4859-84A6-CA7E6E43FAEB}" type="slidenum">
+              <a:rPr lang="pt-PT" noProof="0" smtClean="0"/>
+              <a:pPr/>
+              <a:t>‹nº›</a:t>
+            </a:fld>
+            <a:endParaRPr lang="pt-PT" noProof="0"/>
+          </a:p>
+        </p:txBody>
+      </p:sp>
+    </p:spTree>
+    <p:extLst>
+      <p:ext uri="{BB962C8B-B14F-4D97-AF65-F5344CB8AC3E}">
+        <p14:creationId xmlns:p14="http://schemas.microsoft.com/office/powerpoint/2010/main" val="3973792150"/>
+      </p:ext>
+    </p:extLst>
+  </p:cSld>
+  <p:clrMapOvr>
+    <a:masterClrMapping/>
+  </p:clrMapOvr>
+  <p:hf sldNum="0" hdr="0" ftr="0" dt="0"/>
+</p:sldLayout>
+</file>
+
+<file path=ppt/slideLayouts/slideLayout13.xml><?xml version="1.0" encoding="utf-8"?>
+<p:sldLayout xmlns:a="http://schemas.openxmlformats.org/drawingml/2006/main" xmlns:r="http://schemas.openxmlformats.org/officeDocument/2006/relationships" xmlns:p="http://schemas.openxmlformats.org/presentationml/2006/main" preserve="1">
+  <p:cSld name="Cartão de Nome com Citação">
+    <p:spTree>
+      <p:nvGrpSpPr>
+        <p:cNvPr id="1" name=""/>
+        <p:cNvGrpSpPr/>
+        <p:nvPr/>
+      </p:nvGrpSpPr>
+      <p:grpSpPr>
+        <a:xfrm>
+          <a:off x="0" y="0"/>
+          <a:ext cx="0" cy="0"/>
+          <a:chOff x="0" y="0"/>
+          <a:chExt cx="0" cy="0"/>
+        </a:xfrm>
+      </p:grpSpPr>
+      <p:sp>
+        <p:nvSpPr>
+          <p:cNvPr id="2" name="Title 1"/>
+          <p:cNvSpPr>
+            <a:spLocks noGrp="1"/>
+          </p:cNvSpPr>
+          <p:nvPr>
+            <p:ph type="title"/>
+          </p:nvPr>
+        </p:nvSpPr>
+        <p:spPr>
+          <a:xfrm>
+            <a:off x="931334" y="609600"/>
+            <a:ext cx="8094134" cy="3022600"/>
+          </a:xfrm>
+        </p:spPr>
+        <p:txBody>
+          <a:bodyPr anchor="ctr">
+            <a:normAutofit/>
+          </a:bodyPr>
+          <a:lstStyle>
+            <a:lvl1pPr algn="l">
+              <a:defRPr sz="4400" b="0" cap="none"/>
+            </a:lvl1pPr>
+          </a:lstStyle>
+          <a:p>
+            <a:r>
+              <a:rPr lang="pt-PT"/>
+              <a:t>Clique para editar o estilo de título do Modelo Global</a:t>
+            </a:r>
+            <a:endParaRPr lang="en-US" dirty="0"/>
+          </a:p>
+        </p:txBody>
+      </p:sp>
+      <p:sp>
+        <p:nvSpPr>
+          <p:cNvPr id="23" name="Text Placeholder 9"/>
+          <p:cNvSpPr>
+            <a:spLocks noGrp="1"/>
+          </p:cNvSpPr>
+          <p:nvPr>
+            <p:ph type="body" sz="quarter" idx="13"/>
+          </p:nvPr>
+        </p:nvSpPr>
+        <p:spPr>
+          <a:xfrm>
+            <a:off x="677332" y="4013200"/>
+            <a:ext cx="8596669" cy="514248"/>
+          </a:xfrm>
+        </p:spPr>
+        <p:txBody>
+          <a:bodyPr anchor="b">
+            <a:noAutofit/>
+          </a:bodyPr>
+          <a:lstStyle>
+            <a:lvl1pPr marL="0" indent="0">
+              <a:buFontTx/>
+              <a:buNone/>
+              <a:defRPr sz="2400">
+                <a:solidFill>
+                  <a:schemeClr val="tx1">
+                    <a:lumMod val="75000"/>
+                    <a:lumOff val="25000"/>
+                  </a:schemeClr>
+                </a:solidFill>
+              </a:defRPr>
+            </a:lvl1pPr>
+            <a:lvl2pPr marL="457200" indent="0">
+              <a:buFontTx/>
+              <a:buNone/>
+              <a:defRPr/>
+            </a:lvl2pPr>
+            <a:lvl3pPr marL="914400" indent="0">
+              <a:buFontTx/>
+              <a:buNone/>
+              <a:defRPr/>
+            </a:lvl3pPr>
+            <a:lvl4pPr marL="1371600" indent="0">
+              <a:buFontTx/>
+              <a:buNone/>
+              <a:defRPr/>
+            </a:lvl4pPr>
+            <a:lvl5pPr marL="1828800" indent="0">
+              <a:buFontTx/>
+              <a:buNone/>
+              <a:defRPr/>
+            </a:lvl5pPr>
+          </a:lstStyle>
+          <a:p>
+            <a:pPr lvl="0"/>
+            <a:r>
+              <a:rPr lang="pt-PT"/>
+              <a:t>Editar os estilos de texto do Modelo Global</a:t>
+            </a:r>
+          </a:p>
+        </p:txBody>
+      </p:sp>
+      <p:sp>
+        <p:nvSpPr>
+          <p:cNvPr id="3" name="Text Placeholder 2"/>
+          <p:cNvSpPr>
+            <a:spLocks noGrp="1"/>
+          </p:cNvSpPr>
+          <p:nvPr>
+            <p:ph type="body" idx="1"/>
+          </p:nvPr>
+        </p:nvSpPr>
+        <p:spPr>
+          <a:xfrm>
+            <a:off x="677335" y="4527448"/>
+            <a:ext cx="8596668" cy="1513914"/>
+          </a:xfrm>
+        </p:spPr>
+        <p:txBody>
+          <a:bodyPr anchor="t">
+            <a:normAutofit/>
+          </a:bodyPr>
+          <a:lstStyle>
+            <a:lvl1pPr marL="0" indent="0" algn="l">
+              <a:buNone/>
+              <a:defRPr sz="1800">
+                <a:solidFill>
+                  <a:schemeClr val="tx1">
+                    <a:lumMod val="50000"/>
+                    <a:lumOff val="50000"/>
+                  </a:schemeClr>
+                </a:solidFill>
+              </a:defRPr>
+            </a:lvl1pPr>
+            <a:lvl2pPr marL="457200" indent="0">
+              <a:buNone/>
+              <a:defRPr sz="1800">
+                <a:solidFill>
+                  <a:schemeClr val="tx1">
+                    <a:tint val="75000"/>
+                  </a:schemeClr>
+                </a:solidFill>
+              </a:defRPr>
+            </a:lvl2pPr>
+            <a:lvl3pPr marL="914400" indent="0">
+              <a:buNone/>
+              <a:defRPr sz="1600">
+                <a:solidFill>
+                  <a:schemeClr val="tx1">
+                    <a:tint val="75000"/>
+                  </a:schemeClr>
+                </a:solidFill>
+              </a:defRPr>
+            </a:lvl3pPr>
+            <a:lvl4pPr marL="1371600" indent="0">
+              <a:buNone/>
+              <a:defRPr sz="1400">
+                <a:solidFill>
+                  <a:schemeClr val="tx1">
+                    <a:tint val="75000"/>
+                  </a:schemeClr>
+                </a:solidFill>
+              </a:defRPr>
+            </a:lvl4pPr>
+            <a:lvl5pPr marL="1828800" indent="0">
+              <a:buNone/>
+              <a:defRPr sz="1400">
+                <a:solidFill>
+                  <a:schemeClr val="tx1">
+                    <a:tint val="75000"/>
+                  </a:schemeClr>
+                </a:solidFill>
+              </a:defRPr>
+            </a:lvl5pPr>
+            <a:lvl6pPr marL="2286000" indent="0">
+              <a:buNone/>
+              <a:defRPr sz="1400">
+                <a:solidFill>
+                  <a:schemeClr val="tx1">
+                    <a:tint val="75000"/>
+                  </a:schemeClr>
+                </a:solidFill>
+              </a:defRPr>
+            </a:lvl6pPr>
+            <a:lvl7pPr marL="2743200" indent="0">
+              <a:buNone/>
+              <a:defRPr sz="1400">
+                <a:solidFill>
+                  <a:schemeClr val="tx1">
+                    <a:tint val="75000"/>
+                  </a:schemeClr>
+                </a:solidFill>
+              </a:defRPr>
+            </a:lvl7pPr>
+            <a:lvl8pPr marL="3200400" indent="0">
+              <a:buNone/>
+              <a:defRPr sz="1400">
+                <a:solidFill>
+                  <a:schemeClr val="tx1">
+                    <a:tint val="75000"/>
+                  </a:schemeClr>
+                </a:solidFill>
+              </a:defRPr>
+            </a:lvl8pPr>
+            <a:lvl9pPr marL="3657600" indent="0">
+              <a:buNone/>
+              <a:defRPr sz="1400">
+                <a:solidFill>
+                  <a:schemeClr val="tx1">
+                    <a:tint val="75000"/>
+                  </a:schemeClr>
+                </a:solidFill>
+              </a:defRPr>
+            </a:lvl9pPr>
+          </a:lstStyle>
+          <a:p>
+            <a:pPr lvl="0"/>
+            <a:r>
+              <a:rPr lang="pt-PT"/>
+              <a:t>Editar os estilos de texto do Modelo Global</a:t>
+            </a:r>
+          </a:p>
+        </p:txBody>
+      </p:sp>
+      <p:sp>
+        <p:nvSpPr>
+          <p:cNvPr id="4" name="Date Placeholder 3"/>
+          <p:cNvSpPr>
+            <a:spLocks noGrp="1"/>
+          </p:cNvSpPr>
+          <p:nvPr>
+            <p:ph type="dt" sz="half" idx="10"/>
+          </p:nvPr>
+        </p:nvSpPr>
+        <p:spPr/>
+        <p:txBody>
+          <a:bodyPr/>
+          <a:lstStyle/>
+          <a:p>
+            <a:fld id="{80BF842D-1605-46E4-8DA6-48CAB1706D79}" type="datetime1">
+              <a:rPr lang="pt-PT" noProof="0" smtClean="0"/>
+              <a:t>24/01/2019</a:t>
+            </a:fld>
+            <a:endParaRPr lang="pt-PT" noProof="0"/>
+          </a:p>
+        </p:txBody>
+      </p:sp>
+      <p:sp>
+        <p:nvSpPr>
+          <p:cNvPr id="5" name="Footer Placeholder 4"/>
+          <p:cNvSpPr>
+            <a:spLocks noGrp="1"/>
+          </p:cNvSpPr>
+          <p:nvPr>
+            <p:ph type="ftr" sz="quarter" idx="11"/>
+          </p:nvPr>
+        </p:nvSpPr>
+        <p:spPr/>
+        <p:txBody>
+          <a:bodyPr/>
+          <a:lstStyle/>
+          <a:p>
+            <a:r>
+              <a:rPr lang="pt-PT" noProof="0"/>
+              <a:t>Adicione um rodapé</a:t>
+            </a:r>
+          </a:p>
+        </p:txBody>
+      </p:sp>
+      <p:sp>
+        <p:nvSpPr>
+          <p:cNvPr id="6" name="Slide Number Placeholder 5"/>
+          <p:cNvSpPr>
+            <a:spLocks noGrp="1"/>
+          </p:cNvSpPr>
+          <p:nvPr>
+            <p:ph type="sldNum" sz="quarter" idx="12"/>
+          </p:nvPr>
+        </p:nvSpPr>
+        <p:spPr/>
+        <p:txBody>
+          <a:bodyPr/>
+          <a:lstStyle/>
+          <a:p>
+            <a:fld id="{401CF334-2D5C-4859-84A6-CA7E6E43FAEB}" type="slidenum">
+              <a:rPr lang="pt-PT" noProof="0" smtClean="0"/>
+              <a:pPr/>
+              <a:t>‹nº›</a:t>
+            </a:fld>
+            <a:endParaRPr lang="pt-PT" noProof="0"/>
+          </a:p>
+        </p:txBody>
+      </p:sp>
+      <p:sp>
+        <p:nvSpPr>
+          <p:cNvPr id="24" name="TextBox 23"/>
+          <p:cNvSpPr txBox="1"/>
+          <p:nvPr/>
+        </p:nvSpPr>
+        <p:spPr>
+          <a:xfrm>
+            <a:off x="541870" y="790378"/>
+            <a:ext cx="609600" cy="584776"/>
+          </a:xfrm>
+          <a:prstGeom prst="rect">
+            <a:avLst/>
+          </a:prstGeom>
+        </p:spPr>
+        <p:txBody>
+          <a:bodyPr vert="horz" lIns="91440" tIns="45720" rIns="91440" bIns="45720" rtlCol="0" anchor="ctr">
+            <a:noAutofit/>
+          </a:bodyPr>
+          <a:lstStyle/>
+          <a:p>
+            <a:pPr lvl="0"/>
+            <a:r>
+              <a:rPr lang="en-US" sz="8000" baseline="0" dirty="0">
+                <a:ln w="3175" cmpd="sng">
+                  <a:noFill/>
+                </a:ln>
+                <a:solidFill>
+                  <a:schemeClr val="accent1">
+                    <a:lumMod val="60000"/>
+                    <a:lumOff val="40000"/>
+                  </a:schemeClr>
+                </a:solidFill>
+                <a:effectLst/>
+                <a:latin typeface="Arial"/>
+              </a:rPr>
+              <a:t>“</a:t>
+            </a:r>
+          </a:p>
+        </p:txBody>
+      </p:sp>
+      <p:sp>
+        <p:nvSpPr>
+          <p:cNvPr id="25" name="TextBox 24"/>
+          <p:cNvSpPr txBox="1"/>
+          <p:nvPr/>
+        </p:nvSpPr>
+        <p:spPr>
+          <a:xfrm>
+            <a:off x="8893011" y="2886556"/>
+            <a:ext cx="609600" cy="584776"/>
+          </a:xfrm>
+          <a:prstGeom prst="rect">
+            <a:avLst/>
+          </a:prstGeom>
+        </p:spPr>
+        <p:txBody>
+          <a:bodyPr vert="horz" lIns="91440" tIns="45720" rIns="91440" bIns="45720" rtlCol="0" anchor="ctr">
+            <a:noAutofit/>
+          </a:bodyPr>
+          <a:lstStyle/>
+          <a:p>
+            <a:pPr lvl="0"/>
+            <a:r>
+              <a:rPr lang="en-US" sz="8000" baseline="0" dirty="0">
+                <a:ln w="3175" cmpd="sng">
+                  <a:noFill/>
+                </a:ln>
+                <a:solidFill>
+                  <a:schemeClr val="accent1">
+                    <a:lumMod val="60000"/>
+                    <a:lumOff val="40000"/>
+                  </a:schemeClr>
+                </a:solidFill>
+                <a:effectLst/>
+                <a:latin typeface="Arial"/>
+              </a:rPr>
+              <a:t>”</a:t>
+            </a:r>
+          </a:p>
+        </p:txBody>
+      </p:sp>
+    </p:spTree>
+    <p:extLst>
+      <p:ext uri="{BB962C8B-B14F-4D97-AF65-F5344CB8AC3E}">
+        <p14:creationId xmlns:p14="http://schemas.microsoft.com/office/powerpoint/2010/main" val="3788719120"/>
+      </p:ext>
+    </p:extLst>
+  </p:cSld>
+  <p:clrMapOvr>
+    <a:masterClrMapping/>
+  </p:clrMapOvr>
+  <p:hf sldNum="0" hdr="0" ftr="0" dt="0"/>
+</p:sldLayout>
+</file>
+
+<file path=ppt/slideLayouts/slideLayout14.xml><?xml version="1.0" encoding="utf-8"?>
+<p:sldLayout xmlns:a="http://schemas.openxmlformats.org/drawingml/2006/main" xmlns:r="http://schemas.openxmlformats.org/officeDocument/2006/relationships" xmlns:p="http://schemas.openxmlformats.org/presentationml/2006/main" preserve="1">
+  <p:cSld name="Verdadeiro ou Falso">
+    <p:spTree>
+      <p:nvGrpSpPr>
+        <p:cNvPr id="1" name=""/>
+        <p:cNvGrpSpPr/>
+        <p:nvPr/>
+      </p:nvGrpSpPr>
+      <p:grpSpPr>
+        <a:xfrm>
+          <a:off x="0" y="0"/>
+          <a:ext cx="0" cy="0"/>
+          <a:chOff x="0" y="0"/>
+          <a:chExt cx="0" cy="0"/>
+        </a:xfrm>
+      </p:grpSpPr>
+      <p:sp>
+        <p:nvSpPr>
+          <p:cNvPr id="2" name="Title 1"/>
+          <p:cNvSpPr>
+            <a:spLocks noGrp="1"/>
+          </p:cNvSpPr>
+          <p:nvPr>
+            <p:ph type="title"/>
+          </p:nvPr>
+        </p:nvSpPr>
+        <p:spPr>
+          <a:xfrm>
+            <a:off x="685799" y="609600"/>
+            <a:ext cx="8588203" cy="3022600"/>
+          </a:xfrm>
+        </p:spPr>
+        <p:txBody>
+          <a:bodyPr anchor="ctr">
+            <a:normAutofit/>
+          </a:bodyPr>
+          <a:lstStyle>
+            <a:lvl1pPr algn="l">
+              <a:defRPr sz="4400" b="0" cap="none"/>
+            </a:lvl1pPr>
+          </a:lstStyle>
+          <a:p>
+            <a:r>
+              <a:rPr lang="pt-PT"/>
+              <a:t>Clique para editar o estilo de título do Modelo Global</a:t>
+            </a:r>
+            <a:endParaRPr lang="en-US" dirty="0"/>
+          </a:p>
+        </p:txBody>
+      </p:sp>
+      <p:sp>
+        <p:nvSpPr>
+          <p:cNvPr id="23" name="Text Placeholder 9"/>
+          <p:cNvSpPr>
+            <a:spLocks noGrp="1"/>
+          </p:cNvSpPr>
+          <p:nvPr>
+            <p:ph type="body" sz="quarter" idx="13"/>
+          </p:nvPr>
+        </p:nvSpPr>
+        <p:spPr>
+          <a:xfrm>
+            <a:off x="677332" y="4013200"/>
+            <a:ext cx="8596669" cy="514248"/>
+          </a:xfrm>
+        </p:spPr>
+        <p:txBody>
+          <a:bodyPr anchor="b">
+            <a:noAutofit/>
+          </a:bodyPr>
+          <a:lstStyle>
+            <a:lvl1pPr marL="0" indent="0">
+              <a:buFontTx/>
+              <a:buNone/>
+              <a:defRPr sz="2400">
+                <a:solidFill>
+                  <a:schemeClr val="accent1"/>
+                </a:solidFill>
+              </a:defRPr>
+            </a:lvl1pPr>
+            <a:lvl2pPr marL="457200" indent="0">
+              <a:buFontTx/>
+              <a:buNone/>
+              <a:defRPr/>
+            </a:lvl2pPr>
+            <a:lvl3pPr marL="914400" indent="0">
+              <a:buFontTx/>
+              <a:buNone/>
+              <a:defRPr/>
+            </a:lvl3pPr>
+            <a:lvl4pPr marL="1371600" indent="0">
+              <a:buFontTx/>
+              <a:buNone/>
+              <a:defRPr/>
+            </a:lvl4pPr>
+            <a:lvl5pPr marL="1828800" indent="0">
+              <a:buFontTx/>
+              <a:buNone/>
+              <a:defRPr/>
+            </a:lvl5pPr>
+          </a:lstStyle>
+          <a:p>
+            <a:pPr lvl="0"/>
+            <a:r>
+              <a:rPr lang="pt-PT"/>
+              <a:t>Editar os estilos de texto do Modelo Global</a:t>
+            </a:r>
+          </a:p>
+        </p:txBody>
+      </p:sp>
+      <p:sp>
+        <p:nvSpPr>
+          <p:cNvPr id="3" name="Text Placeholder 2"/>
+          <p:cNvSpPr>
+            <a:spLocks noGrp="1"/>
+          </p:cNvSpPr>
+          <p:nvPr>
+            <p:ph type="body" idx="1"/>
+          </p:nvPr>
+        </p:nvSpPr>
+        <p:spPr>
+          <a:xfrm>
+            <a:off x="677335" y="4527448"/>
+            <a:ext cx="8596668" cy="1513914"/>
+          </a:xfrm>
+        </p:spPr>
+        <p:txBody>
+          <a:bodyPr anchor="t">
+            <a:normAutofit/>
+          </a:bodyPr>
+          <a:lstStyle>
+            <a:lvl1pPr marL="0" indent="0" algn="l">
+              <a:buNone/>
+              <a:defRPr sz="1800">
+                <a:solidFill>
+                  <a:schemeClr val="tx1">
+                    <a:lumMod val="50000"/>
+                    <a:lumOff val="50000"/>
+                  </a:schemeClr>
+                </a:solidFill>
+              </a:defRPr>
+            </a:lvl1pPr>
+            <a:lvl2pPr marL="457200" indent="0">
+              <a:buNone/>
+              <a:defRPr sz="1800">
+                <a:solidFill>
+                  <a:schemeClr val="tx1">
+                    <a:tint val="75000"/>
+                  </a:schemeClr>
+                </a:solidFill>
+              </a:defRPr>
+            </a:lvl2pPr>
+            <a:lvl3pPr marL="914400" indent="0">
+              <a:buNone/>
+              <a:defRPr sz="1600">
+                <a:solidFill>
+                  <a:schemeClr val="tx1">
+                    <a:tint val="75000"/>
+                  </a:schemeClr>
+                </a:solidFill>
+              </a:defRPr>
+            </a:lvl3pPr>
+            <a:lvl4pPr marL="1371600" indent="0">
+              <a:buNone/>
+              <a:defRPr sz="1400">
+                <a:solidFill>
+                  <a:schemeClr val="tx1">
+                    <a:tint val="75000"/>
+                  </a:schemeClr>
+                </a:solidFill>
+              </a:defRPr>
+            </a:lvl4pPr>
+            <a:lvl5pPr marL="1828800" indent="0">
+              <a:buNone/>
+              <a:defRPr sz="1400">
+                <a:solidFill>
+                  <a:schemeClr val="tx1">
+                    <a:tint val="75000"/>
+                  </a:schemeClr>
+                </a:solidFill>
+              </a:defRPr>
+            </a:lvl5pPr>
+            <a:lvl6pPr marL="2286000" indent="0">
+              <a:buNone/>
+              <a:defRPr sz="1400">
+                <a:solidFill>
+                  <a:schemeClr val="tx1">
+                    <a:tint val="75000"/>
+                  </a:schemeClr>
+                </a:solidFill>
+              </a:defRPr>
+            </a:lvl6pPr>
+            <a:lvl7pPr marL="2743200" indent="0">
+              <a:buNone/>
+              <a:defRPr sz="1400">
+                <a:solidFill>
+                  <a:schemeClr val="tx1">
+                    <a:tint val="75000"/>
+                  </a:schemeClr>
+                </a:solidFill>
+              </a:defRPr>
+            </a:lvl7pPr>
+            <a:lvl8pPr marL="3200400" indent="0">
+              <a:buNone/>
+              <a:defRPr sz="1400">
+                <a:solidFill>
+                  <a:schemeClr val="tx1">
+                    <a:tint val="75000"/>
+                  </a:schemeClr>
+                </a:solidFill>
+              </a:defRPr>
+            </a:lvl8pPr>
+            <a:lvl9pPr marL="3657600" indent="0">
+              <a:buNone/>
+              <a:defRPr sz="1400">
+                <a:solidFill>
+                  <a:schemeClr val="tx1">
+                    <a:tint val="75000"/>
+                  </a:schemeClr>
+                </a:solidFill>
+              </a:defRPr>
+            </a:lvl9pPr>
+          </a:lstStyle>
+          <a:p>
+            <a:pPr lvl="0"/>
+            <a:r>
+              <a:rPr lang="pt-PT"/>
+              <a:t>Editar os estilos de texto do Modelo Global</a:t>
+            </a:r>
+          </a:p>
+        </p:txBody>
+      </p:sp>
+      <p:sp>
+        <p:nvSpPr>
+          <p:cNvPr id="4" name="Date Placeholder 3"/>
+          <p:cNvSpPr>
+            <a:spLocks noGrp="1"/>
+          </p:cNvSpPr>
+          <p:nvPr>
+            <p:ph type="dt" sz="half" idx="10"/>
+          </p:nvPr>
+        </p:nvSpPr>
+        <p:spPr/>
+        <p:txBody>
+          <a:bodyPr/>
+          <a:lstStyle/>
+          <a:p>
+            <a:fld id="{80BF842D-1605-46E4-8DA6-48CAB1706D79}" type="datetime1">
+              <a:rPr lang="pt-PT" noProof="0" smtClean="0"/>
+              <a:t>24/01/2019</a:t>
+            </a:fld>
+            <a:endParaRPr lang="pt-PT" noProof="0"/>
+          </a:p>
+        </p:txBody>
+      </p:sp>
+      <p:sp>
+        <p:nvSpPr>
+          <p:cNvPr id="5" name="Footer Placeholder 4"/>
+          <p:cNvSpPr>
+            <a:spLocks noGrp="1"/>
+          </p:cNvSpPr>
+          <p:nvPr>
+            <p:ph type="ftr" sz="quarter" idx="11"/>
+          </p:nvPr>
+        </p:nvSpPr>
+        <p:spPr/>
+        <p:txBody>
+          <a:bodyPr/>
+          <a:lstStyle/>
+          <a:p>
+            <a:r>
+              <a:rPr lang="pt-PT" noProof="0"/>
+              <a:t>Adicione um rodapé</a:t>
+            </a:r>
+          </a:p>
+        </p:txBody>
+      </p:sp>
+      <p:sp>
+        <p:nvSpPr>
+          <p:cNvPr id="6" name="Slide Number Placeholder 5"/>
+          <p:cNvSpPr>
+            <a:spLocks noGrp="1"/>
+          </p:cNvSpPr>
+          <p:nvPr>
+            <p:ph type="sldNum" sz="quarter" idx="12"/>
+          </p:nvPr>
+        </p:nvSpPr>
+        <p:spPr/>
+        <p:txBody>
+          <a:bodyPr/>
+          <a:lstStyle/>
+          <a:p>
+            <a:fld id="{401CF334-2D5C-4859-84A6-CA7E6E43FAEB}" type="slidenum">
+              <a:rPr lang="pt-PT" noProof="0" smtClean="0"/>
+              <a:pPr/>
+              <a:t>‹nº›</a:t>
+            </a:fld>
+            <a:endParaRPr lang="pt-PT" noProof="0"/>
+          </a:p>
+        </p:txBody>
+      </p:sp>
+    </p:spTree>
+    <p:extLst>
+      <p:ext uri="{BB962C8B-B14F-4D97-AF65-F5344CB8AC3E}">
+        <p14:creationId xmlns:p14="http://schemas.microsoft.com/office/powerpoint/2010/main" val="1340733346"/>
+      </p:ext>
+    </p:extLst>
+  </p:cSld>
+  <p:clrMapOvr>
+    <a:masterClrMapping/>
+  </p:clrMapOvr>
+  <p:hf sldNum="0" hdr="0" ftr="0" dt="0"/>
+</p:sldLayout>
+</file>
+
+<file path=ppt/slideLayouts/slideLayout15.xml><?xml version="1.0" encoding="utf-8"?>
 <p:sldLayout xmlns:a="http://schemas.openxmlformats.org/drawingml/2006/main" xmlns:r="http://schemas.openxmlformats.org/officeDocument/2006/relationships" xmlns:p="http://schemas.openxmlformats.org/presentationml/2006/main" type="vertTx" preserve="1">
   <p:cSld name="Título e Texto Vertical">
     <p:spTree>
@@ -1323,159 +3467,93 @@
       </p:grpSpPr>
       <p:sp>
         <p:nvSpPr>
-          <p:cNvPr id="2" name="Título 1"/>
-          <p:cNvSpPr>
-            <a:spLocks noGrp="1"/>
-          </p:cNvSpPr>
-          <p:nvPr>
-            <p:ph type="title" hasCustomPrompt="1"/>
+          <p:cNvPr id="2" name="Title 1"/>
+          <p:cNvSpPr>
+            <a:spLocks noGrp="1"/>
+          </p:cNvSpPr>
+          <p:nvPr>
+            <p:ph type="title"/>
           </p:nvPr>
         </p:nvSpPr>
         <p:spPr/>
         <p:txBody>
-          <a:bodyPr rtlCol="0"/>
-          <a:lstStyle>
-            <a:lvl1pPr>
-              <a:defRPr>
-                <a:effectLst/>
-                <a:latin typeface="Century Gothic" panose="020B0502020202020204" pitchFamily="34" charset="0"/>
-              </a:defRPr>
-            </a:lvl1pPr>
-          </a:lstStyle>
-          <a:p>
-            <a:pPr rtl="0"/>
-            <a:r>
-              <a:rPr lang="pt-PT" noProof="0"/>
-              <a:t>Clique para editar o estilo do título do Modelo Global</a:t>
-            </a:r>
-          </a:p>
-        </p:txBody>
-      </p:sp>
-      <p:sp>
-        <p:nvSpPr>
-          <p:cNvPr id="3" name="Marcador de Posição de Texto Vertical 2"/>
-          <p:cNvSpPr>
-            <a:spLocks noGrp="1"/>
-          </p:cNvSpPr>
-          <p:nvPr>
-            <p:ph type="body" orient="vert" idx="1" hasCustomPrompt="1"/>
+          <a:bodyPr/>
+          <a:lstStyle/>
+          <a:p>
+            <a:r>
+              <a:rPr lang="pt-PT"/>
+              <a:t>Clique para editar o estilo de título do Modelo Global</a:t>
+            </a:r>
+            <a:endParaRPr lang="en-US" dirty="0"/>
+          </a:p>
+        </p:txBody>
+      </p:sp>
+      <p:sp>
+        <p:nvSpPr>
+          <p:cNvPr id="3" name="Vertical Text Placeholder 2"/>
+          <p:cNvSpPr>
+            <a:spLocks noGrp="1"/>
+          </p:cNvSpPr>
+          <p:nvPr>
+            <p:ph type="body" orient="vert" idx="1"/>
           </p:nvPr>
         </p:nvSpPr>
         <p:spPr/>
         <p:txBody>
-          <a:bodyPr vert="eaVert" rtlCol="0"/>
-          <a:lstStyle>
-            <a:lvl1pPr>
-              <a:defRPr>
-                <a:latin typeface="Palatino Linotype" panose="02040502050505030304" pitchFamily="18" charset="0"/>
-              </a:defRPr>
-            </a:lvl1pPr>
-            <a:lvl2pPr>
-              <a:defRPr>
-                <a:latin typeface="Palatino Linotype" panose="02040502050505030304" pitchFamily="18" charset="0"/>
-              </a:defRPr>
-            </a:lvl2pPr>
-            <a:lvl3pPr>
-              <a:defRPr>
-                <a:latin typeface="Palatino Linotype" panose="02040502050505030304" pitchFamily="18" charset="0"/>
-              </a:defRPr>
-            </a:lvl3pPr>
-            <a:lvl4pPr>
-              <a:defRPr>
-                <a:latin typeface="Palatino Linotype" panose="02040502050505030304" pitchFamily="18" charset="0"/>
-              </a:defRPr>
-            </a:lvl4pPr>
-            <a:lvl5pPr>
-              <a:defRPr>
-                <a:latin typeface="Palatino Linotype" panose="02040502050505030304" pitchFamily="18" charset="0"/>
-              </a:defRPr>
-            </a:lvl5pPr>
-          </a:lstStyle>
-          <a:p>
-            <a:pPr lvl="0" rtl="0"/>
-            <a:r>
-              <a:rPr lang="pt-PT" noProof="0"/>
-              <a:t>Clique para editar os estilos de texto do Modelo Global</a:t>
-            </a:r>
-          </a:p>
-          <a:p>
-            <a:pPr lvl="1" rtl="0"/>
-            <a:r>
-              <a:rPr lang="pt-PT" noProof="0"/>
+          <a:bodyPr vert="eaVert"/>
+          <a:lstStyle/>
+          <a:p>
+            <a:pPr lvl="0"/>
+            <a:r>
+              <a:rPr lang="pt-PT"/>
+              <a:t>Editar os estilos de texto do Modelo Global</a:t>
+            </a:r>
+          </a:p>
+          <a:p>
+            <a:pPr lvl="1"/>
+            <a:r>
+              <a:rPr lang="pt-PT"/>
               <a:t>Segundo nível</a:t>
             </a:r>
           </a:p>
           <a:p>
-            <a:pPr lvl="2" rtl="0"/>
-            <a:r>
-              <a:rPr lang="pt-PT" noProof="0"/>
+            <a:pPr lvl="2"/>
+            <a:r>
+              <a:rPr lang="pt-PT"/>
               <a:t>Terceiro nível</a:t>
             </a:r>
           </a:p>
           <a:p>
-            <a:pPr lvl="3" rtl="0"/>
-            <a:r>
-              <a:rPr lang="pt-PT" noProof="0"/>
+            <a:pPr lvl="3"/>
+            <a:r>
+              <a:rPr lang="pt-PT"/>
               <a:t>Quarto nível</a:t>
             </a:r>
           </a:p>
           <a:p>
-            <a:pPr lvl="4" rtl="0"/>
-            <a:r>
-              <a:rPr lang="pt-PT" noProof="0"/>
+            <a:pPr lvl="4"/>
+            <a:r>
+              <a:rPr lang="pt-PT"/>
               <a:t>Quinto nível</a:t>
             </a:r>
-          </a:p>
-        </p:txBody>
-      </p:sp>
-      <p:sp>
-        <p:nvSpPr>
-          <p:cNvPr id="5" name="Marcador de Posição do Rodapé 4"/>
-          <p:cNvSpPr>
-            <a:spLocks noGrp="1"/>
-          </p:cNvSpPr>
-          <p:nvPr>
-            <p:ph type="ftr" sz="quarter" idx="11"/>
+            <a:endParaRPr lang="en-US" dirty="0"/>
+          </a:p>
+        </p:txBody>
+      </p:sp>
+      <p:sp>
+        <p:nvSpPr>
+          <p:cNvPr id="4" name="Date Placeholder 3"/>
+          <p:cNvSpPr>
+            <a:spLocks noGrp="1"/>
+          </p:cNvSpPr>
+          <p:nvPr>
+            <p:ph type="dt" sz="half" idx="10"/>
           </p:nvPr>
         </p:nvSpPr>
         <p:spPr/>
         <p:txBody>
-          <a:bodyPr rtlCol="0"/>
-          <a:lstStyle>
-            <a:lvl1pPr>
-              <a:defRPr>
-                <a:latin typeface="Century Gothic" panose="020B0502020202020204" pitchFamily="34" charset="0"/>
-              </a:defRPr>
-            </a:lvl1pPr>
-          </a:lstStyle>
-          <a:p>
-            <a:r>
-              <a:rPr lang="pt-PT" noProof="0"/>
-              <a:t>Adicione um rodapé</a:t>
-            </a:r>
-          </a:p>
-        </p:txBody>
-      </p:sp>
-      <p:sp>
-        <p:nvSpPr>
-          <p:cNvPr id="4" name="Marcador de Posição da Data 3"/>
-          <p:cNvSpPr>
-            <a:spLocks noGrp="1"/>
-          </p:cNvSpPr>
-          <p:nvPr>
-            <p:ph type="dt" sz="half" idx="10"/>
-          </p:nvPr>
-        </p:nvSpPr>
-        <p:spPr/>
-        <p:txBody>
-          <a:bodyPr rtlCol="0"/>
-          <a:lstStyle>
-            <a:lvl1pPr>
-              <a:defRPr>
-                <a:latin typeface="Century Gothic" panose="020B0502020202020204" pitchFamily="34" charset="0"/>
-              </a:defRPr>
-            </a:lvl1pPr>
-          </a:lstStyle>
+          <a:bodyPr/>
+          <a:lstStyle/>
           <a:p>
             <a:fld id="{FB1B8416-5A18-4ACA-AFEF-1D5B7600BCB9}" type="datetime1">
               <a:rPr lang="pt-PT" noProof="0" smtClean="0"/>
@@ -1487,7 +3565,29 @@
       </p:sp>
       <p:sp>
         <p:nvSpPr>
-          <p:cNvPr id="6" name="Marcador de Posição do Número do Diapositivo 5"/>
+          <p:cNvPr id="5" name="Footer Placeholder 4"/>
+          <p:cNvSpPr>
+            <a:spLocks noGrp="1"/>
+          </p:cNvSpPr>
+          <p:nvPr>
+            <p:ph type="ftr" sz="quarter" idx="11"/>
+          </p:nvPr>
+        </p:nvSpPr>
+        <p:spPr/>
+        <p:txBody>
+          <a:bodyPr/>
+          <a:lstStyle/>
+          <a:p>
+            <a:r>
+              <a:rPr lang="pt-PT" noProof="0"/>
+              <a:t>Adicione um rodapé</a:t>
+            </a:r>
+          </a:p>
+        </p:txBody>
+      </p:sp>
+      <p:sp>
+        <p:nvSpPr>
+          <p:cNvPr id="6" name="Slide Number Placeholder 5"/>
           <p:cNvSpPr>
             <a:spLocks noGrp="1"/>
           </p:cNvSpPr>
@@ -1497,14 +3597,8 @@
         </p:nvSpPr>
         <p:spPr/>
         <p:txBody>
-          <a:bodyPr rtlCol="0"/>
-          <a:lstStyle>
-            <a:lvl1pPr>
-              <a:defRPr>
-                <a:latin typeface="Century Gothic" panose="020B0502020202020204" pitchFamily="34" charset="0"/>
-              </a:defRPr>
-            </a:lvl1pPr>
-          </a:lstStyle>
+          <a:bodyPr/>
+          <a:lstStyle/>
           <a:p>
             <a:fld id="{401CF334-2D5C-4859-84A6-CA7E6E43FAEB}" type="slidenum">
               <a:rPr lang="pt-PT" noProof="0" smtClean="0"/>
@@ -1518,7 +3612,7 @@
     </p:spTree>
     <p:extLst>
       <p:ext uri="{BB962C8B-B14F-4D97-AF65-F5344CB8AC3E}">
-        <p14:creationId xmlns:p14="http://schemas.microsoft.com/office/powerpoint/2010/main" val="4172995853"/>
+        <p14:creationId xmlns:p14="http://schemas.microsoft.com/office/powerpoint/2010/main" val="3494673762"/>
       </p:ext>
     </p:extLst>
   </p:cSld>
@@ -1540,9 +3634,9 @@
 </p:sldLayout>
 </file>
 
-<file path=ppt/slideLayouts/slideLayout11.xml><?xml version="1.0" encoding="utf-8"?>
+<file path=ppt/slideLayouts/slideLayout16.xml><?xml version="1.0" encoding="utf-8"?>
 <p:sldLayout xmlns:a="http://schemas.openxmlformats.org/drawingml/2006/main" xmlns:r="http://schemas.openxmlformats.org/officeDocument/2006/relationships" xmlns:p="http://schemas.openxmlformats.org/presentationml/2006/main" type="vertTitleAndTx" preserve="1">
-  <p:cSld name="Título e Texto Vertical">
+  <p:cSld name="Título Vertical e Texto">
     <p:spTree>
       <p:nvGrpSpPr>
         <p:cNvPr id="1" name=""/>
@@ -1559,171 +3653,105 @@
       </p:grpSpPr>
       <p:sp>
         <p:nvSpPr>
-          <p:cNvPr id="2" name="Título Vertical 1"/>
-          <p:cNvSpPr>
-            <a:spLocks noGrp="1"/>
-          </p:cNvSpPr>
-          <p:nvPr>
-            <p:ph type="title" orient="vert" hasCustomPrompt="1"/>
+          <p:cNvPr id="2" name="Vertical Title 1"/>
+          <p:cNvSpPr>
+            <a:spLocks noGrp="1"/>
+          </p:cNvSpPr>
+          <p:nvPr>
+            <p:ph type="title" orient="vert"/>
           </p:nvPr>
         </p:nvSpPr>
         <p:spPr>
           <a:xfrm>
-            <a:off x="8839200" y="274639"/>
-            <a:ext cx="2743200" cy="5851525"/>
+            <a:off x="7967673" y="609599"/>
+            <a:ext cx="1304743" cy="5251451"/>
           </a:xfrm>
         </p:spPr>
         <p:txBody>
-          <a:bodyPr vert="eaVert" rtlCol="0"/>
-          <a:lstStyle>
-            <a:lvl1pPr>
-              <a:defRPr>
-                <a:effectLst/>
-                <a:latin typeface="Century Gothic" panose="020B0502020202020204" pitchFamily="34" charset="0"/>
-              </a:defRPr>
-            </a:lvl1pPr>
-          </a:lstStyle>
-          <a:p>
-            <a:pPr rtl="0"/>
-            <a:r>
-              <a:rPr lang="pt-PT" noProof="0"/>
-              <a:t>Clique para editar o estilo do título do Modelo Global</a:t>
-            </a:r>
-          </a:p>
-        </p:txBody>
-      </p:sp>
-      <p:sp>
-        <p:nvSpPr>
-          <p:cNvPr id="3" name="Marcador de Posição de Texto Vertical 2"/>
-          <p:cNvSpPr>
-            <a:spLocks noGrp="1"/>
-          </p:cNvSpPr>
-          <p:nvPr>
-            <p:ph type="body" orient="vert" idx="1" hasCustomPrompt="1"/>
+          <a:bodyPr vert="eaVert" anchor="ctr"/>
+          <a:lstStyle/>
+          <a:p>
+            <a:r>
+              <a:rPr lang="pt-PT"/>
+              <a:t>Clique para editar o estilo de título do Modelo Global</a:t>
+            </a:r>
+            <a:endParaRPr lang="en-US" dirty="0"/>
+          </a:p>
+        </p:txBody>
+      </p:sp>
+      <p:sp>
+        <p:nvSpPr>
+          <p:cNvPr id="3" name="Vertical Text Placeholder 2"/>
+          <p:cNvSpPr>
+            <a:spLocks noGrp="1"/>
+          </p:cNvSpPr>
+          <p:nvPr>
+            <p:ph type="body" orient="vert" idx="1"/>
           </p:nvPr>
         </p:nvSpPr>
         <p:spPr>
           <a:xfrm>
-            <a:off x="609600" y="274639"/>
-            <a:ext cx="8026400" cy="5851525"/>
+            <a:off x="677335" y="609600"/>
+            <a:ext cx="7060150" cy="5251450"/>
           </a:xfrm>
         </p:spPr>
         <p:txBody>
-          <a:bodyPr vert="eaVert" rtlCol="0"/>
-          <a:lstStyle>
-            <a:lvl1pPr>
-              <a:defRPr>
-                <a:latin typeface="Palatino Linotype" panose="02040502050505030304" pitchFamily="18" charset="0"/>
-              </a:defRPr>
-            </a:lvl1pPr>
-            <a:lvl2pPr>
-              <a:defRPr>
-                <a:latin typeface="Palatino Linotype" panose="02040502050505030304" pitchFamily="18" charset="0"/>
-              </a:defRPr>
-            </a:lvl2pPr>
-            <a:lvl3pPr>
-              <a:defRPr>
-                <a:latin typeface="Palatino Linotype" panose="02040502050505030304" pitchFamily="18" charset="0"/>
-              </a:defRPr>
-            </a:lvl3pPr>
-            <a:lvl4pPr>
-              <a:defRPr>
-                <a:latin typeface="Palatino Linotype" panose="02040502050505030304" pitchFamily="18" charset="0"/>
-              </a:defRPr>
-            </a:lvl4pPr>
-            <a:lvl5pPr>
-              <a:defRPr>
-                <a:latin typeface="Palatino Linotype" panose="02040502050505030304" pitchFamily="18" charset="0"/>
-              </a:defRPr>
-            </a:lvl5pPr>
-          </a:lstStyle>
-          <a:p>
-            <a:pPr lvl="0" rtl="0"/>
-            <a:r>
-              <a:rPr lang="pt-PT" noProof="0"/>
-              <a:t>Clique para editar os estilos de texto do Modelo Global</a:t>
-            </a:r>
-          </a:p>
-          <a:p>
-            <a:pPr lvl="1" rtl="0"/>
-            <a:r>
-              <a:rPr lang="pt-PT" noProof="0"/>
+          <a:bodyPr vert="eaVert"/>
+          <a:lstStyle/>
+          <a:p>
+            <a:pPr lvl="0"/>
+            <a:r>
+              <a:rPr lang="pt-PT"/>
+              <a:t>Editar os estilos de texto do Modelo Global</a:t>
+            </a:r>
+          </a:p>
+          <a:p>
+            <a:pPr lvl="1"/>
+            <a:r>
+              <a:rPr lang="pt-PT"/>
               <a:t>Segundo nível</a:t>
             </a:r>
           </a:p>
           <a:p>
-            <a:pPr lvl="2" rtl="0"/>
-            <a:r>
-              <a:rPr lang="pt-PT" noProof="0"/>
+            <a:pPr lvl="2"/>
+            <a:r>
+              <a:rPr lang="pt-PT"/>
               <a:t>Terceiro nível</a:t>
             </a:r>
           </a:p>
           <a:p>
-            <a:pPr lvl="3" rtl="0"/>
-            <a:r>
-              <a:rPr lang="pt-PT" noProof="0"/>
+            <a:pPr lvl="3"/>
+            <a:r>
+              <a:rPr lang="pt-PT"/>
               <a:t>Quarto nível</a:t>
             </a:r>
           </a:p>
           <a:p>
-            <a:pPr lvl="4" rtl="0"/>
-            <a:r>
-              <a:rPr lang="pt-PT" noProof="0"/>
+            <a:pPr lvl="4"/>
+            <a:r>
+              <a:rPr lang="pt-PT"/>
               <a:t>Quinto nível</a:t>
             </a:r>
-          </a:p>
-        </p:txBody>
-      </p:sp>
-      <p:sp>
-        <p:nvSpPr>
-          <p:cNvPr id="5" name="Marcador de Posição do Rodapé 4"/>
-          <p:cNvSpPr>
-            <a:spLocks noGrp="1"/>
-          </p:cNvSpPr>
-          <p:nvPr>
-            <p:ph type="ftr" sz="quarter" idx="11"/>
+            <a:endParaRPr lang="en-US" dirty="0"/>
+          </a:p>
+        </p:txBody>
+      </p:sp>
+      <p:sp>
+        <p:nvSpPr>
+          <p:cNvPr id="4" name="Date Placeholder 3"/>
+          <p:cNvSpPr>
+            <a:spLocks noGrp="1"/>
+          </p:cNvSpPr>
+          <p:nvPr>
+            <p:ph type="dt" sz="half" idx="10"/>
           </p:nvPr>
         </p:nvSpPr>
         <p:spPr/>
         <p:txBody>
-          <a:bodyPr rtlCol="0"/>
-          <a:lstStyle>
-            <a:lvl1pPr>
-              <a:defRPr>
-                <a:latin typeface="Century Gothic" panose="020B0502020202020204" pitchFamily="34" charset="0"/>
-              </a:defRPr>
-            </a:lvl1pPr>
-          </a:lstStyle>
-          <a:p>
-            <a:r>
-              <a:rPr lang="pt-PT" noProof="0"/>
-              <a:t>Adicione um rodapé</a:t>
-            </a:r>
-          </a:p>
-        </p:txBody>
-      </p:sp>
-      <p:sp>
-        <p:nvSpPr>
-          <p:cNvPr id="4" name="Marcador de Posição da Data 3"/>
-          <p:cNvSpPr>
-            <a:spLocks noGrp="1"/>
-          </p:cNvSpPr>
-          <p:nvPr>
-            <p:ph type="dt" sz="half" idx="10"/>
-          </p:nvPr>
-        </p:nvSpPr>
-        <p:spPr/>
-        <p:txBody>
-          <a:bodyPr rtlCol="0"/>
-          <a:lstStyle>
-            <a:lvl1pPr>
-              <a:defRPr>
-                <a:latin typeface="Century Gothic" panose="020B0502020202020204" pitchFamily="34" charset="0"/>
-              </a:defRPr>
-            </a:lvl1pPr>
-          </a:lstStyle>
-          <a:p>
-            <a:fld id="{B9DFF131-7E8D-4BF8-BD3E-B15C27A1613E}" type="datetime1">
+          <a:bodyPr/>
+          <a:lstStyle/>
+          <a:p>
+            <a:fld id="{80BF842D-1605-46E4-8DA6-48CAB1706D79}" type="datetime1">
               <a:rPr lang="pt-PT" noProof="0" smtClean="0"/>
               <a:t>24/01/2019</a:t>
             </a:fld>
@@ -1733,7 +3761,29 @@
       </p:sp>
       <p:sp>
         <p:nvSpPr>
-          <p:cNvPr id="6" name="Marcador de Posição do Número do Diapositivo 5"/>
+          <p:cNvPr id="5" name="Footer Placeholder 4"/>
+          <p:cNvSpPr>
+            <a:spLocks noGrp="1"/>
+          </p:cNvSpPr>
+          <p:nvPr>
+            <p:ph type="ftr" sz="quarter" idx="11"/>
+          </p:nvPr>
+        </p:nvSpPr>
+        <p:spPr/>
+        <p:txBody>
+          <a:bodyPr/>
+          <a:lstStyle/>
+          <a:p>
+            <a:r>
+              <a:rPr lang="pt-PT" noProof="0"/>
+              <a:t>Adicione um rodapé</a:t>
+            </a:r>
+          </a:p>
+        </p:txBody>
+      </p:sp>
+      <p:sp>
+        <p:nvSpPr>
+          <p:cNvPr id="6" name="Slide Number Placeholder 5"/>
           <p:cNvSpPr>
             <a:spLocks noGrp="1"/>
           </p:cNvSpPr>
@@ -1743,14 +3793,8 @@
         </p:nvSpPr>
         <p:spPr/>
         <p:txBody>
-          <a:bodyPr rtlCol="0"/>
-          <a:lstStyle>
-            <a:lvl1pPr>
-              <a:defRPr>
-                <a:latin typeface="Century Gothic" panose="020B0502020202020204" pitchFamily="34" charset="0"/>
-              </a:defRPr>
-            </a:lvl1pPr>
-          </a:lstStyle>
+          <a:bodyPr/>
+          <a:lstStyle/>
           <a:p>
             <a:fld id="{401CF334-2D5C-4859-84A6-CA7E6E43FAEB}" type="slidenum">
               <a:rPr lang="pt-PT" noProof="0" smtClean="0"/>
@@ -1764,31 +3808,20 @@
     </p:spTree>
     <p:extLst>
       <p:ext uri="{BB962C8B-B14F-4D97-AF65-F5344CB8AC3E}">
-        <p14:creationId xmlns:p14="http://schemas.microsoft.com/office/powerpoint/2010/main" val="3711999067"/>
+        <p14:creationId xmlns:p14="http://schemas.microsoft.com/office/powerpoint/2010/main" val="3325629846"/>
       </p:ext>
     </p:extLst>
   </p:cSld>
   <p:clrMapOvr>
     <a:masterClrMapping/>
   </p:clrMapOvr>
-  <mc:AlternateContent xmlns:mc="http://schemas.openxmlformats.org/markup-compatibility/2006" xmlns:p14="http://schemas.microsoft.com/office/powerpoint/2010/main">
-    <mc:Choice Requires="p14">
-      <p:transition spd="med" p14:dur="700">
-        <p:fade/>
-      </p:transition>
-    </mc:Choice>
-    <mc:Fallback xmlns="">
-      <p:transition spd="med">
-        <p:fade/>
-      </p:transition>
-    </mc:Fallback>
-  </mc:AlternateContent>
+  <p:hf sldNum="0" hdr="0" ftr="0" dt="0"/>
 </p:sldLayout>
 </file>
 
 <file path=ppt/slideLayouts/slideLayout2.xml><?xml version="1.0" encoding="utf-8"?>
 <p:sldLayout xmlns:a="http://schemas.openxmlformats.org/drawingml/2006/main" xmlns:r="http://schemas.openxmlformats.org/officeDocument/2006/relationships" xmlns:p="http://schemas.openxmlformats.org/presentationml/2006/main" type="obj" preserve="1">
-  <p:cSld name="Título e Conteúdo">
+  <p:cSld name="Título e Objeto">
     <p:spTree>
       <p:nvGrpSpPr>
         <p:cNvPr id="1" name=""/>
@@ -1805,205 +3838,101 @@
       </p:grpSpPr>
       <p:sp>
         <p:nvSpPr>
-          <p:cNvPr id="2" name="Título 1"/>
-          <p:cNvSpPr>
-            <a:spLocks noGrp="1"/>
-          </p:cNvSpPr>
-          <p:nvPr>
-            <p:ph type="title" hasCustomPrompt="1"/>
+          <p:cNvPr id="2" name="Title 1"/>
+          <p:cNvSpPr>
+            <a:spLocks noGrp="1"/>
+          </p:cNvSpPr>
+          <p:nvPr>
+            <p:ph type="title"/>
           </p:nvPr>
         </p:nvSpPr>
         <p:spPr/>
         <p:txBody>
-          <a:bodyPr rtlCol="0"/>
+          <a:bodyPr>
+            <a:normAutofit/>
+          </a:bodyPr>
           <a:lstStyle>
             <a:lvl1pPr>
-              <a:defRPr>
-                <a:latin typeface="Century Gothic" panose="020B0502020202020204" pitchFamily="34" charset="0"/>
-              </a:defRPr>
+              <a:defRPr sz="3600"/>
             </a:lvl1pPr>
           </a:lstStyle>
           <a:p>
-            <a:pPr rtl="0"/>
-            <a:r>
-              <a:rPr lang="pt-PT" noProof="0"/>
-              <a:t>Clique para editar o estilo do título do Modelo Global</a:t>
-            </a:r>
-          </a:p>
-        </p:txBody>
-      </p:sp>
-      <p:sp>
-        <p:nvSpPr>
-          <p:cNvPr id="3" name="Marcador de Posição de Conteúdo 2"/>
-          <p:cNvSpPr>
-            <a:spLocks noGrp="1"/>
-          </p:cNvSpPr>
-          <p:nvPr>
-            <p:ph idx="1" hasCustomPrompt="1"/>
+            <a:r>
+              <a:rPr lang="pt-PT"/>
+              <a:t>Clique para editar o estilo de título do Modelo Global</a:t>
+            </a:r>
+            <a:endParaRPr lang="en-US" dirty="0"/>
+          </a:p>
+        </p:txBody>
+      </p:sp>
+      <p:sp>
+        <p:nvSpPr>
+          <p:cNvPr id="3" name="Content Placeholder 2"/>
+          <p:cNvSpPr>
+            <a:spLocks noGrp="1"/>
+          </p:cNvSpPr>
+          <p:nvPr>
+            <p:ph idx="1"/>
           </p:nvPr>
         </p:nvSpPr>
         <p:spPr/>
         <p:txBody>
-          <a:bodyPr rtlCol="0"/>
-          <a:lstStyle>
-            <a:lvl1pPr>
-              <a:defRPr>
-                <a:solidFill>
-                  <a:schemeClr val="tx1"/>
-                </a:solidFill>
-                <a:latin typeface="Palatino Linotype" panose="02040502050505030304" pitchFamily="18" charset="0"/>
-              </a:defRPr>
-            </a:lvl1pPr>
-            <a:lvl2pPr>
-              <a:defRPr>
-                <a:solidFill>
-                  <a:schemeClr val="tx1"/>
-                </a:solidFill>
-                <a:latin typeface="Palatino Linotype" panose="02040502050505030304" pitchFamily="18" charset="0"/>
-              </a:defRPr>
-            </a:lvl2pPr>
-            <a:lvl3pPr>
-              <a:defRPr>
-                <a:solidFill>
-                  <a:schemeClr val="tx1"/>
-                </a:solidFill>
-                <a:latin typeface="Palatino Linotype" panose="02040502050505030304" pitchFamily="18" charset="0"/>
-              </a:defRPr>
-            </a:lvl3pPr>
-            <a:lvl4pPr>
-              <a:defRPr>
-                <a:solidFill>
-                  <a:schemeClr val="tx1"/>
-                </a:solidFill>
-                <a:latin typeface="Palatino Linotype" panose="02040502050505030304" pitchFamily="18" charset="0"/>
-              </a:defRPr>
-            </a:lvl4pPr>
-            <a:lvl5pPr>
-              <a:defRPr>
-                <a:solidFill>
-                  <a:schemeClr val="tx1"/>
-                </a:solidFill>
-                <a:latin typeface="Palatino Linotype" panose="02040502050505030304" pitchFamily="18" charset="0"/>
-              </a:defRPr>
-            </a:lvl5pPr>
-            <a:lvl6pPr>
-              <a:defRPr>
-                <a:solidFill>
-                  <a:schemeClr val="tx1"/>
-                </a:solidFill>
-              </a:defRPr>
-            </a:lvl6pPr>
-            <a:lvl7pPr>
-              <a:defRPr>
-                <a:solidFill>
-                  <a:schemeClr val="tx1"/>
-                </a:solidFill>
-              </a:defRPr>
-            </a:lvl7pPr>
-            <a:lvl8pPr>
-              <a:defRPr>
-                <a:solidFill>
-                  <a:schemeClr val="tx1"/>
-                </a:solidFill>
-              </a:defRPr>
-            </a:lvl8pPr>
-            <a:lvl9pPr>
-              <a:buFont typeface="Arial" pitchFamily="34" charset="0"/>
-              <a:buChar char="•"/>
-              <a:defRPr>
-                <a:solidFill>
-                  <a:schemeClr val="tx1"/>
-                </a:solidFill>
-              </a:defRPr>
-            </a:lvl9pPr>
-          </a:lstStyle>
-          <a:p>
-            <a:pPr lvl="0" rtl="0"/>
-            <a:r>
-              <a:rPr lang="pt-PT" noProof="0"/>
-              <a:t>Clique para editar os estilos de texto do Modelo Global</a:t>
-            </a:r>
-          </a:p>
-          <a:p>
-            <a:pPr lvl="1" rtl="0"/>
-            <a:r>
-              <a:rPr lang="pt-PT" noProof="0"/>
+          <a:bodyPr/>
+          <a:lstStyle/>
+          <a:p>
+            <a:pPr lvl="0"/>
+            <a:r>
+              <a:rPr lang="pt-PT"/>
+              <a:t>Editar os estilos de texto do Modelo Global</a:t>
+            </a:r>
+          </a:p>
+          <a:p>
+            <a:pPr lvl="1"/>
+            <a:r>
+              <a:rPr lang="pt-PT"/>
               <a:t>Segundo nível</a:t>
             </a:r>
           </a:p>
           <a:p>
-            <a:pPr lvl="2" rtl="0"/>
-            <a:r>
-              <a:rPr lang="pt-PT" noProof="0"/>
+            <a:pPr lvl="2"/>
+            <a:r>
+              <a:rPr lang="pt-PT"/>
               <a:t>Terceiro nível</a:t>
             </a:r>
           </a:p>
           <a:p>
-            <a:pPr lvl="3" rtl="0"/>
-            <a:r>
-              <a:rPr lang="pt-PT" noProof="0"/>
+            <a:pPr lvl="3"/>
+            <a:r>
+              <a:rPr lang="pt-PT"/>
               <a:t>Quarto nível</a:t>
             </a:r>
           </a:p>
           <a:p>
-            <a:pPr lvl="4" rtl="0"/>
-            <a:r>
-              <a:rPr lang="pt-PT" noProof="0"/>
+            <a:pPr lvl="4"/>
+            <a:r>
+              <a:rPr lang="pt-PT"/>
               <a:t>Quinto nível</a:t>
             </a:r>
-          </a:p>
-        </p:txBody>
-      </p:sp>
-      <p:sp>
-        <p:nvSpPr>
-          <p:cNvPr id="5" name="Marcador de Posição do Rodapé 4"/>
-          <p:cNvSpPr>
-            <a:spLocks noGrp="1"/>
-          </p:cNvSpPr>
-          <p:nvPr>
-            <p:ph type="ftr" sz="quarter" idx="11"/>
+            <a:endParaRPr lang="en-US" dirty="0"/>
+          </a:p>
+        </p:txBody>
+      </p:sp>
+      <p:sp>
+        <p:nvSpPr>
+          <p:cNvPr id="4" name="Date Placeholder 3"/>
+          <p:cNvSpPr>
+            <a:spLocks noGrp="1"/>
+          </p:cNvSpPr>
+          <p:nvPr>
+            <p:ph type="dt" sz="half" idx="10"/>
           </p:nvPr>
         </p:nvSpPr>
         <p:spPr/>
         <p:txBody>
-          <a:bodyPr rtlCol="0"/>
-          <a:lstStyle>
-            <a:lvl1pPr>
-              <a:defRPr>
-                <a:latin typeface="Century Gothic" panose="020B0502020202020204" pitchFamily="34" charset="0"/>
-              </a:defRPr>
-            </a:lvl1pPr>
-          </a:lstStyle>
-          <a:p>
-            <a:r>
-              <a:rPr lang="pt-PT" noProof="0"/>
-              <a:t>Adicione um rodapé</a:t>
-            </a:r>
-          </a:p>
-        </p:txBody>
-      </p:sp>
-      <p:sp>
-        <p:nvSpPr>
-          <p:cNvPr id="4" name="Marcador de Posição da Data 3"/>
-          <p:cNvSpPr>
-            <a:spLocks noGrp="1"/>
-          </p:cNvSpPr>
-          <p:nvPr>
-            <p:ph type="dt" sz="half" idx="10"/>
-          </p:nvPr>
-        </p:nvSpPr>
-        <p:spPr/>
-        <p:txBody>
-          <a:bodyPr rtlCol="0"/>
-          <a:lstStyle>
-            <a:lvl1pPr>
-              <a:defRPr>
-                <a:latin typeface="Century Gothic" panose="020B0502020202020204" pitchFamily="34" charset="0"/>
-              </a:defRPr>
-            </a:lvl1pPr>
-          </a:lstStyle>
-          <a:p>
-            <a:fld id="{D6AAF299-3038-4D4D-9517-9DDF9B73FE07}" type="datetime1">
+          <a:bodyPr/>
+          <a:lstStyle/>
+          <a:p>
+            <a:fld id="{80BF842D-1605-46E4-8DA6-48CAB1706D79}" type="datetime1">
               <a:rPr lang="pt-PT" noProof="0" smtClean="0"/>
               <a:t>24/01/2019</a:t>
             </a:fld>
@@ -2013,7 +3942,29 @@
       </p:sp>
       <p:sp>
         <p:nvSpPr>
-          <p:cNvPr id="6" name="Marcador de Posição do Número do Diapositivo 5"/>
+          <p:cNvPr id="5" name="Footer Placeholder 4"/>
+          <p:cNvSpPr>
+            <a:spLocks noGrp="1"/>
+          </p:cNvSpPr>
+          <p:nvPr>
+            <p:ph type="ftr" sz="quarter" idx="11"/>
+          </p:nvPr>
+        </p:nvSpPr>
+        <p:spPr/>
+        <p:txBody>
+          <a:bodyPr/>
+          <a:lstStyle/>
+          <a:p>
+            <a:r>
+              <a:rPr lang="pt-PT" noProof="0"/>
+              <a:t>Adicione um rodapé</a:t>
+            </a:r>
+          </a:p>
+        </p:txBody>
+      </p:sp>
+      <p:sp>
+        <p:nvSpPr>
+          <p:cNvPr id="6" name="Slide Number Placeholder 5"/>
           <p:cNvSpPr>
             <a:spLocks noGrp="1"/>
           </p:cNvSpPr>
@@ -2023,14 +3974,8 @@
         </p:nvSpPr>
         <p:spPr/>
         <p:txBody>
-          <a:bodyPr rtlCol="0"/>
-          <a:lstStyle>
-            <a:lvl1pPr>
-              <a:defRPr>
-                <a:latin typeface="Century Gothic" panose="020B0502020202020204" pitchFamily="34" charset="0"/>
-              </a:defRPr>
-            </a:lvl1pPr>
-          </a:lstStyle>
+          <a:bodyPr/>
+          <a:lstStyle/>
           <a:p>
             <a:fld id="{401CF334-2D5C-4859-84A6-CA7E6E43FAEB}" type="slidenum">
               <a:rPr lang="pt-PT" noProof="0" smtClean="0"/>
@@ -2044,25 +3989,14 @@
     </p:spTree>
     <p:extLst>
       <p:ext uri="{BB962C8B-B14F-4D97-AF65-F5344CB8AC3E}">
-        <p14:creationId xmlns:p14="http://schemas.microsoft.com/office/powerpoint/2010/main" val="3381064927"/>
+        <p14:creationId xmlns:p14="http://schemas.microsoft.com/office/powerpoint/2010/main" val="2252225325"/>
       </p:ext>
     </p:extLst>
   </p:cSld>
   <p:clrMapOvr>
     <a:masterClrMapping/>
   </p:clrMapOvr>
-  <mc:AlternateContent xmlns:mc="http://schemas.openxmlformats.org/markup-compatibility/2006" xmlns:p14="http://schemas.microsoft.com/office/powerpoint/2010/main">
-    <mc:Choice Requires="p14">
-      <p:transition spd="med" p14:dur="700">
-        <p:fade/>
-      </p:transition>
-    </mc:Choice>
-    <mc:Fallback xmlns="">
-      <p:transition spd="med">
-        <p:fade/>
-      </p:transition>
-    </mc:Fallback>
-  </mc:AlternateContent>
+  <p:hf sldNum="0" hdr="0" ftr="0" dt="0"/>
 </p:sldLayout>
 </file>
 
@@ -2085,233 +4019,64 @@
       </p:grpSpPr>
       <p:sp>
         <p:nvSpPr>
-          <p:cNvPr id="7" name="Oval 6"/>
-          <p:cNvSpPr/>
-          <p:nvPr/>
+          <p:cNvPr id="2" name="Title 1"/>
+          <p:cNvSpPr>
+            <a:spLocks noGrp="1"/>
+          </p:cNvSpPr>
+          <p:nvPr>
+            <p:ph type="title"/>
+          </p:nvPr>
         </p:nvSpPr>
         <p:spPr>
           <a:xfrm>
-            <a:off x="5994400" y="3924300"/>
-            <a:ext cx="113029" cy="84772"/>
+            <a:off x="677335" y="2700867"/>
+            <a:ext cx="8596668" cy="1826581"/>
           </a:xfrm>
-          <a:prstGeom prst="ellipse">
-            <a:avLst/>
-          </a:prstGeom>
-          <a:solidFill>
-            <a:schemeClr val="tx1">
-              <a:lumMod val="50000"/>
-              <a:lumOff val="50000"/>
-            </a:schemeClr>
-          </a:solidFill>
-          <a:ln w="12700">
-            <a:noFill/>
-          </a:ln>
-          <a:effectLst/>
         </p:spPr>
-        <p:style>
-          <a:lnRef idx="2">
-            <a:schemeClr val="accent1">
-              <a:shade val="50000"/>
-            </a:schemeClr>
-          </a:lnRef>
-          <a:fillRef idx="1">
-            <a:schemeClr val="accent1"/>
-          </a:fillRef>
-          <a:effectRef idx="0">
-            <a:schemeClr val="accent1"/>
-          </a:effectRef>
-          <a:fontRef idx="minor">
-            <a:schemeClr val="lt1"/>
-          </a:fontRef>
-        </p:style>
-        <p:txBody>
-          <a:bodyPr rtlCol="0" anchor="ctr"/>
-          <a:lstStyle/>
-          <a:p>
-            <a:pPr algn="ctr" rtl="0"/>
-            <a:endParaRPr lang="pt-PT" sz="1800" noProof="0">
-              <a:latin typeface="Palatino Linotype" panose="02040502050505030304" pitchFamily="18" charset="0"/>
-            </a:endParaRPr>
-          </a:p>
-        </p:txBody>
-      </p:sp>
-      <p:sp>
-        <p:nvSpPr>
-          <p:cNvPr id="8" name="Oval 7"/>
-          <p:cNvSpPr/>
-          <p:nvPr/>
+        <p:txBody>
+          <a:bodyPr anchor="b"/>
+          <a:lstStyle>
+            <a:lvl1pPr algn="l">
+              <a:defRPr sz="4000" b="0" cap="none"/>
+            </a:lvl1pPr>
+          </a:lstStyle>
+          <a:p>
+            <a:r>
+              <a:rPr lang="pt-PT"/>
+              <a:t>Clique para editar o estilo de título do Modelo Global</a:t>
+            </a:r>
+            <a:endParaRPr lang="en-US" dirty="0"/>
+          </a:p>
+        </p:txBody>
+      </p:sp>
+      <p:sp>
+        <p:nvSpPr>
+          <p:cNvPr id="3" name="Text Placeholder 2"/>
+          <p:cNvSpPr>
+            <a:spLocks noGrp="1"/>
+          </p:cNvSpPr>
+          <p:nvPr>
+            <p:ph type="body" idx="1"/>
+          </p:nvPr>
         </p:nvSpPr>
         <p:spPr>
           <a:xfrm>
-            <a:off x="6261100" y="3924300"/>
-            <a:ext cx="113029" cy="84772"/>
-          </a:xfrm>
-          <a:prstGeom prst="ellipse">
-            <a:avLst/>
-          </a:prstGeom>
-          <a:solidFill>
-            <a:schemeClr val="tx1">
-              <a:lumMod val="50000"/>
-              <a:lumOff val="50000"/>
-            </a:schemeClr>
-          </a:solidFill>
-          <a:ln w="12700">
-            <a:noFill/>
-          </a:ln>
-          <a:effectLst/>
-        </p:spPr>
-        <p:style>
-          <a:lnRef idx="2">
-            <a:schemeClr val="accent1">
-              <a:shade val="50000"/>
-            </a:schemeClr>
-          </a:lnRef>
-          <a:fillRef idx="1">
-            <a:schemeClr val="accent1"/>
-          </a:fillRef>
-          <a:effectRef idx="0">
-            <a:schemeClr val="accent1"/>
-          </a:effectRef>
-          <a:fontRef idx="minor">
-            <a:schemeClr val="lt1"/>
-          </a:fontRef>
-        </p:style>
-        <p:txBody>
-          <a:bodyPr rtlCol="0" anchor="ctr"/>
-          <a:lstStyle/>
-          <a:p>
-            <a:pPr algn="ctr" rtl="0"/>
-            <a:endParaRPr lang="pt-PT" sz="1800" noProof="0">
-              <a:latin typeface="Palatino Linotype" panose="02040502050505030304" pitchFamily="18" charset="0"/>
-            </a:endParaRPr>
-          </a:p>
-        </p:txBody>
-      </p:sp>
-      <p:sp>
-        <p:nvSpPr>
-          <p:cNvPr id="9" name="Oval 8"/>
-          <p:cNvSpPr/>
-          <p:nvPr/>
-        </p:nvSpPr>
-        <p:spPr>
-          <a:xfrm>
-            <a:off x="5728971" y="3924300"/>
-            <a:ext cx="113029" cy="84772"/>
-          </a:xfrm>
-          <a:prstGeom prst="ellipse">
-            <a:avLst/>
-          </a:prstGeom>
-          <a:solidFill>
-            <a:schemeClr val="tx1">
-              <a:lumMod val="50000"/>
-              <a:lumOff val="50000"/>
-            </a:schemeClr>
-          </a:solidFill>
-          <a:ln w="12700">
-            <a:noFill/>
-          </a:ln>
-          <a:effectLst/>
-        </p:spPr>
-        <p:style>
-          <a:lnRef idx="2">
-            <a:schemeClr val="accent1">
-              <a:shade val="50000"/>
-            </a:schemeClr>
-          </a:lnRef>
-          <a:fillRef idx="1">
-            <a:schemeClr val="accent1"/>
-          </a:fillRef>
-          <a:effectRef idx="0">
-            <a:schemeClr val="accent1"/>
-          </a:effectRef>
-          <a:fontRef idx="minor">
-            <a:schemeClr val="lt1"/>
-          </a:fontRef>
-        </p:style>
-        <p:txBody>
-          <a:bodyPr rtlCol="0" anchor="ctr"/>
-          <a:lstStyle/>
-          <a:p>
-            <a:pPr algn="ctr" rtl="0"/>
-            <a:endParaRPr lang="pt-PT" sz="1800" noProof="0">
-              <a:latin typeface="Palatino Linotype" panose="02040502050505030304" pitchFamily="18" charset="0"/>
-            </a:endParaRPr>
-          </a:p>
-        </p:txBody>
-      </p:sp>
-      <p:sp>
-        <p:nvSpPr>
-          <p:cNvPr id="2" name="Título 1"/>
-          <p:cNvSpPr>
-            <a:spLocks noGrp="1"/>
-          </p:cNvSpPr>
-          <p:nvPr>
-            <p:ph type="title" hasCustomPrompt="1"/>
-          </p:nvPr>
-        </p:nvSpPr>
-        <p:spPr>
-          <a:xfrm>
-            <a:off x="963084" y="1371601"/>
-            <a:ext cx="10363200" cy="2505075"/>
+            <a:off x="677335" y="4527448"/>
+            <a:ext cx="8596668" cy="860400"/>
           </a:xfrm>
         </p:spPr>
         <p:txBody>
-          <a:bodyPr rtlCol="0" anchor="b"/>
+          <a:bodyPr anchor="t"/>
           <a:lstStyle>
-            <a:lvl1pPr algn="ctr" defTabSz="914400" rtl="0" eaLnBrk="1" latinLnBrk="0" hangingPunct="1">
-              <a:lnSpc>
-                <a:spcPct val="100000"/>
-              </a:lnSpc>
-              <a:spcBef>
-                <a:spcPct val="0"/>
-              </a:spcBef>
-              <a:buNone/>
-              <a:defRPr lang="en-US" sz="4800" kern="1200" dirty="0" smtClean="0">
-                <a:solidFill>
-                  <a:schemeClr val="tx2"/>
-                </a:solidFill>
-                <a:effectLst/>
-                <a:latin typeface="Century Gothic" panose="020B0502020202020204" pitchFamily="34" charset="0"/>
-                <a:ea typeface="+mj-ea"/>
-                <a:cs typeface="+mj-cs"/>
-              </a:defRPr>
-            </a:lvl1pPr>
-          </a:lstStyle>
-          <a:p>
-            <a:pPr rtl="0"/>
-            <a:r>
-              <a:rPr lang="pt-PT" noProof="0"/>
-              <a:t>Clique para editar o estilo do título do Modelo Global</a:t>
-            </a:r>
-          </a:p>
-        </p:txBody>
-      </p:sp>
-      <p:sp>
-        <p:nvSpPr>
-          <p:cNvPr id="3" name="Marcador de Posição do Texto 2"/>
-          <p:cNvSpPr>
-            <a:spLocks noGrp="1"/>
-          </p:cNvSpPr>
-          <p:nvPr>
-            <p:ph type="body" idx="1" hasCustomPrompt="1"/>
-          </p:nvPr>
-        </p:nvSpPr>
-        <p:spPr>
-          <a:xfrm>
-            <a:off x="963084" y="4068764"/>
-            <a:ext cx="10363200" cy="1131887"/>
-          </a:xfrm>
-        </p:spPr>
-        <p:txBody>
-          <a:bodyPr rtlCol="0" anchor="t"/>
-          <a:lstStyle>
-            <a:lvl1pPr marL="0" indent="0" algn="ctr">
+            <a:lvl1pPr marL="0" indent="0" algn="l">
               <a:buNone/>
               <a:defRPr sz="2000">
                 <a:solidFill>
-                  <a:schemeClr val="tx1"/>
+                  <a:schemeClr val="tx1">
+                    <a:lumMod val="50000"/>
+                    <a:lumOff val="50000"/>
+                  </a:schemeClr>
                 </a:solidFill>
-                <a:latin typeface="Palatino Linotype" panose="02040502050505030304" pitchFamily="18" charset="0"/>
               </a:defRPr>
             </a:lvl1pPr>
             <a:lvl2pPr marL="457200" indent="0">
@@ -2396,62 +4161,28 @@
             </a:lvl9pPr>
           </a:lstStyle>
           <a:p>
-            <a:pPr lvl="0" rtl="0"/>
-            <a:r>
-              <a:rPr lang="pt-PT" noProof="0"/>
-              <a:t>Clique para editar os estilos de texto do Modelo Global</a:t>
-            </a:r>
-          </a:p>
-        </p:txBody>
-      </p:sp>
-      <p:sp>
-        <p:nvSpPr>
-          <p:cNvPr id="5" name="Marcador de Posição do Rodapé 4"/>
-          <p:cNvSpPr>
-            <a:spLocks noGrp="1"/>
-          </p:cNvSpPr>
-          <p:nvPr>
-            <p:ph type="ftr" sz="quarter" idx="11"/>
+            <a:pPr lvl="0"/>
+            <a:r>
+              <a:rPr lang="pt-PT"/>
+              <a:t>Editar os estilos de texto do Modelo Global</a:t>
+            </a:r>
+          </a:p>
+        </p:txBody>
+      </p:sp>
+      <p:sp>
+        <p:nvSpPr>
+          <p:cNvPr id="4" name="Date Placeholder 3"/>
+          <p:cNvSpPr>
+            <a:spLocks noGrp="1"/>
+          </p:cNvSpPr>
+          <p:nvPr>
+            <p:ph type="dt" sz="half" idx="10"/>
           </p:nvPr>
         </p:nvSpPr>
         <p:spPr/>
         <p:txBody>
-          <a:bodyPr rtlCol="0"/>
-          <a:lstStyle>
-            <a:lvl1pPr>
-              <a:defRPr>
-                <a:latin typeface="Century Gothic" panose="020B0502020202020204" pitchFamily="34" charset="0"/>
-              </a:defRPr>
-            </a:lvl1pPr>
-          </a:lstStyle>
-          <a:p>
-            <a:r>
-              <a:rPr lang="pt-PT" noProof="0"/>
-              <a:t>Adicione um rodapé</a:t>
-            </a:r>
-          </a:p>
-        </p:txBody>
-      </p:sp>
-      <p:sp>
-        <p:nvSpPr>
-          <p:cNvPr id="4" name="Marcador de Posição da Data 3"/>
-          <p:cNvSpPr>
-            <a:spLocks noGrp="1"/>
-          </p:cNvSpPr>
-          <p:nvPr>
-            <p:ph type="dt" sz="half" idx="10"/>
-          </p:nvPr>
-        </p:nvSpPr>
-        <p:spPr/>
-        <p:txBody>
-          <a:bodyPr rtlCol="0"/>
-          <a:lstStyle>
-            <a:lvl1pPr>
-              <a:defRPr>
-                <a:latin typeface="Century Gothic" panose="020B0502020202020204" pitchFamily="34" charset="0"/>
-              </a:defRPr>
-            </a:lvl1pPr>
-          </a:lstStyle>
+          <a:bodyPr/>
+          <a:lstStyle/>
           <a:p>
             <a:fld id="{58EDCC29-EDAB-460A-9183-3459117ECA2F}" type="datetime1">
               <a:rPr lang="pt-PT" noProof="0" smtClean="0"/>
@@ -2463,7 +4194,29 @@
       </p:sp>
       <p:sp>
         <p:nvSpPr>
-          <p:cNvPr id="6" name="Marcador de Posição do Número do Diapositivo 5"/>
+          <p:cNvPr id="5" name="Footer Placeholder 4"/>
+          <p:cNvSpPr>
+            <a:spLocks noGrp="1"/>
+          </p:cNvSpPr>
+          <p:nvPr>
+            <p:ph type="ftr" sz="quarter" idx="11"/>
+          </p:nvPr>
+        </p:nvSpPr>
+        <p:spPr/>
+        <p:txBody>
+          <a:bodyPr/>
+          <a:lstStyle/>
+          <a:p>
+            <a:r>
+              <a:rPr lang="pt-PT" noProof="0"/>
+              <a:t>Adicione um rodapé</a:t>
+            </a:r>
+          </a:p>
+        </p:txBody>
+      </p:sp>
+      <p:sp>
+        <p:nvSpPr>
+          <p:cNvPr id="6" name="Slide Number Placeholder 5"/>
           <p:cNvSpPr>
             <a:spLocks noGrp="1"/>
           </p:cNvSpPr>
@@ -2473,14 +4226,8 @@
         </p:nvSpPr>
         <p:spPr/>
         <p:txBody>
-          <a:bodyPr rtlCol="0"/>
-          <a:lstStyle>
-            <a:lvl1pPr>
-              <a:defRPr>
-                <a:latin typeface="Century Gothic" panose="020B0502020202020204" pitchFamily="34" charset="0"/>
-              </a:defRPr>
-            </a:lvl1pPr>
-          </a:lstStyle>
+          <a:bodyPr/>
+          <a:lstStyle/>
           <a:p>
             <a:fld id="{401CF334-2D5C-4859-84A6-CA7E6E43FAEB}" type="slidenum">
               <a:rPr lang="pt-PT" noProof="0" smtClean="0"/>
@@ -2494,7 +4241,7 @@
     </p:spTree>
     <p:extLst>
       <p:ext uri="{BB962C8B-B14F-4D97-AF65-F5344CB8AC3E}">
-        <p14:creationId xmlns:p14="http://schemas.microsoft.com/office/powerpoint/2010/main" val="3415689626"/>
+        <p14:creationId xmlns:p14="http://schemas.microsoft.com/office/powerpoint/2010/main" val="696342610"/>
       </p:ext>
     </p:extLst>
   </p:cSld>
@@ -2535,260 +4282,157 @@
       </p:grpSpPr>
       <p:sp>
         <p:nvSpPr>
-          <p:cNvPr id="2" name="Título 1"/>
-          <p:cNvSpPr>
-            <a:spLocks noGrp="1"/>
-          </p:cNvSpPr>
-          <p:nvPr>
-            <p:ph type="title" hasCustomPrompt="1"/>
+          <p:cNvPr id="2" name="Title 1"/>
+          <p:cNvSpPr>
+            <a:spLocks noGrp="1"/>
+          </p:cNvSpPr>
+          <p:nvPr>
+            <p:ph type="title"/>
           </p:nvPr>
         </p:nvSpPr>
         <p:spPr/>
         <p:txBody>
-          <a:bodyPr rtlCol="0"/>
-          <a:lstStyle>
-            <a:lvl1pPr>
-              <a:defRPr>
-                <a:effectLst/>
-                <a:latin typeface="Century Gothic" panose="020B0502020202020204" pitchFamily="34" charset="0"/>
-              </a:defRPr>
-            </a:lvl1pPr>
-          </a:lstStyle>
-          <a:p>
-            <a:pPr rtl="0"/>
-            <a:r>
-              <a:rPr lang="pt-PT" noProof="0"/>
-              <a:t>Clique para editar o estilo do título do Modelo Global</a:t>
-            </a:r>
-          </a:p>
-        </p:txBody>
-      </p:sp>
-      <p:sp>
-        <p:nvSpPr>
-          <p:cNvPr id="9" name="Marcador de Posição de Conteúdo 8"/>
-          <p:cNvSpPr>
-            <a:spLocks noGrp="1"/>
-          </p:cNvSpPr>
-          <p:nvPr>
-            <p:ph sz="quarter" idx="13" hasCustomPrompt="1"/>
+          <a:bodyPr/>
+          <a:lstStyle/>
+          <a:p>
+            <a:r>
+              <a:rPr lang="pt-PT"/>
+              <a:t>Clique para editar o estilo de título do Modelo Global</a:t>
+            </a:r>
+            <a:endParaRPr lang="en-US" dirty="0"/>
+          </a:p>
+        </p:txBody>
+      </p:sp>
+      <p:sp>
+        <p:nvSpPr>
+          <p:cNvPr id="3" name="Content Placeholder 2"/>
+          <p:cNvSpPr>
+            <a:spLocks noGrp="1"/>
+          </p:cNvSpPr>
+          <p:nvPr>
+            <p:ph sz="half" idx="1"/>
           </p:nvPr>
         </p:nvSpPr>
         <p:spPr>
           <a:xfrm>
-            <a:off x="487680" y="1600200"/>
-            <a:ext cx="5388864" cy="4526280"/>
+            <a:off x="677334" y="2160589"/>
+            <a:ext cx="4184035" cy="3880772"/>
           </a:xfrm>
         </p:spPr>
         <p:txBody>
-          <a:bodyPr rtlCol="0"/>
-          <a:lstStyle>
-            <a:lvl1pPr>
-              <a:defRPr>
-                <a:latin typeface="Palatino Linotype" panose="02040502050505030304" pitchFamily="18" charset="0"/>
-              </a:defRPr>
-            </a:lvl1pPr>
-            <a:lvl2pPr>
-              <a:defRPr>
-                <a:latin typeface="Palatino Linotype" panose="02040502050505030304" pitchFamily="18" charset="0"/>
-              </a:defRPr>
-            </a:lvl2pPr>
-            <a:lvl3pPr>
-              <a:defRPr>
-                <a:latin typeface="Palatino Linotype" panose="02040502050505030304" pitchFamily="18" charset="0"/>
-              </a:defRPr>
-            </a:lvl3pPr>
-            <a:lvl4pPr>
-              <a:defRPr>
-                <a:latin typeface="Palatino Linotype" panose="02040502050505030304" pitchFamily="18" charset="0"/>
-              </a:defRPr>
-            </a:lvl4pPr>
-            <a:lvl5pPr>
-              <a:defRPr>
-                <a:latin typeface="Palatino Linotype" panose="02040502050505030304" pitchFamily="18" charset="0"/>
-              </a:defRPr>
-            </a:lvl5pPr>
-          </a:lstStyle>
-          <a:p>
-            <a:pPr lvl="0" rtl="0"/>
-            <a:r>
-              <a:rPr lang="pt-PT" noProof="0"/>
-              <a:t>Clique para editar os estilos de texto do Modelo Global</a:t>
-            </a:r>
-          </a:p>
-          <a:p>
-            <a:pPr lvl="1" rtl="0"/>
-            <a:r>
-              <a:rPr lang="pt-PT" noProof="0"/>
+          <a:bodyPr/>
+          <a:lstStyle/>
+          <a:p>
+            <a:pPr lvl="0"/>
+            <a:r>
+              <a:rPr lang="pt-PT"/>
+              <a:t>Editar os estilos de texto do Modelo Global</a:t>
+            </a:r>
+          </a:p>
+          <a:p>
+            <a:pPr lvl="1"/>
+            <a:r>
+              <a:rPr lang="pt-PT"/>
               <a:t>Segundo nível</a:t>
             </a:r>
           </a:p>
           <a:p>
-            <a:pPr lvl="2" rtl="0"/>
-            <a:r>
-              <a:rPr lang="pt-PT" noProof="0"/>
+            <a:pPr lvl="2"/>
+            <a:r>
+              <a:rPr lang="pt-PT"/>
               <a:t>Terceiro nível</a:t>
             </a:r>
           </a:p>
           <a:p>
-            <a:pPr lvl="3" rtl="0"/>
-            <a:r>
-              <a:rPr lang="pt-PT" noProof="0"/>
+            <a:pPr lvl="3"/>
+            <a:r>
+              <a:rPr lang="pt-PT"/>
               <a:t>Quarto nível</a:t>
             </a:r>
           </a:p>
           <a:p>
-            <a:pPr lvl="4" rtl="0"/>
-            <a:r>
-              <a:rPr lang="pt-PT" noProof="0"/>
+            <a:pPr lvl="4"/>
+            <a:r>
+              <a:rPr lang="pt-PT"/>
               <a:t>Quinto nível</a:t>
             </a:r>
-          </a:p>
-        </p:txBody>
-      </p:sp>
-      <p:sp>
-        <p:nvSpPr>
-          <p:cNvPr id="4" name="Marcador de Posição de Conteúdo 3"/>
-          <p:cNvSpPr>
-            <a:spLocks noGrp="1"/>
-          </p:cNvSpPr>
-          <p:nvPr>
-            <p:ph sz="half" idx="2" hasCustomPrompt="1"/>
+            <a:endParaRPr lang="en-US" dirty="0"/>
+          </a:p>
+        </p:txBody>
+      </p:sp>
+      <p:sp>
+        <p:nvSpPr>
+          <p:cNvPr id="4" name="Content Placeholder 3"/>
+          <p:cNvSpPr>
+            <a:spLocks noGrp="1"/>
+          </p:cNvSpPr>
+          <p:nvPr>
+            <p:ph sz="half" idx="2"/>
           </p:nvPr>
         </p:nvSpPr>
         <p:spPr>
           <a:xfrm>
-            <a:off x="6197600" y="1600201"/>
-            <a:ext cx="5384800" cy="4525963"/>
+            <a:off x="5089970" y="2160589"/>
+            <a:ext cx="4184034" cy="3880773"/>
           </a:xfrm>
         </p:spPr>
         <p:txBody>
-          <a:bodyPr rtlCol="0"/>
-          <a:lstStyle>
-            <a:lvl1pPr>
-              <a:defRPr sz="2400">
-                <a:latin typeface="Palatino Linotype" panose="02040502050505030304" pitchFamily="18" charset="0"/>
-              </a:defRPr>
-            </a:lvl1pPr>
-            <a:lvl2pPr>
-              <a:defRPr sz="1600">
-                <a:latin typeface="Palatino Linotype" panose="02040502050505030304" pitchFamily="18" charset="0"/>
-              </a:defRPr>
-            </a:lvl2pPr>
-            <a:lvl3pPr>
-              <a:defRPr sz="1600">
-                <a:latin typeface="Palatino Linotype" panose="02040502050505030304" pitchFamily="18" charset="0"/>
-              </a:defRPr>
-            </a:lvl3pPr>
-            <a:lvl4pPr>
-              <a:defRPr sz="1600">
-                <a:latin typeface="Palatino Linotype" panose="02040502050505030304" pitchFamily="18" charset="0"/>
-              </a:defRPr>
-            </a:lvl4pPr>
-            <a:lvl5pPr>
-              <a:defRPr sz="1600">
-                <a:latin typeface="Palatino Linotype" panose="02040502050505030304" pitchFamily="18" charset="0"/>
-              </a:defRPr>
-            </a:lvl5pPr>
-            <a:lvl6pPr>
-              <a:defRPr sz="1600"/>
-            </a:lvl6pPr>
-            <a:lvl7pPr>
-              <a:defRPr sz="1600"/>
-            </a:lvl7pPr>
-            <a:lvl8pPr>
-              <a:defRPr sz="1600"/>
-            </a:lvl8pPr>
-            <a:lvl9pPr>
-              <a:defRPr sz="1600"/>
-            </a:lvl9pPr>
-          </a:lstStyle>
-          <a:p>
-            <a:pPr lvl="0" rtl="0"/>
-            <a:r>
-              <a:rPr lang="pt-PT" noProof="0"/>
-              <a:t>Clique para editar os estilos de texto do Modelo Global</a:t>
-            </a:r>
-          </a:p>
-          <a:p>
-            <a:pPr lvl="1" rtl="0"/>
-            <a:r>
-              <a:rPr lang="pt-PT" noProof="0"/>
+          <a:bodyPr/>
+          <a:lstStyle/>
+          <a:p>
+            <a:pPr lvl="0"/>
+            <a:r>
+              <a:rPr lang="pt-PT"/>
+              <a:t>Editar os estilos de texto do Modelo Global</a:t>
+            </a:r>
+          </a:p>
+          <a:p>
+            <a:pPr lvl="1"/>
+            <a:r>
+              <a:rPr lang="pt-PT"/>
               <a:t>Segundo nível</a:t>
             </a:r>
           </a:p>
           <a:p>
-            <a:pPr lvl="2" rtl="0"/>
-            <a:r>
-              <a:rPr lang="pt-PT" noProof="0"/>
+            <a:pPr lvl="2"/>
+            <a:r>
+              <a:rPr lang="pt-PT"/>
               <a:t>Terceiro nível</a:t>
             </a:r>
           </a:p>
           <a:p>
-            <a:pPr lvl="3" rtl="0"/>
-            <a:r>
-              <a:rPr lang="pt-PT" noProof="0"/>
+            <a:pPr lvl="3"/>
+            <a:r>
+              <a:rPr lang="pt-PT"/>
               <a:t>Quarto nível</a:t>
             </a:r>
           </a:p>
           <a:p>
-            <a:pPr lvl="4" rtl="0"/>
-            <a:r>
-              <a:rPr lang="pt-PT" noProof="0"/>
+            <a:pPr lvl="4"/>
+            <a:r>
+              <a:rPr lang="pt-PT"/>
               <a:t>Quinto nível</a:t>
             </a:r>
-          </a:p>
-        </p:txBody>
-      </p:sp>
-      <p:sp>
-        <p:nvSpPr>
-          <p:cNvPr id="6" name="Marcador de Posição do Rodapé 5"/>
-          <p:cNvSpPr>
-            <a:spLocks noGrp="1"/>
-          </p:cNvSpPr>
-          <p:nvPr>
-            <p:ph type="ftr" sz="quarter" idx="11"/>
+            <a:endParaRPr lang="en-US" dirty="0"/>
+          </a:p>
+        </p:txBody>
+      </p:sp>
+      <p:sp>
+        <p:nvSpPr>
+          <p:cNvPr id="5" name="Date Placeholder 4"/>
+          <p:cNvSpPr>
+            <a:spLocks noGrp="1"/>
+          </p:cNvSpPr>
+          <p:nvPr>
+            <p:ph type="dt" sz="half" idx="10"/>
           </p:nvPr>
         </p:nvSpPr>
         <p:spPr/>
         <p:txBody>
-          <a:bodyPr rtlCol="0"/>
-          <a:lstStyle>
-            <a:lvl1pPr>
-              <a:defRPr>
-                <a:latin typeface="Century Gothic" panose="020B0502020202020204" pitchFamily="34" charset="0"/>
-              </a:defRPr>
-            </a:lvl1pPr>
-          </a:lstStyle>
-          <a:p>
-            <a:r>
-              <a:rPr lang="pt-PT" noProof="0"/>
-              <a:t>Adicione um rodapé</a:t>
-            </a:r>
-          </a:p>
-        </p:txBody>
-      </p:sp>
-      <p:sp>
-        <p:nvSpPr>
-          <p:cNvPr id="5" name="Marcador de Posição da Data 4"/>
-          <p:cNvSpPr>
-            <a:spLocks noGrp="1"/>
-          </p:cNvSpPr>
-          <p:nvPr>
-            <p:ph type="dt" sz="half" idx="10"/>
-          </p:nvPr>
-        </p:nvSpPr>
-        <p:spPr/>
-        <p:txBody>
-          <a:bodyPr rtlCol="0"/>
-          <a:lstStyle>
-            <a:lvl1pPr>
-              <a:defRPr>
-                <a:latin typeface="Century Gothic" panose="020B0502020202020204" pitchFamily="34" charset="0"/>
-              </a:defRPr>
-            </a:lvl1pPr>
-          </a:lstStyle>
-          <a:p>
-            <a:fld id="{DCA318C6-D744-4B84-98BE-C89A75CEDE78}" type="datetime1">
+          <a:bodyPr/>
+          <a:lstStyle/>
+          <a:p>
+            <a:fld id="{80BF842D-1605-46E4-8DA6-48CAB1706D79}" type="datetime1">
               <a:rPr lang="pt-PT" noProof="0" smtClean="0"/>
               <a:t>24/01/2019</a:t>
             </a:fld>
@@ -2798,7 +4442,29 @@
       </p:sp>
       <p:sp>
         <p:nvSpPr>
-          <p:cNvPr id="7" name="Marcador de Posição do Número do Diapositivo 6"/>
+          <p:cNvPr id="6" name="Footer Placeholder 5"/>
+          <p:cNvSpPr>
+            <a:spLocks noGrp="1"/>
+          </p:cNvSpPr>
+          <p:nvPr>
+            <p:ph type="ftr" sz="quarter" idx="11"/>
+          </p:nvPr>
+        </p:nvSpPr>
+        <p:spPr/>
+        <p:txBody>
+          <a:bodyPr/>
+          <a:lstStyle/>
+          <a:p>
+            <a:r>
+              <a:rPr lang="pt-PT" noProof="0"/>
+              <a:t>Adicione um rodapé</a:t>
+            </a:r>
+          </a:p>
+        </p:txBody>
+      </p:sp>
+      <p:sp>
+        <p:nvSpPr>
+          <p:cNvPr id="7" name="Slide Number Placeholder 6"/>
           <p:cNvSpPr>
             <a:spLocks noGrp="1"/>
           </p:cNvSpPr>
@@ -2808,14 +4474,8 @@
         </p:nvSpPr>
         <p:spPr/>
         <p:txBody>
-          <a:bodyPr rtlCol="0"/>
-          <a:lstStyle>
-            <a:lvl1pPr>
-              <a:defRPr>
-                <a:latin typeface="Century Gothic" panose="020B0502020202020204" pitchFamily="34" charset="0"/>
-              </a:defRPr>
-            </a:lvl1pPr>
-          </a:lstStyle>
+          <a:bodyPr/>
+          <a:lstStyle/>
           <a:p>
             <a:fld id="{401CF334-2D5C-4859-84A6-CA7E6E43FAEB}" type="slidenum">
               <a:rPr lang="pt-PT" noProof="0" smtClean="0"/>
@@ -2829,25 +4489,14 @@
     </p:spTree>
     <p:extLst>
       <p:ext uri="{BB962C8B-B14F-4D97-AF65-F5344CB8AC3E}">
-        <p14:creationId xmlns:p14="http://schemas.microsoft.com/office/powerpoint/2010/main" val="2533336930"/>
+        <p14:creationId xmlns:p14="http://schemas.microsoft.com/office/powerpoint/2010/main" val="3937713518"/>
       </p:ext>
     </p:extLst>
   </p:cSld>
   <p:clrMapOvr>
     <a:masterClrMapping/>
   </p:clrMapOvr>
-  <mc:AlternateContent xmlns:mc="http://schemas.openxmlformats.org/markup-compatibility/2006" xmlns:p14="http://schemas.microsoft.com/office/powerpoint/2010/main">
-    <mc:Choice Requires="p14">
-      <p:transition spd="med" p14:dur="700">
-        <p:fade/>
-      </p:transition>
-    </mc:Choice>
-    <mc:Fallback xmlns="">
-      <p:transition spd="med">
-        <p:fade/>
-      </p:transition>
-    </mc:Fallback>
-  </mc:AlternateContent>
+  <p:hf sldNum="0" hdr="0" ftr="0" dt="0"/>
 </p:sldLayout>
 </file>
 
@@ -2870,60 +4519,55 @@
       </p:grpSpPr>
       <p:sp>
         <p:nvSpPr>
-          <p:cNvPr id="2" name="Título 1"/>
-          <p:cNvSpPr>
-            <a:spLocks noGrp="1"/>
-          </p:cNvSpPr>
-          <p:nvPr>
-            <p:ph type="title" hasCustomPrompt="1"/>
+          <p:cNvPr id="2" name="Title 1"/>
+          <p:cNvSpPr>
+            <a:spLocks noGrp="1"/>
+          </p:cNvSpPr>
+          <p:nvPr>
+            <p:ph type="title"/>
           </p:nvPr>
         </p:nvSpPr>
         <p:spPr/>
         <p:txBody>
-          <a:bodyPr rtlCol="0"/>
+          <a:bodyPr/>
           <a:lstStyle>
             <a:lvl1pPr>
-              <a:defRPr>
-                <a:effectLst/>
-                <a:latin typeface="Century Gothic" panose="020B0502020202020204" pitchFamily="34" charset="0"/>
-              </a:defRPr>
+              <a:defRPr/>
             </a:lvl1pPr>
           </a:lstStyle>
           <a:p>
-            <a:pPr rtl="0"/>
-            <a:r>
-              <a:rPr lang="pt-PT" noProof="0"/>
-              <a:t>Clique para editar o estilo do título do Modelo Global</a:t>
-            </a:r>
-          </a:p>
-        </p:txBody>
-      </p:sp>
-      <p:sp>
-        <p:nvSpPr>
-          <p:cNvPr id="3" name="Marcador de Posição do Texto 2"/>
-          <p:cNvSpPr>
-            <a:spLocks noGrp="1"/>
-          </p:cNvSpPr>
-          <p:nvPr>
-            <p:ph type="body" idx="1" hasCustomPrompt="1"/>
+            <a:r>
+              <a:rPr lang="pt-PT"/>
+              <a:t>Clique para editar o estilo de título do Modelo Global</a:t>
+            </a:r>
+            <a:endParaRPr lang="en-US" dirty="0"/>
+          </a:p>
+        </p:txBody>
+      </p:sp>
+      <p:sp>
+        <p:nvSpPr>
+          <p:cNvPr id="3" name="Text Placeholder 2"/>
+          <p:cNvSpPr>
+            <a:spLocks noGrp="1"/>
+          </p:cNvSpPr>
+          <p:nvPr>
+            <p:ph type="body" idx="1"/>
           </p:nvPr>
         </p:nvSpPr>
         <p:spPr>
           <a:xfrm>
-            <a:off x="609600" y="1600200"/>
-            <a:ext cx="5386917" cy="609600"/>
+            <a:off x="675745" y="2160983"/>
+            <a:ext cx="4185623" cy="576262"/>
           </a:xfrm>
         </p:spPr>
         <p:txBody>
-          <a:bodyPr rtlCol="0" anchor="b">
+          <a:bodyPr anchor="b">
             <a:noAutofit/>
           </a:bodyPr>
           <a:lstStyle>
-            <a:lvl1pPr marL="0" indent="0" algn="ctr">
-              <a:buNone/>
-              <a:defRPr sz="2400" b="0">
-                <a:latin typeface="Palatino Linotype" panose="02040502050505030304" pitchFamily="18" charset="0"/>
-              </a:defRPr>
+            <a:lvl1pPr marL="0" indent="0">
+              <a:buNone/>
+              <a:defRPr sz="2400" b="0"/>
             </a:lvl1pPr>
             <a:lvl2pPr marL="457200" indent="0">
               <a:buNone/>
@@ -2959,122 +4603,97 @@
             </a:lvl9pPr>
           </a:lstStyle>
           <a:p>
-            <a:pPr lvl="0" rtl="0"/>
-            <a:r>
-              <a:rPr lang="pt-PT" noProof="0"/>
-              <a:t>Clique para editar os estilos de texto do Modelo Global</a:t>
-            </a:r>
-          </a:p>
-        </p:txBody>
-      </p:sp>
-      <p:sp>
-        <p:nvSpPr>
-          <p:cNvPr id="11" name="Marcador de Posição de Conteúdo 10"/>
-          <p:cNvSpPr>
-            <a:spLocks noGrp="1"/>
-          </p:cNvSpPr>
-          <p:nvPr>
-            <p:ph sz="quarter" idx="13" hasCustomPrompt="1"/>
+            <a:pPr lvl="0"/>
+            <a:r>
+              <a:rPr lang="pt-PT"/>
+              <a:t>Editar os estilos de texto do Modelo Global</a:t>
+            </a:r>
+          </a:p>
+        </p:txBody>
+      </p:sp>
+      <p:sp>
+        <p:nvSpPr>
+          <p:cNvPr id="4" name="Content Placeholder 3"/>
+          <p:cNvSpPr>
+            <a:spLocks noGrp="1"/>
+          </p:cNvSpPr>
+          <p:nvPr>
+            <p:ph sz="half" idx="2"/>
           </p:nvPr>
         </p:nvSpPr>
         <p:spPr>
           <a:xfrm>
-            <a:off x="609600" y="2212848"/>
-            <a:ext cx="5388864" cy="3913632"/>
+            <a:off x="675745" y="2737245"/>
+            <a:ext cx="4185623" cy="3304117"/>
           </a:xfrm>
         </p:spPr>
         <p:txBody>
-          <a:bodyPr rtlCol="0"/>
-          <a:lstStyle>
-            <a:lvl1pPr>
-              <a:defRPr>
-                <a:latin typeface="Palatino Linotype" panose="02040502050505030304" pitchFamily="18" charset="0"/>
-              </a:defRPr>
-            </a:lvl1pPr>
-            <a:lvl2pPr>
-              <a:defRPr>
-                <a:latin typeface="Palatino Linotype" panose="02040502050505030304" pitchFamily="18" charset="0"/>
-              </a:defRPr>
-            </a:lvl2pPr>
-            <a:lvl3pPr>
-              <a:defRPr>
-                <a:latin typeface="Palatino Linotype" panose="02040502050505030304" pitchFamily="18" charset="0"/>
-              </a:defRPr>
-            </a:lvl3pPr>
-            <a:lvl4pPr>
-              <a:defRPr>
-                <a:latin typeface="Palatino Linotype" panose="02040502050505030304" pitchFamily="18" charset="0"/>
-              </a:defRPr>
-            </a:lvl4pPr>
-            <a:lvl5pPr>
-              <a:defRPr>
-                <a:latin typeface="Palatino Linotype" panose="02040502050505030304" pitchFamily="18" charset="0"/>
-              </a:defRPr>
-            </a:lvl5pPr>
-          </a:lstStyle>
-          <a:p>
-            <a:pPr lvl="0" rtl="0"/>
-            <a:r>
-              <a:rPr lang="pt-PT" noProof="0"/>
-              <a:t>Clique para editar os estilos de texto do Modelo Global</a:t>
-            </a:r>
-          </a:p>
-          <a:p>
-            <a:pPr lvl="1" rtl="0"/>
-            <a:r>
-              <a:rPr lang="pt-PT" noProof="0"/>
+          <a:bodyPr>
+            <a:normAutofit/>
+          </a:bodyPr>
+          <a:lstStyle/>
+          <a:p>
+            <a:pPr lvl="0"/>
+            <a:r>
+              <a:rPr lang="pt-PT"/>
+              <a:t>Editar os estilos de texto do Modelo Global</a:t>
+            </a:r>
+          </a:p>
+          <a:p>
+            <a:pPr lvl="1"/>
+            <a:r>
+              <a:rPr lang="pt-PT"/>
               <a:t>Segundo nível</a:t>
             </a:r>
           </a:p>
           <a:p>
-            <a:pPr lvl="2" rtl="0"/>
-            <a:r>
-              <a:rPr lang="pt-PT" noProof="0"/>
+            <a:pPr lvl="2"/>
+            <a:r>
+              <a:rPr lang="pt-PT"/>
               <a:t>Terceiro nível</a:t>
             </a:r>
           </a:p>
           <a:p>
-            <a:pPr lvl="3" rtl="0"/>
-            <a:r>
-              <a:rPr lang="pt-PT" noProof="0"/>
+            <a:pPr lvl="3"/>
+            <a:r>
+              <a:rPr lang="pt-PT"/>
               <a:t>Quarto nível</a:t>
             </a:r>
           </a:p>
           <a:p>
-            <a:pPr lvl="4" rtl="0"/>
-            <a:r>
-              <a:rPr lang="pt-PT" noProof="0"/>
+            <a:pPr lvl="4"/>
+            <a:r>
+              <a:rPr lang="pt-PT"/>
               <a:t>Quinto nível</a:t>
             </a:r>
-          </a:p>
-        </p:txBody>
-      </p:sp>
-      <p:sp>
-        <p:nvSpPr>
-          <p:cNvPr id="5" name="Marcador de Posição do Texto 4"/>
-          <p:cNvSpPr>
-            <a:spLocks noGrp="1"/>
-          </p:cNvSpPr>
-          <p:nvPr>
-            <p:ph type="body" sz="quarter" idx="3" hasCustomPrompt="1"/>
+            <a:endParaRPr lang="en-US" dirty="0"/>
+          </a:p>
+        </p:txBody>
+      </p:sp>
+      <p:sp>
+        <p:nvSpPr>
+          <p:cNvPr id="5" name="Text Placeholder 4"/>
+          <p:cNvSpPr>
+            <a:spLocks noGrp="1"/>
+          </p:cNvSpPr>
+          <p:nvPr>
+            <p:ph type="body" sz="quarter" idx="3"/>
           </p:nvPr>
         </p:nvSpPr>
         <p:spPr>
           <a:xfrm>
-            <a:off x="6197601" y="1600200"/>
-            <a:ext cx="5389033" cy="609600"/>
+            <a:off x="5088383" y="2160983"/>
+            <a:ext cx="4185618" cy="576262"/>
           </a:xfrm>
         </p:spPr>
         <p:txBody>
-          <a:bodyPr rtlCol="0" anchor="b">
+          <a:bodyPr anchor="b">
             <a:noAutofit/>
           </a:bodyPr>
           <a:lstStyle>
-            <a:lvl1pPr marL="0" indent="0" algn="ctr">
-              <a:buNone/>
-              <a:defRPr sz="2400" b="0">
-                <a:latin typeface="Palatino Linotype" panose="02040502050505030304" pitchFamily="18" charset="0"/>
-              </a:defRPr>
+            <a:lvl1pPr marL="0" indent="0">
+              <a:buNone/>
+              <a:defRPr sz="2400" b="0"/>
             </a:lvl1pPr>
             <a:lvl2pPr marL="457200" indent="0">
               <a:buNone/>
@@ -3110,146 +4729,89 @@
             </a:lvl9pPr>
           </a:lstStyle>
           <a:p>
-            <a:pPr lvl="0" rtl="0"/>
-            <a:r>
-              <a:rPr lang="pt-PT" noProof="0"/>
-              <a:t>Clique para editar os estilos de texto do Modelo Global</a:t>
-            </a:r>
-          </a:p>
-        </p:txBody>
-      </p:sp>
-      <p:sp>
-        <p:nvSpPr>
-          <p:cNvPr id="13" name="Marcador de Posição de Conteúdo 12"/>
-          <p:cNvSpPr>
-            <a:spLocks noGrp="1"/>
-          </p:cNvSpPr>
-          <p:nvPr>
-            <p:ph sz="quarter" idx="14" hasCustomPrompt="1"/>
+            <a:pPr lvl="0"/>
+            <a:r>
+              <a:rPr lang="pt-PT"/>
+              <a:t>Editar os estilos de texto do Modelo Global</a:t>
+            </a:r>
+          </a:p>
+        </p:txBody>
+      </p:sp>
+      <p:sp>
+        <p:nvSpPr>
+          <p:cNvPr id="6" name="Content Placeholder 5"/>
+          <p:cNvSpPr>
+            <a:spLocks noGrp="1"/>
+          </p:cNvSpPr>
+          <p:nvPr>
+            <p:ph sz="quarter" idx="4"/>
           </p:nvPr>
         </p:nvSpPr>
         <p:spPr>
           <a:xfrm>
-            <a:off x="6230112" y="2212849"/>
-            <a:ext cx="5388864" cy="3913187"/>
+            <a:off x="5088384" y="2737245"/>
+            <a:ext cx="4185617" cy="3304117"/>
           </a:xfrm>
         </p:spPr>
         <p:txBody>
-          <a:bodyPr rtlCol="0"/>
-          <a:lstStyle>
-            <a:lvl1pPr>
-              <a:defRPr>
-                <a:latin typeface="Palatino Linotype" panose="02040502050505030304" pitchFamily="18" charset="0"/>
-              </a:defRPr>
-            </a:lvl1pPr>
-            <a:lvl2pPr>
-              <a:defRPr>
-                <a:latin typeface="Palatino Linotype" panose="02040502050505030304" pitchFamily="18" charset="0"/>
-              </a:defRPr>
-            </a:lvl2pPr>
-            <a:lvl3pPr>
-              <a:defRPr>
-                <a:latin typeface="Palatino Linotype" panose="02040502050505030304" pitchFamily="18" charset="0"/>
-              </a:defRPr>
-            </a:lvl3pPr>
-            <a:lvl4pPr>
-              <a:defRPr>
-                <a:latin typeface="Palatino Linotype" panose="02040502050505030304" pitchFamily="18" charset="0"/>
-              </a:defRPr>
-            </a:lvl4pPr>
-            <a:lvl5pPr>
-              <a:defRPr>
-                <a:latin typeface="Palatino Linotype" panose="02040502050505030304" pitchFamily="18" charset="0"/>
-              </a:defRPr>
-            </a:lvl5pPr>
-          </a:lstStyle>
-          <a:p>
-            <a:pPr lvl="0" rtl="0"/>
-            <a:r>
-              <a:rPr lang="pt-PT" noProof="0"/>
-              <a:t>Clique para editar os estilos de texto do Modelo Global</a:t>
-            </a:r>
-          </a:p>
-          <a:p>
-            <a:pPr lvl="1" rtl="0"/>
-            <a:r>
-              <a:rPr lang="pt-PT" noProof="0"/>
+          <a:bodyPr>
+            <a:normAutofit/>
+          </a:bodyPr>
+          <a:lstStyle/>
+          <a:p>
+            <a:pPr lvl="0"/>
+            <a:r>
+              <a:rPr lang="pt-PT"/>
+              <a:t>Editar os estilos de texto do Modelo Global</a:t>
+            </a:r>
+          </a:p>
+          <a:p>
+            <a:pPr lvl="1"/>
+            <a:r>
+              <a:rPr lang="pt-PT"/>
               <a:t>Segundo nível</a:t>
             </a:r>
           </a:p>
           <a:p>
-            <a:pPr lvl="2" rtl="0"/>
-            <a:r>
-              <a:rPr lang="pt-PT" noProof="0"/>
+            <a:pPr lvl="2"/>
+            <a:r>
+              <a:rPr lang="pt-PT"/>
               <a:t>Terceiro nível</a:t>
             </a:r>
           </a:p>
           <a:p>
-            <a:pPr lvl="3" rtl="0"/>
-            <a:r>
-              <a:rPr lang="pt-PT" noProof="0"/>
+            <a:pPr lvl="3"/>
+            <a:r>
+              <a:rPr lang="pt-PT"/>
               <a:t>Quarto nível</a:t>
             </a:r>
           </a:p>
           <a:p>
-            <a:pPr lvl="4" rtl="0"/>
-            <a:r>
-              <a:rPr lang="pt-PT" noProof="0"/>
+            <a:pPr lvl="4"/>
+            <a:r>
+              <a:rPr lang="pt-PT"/>
               <a:t>Quinto nível</a:t>
             </a:r>
-          </a:p>
-        </p:txBody>
-      </p:sp>
-      <p:sp>
-        <p:nvSpPr>
-          <p:cNvPr id="8" name="Marcador de Posição do Rodapé 7"/>
-          <p:cNvSpPr>
-            <a:spLocks noGrp="1"/>
-          </p:cNvSpPr>
-          <p:nvPr>
-            <p:ph type="ftr" sz="quarter" idx="11"/>
+            <a:endParaRPr lang="en-US" dirty="0"/>
+          </a:p>
+        </p:txBody>
+      </p:sp>
+      <p:sp>
+        <p:nvSpPr>
+          <p:cNvPr id="7" name="Date Placeholder 6"/>
+          <p:cNvSpPr>
+            <a:spLocks noGrp="1"/>
+          </p:cNvSpPr>
+          <p:nvPr>
+            <p:ph type="dt" sz="half" idx="10"/>
           </p:nvPr>
         </p:nvSpPr>
         <p:spPr/>
         <p:txBody>
-          <a:bodyPr rtlCol="0"/>
-          <a:lstStyle>
-            <a:lvl1pPr>
-              <a:defRPr>
-                <a:latin typeface="Century Gothic" panose="020B0502020202020204" pitchFamily="34" charset="0"/>
-              </a:defRPr>
-            </a:lvl1pPr>
-          </a:lstStyle>
-          <a:p>
-            <a:r>
-              <a:rPr lang="pt-PT" noProof="0"/>
-              <a:t>Adicione um rodapé</a:t>
-            </a:r>
-          </a:p>
-        </p:txBody>
-      </p:sp>
-      <p:sp>
-        <p:nvSpPr>
-          <p:cNvPr id="7" name="Marcador de Posição da Data 6"/>
-          <p:cNvSpPr>
-            <a:spLocks noGrp="1"/>
-          </p:cNvSpPr>
-          <p:nvPr>
-            <p:ph type="dt" sz="half" idx="10"/>
-          </p:nvPr>
-        </p:nvSpPr>
-        <p:spPr/>
-        <p:txBody>
-          <a:bodyPr rtlCol="0"/>
-          <a:lstStyle>
-            <a:lvl1pPr>
-              <a:defRPr>
-                <a:latin typeface="Century Gothic" panose="020B0502020202020204" pitchFamily="34" charset="0"/>
-              </a:defRPr>
-            </a:lvl1pPr>
-          </a:lstStyle>
-          <a:p>
-            <a:fld id="{89A9F3BD-CDBA-404F-B3CB-2FFA2CFE5197}" type="datetime1">
+          <a:bodyPr/>
+          <a:lstStyle/>
+          <a:p>
+            <a:fld id="{80BF842D-1605-46E4-8DA6-48CAB1706D79}" type="datetime1">
               <a:rPr lang="pt-PT" noProof="0" smtClean="0"/>
               <a:t>24/01/2019</a:t>
             </a:fld>
@@ -3259,7 +4821,29 @@
       </p:sp>
       <p:sp>
         <p:nvSpPr>
-          <p:cNvPr id="9" name="Marcador de Posição do Número do Diapositivo 8"/>
+          <p:cNvPr id="8" name="Footer Placeholder 7"/>
+          <p:cNvSpPr>
+            <a:spLocks noGrp="1"/>
+          </p:cNvSpPr>
+          <p:nvPr>
+            <p:ph type="ftr" sz="quarter" idx="11"/>
+          </p:nvPr>
+        </p:nvSpPr>
+        <p:spPr/>
+        <p:txBody>
+          <a:bodyPr/>
+          <a:lstStyle/>
+          <a:p>
+            <a:r>
+              <a:rPr lang="pt-PT" noProof="0"/>
+              <a:t>Adicione um rodapé</a:t>
+            </a:r>
+          </a:p>
+        </p:txBody>
+      </p:sp>
+      <p:sp>
+        <p:nvSpPr>
+          <p:cNvPr id="9" name="Slide Number Placeholder 8"/>
           <p:cNvSpPr>
             <a:spLocks noGrp="1"/>
           </p:cNvSpPr>
@@ -3269,14 +4853,8 @@
         </p:nvSpPr>
         <p:spPr/>
         <p:txBody>
-          <a:bodyPr rtlCol="0"/>
-          <a:lstStyle>
-            <a:lvl1pPr>
-              <a:defRPr>
-                <a:latin typeface="Century Gothic" panose="020B0502020202020204" pitchFamily="34" charset="0"/>
-              </a:defRPr>
-            </a:lvl1pPr>
-          </a:lstStyle>
+          <a:bodyPr/>
+          <a:lstStyle/>
           <a:p>
             <a:fld id="{401CF334-2D5C-4859-84A6-CA7E6E43FAEB}" type="slidenum">
               <a:rPr lang="pt-PT" noProof="0" smtClean="0"/>
@@ -3290,25 +4868,14 @@
     </p:spTree>
     <p:extLst>
       <p:ext uri="{BB962C8B-B14F-4D97-AF65-F5344CB8AC3E}">
-        <p14:creationId xmlns:p14="http://schemas.microsoft.com/office/powerpoint/2010/main" val="3244593729"/>
+        <p14:creationId xmlns:p14="http://schemas.microsoft.com/office/powerpoint/2010/main" val="1738274786"/>
       </p:ext>
     </p:extLst>
   </p:cSld>
   <p:clrMapOvr>
     <a:masterClrMapping/>
   </p:clrMapOvr>
-  <mc:AlternateContent xmlns:mc="http://schemas.openxmlformats.org/markup-compatibility/2006" xmlns:p14="http://schemas.microsoft.com/office/powerpoint/2010/main">
-    <mc:Choice Requires="p14">
-      <p:transition spd="med" p14:dur="700">
-        <p:fade/>
-      </p:transition>
-    </mc:Choice>
-    <mc:Fallback xmlns="">
-      <p:transition spd="med">
-        <p:fade/>
-      </p:transition>
-    </mc:Fallback>
-  </mc:AlternateContent>
+  <p:hf sldNum="0" hdr="0" ftr="0" dt="0"/>
 </p:sldLayout>
 </file>
 
@@ -3331,87 +4898,46 @@
       </p:grpSpPr>
       <p:sp>
         <p:nvSpPr>
-          <p:cNvPr id="2" name="Título 1"/>
-          <p:cNvSpPr>
-            <a:spLocks noGrp="1"/>
-          </p:cNvSpPr>
-          <p:nvPr>
-            <p:ph type="title" hasCustomPrompt="1"/>
+          <p:cNvPr id="2" name="Title 1"/>
+          <p:cNvSpPr>
+            <a:spLocks noGrp="1"/>
+          </p:cNvSpPr>
+          <p:nvPr>
+            <p:ph type="title"/>
           </p:nvPr>
         </p:nvSpPr>
         <p:spPr>
           <a:xfrm>
-            <a:off x="609600" y="9625"/>
-            <a:ext cx="10972800" cy="1600200"/>
+            <a:off x="677334" y="609600"/>
+            <a:ext cx="8596668" cy="1320800"/>
           </a:xfrm>
         </p:spPr>
         <p:txBody>
-          <a:bodyPr rtlCol="0"/>
-          <a:lstStyle>
-            <a:lvl1pPr>
-              <a:defRPr>
-                <a:effectLst/>
-                <a:latin typeface="Century Gothic" panose="020B0502020202020204" pitchFamily="34" charset="0"/>
-              </a:defRPr>
-            </a:lvl1pPr>
-          </a:lstStyle>
-          <a:p>
-            <a:pPr rtl="0"/>
-            <a:r>
-              <a:rPr lang="pt-PT" noProof="0"/>
-              <a:t>Clique para editar o estilo do título do Modelo Global</a:t>
-            </a:r>
-          </a:p>
-        </p:txBody>
-      </p:sp>
-      <p:sp>
-        <p:nvSpPr>
-          <p:cNvPr id="4" name="Marcador de Posição do Rodapé 3"/>
-          <p:cNvSpPr>
-            <a:spLocks noGrp="1"/>
-          </p:cNvSpPr>
-          <p:nvPr>
-            <p:ph type="ftr" sz="quarter" idx="11"/>
+          <a:bodyPr/>
+          <a:lstStyle/>
+          <a:p>
+            <a:r>
+              <a:rPr lang="pt-PT"/>
+              <a:t>Clique para editar o estilo de título do Modelo Global</a:t>
+            </a:r>
+            <a:endParaRPr lang="en-US" dirty="0"/>
+          </a:p>
+        </p:txBody>
+      </p:sp>
+      <p:sp>
+        <p:nvSpPr>
+          <p:cNvPr id="3" name="Date Placeholder 2"/>
+          <p:cNvSpPr>
+            <a:spLocks noGrp="1"/>
+          </p:cNvSpPr>
+          <p:nvPr>
+            <p:ph type="dt" sz="half" idx="10"/>
           </p:nvPr>
         </p:nvSpPr>
         <p:spPr/>
         <p:txBody>
-          <a:bodyPr rtlCol="0"/>
-          <a:lstStyle>
-            <a:lvl1pPr>
-              <a:defRPr>
-                <a:latin typeface="Century Gothic" panose="020B0502020202020204" pitchFamily="34" charset="0"/>
-              </a:defRPr>
-            </a:lvl1pPr>
-          </a:lstStyle>
-          <a:p>
-            <a:r>
-              <a:rPr lang="pt-PT" noProof="0"/>
-              <a:t>Adicione um rodapé</a:t>
-            </a:r>
-          </a:p>
-        </p:txBody>
-      </p:sp>
-      <p:sp>
-        <p:nvSpPr>
-          <p:cNvPr id="3" name="Marcador de Posição da Data 2"/>
-          <p:cNvSpPr>
-            <a:spLocks noGrp="1"/>
-          </p:cNvSpPr>
-          <p:nvPr>
-            <p:ph type="dt" sz="half" idx="10"/>
-          </p:nvPr>
-        </p:nvSpPr>
-        <p:spPr/>
-        <p:txBody>
-          <a:bodyPr rtlCol="0"/>
-          <a:lstStyle>
-            <a:lvl1pPr>
-              <a:defRPr>
-                <a:latin typeface="Century Gothic" panose="020B0502020202020204" pitchFamily="34" charset="0"/>
-              </a:defRPr>
-            </a:lvl1pPr>
-          </a:lstStyle>
+          <a:bodyPr/>
+          <a:lstStyle/>
           <a:p>
             <a:fld id="{49DE8E58-58AF-434D-A834-9B5381F366BE}" type="datetime1">
               <a:rPr lang="pt-PT" noProof="0" smtClean="0"/>
@@ -3423,7 +4949,29 @@
       </p:sp>
       <p:sp>
         <p:nvSpPr>
-          <p:cNvPr id="5" name="Marcador de Posição do Número do Diapositivo 4"/>
+          <p:cNvPr id="4" name="Footer Placeholder 3"/>
+          <p:cNvSpPr>
+            <a:spLocks noGrp="1"/>
+          </p:cNvSpPr>
+          <p:nvPr>
+            <p:ph type="ftr" sz="quarter" idx="11"/>
+          </p:nvPr>
+        </p:nvSpPr>
+        <p:spPr/>
+        <p:txBody>
+          <a:bodyPr/>
+          <a:lstStyle/>
+          <a:p>
+            <a:r>
+              <a:rPr lang="pt-PT" noProof="0"/>
+              <a:t>Adicione um rodapé</a:t>
+            </a:r>
+          </a:p>
+        </p:txBody>
+      </p:sp>
+      <p:sp>
+        <p:nvSpPr>
+          <p:cNvPr id="5" name="Slide Number Placeholder 4"/>
           <p:cNvSpPr>
             <a:spLocks noGrp="1"/>
           </p:cNvSpPr>
@@ -3433,14 +4981,8 @@
         </p:nvSpPr>
         <p:spPr/>
         <p:txBody>
-          <a:bodyPr rtlCol="0"/>
-          <a:lstStyle>
-            <a:lvl1pPr>
-              <a:defRPr>
-                <a:latin typeface="Century Gothic" panose="020B0502020202020204" pitchFamily="34" charset="0"/>
-              </a:defRPr>
-            </a:lvl1pPr>
-          </a:lstStyle>
+          <a:bodyPr/>
+          <a:lstStyle/>
           <a:p>
             <a:fld id="{401CF334-2D5C-4859-84A6-CA7E6E43FAEB}" type="slidenum">
               <a:rPr lang="pt-PT" noProof="0" smtClean="0"/>
@@ -3454,7 +4996,7 @@
     </p:spTree>
     <p:extLst>
       <p:ext uri="{BB962C8B-B14F-4D97-AF65-F5344CB8AC3E}">
-        <p14:creationId xmlns:p14="http://schemas.microsoft.com/office/powerpoint/2010/main" val="3067989198"/>
+        <p14:creationId xmlns:p14="http://schemas.microsoft.com/office/powerpoint/2010/main" val="2612953537"/>
       </p:ext>
     </p:extLst>
   </p:cSld>
@@ -3495,52 +5037,18 @@
       </p:grpSpPr>
       <p:sp>
         <p:nvSpPr>
-          <p:cNvPr id="3" name="Marcador de Posição do Rodapé 2"/>
-          <p:cNvSpPr>
-            <a:spLocks noGrp="1"/>
-          </p:cNvSpPr>
-          <p:nvPr>
-            <p:ph type="ftr" sz="quarter" idx="11"/>
+          <p:cNvPr id="2" name="Date Placeholder 1"/>
+          <p:cNvSpPr>
+            <a:spLocks noGrp="1"/>
+          </p:cNvSpPr>
+          <p:nvPr>
+            <p:ph type="dt" sz="half" idx="10"/>
           </p:nvPr>
         </p:nvSpPr>
         <p:spPr/>
         <p:txBody>
-          <a:bodyPr rtlCol="0"/>
-          <a:lstStyle>
-            <a:lvl1pPr>
-              <a:defRPr>
-                <a:latin typeface="Century Gothic" panose="020B0502020202020204" pitchFamily="34" charset="0"/>
-              </a:defRPr>
-            </a:lvl1pPr>
-          </a:lstStyle>
-          <a:p>
-            <a:r>
-              <a:rPr lang="pt-PT" noProof="0"/>
-              <a:t>Adicione um rodapé</a:t>
-            </a:r>
-          </a:p>
-        </p:txBody>
-      </p:sp>
-      <p:sp>
-        <p:nvSpPr>
-          <p:cNvPr id="2" name="Marcador de Posição da Data 1"/>
-          <p:cNvSpPr>
-            <a:spLocks noGrp="1"/>
-          </p:cNvSpPr>
-          <p:nvPr>
-            <p:ph type="dt" sz="half" idx="10"/>
-          </p:nvPr>
-        </p:nvSpPr>
-        <p:spPr/>
-        <p:txBody>
-          <a:bodyPr rtlCol="0"/>
-          <a:lstStyle>
-            <a:lvl1pPr>
-              <a:defRPr>
-                <a:latin typeface="Century Gothic" panose="020B0502020202020204" pitchFamily="34" charset="0"/>
-              </a:defRPr>
-            </a:lvl1pPr>
-          </a:lstStyle>
+          <a:bodyPr/>
+          <a:lstStyle/>
           <a:p>
             <a:fld id="{9F5E4E1A-29D6-4CCC-A822-35D51A5DA968}" type="datetime1">
               <a:rPr lang="pt-PT" noProof="0" smtClean="0"/>
@@ -3552,7 +5060,29 @@
       </p:sp>
       <p:sp>
         <p:nvSpPr>
-          <p:cNvPr id="4" name="Marcador de Posição do Número do Diapositivo 3"/>
+          <p:cNvPr id="3" name="Footer Placeholder 2"/>
+          <p:cNvSpPr>
+            <a:spLocks noGrp="1"/>
+          </p:cNvSpPr>
+          <p:nvPr>
+            <p:ph type="ftr" sz="quarter" idx="11"/>
+          </p:nvPr>
+        </p:nvSpPr>
+        <p:spPr/>
+        <p:txBody>
+          <a:bodyPr/>
+          <a:lstStyle/>
+          <a:p>
+            <a:r>
+              <a:rPr lang="pt-PT" noProof="0"/>
+              <a:t>Adicione um rodapé</a:t>
+            </a:r>
+          </a:p>
+        </p:txBody>
+      </p:sp>
+      <p:sp>
+        <p:nvSpPr>
+          <p:cNvPr id="4" name="Slide Number Placeholder 3"/>
           <p:cNvSpPr>
             <a:spLocks noGrp="1"/>
           </p:cNvSpPr>
@@ -3562,14 +5092,8 @@
         </p:nvSpPr>
         <p:spPr/>
         <p:txBody>
-          <a:bodyPr rtlCol="0"/>
-          <a:lstStyle>
-            <a:lvl1pPr>
-              <a:defRPr>
-                <a:latin typeface="Century Gothic" panose="020B0502020202020204" pitchFamily="34" charset="0"/>
-              </a:defRPr>
-            </a:lvl1pPr>
-          </a:lstStyle>
+          <a:bodyPr/>
+          <a:lstStyle/>
           <a:p>
             <a:fld id="{401CF334-2D5C-4859-84A6-CA7E6E43FAEB}" type="slidenum">
               <a:rPr lang="pt-PT" noProof="0" smtClean="0"/>
@@ -3583,7 +5107,7 @@
     </p:spTree>
     <p:extLst>
       <p:ext uri="{BB962C8B-B14F-4D97-AF65-F5344CB8AC3E}">
-        <p14:creationId xmlns:p14="http://schemas.microsoft.com/office/powerpoint/2010/main" val="546002789"/>
+        <p14:creationId xmlns:p14="http://schemas.microsoft.com/office/powerpoint/2010/main" val="356119353"/>
       </p:ext>
     </p:extLst>
   </p:cSld>
@@ -3624,256 +5148,178 @@
       </p:grpSpPr>
       <p:sp>
         <p:nvSpPr>
-          <p:cNvPr id="2" name="Título 1"/>
-          <p:cNvSpPr>
-            <a:spLocks noGrp="1"/>
-          </p:cNvSpPr>
-          <p:nvPr>
-            <p:ph type="title" hasCustomPrompt="1"/>
+          <p:cNvPr id="2" name="Title 1"/>
+          <p:cNvSpPr>
+            <a:spLocks noGrp="1"/>
+          </p:cNvSpPr>
+          <p:nvPr>
+            <p:ph type="title"/>
           </p:nvPr>
         </p:nvSpPr>
         <p:spPr>
           <a:xfrm>
-            <a:off x="7876117" y="266700"/>
-            <a:ext cx="4011084" cy="2095500"/>
+            <a:off x="677334" y="1498604"/>
+            <a:ext cx="3854528" cy="1278466"/>
           </a:xfrm>
         </p:spPr>
         <p:txBody>
-          <a:bodyPr rtlCol="0" anchor="b"/>
-          <a:lstStyle>
-            <a:lvl1pPr algn="ctr">
-              <a:lnSpc>
-                <a:spcPct val="100000"/>
-              </a:lnSpc>
-              <a:defRPr sz="2800" b="0">
-                <a:effectLst/>
-                <a:latin typeface="Century Gothic" panose="020B0502020202020204" pitchFamily="34" charset="0"/>
-              </a:defRPr>
-            </a:lvl1pPr>
-          </a:lstStyle>
-          <a:p>
-            <a:pPr rtl="0"/>
-            <a:r>
-              <a:rPr lang="pt-PT" noProof="0"/>
-              <a:t>Clique para editar o estilo do título do Modelo Global</a:t>
-            </a:r>
-          </a:p>
-        </p:txBody>
-      </p:sp>
-      <p:sp>
-        <p:nvSpPr>
-          <p:cNvPr id="3" name="Marcador de Posição de Conteúdo 2"/>
-          <p:cNvSpPr>
-            <a:spLocks noGrp="1"/>
-          </p:cNvSpPr>
-          <p:nvPr>
-            <p:ph idx="1" hasCustomPrompt="1"/>
-          </p:nvPr>
-        </p:nvSpPr>
-        <p:spPr>
-          <a:xfrm>
-            <a:off x="958850" y="273051"/>
-            <a:ext cx="6661151" cy="5853113"/>
-          </a:xfrm>
-        </p:spPr>
-        <p:txBody>
-          <a:bodyPr rtlCol="0"/>
-          <a:lstStyle>
-            <a:lvl1pPr>
-              <a:defRPr sz="3200">
-                <a:latin typeface="Palatino Linotype" panose="02040502050505030304" pitchFamily="18" charset="0"/>
-              </a:defRPr>
-            </a:lvl1pPr>
-            <a:lvl2pPr>
-              <a:defRPr sz="2800">
-                <a:latin typeface="Palatino Linotype" panose="02040502050505030304" pitchFamily="18" charset="0"/>
-              </a:defRPr>
-            </a:lvl2pPr>
-            <a:lvl3pPr>
-              <a:defRPr sz="2400">
-                <a:latin typeface="Palatino Linotype" panose="02040502050505030304" pitchFamily="18" charset="0"/>
-              </a:defRPr>
-            </a:lvl3pPr>
-            <a:lvl4pPr>
-              <a:defRPr sz="2000">
-                <a:latin typeface="Palatino Linotype" panose="02040502050505030304" pitchFamily="18" charset="0"/>
-              </a:defRPr>
-            </a:lvl4pPr>
-            <a:lvl5pPr>
-              <a:defRPr sz="2000">
-                <a:latin typeface="Palatino Linotype" panose="02040502050505030304" pitchFamily="18" charset="0"/>
-              </a:defRPr>
-            </a:lvl5pPr>
-            <a:lvl6pPr>
-              <a:defRPr sz="2000"/>
-            </a:lvl6pPr>
-            <a:lvl7pPr>
-              <a:defRPr sz="2000"/>
-            </a:lvl7pPr>
-            <a:lvl8pPr>
-              <a:defRPr sz="2000"/>
-            </a:lvl8pPr>
-            <a:lvl9pPr>
-              <a:defRPr sz="2000"/>
-            </a:lvl9pPr>
-          </a:lstStyle>
-          <a:p>
-            <a:pPr lvl="0" rtl="0"/>
-            <a:r>
-              <a:rPr lang="pt-PT" noProof="0"/>
-              <a:t>Clique para editar os estilos de texto do Modelo Global</a:t>
-            </a:r>
-          </a:p>
-          <a:p>
-            <a:pPr lvl="1" rtl="0"/>
-            <a:r>
-              <a:rPr lang="pt-PT" noProof="0"/>
-              <a:t>Segundo nível</a:t>
-            </a:r>
-          </a:p>
-          <a:p>
-            <a:pPr lvl="2" rtl="0"/>
-            <a:r>
-              <a:rPr lang="pt-PT" noProof="0"/>
-              <a:t>Terceiro nível</a:t>
-            </a:r>
-          </a:p>
-          <a:p>
-            <a:pPr lvl="3" rtl="0"/>
-            <a:r>
-              <a:rPr lang="pt-PT" noProof="0"/>
-              <a:t>Quarto nível</a:t>
-            </a:r>
-          </a:p>
-          <a:p>
-            <a:pPr lvl="4" rtl="0"/>
-            <a:r>
-              <a:rPr lang="pt-PT" noProof="0"/>
-              <a:t>Quinto nível</a:t>
-            </a:r>
-          </a:p>
-        </p:txBody>
-      </p:sp>
-      <p:sp>
-        <p:nvSpPr>
-          <p:cNvPr id="4" name="Marcador de Posição do Texto 3"/>
-          <p:cNvSpPr>
-            <a:spLocks noGrp="1"/>
-          </p:cNvSpPr>
-          <p:nvPr>
-            <p:ph type="body" sz="half" idx="2" hasCustomPrompt="1"/>
-          </p:nvPr>
-        </p:nvSpPr>
-        <p:spPr>
-          <a:xfrm>
-            <a:off x="7876117" y="2438401"/>
-            <a:ext cx="4011084" cy="3687763"/>
-          </a:xfrm>
-        </p:spPr>
-        <p:txBody>
-          <a:bodyPr rtlCol="0">
+          <a:bodyPr anchor="b">
             <a:normAutofit/>
           </a:bodyPr>
           <a:lstStyle>
-            <a:lvl1pPr marL="0" indent="0" algn="ctr">
-              <a:lnSpc>
-                <a:spcPct val="125000"/>
-              </a:lnSpc>
-              <a:buNone/>
-              <a:defRPr sz="1600">
-                <a:latin typeface="Palatino Linotype" panose="02040502050505030304" pitchFamily="18" charset="0"/>
-              </a:defRPr>
+            <a:lvl1pPr>
+              <a:defRPr sz="2000"/>
             </a:lvl1pPr>
-            <a:lvl2pPr marL="457200" indent="0">
+          </a:lstStyle>
+          <a:p>
+            <a:r>
+              <a:rPr lang="pt-PT"/>
+              <a:t>Clique para editar o estilo de título do Modelo Global</a:t>
+            </a:r>
+            <a:endParaRPr lang="en-US" dirty="0"/>
+          </a:p>
+        </p:txBody>
+      </p:sp>
+      <p:sp>
+        <p:nvSpPr>
+          <p:cNvPr id="3" name="Content Placeholder 2"/>
+          <p:cNvSpPr>
+            <a:spLocks noGrp="1"/>
+          </p:cNvSpPr>
+          <p:nvPr>
+            <p:ph idx="1"/>
+          </p:nvPr>
+        </p:nvSpPr>
+        <p:spPr>
+          <a:xfrm>
+            <a:off x="4760461" y="514924"/>
+            <a:ext cx="4513541" cy="5526437"/>
+          </a:xfrm>
+        </p:spPr>
+        <p:txBody>
+          <a:bodyPr>
+            <a:normAutofit/>
+          </a:bodyPr>
+          <a:lstStyle/>
+          <a:p>
+            <a:pPr lvl="0"/>
+            <a:r>
+              <a:rPr lang="pt-PT"/>
+              <a:t>Editar os estilos de texto do Modelo Global</a:t>
+            </a:r>
+          </a:p>
+          <a:p>
+            <a:pPr lvl="1"/>
+            <a:r>
+              <a:rPr lang="pt-PT"/>
+              <a:t>Segundo nível</a:t>
+            </a:r>
+          </a:p>
+          <a:p>
+            <a:pPr lvl="2"/>
+            <a:r>
+              <a:rPr lang="pt-PT"/>
+              <a:t>Terceiro nível</a:t>
+            </a:r>
+          </a:p>
+          <a:p>
+            <a:pPr lvl="3"/>
+            <a:r>
+              <a:rPr lang="pt-PT"/>
+              <a:t>Quarto nível</a:t>
+            </a:r>
+          </a:p>
+          <a:p>
+            <a:pPr lvl="4"/>
+            <a:r>
+              <a:rPr lang="pt-PT"/>
+              <a:t>Quinto nível</a:t>
+            </a:r>
+            <a:endParaRPr lang="en-US" dirty="0"/>
+          </a:p>
+        </p:txBody>
+      </p:sp>
+      <p:sp>
+        <p:nvSpPr>
+          <p:cNvPr id="4" name="Text Placeholder 3"/>
+          <p:cNvSpPr>
+            <a:spLocks noGrp="1"/>
+          </p:cNvSpPr>
+          <p:nvPr>
+            <p:ph type="body" sz="half" idx="2"/>
+          </p:nvPr>
+        </p:nvSpPr>
+        <p:spPr>
+          <a:xfrm>
+            <a:off x="677334" y="2777069"/>
+            <a:ext cx="3854528" cy="2584449"/>
+          </a:xfrm>
+        </p:spPr>
+        <p:txBody>
+          <a:bodyPr>
+            <a:normAutofit/>
+          </a:bodyPr>
+          <a:lstStyle>
+            <a:lvl1pPr marL="0" indent="0">
+              <a:buNone/>
+              <a:defRPr sz="1400"/>
+            </a:lvl1pPr>
+            <a:lvl2pPr marL="457063" indent="0">
+              <a:buNone/>
+              <a:defRPr sz="1400"/>
+            </a:lvl2pPr>
+            <a:lvl3pPr marL="914126" indent="0">
               <a:buNone/>
               <a:defRPr sz="1200"/>
-            </a:lvl2pPr>
-            <a:lvl3pPr marL="914400" indent="0">
+            </a:lvl3pPr>
+            <a:lvl4pPr marL="1371189" indent="0">
               <a:buNone/>
               <a:defRPr sz="1000"/>
-            </a:lvl3pPr>
-            <a:lvl4pPr marL="1371600" indent="0">
-              <a:buNone/>
-              <a:defRPr sz="900"/>
             </a:lvl4pPr>
-            <a:lvl5pPr marL="1828800" indent="0">
-              <a:buNone/>
-              <a:defRPr sz="900"/>
+            <a:lvl5pPr marL="1828251" indent="0">
+              <a:buNone/>
+              <a:defRPr sz="1000"/>
             </a:lvl5pPr>
-            <a:lvl6pPr marL="2286000" indent="0">
-              <a:buNone/>
-              <a:defRPr sz="900"/>
+            <a:lvl6pPr marL="2285314" indent="0">
+              <a:buNone/>
+              <a:defRPr sz="1000"/>
             </a:lvl6pPr>
-            <a:lvl7pPr marL="2743200" indent="0">
-              <a:buNone/>
-              <a:defRPr sz="900"/>
+            <a:lvl7pPr marL="2742377" indent="0">
+              <a:buNone/>
+              <a:defRPr sz="1000"/>
             </a:lvl7pPr>
-            <a:lvl8pPr marL="3200400" indent="0">
-              <a:buNone/>
-              <a:defRPr sz="900"/>
+            <a:lvl8pPr marL="3199440" indent="0">
+              <a:buNone/>
+              <a:defRPr sz="1000"/>
             </a:lvl8pPr>
-            <a:lvl9pPr marL="3657600" indent="0">
-              <a:buNone/>
-              <a:defRPr sz="900"/>
+            <a:lvl9pPr marL="3656503" indent="0">
+              <a:buNone/>
+              <a:defRPr sz="1000"/>
             </a:lvl9pPr>
           </a:lstStyle>
           <a:p>
-            <a:pPr lvl="0" rtl="0"/>
-            <a:r>
-              <a:rPr lang="pt-PT" noProof="0"/>
-              <a:t>Clique para editar os estilos de texto do Modelo Global</a:t>
-            </a:r>
-          </a:p>
-        </p:txBody>
-      </p:sp>
-      <p:sp>
-        <p:nvSpPr>
-          <p:cNvPr id="6" name="Marcador de Posição do Rodapé 5"/>
-          <p:cNvSpPr>
-            <a:spLocks noGrp="1"/>
-          </p:cNvSpPr>
-          <p:nvPr>
-            <p:ph type="ftr" sz="quarter" idx="11"/>
+            <a:pPr lvl="0"/>
+            <a:r>
+              <a:rPr lang="pt-PT"/>
+              <a:t>Editar os estilos de texto do Modelo Global</a:t>
+            </a:r>
+          </a:p>
+        </p:txBody>
+      </p:sp>
+      <p:sp>
+        <p:nvSpPr>
+          <p:cNvPr id="5" name="Date Placeholder 4"/>
+          <p:cNvSpPr>
+            <a:spLocks noGrp="1"/>
+          </p:cNvSpPr>
+          <p:nvPr>
+            <p:ph type="dt" sz="half" idx="10"/>
           </p:nvPr>
         </p:nvSpPr>
         <p:spPr/>
         <p:txBody>
-          <a:bodyPr rtlCol="0"/>
-          <a:lstStyle>
-            <a:lvl1pPr>
-              <a:defRPr>
-                <a:latin typeface="Century Gothic" panose="020B0502020202020204" pitchFamily="34" charset="0"/>
-              </a:defRPr>
-            </a:lvl1pPr>
-          </a:lstStyle>
-          <a:p>
-            <a:r>
-              <a:rPr lang="pt-PT" noProof="0"/>
-              <a:t>Adicione um rodapé</a:t>
-            </a:r>
-          </a:p>
-        </p:txBody>
-      </p:sp>
-      <p:sp>
-        <p:nvSpPr>
-          <p:cNvPr id="5" name="Marcador de Posição da Data 4"/>
-          <p:cNvSpPr>
-            <a:spLocks noGrp="1"/>
-          </p:cNvSpPr>
-          <p:nvPr>
-            <p:ph type="dt" sz="half" idx="10"/>
-          </p:nvPr>
-        </p:nvSpPr>
-        <p:spPr/>
-        <p:txBody>
-          <a:bodyPr rtlCol="0"/>
-          <a:lstStyle>
-            <a:lvl1pPr>
-              <a:defRPr>
-                <a:latin typeface="Century Gothic" panose="020B0502020202020204" pitchFamily="34" charset="0"/>
-              </a:defRPr>
-            </a:lvl1pPr>
-          </a:lstStyle>
+          <a:bodyPr/>
+          <a:lstStyle/>
           <a:p>
             <a:fld id="{8A7F2DC4-B70E-40E1-91E6-1BCD1886F87E}" type="datetime1">
               <a:rPr lang="pt-PT" noProof="0" smtClean="0"/>
@@ -3885,7 +5331,29 @@
       </p:sp>
       <p:sp>
         <p:nvSpPr>
-          <p:cNvPr id="7" name="Marcador de Posição do Número do Diapositivo 6"/>
+          <p:cNvPr id="6" name="Footer Placeholder 5"/>
+          <p:cNvSpPr>
+            <a:spLocks noGrp="1"/>
+          </p:cNvSpPr>
+          <p:nvPr>
+            <p:ph type="ftr" sz="quarter" idx="11"/>
+          </p:nvPr>
+        </p:nvSpPr>
+        <p:spPr/>
+        <p:txBody>
+          <a:bodyPr/>
+          <a:lstStyle/>
+          <a:p>
+            <a:r>
+              <a:rPr lang="pt-PT" noProof="0"/>
+              <a:t>Adicione um rodapé</a:t>
+            </a:r>
+          </a:p>
+        </p:txBody>
+      </p:sp>
+      <p:sp>
+        <p:nvSpPr>
+          <p:cNvPr id="7" name="Slide Number Placeholder 6"/>
           <p:cNvSpPr>
             <a:spLocks noGrp="1"/>
           </p:cNvSpPr>
@@ -3895,14 +5363,8 @@
         </p:nvSpPr>
         <p:spPr/>
         <p:txBody>
-          <a:bodyPr rtlCol="0"/>
-          <a:lstStyle>
-            <a:lvl1pPr>
-              <a:defRPr>
-                <a:latin typeface="Century Gothic" panose="020B0502020202020204" pitchFamily="34" charset="0"/>
-              </a:defRPr>
-            </a:lvl1pPr>
-          </a:lstStyle>
+          <a:bodyPr/>
+          <a:lstStyle/>
           <a:p>
             <a:fld id="{401CF334-2D5C-4859-84A6-CA7E6E43FAEB}" type="slidenum">
               <a:rPr lang="pt-PT" noProof="0" smtClean="0"/>
@@ -3916,7 +5378,7 @@
     </p:spTree>
     <p:extLst>
       <p:ext uri="{BB962C8B-B14F-4D97-AF65-F5344CB8AC3E}">
-        <p14:creationId xmlns:p14="http://schemas.microsoft.com/office/powerpoint/2010/main" val="307785903"/>
+        <p14:creationId xmlns:p14="http://schemas.microsoft.com/office/powerpoint/2010/main" val="3679691987"/>
       </p:ext>
     </p:extLst>
   </p:cSld>
@@ -3957,47 +5419,43 @@
       </p:grpSpPr>
       <p:sp>
         <p:nvSpPr>
-          <p:cNvPr id="2" name="Título 1"/>
-          <p:cNvSpPr>
-            <a:spLocks noGrp="1"/>
-          </p:cNvSpPr>
-          <p:nvPr>
-            <p:ph type="title" hasCustomPrompt="1"/>
+          <p:cNvPr id="2" name="Title 1"/>
+          <p:cNvSpPr>
+            <a:spLocks noGrp="1"/>
+          </p:cNvSpPr>
+          <p:nvPr>
+            <p:ph type="title"/>
           </p:nvPr>
         </p:nvSpPr>
         <p:spPr>
           <a:xfrm>
-            <a:off x="2239435" y="228600"/>
-            <a:ext cx="7615765" cy="895350"/>
+            <a:off x="677334" y="4800600"/>
+            <a:ext cx="8596667" cy="566738"/>
           </a:xfrm>
         </p:spPr>
         <p:txBody>
-          <a:bodyPr rtlCol="0" anchor="b"/>
+          <a:bodyPr anchor="b">
+            <a:normAutofit/>
+          </a:bodyPr>
           <a:lstStyle>
-            <a:lvl1pPr algn="ctr">
-              <a:lnSpc>
-                <a:spcPct val="100000"/>
-              </a:lnSpc>
-              <a:defRPr sz="2800" b="0">
-                <a:effectLst/>
-                <a:latin typeface="Century Gothic" panose="020B0502020202020204" pitchFamily="34" charset="0"/>
-              </a:defRPr>
+            <a:lvl1pPr algn="l">
+              <a:defRPr sz="2400" b="0"/>
             </a:lvl1pPr>
           </a:lstStyle>
           <a:p>
-            <a:pPr rtl="0"/>
-            <a:r>
-              <a:rPr lang="pt-PT" noProof="0"/>
-              <a:t>Clique para editar o estilo do título do Modelo Global</a:t>
-            </a:r>
-          </a:p>
-        </p:txBody>
-      </p:sp>
-      <p:sp>
-        <p:nvSpPr>
-          <p:cNvPr id="3" name="Marcador de Posição da Imagem 2" descr="Um marcador de posição vazio para adicionar uma imagem. Clique no marcador de posição e selecione a imagem que pretende adicionar"/>
-          <p:cNvSpPr>
-            <a:spLocks noGrp="1"/>
+            <a:r>
+              <a:rPr lang="pt-PT"/>
+              <a:t>Clique para editar o estilo de título do Modelo Global</a:t>
+            </a:r>
+            <a:endParaRPr lang="en-US" dirty="0"/>
+          </a:p>
+        </p:txBody>
+      </p:sp>
+      <p:sp>
+        <p:nvSpPr>
+          <p:cNvPr id="3" name="Picture Placeholder 2"/>
+          <p:cNvSpPr>
+            <a:spLocks noGrp="1" noChangeAspect="1"/>
           </p:cNvSpPr>
           <p:nvPr>
             <p:ph type="pic" idx="1"/>
@@ -4005,99 +5463,85 @@
         </p:nvSpPr>
         <p:spPr>
           <a:xfrm>
-            <a:off x="2010835" y="1143000"/>
-            <a:ext cx="8072965" cy="4541044"/>
-          </a:xfrm>
-          <a:ln w="76200">
-            <a:solidFill>
-              <a:schemeClr val="bg1"/>
-            </a:solidFill>
-          </a:ln>
-          <a:effectLst>
-            <a:outerShdw blurRad="88900" dist="50800" dir="5400000" algn="ctr" rotWithShape="0">
-              <a:srgbClr val="000000">
-                <a:alpha val="25000"/>
-              </a:srgbClr>
-            </a:outerShdw>
-          </a:effectLst>
-        </p:spPr>
-        <p:txBody>
-          <a:bodyPr rtlCol="0" anchor="t"/>
-          <a:lstStyle>
-            <a:lvl1pPr marL="0" indent="0" algn="ctr">
-              <a:buNone/>
-              <a:defRPr sz="3200">
-                <a:latin typeface="Palatino Linotype" panose="02040502050505030304" pitchFamily="18" charset="0"/>
-              </a:defRPr>
-            </a:lvl1pPr>
-            <a:lvl2pPr marL="457200" indent="0">
-              <a:buNone/>
-              <a:defRPr sz="2800"/>
-            </a:lvl2pPr>
-            <a:lvl3pPr marL="914400" indent="0">
-              <a:buNone/>
-              <a:defRPr sz="2400"/>
-            </a:lvl3pPr>
-            <a:lvl4pPr marL="1371600" indent="0">
-              <a:buNone/>
-              <a:defRPr sz="2000"/>
-            </a:lvl4pPr>
-            <a:lvl5pPr marL="1828800" indent="0">
-              <a:buNone/>
-              <a:defRPr sz="2000"/>
-            </a:lvl5pPr>
-            <a:lvl6pPr marL="2286000" indent="0">
-              <a:buNone/>
-              <a:defRPr sz="2000"/>
-            </a:lvl6pPr>
-            <a:lvl7pPr marL="2743200" indent="0">
-              <a:buNone/>
-              <a:defRPr sz="2000"/>
-            </a:lvl7pPr>
-            <a:lvl8pPr marL="3200400" indent="0">
-              <a:buNone/>
-              <a:defRPr sz="2000"/>
-            </a:lvl8pPr>
-            <a:lvl9pPr marL="3657600" indent="0">
-              <a:buNone/>
-              <a:defRPr sz="2000"/>
-            </a:lvl9pPr>
-          </a:lstStyle>
-          <a:p>
-            <a:pPr rtl="0"/>
-            <a:r>
-              <a:rPr lang="pt-PT" noProof="0"/>
-              <a:t>Clique no ícone para adicionar uma imagem</a:t>
-            </a:r>
-          </a:p>
-        </p:txBody>
-      </p:sp>
-      <p:sp>
-        <p:nvSpPr>
-          <p:cNvPr id="4" name="Marcador de Posição do Texto 3"/>
-          <p:cNvSpPr>
-            <a:spLocks noGrp="1"/>
-          </p:cNvSpPr>
-          <p:nvPr>
-            <p:ph type="body" sz="half" idx="2" hasCustomPrompt="1"/>
-          </p:nvPr>
-        </p:nvSpPr>
-        <p:spPr>
-          <a:xfrm>
-            <a:off x="2239435" y="5810250"/>
-            <a:ext cx="7615765" cy="533400"/>
+            <a:off x="677334" y="609600"/>
+            <a:ext cx="8596668" cy="3845718"/>
           </a:xfrm>
         </p:spPr>
         <p:txBody>
-          <a:bodyPr rtlCol="0">
+          <a:bodyPr anchor="t">
             <a:normAutofit/>
           </a:bodyPr>
           <a:lstStyle>
             <a:lvl1pPr marL="0" indent="0" algn="ctr">
               <a:buNone/>
-              <a:defRPr sz="1600">
-                <a:latin typeface="Palatino Linotype" panose="02040502050505030304" pitchFamily="18" charset="0"/>
-              </a:defRPr>
+              <a:defRPr sz="1600"/>
+            </a:lvl1pPr>
+            <a:lvl2pPr marL="457200" indent="0">
+              <a:buNone/>
+              <a:defRPr sz="1600"/>
+            </a:lvl2pPr>
+            <a:lvl3pPr marL="914400" indent="0">
+              <a:buNone/>
+              <a:defRPr sz="1600"/>
+            </a:lvl3pPr>
+            <a:lvl4pPr marL="1371600" indent="0">
+              <a:buNone/>
+              <a:defRPr sz="1600"/>
+            </a:lvl4pPr>
+            <a:lvl5pPr marL="1828800" indent="0">
+              <a:buNone/>
+              <a:defRPr sz="1600"/>
+            </a:lvl5pPr>
+            <a:lvl6pPr marL="2286000" indent="0">
+              <a:buNone/>
+              <a:defRPr sz="1600"/>
+            </a:lvl6pPr>
+            <a:lvl7pPr marL="2743200" indent="0">
+              <a:buNone/>
+              <a:defRPr sz="1600"/>
+            </a:lvl7pPr>
+            <a:lvl8pPr marL="3200400" indent="0">
+              <a:buNone/>
+              <a:defRPr sz="1600"/>
+            </a:lvl8pPr>
+            <a:lvl9pPr marL="3657600" indent="0">
+              <a:buNone/>
+              <a:defRPr sz="1600"/>
+            </a:lvl9pPr>
+          </a:lstStyle>
+          <a:p>
+            <a:r>
+              <a:rPr lang="pt-PT"/>
+              <a:t>Clique no ícone para adicionar uma imagem</a:t>
+            </a:r>
+            <a:endParaRPr lang="en-US" dirty="0"/>
+          </a:p>
+        </p:txBody>
+      </p:sp>
+      <p:sp>
+        <p:nvSpPr>
+          <p:cNvPr id="4" name="Text Placeholder 3"/>
+          <p:cNvSpPr>
+            <a:spLocks noGrp="1"/>
+          </p:cNvSpPr>
+          <p:nvPr>
+            <p:ph type="body" sz="half" idx="2"/>
+          </p:nvPr>
+        </p:nvSpPr>
+        <p:spPr>
+          <a:xfrm>
+            <a:off x="677334" y="5367338"/>
+            <a:ext cx="8596667" cy="674024"/>
+          </a:xfrm>
+        </p:spPr>
+        <p:txBody>
+          <a:bodyPr>
+            <a:normAutofit/>
+          </a:bodyPr>
+          <a:lstStyle>
+            <a:lvl1pPr marL="0" indent="0">
+              <a:buNone/>
+              <a:defRPr sz="1200"/>
             </a:lvl1pPr>
             <a:lvl2pPr marL="457200" indent="0">
               <a:buNone/>
@@ -4133,62 +5577,28 @@
             </a:lvl9pPr>
           </a:lstStyle>
           <a:p>
-            <a:pPr lvl="0" rtl="0"/>
-            <a:r>
-              <a:rPr lang="pt-PT" noProof="0"/>
-              <a:t>Clique para editar os estilos de texto do Modelo Global</a:t>
-            </a:r>
-          </a:p>
-        </p:txBody>
-      </p:sp>
-      <p:sp>
-        <p:nvSpPr>
-          <p:cNvPr id="6" name="Marcador de Posição do Rodapé 5"/>
-          <p:cNvSpPr>
-            <a:spLocks noGrp="1"/>
-          </p:cNvSpPr>
-          <p:nvPr>
-            <p:ph type="ftr" sz="quarter" idx="11"/>
+            <a:pPr lvl="0"/>
+            <a:r>
+              <a:rPr lang="pt-PT"/>
+              <a:t>Editar os estilos de texto do Modelo Global</a:t>
+            </a:r>
+          </a:p>
+        </p:txBody>
+      </p:sp>
+      <p:sp>
+        <p:nvSpPr>
+          <p:cNvPr id="5" name="Date Placeholder 4"/>
+          <p:cNvSpPr>
+            <a:spLocks noGrp="1"/>
+          </p:cNvSpPr>
+          <p:nvPr>
+            <p:ph type="dt" sz="half" idx="10"/>
           </p:nvPr>
         </p:nvSpPr>
         <p:spPr/>
         <p:txBody>
-          <a:bodyPr rtlCol="0"/>
-          <a:lstStyle>
-            <a:lvl1pPr>
-              <a:defRPr>
-                <a:latin typeface="Century Gothic" panose="020B0502020202020204" pitchFamily="34" charset="0"/>
-              </a:defRPr>
-            </a:lvl1pPr>
-          </a:lstStyle>
-          <a:p>
-            <a:r>
-              <a:rPr lang="pt-PT" noProof="0"/>
-              <a:t>Adicione um rodapé</a:t>
-            </a:r>
-          </a:p>
-        </p:txBody>
-      </p:sp>
-      <p:sp>
-        <p:nvSpPr>
-          <p:cNvPr id="5" name="Marcador de Posição da Data 4"/>
-          <p:cNvSpPr>
-            <a:spLocks noGrp="1"/>
-          </p:cNvSpPr>
-          <p:nvPr>
-            <p:ph type="dt" sz="half" idx="10"/>
-          </p:nvPr>
-        </p:nvSpPr>
-        <p:spPr/>
-        <p:txBody>
-          <a:bodyPr rtlCol="0"/>
-          <a:lstStyle>
-            <a:lvl1pPr>
-              <a:defRPr>
-                <a:latin typeface="Century Gothic" panose="020B0502020202020204" pitchFamily="34" charset="0"/>
-              </a:defRPr>
-            </a:lvl1pPr>
-          </a:lstStyle>
+          <a:bodyPr/>
+          <a:lstStyle/>
           <a:p>
             <a:fld id="{80580C39-BF7C-4619-9D83-F4B823462026}" type="datetime1">
               <a:rPr lang="pt-PT" noProof="0" smtClean="0"/>
@@ -4200,7 +5610,29 @@
       </p:sp>
       <p:sp>
         <p:nvSpPr>
-          <p:cNvPr id="7" name="Marcador de Posição do Número do Diapositivo 6"/>
+          <p:cNvPr id="6" name="Footer Placeholder 5"/>
+          <p:cNvSpPr>
+            <a:spLocks noGrp="1"/>
+          </p:cNvSpPr>
+          <p:nvPr>
+            <p:ph type="ftr" sz="quarter" idx="11"/>
+          </p:nvPr>
+        </p:nvSpPr>
+        <p:spPr/>
+        <p:txBody>
+          <a:bodyPr/>
+          <a:lstStyle/>
+          <a:p>
+            <a:r>
+              <a:rPr lang="pt-PT" noProof="0"/>
+              <a:t>Adicione um rodapé</a:t>
+            </a:r>
+          </a:p>
+        </p:txBody>
+      </p:sp>
+      <p:sp>
+        <p:nvSpPr>
+          <p:cNvPr id="7" name="Slide Number Placeholder 6"/>
           <p:cNvSpPr>
             <a:spLocks noGrp="1"/>
           </p:cNvSpPr>
@@ -4210,14 +5642,8 @@
         </p:nvSpPr>
         <p:spPr/>
         <p:txBody>
-          <a:bodyPr rtlCol="0"/>
-          <a:lstStyle>
-            <a:lvl1pPr>
-              <a:defRPr>
-                <a:latin typeface="Century Gothic" panose="020B0502020202020204" pitchFamily="34" charset="0"/>
-              </a:defRPr>
-            </a:lvl1pPr>
-          </a:lstStyle>
+          <a:bodyPr/>
+          <a:lstStyle/>
           <a:p>
             <a:fld id="{401CF334-2D5C-4859-84A6-CA7E6E43FAEB}" type="slidenum">
               <a:rPr lang="pt-PT" noProof="0" smtClean="0"/>
@@ -4231,7 +5657,7 @@
     </p:spTree>
     <p:extLst>
       <p:ext uri="{BB962C8B-B14F-4D97-AF65-F5344CB8AC3E}">
-        <p14:creationId xmlns:p14="http://schemas.microsoft.com/office/powerpoint/2010/main" val="3655479332"/>
+        <p14:creationId xmlns:p14="http://schemas.microsoft.com/office/powerpoint/2010/main" val="2202910319"/>
       </p:ext>
     </p:extLst>
   </p:cSld>
@@ -4256,9 +5682,9 @@
 <file path=ppt/slideMasters/slideMaster1.xml><?xml version="1.0" encoding="utf-8"?>
 <p:sldMaster xmlns:a="http://schemas.openxmlformats.org/drawingml/2006/main" xmlns:r="http://schemas.openxmlformats.org/officeDocument/2006/relationships" xmlns:p="http://schemas.openxmlformats.org/presentationml/2006/main">
   <p:cSld>
-    <p:bg bwMode="ltGray">
-      <p:bgRef idx="1002">
-        <a:schemeClr val="bg2"/>
+    <p:bg>
+      <p:bgRef idx="1001">
+        <a:schemeClr val="bg1"/>
       </p:bgRef>
     </p:bg>
     <p:spTree>
@@ -4275,160 +5701,572 @@
           <a:chExt cx="0" cy="0"/>
         </a:xfrm>
       </p:grpSpPr>
-      <p:sp>
-        <p:nvSpPr>
-          <p:cNvPr id="7" name="Oval 6"/>
-          <p:cNvSpPr/>
+      <p:grpSp>
+        <p:nvGrpSpPr>
+          <p:cNvPr id="7" name="Group 6"/>
+          <p:cNvGrpSpPr/>
           <p:nvPr/>
+        </p:nvGrpSpPr>
+        <p:grpSpPr>
+          <a:xfrm>
+            <a:off x="0" y="-8467"/>
+            <a:ext cx="12192000" cy="6866467"/>
+            <a:chOff x="0" y="-8467"/>
+            <a:chExt cx="12192000" cy="6866467"/>
+          </a:xfrm>
+        </p:grpSpPr>
+        <p:cxnSp>
+          <p:nvCxnSpPr>
+            <p:cNvPr id="20" name="Straight Connector 19"/>
+            <p:cNvCxnSpPr/>
+            <p:nvPr/>
+          </p:nvCxnSpPr>
+          <p:spPr>
+            <a:xfrm>
+              <a:off x="9371012" y="0"/>
+              <a:ext cx="1219200" cy="6858000"/>
+            </a:xfrm>
+            <a:prstGeom prst="line">
+              <a:avLst/>
+            </a:prstGeom>
+            <a:ln w="9525">
+              <a:solidFill>
+                <a:schemeClr val="bg1">
+                  <a:lumMod val="75000"/>
+                </a:schemeClr>
+              </a:solidFill>
+            </a:ln>
+          </p:spPr>
+          <p:style>
+            <a:lnRef idx="2">
+              <a:schemeClr val="accent1"/>
+            </a:lnRef>
+            <a:fillRef idx="0">
+              <a:schemeClr val="accent1"/>
+            </a:fillRef>
+            <a:effectRef idx="1">
+              <a:schemeClr val="accent1"/>
+            </a:effectRef>
+            <a:fontRef idx="minor">
+              <a:schemeClr val="tx1"/>
+            </a:fontRef>
+          </p:style>
+        </p:cxnSp>
+        <p:cxnSp>
+          <p:nvCxnSpPr>
+            <p:cNvPr id="21" name="Straight Connector 20"/>
+            <p:cNvCxnSpPr/>
+            <p:nvPr/>
+          </p:nvCxnSpPr>
+          <p:spPr>
+            <a:xfrm flipH="1">
+              <a:off x="7425267" y="3681413"/>
+              <a:ext cx="4763558" cy="3176587"/>
+            </a:xfrm>
+            <a:prstGeom prst="line">
+              <a:avLst/>
+            </a:prstGeom>
+            <a:ln w="9525">
+              <a:solidFill>
+                <a:schemeClr val="bg1">
+                  <a:lumMod val="85000"/>
+                </a:schemeClr>
+              </a:solidFill>
+            </a:ln>
+          </p:spPr>
+          <p:style>
+            <a:lnRef idx="2">
+              <a:schemeClr val="accent1"/>
+            </a:lnRef>
+            <a:fillRef idx="0">
+              <a:schemeClr val="accent1"/>
+            </a:fillRef>
+            <a:effectRef idx="1">
+              <a:schemeClr val="accent1"/>
+            </a:effectRef>
+            <a:fontRef idx="minor">
+              <a:schemeClr val="tx1"/>
+            </a:fontRef>
+          </p:style>
+        </p:cxnSp>
+        <p:sp>
+          <p:nvSpPr>
+            <p:cNvPr id="22" name="Rectangle 23"/>
+            <p:cNvSpPr/>
+            <p:nvPr/>
+          </p:nvSpPr>
+          <p:spPr>
+            <a:xfrm>
+              <a:off x="9181476" y="-8467"/>
+              <a:ext cx="3007349" cy="6866467"/>
+            </a:xfrm>
+            <a:custGeom>
+              <a:avLst/>
+              <a:gdLst/>
+              <a:ahLst/>
+              <a:cxnLst/>
+              <a:rect l="l" t="t" r="r" b="b"/>
+              <a:pathLst>
+                <a:path w="3007349" h="6866467">
+                  <a:moveTo>
+                    <a:pt x="2045532" y="0"/>
+                  </a:moveTo>
+                  <a:lnTo>
+                    <a:pt x="3007349" y="0"/>
+                  </a:lnTo>
+                  <a:lnTo>
+                    <a:pt x="3007349" y="6866467"/>
+                  </a:lnTo>
+                  <a:lnTo>
+                    <a:pt x="0" y="6866467"/>
+                  </a:lnTo>
+                  <a:lnTo>
+                    <a:pt x="2045532" y="0"/>
+                  </a:lnTo>
+                  <a:close/>
+                </a:path>
+              </a:pathLst>
+            </a:custGeom>
+            <a:solidFill>
+              <a:schemeClr val="accent1">
+                <a:alpha val="30000"/>
+              </a:schemeClr>
+            </a:solidFill>
+            <a:ln>
+              <a:noFill/>
+            </a:ln>
+            <a:effectLst/>
+          </p:spPr>
+          <p:style>
+            <a:lnRef idx="1">
+              <a:schemeClr val="accent1"/>
+            </a:lnRef>
+            <a:fillRef idx="3">
+              <a:schemeClr val="accent1"/>
+            </a:fillRef>
+            <a:effectRef idx="2">
+              <a:schemeClr val="accent1"/>
+            </a:effectRef>
+            <a:fontRef idx="minor">
+              <a:schemeClr val="lt1"/>
+            </a:fontRef>
+          </p:style>
+        </p:sp>
+        <p:sp>
+          <p:nvSpPr>
+            <p:cNvPr id="23" name="Rectangle 25"/>
+            <p:cNvSpPr/>
+            <p:nvPr/>
+          </p:nvSpPr>
+          <p:spPr>
+            <a:xfrm>
+              <a:off x="9603442" y="-8467"/>
+              <a:ext cx="2588558" cy="6866467"/>
+            </a:xfrm>
+            <a:custGeom>
+              <a:avLst/>
+              <a:gdLst/>
+              <a:ahLst/>
+              <a:cxnLst/>
+              <a:rect l="l" t="t" r="r" b="b"/>
+              <a:pathLst>
+                <a:path w="2573311" h="6866467">
+                  <a:moveTo>
+                    <a:pt x="0" y="0"/>
+                  </a:moveTo>
+                  <a:lnTo>
+                    <a:pt x="2573311" y="0"/>
+                  </a:lnTo>
+                  <a:lnTo>
+                    <a:pt x="2573311" y="6866467"/>
+                  </a:lnTo>
+                  <a:lnTo>
+                    <a:pt x="1202336" y="6866467"/>
+                  </a:lnTo>
+                  <a:lnTo>
+                    <a:pt x="0" y="0"/>
+                  </a:lnTo>
+                  <a:close/>
+                </a:path>
+              </a:pathLst>
+            </a:custGeom>
+            <a:solidFill>
+              <a:schemeClr val="accent1">
+                <a:alpha val="20000"/>
+              </a:schemeClr>
+            </a:solidFill>
+            <a:ln>
+              <a:noFill/>
+            </a:ln>
+            <a:effectLst/>
+          </p:spPr>
+          <p:style>
+            <a:lnRef idx="1">
+              <a:schemeClr val="accent1"/>
+            </a:lnRef>
+            <a:fillRef idx="3">
+              <a:schemeClr val="accent1"/>
+            </a:fillRef>
+            <a:effectRef idx="2">
+              <a:schemeClr val="accent1"/>
+            </a:effectRef>
+            <a:fontRef idx="minor">
+              <a:schemeClr val="lt1"/>
+            </a:fontRef>
+          </p:style>
+        </p:sp>
+        <p:sp>
+          <p:nvSpPr>
+            <p:cNvPr id="24" name="Isosceles Triangle 23"/>
+            <p:cNvSpPr/>
+            <p:nvPr/>
+          </p:nvSpPr>
+          <p:spPr>
+            <a:xfrm>
+              <a:off x="8932333" y="3048000"/>
+              <a:ext cx="3259667" cy="3810000"/>
+            </a:xfrm>
+            <a:prstGeom prst="triangle">
+              <a:avLst>
+                <a:gd name="adj" fmla="val 100000"/>
+              </a:avLst>
+            </a:prstGeom>
+            <a:solidFill>
+              <a:schemeClr val="accent2">
+                <a:alpha val="72000"/>
+              </a:schemeClr>
+            </a:solidFill>
+            <a:ln>
+              <a:noFill/>
+            </a:ln>
+            <a:effectLst/>
+          </p:spPr>
+          <p:style>
+            <a:lnRef idx="1">
+              <a:schemeClr val="accent1"/>
+            </a:lnRef>
+            <a:fillRef idx="3">
+              <a:schemeClr val="accent1"/>
+            </a:fillRef>
+            <a:effectRef idx="2">
+              <a:schemeClr val="accent1"/>
+            </a:effectRef>
+            <a:fontRef idx="minor">
+              <a:schemeClr val="lt1"/>
+            </a:fontRef>
+          </p:style>
+        </p:sp>
+        <p:sp>
+          <p:nvSpPr>
+            <p:cNvPr id="25" name="Rectangle 27"/>
+            <p:cNvSpPr/>
+            <p:nvPr/>
+          </p:nvSpPr>
+          <p:spPr>
+            <a:xfrm>
+              <a:off x="9334500" y="-8467"/>
+              <a:ext cx="2854326" cy="6866467"/>
+            </a:xfrm>
+            <a:custGeom>
+              <a:avLst/>
+              <a:gdLst/>
+              <a:ahLst/>
+              <a:cxnLst/>
+              <a:rect l="l" t="t" r="r" b="b"/>
+              <a:pathLst>
+                <a:path w="2858013" h="6866467">
+                  <a:moveTo>
+                    <a:pt x="0" y="0"/>
+                  </a:moveTo>
+                  <a:lnTo>
+                    <a:pt x="2858013" y="0"/>
+                  </a:lnTo>
+                  <a:lnTo>
+                    <a:pt x="2858013" y="6866467"/>
+                  </a:lnTo>
+                  <a:lnTo>
+                    <a:pt x="2473942" y="6866467"/>
+                  </a:lnTo>
+                  <a:lnTo>
+                    <a:pt x="0" y="0"/>
+                  </a:lnTo>
+                  <a:close/>
+                </a:path>
+              </a:pathLst>
+            </a:custGeom>
+            <a:solidFill>
+              <a:schemeClr val="accent2">
+                <a:lumMod val="75000"/>
+                <a:alpha val="70000"/>
+              </a:schemeClr>
+            </a:solidFill>
+            <a:ln>
+              <a:noFill/>
+            </a:ln>
+            <a:effectLst/>
+          </p:spPr>
+          <p:style>
+            <a:lnRef idx="1">
+              <a:schemeClr val="accent1"/>
+            </a:lnRef>
+            <a:fillRef idx="3">
+              <a:schemeClr val="accent1"/>
+            </a:fillRef>
+            <a:effectRef idx="2">
+              <a:schemeClr val="accent1"/>
+            </a:effectRef>
+            <a:fontRef idx="minor">
+              <a:schemeClr val="lt1"/>
+            </a:fontRef>
+          </p:style>
+        </p:sp>
+        <p:sp>
+          <p:nvSpPr>
+            <p:cNvPr id="26" name="Rectangle 28"/>
+            <p:cNvSpPr/>
+            <p:nvPr/>
+          </p:nvSpPr>
+          <p:spPr>
+            <a:xfrm>
+              <a:off x="10898730" y="-8467"/>
+              <a:ext cx="1290094" cy="6866467"/>
+            </a:xfrm>
+            <a:custGeom>
+              <a:avLst/>
+              <a:gdLst/>
+              <a:ahLst/>
+              <a:cxnLst/>
+              <a:rect l="l" t="t" r="r" b="b"/>
+              <a:pathLst>
+                <a:path w="1290094" h="6858000">
+                  <a:moveTo>
+                    <a:pt x="1019735" y="0"/>
+                  </a:moveTo>
+                  <a:lnTo>
+                    <a:pt x="1290094" y="0"/>
+                  </a:lnTo>
+                  <a:lnTo>
+                    <a:pt x="1290094" y="6858000"/>
+                  </a:lnTo>
+                  <a:lnTo>
+                    <a:pt x="0" y="6858000"/>
+                  </a:lnTo>
+                  <a:lnTo>
+                    <a:pt x="1019735" y="0"/>
+                  </a:lnTo>
+                  <a:close/>
+                </a:path>
+              </a:pathLst>
+            </a:custGeom>
+            <a:solidFill>
+              <a:schemeClr val="accent1">
+                <a:lumMod val="60000"/>
+                <a:lumOff val="40000"/>
+                <a:alpha val="70000"/>
+              </a:schemeClr>
+            </a:solidFill>
+            <a:ln>
+              <a:noFill/>
+            </a:ln>
+            <a:effectLst/>
+          </p:spPr>
+          <p:style>
+            <a:lnRef idx="1">
+              <a:schemeClr val="accent1"/>
+            </a:lnRef>
+            <a:fillRef idx="3">
+              <a:schemeClr val="accent1"/>
+            </a:fillRef>
+            <a:effectRef idx="2">
+              <a:schemeClr val="accent1"/>
+            </a:effectRef>
+            <a:fontRef idx="minor">
+              <a:schemeClr val="lt1"/>
+            </a:fontRef>
+          </p:style>
+        </p:sp>
+        <p:sp>
+          <p:nvSpPr>
+            <p:cNvPr id="27" name="Rectangle 29"/>
+            <p:cNvSpPr/>
+            <p:nvPr/>
+          </p:nvSpPr>
+          <p:spPr>
+            <a:xfrm>
+              <a:off x="10938999" y="-8467"/>
+              <a:ext cx="1249825" cy="6866467"/>
+            </a:xfrm>
+            <a:custGeom>
+              <a:avLst/>
+              <a:gdLst/>
+              <a:ahLst/>
+              <a:cxnLst/>
+              <a:rect l="l" t="t" r="r" b="b"/>
+              <a:pathLst>
+                <a:path w="1249825" h="6858000">
+                  <a:moveTo>
+                    <a:pt x="0" y="0"/>
+                  </a:moveTo>
+                  <a:lnTo>
+                    <a:pt x="1249825" y="0"/>
+                  </a:lnTo>
+                  <a:lnTo>
+                    <a:pt x="1249825" y="6858000"/>
+                  </a:lnTo>
+                  <a:lnTo>
+                    <a:pt x="1109382" y="6858000"/>
+                  </a:lnTo>
+                  <a:lnTo>
+                    <a:pt x="0" y="0"/>
+                  </a:lnTo>
+                  <a:close/>
+                </a:path>
+              </a:pathLst>
+            </a:custGeom>
+            <a:solidFill>
+              <a:schemeClr val="accent1">
+                <a:alpha val="65000"/>
+              </a:schemeClr>
+            </a:solidFill>
+            <a:ln>
+              <a:noFill/>
+            </a:ln>
+            <a:effectLst/>
+          </p:spPr>
+          <p:style>
+            <a:lnRef idx="1">
+              <a:schemeClr val="accent1"/>
+            </a:lnRef>
+            <a:fillRef idx="3">
+              <a:schemeClr val="accent1"/>
+            </a:fillRef>
+            <a:effectRef idx="2">
+              <a:schemeClr val="accent1"/>
+            </a:effectRef>
+            <a:fontRef idx="minor">
+              <a:schemeClr val="lt1"/>
+            </a:fontRef>
+          </p:style>
+        </p:sp>
+        <p:sp>
+          <p:nvSpPr>
+            <p:cNvPr id="28" name="Isosceles Triangle 27"/>
+            <p:cNvSpPr/>
+            <p:nvPr/>
+          </p:nvSpPr>
+          <p:spPr>
+            <a:xfrm>
+              <a:off x="10371666" y="3589867"/>
+              <a:ext cx="1817159" cy="3268133"/>
+            </a:xfrm>
+            <a:prstGeom prst="triangle">
+              <a:avLst>
+                <a:gd name="adj" fmla="val 100000"/>
+              </a:avLst>
+            </a:prstGeom>
+            <a:solidFill>
+              <a:schemeClr val="accent1">
+                <a:alpha val="80000"/>
+              </a:schemeClr>
+            </a:solidFill>
+            <a:ln>
+              <a:noFill/>
+            </a:ln>
+            <a:effectLst/>
+          </p:spPr>
+          <p:style>
+            <a:lnRef idx="1">
+              <a:schemeClr val="accent1"/>
+            </a:lnRef>
+            <a:fillRef idx="3">
+              <a:schemeClr val="accent1"/>
+            </a:fillRef>
+            <a:effectRef idx="2">
+              <a:schemeClr val="accent1"/>
+            </a:effectRef>
+            <a:fontRef idx="minor">
+              <a:schemeClr val="lt1"/>
+            </a:fontRef>
+          </p:style>
+        </p:sp>
+        <p:sp>
+          <p:nvSpPr>
+            <p:cNvPr id="29" name="Isosceles Triangle 28"/>
+            <p:cNvSpPr/>
+            <p:nvPr/>
+          </p:nvSpPr>
+          <p:spPr>
+            <a:xfrm>
+              <a:off x="0" y="4013200"/>
+              <a:ext cx="448733" cy="2844800"/>
+            </a:xfrm>
+            <a:prstGeom prst="triangle">
+              <a:avLst>
+                <a:gd name="adj" fmla="val 0"/>
+              </a:avLst>
+            </a:prstGeom>
+            <a:solidFill>
+              <a:schemeClr val="accent1">
+                <a:alpha val="85000"/>
+              </a:schemeClr>
+            </a:solidFill>
+            <a:ln>
+              <a:noFill/>
+            </a:ln>
+            <a:effectLst/>
+          </p:spPr>
+          <p:style>
+            <a:lnRef idx="1">
+              <a:schemeClr val="accent1"/>
+            </a:lnRef>
+            <a:fillRef idx="3">
+              <a:schemeClr val="accent1"/>
+            </a:fillRef>
+            <a:effectRef idx="2">
+              <a:schemeClr val="accent1"/>
+            </a:effectRef>
+            <a:fontRef idx="minor">
+              <a:schemeClr val="lt1"/>
+            </a:fontRef>
+          </p:style>
+        </p:sp>
+      </p:grpSp>
+      <p:sp>
+        <p:nvSpPr>
+          <p:cNvPr id="2" name="Title Placeholder 1"/>
+          <p:cNvSpPr>
+            <a:spLocks noGrp="1"/>
+          </p:cNvSpPr>
+          <p:nvPr>
+            <p:ph type="title"/>
+          </p:nvPr>
         </p:nvSpPr>
         <p:spPr>
           <a:xfrm>
-            <a:off x="11277014" y="6499384"/>
-            <a:ext cx="113029" cy="84772"/>
-          </a:xfrm>
-          <a:prstGeom prst="ellipse">
-            <a:avLst/>
-          </a:prstGeom>
-          <a:solidFill>
-            <a:schemeClr val="tx1">
-              <a:lumMod val="50000"/>
-              <a:lumOff val="50000"/>
-            </a:schemeClr>
-          </a:solidFill>
-          <a:ln w="12700">
-            <a:noFill/>
-          </a:ln>
-          <a:effectLst/>
-        </p:spPr>
-        <p:style>
-          <a:lnRef idx="2">
-            <a:schemeClr val="accent1">
-              <a:shade val="50000"/>
-            </a:schemeClr>
-          </a:lnRef>
-          <a:fillRef idx="1">
-            <a:schemeClr val="accent1"/>
-          </a:fillRef>
-          <a:effectRef idx="0">
-            <a:schemeClr val="accent1"/>
-          </a:effectRef>
-          <a:fontRef idx="minor">
-            <a:schemeClr val="lt1"/>
-          </a:fontRef>
-        </p:style>
-        <p:txBody>
-          <a:bodyPr rtlCol="0" anchor="ctr"/>
-          <a:lstStyle/>
-          <a:p>
-            <a:pPr marL="0" algn="ctr" defTabSz="914400" rtl="0" eaLnBrk="1" latinLnBrk="0" hangingPunct="1"/>
-            <a:endParaRPr lang="pt-PT" sz="1800" kern="1200" noProof="0">
-              <a:solidFill>
-                <a:schemeClr val="tx1">
-                  <a:lumMod val="65000"/>
-                  <a:lumOff val="35000"/>
-                </a:schemeClr>
-              </a:solidFill>
-              <a:latin typeface="Palatino Linotype" panose="02040502050505030304" pitchFamily="18" charset="0"/>
-              <a:ea typeface="+mn-ea"/>
-              <a:cs typeface="+mn-cs"/>
-            </a:endParaRPr>
-          </a:p>
-        </p:txBody>
-      </p:sp>
-      <p:sp>
-        <p:nvSpPr>
-          <p:cNvPr id="8" name="Oval 7"/>
-          <p:cNvSpPr/>
-          <p:nvPr/>
-        </p:nvSpPr>
-        <p:spPr>
-          <a:xfrm>
-            <a:off x="758826" y="6499384"/>
-            <a:ext cx="113029" cy="84772"/>
-          </a:xfrm>
-          <a:prstGeom prst="ellipse">
-            <a:avLst/>
-          </a:prstGeom>
-          <a:solidFill>
-            <a:schemeClr val="tx1">
-              <a:lumMod val="50000"/>
-              <a:lumOff val="50000"/>
-            </a:schemeClr>
-          </a:solidFill>
-          <a:ln w="12700">
-            <a:noFill/>
-          </a:ln>
-          <a:effectLst/>
-        </p:spPr>
-        <p:style>
-          <a:lnRef idx="2">
-            <a:schemeClr val="accent1">
-              <a:shade val="50000"/>
-            </a:schemeClr>
-          </a:lnRef>
-          <a:fillRef idx="1">
-            <a:schemeClr val="accent1"/>
-          </a:fillRef>
-          <a:effectRef idx="0">
-            <a:schemeClr val="accent1"/>
-          </a:effectRef>
-          <a:fontRef idx="minor">
-            <a:schemeClr val="lt1"/>
-          </a:fontRef>
-        </p:style>
-        <p:txBody>
-          <a:bodyPr rtlCol="0" anchor="ctr"/>
-          <a:lstStyle/>
-          <a:p>
-            <a:pPr algn="ctr" rtl="0"/>
-            <a:endParaRPr lang="pt-PT" sz="1800" noProof="0">
-              <a:solidFill>
-                <a:schemeClr val="tx1">
-                  <a:lumMod val="65000"/>
-                  <a:lumOff val="35000"/>
-                </a:schemeClr>
-              </a:solidFill>
-              <a:latin typeface="Palatino Linotype" panose="02040502050505030304" pitchFamily="18" charset="0"/>
-            </a:endParaRPr>
-          </a:p>
-        </p:txBody>
-      </p:sp>
-      <p:sp>
-        <p:nvSpPr>
-          <p:cNvPr id="2" name="Marcador de Posição do Título 1"/>
-          <p:cNvSpPr>
-            <a:spLocks noGrp="1"/>
-          </p:cNvSpPr>
-          <p:nvPr>
-            <p:ph type="title"/>
-          </p:nvPr>
-        </p:nvSpPr>
-        <p:spPr>
-          <a:xfrm>
-            <a:off x="609600" y="0"/>
-            <a:ext cx="10972800" cy="1600200"/>
+            <a:off x="677334" y="609600"/>
+            <a:ext cx="8596668" cy="1320800"/>
           </a:xfrm>
           <a:prstGeom prst="rect">
             <a:avLst/>
           </a:prstGeom>
         </p:spPr>
         <p:txBody>
-          <a:bodyPr vert="horz" lIns="91440" tIns="45720" rIns="91440" bIns="45720" rtlCol="0" anchor="b">
-            <a:noAutofit/>
+          <a:bodyPr vert="horz" lIns="91440" tIns="45720" rIns="91440" bIns="45720" rtlCol="0" anchor="t">
+            <a:normAutofit/>
           </a:bodyPr>
           <a:lstStyle/>
           <a:p>
-            <a:pPr rtl="0"/>
-            <a:r>
-              <a:rPr lang="pt-PT" noProof="0"/>
-              <a:t>Clique para editar o estilo do título do Modelo Global</a:t>
-            </a:r>
-          </a:p>
-        </p:txBody>
-      </p:sp>
-      <p:sp>
-        <p:nvSpPr>
-          <p:cNvPr id="3" name="Marcador de Posição do Texto 2"/>
+            <a:r>
+              <a:rPr lang="pt-PT"/>
+              <a:t>Clique para editar o estilo de título do Modelo Global</a:t>
+            </a:r>
+            <a:endParaRPr lang="en-US" dirty="0"/>
+          </a:p>
+        </p:txBody>
+      </p:sp>
+      <p:sp>
+        <p:nvSpPr>
+          <p:cNvPr id="3" name="Text Placeholder 2"/>
           <p:cNvSpPr>
             <a:spLocks noGrp="1"/>
           </p:cNvSpPr>
@@ -4438,8 +6276,8 @@
         </p:nvSpPr>
         <p:spPr>
           <a:xfrm>
-            <a:off x="609600" y="1600201"/>
-            <a:ext cx="10972800" cy="4525963"/>
+            <a:off x="677334" y="2160589"/>
+            <a:ext cx="8596668" cy="3880773"/>
           </a:xfrm>
           <a:prstGeom prst="rect">
             <a:avLst/>
@@ -4451,124 +6289,127 @@
           </a:bodyPr>
           <a:lstStyle/>
           <a:p>
-            <a:pPr lvl="0" rtl="0"/>
-            <a:r>
-              <a:rPr lang="pt-PT" noProof="0"/>
-              <a:t>Clique para editar os estilos de texto do Modelo Global</a:t>
-            </a:r>
-          </a:p>
-          <a:p>
-            <a:pPr lvl="1" rtl="0"/>
-            <a:r>
-              <a:rPr lang="pt-PT" noProof="0"/>
+            <a:pPr lvl="0"/>
+            <a:r>
+              <a:rPr lang="pt-PT"/>
+              <a:t>Editar os estilos de texto do Modelo Global</a:t>
+            </a:r>
+          </a:p>
+          <a:p>
+            <a:pPr lvl="1"/>
+            <a:r>
+              <a:rPr lang="pt-PT"/>
               <a:t>Segundo nível</a:t>
             </a:r>
           </a:p>
           <a:p>
-            <a:pPr lvl="2" rtl="0"/>
-            <a:r>
-              <a:rPr lang="pt-PT" noProof="0"/>
+            <a:pPr lvl="2"/>
+            <a:r>
+              <a:rPr lang="pt-PT"/>
               <a:t>Terceiro nível</a:t>
             </a:r>
           </a:p>
           <a:p>
-            <a:pPr lvl="3" rtl="0"/>
-            <a:r>
-              <a:rPr lang="pt-PT" noProof="0"/>
+            <a:pPr lvl="3"/>
+            <a:r>
+              <a:rPr lang="pt-PT"/>
               <a:t>Quarto nível</a:t>
             </a:r>
           </a:p>
           <a:p>
-            <a:pPr lvl="4" rtl="0"/>
-            <a:r>
-              <a:rPr lang="pt-PT" noProof="0"/>
+            <a:pPr lvl="4"/>
+            <a:r>
+              <a:rPr lang="pt-PT"/>
               <a:t>Quinto nível</a:t>
             </a:r>
-          </a:p>
-        </p:txBody>
-      </p:sp>
-      <p:sp>
-        <p:nvSpPr>
-          <p:cNvPr id="5" name="Marcador de Posição do Rodapé 4"/>
-          <p:cNvSpPr>
-            <a:spLocks noGrp="1"/>
-          </p:cNvSpPr>
-          <p:nvPr>
-            <p:ph type="ftr" sz="quarter" idx="3"/>
+            <a:endParaRPr lang="en-US" dirty="0"/>
+          </a:p>
+        </p:txBody>
+      </p:sp>
+      <p:sp>
+        <p:nvSpPr>
+          <p:cNvPr id="4" name="Date Placeholder 3"/>
+          <p:cNvSpPr>
+            <a:spLocks noGrp="1"/>
+          </p:cNvSpPr>
+          <p:nvPr>
+            <p:ph type="dt" sz="half" idx="2"/>
           </p:nvPr>
         </p:nvSpPr>
         <p:spPr>
           <a:xfrm>
-            <a:off x="878887" y="6356351"/>
-            <a:ext cx="3797300" cy="365125"/>
+            <a:off x="7205133" y="6041362"/>
+            <a:ext cx="911939" cy="365125"/>
           </a:xfrm>
           <a:prstGeom prst="rect">
             <a:avLst/>
           </a:prstGeom>
         </p:spPr>
         <p:txBody>
-          <a:bodyPr vert="horz" lIns="45720" tIns="45720" rIns="91440" bIns="45720" rtlCol="0" anchor="ctr"/>
+          <a:bodyPr vert="horz" lIns="91440" tIns="45720" rIns="91440" bIns="45720" rtlCol="0" anchor="ctr"/>
           <a:lstStyle>
-            <a:lvl1pPr algn="l">
-              <a:defRPr sz="1200">
+            <a:lvl1pPr algn="r">
+              <a:defRPr sz="900">
                 <a:solidFill>
-                  <a:schemeClr val="tx1"/>
+                  <a:schemeClr val="tx1">
+                    <a:tint val="75000"/>
+                  </a:schemeClr>
                 </a:solidFill>
-                <a:latin typeface="Century Gothic" pitchFamily="34" charset="0"/>
               </a:defRPr>
             </a:lvl1pPr>
           </a:lstStyle>
           <a:p>
-            <a:r>
-              <a:rPr lang="pt-PT" noProof="0"/>
-              <a:t>Adicione um rodapé</a:t>
-            </a:r>
-          </a:p>
-        </p:txBody>
-      </p:sp>
-      <p:sp>
-        <p:nvSpPr>
-          <p:cNvPr id="4" name="Marcador de Posição da Data 3"/>
-          <p:cNvSpPr>
-            <a:spLocks noGrp="1"/>
-          </p:cNvSpPr>
-          <p:nvPr>
-            <p:ph type="dt" sz="half" idx="2"/>
+            <a:fld id="{80BF842D-1605-46E4-8DA6-48CAB1706D79}" type="datetime1">
+              <a:rPr lang="pt-PT" noProof="0" smtClean="0"/>
+              <a:t>24/01/2019</a:t>
+            </a:fld>
+            <a:endParaRPr lang="pt-PT" noProof="0"/>
+          </a:p>
+        </p:txBody>
+      </p:sp>
+      <p:sp>
+        <p:nvSpPr>
+          <p:cNvPr id="5" name="Footer Placeholder 4"/>
+          <p:cNvSpPr>
+            <a:spLocks noGrp="1"/>
+          </p:cNvSpPr>
+          <p:nvPr>
+            <p:ph type="ftr" sz="quarter" idx="3"/>
           </p:nvPr>
         </p:nvSpPr>
         <p:spPr>
           <a:xfrm>
-            <a:off x="8484463" y="6356351"/>
-            <a:ext cx="2781300" cy="365125"/>
+            <a:off x="677334" y="6041362"/>
+            <a:ext cx="6297612" cy="365125"/>
           </a:xfrm>
           <a:prstGeom prst="rect">
             <a:avLst/>
           </a:prstGeom>
         </p:spPr>
         <p:txBody>
-          <a:bodyPr vert="horz" lIns="91440" tIns="45720" rIns="45720" bIns="45720" rtlCol="0" anchor="ctr"/>
+          <a:bodyPr vert="horz" lIns="91440" tIns="45720" rIns="91440" bIns="45720" rtlCol="0" anchor="ctr"/>
           <a:lstStyle>
-            <a:lvl1pPr algn="r">
-              <a:defRPr sz="1200">
+            <a:lvl1pPr algn="l">
+              <a:defRPr sz="900">
                 <a:solidFill>
-                  <a:schemeClr val="tx1"/>
+                  <a:schemeClr val="tx1">
+                    <a:tint val="75000"/>
+                  </a:schemeClr>
                 </a:solidFill>
-                <a:latin typeface="Century Gothic" pitchFamily="34" charset="0"/>
               </a:defRPr>
             </a:lvl1pPr>
           </a:lstStyle>
           <a:p>
-            <a:fld id="{80BF842D-1605-46E4-8DA6-48CAB1706D79}" type="datetime1">
-              <a:rPr lang="pt-PT" noProof="0" smtClean="0"/>
-              <a:t>24/01/2019</a:t>
-            </a:fld>
-            <a:endParaRPr lang="pt-PT" noProof="0"/>
-          </a:p>
-        </p:txBody>
-      </p:sp>
-      <p:sp>
-        <p:nvSpPr>
-          <p:cNvPr id="6" name="Marcador de Posição do Número do Diapositivo 5"/>
+            <a:r>
+              <a:rPr lang="pt-PT" noProof="0"/>
+              <a:t>Adicione um rodapé</a:t>
+            </a:r>
+          </a:p>
+        </p:txBody>
+      </p:sp>
+      <p:sp>
+        <p:nvSpPr>
+          <p:cNvPr id="6" name="Slide Number Placeholder 5"/>
           <p:cNvSpPr>
             <a:spLocks noGrp="1"/>
           </p:cNvSpPr>
@@ -4578,22 +6419,21 @@
         </p:nvSpPr>
         <p:spPr>
           <a:xfrm>
-            <a:off x="11391038" y="6356351"/>
-            <a:ext cx="749300" cy="365125"/>
+            <a:off x="8590663" y="6041362"/>
+            <a:ext cx="683339" cy="365125"/>
           </a:xfrm>
           <a:prstGeom prst="rect">
             <a:avLst/>
           </a:prstGeom>
         </p:spPr>
         <p:txBody>
-          <a:bodyPr vert="horz" lIns="27432" tIns="45720" rIns="45720" bIns="45720" rtlCol="0" anchor="ctr"/>
+          <a:bodyPr vert="horz" lIns="91440" tIns="45720" rIns="91440" bIns="45720" rtlCol="0" anchor="ctr"/>
           <a:lstStyle>
-            <a:lvl1pPr algn="l">
-              <a:defRPr sz="1200">
+            <a:lvl1pPr algn="r">
+              <a:defRPr sz="900">
                 <a:solidFill>
-                  <a:schemeClr val="tx1"/>
+                  <a:schemeClr val="accent1"/>
                 </a:solidFill>
-                <a:latin typeface="Century Gothic" pitchFamily="34" charset="0"/>
               </a:defRPr>
             </a:lvl1pPr>
           </a:lstStyle>
@@ -4610,23 +6450,28 @@
     </p:spTree>
     <p:extLst>
       <p:ext uri="{BB962C8B-B14F-4D97-AF65-F5344CB8AC3E}">
-        <p14:creationId xmlns:p14="http://schemas.microsoft.com/office/powerpoint/2010/main" val="3012251994"/>
+        <p14:creationId xmlns:p14="http://schemas.microsoft.com/office/powerpoint/2010/main" val="354107166"/>
       </p:ext>
     </p:extLst>
   </p:cSld>
   <p:clrMap bg1="lt1" tx1="dk1" bg2="lt2" tx2="dk2" accent1="accent1" accent2="accent2" accent3="accent3" accent4="accent4" accent5="accent5" accent6="accent6" hlink="hlink" folHlink="folHlink"/>
   <p:sldLayoutIdLst>
-    <p:sldLayoutId id="2147483673" r:id="rId1"/>
-    <p:sldLayoutId id="2147483674" r:id="rId2"/>
-    <p:sldLayoutId id="2147483675" r:id="rId3"/>
-    <p:sldLayoutId id="2147483676" r:id="rId4"/>
-    <p:sldLayoutId id="2147483677" r:id="rId5"/>
-    <p:sldLayoutId id="2147483678" r:id="rId6"/>
-    <p:sldLayoutId id="2147483679" r:id="rId7"/>
-    <p:sldLayoutId id="2147483680" r:id="rId8"/>
-    <p:sldLayoutId id="2147483681" r:id="rId9"/>
-    <p:sldLayoutId id="2147483682" r:id="rId10"/>
-    <p:sldLayoutId id="2147483683" r:id="rId11"/>
+    <p:sldLayoutId id="2147483685" r:id="rId1"/>
+    <p:sldLayoutId id="2147483686" r:id="rId2"/>
+    <p:sldLayoutId id="2147483687" r:id="rId3"/>
+    <p:sldLayoutId id="2147483688" r:id="rId4"/>
+    <p:sldLayoutId id="2147483689" r:id="rId5"/>
+    <p:sldLayoutId id="2147483690" r:id="rId6"/>
+    <p:sldLayoutId id="2147483691" r:id="rId7"/>
+    <p:sldLayoutId id="2147483692" r:id="rId8"/>
+    <p:sldLayoutId id="2147483693" r:id="rId9"/>
+    <p:sldLayoutId id="2147483694" r:id="rId10"/>
+    <p:sldLayoutId id="2147483695" r:id="rId11"/>
+    <p:sldLayoutId id="2147483696" r:id="rId12"/>
+    <p:sldLayoutId id="2147483697" r:id="rId13"/>
+    <p:sldLayoutId id="2147483698" r:id="rId14"/>
+    <p:sldLayoutId id="2147483699" r:id="rId15"/>
+    <p:sldLayoutId id="2147483700" r:id="rId16"/>
   </p:sldLayoutIdLst>
   <mc:AlternateContent xmlns:mc="http://schemas.openxmlformats.org/markup-compatibility/2006" xmlns:p14="http://schemas.microsoft.com/office/powerpoint/2010/main">
     <mc:Choice Requires="p14">
@@ -4643,155 +6488,297 @@
   <p:hf sldNum="0" hdr="0" ftr="0" dt="0"/>
   <p:txStyles>
     <p:titleStyle>
-      <a:lvl1pPr algn="ctr" defTabSz="914400" rtl="0" eaLnBrk="1" latinLnBrk="0" hangingPunct="1">
-        <a:lnSpc>
-          <a:spcPts val="4800"/>
-        </a:lnSpc>
+      <a:lvl1pPr algn="l" defTabSz="457200" rtl="0" eaLnBrk="1" latinLnBrk="0" hangingPunct="1">
         <a:spcBef>
           <a:spcPct val="0"/>
         </a:spcBef>
         <a:buNone/>
-        <a:defRPr sz="4800" kern="1200">
+        <a:defRPr sz="3600" kern="1200">
           <a:solidFill>
-            <a:schemeClr val="tx2"/>
+            <a:schemeClr val="accent1"/>
           </a:solidFill>
-          <a:effectLst/>
-          <a:latin typeface="Century Gothic" panose="020B0502020202020204" pitchFamily="34" charset="0"/>
+          <a:latin typeface="+mj-lt"/>
           <a:ea typeface="+mj-ea"/>
           <a:cs typeface="+mj-cs"/>
         </a:defRPr>
       </a:lvl1pPr>
+      <a:lvl2pPr eaLnBrk="1" hangingPunct="1">
+        <a:defRPr>
+          <a:solidFill>
+            <a:schemeClr val="tx2"/>
+          </a:solidFill>
+        </a:defRPr>
+      </a:lvl2pPr>
+      <a:lvl3pPr eaLnBrk="1" hangingPunct="1">
+        <a:defRPr>
+          <a:solidFill>
+            <a:schemeClr val="tx2"/>
+          </a:solidFill>
+        </a:defRPr>
+      </a:lvl3pPr>
+      <a:lvl4pPr eaLnBrk="1" hangingPunct="1">
+        <a:defRPr>
+          <a:solidFill>
+            <a:schemeClr val="tx2"/>
+          </a:solidFill>
+        </a:defRPr>
+      </a:lvl4pPr>
+      <a:lvl5pPr eaLnBrk="1" hangingPunct="1">
+        <a:defRPr>
+          <a:solidFill>
+            <a:schemeClr val="tx2"/>
+          </a:solidFill>
+        </a:defRPr>
+      </a:lvl5pPr>
+      <a:lvl6pPr eaLnBrk="1" hangingPunct="1">
+        <a:defRPr>
+          <a:solidFill>
+            <a:schemeClr val="tx2"/>
+          </a:solidFill>
+        </a:defRPr>
+      </a:lvl6pPr>
+      <a:lvl7pPr eaLnBrk="1" hangingPunct="1">
+        <a:defRPr>
+          <a:solidFill>
+            <a:schemeClr val="tx2"/>
+          </a:solidFill>
+        </a:defRPr>
+      </a:lvl7pPr>
+      <a:lvl8pPr eaLnBrk="1" hangingPunct="1">
+        <a:defRPr>
+          <a:solidFill>
+            <a:schemeClr val="tx2"/>
+          </a:solidFill>
+        </a:defRPr>
+      </a:lvl8pPr>
+      <a:lvl9pPr eaLnBrk="1" hangingPunct="1">
+        <a:defRPr>
+          <a:solidFill>
+            <a:schemeClr val="tx2"/>
+          </a:solidFill>
+        </a:defRPr>
+      </a:lvl9pPr>
     </p:titleStyle>
     <p:bodyStyle>
-      <a:lvl1pPr marL="342900" indent="-342900" algn="l" defTabSz="914400" rtl="0" eaLnBrk="1" latinLnBrk="0" hangingPunct="1">
+      <a:lvl1pPr marL="342900" indent="-342900" algn="l" defTabSz="457200" rtl="0" eaLnBrk="1" latinLnBrk="0" hangingPunct="1">
         <a:spcBef>
-          <a:spcPct val="20000"/>
+          <a:spcPts val="1000"/>
         </a:spcBef>
-        <a:buFont typeface="Arial" pitchFamily="34" charset="0"/>
-        <a:buChar char="•"/>
-        <a:defRPr sz="2400" kern="1200">
+        <a:spcAft>
+          <a:spcPts val="0"/>
+        </a:spcAft>
+        <a:buClr>
+          <a:schemeClr val="accent1"/>
+        </a:buClr>
+        <a:buSzPct val="80000"/>
+        <a:buFont typeface="Wingdings 3" charset="2"/>
+        <a:buChar char=""/>
+        <a:defRPr sz="1800" kern="1200">
           <a:solidFill>
-            <a:schemeClr val="tx1"/>
+            <a:schemeClr val="tx1">
+              <a:lumMod val="75000"/>
+              <a:lumOff val="25000"/>
+            </a:schemeClr>
           </a:solidFill>
-          <a:latin typeface="Palatino Linotype" panose="02040502050505030304" pitchFamily="18" charset="0"/>
+          <a:latin typeface="+mn-lt"/>
           <a:ea typeface="+mn-ea"/>
           <a:cs typeface="+mn-cs"/>
         </a:defRPr>
       </a:lvl1pPr>
-      <a:lvl2pPr marL="742950" indent="-285750" algn="l" defTabSz="914400" rtl="0" eaLnBrk="1" latinLnBrk="0" hangingPunct="1">
+      <a:lvl2pPr marL="742950" indent="-285750" algn="l" defTabSz="457200" rtl="0" eaLnBrk="1" latinLnBrk="0" hangingPunct="1">
         <a:spcBef>
-          <a:spcPct val="20000"/>
+          <a:spcPts val="1000"/>
         </a:spcBef>
-        <a:buFont typeface="Courier New" pitchFamily="49" charset="0"/>
-        <a:buChar char="o"/>
+        <a:spcAft>
+          <a:spcPts val="0"/>
+        </a:spcAft>
+        <a:buClr>
+          <a:schemeClr val="accent1"/>
+        </a:buClr>
+        <a:buSzPct val="80000"/>
+        <a:buFont typeface="Wingdings 3" charset="2"/>
+        <a:buChar char=""/>
         <a:defRPr sz="1600" kern="1200">
           <a:solidFill>
-            <a:schemeClr val="tx1"/>
+            <a:schemeClr val="tx1">
+              <a:lumMod val="75000"/>
+              <a:lumOff val="25000"/>
+            </a:schemeClr>
           </a:solidFill>
-          <a:latin typeface="Palatino Linotype" panose="02040502050505030304" pitchFamily="18" charset="0"/>
+          <a:latin typeface="+mn-lt"/>
           <a:ea typeface="+mn-ea"/>
           <a:cs typeface="+mn-cs"/>
         </a:defRPr>
       </a:lvl2pPr>
-      <a:lvl3pPr marL="1143000" indent="-228600" algn="l" defTabSz="914400" rtl="0" eaLnBrk="1" latinLnBrk="0" hangingPunct="1">
+      <a:lvl3pPr marL="1143000" indent="-228600" algn="l" defTabSz="457200" rtl="0" eaLnBrk="1" latinLnBrk="0" hangingPunct="1">
         <a:spcBef>
-          <a:spcPct val="20000"/>
+          <a:spcPts val="1000"/>
         </a:spcBef>
-        <a:buFont typeface="Arial" pitchFamily="34" charset="0"/>
-        <a:buChar char="•"/>
-        <a:defRPr sz="1600" kern="1200">
+        <a:spcAft>
+          <a:spcPts val="0"/>
+        </a:spcAft>
+        <a:buClr>
+          <a:schemeClr val="accent1"/>
+        </a:buClr>
+        <a:buSzPct val="80000"/>
+        <a:buFont typeface="Wingdings 3" charset="2"/>
+        <a:buChar char=""/>
+        <a:defRPr sz="1400" kern="1200">
           <a:solidFill>
-            <a:schemeClr val="tx1"/>
+            <a:schemeClr val="tx1">
+              <a:lumMod val="75000"/>
+              <a:lumOff val="25000"/>
+            </a:schemeClr>
           </a:solidFill>
-          <a:latin typeface="Palatino Linotype" panose="02040502050505030304" pitchFamily="18" charset="0"/>
+          <a:latin typeface="+mn-lt"/>
           <a:ea typeface="+mn-ea"/>
           <a:cs typeface="+mn-cs"/>
         </a:defRPr>
       </a:lvl3pPr>
-      <a:lvl4pPr marL="1600200" indent="-228600" algn="l" defTabSz="914400" rtl="0" eaLnBrk="1" latinLnBrk="0" hangingPunct="1">
+      <a:lvl4pPr marL="1600200" indent="-228600" algn="l" defTabSz="457200" rtl="0" eaLnBrk="1" latinLnBrk="0" hangingPunct="1">
         <a:spcBef>
-          <a:spcPct val="20000"/>
+          <a:spcPts val="1000"/>
         </a:spcBef>
-        <a:buFont typeface="Courier New" pitchFamily="49" charset="0"/>
-        <a:buChar char="o"/>
-        <a:defRPr sz="1600" kern="1200">
+        <a:spcAft>
+          <a:spcPts val="0"/>
+        </a:spcAft>
+        <a:buClr>
+          <a:schemeClr val="accent1"/>
+        </a:buClr>
+        <a:buSzPct val="80000"/>
+        <a:buFont typeface="Wingdings 3" charset="2"/>
+        <a:buChar char=""/>
+        <a:defRPr sz="1200" kern="1200">
           <a:solidFill>
-            <a:schemeClr val="tx1"/>
+            <a:schemeClr val="tx1">
+              <a:lumMod val="75000"/>
+              <a:lumOff val="25000"/>
+            </a:schemeClr>
           </a:solidFill>
-          <a:latin typeface="Palatino Linotype" panose="02040502050505030304" pitchFamily="18" charset="0"/>
+          <a:latin typeface="+mn-lt"/>
           <a:ea typeface="+mn-ea"/>
           <a:cs typeface="+mn-cs"/>
         </a:defRPr>
       </a:lvl4pPr>
-      <a:lvl5pPr marL="2057400" indent="-228600" algn="l" defTabSz="914400" rtl="0" eaLnBrk="1" latinLnBrk="0" hangingPunct="1">
+      <a:lvl5pPr marL="2057400" indent="-228600" algn="l" defTabSz="457200" rtl="0" eaLnBrk="1" latinLnBrk="0" hangingPunct="1">
         <a:spcBef>
-          <a:spcPct val="20000"/>
+          <a:spcPts val="1000"/>
         </a:spcBef>
-        <a:buFont typeface="Arial" pitchFamily="34" charset="0"/>
-        <a:buChar char="•"/>
-        <a:defRPr sz="1600" kern="1200">
+        <a:spcAft>
+          <a:spcPts val="0"/>
+        </a:spcAft>
+        <a:buClr>
+          <a:schemeClr val="accent1"/>
+        </a:buClr>
+        <a:buSzPct val="80000"/>
+        <a:buFont typeface="Wingdings 3" charset="2"/>
+        <a:buChar char=""/>
+        <a:defRPr sz="1200" kern="1200">
           <a:solidFill>
-            <a:schemeClr val="tx1"/>
+            <a:schemeClr val="tx1">
+              <a:lumMod val="75000"/>
+              <a:lumOff val="25000"/>
+            </a:schemeClr>
           </a:solidFill>
-          <a:latin typeface="Palatino Linotype" panose="02040502050505030304" pitchFamily="18" charset="0"/>
+          <a:latin typeface="+mn-lt"/>
           <a:ea typeface="+mn-ea"/>
           <a:cs typeface="+mn-cs"/>
         </a:defRPr>
       </a:lvl5pPr>
-      <a:lvl6pPr marL="2514600" indent="-228600" algn="l" defTabSz="914400" rtl="0" eaLnBrk="1" latinLnBrk="0" hangingPunct="1">
+      <a:lvl6pPr marL="2514600" indent="-228600" algn="l" defTabSz="457200" rtl="0" eaLnBrk="1" latinLnBrk="0" hangingPunct="1">
         <a:spcBef>
-          <a:spcPct val="20000"/>
+          <a:spcPts val="1000"/>
         </a:spcBef>
-        <a:buFont typeface="Courier New" pitchFamily="49" charset="0"/>
-        <a:buChar char="o"/>
-        <a:defRPr sz="1600" kern="1200">
+        <a:spcAft>
+          <a:spcPts val="0"/>
+        </a:spcAft>
+        <a:buClr>
+          <a:schemeClr val="accent1"/>
+        </a:buClr>
+        <a:buSzPct val="80000"/>
+        <a:buFont typeface="Wingdings 3" charset="2"/>
+        <a:buChar char=""/>
+        <a:defRPr sz="1200" kern="1200">
           <a:solidFill>
-            <a:schemeClr val="tx1"/>
+            <a:schemeClr val="tx1">
+              <a:lumMod val="75000"/>
+              <a:lumOff val="25000"/>
+            </a:schemeClr>
           </a:solidFill>
           <a:latin typeface="+mn-lt"/>
           <a:ea typeface="+mn-ea"/>
           <a:cs typeface="+mn-cs"/>
         </a:defRPr>
       </a:lvl6pPr>
-      <a:lvl7pPr marL="2971800" indent="-228600" algn="l" defTabSz="914400" rtl="0" eaLnBrk="1" latinLnBrk="0" hangingPunct="1">
+      <a:lvl7pPr marL="2971800" indent="-228600" algn="l" defTabSz="457200" rtl="0" eaLnBrk="1" latinLnBrk="0" hangingPunct="1">
         <a:spcBef>
-          <a:spcPct val="20000"/>
+          <a:spcPts val="1000"/>
         </a:spcBef>
-        <a:buFont typeface="Arial" pitchFamily="34" charset="0"/>
-        <a:buChar char="•"/>
-        <a:defRPr sz="1600" kern="1200">
+        <a:spcAft>
+          <a:spcPts val="0"/>
+        </a:spcAft>
+        <a:buClr>
+          <a:schemeClr val="accent1"/>
+        </a:buClr>
+        <a:buSzPct val="80000"/>
+        <a:buFont typeface="Wingdings 3" charset="2"/>
+        <a:buChar char=""/>
+        <a:defRPr sz="1200" kern="1200">
           <a:solidFill>
-            <a:schemeClr val="tx1"/>
+            <a:schemeClr val="tx1">
+              <a:lumMod val="75000"/>
+              <a:lumOff val="25000"/>
+            </a:schemeClr>
           </a:solidFill>
           <a:latin typeface="+mn-lt"/>
           <a:ea typeface="+mn-ea"/>
           <a:cs typeface="+mn-cs"/>
         </a:defRPr>
       </a:lvl7pPr>
-      <a:lvl8pPr marL="3429000" indent="-228600" algn="l" defTabSz="914400" rtl="0" eaLnBrk="1" latinLnBrk="0" hangingPunct="1">
+      <a:lvl8pPr marL="3429000" indent="-228600" algn="l" defTabSz="457200" rtl="0" eaLnBrk="1" latinLnBrk="0" hangingPunct="1">
         <a:spcBef>
-          <a:spcPct val="20000"/>
+          <a:spcPts val="1000"/>
         </a:spcBef>
-        <a:buFont typeface="Courier New" pitchFamily="49" charset="0"/>
-        <a:buChar char="o"/>
-        <a:defRPr sz="1600" kern="1200">
+        <a:spcAft>
+          <a:spcPts val="0"/>
+        </a:spcAft>
+        <a:buClr>
+          <a:schemeClr val="accent1"/>
+        </a:buClr>
+        <a:buSzPct val="80000"/>
+        <a:buFont typeface="Wingdings 3" charset="2"/>
+        <a:buChar char=""/>
+        <a:defRPr sz="1200" kern="1200">
           <a:solidFill>
-            <a:schemeClr val="tx1"/>
+            <a:schemeClr val="tx1">
+              <a:lumMod val="75000"/>
+              <a:lumOff val="25000"/>
+            </a:schemeClr>
           </a:solidFill>
           <a:latin typeface="+mn-lt"/>
           <a:ea typeface="+mn-ea"/>
           <a:cs typeface="+mn-cs"/>
         </a:defRPr>
       </a:lvl8pPr>
-      <a:lvl9pPr marL="3886200" indent="-228600" algn="l" defTabSz="914400" rtl="0" eaLnBrk="1" latinLnBrk="0" hangingPunct="1">
+      <a:lvl9pPr marL="3886200" indent="-228600" algn="l" defTabSz="457200" rtl="0" eaLnBrk="1" latinLnBrk="0" hangingPunct="1">
         <a:spcBef>
-          <a:spcPct val="20000"/>
+          <a:spcPts val="1000"/>
         </a:spcBef>
-        <a:buFont typeface="Arial" pitchFamily="34" charset="0"/>
-        <a:buChar char="•"/>
-        <a:defRPr sz="1600" kern="1200">
+        <a:spcAft>
+          <a:spcPts val="0"/>
+        </a:spcAft>
+        <a:buClr>
+          <a:schemeClr val="accent1"/>
+        </a:buClr>
+        <a:buSzPct val="80000"/>
+        <a:buFont typeface="Wingdings 3" charset="2"/>
+        <a:buChar char=""/>
+        <a:defRPr sz="1200" kern="1200">
           <a:solidFill>
-            <a:schemeClr val="tx1"/>
+            <a:schemeClr val="tx1">
+              <a:lumMod val="75000"/>
+              <a:lumOff val="25000"/>
+            </a:schemeClr>
           </a:solidFill>
           <a:latin typeface="+mn-lt"/>
           <a:ea typeface="+mn-ea"/>
@@ -4803,7 +6790,7 @@
       <a:defPPr>
         <a:defRPr lang="en-US"/>
       </a:defPPr>
-      <a:lvl1pPr marL="0" algn="l" defTabSz="914400" rtl="0" eaLnBrk="1" latinLnBrk="0" hangingPunct="1">
+      <a:lvl1pPr marL="0" algn="l" defTabSz="457200" rtl="0" eaLnBrk="1" latinLnBrk="0" hangingPunct="1">
         <a:defRPr sz="1800" kern="1200">
           <a:solidFill>
             <a:schemeClr val="tx1"/>
@@ -4813,7 +6800,7 @@
           <a:cs typeface="+mn-cs"/>
         </a:defRPr>
       </a:lvl1pPr>
-      <a:lvl2pPr marL="457200" algn="l" defTabSz="914400" rtl="0" eaLnBrk="1" latinLnBrk="0" hangingPunct="1">
+      <a:lvl2pPr marL="457200" algn="l" defTabSz="457200" rtl="0" eaLnBrk="1" latinLnBrk="0" hangingPunct="1">
         <a:defRPr sz="1800" kern="1200">
           <a:solidFill>
             <a:schemeClr val="tx1"/>
@@ -4823,7 +6810,7 @@
           <a:cs typeface="+mn-cs"/>
         </a:defRPr>
       </a:lvl2pPr>
-      <a:lvl3pPr marL="914400" algn="l" defTabSz="914400" rtl="0" eaLnBrk="1" latinLnBrk="0" hangingPunct="1">
+      <a:lvl3pPr marL="914400" algn="l" defTabSz="457200" rtl="0" eaLnBrk="1" latinLnBrk="0" hangingPunct="1">
         <a:defRPr sz="1800" kern="1200">
           <a:solidFill>
             <a:schemeClr val="tx1"/>
@@ -4833,7 +6820,7 @@
           <a:cs typeface="+mn-cs"/>
         </a:defRPr>
       </a:lvl3pPr>
-      <a:lvl4pPr marL="1371600" algn="l" defTabSz="914400" rtl="0" eaLnBrk="1" latinLnBrk="0" hangingPunct="1">
+      <a:lvl4pPr marL="1371600" algn="l" defTabSz="457200" rtl="0" eaLnBrk="1" latinLnBrk="0" hangingPunct="1">
         <a:defRPr sz="1800" kern="1200">
           <a:solidFill>
             <a:schemeClr val="tx1"/>
@@ -4843,7 +6830,7 @@
           <a:cs typeface="+mn-cs"/>
         </a:defRPr>
       </a:lvl4pPr>
-      <a:lvl5pPr marL="1828800" algn="l" defTabSz="914400" rtl="0" eaLnBrk="1" latinLnBrk="0" hangingPunct="1">
+      <a:lvl5pPr marL="1828800" algn="l" defTabSz="457200" rtl="0" eaLnBrk="1" latinLnBrk="0" hangingPunct="1">
         <a:defRPr sz="1800" kern="1200">
           <a:solidFill>
             <a:schemeClr val="tx1"/>
@@ -4853,7 +6840,7 @@
           <a:cs typeface="+mn-cs"/>
         </a:defRPr>
       </a:lvl5pPr>
-      <a:lvl6pPr marL="2286000" algn="l" defTabSz="914400" rtl="0" eaLnBrk="1" latinLnBrk="0" hangingPunct="1">
+      <a:lvl6pPr marL="2286000" algn="l" defTabSz="457200" rtl="0" eaLnBrk="1" latinLnBrk="0" hangingPunct="1">
         <a:defRPr sz="1800" kern="1200">
           <a:solidFill>
             <a:schemeClr val="tx1"/>
@@ -4863,7 +6850,7 @@
           <a:cs typeface="+mn-cs"/>
         </a:defRPr>
       </a:lvl6pPr>
-      <a:lvl7pPr marL="2743200" algn="l" defTabSz="914400" rtl="0" eaLnBrk="1" latinLnBrk="0" hangingPunct="1">
+      <a:lvl7pPr marL="2743200" algn="l" defTabSz="457200" rtl="0" eaLnBrk="1" latinLnBrk="0" hangingPunct="1">
         <a:defRPr sz="1800" kern="1200">
           <a:solidFill>
             <a:schemeClr val="tx1"/>
@@ -4873,7 +6860,7 @@
           <a:cs typeface="+mn-cs"/>
         </a:defRPr>
       </a:lvl7pPr>
-      <a:lvl8pPr marL="3200400" algn="l" defTabSz="914400" rtl="0" eaLnBrk="1" latinLnBrk="0" hangingPunct="1">
+      <a:lvl8pPr marL="3200400" algn="l" defTabSz="457200" rtl="0" eaLnBrk="1" latinLnBrk="0" hangingPunct="1">
         <a:defRPr sz="1800" kern="1200">
           <a:solidFill>
             <a:schemeClr val="tx1"/>
@@ -4883,7 +6870,7 @@
           <a:cs typeface="+mn-cs"/>
         </a:defRPr>
       </a:lvl8pPr>
-      <a:lvl9pPr marL="3657600" algn="l" defTabSz="914400" rtl="0" eaLnBrk="1" latinLnBrk="0" hangingPunct="1">
+      <a:lvl9pPr marL="3657600" algn="l" defTabSz="457200" rtl="0" eaLnBrk="1" latinLnBrk="0" hangingPunct="1">
         <a:defRPr sz="1800" kern="1200">
           <a:solidFill>
             <a:schemeClr val="tx1"/>
@@ -4925,18 +6912,21 @@
             <p:ph type="subTitle" idx="1"/>
           </p:nvPr>
         </p:nvSpPr>
-        <p:spPr/>
+        <p:spPr>
+          <a:xfrm>
+            <a:off x="3659784" y="4380271"/>
+            <a:ext cx="3029542" cy="1718732"/>
+          </a:xfrm>
+        </p:spPr>
         <p:txBody>
           <a:bodyPr rtlCol="0">
-            <a:normAutofit fontScale="77500" lnSpcReduction="20000"/>
+            <a:normAutofit/>
           </a:bodyPr>
           <a:lstStyle/>
           <a:p>
             <a:pPr rtl="0"/>
             <a:r>
-              <a:rPr lang="pt-PT" dirty="0">
-                <a:latin typeface="Palatino Linotype" panose="02040502050505030304" pitchFamily="18" charset="0"/>
-              </a:rPr>
+              <a:rPr lang="pt-PT" dirty="0"/>
               <a:t>Trabalho realizado por:</a:t>
             </a:r>
           </a:p>
@@ -4950,9 +6940,7 @@
           <a:p>
             <a:pPr rtl="0"/>
             <a:r>
-              <a:rPr lang="pt-PT" dirty="0">
-                <a:latin typeface="Palatino Linotype" panose="02040502050505030304" pitchFamily="18" charset="0"/>
-              </a:rPr>
+              <a:rPr lang="pt-PT" dirty="0"/>
               <a:t>Diogo Neves, nº17686</a:t>
             </a:r>
           </a:p>
@@ -4962,9 +6950,6 @@
               <a:rPr lang="pt-PT" dirty="0"/>
               <a:t>Ricardo Mestre, nº17696</a:t>
             </a:r>
-            <a:endParaRPr lang="pt-PT" dirty="0">
-              <a:latin typeface="Palatino Linotype" panose="02040502050505030304" pitchFamily="18" charset="0"/>
-            </a:endParaRPr>
           </a:p>
         </p:txBody>
       </p:sp>
@@ -4990,8 +6975,8 @@
         </p:blipFill>
         <p:spPr>
           <a:xfrm>
-            <a:off x="2225528" y="1094080"/>
-            <a:ext cx="7740943" cy="3451287"/>
+            <a:off x="2371301" y="1141070"/>
+            <a:ext cx="5606508" cy="2499653"/>
           </a:xfrm>
           <a:prstGeom prst="rect">
             <a:avLst/>
@@ -5055,7 +7040,7 @@
           <a:bodyPr rtlCol="0"/>
           <a:lstStyle/>
           <a:p>
-            <a:pPr rtl="0"/>
+            <a:pPr algn="ctr" rtl="0"/>
             <a:r>
               <a:rPr lang="pt-PT" dirty="0">
                 <a:solidFill>
@@ -5063,7 +7048,7 @@
                 </a:solidFill>
                 <a:latin typeface="Century Gothic" panose="020B0502020202020204" pitchFamily="34" charset="0"/>
               </a:rPr>
-              <a:t>Introdução</a:t>
+              <a:t>Índice</a:t>
             </a:r>
           </a:p>
         </p:txBody>
@@ -5078,9 +7063,16 @@
             <p:ph idx="1"/>
           </p:nvPr>
         </p:nvSpPr>
-        <p:spPr/>
-        <p:txBody>
-          <a:bodyPr rtlCol="0"/>
+        <p:spPr>
+          <a:xfrm>
+            <a:off x="677334" y="1763023"/>
+            <a:ext cx="8596668" cy="3880773"/>
+          </a:xfrm>
+        </p:spPr>
+        <p:txBody>
+          <a:bodyPr rtlCol="0">
+            <a:normAutofit/>
+          </a:bodyPr>
           <a:lstStyle/>
           <a:p>
             <a:pPr algn="just">
@@ -5089,8 +7081,8 @@
               </a:lnSpc>
             </a:pPr>
             <a:r>
-              <a:rPr lang="pt-PT" dirty="0"/>
-              <a:t>Aplicação mobile e web site;</a:t>
+              <a:rPr lang="pt-PT" sz="1700" dirty="0"/>
+              <a:t>Promover o Alentejo; </a:t>
             </a:r>
           </a:p>
           <a:p>
@@ -5100,8 +7092,8 @@
               </a:lnSpc>
             </a:pPr>
             <a:r>
-              <a:rPr lang="pt-PT" dirty="0"/>
-              <a:t>Promover o Alentejo; </a:t>
+              <a:rPr lang="pt-PT" sz="1700" dirty="0"/>
+              <a:t>Aplicação mobile e web;</a:t>
             </a:r>
           </a:p>
           <a:p>
@@ -5111,7 +7103,7 @@
               </a:lnSpc>
             </a:pPr>
             <a:r>
-              <a:rPr lang="pt-PT" dirty="0"/>
+              <a:rPr lang="pt-PT" sz="1700" dirty="0"/>
               <a:t>Inexistência de uma aplicação que satisfaça por completo um turista que visite o Alentejo. </a:t>
             </a:r>
           </a:p>
@@ -5122,10 +7114,10 @@
               </a:lnSpc>
             </a:pPr>
             <a:r>
-              <a:rPr lang="pt-PT" dirty="0"/>
+              <a:rPr lang="pt-PT" sz="1700" dirty="0"/>
               <a:t>Decidimos criar algo inovador que abrangesse hotéis, monumentos, praias, herdades de vinhos e rotas.</a:t>
             </a:r>
-            <a:endParaRPr lang="pt-PT" dirty="0">
+            <a:endParaRPr lang="pt-PT" sz="1700" dirty="0">
               <a:latin typeface="Palatino Linotype" panose="02040502050505030304" pitchFamily="18" charset="0"/>
             </a:endParaRPr>
           </a:p>
@@ -5183,12 +7175,17 @@
             <p:ph type="title"/>
           </p:nvPr>
         </p:nvSpPr>
-        <p:spPr/>
+        <p:spPr>
+          <a:xfrm>
+            <a:off x="770099" y="243442"/>
+            <a:ext cx="8596668" cy="1320800"/>
+          </a:xfrm>
+        </p:spPr>
         <p:txBody>
           <a:bodyPr rtlCol="0"/>
           <a:lstStyle/>
           <a:p>
-            <a:pPr rtl="0"/>
+            <a:pPr algn="ctr" rtl="0"/>
             <a:r>
               <a:rPr lang="pt-PT" dirty="0">
                 <a:solidFill>
@@ -5211,15 +7208,133 @@
             <p:ph idx="1"/>
           </p:nvPr>
         </p:nvSpPr>
-        <p:spPr/>
-        <p:txBody>
-          <a:bodyPr rtlCol="0"/>
-          <a:lstStyle/>
-          <a:p>
-            <a:pPr rtl="0"/>
-            <a:endParaRPr lang="pt-PT" dirty="0">
-              <a:latin typeface="Palatino Linotype" panose="02040502050505030304" pitchFamily="18" charset="0"/>
-            </a:endParaRPr>
+        <p:spPr>
+          <a:xfrm>
+            <a:off x="371062" y="1564242"/>
+            <a:ext cx="10561982" cy="5081723"/>
+          </a:xfrm>
+        </p:spPr>
+        <p:txBody>
+          <a:bodyPr rtlCol="0">
+            <a:normAutofit fontScale="92500" lnSpcReduction="10000"/>
+          </a:bodyPr>
+          <a:lstStyle/>
+          <a:p>
+            <a:r>
+              <a:rPr lang="pt-PT" b="1" dirty="0">
+                <a:latin typeface="Palatino Linotype" panose="02040502050505030304" pitchFamily="18" charset="0"/>
+              </a:rPr>
+              <a:t>  </a:t>
+            </a:r>
+            <a:r>
+              <a:rPr lang="pt-PT" b="1" dirty="0"/>
+              <a:t>Objetivos Mínimos:</a:t>
+            </a:r>
+          </a:p>
+          <a:p>
+            <a:pPr marL="0" indent="0">
+              <a:buNone/>
+            </a:pPr>
+            <a:r>
+              <a:rPr lang="pt-PT" dirty="0"/>
+              <a:t>   - Criar conta pessoal para entrar na app;  </a:t>
+            </a:r>
+          </a:p>
+          <a:p>
+            <a:pPr marL="0" indent="0">
+              <a:buNone/>
+            </a:pPr>
+            <a:r>
+              <a:rPr lang="pt-PT" dirty="0"/>
+              <a:t>  - Adicionar conteúdos a uma pasta de favoritos; </a:t>
+            </a:r>
+          </a:p>
+          <a:p>
+            <a:pPr marL="0" indent="0">
+              <a:buNone/>
+            </a:pPr>
+            <a:r>
+              <a:rPr lang="pt-PT" dirty="0"/>
+              <a:t>  - Comentar e avaliar um determinado local ou rota; </a:t>
+            </a:r>
+          </a:p>
+          <a:p>
+            <a:pPr marL="0" indent="0">
+              <a:buNone/>
+            </a:pPr>
+            <a:endParaRPr lang="pt-PT" dirty="0"/>
+          </a:p>
+          <a:p>
+            <a:r>
+              <a:rPr lang="pt-PT" b="1" dirty="0"/>
+              <a:t> Objetivos Médios:</a:t>
+            </a:r>
+          </a:p>
+          <a:p>
+            <a:pPr marL="0" indent="0">
+              <a:buNone/>
+            </a:pPr>
+            <a:r>
+              <a:rPr lang="pt-PT" dirty="0"/>
+              <a:t>  - Ordenar pelas classificações dados pelos utilizadores;  </a:t>
+            </a:r>
+          </a:p>
+          <a:p>
+            <a:pPr marL="0" indent="0">
+              <a:buNone/>
+            </a:pPr>
+            <a:r>
+              <a:rPr lang="pt-PT" dirty="0"/>
+              <a:t>  - Filtrar pesquisas. </a:t>
+            </a:r>
+          </a:p>
+          <a:p>
+            <a:pPr marL="0" indent="0">
+              <a:buNone/>
+            </a:pPr>
+            <a:endParaRPr lang="pt-PT" dirty="0"/>
+          </a:p>
+          <a:p>
+            <a:r>
+              <a:rPr lang="pt-PT" b="1" dirty="0"/>
+              <a:t>Objetivos Avançados:</a:t>
+            </a:r>
+          </a:p>
+          <a:p>
+            <a:pPr marL="0" indent="0">
+              <a:buNone/>
+            </a:pPr>
+            <a:r>
+              <a:rPr lang="pt-PT" dirty="0"/>
+              <a:t>  - Enviar notificação sempre o utilizador passe por determinado ponto de atração turística;  </a:t>
+            </a:r>
+          </a:p>
+          <a:p>
+            <a:pPr marL="0" indent="0">
+              <a:buNone/>
+            </a:pPr>
+            <a:r>
+              <a:rPr lang="pt-PT" dirty="0"/>
+              <a:t>  - Sistema de navegação GPS, baseado em rotas personalizadas. </a:t>
+            </a:r>
+          </a:p>
+          <a:p>
+            <a:pPr marL="0" indent="0">
+              <a:buNone/>
+            </a:pPr>
+            <a:r>
+              <a:rPr lang="pt-PT" dirty="0"/>
+              <a:t>  - Comentar e avaliar um determinado local ou rota;  </a:t>
+            </a:r>
+          </a:p>
+          <a:p>
+            <a:pPr marL="0" indent="0">
+              <a:buNone/>
+            </a:pPr>
+            <a:r>
+              <a:rPr lang="pt-PT" dirty="0"/>
+              <a:t>  - Visualização de itinerários baseados em rotas predefinidas.</a:t>
+            </a:r>
           </a:p>
         </p:txBody>
       </p:sp>
@@ -5267,6 +7382,533 @@
       </p:grpSpPr>
       <p:sp>
         <p:nvSpPr>
+          <p:cNvPr id="2" name="Título 1">
+            <a:extLst>
+              <a:ext uri="{FF2B5EF4-FFF2-40B4-BE49-F238E27FC236}">
+                <a16:creationId xmlns:a16="http://schemas.microsoft.com/office/drawing/2014/main" id="{3CA91AE1-B3B7-470C-962C-3A369EB470E2}"/>
+              </a:ext>
+            </a:extLst>
+          </p:cNvPr>
+          <p:cNvSpPr>
+            <a:spLocks noGrp="1"/>
+          </p:cNvSpPr>
+          <p:nvPr>
+            <p:ph type="title"/>
+          </p:nvPr>
+        </p:nvSpPr>
+        <p:spPr/>
+        <p:txBody>
+          <a:bodyPr/>
+          <a:lstStyle/>
+          <a:p>
+            <a:pPr algn="ctr"/>
+            <a:r>
+              <a:rPr lang="pt-PT" dirty="0"/>
+              <a:t>Elaboração da Base de Dados</a:t>
+            </a:r>
+          </a:p>
+        </p:txBody>
+      </p:sp>
+      <p:pic>
+        <p:nvPicPr>
+          <p:cNvPr id="5" name="Marcador de Posição de Conteúdo 4" descr="Uma imagem com preto&#10;&#10;Descrição gerada automaticamente">
+            <a:extLst>
+              <a:ext uri="{FF2B5EF4-FFF2-40B4-BE49-F238E27FC236}">
+                <a16:creationId xmlns:a16="http://schemas.microsoft.com/office/drawing/2014/main" id="{E0AEB7EC-9184-401A-9CB9-55A8A4F8D273}"/>
+              </a:ext>
+            </a:extLst>
+          </p:cNvPr>
+          <p:cNvPicPr>
+            <a:picLocks noGrp="1" noChangeAspect="1"/>
+          </p:cNvPicPr>
+          <p:nvPr>
+            <p:ph idx="1"/>
+          </p:nvPr>
+        </p:nvPicPr>
+        <p:blipFill>
+          <a:blip r:embed="rId2"/>
+          <a:stretch>
+            <a:fillRect/>
+          </a:stretch>
+        </p:blipFill>
+        <p:spPr>
+          <a:xfrm>
+            <a:off x="1379131" y="1930400"/>
+            <a:ext cx="7089619" cy="4185810"/>
+          </a:xfrm>
+        </p:spPr>
+      </p:pic>
+    </p:spTree>
+    <p:extLst>
+      <p:ext uri="{BB962C8B-B14F-4D97-AF65-F5344CB8AC3E}">
+        <p14:creationId xmlns:p14="http://schemas.microsoft.com/office/powerpoint/2010/main" val="2457848430"/>
+      </p:ext>
+    </p:extLst>
+  </p:cSld>
+  <p:clrMapOvr>
+    <a:masterClrMapping/>
+  </p:clrMapOvr>
+</p:sld>
+</file>
+
+<file path=ppt/slides/slide5.xml><?xml version="1.0" encoding="utf-8"?>
+<p:sld xmlns:a="http://schemas.openxmlformats.org/drawingml/2006/main" xmlns:r="http://schemas.openxmlformats.org/officeDocument/2006/relationships" xmlns:p="http://schemas.openxmlformats.org/presentationml/2006/main">
+  <p:cSld>
+    <p:bg>
+      <p:bgPr>
+        <a:solidFill>
+          <a:schemeClr val="bg1"/>
+        </a:solidFill>
+        <a:effectLst/>
+      </p:bgPr>
+    </p:bg>
+    <p:spTree>
+      <p:nvGrpSpPr>
+        <p:cNvPr id="1" name=""/>
+        <p:cNvGrpSpPr/>
+        <p:nvPr/>
+      </p:nvGrpSpPr>
+      <p:grpSpPr>
+        <a:xfrm>
+          <a:off x="0" y="0"/>
+          <a:ext cx="0" cy="0"/>
+          <a:chOff x="0" y="0"/>
+          <a:chExt cx="0" cy="0"/>
+        </a:xfrm>
+      </p:grpSpPr>
+      <p:sp>
+        <p:nvSpPr>
+          <p:cNvPr id="2" name="Título 1">
+            <a:extLst>
+              <a:ext uri="{FF2B5EF4-FFF2-40B4-BE49-F238E27FC236}">
+                <a16:creationId xmlns:a16="http://schemas.microsoft.com/office/drawing/2014/main" id="{8550295D-B6C1-49C7-8742-63852EB2F069}"/>
+              </a:ext>
+            </a:extLst>
+          </p:cNvPr>
+          <p:cNvSpPr>
+            <a:spLocks noGrp="1"/>
+          </p:cNvSpPr>
+          <p:nvPr>
+            <p:ph type="title"/>
+          </p:nvPr>
+        </p:nvSpPr>
+        <p:spPr>
+          <a:xfrm>
+            <a:off x="676746" y="609600"/>
+            <a:ext cx="3729076" cy="1320800"/>
+          </a:xfrm>
+        </p:spPr>
+        <p:txBody>
+          <a:bodyPr anchor="ctr">
+            <a:normAutofit/>
+          </a:bodyPr>
+          <a:lstStyle/>
+          <a:p>
+            <a:r>
+              <a:rPr lang="pt-PT" dirty="0"/>
+              <a:t>Aplicação Web</a:t>
+            </a:r>
+            <a:endParaRPr lang="pt-PT"/>
+          </a:p>
+        </p:txBody>
+      </p:sp>
+      <p:sp>
+        <p:nvSpPr>
+          <p:cNvPr id="3" name="Marcador de Posição de Conteúdo 2">
+            <a:extLst>
+              <a:ext uri="{FF2B5EF4-FFF2-40B4-BE49-F238E27FC236}">
+                <a16:creationId xmlns:a16="http://schemas.microsoft.com/office/drawing/2014/main" id="{E516A6F6-2B06-486D-A0F0-BBD19DC03CD5}"/>
+              </a:ext>
+            </a:extLst>
+          </p:cNvPr>
+          <p:cNvSpPr>
+            <a:spLocks noGrp="1"/>
+          </p:cNvSpPr>
+          <p:nvPr>
+            <p:ph idx="1"/>
+          </p:nvPr>
+        </p:nvSpPr>
+        <p:spPr>
+          <a:xfrm>
+            <a:off x="685167" y="2160589"/>
+            <a:ext cx="3720916" cy="3560733"/>
+          </a:xfrm>
+        </p:spPr>
+        <p:txBody>
+          <a:bodyPr>
+            <a:normAutofit/>
+          </a:bodyPr>
+          <a:lstStyle/>
+          <a:p>
+            <a:r>
+              <a:rPr lang="pt-PT" dirty="0"/>
+              <a:t> Consultar;</a:t>
+            </a:r>
+            <a:endParaRPr lang="pt-PT"/>
+          </a:p>
+          <a:p>
+            <a:r>
+              <a:rPr lang="pt-PT" dirty="0"/>
+              <a:t> Iniciar Sessão;</a:t>
+            </a:r>
+            <a:endParaRPr lang="pt-PT"/>
+          </a:p>
+          <a:p>
+            <a:r>
+              <a:rPr lang="pt-PT" dirty="0"/>
+              <a:t> Registar;</a:t>
+            </a:r>
+            <a:endParaRPr lang="pt-PT"/>
+          </a:p>
+        </p:txBody>
+      </p:sp>
+      <p:pic>
+        <p:nvPicPr>
+          <p:cNvPr id="4" name="Imagem 3">
+            <a:extLst>
+              <a:ext uri="{FF2B5EF4-FFF2-40B4-BE49-F238E27FC236}">
+                <a16:creationId xmlns:a16="http://schemas.microsoft.com/office/drawing/2014/main" id="{09A2F02D-0981-4AFF-9833-A9C29871425A}"/>
+              </a:ext>
+            </a:extLst>
+          </p:cNvPr>
+          <p:cNvPicPr/>
+          <p:nvPr/>
+        </p:nvPicPr>
+        <p:blipFill>
+          <a:blip r:embed="rId2" cstate="print">
+            <a:extLst>
+              <a:ext uri="{28A0092B-C50C-407E-A947-70E740481C1C}">
+                <a14:useLocalDpi xmlns:a14="http://schemas.microsoft.com/office/drawing/2010/main" val="0"/>
+              </a:ext>
+            </a:extLst>
+          </a:blip>
+          <a:stretch>
+            <a:fillRect/>
+          </a:stretch>
+        </p:blipFill>
+        <p:spPr>
+          <a:xfrm>
+            <a:off x="3671667" y="1930400"/>
+            <a:ext cx="5641386" cy="3218375"/>
+          </a:xfrm>
+          <a:prstGeom prst="rect">
+            <a:avLst/>
+          </a:prstGeom>
+        </p:spPr>
+      </p:pic>
+    </p:spTree>
+    <p:extLst>
+      <p:ext uri="{BB962C8B-B14F-4D97-AF65-F5344CB8AC3E}">
+        <p14:creationId xmlns:p14="http://schemas.microsoft.com/office/powerpoint/2010/main" val="2635410412"/>
+      </p:ext>
+    </p:extLst>
+  </p:cSld>
+  <p:clrMapOvr>
+    <a:masterClrMapping/>
+  </p:clrMapOvr>
+</p:sld>
+</file>
+
+<file path=ppt/slides/slide6.xml><?xml version="1.0" encoding="utf-8"?>
+<p:sld xmlns:a="http://schemas.openxmlformats.org/drawingml/2006/main" xmlns:r="http://schemas.openxmlformats.org/officeDocument/2006/relationships" xmlns:p="http://schemas.openxmlformats.org/presentationml/2006/main">
+  <p:cSld>
+    <p:bg>
+      <p:bgPr>
+        <a:solidFill>
+          <a:schemeClr val="bg1"/>
+        </a:solidFill>
+        <a:effectLst/>
+      </p:bgPr>
+    </p:bg>
+    <p:spTree>
+      <p:nvGrpSpPr>
+        <p:cNvPr id="1" name=""/>
+        <p:cNvGrpSpPr/>
+        <p:nvPr/>
+      </p:nvGrpSpPr>
+      <p:grpSpPr>
+        <a:xfrm>
+          <a:off x="0" y="0"/>
+          <a:ext cx="0" cy="0"/>
+          <a:chOff x="0" y="0"/>
+          <a:chExt cx="0" cy="0"/>
+        </a:xfrm>
+      </p:grpSpPr>
+      <p:sp>
+        <p:nvSpPr>
+          <p:cNvPr id="2" name="Título 1">
+            <a:extLst>
+              <a:ext uri="{FF2B5EF4-FFF2-40B4-BE49-F238E27FC236}">
+                <a16:creationId xmlns:a16="http://schemas.microsoft.com/office/drawing/2014/main" id="{D6061C3E-0939-44BB-82EA-AA22BEB6C6A1}"/>
+              </a:ext>
+            </a:extLst>
+          </p:cNvPr>
+          <p:cNvSpPr>
+            <a:spLocks noGrp="1"/>
+          </p:cNvSpPr>
+          <p:nvPr>
+            <p:ph type="title"/>
+          </p:nvPr>
+        </p:nvSpPr>
+        <p:spPr>
+          <a:xfrm>
+            <a:off x="676746" y="609600"/>
+            <a:ext cx="3729076" cy="1320800"/>
+          </a:xfrm>
+        </p:spPr>
+        <p:txBody>
+          <a:bodyPr anchor="ctr">
+            <a:normAutofit/>
+          </a:bodyPr>
+          <a:lstStyle/>
+          <a:p>
+            <a:r>
+              <a:rPr lang="pt-PT" dirty="0"/>
+              <a:t>Aplicação Mobile</a:t>
+            </a:r>
+            <a:endParaRPr lang="pt-PT"/>
+          </a:p>
+        </p:txBody>
+      </p:sp>
+      <p:sp>
+        <p:nvSpPr>
+          <p:cNvPr id="3" name="Marcador de Posição de Conteúdo 2">
+            <a:extLst>
+              <a:ext uri="{FF2B5EF4-FFF2-40B4-BE49-F238E27FC236}">
+                <a16:creationId xmlns:a16="http://schemas.microsoft.com/office/drawing/2014/main" id="{DAA33B04-2474-4DEF-8D0B-0B8AD11A3235}"/>
+              </a:ext>
+            </a:extLst>
+          </p:cNvPr>
+          <p:cNvSpPr>
+            <a:spLocks noGrp="1"/>
+          </p:cNvSpPr>
+          <p:nvPr>
+            <p:ph idx="1"/>
+          </p:nvPr>
+        </p:nvSpPr>
+        <p:spPr>
+          <a:xfrm>
+            <a:off x="685167" y="2160589"/>
+            <a:ext cx="3720916" cy="3560733"/>
+          </a:xfrm>
+        </p:spPr>
+        <p:txBody>
+          <a:bodyPr>
+            <a:normAutofit/>
+          </a:bodyPr>
+          <a:lstStyle/>
+          <a:p>
+            <a:r>
+              <a:rPr lang="pt-PT" dirty="0"/>
+              <a:t> Consultar;</a:t>
+            </a:r>
+            <a:endParaRPr lang="pt-PT"/>
+          </a:p>
+          <a:p>
+            <a:r>
+              <a:rPr lang="pt-PT" dirty="0"/>
+              <a:t> Iniciar Sessão;</a:t>
+            </a:r>
+            <a:endParaRPr lang="pt-PT"/>
+          </a:p>
+          <a:p>
+            <a:r>
+              <a:rPr lang="pt-PT" dirty="0"/>
+              <a:t> Registar;</a:t>
+            </a:r>
+            <a:endParaRPr lang="pt-PT"/>
+          </a:p>
+          <a:p>
+            <a:r>
+              <a:rPr lang="pt-PT" dirty="0"/>
+              <a:t> Favoritos;</a:t>
+            </a:r>
+            <a:endParaRPr lang="pt-PT"/>
+          </a:p>
+          <a:p>
+            <a:r>
+              <a:rPr lang="pt-PT" dirty="0"/>
+              <a:t> Comentários;</a:t>
+            </a:r>
+            <a:endParaRPr lang="pt-PT"/>
+          </a:p>
+        </p:txBody>
+      </p:sp>
+      <p:pic>
+        <p:nvPicPr>
+          <p:cNvPr id="4" name="Imagem 3">
+            <a:extLst>
+              <a:ext uri="{FF2B5EF4-FFF2-40B4-BE49-F238E27FC236}">
+                <a16:creationId xmlns:a16="http://schemas.microsoft.com/office/drawing/2014/main" id="{C3AC09C8-D7C6-4FB2-A2A1-F8FA13ADB80A}"/>
+              </a:ext>
+            </a:extLst>
+          </p:cNvPr>
+          <p:cNvPicPr>
+            <a:picLocks noChangeAspect="1"/>
+          </p:cNvPicPr>
+          <p:nvPr/>
+        </p:nvPicPr>
+        <p:blipFill rotWithShape="1">
+          <a:blip r:embed="rId2"/>
+          <a:srcRect l="623" t="750" r="2079"/>
+          <a:stretch/>
+        </p:blipFill>
+        <p:spPr>
+          <a:xfrm>
+            <a:off x="4698608" y="512360"/>
+            <a:ext cx="3291841" cy="5833280"/>
+          </a:xfrm>
+          <a:prstGeom prst="rect">
+            <a:avLst/>
+          </a:prstGeom>
+        </p:spPr>
+      </p:pic>
+    </p:spTree>
+    <p:extLst>
+      <p:ext uri="{BB962C8B-B14F-4D97-AF65-F5344CB8AC3E}">
+        <p14:creationId xmlns:p14="http://schemas.microsoft.com/office/powerpoint/2010/main" val="1053654043"/>
+      </p:ext>
+    </p:extLst>
+  </p:cSld>
+  <p:clrMapOvr>
+    <a:masterClrMapping/>
+  </p:clrMapOvr>
+</p:sld>
+</file>
+
+<file path=ppt/slides/slide7.xml><?xml version="1.0" encoding="utf-8"?>
+<p:sld xmlns:a="http://schemas.openxmlformats.org/drawingml/2006/main" xmlns:r="http://schemas.openxmlformats.org/officeDocument/2006/relationships" xmlns:p="http://schemas.openxmlformats.org/presentationml/2006/main">
+  <p:cSld>
+    <p:spTree>
+      <p:nvGrpSpPr>
+        <p:cNvPr id="1" name=""/>
+        <p:cNvGrpSpPr/>
+        <p:nvPr/>
+      </p:nvGrpSpPr>
+      <p:grpSpPr>
+        <a:xfrm>
+          <a:off x="0" y="0"/>
+          <a:ext cx="0" cy="0"/>
+          <a:chOff x="0" y="0"/>
+          <a:chExt cx="0" cy="0"/>
+        </a:xfrm>
+      </p:grpSpPr>
+      <p:sp>
+        <p:nvSpPr>
+          <p:cNvPr id="2" name="Título 1">
+            <a:extLst>
+              <a:ext uri="{FF2B5EF4-FFF2-40B4-BE49-F238E27FC236}">
+                <a16:creationId xmlns:a16="http://schemas.microsoft.com/office/drawing/2014/main" id="{B3229BD9-7012-46AF-91AD-13FA18DA0514}"/>
+              </a:ext>
+            </a:extLst>
+          </p:cNvPr>
+          <p:cNvSpPr>
+            <a:spLocks noGrp="1"/>
+          </p:cNvSpPr>
+          <p:nvPr>
+            <p:ph type="title"/>
+          </p:nvPr>
+        </p:nvSpPr>
+        <p:spPr/>
+        <p:txBody>
+          <a:bodyPr/>
+          <a:lstStyle/>
+          <a:p>
+            <a:pPr algn="ctr"/>
+            <a:r>
+              <a:rPr lang="pt-PT" dirty="0"/>
+              <a:t>Back Office</a:t>
+            </a:r>
+          </a:p>
+        </p:txBody>
+      </p:sp>
+      <p:sp>
+        <p:nvSpPr>
+          <p:cNvPr id="3" name="Marcador de Posição de Conteúdo 2">
+            <a:extLst>
+              <a:ext uri="{FF2B5EF4-FFF2-40B4-BE49-F238E27FC236}">
+                <a16:creationId xmlns:a16="http://schemas.microsoft.com/office/drawing/2014/main" id="{E12EEAA8-D473-433A-A074-283D76F201E0}"/>
+              </a:ext>
+            </a:extLst>
+          </p:cNvPr>
+          <p:cNvSpPr>
+            <a:spLocks noGrp="1"/>
+          </p:cNvSpPr>
+          <p:nvPr>
+            <p:ph idx="1"/>
+          </p:nvPr>
+        </p:nvSpPr>
+        <p:spPr/>
+        <p:txBody>
+          <a:bodyPr/>
+          <a:lstStyle/>
+          <a:p>
+            <a:pPr algn="just">
+              <a:lnSpc>
+                <a:spcPct val="150000"/>
+              </a:lnSpc>
+            </a:pPr>
+            <a:r>
+              <a:rPr lang="pt-PT" dirty="0"/>
+              <a:t> Inserir;</a:t>
+            </a:r>
+          </a:p>
+          <a:p>
+            <a:pPr algn="just">
+              <a:lnSpc>
+                <a:spcPct val="150000"/>
+              </a:lnSpc>
+            </a:pPr>
+            <a:r>
+              <a:rPr lang="pt-PT" dirty="0"/>
+              <a:t> Consultar;</a:t>
+            </a:r>
+          </a:p>
+          <a:p>
+            <a:pPr algn="just">
+              <a:lnSpc>
+                <a:spcPct val="150000"/>
+              </a:lnSpc>
+            </a:pPr>
+            <a:r>
+              <a:rPr lang="pt-PT" dirty="0"/>
+              <a:t>Apagar;</a:t>
+            </a:r>
+          </a:p>
+        </p:txBody>
+      </p:sp>
+    </p:spTree>
+    <p:extLst>
+      <p:ext uri="{BB962C8B-B14F-4D97-AF65-F5344CB8AC3E}">
+        <p14:creationId xmlns:p14="http://schemas.microsoft.com/office/powerpoint/2010/main" val="2374673988"/>
+      </p:ext>
+    </p:extLst>
+  </p:cSld>
+  <p:clrMapOvr>
+    <a:masterClrMapping/>
+  </p:clrMapOvr>
+</p:sld>
+</file>
+
+<file path=ppt/slides/slide8.xml><?xml version="1.0" encoding="utf-8"?>
+<p:sld xmlns:a="http://schemas.openxmlformats.org/drawingml/2006/main" xmlns:r="http://schemas.openxmlformats.org/officeDocument/2006/relationships" xmlns:p="http://schemas.openxmlformats.org/presentationml/2006/main">
+  <p:cSld>
+    <p:spTree>
+      <p:nvGrpSpPr>
+        <p:cNvPr id="1" name=""/>
+        <p:cNvGrpSpPr/>
+        <p:nvPr/>
+      </p:nvGrpSpPr>
+      <p:grpSpPr>
+        <a:xfrm>
+          <a:off x="0" y="0"/>
+          <a:ext cx="0" cy="0"/>
+          <a:chOff x="0" y="0"/>
+          <a:chExt cx="0" cy="0"/>
+        </a:xfrm>
+      </p:grpSpPr>
+      <p:sp>
+        <p:nvSpPr>
           <p:cNvPr id="2" name="Título 1"/>
           <p:cNvSpPr>
             <a:spLocks noGrp="1"/>
@@ -5280,7 +7922,7 @@
           <a:bodyPr rtlCol="0"/>
           <a:lstStyle/>
           <a:p>
-            <a:pPr rtl="0"/>
+            <a:pPr algn="ctr" rtl="0"/>
             <a:r>
               <a:rPr lang="pt-PT" dirty="0">
                 <a:solidFill>
@@ -5314,10 +7956,8 @@
               </a:lnSpc>
             </a:pPr>
             <a:r>
-              <a:rPr lang="pt-PT" dirty="0">
-                <a:latin typeface="Palatino Linotype" panose="02040502050505030304" pitchFamily="18" charset="0"/>
-              </a:rPr>
-              <a:t>Como foi o nosso desempenho;</a:t>
+              <a:rPr lang="pt-PT" dirty="0"/>
+              <a:t>O nosso desempenho;</a:t>
             </a:r>
           </a:p>
           <a:p>
@@ -5338,9 +7978,7 @@
               </a:lnSpc>
             </a:pPr>
             <a:r>
-              <a:rPr lang="pt-PT" dirty="0">
-                <a:latin typeface="Palatino Linotype" panose="02040502050505030304" pitchFamily="18" charset="0"/>
-              </a:rPr>
+              <a:rPr lang="pt-PT" dirty="0"/>
               <a:t>O que gostaríamos de ter feito;</a:t>
             </a:r>
           </a:p>
@@ -5379,7 +8017,7 @@
 </p:sld>
 </file>
 
-<file path=ppt/slides/slide5.xml><?xml version="1.0" encoding="utf-8"?>
+<file path=ppt/slides/slide9.xml><?xml version="1.0" encoding="utf-8"?>
 <p:sld xmlns:a="http://schemas.openxmlformats.org/drawingml/2006/main" xmlns:r="http://schemas.openxmlformats.org/officeDocument/2006/relationships" xmlns:p="http://schemas.openxmlformats.org/presentationml/2006/main">
   <p:cSld>
     <p:spTree>
@@ -5414,14 +8052,15 @@
         </p:nvSpPr>
         <p:spPr>
           <a:xfrm>
-            <a:off x="609600" y="2105117"/>
-            <a:ext cx="10972800" cy="1600200"/>
+            <a:off x="2908852" y="2343656"/>
+            <a:ext cx="5314121" cy="1600200"/>
           </a:xfrm>
         </p:spPr>
         <p:txBody>
           <a:bodyPr/>
           <a:lstStyle/>
           <a:p>
+            <a:pPr algn="ctr"/>
             <a:r>
               <a:rPr lang="pt-PT" dirty="0">
                 <a:solidFill>
@@ -5459,58 +8098,58 @@
 </file>
 
 <file path=ppt/theme/theme1.xml><?xml version="1.0" encoding="utf-8"?>
-<a:theme xmlns:a="http://schemas.openxmlformats.org/drawingml/2006/main" name="Apresentação de informações sobre a empresa">
+<a:theme xmlns:a="http://schemas.openxmlformats.org/drawingml/2006/main" name="Faceta">
   <a:themeElements>
-    <a:clrScheme name="Office">
+    <a:clrScheme name="Laranja">
       <a:dk1>
-        <a:sysClr val="windowText" lastClr="000000"/>
+        <a:srgbClr val="000000"/>
       </a:dk1>
       <a:lt1>
         <a:sysClr val="window" lastClr="FFFFFF"/>
       </a:lt1>
       <a:dk2>
-        <a:srgbClr val="44546A"/>
+        <a:srgbClr val="637052"/>
       </a:dk2>
       <a:lt2>
-        <a:srgbClr val="E7E6E6"/>
+        <a:srgbClr val="CCDDEA"/>
       </a:lt2>
       <a:accent1>
-        <a:srgbClr val="5B9BD5"/>
+        <a:srgbClr val="E48312"/>
       </a:accent1>
       <a:accent2>
-        <a:srgbClr val="ED7D31"/>
+        <a:srgbClr val="BD582C"/>
       </a:accent2>
       <a:accent3>
-        <a:srgbClr val="A5A5A5"/>
+        <a:srgbClr val="865640"/>
       </a:accent3>
       <a:accent4>
-        <a:srgbClr val="FFC000"/>
+        <a:srgbClr val="9B8357"/>
       </a:accent4>
       <a:accent5>
-        <a:srgbClr val="4472C4"/>
+        <a:srgbClr val="C2BC80"/>
       </a:accent5>
       <a:accent6>
-        <a:srgbClr val="70AD47"/>
+        <a:srgbClr val="94A088"/>
       </a:accent6>
       <a:hlink>
-        <a:srgbClr val="0563C1"/>
+        <a:srgbClr val="2998E3"/>
       </a:hlink>
       <a:folHlink>
-        <a:srgbClr val="954F72"/>
+        <a:srgbClr val="8C8C8C"/>
       </a:folHlink>
     </a:clrScheme>
-    <a:fontScheme name="Century Gothic-Palatino Linotype">
+    <a:fontScheme name="Faceta">
       <a:majorFont>
-        <a:latin typeface="Century Gothic" panose="020B0502020202020204"/>
+        <a:latin typeface="Trebuchet MS" panose="020B0603020202020204"/>
         <a:ea typeface=""/>
         <a:cs typeface=""/>
-        <a:font script="Jpan" typeface="ＭＳ ゴシック"/>
+        <a:font script="Jpan" typeface="メイリオ"/>
         <a:font script="Hang" typeface="맑은 고딕"/>
-        <a:font script="Hans" typeface="宋体"/>
-        <a:font script="Hant" typeface="新細明體"/>
+        <a:font script="Hans" typeface="方正姚体"/>
+        <a:font script="Hant" typeface="微軟正黑體"/>
         <a:font script="Arab" typeface="Tahoma"/>
-        <a:font script="Hebr" typeface="Gisha"/>
-        <a:font script="Thai" typeface="DilleniaUPC"/>
+        <a:font script="Hebr" typeface="Arial"/>
+        <a:font script="Thai" typeface="Cordia New"/>
         <a:font script="Ethi" typeface="Nyala"/>
         <a:font script="Beng" typeface="Vrinda"/>
         <a:font script="Gujr" typeface="Shruti"/>
@@ -5536,16 +8175,16 @@
         <a:font script="Geor" typeface="Sylfaen"/>
       </a:majorFont>
       <a:minorFont>
-        <a:latin typeface="Palatino Linotype" panose="02040502050505030304"/>
+        <a:latin typeface="Trebuchet MS" panose="020B0603020202020204"/>
         <a:ea typeface=""/>
         <a:cs typeface=""/>
-        <a:font script="Jpan" typeface="ＭＳ ゴシック"/>
-        <a:font script="Hang" typeface="맑은 고딕"/>
-        <a:font script="Hans" typeface="宋体"/>
-        <a:font script="Hant" typeface="新細明體"/>
+        <a:font script="Jpan" typeface="メイリオ"/>
+        <a:font script="Hang" typeface="HY그래픽M"/>
+        <a:font script="Hans" typeface="华文新魏"/>
+        <a:font script="Hant" typeface="微軟正黑體"/>
         <a:font script="Arab" typeface="Tahoma"/>
         <a:font script="Hebr" typeface="Gisha"/>
-        <a:font script="Thai" typeface="DilleniaUPC"/>
+        <a:font script="Thai" typeface="IrisUPC"/>
         <a:font script="Ethi" typeface="Nyala"/>
         <a:font script="Beng" typeface="Vrinda"/>
         <a:font script="Gujr" typeface="Shruti"/>
@@ -5566,12 +8205,12 @@
         <a:font script="Laoo" typeface="DokChampa"/>
         <a:font script="Sinh" typeface="Iskoola Pota"/>
         <a:font script="Mong" typeface="Mongolian Baiti"/>
-        <a:font script="Viet" typeface="Verdana"/>
+        <a:font script="Viet" typeface="Arial"/>
         <a:font script="Uigh" typeface="Microsoft Uighur"/>
         <a:font script="Geor" typeface="Sylfaen"/>
       </a:minorFont>
     </a:fontScheme>
-    <a:fmtScheme name="Office">
+    <a:fmtScheme name="Faceta">
       <a:fillStyleLst>
         <a:solidFill>
           <a:schemeClr val="phClr"/>
@@ -5580,23 +8219,13 @@
           <a:gsLst>
             <a:gs pos="0">
               <a:schemeClr val="phClr">
+                <a:tint val="65000"/>
                 <a:lumMod val="110000"/>
-                <a:satMod val="105000"/>
-                <a:tint val="67000"/>
               </a:schemeClr>
             </a:gs>
-            <a:gs pos="50000">
+            <a:gs pos="88000">
               <a:schemeClr val="phClr">
-                <a:lumMod val="105000"/>
-                <a:satMod val="103000"/>
-                <a:tint val="73000"/>
-              </a:schemeClr>
-            </a:gs>
-            <a:gs pos="100000">
-              <a:schemeClr val="phClr">
-                <a:lumMod val="105000"/>
-                <a:satMod val="109000"/>
-                <a:tint val="81000"/>
+                <a:tint val="90000"/>
               </a:schemeClr>
             </a:gs>
           </a:gsLst>
@@ -5606,23 +8235,14 @@
           <a:gsLst>
             <a:gs pos="0">
               <a:schemeClr val="phClr">
-                <a:satMod val="103000"/>
-                <a:lumMod val="102000"/>
-                <a:tint val="94000"/>
+                <a:tint val="96000"/>
+                <a:lumMod val="100000"/>
               </a:schemeClr>
             </a:gs>
-            <a:gs pos="50000">
+            <a:gs pos="78000">
               <a:schemeClr val="phClr">
-                <a:satMod val="110000"/>
-                <a:lumMod val="100000"/>
-                <a:shade val="100000"/>
-              </a:schemeClr>
-            </a:gs>
-            <a:gs pos="100000">
-              <a:schemeClr val="phClr">
-                <a:lumMod val="99000"/>
-                <a:satMod val="120000"/>
-                <a:shade val="78000"/>
+                <a:shade val="94000"/>
+                <a:lumMod val="94000"/>
               </a:schemeClr>
             </a:gs>
           </a:gsLst>
@@ -5630,26 +8250,23 @@
         </a:gradFill>
       </a:fillStyleLst>
       <a:lnStyleLst>
-        <a:ln w="6350" cap="flat" cmpd="sng" algn="ctr">
+        <a:ln w="12700" cap="rnd" cmpd="sng" algn="ctr">
           <a:solidFill>
             <a:schemeClr val="phClr"/>
           </a:solidFill>
           <a:prstDash val="solid"/>
-          <a:miter lim="800000"/>
         </a:ln>
-        <a:ln w="12700" cap="flat" cmpd="sng" algn="ctr">
+        <a:ln w="19050" cap="rnd" cmpd="sng" algn="ctr">
           <a:solidFill>
             <a:schemeClr val="phClr"/>
           </a:solidFill>
           <a:prstDash val="solid"/>
-          <a:miter lim="800000"/>
         </a:ln>
-        <a:ln w="19050" cap="flat" cmpd="sng" algn="ctr">
+        <a:ln w="25400" cap="rnd" cmpd="sng" algn="ctr">
           <a:solidFill>
             <a:schemeClr val="phClr"/>
           </a:solidFill>
           <a:prstDash val="solid"/>
-          <a:miter lim="800000"/>
         </a:ln>
       </a:lnStyleLst>
       <a:effectStyleLst>
@@ -5657,16 +8274,31 @@
           <a:effectLst/>
         </a:effectStyle>
         <a:effectStyle>
-          <a:effectLst/>
+          <a:effectLst>
+            <a:outerShdw blurRad="38100" dist="25400" dir="5400000" rotWithShape="0">
+              <a:srgbClr val="000000">
+                <a:alpha val="35000"/>
+              </a:srgbClr>
+            </a:outerShdw>
+          </a:effectLst>
         </a:effectStyle>
         <a:effectStyle>
           <a:effectLst>
-            <a:outerShdw blurRad="57150" dist="19050" dir="5400000" algn="ctr" rotWithShape="0">
+            <a:outerShdw blurRad="50800" dist="38100" dir="5400000" rotWithShape="0">
               <a:srgbClr val="000000">
-                <a:alpha val="63000"/>
+                <a:alpha val="35000"/>
               </a:srgbClr>
             </a:outerShdw>
           </a:effectLst>
+          <a:scene3d>
+            <a:camera prst="orthographicFront">
+              <a:rot lat="0" lon="0" rev="0"/>
+            </a:camera>
+            <a:lightRig rig="threePt" dir="tl"/>
+          </a:scene3d>
+          <a:sp3d prstMaterial="plastic">
+            <a:bevelT w="0" h="0"/>
+          </a:sp3d>
         </a:effectStyle>
       </a:effectStyleLst>
       <a:bgFillStyleLst>
@@ -5675,87 +8307,48 @@
         </a:solidFill>
         <a:gradFill rotWithShape="1">
           <a:gsLst>
-            <a:gs pos="50000">
+            <a:gs pos="0">
               <a:schemeClr val="phClr">
-                <a:tint val="80000"/>
-                <a:satMod val="250000"/>
+                <a:tint val="90000"/>
+                <a:lumMod val="104000"/>
               </a:schemeClr>
             </a:gs>
-            <a:gs pos="76000">
+            <a:gs pos="94000">
+              <a:schemeClr val="phClr">
+                <a:shade val="96000"/>
+                <a:lumMod val="82000"/>
+              </a:schemeClr>
+            </a:gs>
+          </a:gsLst>
+          <a:lin ang="5400000" scaled="0"/>
+        </a:gradFill>
+        <a:gradFill rotWithShape="1">
+          <a:gsLst>
+            <a:gs pos="0">
               <a:schemeClr val="phClr">
                 <a:tint val="90000"/>
-                <a:shade val="90000"/>
-                <a:satMod val="200000"/>
+                <a:lumMod val="110000"/>
               </a:schemeClr>
             </a:gs>
-            <a:gs pos="92000">
+            <a:gs pos="100000">
               <a:schemeClr val="phClr">
-                <a:tint val="90000"/>
-                <a:shade val="70000"/>
-                <a:satMod val="250000"/>
+                <a:shade val="94000"/>
+                <a:lumMod val="96000"/>
               </a:schemeClr>
             </a:gs>
           </a:gsLst>
           <a:path path="circle">
-            <a:fillToRect l="50000" t="50000" r="50000" b="50000"/>
+            <a:fillToRect l="50000" t="50000" r="100000" b="100000"/>
           </a:path>
         </a:gradFill>
-        <a:blipFill>
-          <a:blip xmlns:r="http://schemas.openxmlformats.org/officeDocument/2006/relationships" r:embed="rId1">
-            <a:duotone>
-              <a:schemeClr val="phClr">
-                <a:tint val="95000"/>
-              </a:schemeClr>
-              <a:schemeClr val="phClr">
-                <a:shade val="90000"/>
-              </a:schemeClr>
-            </a:duotone>
-          </a:blip>
-          <a:tile tx="0" ty="0" sx="100000" sy="100000" flip="none" algn="tl"/>
-        </a:blipFill>
       </a:bgFillStyleLst>
     </a:fmtScheme>
   </a:themeElements>
-  <a:objectDefaults>
-    <a:spDef>
-      <a:spPr>
-        <a:solidFill>
-          <a:schemeClr val="tx2"/>
-        </a:solidFill>
-        <a:ln>
-          <a:solidFill>
-            <a:schemeClr val="tx2"/>
-          </a:solidFill>
-        </a:ln>
-      </a:spPr>
-      <a:bodyPr rtlCol="0" anchor="ctr"/>
-      <a:lstStyle>
-        <a:defPPr algn="ctr">
-          <a:defRPr dirty="0" err="1" smtClean="0"/>
-        </a:defPPr>
-      </a:lstStyle>
-      <a:style>
-        <a:lnRef idx="2">
-          <a:schemeClr val="accent1">
-            <a:shade val="50000"/>
-          </a:schemeClr>
-        </a:lnRef>
-        <a:fillRef idx="1">
-          <a:schemeClr val="accent1"/>
-        </a:fillRef>
-        <a:effectRef idx="0">
-          <a:schemeClr val="accent1"/>
-        </a:effectRef>
-        <a:fontRef idx="minor">
-          <a:schemeClr val="lt1"/>
-        </a:fontRef>
-      </a:style>
-    </a:spDef>
-  </a:objectDefaults>
+  <a:objectDefaults/>
   <a:extraClrSchemeLst/>
   <a:extLst>
     <a:ext uri="{05A4C25C-085E-4340-85A3-A5531E510DB2}">
-      <thm15:themeFamily xmlns:thm15="http://schemas.microsoft.com/office/thememl/2012/main" name="Office_26713794_TF03460510" id="{E1C41110-219D-4884-8655-52003635160D}" vid="{B7717CC6-FD33-4CCC-B853-42761D51DA32}"/>
+      <thm15:themeFamily xmlns:thm15="http://schemas.microsoft.com/office/thememl/2012/main" name="Facet" id="{C0C680CD-088A-49FC-A102-D699147F32B2}" vid="{CFBC31BA-B70F-4F30-BCAA-4F3011E16C4D}"/>
     </a:ext>
   </a:extLst>
 </a:theme>

--- a/Apresentação_AlentejoPleasures.pptx
+++ b/Apresentação_AlentejoPleasures.pptx
@@ -5,21 +5,24 @@
     <p:sldMasterId id="2147483684" r:id="rId1"/>
   </p:sldMasterIdLst>
   <p:notesMasterIdLst>
-    <p:notesMasterId r:id="rId11"/>
+    <p:notesMasterId r:id="rId14"/>
   </p:notesMasterIdLst>
   <p:handoutMasterIdLst>
-    <p:handoutMasterId r:id="rId12"/>
+    <p:handoutMasterId r:id="rId15"/>
   </p:handoutMasterIdLst>
   <p:sldIdLst>
     <p:sldId id="270" r:id="rId2"/>
     <p:sldId id="271" r:id="rId3"/>
     <p:sldId id="272" r:id="rId4"/>
     <p:sldId id="275" r:id="rId5"/>
-    <p:sldId id="276" r:id="rId6"/>
-    <p:sldId id="277" r:id="rId7"/>
-    <p:sldId id="278" r:id="rId8"/>
-    <p:sldId id="273" r:id="rId9"/>
-    <p:sldId id="274" r:id="rId10"/>
+    <p:sldId id="279" r:id="rId6"/>
+    <p:sldId id="276" r:id="rId7"/>
+    <p:sldId id="280" r:id="rId8"/>
+    <p:sldId id="277" r:id="rId9"/>
+    <p:sldId id="281" r:id="rId10"/>
+    <p:sldId id="278" r:id="rId11"/>
+    <p:sldId id="273" r:id="rId12"/>
+    <p:sldId id="274" r:id="rId13"/>
   </p:sldIdLst>
   <p:sldSz cx="12192000" cy="6858000"/>
   <p:notesSz cx="6858000" cy="9144000"/>
@@ -992,7 +995,7 @@
             <a:fld id="{3DF1C5CE-222C-4659-9A99-B99FC42AF6EC}" type="slidenum">
               <a:rPr lang="pt-PT" smtClean="0"/>
               <a:pPr/>
-              <a:t>8</a:t>
+              <a:t>11</a:t>
             </a:fld>
             <a:endParaRPr lang="pt-PT"/>
           </a:p>
@@ -7008,6 +7011,1271 @@
 </p:sld>
 </file>
 
+<file path=ppt/slides/slide10.xml><?xml version="1.0" encoding="utf-8"?>
+<p:sld xmlns:a="http://schemas.openxmlformats.org/drawingml/2006/main" xmlns:r="http://schemas.openxmlformats.org/officeDocument/2006/relationships" xmlns:p="http://schemas.openxmlformats.org/presentationml/2006/main">
+  <p:cSld>
+    <p:spTree>
+      <p:nvGrpSpPr>
+        <p:cNvPr id="1" name=""/>
+        <p:cNvGrpSpPr/>
+        <p:nvPr/>
+      </p:nvGrpSpPr>
+      <p:grpSpPr>
+        <a:xfrm>
+          <a:off x="0" y="0"/>
+          <a:ext cx="0" cy="0"/>
+          <a:chOff x="0" y="0"/>
+          <a:chExt cx="0" cy="0"/>
+        </a:xfrm>
+      </p:grpSpPr>
+      <p:sp>
+        <p:nvSpPr>
+          <p:cNvPr id="2" name="Título 1">
+            <a:extLst>
+              <a:ext uri="{FF2B5EF4-FFF2-40B4-BE49-F238E27FC236}">
+                <a16:creationId xmlns:a16="http://schemas.microsoft.com/office/drawing/2014/main" id="{B3229BD9-7012-46AF-91AD-13FA18DA0514}"/>
+              </a:ext>
+            </a:extLst>
+          </p:cNvPr>
+          <p:cNvSpPr>
+            <a:spLocks noGrp="1"/>
+          </p:cNvSpPr>
+          <p:nvPr>
+            <p:ph type="title"/>
+          </p:nvPr>
+        </p:nvSpPr>
+        <p:spPr/>
+        <p:txBody>
+          <a:bodyPr/>
+          <a:lstStyle/>
+          <a:p>
+            <a:pPr algn="ctr"/>
+            <a:r>
+              <a:rPr lang="pt-PT" dirty="0"/>
+              <a:t>Back Office</a:t>
+            </a:r>
+          </a:p>
+        </p:txBody>
+      </p:sp>
+      <p:sp>
+        <p:nvSpPr>
+          <p:cNvPr id="3" name="Marcador de Posição de Conteúdo 2">
+            <a:extLst>
+              <a:ext uri="{FF2B5EF4-FFF2-40B4-BE49-F238E27FC236}">
+                <a16:creationId xmlns:a16="http://schemas.microsoft.com/office/drawing/2014/main" id="{E12EEAA8-D473-433A-A074-283D76F201E0}"/>
+              </a:ext>
+            </a:extLst>
+          </p:cNvPr>
+          <p:cNvSpPr>
+            <a:spLocks noGrp="1"/>
+          </p:cNvSpPr>
+          <p:nvPr>
+            <p:ph idx="1"/>
+          </p:nvPr>
+        </p:nvSpPr>
+        <p:spPr/>
+        <p:txBody>
+          <a:bodyPr/>
+          <a:lstStyle/>
+          <a:p>
+            <a:pPr algn="just">
+              <a:lnSpc>
+                <a:spcPct val="150000"/>
+              </a:lnSpc>
+            </a:pPr>
+            <a:r>
+              <a:rPr lang="pt-PT" dirty="0"/>
+              <a:t> Inserir;</a:t>
+            </a:r>
+          </a:p>
+          <a:p>
+            <a:pPr algn="just">
+              <a:lnSpc>
+                <a:spcPct val="150000"/>
+              </a:lnSpc>
+            </a:pPr>
+            <a:r>
+              <a:rPr lang="pt-PT" dirty="0"/>
+              <a:t>Apagar;</a:t>
+            </a:r>
+          </a:p>
+        </p:txBody>
+      </p:sp>
+      <p:pic>
+        <p:nvPicPr>
+          <p:cNvPr id="5" name="Imagem 4">
+            <a:extLst>
+              <a:ext uri="{FF2B5EF4-FFF2-40B4-BE49-F238E27FC236}">
+                <a16:creationId xmlns:a16="http://schemas.microsoft.com/office/drawing/2014/main" id="{43C3363E-1D22-4123-AE82-B1E9524C11FD}"/>
+              </a:ext>
+            </a:extLst>
+          </p:cNvPr>
+          <p:cNvPicPr>
+            <a:picLocks noChangeAspect="1"/>
+          </p:cNvPicPr>
+          <p:nvPr/>
+        </p:nvPicPr>
+        <p:blipFill rotWithShape="1">
+          <a:blip r:embed="rId2"/>
+          <a:srcRect r="38064"/>
+          <a:stretch/>
+        </p:blipFill>
+        <p:spPr>
+          <a:xfrm>
+            <a:off x="2986257" y="1543142"/>
+            <a:ext cx="5926547" cy="3771715"/>
+          </a:xfrm>
+          <a:prstGeom prst="rect">
+            <a:avLst/>
+          </a:prstGeom>
+        </p:spPr>
+      </p:pic>
+    </p:spTree>
+    <p:extLst>
+      <p:ext uri="{BB962C8B-B14F-4D97-AF65-F5344CB8AC3E}">
+        <p14:creationId xmlns:p14="http://schemas.microsoft.com/office/powerpoint/2010/main" val="2374673988"/>
+      </p:ext>
+    </p:extLst>
+  </p:cSld>
+  <p:clrMapOvr>
+    <a:masterClrMapping/>
+  </p:clrMapOvr>
+</p:sld>
+</file>
+
+<file path=ppt/slides/slide11.xml><?xml version="1.0" encoding="utf-8"?>
+<p:sld xmlns:a="http://schemas.openxmlformats.org/drawingml/2006/main" xmlns:r="http://schemas.openxmlformats.org/officeDocument/2006/relationships" xmlns:p="http://schemas.openxmlformats.org/presentationml/2006/main">
+  <p:cSld>
+    <p:spTree>
+      <p:nvGrpSpPr>
+        <p:cNvPr id="1" name=""/>
+        <p:cNvGrpSpPr/>
+        <p:nvPr/>
+      </p:nvGrpSpPr>
+      <p:grpSpPr>
+        <a:xfrm>
+          <a:off x="0" y="0"/>
+          <a:ext cx="0" cy="0"/>
+          <a:chOff x="0" y="0"/>
+          <a:chExt cx="0" cy="0"/>
+        </a:xfrm>
+      </p:grpSpPr>
+      <p:sp>
+        <p:nvSpPr>
+          <p:cNvPr id="2" name="Título 1"/>
+          <p:cNvSpPr>
+            <a:spLocks noGrp="1"/>
+          </p:cNvSpPr>
+          <p:nvPr>
+            <p:ph type="title"/>
+          </p:nvPr>
+        </p:nvSpPr>
+        <p:spPr/>
+        <p:txBody>
+          <a:bodyPr rtlCol="0"/>
+          <a:lstStyle/>
+          <a:p>
+            <a:pPr algn="ctr" rtl="0"/>
+            <a:r>
+              <a:rPr lang="pt-PT" dirty="0">
+                <a:solidFill>
+                  <a:srgbClr val="F87526"/>
+                </a:solidFill>
+                <a:latin typeface="Century Gothic" panose="020B0502020202020204" pitchFamily="34" charset="0"/>
+              </a:rPr>
+              <a:t>Conclusão</a:t>
+            </a:r>
+          </a:p>
+        </p:txBody>
+      </p:sp>
+      <p:sp>
+        <p:nvSpPr>
+          <p:cNvPr id="3" name="Marcador de Posição de Conteúdo 2"/>
+          <p:cNvSpPr>
+            <a:spLocks noGrp="1"/>
+          </p:cNvSpPr>
+          <p:nvPr>
+            <p:ph idx="1"/>
+          </p:nvPr>
+        </p:nvSpPr>
+        <p:spPr/>
+        <p:txBody>
+          <a:bodyPr rtlCol="0"/>
+          <a:lstStyle/>
+          <a:p>
+            <a:pPr algn="just" rtl="0">
+              <a:lnSpc>
+                <a:spcPct val="150000"/>
+              </a:lnSpc>
+            </a:pPr>
+            <a:r>
+              <a:rPr lang="pt-PT" dirty="0"/>
+              <a:t>O nosso desempenho;</a:t>
+            </a:r>
+          </a:p>
+          <a:p>
+            <a:pPr algn="just" rtl="0">
+              <a:lnSpc>
+                <a:spcPct val="150000"/>
+              </a:lnSpc>
+            </a:pPr>
+            <a:r>
+              <a:rPr lang="pt-PT" dirty="0"/>
+              <a:t>O que pretendemos para o futuro;</a:t>
+            </a:r>
+          </a:p>
+          <a:p>
+            <a:pPr algn="just" rtl="0">
+              <a:lnSpc>
+                <a:spcPct val="150000"/>
+              </a:lnSpc>
+            </a:pPr>
+            <a:r>
+              <a:rPr lang="pt-PT" dirty="0"/>
+              <a:t>O que gostaríamos de ter feito;</a:t>
+            </a:r>
+          </a:p>
+          <a:p>
+            <a:pPr marL="0" indent="0" rtl="0">
+              <a:buNone/>
+            </a:pPr>
+            <a:endParaRPr lang="pt-PT" dirty="0">
+              <a:latin typeface="Palatino Linotype" panose="02040502050505030304" pitchFamily="18" charset="0"/>
+            </a:endParaRPr>
+          </a:p>
+        </p:txBody>
+      </p:sp>
+    </p:spTree>
+    <p:extLst>
+      <p:ext uri="{BB962C8B-B14F-4D97-AF65-F5344CB8AC3E}">
+        <p14:creationId xmlns:p14="http://schemas.microsoft.com/office/powerpoint/2010/main" val="1794587301"/>
+      </p:ext>
+    </p:extLst>
+  </p:cSld>
+  <p:clrMapOvr>
+    <a:masterClrMapping/>
+  </p:clrMapOvr>
+  <mc:AlternateContent xmlns:mc="http://schemas.openxmlformats.org/markup-compatibility/2006" xmlns:p14="http://schemas.microsoft.com/office/powerpoint/2010/main">
+    <mc:Choice Requires="p14">
+      <p:transition spd="med" p14:dur="700">
+        <p:fade/>
+      </p:transition>
+    </mc:Choice>
+    <mc:Fallback xmlns="">
+      <p:transition spd="med">
+        <p:fade/>
+      </p:transition>
+    </mc:Fallback>
+  </mc:AlternateContent>
+</p:sld>
+</file>
+
+<file path=ppt/slides/slide12.xml><?xml version="1.0" encoding="utf-8"?>
+<p:sld xmlns:a="http://schemas.openxmlformats.org/drawingml/2006/main" xmlns:r="http://schemas.openxmlformats.org/officeDocument/2006/relationships" xmlns:p="http://schemas.openxmlformats.org/presentationml/2006/main">
+  <p:cSld>
+    <p:bg>
+      <p:bgPr>
+        <a:solidFill>
+          <a:schemeClr val="bg1"/>
+        </a:solidFill>
+        <a:effectLst/>
+      </p:bgPr>
+    </p:bg>
+    <p:spTree>
+      <p:nvGrpSpPr>
+        <p:cNvPr id="1" name=""/>
+        <p:cNvGrpSpPr/>
+        <p:nvPr/>
+      </p:nvGrpSpPr>
+      <p:grpSpPr>
+        <a:xfrm>
+          <a:off x="0" y="0"/>
+          <a:ext cx="0" cy="0"/>
+          <a:chOff x="0" y="0"/>
+          <a:chExt cx="0" cy="0"/>
+        </a:xfrm>
+      </p:grpSpPr>
+      <p:grpSp>
+        <p:nvGrpSpPr>
+          <p:cNvPr id="7" name="Group 6">
+            <a:extLst>
+              <a:ext uri="{FF2B5EF4-FFF2-40B4-BE49-F238E27FC236}">
+                <a16:creationId xmlns:a16="http://schemas.microsoft.com/office/drawing/2014/main" id="{28460BD8-AE3F-4AC9-9D0B-717052AA5D3A}"/>
+              </a:ext>
+              <a:ext uri="{C183D7F6-B498-43B3-948B-1728B52AA6E4}">
+                <adec:decorative xmlns:adec="http://schemas.microsoft.com/office/drawing/2017/decorative" val="1"/>
+              </a:ext>
+            </a:extLst>
+          </p:cNvPr>
+          <p:cNvGrpSpPr>
+            <a:grpSpLocks noGrp="1" noUngrp="1" noRot="1" noChangeAspect="1" noMove="1" noResize="1"/>
+          </p:cNvGrpSpPr>
+          <p:nvPr>
+            <p:extLst>
+              <p:ext uri="{386F3935-93C4-4BCD-93E2-E3B085C9AB24}">
+                <p16:designElem xmlns:p16="http://schemas.microsoft.com/office/powerpoint/2015/main" val="1"/>
+              </p:ext>
+            </p:extLst>
+          </p:nvPr>
+        </p:nvGrpSpPr>
+        <p:grpSpPr>
+          <a:xfrm>
+            <a:off x="0" y="-8467"/>
+            <a:ext cx="12192000" cy="6866467"/>
+            <a:chOff x="0" y="-8467"/>
+            <a:chExt cx="12192000" cy="6866467"/>
+          </a:xfrm>
+        </p:grpSpPr>
+        <p:cxnSp>
+          <p:nvCxnSpPr>
+            <p:cNvPr id="8" name="Straight Connector 7">
+              <a:extLst>
+                <a:ext uri="{FF2B5EF4-FFF2-40B4-BE49-F238E27FC236}">
+                  <a16:creationId xmlns:a16="http://schemas.microsoft.com/office/drawing/2014/main" id="{54420CFE-F482-466E-9E1E-C78513C0B85D}"/>
+                </a:ext>
+                <a:ext uri="{C183D7F6-B498-43B3-948B-1728B52AA6E4}">
+                  <adec:decorative xmlns:adec="http://schemas.microsoft.com/office/drawing/2017/decorative" val="1"/>
+                </a:ext>
+              </a:extLst>
+            </p:cNvPr>
+            <p:cNvCxnSpPr/>
+            <p:nvPr>
+              <p:extLst>
+                <p:ext uri="{386F3935-93C4-4BCD-93E2-E3B085C9AB24}">
+                  <p16:designElem xmlns:p16="http://schemas.microsoft.com/office/powerpoint/2015/main" val="1"/>
+                </p:ext>
+              </p:extLst>
+            </p:nvPr>
+          </p:nvCxnSpPr>
+          <p:spPr>
+            <a:xfrm>
+              <a:off x="9371012" y="0"/>
+              <a:ext cx="1219200" cy="6858000"/>
+            </a:xfrm>
+            <a:prstGeom prst="line">
+              <a:avLst/>
+            </a:prstGeom>
+            <a:ln w="9525">
+              <a:solidFill>
+                <a:schemeClr val="bg1">
+                  <a:lumMod val="75000"/>
+                </a:schemeClr>
+              </a:solidFill>
+            </a:ln>
+          </p:spPr>
+          <p:style>
+            <a:lnRef idx="2">
+              <a:schemeClr val="accent1"/>
+            </a:lnRef>
+            <a:fillRef idx="0">
+              <a:schemeClr val="accent1"/>
+            </a:fillRef>
+            <a:effectRef idx="1">
+              <a:schemeClr val="accent1"/>
+            </a:effectRef>
+            <a:fontRef idx="minor">
+              <a:schemeClr val="tx1"/>
+            </a:fontRef>
+          </p:style>
+        </p:cxnSp>
+        <p:cxnSp>
+          <p:nvCxnSpPr>
+            <p:cNvPr id="9" name="Straight Connector 8">
+              <a:extLst>
+                <a:ext uri="{FF2B5EF4-FFF2-40B4-BE49-F238E27FC236}">
+                  <a16:creationId xmlns:a16="http://schemas.microsoft.com/office/drawing/2014/main" id="{5331032B-BD21-4BDA-920C-12E358052567}"/>
+                </a:ext>
+                <a:ext uri="{C183D7F6-B498-43B3-948B-1728B52AA6E4}">
+                  <adec:decorative xmlns:adec="http://schemas.microsoft.com/office/drawing/2017/decorative" val="1"/>
+                </a:ext>
+              </a:extLst>
+            </p:cNvPr>
+            <p:cNvCxnSpPr/>
+            <p:nvPr>
+              <p:extLst>
+                <p:ext uri="{386F3935-93C4-4BCD-93E2-E3B085C9AB24}">
+                  <p16:designElem xmlns:p16="http://schemas.microsoft.com/office/powerpoint/2015/main" val="1"/>
+                </p:ext>
+              </p:extLst>
+            </p:nvPr>
+          </p:nvCxnSpPr>
+          <p:spPr>
+            <a:xfrm flipH="1">
+              <a:off x="7425267" y="3681413"/>
+              <a:ext cx="4763558" cy="3176587"/>
+            </a:xfrm>
+            <a:prstGeom prst="line">
+              <a:avLst/>
+            </a:prstGeom>
+            <a:ln w="9525">
+              <a:solidFill>
+                <a:schemeClr val="bg1">
+                  <a:lumMod val="85000"/>
+                </a:schemeClr>
+              </a:solidFill>
+            </a:ln>
+          </p:spPr>
+          <p:style>
+            <a:lnRef idx="2">
+              <a:schemeClr val="accent1"/>
+            </a:lnRef>
+            <a:fillRef idx="0">
+              <a:schemeClr val="accent1"/>
+            </a:fillRef>
+            <a:effectRef idx="1">
+              <a:schemeClr val="accent1"/>
+            </a:effectRef>
+            <a:fontRef idx="minor">
+              <a:schemeClr val="tx1"/>
+            </a:fontRef>
+          </p:style>
+        </p:cxnSp>
+        <p:sp>
+          <p:nvSpPr>
+            <p:cNvPr id="10" name="Rectangle 23">
+              <a:extLst>
+                <a:ext uri="{FF2B5EF4-FFF2-40B4-BE49-F238E27FC236}">
+                  <a16:creationId xmlns:a16="http://schemas.microsoft.com/office/drawing/2014/main" id="{E7514DA3-59E7-409E-8A3B-AD097F6E5644}"/>
+                </a:ext>
+                <a:ext uri="{C183D7F6-B498-43B3-948B-1728B52AA6E4}">
+                  <adec:decorative xmlns:adec="http://schemas.microsoft.com/office/drawing/2017/decorative" val="1"/>
+                </a:ext>
+              </a:extLst>
+            </p:cNvPr>
+            <p:cNvSpPr/>
+            <p:nvPr>
+              <p:extLst>
+                <p:ext uri="{386F3935-93C4-4BCD-93E2-E3B085C9AB24}">
+                  <p16:designElem xmlns:p16="http://schemas.microsoft.com/office/powerpoint/2015/main" val="1"/>
+                </p:ext>
+              </p:extLst>
+            </p:nvPr>
+          </p:nvSpPr>
+          <p:spPr>
+            <a:xfrm>
+              <a:off x="9181476" y="-8467"/>
+              <a:ext cx="3007349" cy="6866467"/>
+            </a:xfrm>
+            <a:custGeom>
+              <a:avLst/>
+              <a:gdLst/>
+              <a:ahLst/>
+              <a:cxnLst/>
+              <a:rect l="l" t="t" r="r" b="b"/>
+              <a:pathLst>
+                <a:path w="3007349" h="6866467">
+                  <a:moveTo>
+                    <a:pt x="2045532" y="0"/>
+                  </a:moveTo>
+                  <a:lnTo>
+                    <a:pt x="3007349" y="0"/>
+                  </a:lnTo>
+                  <a:lnTo>
+                    <a:pt x="3007349" y="6866467"/>
+                  </a:lnTo>
+                  <a:lnTo>
+                    <a:pt x="0" y="6866467"/>
+                  </a:lnTo>
+                  <a:lnTo>
+                    <a:pt x="2045532" y="0"/>
+                  </a:lnTo>
+                  <a:close/>
+                </a:path>
+              </a:pathLst>
+            </a:custGeom>
+            <a:solidFill>
+              <a:schemeClr val="accent1">
+                <a:alpha val="30000"/>
+              </a:schemeClr>
+            </a:solidFill>
+            <a:ln>
+              <a:noFill/>
+            </a:ln>
+            <a:effectLst/>
+          </p:spPr>
+          <p:style>
+            <a:lnRef idx="1">
+              <a:schemeClr val="accent1"/>
+            </a:lnRef>
+            <a:fillRef idx="3">
+              <a:schemeClr val="accent1"/>
+            </a:fillRef>
+            <a:effectRef idx="2">
+              <a:schemeClr val="accent1"/>
+            </a:effectRef>
+            <a:fontRef idx="minor">
+              <a:schemeClr val="lt1"/>
+            </a:fontRef>
+          </p:style>
+        </p:sp>
+        <p:sp>
+          <p:nvSpPr>
+            <p:cNvPr id="11" name="Rectangle 25">
+              <a:extLst>
+                <a:ext uri="{FF2B5EF4-FFF2-40B4-BE49-F238E27FC236}">
+                  <a16:creationId xmlns:a16="http://schemas.microsoft.com/office/drawing/2014/main" id="{57B9A2A6-3BE4-4599-9364-F71C5BFD61F8}"/>
+                </a:ext>
+                <a:ext uri="{C183D7F6-B498-43B3-948B-1728B52AA6E4}">
+                  <adec:decorative xmlns:adec="http://schemas.microsoft.com/office/drawing/2017/decorative" val="1"/>
+                </a:ext>
+              </a:extLst>
+            </p:cNvPr>
+            <p:cNvSpPr/>
+            <p:nvPr>
+              <p:extLst>
+                <p:ext uri="{386F3935-93C4-4BCD-93E2-E3B085C9AB24}">
+                  <p16:designElem xmlns:p16="http://schemas.microsoft.com/office/powerpoint/2015/main" val="1"/>
+                </p:ext>
+              </p:extLst>
+            </p:nvPr>
+          </p:nvSpPr>
+          <p:spPr>
+            <a:xfrm>
+              <a:off x="9603442" y="-8467"/>
+              <a:ext cx="2588558" cy="6866467"/>
+            </a:xfrm>
+            <a:custGeom>
+              <a:avLst/>
+              <a:gdLst/>
+              <a:ahLst/>
+              <a:cxnLst/>
+              <a:rect l="l" t="t" r="r" b="b"/>
+              <a:pathLst>
+                <a:path w="2573311" h="6866467">
+                  <a:moveTo>
+                    <a:pt x="0" y="0"/>
+                  </a:moveTo>
+                  <a:lnTo>
+                    <a:pt x="2573311" y="0"/>
+                  </a:lnTo>
+                  <a:lnTo>
+                    <a:pt x="2573311" y="6866467"/>
+                  </a:lnTo>
+                  <a:lnTo>
+                    <a:pt x="1202336" y="6866467"/>
+                  </a:lnTo>
+                  <a:lnTo>
+                    <a:pt x="0" y="0"/>
+                  </a:lnTo>
+                  <a:close/>
+                </a:path>
+              </a:pathLst>
+            </a:custGeom>
+            <a:solidFill>
+              <a:schemeClr val="accent1">
+                <a:alpha val="20000"/>
+              </a:schemeClr>
+            </a:solidFill>
+            <a:ln>
+              <a:noFill/>
+            </a:ln>
+            <a:effectLst/>
+          </p:spPr>
+          <p:style>
+            <a:lnRef idx="1">
+              <a:schemeClr val="accent1"/>
+            </a:lnRef>
+            <a:fillRef idx="3">
+              <a:schemeClr val="accent1"/>
+            </a:fillRef>
+            <a:effectRef idx="2">
+              <a:schemeClr val="accent1"/>
+            </a:effectRef>
+            <a:fontRef idx="minor">
+              <a:schemeClr val="lt1"/>
+            </a:fontRef>
+          </p:style>
+        </p:sp>
+        <p:sp>
+          <p:nvSpPr>
+            <p:cNvPr id="12" name="Isosceles Triangle 11">
+              <a:extLst>
+                <a:ext uri="{FF2B5EF4-FFF2-40B4-BE49-F238E27FC236}">
+                  <a16:creationId xmlns:a16="http://schemas.microsoft.com/office/drawing/2014/main" id="{4FD744C6-4ED8-4BC9-BF68-6BDF701C5DB4}"/>
+                </a:ext>
+                <a:ext uri="{C183D7F6-B498-43B3-948B-1728B52AA6E4}">
+                  <adec:decorative xmlns:adec="http://schemas.microsoft.com/office/drawing/2017/decorative" val="1"/>
+                </a:ext>
+              </a:extLst>
+            </p:cNvPr>
+            <p:cNvSpPr/>
+            <p:nvPr>
+              <p:extLst>
+                <p:ext uri="{386F3935-93C4-4BCD-93E2-E3B085C9AB24}">
+                  <p16:designElem xmlns:p16="http://schemas.microsoft.com/office/powerpoint/2015/main" val="1"/>
+                </p:ext>
+              </p:extLst>
+            </p:nvPr>
+          </p:nvSpPr>
+          <p:spPr>
+            <a:xfrm>
+              <a:off x="8932333" y="3048000"/>
+              <a:ext cx="3259667" cy="3810000"/>
+            </a:xfrm>
+            <a:prstGeom prst="triangle">
+              <a:avLst>
+                <a:gd name="adj" fmla="val 100000"/>
+              </a:avLst>
+            </a:prstGeom>
+            <a:solidFill>
+              <a:schemeClr val="accent2">
+                <a:alpha val="72000"/>
+              </a:schemeClr>
+            </a:solidFill>
+            <a:ln>
+              <a:noFill/>
+            </a:ln>
+            <a:effectLst/>
+          </p:spPr>
+          <p:style>
+            <a:lnRef idx="1">
+              <a:schemeClr val="accent1"/>
+            </a:lnRef>
+            <a:fillRef idx="3">
+              <a:schemeClr val="accent1"/>
+            </a:fillRef>
+            <a:effectRef idx="2">
+              <a:schemeClr val="accent1"/>
+            </a:effectRef>
+            <a:fontRef idx="minor">
+              <a:schemeClr val="lt1"/>
+            </a:fontRef>
+          </p:style>
+        </p:sp>
+        <p:sp>
+          <p:nvSpPr>
+            <p:cNvPr id="13" name="Rectangle 27">
+              <a:extLst>
+                <a:ext uri="{FF2B5EF4-FFF2-40B4-BE49-F238E27FC236}">
+                  <a16:creationId xmlns:a16="http://schemas.microsoft.com/office/drawing/2014/main" id="{092C5BAD-C911-4F8F-A1C5-470268BE668B}"/>
+                </a:ext>
+                <a:ext uri="{C183D7F6-B498-43B3-948B-1728B52AA6E4}">
+                  <adec:decorative xmlns:adec="http://schemas.microsoft.com/office/drawing/2017/decorative" val="1"/>
+                </a:ext>
+              </a:extLst>
+            </p:cNvPr>
+            <p:cNvSpPr/>
+            <p:nvPr>
+              <p:extLst>
+                <p:ext uri="{386F3935-93C4-4BCD-93E2-E3B085C9AB24}">
+                  <p16:designElem xmlns:p16="http://schemas.microsoft.com/office/powerpoint/2015/main" val="1"/>
+                </p:ext>
+              </p:extLst>
+            </p:nvPr>
+          </p:nvSpPr>
+          <p:spPr>
+            <a:xfrm>
+              <a:off x="9334500" y="-8467"/>
+              <a:ext cx="2854326" cy="6866467"/>
+            </a:xfrm>
+            <a:custGeom>
+              <a:avLst/>
+              <a:gdLst/>
+              <a:ahLst/>
+              <a:cxnLst/>
+              <a:rect l="l" t="t" r="r" b="b"/>
+              <a:pathLst>
+                <a:path w="2858013" h="6866467">
+                  <a:moveTo>
+                    <a:pt x="0" y="0"/>
+                  </a:moveTo>
+                  <a:lnTo>
+                    <a:pt x="2858013" y="0"/>
+                  </a:lnTo>
+                  <a:lnTo>
+                    <a:pt x="2858013" y="6866467"/>
+                  </a:lnTo>
+                  <a:lnTo>
+                    <a:pt x="2473942" y="6866467"/>
+                  </a:lnTo>
+                  <a:lnTo>
+                    <a:pt x="0" y="0"/>
+                  </a:lnTo>
+                  <a:close/>
+                </a:path>
+              </a:pathLst>
+            </a:custGeom>
+            <a:solidFill>
+              <a:schemeClr val="accent2">
+                <a:lumMod val="75000"/>
+                <a:alpha val="70000"/>
+              </a:schemeClr>
+            </a:solidFill>
+            <a:ln>
+              <a:noFill/>
+            </a:ln>
+            <a:effectLst/>
+          </p:spPr>
+          <p:style>
+            <a:lnRef idx="1">
+              <a:schemeClr val="accent1"/>
+            </a:lnRef>
+            <a:fillRef idx="3">
+              <a:schemeClr val="accent1"/>
+            </a:fillRef>
+            <a:effectRef idx="2">
+              <a:schemeClr val="accent1"/>
+            </a:effectRef>
+            <a:fontRef idx="minor">
+              <a:schemeClr val="lt1"/>
+            </a:fontRef>
+          </p:style>
+        </p:sp>
+        <p:sp>
+          <p:nvSpPr>
+            <p:cNvPr id="14" name="Rectangle 28">
+              <a:extLst>
+                <a:ext uri="{FF2B5EF4-FFF2-40B4-BE49-F238E27FC236}">
+                  <a16:creationId xmlns:a16="http://schemas.microsoft.com/office/drawing/2014/main" id="{B133D0C8-4EC4-424F-8E70-0482D5B1B653}"/>
+                </a:ext>
+                <a:ext uri="{C183D7F6-B498-43B3-948B-1728B52AA6E4}">
+                  <adec:decorative xmlns:adec="http://schemas.microsoft.com/office/drawing/2017/decorative" val="1"/>
+                </a:ext>
+              </a:extLst>
+            </p:cNvPr>
+            <p:cNvSpPr/>
+            <p:nvPr>
+              <p:extLst>
+                <p:ext uri="{386F3935-93C4-4BCD-93E2-E3B085C9AB24}">
+                  <p16:designElem xmlns:p16="http://schemas.microsoft.com/office/powerpoint/2015/main" val="1"/>
+                </p:ext>
+              </p:extLst>
+            </p:nvPr>
+          </p:nvSpPr>
+          <p:spPr>
+            <a:xfrm>
+              <a:off x="10898730" y="-8467"/>
+              <a:ext cx="1290094" cy="6866467"/>
+            </a:xfrm>
+            <a:custGeom>
+              <a:avLst/>
+              <a:gdLst/>
+              <a:ahLst/>
+              <a:cxnLst/>
+              <a:rect l="l" t="t" r="r" b="b"/>
+              <a:pathLst>
+                <a:path w="1290094" h="6858000">
+                  <a:moveTo>
+                    <a:pt x="1019735" y="0"/>
+                  </a:moveTo>
+                  <a:lnTo>
+                    <a:pt x="1290094" y="0"/>
+                  </a:lnTo>
+                  <a:lnTo>
+                    <a:pt x="1290094" y="6858000"/>
+                  </a:lnTo>
+                  <a:lnTo>
+                    <a:pt x="0" y="6858000"/>
+                  </a:lnTo>
+                  <a:lnTo>
+                    <a:pt x="1019735" y="0"/>
+                  </a:lnTo>
+                  <a:close/>
+                </a:path>
+              </a:pathLst>
+            </a:custGeom>
+            <a:solidFill>
+              <a:schemeClr val="accent1">
+                <a:lumMod val="60000"/>
+                <a:lumOff val="40000"/>
+                <a:alpha val="70000"/>
+              </a:schemeClr>
+            </a:solidFill>
+            <a:ln>
+              <a:noFill/>
+            </a:ln>
+            <a:effectLst/>
+          </p:spPr>
+          <p:style>
+            <a:lnRef idx="1">
+              <a:schemeClr val="accent1"/>
+            </a:lnRef>
+            <a:fillRef idx="3">
+              <a:schemeClr val="accent1"/>
+            </a:fillRef>
+            <a:effectRef idx="2">
+              <a:schemeClr val="accent1"/>
+            </a:effectRef>
+            <a:fontRef idx="minor">
+              <a:schemeClr val="lt1"/>
+            </a:fontRef>
+          </p:style>
+        </p:sp>
+        <p:sp>
+          <p:nvSpPr>
+            <p:cNvPr id="15" name="Rectangle 29">
+              <a:extLst>
+                <a:ext uri="{FF2B5EF4-FFF2-40B4-BE49-F238E27FC236}">
+                  <a16:creationId xmlns:a16="http://schemas.microsoft.com/office/drawing/2014/main" id="{7B1532A0-F4B3-4DE8-B18F-740CAAD25AC4}"/>
+                </a:ext>
+                <a:ext uri="{C183D7F6-B498-43B3-948B-1728B52AA6E4}">
+                  <adec:decorative xmlns:adec="http://schemas.microsoft.com/office/drawing/2017/decorative" val="1"/>
+                </a:ext>
+              </a:extLst>
+            </p:cNvPr>
+            <p:cNvSpPr/>
+            <p:nvPr>
+              <p:extLst>
+                <p:ext uri="{386F3935-93C4-4BCD-93E2-E3B085C9AB24}">
+                  <p16:designElem xmlns:p16="http://schemas.microsoft.com/office/powerpoint/2015/main" val="1"/>
+                </p:ext>
+              </p:extLst>
+            </p:nvPr>
+          </p:nvSpPr>
+          <p:spPr>
+            <a:xfrm>
+              <a:off x="10938999" y="-8467"/>
+              <a:ext cx="1249825" cy="6866467"/>
+            </a:xfrm>
+            <a:custGeom>
+              <a:avLst/>
+              <a:gdLst/>
+              <a:ahLst/>
+              <a:cxnLst/>
+              <a:rect l="l" t="t" r="r" b="b"/>
+              <a:pathLst>
+                <a:path w="1249825" h="6858000">
+                  <a:moveTo>
+                    <a:pt x="0" y="0"/>
+                  </a:moveTo>
+                  <a:lnTo>
+                    <a:pt x="1249825" y="0"/>
+                  </a:lnTo>
+                  <a:lnTo>
+                    <a:pt x="1249825" y="6858000"/>
+                  </a:lnTo>
+                  <a:lnTo>
+                    <a:pt x="1109382" y="6858000"/>
+                  </a:lnTo>
+                  <a:lnTo>
+                    <a:pt x="0" y="0"/>
+                  </a:lnTo>
+                  <a:close/>
+                </a:path>
+              </a:pathLst>
+            </a:custGeom>
+            <a:solidFill>
+              <a:schemeClr val="accent1">
+                <a:alpha val="65000"/>
+              </a:schemeClr>
+            </a:solidFill>
+            <a:ln>
+              <a:noFill/>
+            </a:ln>
+            <a:effectLst/>
+          </p:spPr>
+          <p:style>
+            <a:lnRef idx="1">
+              <a:schemeClr val="accent1"/>
+            </a:lnRef>
+            <a:fillRef idx="3">
+              <a:schemeClr val="accent1"/>
+            </a:fillRef>
+            <a:effectRef idx="2">
+              <a:schemeClr val="accent1"/>
+            </a:effectRef>
+            <a:fontRef idx="minor">
+              <a:schemeClr val="lt1"/>
+            </a:fontRef>
+          </p:style>
+        </p:sp>
+        <p:sp>
+          <p:nvSpPr>
+            <p:cNvPr id="16" name="Isosceles Triangle 15">
+              <a:extLst>
+                <a:ext uri="{FF2B5EF4-FFF2-40B4-BE49-F238E27FC236}">
+                  <a16:creationId xmlns:a16="http://schemas.microsoft.com/office/drawing/2014/main" id="{8EFDD162-BBBA-4062-8BBF-53DBA1091374}"/>
+                </a:ext>
+                <a:ext uri="{C183D7F6-B498-43B3-948B-1728B52AA6E4}">
+                  <adec:decorative xmlns:adec="http://schemas.microsoft.com/office/drawing/2017/decorative" val="1"/>
+                </a:ext>
+              </a:extLst>
+            </p:cNvPr>
+            <p:cNvSpPr/>
+            <p:nvPr>
+              <p:extLst>
+                <p:ext uri="{386F3935-93C4-4BCD-93E2-E3B085C9AB24}">
+                  <p16:designElem xmlns:p16="http://schemas.microsoft.com/office/powerpoint/2015/main" val="1"/>
+                </p:ext>
+              </p:extLst>
+            </p:nvPr>
+          </p:nvSpPr>
+          <p:spPr>
+            <a:xfrm>
+              <a:off x="10371666" y="3589867"/>
+              <a:ext cx="1817159" cy="3268133"/>
+            </a:xfrm>
+            <a:prstGeom prst="triangle">
+              <a:avLst>
+                <a:gd name="adj" fmla="val 100000"/>
+              </a:avLst>
+            </a:prstGeom>
+            <a:solidFill>
+              <a:schemeClr val="accent1">
+                <a:alpha val="80000"/>
+              </a:schemeClr>
+            </a:solidFill>
+            <a:ln>
+              <a:noFill/>
+            </a:ln>
+            <a:effectLst/>
+          </p:spPr>
+          <p:style>
+            <a:lnRef idx="1">
+              <a:schemeClr val="accent1"/>
+            </a:lnRef>
+            <a:fillRef idx="3">
+              <a:schemeClr val="accent1"/>
+            </a:fillRef>
+            <a:effectRef idx="2">
+              <a:schemeClr val="accent1"/>
+            </a:effectRef>
+            <a:fontRef idx="minor">
+              <a:schemeClr val="lt1"/>
+            </a:fontRef>
+          </p:style>
+        </p:sp>
+        <p:sp>
+          <p:nvSpPr>
+            <p:cNvPr id="17" name="Isosceles Triangle 16">
+              <a:extLst>
+                <a:ext uri="{FF2B5EF4-FFF2-40B4-BE49-F238E27FC236}">
+                  <a16:creationId xmlns:a16="http://schemas.microsoft.com/office/drawing/2014/main" id="{DCFC9E65-3E19-4483-B952-25D29683CA56}"/>
+                </a:ext>
+                <a:ext uri="{C183D7F6-B498-43B3-948B-1728B52AA6E4}">
+                  <adec:decorative xmlns:adec="http://schemas.microsoft.com/office/drawing/2017/decorative" val="1"/>
+                </a:ext>
+              </a:extLst>
+            </p:cNvPr>
+            <p:cNvSpPr/>
+            <p:nvPr>
+              <p:extLst>
+                <p:ext uri="{386F3935-93C4-4BCD-93E2-E3B085C9AB24}">
+                  <p16:designElem xmlns:p16="http://schemas.microsoft.com/office/powerpoint/2015/main" val="1"/>
+                </p:ext>
+              </p:extLst>
+            </p:nvPr>
+          </p:nvSpPr>
+          <p:spPr>
+            <a:xfrm rot="10800000">
+              <a:off x="0" y="0"/>
+              <a:ext cx="842596" cy="5666154"/>
+            </a:xfrm>
+            <a:prstGeom prst="triangle">
+              <a:avLst>
+                <a:gd name="adj" fmla="val 100000"/>
+              </a:avLst>
+            </a:prstGeom>
+            <a:solidFill>
+              <a:schemeClr val="accent1">
+                <a:alpha val="85000"/>
+              </a:schemeClr>
+            </a:solidFill>
+            <a:ln>
+              <a:noFill/>
+            </a:ln>
+            <a:effectLst/>
+          </p:spPr>
+          <p:style>
+            <a:lnRef idx="1">
+              <a:schemeClr val="accent1"/>
+            </a:lnRef>
+            <a:fillRef idx="3">
+              <a:schemeClr val="accent1"/>
+            </a:fillRef>
+            <a:effectRef idx="2">
+              <a:schemeClr val="accent1"/>
+            </a:effectRef>
+            <a:fontRef idx="minor">
+              <a:schemeClr val="lt1"/>
+            </a:fontRef>
+          </p:style>
+        </p:sp>
+      </p:grpSp>
+      <p:sp useBgFill="1">
+        <p:nvSpPr>
+          <p:cNvPr id="19" name="Rectangle 18">
+            <a:extLst>
+              <a:ext uri="{FF2B5EF4-FFF2-40B4-BE49-F238E27FC236}">
+                <a16:creationId xmlns:a16="http://schemas.microsoft.com/office/drawing/2014/main" id="{DD6BC9EB-F181-48AB-BCA2-3D1DB20D2D87}"/>
+              </a:ext>
+              <a:ext uri="{C183D7F6-B498-43B3-948B-1728B52AA6E4}">
+                <adec:decorative xmlns:adec="http://schemas.microsoft.com/office/drawing/2017/decorative" val="1"/>
+              </a:ext>
+            </a:extLst>
+          </p:cNvPr>
+          <p:cNvSpPr>
+            <a:spLocks noGrp="1" noRot="1" noChangeAspect="1" noMove="1" noResize="1" noEditPoints="1" noAdjustHandles="1" noChangeArrowheads="1" noChangeShapeType="1" noTextEdit="1"/>
+          </p:cNvSpPr>
+          <p:nvPr>
+            <p:extLst>
+              <p:ext uri="{386F3935-93C4-4BCD-93E2-E3B085C9AB24}">
+                <p16:designElem xmlns:p16="http://schemas.microsoft.com/office/powerpoint/2015/main" val="1"/>
+              </p:ext>
+            </p:extLst>
+          </p:nvPr>
+        </p:nvSpPr>
+        <p:spPr>
+          <a:xfrm>
+            <a:off x="0" y="0"/>
+            <a:ext cx="12192000" cy="6866467"/>
+          </a:xfrm>
+          <a:prstGeom prst="rect">
+            <a:avLst/>
+          </a:prstGeom>
+          <a:ln>
+            <a:noFill/>
+          </a:ln>
+        </p:spPr>
+        <p:style>
+          <a:lnRef idx="2">
+            <a:schemeClr val="accent1">
+              <a:shade val="50000"/>
+            </a:schemeClr>
+          </a:lnRef>
+          <a:fillRef idx="1">
+            <a:schemeClr val="accent1"/>
+          </a:fillRef>
+          <a:effectRef idx="0">
+            <a:schemeClr val="accent1"/>
+          </a:effectRef>
+          <a:fontRef idx="minor">
+            <a:schemeClr val="lt1"/>
+          </a:fontRef>
+        </p:style>
+        <p:txBody>
+          <a:bodyPr rtlCol="0" anchor="ctr"/>
+          <a:lstStyle/>
+          <a:p>
+            <a:pPr algn="ctr"/>
+            <a:endParaRPr lang="en-US"/>
+          </a:p>
+        </p:txBody>
+      </p:sp>
+      <p:sp>
+        <p:nvSpPr>
+          <p:cNvPr id="2" name="Título 1">
+            <a:extLst>
+              <a:ext uri="{FF2B5EF4-FFF2-40B4-BE49-F238E27FC236}">
+                <a16:creationId xmlns:a16="http://schemas.microsoft.com/office/drawing/2014/main" id="{CEDFE6C9-9D8E-4F9F-B162-965654776D5B}"/>
+              </a:ext>
+            </a:extLst>
+          </p:cNvPr>
+          <p:cNvSpPr>
+            <a:spLocks noGrp="1"/>
+          </p:cNvSpPr>
+          <p:nvPr>
+            <p:ph type="title"/>
+          </p:nvPr>
+        </p:nvSpPr>
+        <p:spPr>
+          <a:xfrm>
+            <a:off x="1507066" y="999460"/>
+            <a:ext cx="5698067" cy="4479852"/>
+          </a:xfrm>
+        </p:spPr>
+        <p:txBody>
+          <a:bodyPr vert="horz" lIns="91440" tIns="45720" rIns="91440" bIns="45720" rtlCol="0" anchor="ctr">
+            <a:normAutofit/>
+          </a:bodyPr>
+          <a:lstStyle/>
+          <a:p>
+            <a:pPr algn="r"/>
+            <a:r>
+              <a:rPr lang="en-US" sz="5400"/>
+              <a:t>Visualização do projeto</a:t>
+            </a:r>
+          </a:p>
+        </p:txBody>
+      </p:sp>
+      <p:sp>
+        <p:nvSpPr>
+          <p:cNvPr id="21" name="Isosceles Triangle 20">
+            <a:extLst>
+              <a:ext uri="{FF2B5EF4-FFF2-40B4-BE49-F238E27FC236}">
+                <a16:creationId xmlns:a16="http://schemas.microsoft.com/office/drawing/2014/main" id="{D33AAA80-39DC-4020-9BFF-0718F35C7661}"/>
+              </a:ext>
+              <a:ext uri="{C183D7F6-B498-43B3-948B-1728B52AA6E4}">
+                <adec:decorative xmlns:adec="http://schemas.microsoft.com/office/drawing/2017/decorative" val="1"/>
+              </a:ext>
+            </a:extLst>
+          </p:cNvPr>
+          <p:cNvSpPr>
+            <a:spLocks noGrp="1" noRot="1" noChangeAspect="1" noMove="1" noResize="1" noEditPoints="1" noAdjustHandles="1" noChangeArrowheads="1" noChangeShapeType="1" noTextEdit="1"/>
+          </p:cNvSpPr>
+          <p:nvPr>
+            <p:extLst>
+              <p:ext uri="{386F3935-93C4-4BCD-93E2-E3B085C9AB24}">
+                <p16:designElem xmlns:p16="http://schemas.microsoft.com/office/powerpoint/2015/main" val="1"/>
+              </p:ext>
+            </p:extLst>
+          </p:nvPr>
+        </p:nvSpPr>
+        <p:spPr>
+          <a:xfrm rot="10800000">
+            <a:off x="0" y="0"/>
+            <a:ext cx="842596" cy="5666154"/>
+          </a:xfrm>
+          <a:prstGeom prst="triangle">
+            <a:avLst>
+              <a:gd name="adj" fmla="val 100000"/>
+            </a:avLst>
+          </a:prstGeom>
+          <a:solidFill>
+            <a:schemeClr val="accent1">
+              <a:alpha val="85000"/>
+            </a:schemeClr>
+          </a:solidFill>
+          <a:ln>
+            <a:noFill/>
+          </a:ln>
+          <a:effectLst/>
+        </p:spPr>
+        <p:style>
+          <a:lnRef idx="1">
+            <a:schemeClr val="accent1"/>
+          </a:lnRef>
+          <a:fillRef idx="3">
+            <a:schemeClr val="accent1"/>
+          </a:fillRef>
+          <a:effectRef idx="2">
+            <a:schemeClr val="accent1"/>
+          </a:effectRef>
+          <a:fontRef idx="minor">
+            <a:schemeClr val="lt1"/>
+          </a:fontRef>
+        </p:style>
+      </p:sp>
+      <p:cxnSp>
+        <p:nvCxnSpPr>
+          <p:cNvPr id="23" name="Straight Connector 22">
+            <a:extLst>
+              <a:ext uri="{FF2B5EF4-FFF2-40B4-BE49-F238E27FC236}">
+                <a16:creationId xmlns:a16="http://schemas.microsoft.com/office/drawing/2014/main" id="{C9C5D90B-7EE3-4D26-AB7D-A5A3A6E11203}"/>
+              </a:ext>
+              <a:ext uri="{C183D7F6-B498-43B3-948B-1728B52AA6E4}">
+                <adec:decorative xmlns:adec="http://schemas.microsoft.com/office/drawing/2017/decorative" val="1"/>
+              </a:ext>
+            </a:extLst>
+          </p:cNvPr>
+          <p:cNvCxnSpPr>
+            <a:cxnSpLocks noGrp="1" noRot="1" noChangeAspect="1" noMove="1" noResize="1" noEditPoints="1" noAdjustHandles="1" noChangeArrowheads="1" noChangeShapeType="1"/>
+          </p:cNvCxnSpPr>
+          <p:nvPr>
+            <p:extLst>
+              <p:ext uri="{386F3935-93C4-4BCD-93E2-E3B085C9AB24}">
+                <p16:designElem xmlns:p16="http://schemas.microsoft.com/office/powerpoint/2015/main" val="1"/>
+              </p:ext>
+            </p:extLst>
+          </p:nvPr>
+        </p:nvCxnSpPr>
+        <p:spPr>
+          <a:xfrm>
+            <a:off x="7534656" y="1639186"/>
+            <a:ext cx="0" cy="3200400"/>
+          </a:xfrm>
+          <a:prstGeom prst="line">
+            <a:avLst/>
+          </a:prstGeom>
+        </p:spPr>
+        <p:style>
+          <a:lnRef idx="1">
+            <a:schemeClr val="accent1"/>
+          </a:lnRef>
+          <a:fillRef idx="0">
+            <a:schemeClr val="accent1"/>
+          </a:fillRef>
+          <a:effectRef idx="0">
+            <a:schemeClr val="accent1"/>
+          </a:effectRef>
+          <a:fontRef idx="minor">
+            <a:schemeClr val="tx1"/>
+          </a:fontRef>
+        </p:style>
+      </p:cxnSp>
+      <p:sp>
+        <p:nvSpPr>
+          <p:cNvPr id="25" name="Isosceles Triangle 24">
+            <a:extLst>
+              <a:ext uri="{FF2B5EF4-FFF2-40B4-BE49-F238E27FC236}">
+                <a16:creationId xmlns:a16="http://schemas.microsoft.com/office/drawing/2014/main" id="{1177F295-741F-4EFF-B0CA-BE69295ADA07}"/>
+              </a:ext>
+              <a:ext uri="{C183D7F6-B498-43B3-948B-1728B52AA6E4}">
+                <adec:decorative xmlns:adec="http://schemas.microsoft.com/office/drawing/2017/decorative" val="1"/>
+              </a:ext>
+            </a:extLst>
+          </p:cNvPr>
+          <p:cNvSpPr>
+            <a:spLocks noGrp="1" noRot="1" noChangeAspect="1" noMove="1" noResize="1" noEditPoints="1" noAdjustHandles="1" noChangeArrowheads="1" noChangeShapeType="1" noTextEdit="1"/>
+          </p:cNvSpPr>
+          <p:nvPr>
+            <p:extLst>
+              <p:ext uri="{386F3935-93C4-4BCD-93E2-E3B085C9AB24}">
+                <p16:designElem xmlns:p16="http://schemas.microsoft.com/office/powerpoint/2015/main" val="1"/>
+              </p:ext>
+            </p:extLst>
+          </p:nvPr>
+        </p:nvSpPr>
+        <p:spPr>
+          <a:xfrm rot="10800000" flipH="1" flipV="1">
+            <a:off x="11349404" y="1217756"/>
+            <a:ext cx="842596" cy="5666154"/>
+          </a:xfrm>
+          <a:prstGeom prst="triangle">
+            <a:avLst>
+              <a:gd name="adj" fmla="val 100000"/>
+            </a:avLst>
+          </a:prstGeom>
+          <a:solidFill>
+            <a:schemeClr val="accent1">
+              <a:alpha val="85000"/>
+            </a:schemeClr>
+          </a:solidFill>
+          <a:ln>
+            <a:noFill/>
+          </a:ln>
+          <a:effectLst/>
+        </p:spPr>
+        <p:style>
+          <a:lnRef idx="1">
+            <a:schemeClr val="accent1"/>
+          </a:lnRef>
+          <a:fillRef idx="3">
+            <a:schemeClr val="accent1"/>
+          </a:fillRef>
+          <a:effectRef idx="2">
+            <a:schemeClr val="accent1"/>
+          </a:effectRef>
+          <a:fontRef idx="minor">
+            <a:schemeClr val="lt1"/>
+          </a:fontRef>
+        </p:style>
+      </p:sp>
+    </p:spTree>
+    <p:extLst>
+      <p:ext uri="{BB962C8B-B14F-4D97-AF65-F5344CB8AC3E}">
+        <p14:creationId xmlns:p14="http://schemas.microsoft.com/office/powerpoint/2010/main" val="953198024"/>
+      </p:ext>
+    </p:extLst>
+  </p:cSld>
+  <p:clrMapOvr>
+    <a:masterClrMapping/>
+  </p:clrMapOvr>
+  <mc:AlternateContent xmlns:mc="http://schemas.openxmlformats.org/markup-compatibility/2006" xmlns:p14="http://schemas.microsoft.com/office/powerpoint/2010/main">
+    <mc:Choice Requires="p14">
+      <p:transition spd="med" p14:dur="700">
+        <p:fade/>
+      </p:transition>
+    </mc:Choice>
+    <mc:Fallback xmlns="">
+      <p:transition spd="med">
+        <p:fade/>
+      </p:transition>
+    </mc:Fallback>
+  </mc:AlternateContent>
+</p:sld>
+</file>
+
 <file path=ppt/slides/slide2.xml><?xml version="1.0" encoding="utf-8"?>
 <p:sld xmlns:a="http://schemas.openxmlformats.org/drawingml/2006/main" xmlns:r="http://schemas.openxmlformats.org/officeDocument/2006/relationships" xmlns:p="http://schemas.openxmlformats.org/presentationml/2006/main">
   <p:cSld>
@@ -7048,7 +8316,7 @@
                 </a:solidFill>
                 <a:latin typeface="Century Gothic" panose="020B0502020202020204" pitchFamily="34" charset="0"/>
               </a:rPr>
-              <a:t>Índice</a:t>
+              <a:t>Introdução</a:t>
             </a:r>
           </a:p>
         </p:txBody>
@@ -7476,6 +8744,1557 @@
           <a:chExt cx="0" cy="0"/>
         </a:xfrm>
       </p:grpSpPr>
+      <p:grpSp>
+        <p:nvGrpSpPr>
+          <p:cNvPr id="10" name="Group 9">
+            <a:extLst>
+              <a:ext uri="{FF2B5EF4-FFF2-40B4-BE49-F238E27FC236}">
+                <a16:creationId xmlns:a16="http://schemas.microsoft.com/office/drawing/2014/main" id="{609316A9-990D-4EC3-A671-70EE5C1493A4}"/>
+              </a:ext>
+              <a:ext uri="{C183D7F6-B498-43B3-948B-1728B52AA6E4}">
+                <adec:decorative xmlns:adec="http://schemas.microsoft.com/office/drawing/2017/decorative" val="1"/>
+              </a:ext>
+            </a:extLst>
+          </p:cNvPr>
+          <p:cNvGrpSpPr>
+            <a:grpSpLocks noGrp="1" noUngrp="1" noRot="1" noChangeAspect="1" noMove="1" noResize="1"/>
+          </p:cNvGrpSpPr>
+          <p:nvPr>
+            <p:extLst>
+              <p:ext uri="{386F3935-93C4-4BCD-93E2-E3B085C9AB24}">
+                <p16:designElem xmlns:p16="http://schemas.microsoft.com/office/powerpoint/2015/main" val="1"/>
+              </p:ext>
+            </p:extLst>
+          </p:nvPr>
+        </p:nvGrpSpPr>
+        <p:grpSpPr>
+          <a:xfrm>
+            <a:off x="0" y="-8467"/>
+            <a:ext cx="12192000" cy="6866467"/>
+            <a:chOff x="0" y="-8467"/>
+            <a:chExt cx="12192000" cy="6866467"/>
+          </a:xfrm>
+        </p:grpSpPr>
+        <p:cxnSp>
+          <p:nvCxnSpPr>
+            <p:cNvPr id="11" name="Straight Connector 10">
+              <a:extLst>
+                <a:ext uri="{FF2B5EF4-FFF2-40B4-BE49-F238E27FC236}">
+                  <a16:creationId xmlns:a16="http://schemas.microsoft.com/office/drawing/2014/main" id="{9B0C6109-9159-49CA-AD7A-F9035539DB7F}"/>
+                </a:ext>
+                <a:ext uri="{C183D7F6-B498-43B3-948B-1728B52AA6E4}">
+                  <adec:decorative xmlns:adec="http://schemas.microsoft.com/office/drawing/2017/decorative" val="1"/>
+                </a:ext>
+              </a:extLst>
+            </p:cNvPr>
+            <p:cNvCxnSpPr/>
+            <p:nvPr>
+              <p:extLst>
+                <p:ext uri="{386F3935-93C4-4BCD-93E2-E3B085C9AB24}">
+                  <p16:designElem xmlns:p16="http://schemas.microsoft.com/office/powerpoint/2015/main" val="1"/>
+                </p:ext>
+              </p:extLst>
+            </p:nvPr>
+          </p:nvCxnSpPr>
+          <p:spPr>
+            <a:xfrm>
+              <a:off x="9371012" y="0"/>
+              <a:ext cx="1219200" cy="6858000"/>
+            </a:xfrm>
+            <a:prstGeom prst="line">
+              <a:avLst/>
+            </a:prstGeom>
+            <a:ln w="9525">
+              <a:solidFill>
+                <a:schemeClr val="bg1">
+                  <a:lumMod val="75000"/>
+                </a:schemeClr>
+              </a:solidFill>
+            </a:ln>
+          </p:spPr>
+          <p:style>
+            <a:lnRef idx="2">
+              <a:schemeClr val="accent1"/>
+            </a:lnRef>
+            <a:fillRef idx="0">
+              <a:schemeClr val="accent1"/>
+            </a:fillRef>
+            <a:effectRef idx="1">
+              <a:schemeClr val="accent1"/>
+            </a:effectRef>
+            <a:fontRef idx="minor">
+              <a:schemeClr val="tx1"/>
+            </a:fontRef>
+          </p:style>
+        </p:cxnSp>
+        <p:cxnSp>
+          <p:nvCxnSpPr>
+            <p:cNvPr id="12" name="Straight Connector 11">
+              <a:extLst>
+                <a:ext uri="{FF2B5EF4-FFF2-40B4-BE49-F238E27FC236}">
+                  <a16:creationId xmlns:a16="http://schemas.microsoft.com/office/drawing/2014/main" id="{686F14F5-308C-4EB6-87AB-05DE9501B1AA}"/>
+                </a:ext>
+                <a:ext uri="{C183D7F6-B498-43B3-948B-1728B52AA6E4}">
+                  <adec:decorative xmlns:adec="http://schemas.microsoft.com/office/drawing/2017/decorative" val="1"/>
+                </a:ext>
+              </a:extLst>
+            </p:cNvPr>
+            <p:cNvCxnSpPr/>
+            <p:nvPr>
+              <p:extLst>
+                <p:ext uri="{386F3935-93C4-4BCD-93E2-E3B085C9AB24}">
+                  <p16:designElem xmlns:p16="http://schemas.microsoft.com/office/powerpoint/2015/main" val="1"/>
+                </p:ext>
+              </p:extLst>
+            </p:nvPr>
+          </p:nvCxnSpPr>
+          <p:spPr>
+            <a:xfrm flipH="1">
+              <a:off x="7425267" y="3681413"/>
+              <a:ext cx="4763558" cy="3176587"/>
+            </a:xfrm>
+            <a:prstGeom prst="line">
+              <a:avLst/>
+            </a:prstGeom>
+            <a:ln w="9525">
+              <a:solidFill>
+                <a:schemeClr val="bg1">
+                  <a:lumMod val="85000"/>
+                </a:schemeClr>
+              </a:solidFill>
+            </a:ln>
+          </p:spPr>
+          <p:style>
+            <a:lnRef idx="2">
+              <a:schemeClr val="accent1"/>
+            </a:lnRef>
+            <a:fillRef idx="0">
+              <a:schemeClr val="accent1"/>
+            </a:fillRef>
+            <a:effectRef idx="1">
+              <a:schemeClr val="accent1"/>
+            </a:effectRef>
+            <a:fontRef idx="minor">
+              <a:schemeClr val="tx1"/>
+            </a:fontRef>
+          </p:style>
+        </p:cxnSp>
+        <p:sp>
+          <p:nvSpPr>
+            <p:cNvPr id="13" name="Rectangle 23">
+              <a:extLst>
+                <a:ext uri="{FF2B5EF4-FFF2-40B4-BE49-F238E27FC236}">
+                  <a16:creationId xmlns:a16="http://schemas.microsoft.com/office/drawing/2014/main" id="{BA032363-A188-47C5-9D59-9B788809DCD2}"/>
+                </a:ext>
+                <a:ext uri="{C183D7F6-B498-43B3-948B-1728B52AA6E4}">
+                  <adec:decorative xmlns:adec="http://schemas.microsoft.com/office/drawing/2017/decorative" val="1"/>
+                </a:ext>
+              </a:extLst>
+            </p:cNvPr>
+            <p:cNvSpPr/>
+            <p:nvPr>
+              <p:extLst>
+                <p:ext uri="{386F3935-93C4-4BCD-93E2-E3B085C9AB24}">
+                  <p16:designElem xmlns:p16="http://schemas.microsoft.com/office/powerpoint/2015/main" val="1"/>
+                </p:ext>
+              </p:extLst>
+            </p:nvPr>
+          </p:nvSpPr>
+          <p:spPr>
+            <a:xfrm>
+              <a:off x="9181476" y="-8467"/>
+              <a:ext cx="3007349" cy="6866467"/>
+            </a:xfrm>
+            <a:custGeom>
+              <a:avLst/>
+              <a:gdLst/>
+              <a:ahLst/>
+              <a:cxnLst/>
+              <a:rect l="l" t="t" r="r" b="b"/>
+              <a:pathLst>
+                <a:path w="3007349" h="6866467">
+                  <a:moveTo>
+                    <a:pt x="2045532" y="0"/>
+                  </a:moveTo>
+                  <a:lnTo>
+                    <a:pt x="3007349" y="0"/>
+                  </a:lnTo>
+                  <a:lnTo>
+                    <a:pt x="3007349" y="6866467"/>
+                  </a:lnTo>
+                  <a:lnTo>
+                    <a:pt x="0" y="6866467"/>
+                  </a:lnTo>
+                  <a:lnTo>
+                    <a:pt x="2045532" y="0"/>
+                  </a:lnTo>
+                  <a:close/>
+                </a:path>
+              </a:pathLst>
+            </a:custGeom>
+            <a:solidFill>
+              <a:schemeClr val="accent1">
+                <a:alpha val="30000"/>
+              </a:schemeClr>
+            </a:solidFill>
+            <a:ln>
+              <a:noFill/>
+            </a:ln>
+            <a:effectLst/>
+          </p:spPr>
+          <p:style>
+            <a:lnRef idx="1">
+              <a:schemeClr val="accent1"/>
+            </a:lnRef>
+            <a:fillRef idx="3">
+              <a:schemeClr val="accent1"/>
+            </a:fillRef>
+            <a:effectRef idx="2">
+              <a:schemeClr val="accent1"/>
+            </a:effectRef>
+            <a:fontRef idx="minor">
+              <a:schemeClr val="lt1"/>
+            </a:fontRef>
+          </p:style>
+        </p:sp>
+        <p:sp>
+          <p:nvSpPr>
+            <p:cNvPr id="14" name="Rectangle 25">
+              <a:extLst>
+                <a:ext uri="{FF2B5EF4-FFF2-40B4-BE49-F238E27FC236}">
+                  <a16:creationId xmlns:a16="http://schemas.microsoft.com/office/drawing/2014/main" id="{2C4077DF-6BB9-4069-AD28-6B1664EBB064}"/>
+                </a:ext>
+                <a:ext uri="{C183D7F6-B498-43B3-948B-1728B52AA6E4}">
+                  <adec:decorative xmlns:adec="http://schemas.microsoft.com/office/drawing/2017/decorative" val="1"/>
+                </a:ext>
+              </a:extLst>
+            </p:cNvPr>
+            <p:cNvSpPr/>
+            <p:nvPr>
+              <p:extLst>
+                <p:ext uri="{386F3935-93C4-4BCD-93E2-E3B085C9AB24}">
+                  <p16:designElem xmlns:p16="http://schemas.microsoft.com/office/powerpoint/2015/main" val="1"/>
+                </p:ext>
+              </p:extLst>
+            </p:nvPr>
+          </p:nvSpPr>
+          <p:spPr>
+            <a:xfrm>
+              <a:off x="9603442" y="-8467"/>
+              <a:ext cx="2588558" cy="6866467"/>
+            </a:xfrm>
+            <a:custGeom>
+              <a:avLst/>
+              <a:gdLst/>
+              <a:ahLst/>
+              <a:cxnLst/>
+              <a:rect l="l" t="t" r="r" b="b"/>
+              <a:pathLst>
+                <a:path w="2573311" h="6866467">
+                  <a:moveTo>
+                    <a:pt x="0" y="0"/>
+                  </a:moveTo>
+                  <a:lnTo>
+                    <a:pt x="2573311" y="0"/>
+                  </a:lnTo>
+                  <a:lnTo>
+                    <a:pt x="2573311" y="6866467"/>
+                  </a:lnTo>
+                  <a:lnTo>
+                    <a:pt x="1202336" y="6866467"/>
+                  </a:lnTo>
+                  <a:lnTo>
+                    <a:pt x="0" y="0"/>
+                  </a:lnTo>
+                  <a:close/>
+                </a:path>
+              </a:pathLst>
+            </a:custGeom>
+            <a:solidFill>
+              <a:schemeClr val="accent1">
+                <a:alpha val="20000"/>
+              </a:schemeClr>
+            </a:solidFill>
+            <a:ln>
+              <a:noFill/>
+            </a:ln>
+            <a:effectLst/>
+          </p:spPr>
+          <p:style>
+            <a:lnRef idx="1">
+              <a:schemeClr val="accent1"/>
+            </a:lnRef>
+            <a:fillRef idx="3">
+              <a:schemeClr val="accent1"/>
+            </a:fillRef>
+            <a:effectRef idx="2">
+              <a:schemeClr val="accent1"/>
+            </a:effectRef>
+            <a:fontRef idx="minor">
+              <a:schemeClr val="lt1"/>
+            </a:fontRef>
+          </p:style>
+        </p:sp>
+        <p:sp>
+          <p:nvSpPr>
+            <p:cNvPr id="15" name="Isosceles Triangle 14">
+              <a:extLst>
+                <a:ext uri="{FF2B5EF4-FFF2-40B4-BE49-F238E27FC236}">
+                  <a16:creationId xmlns:a16="http://schemas.microsoft.com/office/drawing/2014/main" id="{1D2B8B50-3419-41ED-9A9F-3CF9EEBBD3F2}"/>
+                </a:ext>
+                <a:ext uri="{C183D7F6-B498-43B3-948B-1728B52AA6E4}">
+                  <adec:decorative xmlns:adec="http://schemas.microsoft.com/office/drawing/2017/decorative" val="1"/>
+                </a:ext>
+              </a:extLst>
+            </p:cNvPr>
+            <p:cNvSpPr/>
+            <p:nvPr>
+              <p:extLst>
+                <p:ext uri="{386F3935-93C4-4BCD-93E2-E3B085C9AB24}">
+                  <p16:designElem xmlns:p16="http://schemas.microsoft.com/office/powerpoint/2015/main" val="1"/>
+                </p:ext>
+              </p:extLst>
+            </p:nvPr>
+          </p:nvSpPr>
+          <p:spPr>
+            <a:xfrm>
+              <a:off x="8932333" y="3048000"/>
+              <a:ext cx="3259667" cy="3810000"/>
+            </a:xfrm>
+            <a:prstGeom prst="triangle">
+              <a:avLst>
+                <a:gd name="adj" fmla="val 100000"/>
+              </a:avLst>
+            </a:prstGeom>
+            <a:solidFill>
+              <a:schemeClr val="accent2">
+                <a:alpha val="72000"/>
+              </a:schemeClr>
+            </a:solidFill>
+            <a:ln>
+              <a:noFill/>
+            </a:ln>
+            <a:effectLst/>
+          </p:spPr>
+          <p:style>
+            <a:lnRef idx="1">
+              <a:schemeClr val="accent1"/>
+            </a:lnRef>
+            <a:fillRef idx="3">
+              <a:schemeClr val="accent1"/>
+            </a:fillRef>
+            <a:effectRef idx="2">
+              <a:schemeClr val="accent1"/>
+            </a:effectRef>
+            <a:fontRef idx="minor">
+              <a:schemeClr val="lt1"/>
+            </a:fontRef>
+          </p:style>
+        </p:sp>
+        <p:sp>
+          <p:nvSpPr>
+            <p:cNvPr id="16" name="Rectangle 27">
+              <a:extLst>
+                <a:ext uri="{FF2B5EF4-FFF2-40B4-BE49-F238E27FC236}">
+                  <a16:creationId xmlns:a16="http://schemas.microsoft.com/office/drawing/2014/main" id="{5C640498-2E73-4FA2-BEB6-C3596A458C8A}"/>
+                </a:ext>
+                <a:ext uri="{C183D7F6-B498-43B3-948B-1728B52AA6E4}">
+                  <adec:decorative xmlns:adec="http://schemas.microsoft.com/office/drawing/2017/decorative" val="1"/>
+                </a:ext>
+              </a:extLst>
+            </p:cNvPr>
+            <p:cNvSpPr/>
+            <p:nvPr>
+              <p:extLst>
+                <p:ext uri="{386F3935-93C4-4BCD-93E2-E3B085C9AB24}">
+                  <p16:designElem xmlns:p16="http://schemas.microsoft.com/office/powerpoint/2015/main" val="1"/>
+                </p:ext>
+              </p:extLst>
+            </p:nvPr>
+          </p:nvSpPr>
+          <p:spPr>
+            <a:xfrm>
+              <a:off x="9334500" y="-8467"/>
+              <a:ext cx="2854326" cy="6866467"/>
+            </a:xfrm>
+            <a:custGeom>
+              <a:avLst/>
+              <a:gdLst/>
+              <a:ahLst/>
+              <a:cxnLst/>
+              <a:rect l="l" t="t" r="r" b="b"/>
+              <a:pathLst>
+                <a:path w="2858013" h="6866467">
+                  <a:moveTo>
+                    <a:pt x="0" y="0"/>
+                  </a:moveTo>
+                  <a:lnTo>
+                    <a:pt x="2858013" y="0"/>
+                  </a:lnTo>
+                  <a:lnTo>
+                    <a:pt x="2858013" y="6866467"/>
+                  </a:lnTo>
+                  <a:lnTo>
+                    <a:pt x="2473942" y="6866467"/>
+                  </a:lnTo>
+                  <a:lnTo>
+                    <a:pt x="0" y="0"/>
+                  </a:lnTo>
+                  <a:close/>
+                </a:path>
+              </a:pathLst>
+            </a:custGeom>
+            <a:solidFill>
+              <a:schemeClr val="accent2">
+                <a:lumMod val="75000"/>
+                <a:alpha val="70000"/>
+              </a:schemeClr>
+            </a:solidFill>
+            <a:ln>
+              <a:noFill/>
+            </a:ln>
+            <a:effectLst/>
+          </p:spPr>
+          <p:style>
+            <a:lnRef idx="1">
+              <a:schemeClr val="accent1"/>
+            </a:lnRef>
+            <a:fillRef idx="3">
+              <a:schemeClr val="accent1"/>
+            </a:fillRef>
+            <a:effectRef idx="2">
+              <a:schemeClr val="accent1"/>
+            </a:effectRef>
+            <a:fontRef idx="minor">
+              <a:schemeClr val="lt1"/>
+            </a:fontRef>
+          </p:style>
+        </p:sp>
+        <p:sp>
+          <p:nvSpPr>
+            <p:cNvPr id="17" name="Rectangle 28">
+              <a:extLst>
+                <a:ext uri="{FF2B5EF4-FFF2-40B4-BE49-F238E27FC236}">
+                  <a16:creationId xmlns:a16="http://schemas.microsoft.com/office/drawing/2014/main" id="{3240EEFC-4112-4C39-A816-C815774F6D69}"/>
+                </a:ext>
+                <a:ext uri="{C183D7F6-B498-43B3-948B-1728B52AA6E4}">
+                  <adec:decorative xmlns:adec="http://schemas.microsoft.com/office/drawing/2017/decorative" val="1"/>
+                </a:ext>
+              </a:extLst>
+            </p:cNvPr>
+            <p:cNvSpPr/>
+            <p:nvPr>
+              <p:extLst>
+                <p:ext uri="{386F3935-93C4-4BCD-93E2-E3B085C9AB24}">
+                  <p16:designElem xmlns:p16="http://schemas.microsoft.com/office/powerpoint/2015/main" val="1"/>
+                </p:ext>
+              </p:extLst>
+            </p:nvPr>
+          </p:nvSpPr>
+          <p:spPr>
+            <a:xfrm>
+              <a:off x="10898730" y="-8467"/>
+              <a:ext cx="1290094" cy="6866467"/>
+            </a:xfrm>
+            <a:custGeom>
+              <a:avLst/>
+              <a:gdLst/>
+              <a:ahLst/>
+              <a:cxnLst/>
+              <a:rect l="l" t="t" r="r" b="b"/>
+              <a:pathLst>
+                <a:path w="1290094" h="6858000">
+                  <a:moveTo>
+                    <a:pt x="1019735" y="0"/>
+                  </a:moveTo>
+                  <a:lnTo>
+                    <a:pt x="1290094" y="0"/>
+                  </a:lnTo>
+                  <a:lnTo>
+                    <a:pt x="1290094" y="6858000"/>
+                  </a:lnTo>
+                  <a:lnTo>
+                    <a:pt x="0" y="6858000"/>
+                  </a:lnTo>
+                  <a:lnTo>
+                    <a:pt x="1019735" y="0"/>
+                  </a:lnTo>
+                  <a:close/>
+                </a:path>
+              </a:pathLst>
+            </a:custGeom>
+            <a:solidFill>
+              <a:schemeClr val="accent1">
+                <a:lumMod val="60000"/>
+                <a:lumOff val="40000"/>
+                <a:alpha val="70000"/>
+              </a:schemeClr>
+            </a:solidFill>
+            <a:ln>
+              <a:noFill/>
+            </a:ln>
+            <a:effectLst/>
+          </p:spPr>
+          <p:style>
+            <a:lnRef idx="1">
+              <a:schemeClr val="accent1"/>
+            </a:lnRef>
+            <a:fillRef idx="3">
+              <a:schemeClr val="accent1"/>
+            </a:fillRef>
+            <a:effectRef idx="2">
+              <a:schemeClr val="accent1"/>
+            </a:effectRef>
+            <a:fontRef idx="minor">
+              <a:schemeClr val="lt1"/>
+            </a:fontRef>
+          </p:style>
+        </p:sp>
+        <p:sp>
+          <p:nvSpPr>
+            <p:cNvPr id="18" name="Rectangle 29">
+              <a:extLst>
+                <a:ext uri="{FF2B5EF4-FFF2-40B4-BE49-F238E27FC236}">
+                  <a16:creationId xmlns:a16="http://schemas.microsoft.com/office/drawing/2014/main" id="{ADF362B0-03EA-4800-9FAA-9F128587E428}"/>
+                </a:ext>
+                <a:ext uri="{C183D7F6-B498-43B3-948B-1728B52AA6E4}">
+                  <adec:decorative xmlns:adec="http://schemas.microsoft.com/office/drawing/2017/decorative" val="1"/>
+                </a:ext>
+              </a:extLst>
+            </p:cNvPr>
+            <p:cNvSpPr/>
+            <p:nvPr>
+              <p:extLst>
+                <p:ext uri="{386F3935-93C4-4BCD-93E2-E3B085C9AB24}">
+                  <p16:designElem xmlns:p16="http://schemas.microsoft.com/office/powerpoint/2015/main" val="1"/>
+                </p:ext>
+              </p:extLst>
+            </p:nvPr>
+          </p:nvSpPr>
+          <p:spPr>
+            <a:xfrm>
+              <a:off x="10938999" y="-8467"/>
+              <a:ext cx="1249825" cy="6866467"/>
+            </a:xfrm>
+            <a:custGeom>
+              <a:avLst/>
+              <a:gdLst/>
+              <a:ahLst/>
+              <a:cxnLst/>
+              <a:rect l="l" t="t" r="r" b="b"/>
+              <a:pathLst>
+                <a:path w="1249825" h="6858000">
+                  <a:moveTo>
+                    <a:pt x="0" y="0"/>
+                  </a:moveTo>
+                  <a:lnTo>
+                    <a:pt x="1249825" y="0"/>
+                  </a:lnTo>
+                  <a:lnTo>
+                    <a:pt x="1249825" y="6858000"/>
+                  </a:lnTo>
+                  <a:lnTo>
+                    <a:pt x="1109382" y="6858000"/>
+                  </a:lnTo>
+                  <a:lnTo>
+                    <a:pt x="0" y="0"/>
+                  </a:lnTo>
+                  <a:close/>
+                </a:path>
+              </a:pathLst>
+            </a:custGeom>
+            <a:solidFill>
+              <a:schemeClr val="accent1">
+                <a:alpha val="65000"/>
+              </a:schemeClr>
+            </a:solidFill>
+            <a:ln>
+              <a:noFill/>
+            </a:ln>
+            <a:effectLst/>
+          </p:spPr>
+          <p:style>
+            <a:lnRef idx="1">
+              <a:schemeClr val="accent1"/>
+            </a:lnRef>
+            <a:fillRef idx="3">
+              <a:schemeClr val="accent1"/>
+            </a:fillRef>
+            <a:effectRef idx="2">
+              <a:schemeClr val="accent1"/>
+            </a:effectRef>
+            <a:fontRef idx="minor">
+              <a:schemeClr val="lt1"/>
+            </a:fontRef>
+          </p:style>
+        </p:sp>
+        <p:sp>
+          <p:nvSpPr>
+            <p:cNvPr id="19" name="Isosceles Triangle 18">
+              <a:extLst>
+                <a:ext uri="{FF2B5EF4-FFF2-40B4-BE49-F238E27FC236}">
+                  <a16:creationId xmlns:a16="http://schemas.microsoft.com/office/drawing/2014/main" id="{0BA84559-2F4C-4795-9246-4C563F942DB9}"/>
+                </a:ext>
+                <a:ext uri="{C183D7F6-B498-43B3-948B-1728B52AA6E4}">
+                  <adec:decorative xmlns:adec="http://schemas.microsoft.com/office/drawing/2017/decorative" val="1"/>
+                </a:ext>
+              </a:extLst>
+            </p:cNvPr>
+            <p:cNvSpPr/>
+            <p:nvPr>
+              <p:extLst>
+                <p:ext uri="{386F3935-93C4-4BCD-93E2-E3B085C9AB24}">
+                  <p16:designElem xmlns:p16="http://schemas.microsoft.com/office/powerpoint/2015/main" val="1"/>
+                </p:ext>
+              </p:extLst>
+            </p:nvPr>
+          </p:nvSpPr>
+          <p:spPr>
+            <a:xfrm>
+              <a:off x="10371666" y="3589867"/>
+              <a:ext cx="1817159" cy="3268133"/>
+            </a:xfrm>
+            <a:prstGeom prst="triangle">
+              <a:avLst>
+                <a:gd name="adj" fmla="val 100000"/>
+              </a:avLst>
+            </a:prstGeom>
+            <a:solidFill>
+              <a:schemeClr val="accent1">
+                <a:alpha val="80000"/>
+              </a:schemeClr>
+            </a:solidFill>
+            <a:ln>
+              <a:noFill/>
+            </a:ln>
+            <a:effectLst/>
+          </p:spPr>
+          <p:style>
+            <a:lnRef idx="1">
+              <a:schemeClr val="accent1"/>
+            </a:lnRef>
+            <a:fillRef idx="3">
+              <a:schemeClr val="accent1"/>
+            </a:fillRef>
+            <a:effectRef idx="2">
+              <a:schemeClr val="accent1"/>
+            </a:effectRef>
+            <a:fontRef idx="minor">
+              <a:schemeClr val="lt1"/>
+            </a:fontRef>
+          </p:style>
+        </p:sp>
+        <p:sp>
+          <p:nvSpPr>
+            <p:cNvPr id="20" name="Isosceles Triangle 19">
+              <a:extLst>
+                <a:ext uri="{FF2B5EF4-FFF2-40B4-BE49-F238E27FC236}">
+                  <a16:creationId xmlns:a16="http://schemas.microsoft.com/office/drawing/2014/main" id="{FA77A1AA-CA47-4A91-A0A1-0A8CE31A985E}"/>
+                </a:ext>
+                <a:ext uri="{C183D7F6-B498-43B3-948B-1728B52AA6E4}">
+                  <adec:decorative xmlns:adec="http://schemas.microsoft.com/office/drawing/2017/decorative" val="1"/>
+                </a:ext>
+              </a:extLst>
+            </p:cNvPr>
+            <p:cNvSpPr/>
+            <p:nvPr>
+              <p:extLst>
+                <p:ext uri="{386F3935-93C4-4BCD-93E2-E3B085C9AB24}">
+                  <p16:designElem xmlns:p16="http://schemas.microsoft.com/office/powerpoint/2015/main" val="1"/>
+                </p:ext>
+              </p:extLst>
+            </p:nvPr>
+          </p:nvSpPr>
+          <p:spPr>
+            <a:xfrm>
+              <a:off x="0" y="4013200"/>
+              <a:ext cx="448733" cy="2844800"/>
+            </a:xfrm>
+            <a:prstGeom prst="triangle">
+              <a:avLst>
+                <a:gd name="adj" fmla="val 0"/>
+              </a:avLst>
+            </a:prstGeom>
+            <a:solidFill>
+              <a:schemeClr val="accent1">
+                <a:alpha val="85000"/>
+              </a:schemeClr>
+            </a:solidFill>
+            <a:ln>
+              <a:noFill/>
+            </a:ln>
+            <a:effectLst/>
+          </p:spPr>
+          <p:style>
+            <a:lnRef idx="1">
+              <a:schemeClr val="accent1"/>
+            </a:lnRef>
+            <a:fillRef idx="3">
+              <a:schemeClr val="accent1"/>
+            </a:fillRef>
+            <a:effectRef idx="2">
+              <a:schemeClr val="accent1"/>
+            </a:effectRef>
+            <a:fontRef idx="minor">
+              <a:schemeClr val="lt1"/>
+            </a:fontRef>
+          </p:style>
+        </p:sp>
+      </p:grpSp>
+      <p:sp>
+        <p:nvSpPr>
+          <p:cNvPr id="22" name="Rectangle 21">
+            <a:extLst>
+              <a:ext uri="{FF2B5EF4-FFF2-40B4-BE49-F238E27FC236}">
+                <a16:creationId xmlns:a16="http://schemas.microsoft.com/office/drawing/2014/main" id="{03E8462A-FEBA-4848-81CC-3F8DA3E477BE}"/>
+              </a:ext>
+              <a:ext uri="{C183D7F6-B498-43B3-948B-1728B52AA6E4}">
+                <adec:decorative xmlns:adec="http://schemas.microsoft.com/office/drawing/2017/decorative" val="1"/>
+              </a:ext>
+            </a:extLst>
+          </p:cNvPr>
+          <p:cNvSpPr>
+            <a:spLocks noGrp="1" noRot="1" noChangeAspect="1" noMove="1" noResize="1" noEditPoints="1" noAdjustHandles="1" noChangeArrowheads="1" noChangeShapeType="1" noTextEdit="1"/>
+          </p:cNvSpPr>
+          <p:nvPr>
+            <p:extLst>
+              <p:ext uri="{386F3935-93C4-4BCD-93E2-E3B085C9AB24}">
+                <p16:designElem xmlns:p16="http://schemas.microsoft.com/office/powerpoint/2015/main" val="1"/>
+              </p:ext>
+            </p:extLst>
+          </p:nvPr>
+        </p:nvSpPr>
+        <p:spPr>
+          <a:xfrm>
+            <a:off x="0" y="0"/>
+            <a:ext cx="12188952" cy="6858000"/>
+          </a:xfrm>
+          <a:prstGeom prst="rect">
+            <a:avLst/>
+          </a:prstGeom>
+          <a:solidFill>
+            <a:schemeClr val="accent2"/>
+          </a:solidFill>
+          <a:ln>
+            <a:noFill/>
+          </a:ln>
+        </p:spPr>
+        <p:style>
+          <a:lnRef idx="2">
+            <a:schemeClr val="accent1">
+              <a:shade val="50000"/>
+            </a:schemeClr>
+          </a:lnRef>
+          <a:fillRef idx="1">
+            <a:schemeClr val="accent1"/>
+          </a:fillRef>
+          <a:effectRef idx="0">
+            <a:schemeClr val="accent1"/>
+          </a:effectRef>
+          <a:fontRef idx="minor">
+            <a:schemeClr val="lt1"/>
+          </a:fontRef>
+        </p:style>
+        <p:txBody>
+          <a:bodyPr rtlCol="0" anchor="ctr"/>
+          <a:lstStyle/>
+          <a:p>
+            <a:pPr algn="ctr"/>
+            <a:endParaRPr lang="en-US"/>
+          </a:p>
+        </p:txBody>
+      </p:sp>
+      <p:grpSp>
+        <p:nvGrpSpPr>
+          <p:cNvPr id="24" name="Group 23">
+            <a:extLst>
+              <a:ext uri="{FF2B5EF4-FFF2-40B4-BE49-F238E27FC236}">
+                <a16:creationId xmlns:a16="http://schemas.microsoft.com/office/drawing/2014/main" id="{2109F83F-40FE-4DB3-84CC-09FB3340D06D}"/>
+              </a:ext>
+              <a:ext uri="{C183D7F6-B498-43B3-948B-1728B52AA6E4}">
+                <adec:decorative xmlns:adec="http://schemas.microsoft.com/office/drawing/2017/decorative" val="1"/>
+              </a:ext>
+            </a:extLst>
+          </p:cNvPr>
+          <p:cNvGrpSpPr>
+            <a:grpSpLocks noGrp="1" noUngrp="1" noRot="1" noChangeAspect="1" noMove="1" noResize="1"/>
+          </p:cNvGrpSpPr>
+          <p:nvPr>
+            <p:extLst>
+              <p:ext uri="{386F3935-93C4-4BCD-93E2-E3B085C9AB24}">
+                <p16:designElem xmlns:p16="http://schemas.microsoft.com/office/powerpoint/2015/main" val="1"/>
+              </p:ext>
+            </p:extLst>
+          </p:nvPr>
+        </p:nvGrpSpPr>
+        <p:grpSpPr>
+          <a:xfrm>
+            <a:off x="0" y="-8467"/>
+            <a:ext cx="12192000" cy="6866467"/>
+            <a:chOff x="0" y="-8467"/>
+            <a:chExt cx="12192000" cy="6866467"/>
+          </a:xfrm>
+        </p:grpSpPr>
+        <p:cxnSp>
+          <p:nvCxnSpPr>
+            <p:cNvPr id="25" name="Straight Connector 24">
+              <a:extLst>
+                <a:ext uri="{FF2B5EF4-FFF2-40B4-BE49-F238E27FC236}">
+                  <a16:creationId xmlns:a16="http://schemas.microsoft.com/office/drawing/2014/main" id="{1DE492D7-C3C3-48FF-80C8-37021EA0262F}"/>
+                </a:ext>
+                <a:ext uri="{C183D7F6-B498-43B3-948B-1728B52AA6E4}">
+                  <adec:decorative xmlns:adec="http://schemas.microsoft.com/office/drawing/2017/decorative" val="1"/>
+                </a:ext>
+              </a:extLst>
+            </p:cNvPr>
+            <p:cNvCxnSpPr/>
+            <p:nvPr>
+              <p:extLst>
+                <p:ext uri="{386F3935-93C4-4BCD-93E2-E3B085C9AB24}">
+                  <p16:designElem xmlns:p16="http://schemas.microsoft.com/office/powerpoint/2015/main" val="1"/>
+                </p:ext>
+              </p:extLst>
+            </p:nvPr>
+          </p:nvCxnSpPr>
+          <p:spPr>
+            <a:xfrm flipH="1">
+              <a:off x="7425267" y="3681413"/>
+              <a:ext cx="4763558" cy="3176587"/>
+            </a:xfrm>
+            <a:prstGeom prst="line">
+              <a:avLst/>
+            </a:prstGeom>
+            <a:ln w="9525">
+              <a:solidFill>
+                <a:schemeClr val="bg1">
+                  <a:lumMod val="85000"/>
+                </a:schemeClr>
+              </a:solidFill>
+            </a:ln>
+          </p:spPr>
+          <p:style>
+            <a:lnRef idx="2">
+              <a:schemeClr val="accent1"/>
+            </a:lnRef>
+            <a:fillRef idx="0">
+              <a:schemeClr val="accent1"/>
+            </a:fillRef>
+            <a:effectRef idx="1">
+              <a:schemeClr val="accent1"/>
+            </a:effectRef>
+            <a:fontRef idx="minor">
+              <a:schemeClr val="tx1"/>
+            </a:fontRef>
+          </p:style>
+        </p:cxnSp>
+        <p:sp>
+          <p:nvSpPr>
+            <p:cNvPr id="26" name="Rectangle 23">
+              <a:extLst>
+                <a:ext uri="{FF2B5EF4-FFF2-40B4-BE49-F238E27FC236}">
+                  <a16:creationId xmlns:a16="http://schemas.microsoft.com/office/drawing/2014/main" id="{0B30FF97-2E9A-490A-AED2-90BA2E0EC17F}"/>
+                </a:ext>
+                <a:ext uri="{C183D7F6-B498-43B3-948B-1728B52AA6E4}">
+                  <adec:decorative xmlns:adec="http://schemas.microsoft.com/office/drawing/2017/decorative" val="1"/>
+                </a:ext>
+              </a:extLst>
+            </p:cNvPr>
+            <p:cNvSpPr/>
+            <p:nvPr>
+              <p:extLst>
+                <p:ext uri="{386F3935-93C4-4BCD-93E2-E3B085C9AB24}">
+                  <p16:designElem xmlns:p16="http://schemas.microsoft.com/office/powerpoint/2015/main" val="1"/>
+                </p:ext>
+              </p:extLst>
+            </p:nvPr>
+          </p:nvSpPr>
+          <p:spPr>
+            <a:xfrm>
+              <a:off x="9181476" y="-8467"/>
+              <a:ext cx="3007349" cy="6866467"/>
+            </a:xfrm>
+            <a:custGeom>
+              <a:avLst/>
+              <a:gdLst/>
+              <a:ahLst/>
+              <a:cxnLst/>
+              <a:rect l="l" t="t" r="r" b="b"/>
+              <a:pathLst>
+                <a:path w="3007349" h="6866467">
+                  <a:moveTo>
+                    <a:pt x="2045532" y="0"/>
+                  </a:moveTo>
+                  <a:lnTo>
+                    <a:pt x="3007349" y="0"/>
+                  </a:lnTo>
+                  <a:lnTo>
+                    <a:pt x="3007349" y="6866467"/>
+                  </a:lnTo>
+                  <a:lnTo>
+                    <a:pt x="0" y="6866467"/>
+                  </a:lnTo>
+                  <a:lnTo>
+                    <a:pt x="2045532" y="0"/>
+                  </a:lnTo>
+                  <a:close/>
+                </a:path>
+              </a:pathLst>
+            </a:custGeom>
+            <a:solidFill>
+              <a:schemeClr val="accent1">
+                <a:alpha val="30000"/>
+              </a:schemeClr>
+            </a:solidFill>
+            <a:ln>
+              <a:noFill/>
+            </a:ln>
+            <a:effectLst/>
+          </p:spPr>
+          <p:style>
+            <a:lnRef idx="1">
+              <a:schemeClr val="accent1"/>
+            </a:lnRef>
+            <a:fillRef idx="3">
+              <a:schemeClr val="accent1"/>
+            </a:fillRef>
+            <a:effectRef idx="2">
+              <a:schemeClr val="accent1"/>
+            </a:effectRef>
+            <a:fontRef idx="minor">
+              <a:schemeClr val="lt1"/>
+            </a:fontRef>
+          </p:style>
+        </p:sp>
+        <p:sp>
+          <p:nvSpPr>
+            <p:cNvPr id="27" name="Rectangle 25">
+              <a:extLst>
+                <a:ext uri="{FF2B5EF4-FFF2-40B4-BE49-F238E27FC236}">
+                  <a16:creationId xmlns:a16="http://schemas.microsoft.com/office/drawing/2014/main" id="{B6D53C7D-A312-47B6-A66A-230A19CFACA6}"/>
+                </a:ext>
+                <a:ext uri="{C183D7F6-B498-43B3-948B-1728B52AA6E4}">
+                  <adec:decorative xmlns:adec="http://schemas.microsoft.com/office/drawing/2017/decorative" val="1"/>
+                </a:ext>
+              </a:extLst>
+            </p:cNvPr>
+            <p:cNvSpPr/>
+            <p:nvPr>
+              <p:extLst>
+                <p:ext uri="{386F3935-93C4-4BCD-93E2-E3B085C9AB24}">
+                  <p16:designElem xmlns:p16="http://schemas.microsoft.com/office/powerpoint/2015/main" val="1"/>
+                </p:ext>
+              </p:extLst>
+            </p:nvPr>
+          </p:nvSpPr>
+          <p:spPr>
+            <a:xfrm>
+              <a:off x="9603442" y="-8467"/>
+              <a:ext cx="2588558" cy="6866467"/>
+            </a:xfrm>
+            <a:custGeom>
+              <a:avLst/>
+              <a:gdLst/>
+              <a:ahLst/>
+              <a:cxnLst/>
+              <a:rect l="l" t="t" r="r" b="b"/>
+              <a:pathLst>
+                <a:path w="2573311" h="6866467">
+                  <a:moveTo>
+                    <a:pt x="0" y="0"/>
+                  </a:moveTo>
+                  <a:lnTo>
+                    <a:pt x="2573311" y="0"/>
+                  </a:lnTo>
+                  <a:lnTo>
+                    <a:pt x="2573311" y="6866467"/>
+                  </a:lnTo>
+                  <a:lnTo>
+                    <a:pt x="1202336" y="6866467"/>
+                  </a:lnTo>
+                  <a:lnTo>
+                    <a:pt x="0" y="0"/>
+                  </a:lnTo>
+                  <a:close/>
+                </a:path>
+              </a:pathLst>
+            </a:custGeom>
+            <a:solidFill>
+              <a:schemeClr val="accent1">
+                <a:alpha val="20000"/>
+              </a:schemeClr>
+            </a:solidFill>
+            <a:ln>
+              <a:noFill/>
+            </a:ln>
+            <a:effectLst/>
+          </p:spPr>
+          <p:style>
+            <a:lnRef idx="1">
+              <a:schemeClr val="accent1"/>
+            </a:lnRef>
+            <a:fillRef idx="3">
+              <a:schemeClr val="accent1"/>
+            </a:fillRef>
+            <a:effectRef idx="2">
+              <a:schemeClr val="accent1"/>
+            </a:effectRef>
+            <a:fontRef idx="minor">
+              <a:schemeClr val="lt1"/>
+            </a:fontRef>
+          </p:style>
+        </p:sp>
+        <p:sp>
+          <p:nvSpPr>
+            <p:cNvPr id="28" name="Isosceles Triangle 27">
+              <a:extLst>
+                <a:ext uri="{FF2B5EF4-FFF2-40B4-BE49-F238E27FC236}">
+                  <a16:creationId xmlns:a16="http://schemas.microsoft.com/office/drawing/2014/main" id="{9329D58C-0D2E-4A2B-AD6A-9CEE506784A8}"/>
+                </a:ext>
+                <a:ext uri="{C183D7F6-B498-43B3-948B-1728B52AA6E4}">
+                  <adec:decorative xmlns:adec="http://schemas.microsoft.com/office/drawing/2017/decorative" val="1"/>
+                </a:ext>
+              </a:extLst>
+            </p:cNvPr>
+            <p:cNvSpPr/>
+            <p:nvPr>
+              <p:extLst>
+                <p:ext uri="{386F3935-93C4-4BCD-93E2-E3B085C9AB24}">
+                  <p16:designElem xmlns:p16="http://schemas.microsoft.com/office/powerpoint/2015/main" val="1"/>
+                </p:ext>
+              </p:extLst>
+            </p:nvPr>
+          </p:nvSpPr>
+          <p:spPr>
+            <a:xfrm>
+              <a:off x="8932333" y="3048000"/>
+              <a:ext cx="3259667" cy="3810000"/>
+            </a:xfrm>
+            <a:prstGeom prst="triangle">
+              <a:avLst>
+                <a:gd name="adj" fmla="val 100000"/>
+              </a:avLst>
+            </a:prstGeom>
+            <a:solidFill>
+              <a:schemeClr val="accent2">
+                <a:alpha val="72000"/>
+              </a:schemeClr>
+            </a:solidFill>
+            <a:ln>
+              <a:noFill/>
+            </a:ln>
+            <a:effectLst/>
+          </p:spPr>
+          <p:style>
+            <a:lnRef idx="1">
+              <a:schemeClr val="accent1"/>
+            </a:lnRef>
+            <a:fillRef idx="3">
+              <a:schemeClr val="accent1"/>
+            </a:fillRef>
+            <a:effectRef idx="2">
+              <a:schemeClr val="accent1"/>
+            </a:effectRef>
+            <a:fontRef idx="minor">
+              <a:schemeClr val="lt1"/>
+            </a:fontRef>
+          </p:style>
+        </p:sp>
+        <p:sp>
+          <p:nvSpPr>
+            <p:cNvPr id="29" name="Rectangle 27">
+              <a:extLst>
+                <a:ext uri="{FF2B5EF4-FFF2-40B4-BE49-F238E27FC236}">
+                  <a16:creationId xmlns:a16="http://schemas.microsoft.com/office/drawing/2014/main" id="{9D446EDE-C690-4461-8BF2-7634808FC8B4}"/>
+                </a:ext>
+                <a:ext uri="{C183D7F6-B498-43B3-948B-1728B52AA6E4}">
+                  <adec:decorative xmlns:adec="http://schemas.microsoft.com/office/drawing/2017/decorative" val="1"/>
+                </a:ext>
+              </a:extLst>
+            </p:cNvPr>
+            <p:cNvSpPr/>
+            <p:nvPr>
+              <p:extLst>
+                <p:ext uri="{386F3935-93C4-4BCD-93E2-E3B085C9AB24}">
+                  <p16:designElem xmlns:p16="http://schemas.microsoft.com/office/powerpoint/2015/main" val="1"/>
+                </p:ext>
+              </p:extLst>
+            </p:nvPr>
+          </p:nvSpPr>
+          <p:spPr>
+            <a:xfrm>
+              <a:off x="9334500" y="-8467"/>
+              <a:ext cx="2854326" cy="6866467"/>
+            </a:xfrm>
+            <a:custGeom>
+              <a:avLst/>
+              <a:gdLst/>
+              <a:ahLst/>
+              <a:cxnLst/>
+              <a:rect l="l" t="t" r="r" b="b"/>
+              <a:pathLst>
+                <a:path w="2858013" h="6866467">
+                  <a:moveTo>
+                    <a:pt x="0" y="0"/>
+                  </a:moveTo>
+                  <a:lnTo>
+                    <a:pt x="2858013" y="0"/>
+                  </a:lnTo>
+                  <a:lnTo>
+                    <a:pt x="2858013" y="6866467"/>
+                  </a:lnTo>
+                  <a:lnTo>
+                    <a:pt x="2473942" y="6866467"/>
+                  </a:lnTo>
+                  <a:lnTo>
+                    <a:pt x="0" y="0"/>
+                  </a:lnTo>
+                  <a:close/>
+                </a:path>
+              </a:pathLst>
+            </a:custGeom>
+            <a:solidFill>
+              <a:schemeClr val="accent2">
+                <a:lumMod val="75000"/>
+                <a:alpha val="70000"/>
+              </a:schemeClr>
+            </a:solidFill>
+            <a:ln>
+              <a:noFill/>
+            </a:ln>
+            <a:effectLst/>
+          </p:spPr>
+          <p:style>
+            <a:lnRef idx="1">
+              <a:schemeClr val="accent1"/>
+            </a:lnRef>
+            <a:fillRef idx="3">
+              <a:schemeClr val="accent1"/>
+            </a:fillRef>
+            <a:effectRef idx="2">
+              <a:schemeClr val="accent1"/>
+            </a:effectRef>
+            <a:fontRef idx="minor">
+              <a:schemeClr val="lt1"/>
+            </a:fontRef>
+          </p:style>
+        </p:sp>
+        <p:sp>
+          <p:nvSpPr>
+            <p:cNvPr id="30" name="Rectangle 28">
+              <a:extLst>
+                <a:ext uri="{FF2B5EF4-FFF2-40B4-BE49-F238E27FC236}">
+                  <a16:creationId xmlns:a16="http://schemas.microsoft.com/office/drawing/2014/main" id="{323F3D34-6531-4AD7-A8C6-195A090281A1}"/>
+                </a:ext>
+                <a:ext uri="{C183D7F6-B498-43B3-948B-1728B52AA6E4}">
+                  <adec:decorative xmlns:adec="http://schemas.microsoft.com/office/drawing/2017/decorative" val="1"/>
+                </a:ext>
+              </a:extLst>
+            </p:cNvPr>
+            <p:cNvSpPr/>
+            <p:nvPr>
+              <p:extLst>
+                <p:ext uri="{386F3935-93C4-4BCD-93E2-E3B085C9AB24}">
+                  <p16:designElem xmlns:p16="http://schemas.microsoft.com/office/powerpoint/2015/main" val="1"/>
+                </p:ext>
+              </p:extLst>
+            </p:nvPr>
+          </p:nvSpPr>
+          <p:spPr>
+            <a:xfrm>
+              <a:off x="10898730" y="-8467"/>
+              <a:ext cx="1290094" cy="6866467"/>
+            </a:xfrm>
+            <a:custGeom>
+              <a:avLst/>
+              <a:gdLst/>
+              <a:ahLst/>
+              <a:cxnLst/>
+              <a:rect l="l" t="t" r="r" b="b"/>
+              <a:pathLst>
+                <a:path w="1290094" h="6858000">
+                  <a:moveTo>
+                    <a:pt x="1019735" y="0"/>
+                  </a:moveTo>
+                  <a:lnTo>
+                    <a:pt x="1290094" y="0"/>
+                  </a:lnTo>
+                  <a:lnTo>
+                    <a:pt x="1290094" y="6858000"/>
+                  </a:lnTo>
+                  <a:lnTo>
+                    <a:pt x="0" y="6858000"/>
+                  </a:lnTo>
+                  <a:lnTo>
+                    <a:pt x="1019735" y="0"/>
+                  </a:lnTo>
+                  <a:close/>
+                </a:path>
+              </a:pathLst>
+            </a:custGeom>
+            <a:solidFill>
+              <a:schemeClr val="accent1">
+                <a:lumMod val="60000"/>
+                <a:lumOff val="40000"/>
+                <a:alpha val="70000"/>
+              </a:schemeClr>
+            </a:solidFill>
+            <a:ln>
+              <a:noFill/>
+            </a:ln>
+            <a:effectLst/>
+          </p:spPr>
+          <p:style>
+            <a:lnRef idx="1">
+              <a:schemeClr val="accent1"/>
+            </a:lnRef>
+            <a:fillRef idx="3">
+              <a:schemeClr val="accent1"/>
+            </a:fillRef>
+            <a:effectRef idx="2">
+              <a:schemeClr val="accent1"/>
+            </a:effectRef>
+            <a:fontRef idx="minor">
+              <a:schemeClr val="lt1"/>
+            </a:fontRef>
+          </p:style>
+        </p:sp>
+        <p:sp>
+          <p:nvSpPr>
+            <p:cNvPr id="31" name="Rectangle 29">
+              <a:extLst>
+                <a:ext uri="{FF2B5EF4-FFF2-40B4-BE49-F238E27FC236}">
+                  <a16:creationId xmlns:a16="http://schemas.microsoft.com/office/drawing/2014/main" id="{B9B0AE3F-2350-435F-A9B0-C310BF876385}"/>
+                </a:ext>
+                <a:ext uri="{C183D7F6-B498-43B3-948B-1728B52AA6E4}">
+                  <adec:decorative xmlns:adec="http://schemas.microsoft.com/office/drawing/2017/decorative" val="1"/>
+                </a:ext>
+              </a:extLst>
+            </p:cNvPr>
+            <p:cNvSpPr/>
+            <p:nvPr>
+              <p:extLst>
+                <p:ext uri="{386F3935-93C4-4BCD-93E2-E3B085C9AB24}">
+                  <p16:designElem xmlns:p16="http://schemas.microsoft.com/office/powerpoint/2015/main" val="1"/>
+                </p:ext>
+              </p:extLst>
+            </p:nvPr>
+          </p:nvSpPr>
+          <p:spPr>
+            <a:xfrm>
+              <a:off x="10938999" y="-8467"/>
+              <a:ext cx="1249825" cy="6866467"/>
+            </a:xfrm>
+            <a:custGeom>
+              <a:avLst/>
+              <a:gdLst/>
+              <a:ahLst/>
+              <a:cxnLst/>
+              <a:rect l="l" t="t" r="r" b="b"/>
+              <a:pathLst>
+                <a:path w="1249825" h="6858000">
+                  <a:moveTo>
+                    <a:pt x="0" y="0"/>
+                  </a:moveTo>
+                  <a:lnTo>
+                    <a:pt x="1249825" y="0"/>
+                  </a:lnTo>
+                  <a:lnTo>
+                    <a:pt x="1249825" y="6858000"/>
+                  </a:lnTo>
+                  <a:lnTo>
+                    <a:pt x="1109382" y="6858000"/>
+                  </a:lnTo>
+                  <a:lnTo>
+                    <a:pt x="0" y="0"/>
+                  </a:lnTo>
+                  <a:close/>
+                </a:path>
+              </a:pathLst>
+            </a:custGeom>
+            <a:solidFill>
+              <a:schemeClr val="accent1">
+                <a:alpha val="65000"/>
+              </a:schemeClr>
+            </a:solidFill>
+            <a:ln>
+              <a:noFill/>
+            </a:ln>
+            <a:effectLst/>
+          </p:spPr>
+          <p:style>
+            <a:lnRef idx="1">
+              <a:schemeClr val="accent1"/>
+            </a:lnRef>
+            <a:fillRef idx="3">
+              <a:schemeClr val="accent1"/>
+            </a:fillRef>
+            <a:effectRef idx="2">
+              <a:schemeClr val="accent1"/>
+            </a:effectRef>
+            <a:fontRef idx="minor">
+              <a:schemeClr val="lt1"/>
+            </a:fontRef>
+          </p:style>
+        </p:sp>
+        <p:sp>
+          <p:nvSpPr>
+            <p:cNvPr id="32" name="Isosceles Triangle 31">
+              <a:extLst>
+                <a:ext uri="{FF2B5EF4-FFF2-40B4-BE49-F238E27FC236}">
+                  <a16:creationId xmlns:a16="http://schemas.microsoft.com/office/drawing/2014/main" id="{4EFA655C-9E50-4C14-A89E-AD7B648E4E2B}"/>
+                </a:ext>
+                <a:ext uri="{C183D7F6-B498-43B3-948B-1728B52AA6E4}">
+                  <adec:decorative xmlns:adec="http://schemas.microsoft.com/office/drawing/2017/decorative" val="1"/>
+                </a:ext>
+              </a:extLst>
+            </p:cNvPr>
+            <p:cNvSpPr/>
+            <p:nvPr>
+              <p:extLst>
+                <p:ext uri="{386F3935-93C4-4BCD-93E2-E3B085C9AB24}">
+                  <p16:designElem xmlns:p16="http://schemas.microsoft.com/office/powerpoint/2015/main" val="1"/>
+                </p:ext>
+              </p:extLst>
+            </p:nvPr>
+          </p:nvSpPr>
+          <p:spPr>
+            <a:xfrm>
+              <a:off x="10371666" y="3589867"/>
+              <a:ext cx="1817159" cy="3268133"/>
+            </a:xfrm>
+            <a:prstGeom prst="triangle">
+              <a:avLst>
+                <a:gd name="adj" fmla="val 100000"/>
+              </a:avLst>
+            </a:prstGeom>
+            <a:solidFill>
+              <a:schemeClr val="accent1">
+                <a:alpha val="80000"/>
+              </a:schemeClr>
+            </a:solidFill>
+            <a:ln>
+              <a:noFill/>
+            </a:ln>
+            <a:effectLst/>
+          </p:spPr>
+          <p:style>
+            <a:lnRef idx="1">
+              <a:schemeClr val="accent1"/>
+            </a:lnRef>
+            <a:fillRef idx="3">
+              <a:schemeClr val="accent1"/>
+            </a:fillRef>
+            <a:effectRef idx="2">
+              <a:schemeClr val="accent1"/>
+            </a:effectRef>
+            <a:fontRef idx="minor">
+              <a:schemeClr val="lt1"/>
+            </a:fontRef>
+          </p:style>
+        </p:sp>
+        <p:sp>
+          <p:nvSpPr>
+            <p:cNvPr id="33" name="Isosceles Triangle 32">
+              <a:extLst>
+                <a:ext uri="{FF2B5EF4-FFF2-40B4-BE49-F238E27FC236}">
+                  <a16:creationId xmlns:a16="http://schemas.microsoft.com/office/drawing/2014/main" id="{3E843863-7D25-4C01-9A17-E817CB6D998A}"/>
+                </a:ext>
+                <a:ext uri="{C183D7F6-B498-43B3-948B-1728B52AA6E4}">
+                  <adec:decorative xmlns:adec="http://schemas.microsoft.com/office/drawing/2017/decorative" val="1"/>
+                </a:ext>
+              </a:extLst>
+            </p:cNvPr>
+            <p:cNvSpPr/>
+            <p:nvPr>
+              <p:extLst>
+                <p:ext uri="{386F3935-93C4-4BCD-93E2-E3B085C9AB24}">
+                  <p16:designElem xmlns:p16="http://schemas.microsoft.com/office/powerpoint/2015/main" val="1"/>
+                </p:ext>
+              </p:extLst>
+            </p:nvPr>
+          </p:nvSpPr>
+          <p:spPr>
+            <a:xfrm>
+              <a:off x="0" y="4013200"/>
+              <a:ext cx="448733" cy="2844800"/>
+            </a:xfrm>
+            <a:prstGeom prst="triangle">
+              <a:avLst>
+                <a:gd name="adj" fmla="val 0"/>
+              </a:avLst>
+            </a:prstGeom>
+            <a:solidFill>
+              <a:schemeClr val="accent1">
+                <a:alpha val="85000"/>
+              </a:schemeClr>
+            </a:solidFill>
+            <a:ln>
+              <a:noFill/>
+            </a:ln>
+            <a:effectLst/>
+          </p:spPr>
+          <p:style>
+            <a:lnRef idx="1">
+              <a:schemeClr val="accent1"/>
+            </a:lnRef>
+            <a:fillRef idx="3">
+              <a:schemeClr val="accent1"/>
+            </a:fillRef>
+            <a:effectRef idx="2">
+              <a:schemeClr val="accent1"/>
+            </a:effectRef>
+            <a:fontRef idx="minor">
+              <a:schemeClr val="lt1"/>
+            </a:fontRef>
+          </p:style>
+        </p:sp>
+      </p:grpSp>
+      <p:sp>
+        <p:nvSpPr>
+          <p:cNvPr id="35" name="Rectangle 34">
+            <a:extLst>
+              <a:ext uri="{FF2B5EF4-FFF2-40B4-BE49-F238E27FC236}">
+                <a16:creationId xmlns:a16="http://schemas.microsoft.com/office/drawing/2014/main" id="{7941F9B1-B01B-4A84-89D9-B169AEB4E456}"/>
+              </a:ext>
+              <a:ext uri="{C183D7F6-B498-43B3-948B-1728B52AA6E4}">
+                <adec:decorative xmlns:adec="http://schemas.microsoft.com/office/drawing/2017/decorative" val="1"/>
+              </a:ext>
+            </a:extLst>
+          </p:cNvPr>
+          <p:cNvSpPr>
+            <a:spLocks noGrp="1" noRot="1" noChangeAspect="1" noMove="1" noResize="1" noEditPoints="1" noAdjustHandles="1" noChangeArrowheads="1" noChangeShapeType="1" noTextEdit="1"/>
+          </p:cNvSpPr>
+          <p:nvPr>
+            <p:extLst>
+              <p:ext uri="{386F3935-93C4-4BCD-93E2-E3B085C9AB24}">
+                <p16:designElem xmlns:p16="http://schemas.microsoft.com/office/powerpoint/2015/main" val="1"/>
+              </p:ext>
+            </p:extLst>
+          </p:nvPr>
+        </p:nvSpPr>
+        <p:spPr>
+          <a:xfrm>
+            <a:off x="477012" y="480060"/>
+            <a:ext cx="8301227" cy="5897880"/>
+          </a:xfrm>
+          <a:prstGeom prst="rect">
+            <a:avLst/>
+          </a:prstGeom>
+          <a:solidFill>
+            <a:srgbClr val="FFFFFF"/>
+          </a:solidFill>
+          <a:ln w="9525">
+            <a:noFill/>
+          </a:ln>
+          <a:effectLst>
+            <a:outerShdw blurRad="63500" dist="17780" dir="5400000" algn="t" rotWithShape="0">
+              <a:prstClr val="black">
+                <a:alpha val="43000"/>
+              </a:prstClr>
+            </a:outerShdw>
+          </a:effectLst>
+        </p:spPr>
+        <p:style>
+          <a:lnRef idx="2">
+            <a:schemeClr val="accent1">
+              <a:shade val="50000"/>
+            </a:schemeClr>
+          </a:lnRef>
+          <a:fillRef idx="1">
+            <a:schemeClr val="accent1"/>
+          </a:fillRef>
+          <a:effectRef idx="0">
+            <a:schemeClr val="accent1"/>
+          </a:effectRef>
+          <a:fontRef idx="minor">
+            <a:schemeClr val="lt1"/>
+          </a:fontRef>
+        </p:style>
+        <p:txBody>
+          <a:bodyPr rtlCol="0" anchor="ctr"/>
+          <a:lstStyle/>
+          <a:p>
+            <a:pPr algn="ctr"/>
+            <a:endParaRPr lang="en-US"/>
+          </a:p>
+        </p:txBody>
+      </p:sp>
+      <p:pic>
+        <p:nvPicPr>
+          <p:cNvPr id="7" name="Imagem 3">
+            <a:extLst>
+              <a:ext uri="{FF2B5EF4-FFF2-40B4-BE49-F238E27FC236}">
+                <a16:creationId xmlns:a16="http://schemas.microsoft.com/office/drawing/2014/main" id="{39734FF5-49D2-4BAB-8719-E27206BA5CD6}"/>
+              </a:ext>
+            </a:extLst>
+          </p:cNvPr>
+          <p:cNvPicPr>
+            <a:picLocks noGrp="1"/>
+          </p:cNvPicPr>
+          <p:nvPr>
+            <p:ph idx="1"/>
+          </p:nvPr>
+        </p:nvPicPr>
+        <p:blipFill>
+          <a:blip r:embed="rId2">
+            <a:extLst>
+              <a:ext uri="{28A0092B-C50C-407E-A947-70E740481C1C}">
+                <a14:useLocalDpi xmlns:a14="http://schemas.microsoft.com/office/drawing/2010/main" val="0"/>
+              </a:ext>
+            </a:extLst>
+          </a:blip>
+          <a:stretch>
+            <a:fillRect/>
+          </a:stretch>
+        </p:blipFill>
+        <p:spPr>
+          <a:xfrm>
+            <a:off x="1514475" y="672649"/>
+            <a:ext cx="6227232" cy="5509076"/>
+          </a:xfrm>
+          <a:prstGeom prst="rect">
+            <a:avLst/>
+          </a:prstGeom>
+        </p:spPr>
+      </p:pic>
+    </p:spTree>
+    <p:extLst>
+      <p:ext uri="{BB962C8B-B14F-4D97-AF65-F5344CB8AC3E}">
+        <p14:creationId xmlns:p14="http://schemas.microsoft.com/office/powerpoint/2010/main" val="3939326389"/>
+      </p:ext>
+    </p:extLst>
+  </p:cSld>
+  <p:clrMapOvr>
+    <a:masterClrMapping/>
+  </p:clrMapOvr>
+</p:sld>
+</file>
+
+<file path=ppt/slides/slide6.xml><?xml version="1.0" encoding="utf-8"?>
+<p:sld xmlns:a="http://schemas.openxmlformats.org/drawingml/2006/main" xmlns:r="http://schemas.openxmlformats.org/officeDocument/2006/relationships" xmlns:p="http://schemas.openxmlformats.org/presentationml/2006/main">
+  <p:cSld>
+    <p:bg>
+      <p:bgPr>
+        <a:solidFill>
+          <a:schemeClr val="bg1"/>
+        </a:solidFill>
+        <a:effectLst/>
+      </p:bgPr>
+    </p:bg>
+    <p:spTree>
+      <p:nvGrpSpPr>
+        <p:cNvPr id="1" name=""/>
+        <p:cNvGrpSpPr/>
+        <p:nvPr/>
+      </p:nvGrpSpPr>
+      <p:grpSpPr>
+        <a:xfrm>
+          <a:off x="0" y="0"/>
+          <a:ext cx="0" cy="0"/>
+          <a:chOff x="0" y="0"/>
+          <a:chExt cx="0" cy="0"/>
+        </a:xfrm>
+      </p:grpSpPr>
       <p:sp>
         <p:nvSpPr>
           <p:cNvPr id="2" name="Título 1">
@@ -7609,7 +10428,130 @@
 </p:sld>
 </file>
 
-<file path=ppt/slides/slide6.xml><?xml version="1.0" encoding="utf-8"?>
+<file path=ppt/slides/slide7.xml><?xml version="1.0" encoding="utf-8"?>
+<p:sld xmlns:a="http://schemas.openxmlformats.org/drawingml/2006/main" xmlns:r="http://schemas.openxmlformats.org/officeDocument/2006/relationships" xmlns:p="http://schemas.openxmlformats.org/presentationml/2006/main">
+  <p:cSld>
+    <p:spTree>
+      <p:nvGrpSpPr>
+        <p:cNvPr id="1" name=""/>
+        <p:cNvGrpSpPr/>
+        <p:nvPr/>
+      </p:nvGrpSpPr>
+      <p:grpSpPr>
+        <a:xfrm>
+          <a:off x="0" y="0"/>
+          <a:ext cx="0" cy="0"/>
+          <a:chOff x="0" y="0"/>
+          <a:chExt cx="0" cy="0"/>
+        </a:xfrm>
+      </p:grpSpPr>
+      <p:sp>
+        <p:nvSpPr>
+          <p:cNvPr id="2" name="Título 1">
+            <a:extLst>
+              <a:ext uri="{FF2B5EF4-FFF2-40B4-BE49-F238E27FC236}">
+                <a16:creationId xmlns:a16="http://schemas.microsoft.com/office/drawing/2014/main" id="{FD90825F-2AC2-453D-80B0-CF875951688F}"/>
+              </a:ext>
+            </a:extLst>
+          </p:cNvPr>
+          <p:cNvSpPr>
+            <a:spLocks noGrp="1"/>
+          </p:cNvSpPr>
+          <p:nvPr>
+            <p:ph type="title"/>
+          </p:nvPr>
+        </p:nvSpPr>
+        <p:spPr>
+          <a:xfrm>
+            <a:off x="677334" y="609600"/>
+            <a:ext cx="8596668" cy="1320800"/>
+          </a:xfrm>
+        </p:spPr>
+        <p:txBody>
+          <a:bodyPr/>
+          <a:lstStyle/>
+          <a:p>
+            <a:r>
+              <a:rPr lang="pt-PT" dirty="0"/>
+              <a:t>A pesquisa de locais</a:t>
+            </a:r>
+          </a:p>
+        </p:txBody>
+      </p:sp>
+      <p:sp>
+        <p:nvSpPr>
+          <p:cNvPr id="3" name="Marcador de Posição de Conteúdo 2">
+            <a:extLst>
+              <a:ext uri="{FF2B5EF4-FFF2-40B4-BE49-F238E27FC236}">
+                <a16:creationId xmlns:a16="http://schemas.microsoft.com/office/drawing/2014/main" id="{B7026A14-BDE4-4D21-8FDE-5635BC4CF6ED}"/>
+              </a:ext>
+            </a:extLst>
+          </p:cNvPr>
+          <p:cNvSpPr>
+            <a:spLocks noGrp="1"/>
+          </p:cNvSpPr>
+          <p:nvPr>
+            <p:ph idx="1"/>
+          </p:nvPr>
+        </p:nvSpPr>
+        <p:spPr>
+          <a:xfrm>
+            <a:off x="677334" y="2160589"/>
+            <a:ext cx="8596668" cy="3880773"/>
+          </a:xfrm>
+        </p:spPr>
+        <p:txBody>
+          <a:bodyPr/>
+          <a:lstStyle/>
+          <a:p>
+            <a:endParaRPr lang="pt-PT"/>
+          </a:p>
+        </p:txBody>
+      </p:sp>
+      <p:pic>
+        <p:nvPicPr>
+          <p:cNvPr id="4" name="Imagem 3">
+            <a:extLst>
+              <a:ext uri="{FF2B5EF4-FFF2-40B4-BE49-F238E27FC236}">
+                <a16:creationId xmlns:a16="http://schemas.microsoft.com/office/drawing/2014/main" id="{A224363D-23D3-4858-A5BA-7188D2A20126}"/>
+              </a:ext>
+            </a:extLst>
+          </p:cNvPr>
+          <p:cNvPicPr>
+            <a:picLocks noChangeAspect="1"/>
+          </p:cNvPicPr>
+          <p:nvPr/>
+        </p:nvPicPr>
+        <p:blipFill>
+          <a:blip r:embed="rId2"/>
+          <a:stretch>
+            <a:fillRect/>
+          </a:stretch>
+        </p:blipFill>
+        <p:spPr>
+          <a:xfrm>
+            <a:off x="996080" y="1930400"/>
+            <a:ext cx="7959176" cy="3880772"/>
+          </a:xfrm>
+          <a:prstGeom prst="rect">
+            <a:avLst/>
+          </a:prstGeom>
+        </p:spPr>
+      </p:pic>
+    </p:spTree>
+    <p:extLst>
+      <p:ext uri="{BB962C8B-B14F-4D97-AF65-F5344CB8AC3E}">
+        <p14:creationId xmlns:p14="http://schemas.microsoft.com/office/powerpoint/2010/main" val="3208071053"/>
+      </p:ext>
+    </p:extLst>
+  </p:cSld>
+  <p:clrMapOvr>
+    <a:masterClrMapping/>
+  </p:clrMapOvr>
+</p:sld>
+</file>
+
+<file path=ppt/slides/slide8.xml><?xml version="1.0" encoding="utf-8"?>
 <p:sld xmlns:a="http://schemas.openxmlformats.org/drawingml/2006/main" xmlns:r="http://schemas.openxmlformats.org/officeDocument/2006/relationships" xmlns:p="http://schemas.openxmlformats.org/presentationml/2006/main">
   <p:cSld>
     <p:bg>
@@ -7702,35 +10644,30 @@
               <a:rPr lang="pt-PT" dirty="0"/>
               <a:t> Consultar;</a:t>
             </a:r>
-            <a:endParaRPr lang="pt-PT"/>
           </a:p>
           <a:p>
             <a:r>
               <a:rPr lang="pt-PT" dirty="0"/>
               <a:t> Iniciar Sessão;</a:t>
             </a:r>
-            <a:endParaRPr lang="pt-PT"/>
           </a:p>
           <a:p>
             <a:r>
               <a:rPr lang="pt-PT" dirty="0"/>
               <a:t> Registar;</a:t>
             </a:r>
-            <a:endParaRPr lang="pt-PT"/>
           </a:p>
           <a:p>
             <a:r>
               <a:rPr lang="pt-PT" dirty="0"/>
               <a:t> Favoritos;</a:t>
             </a:r>
-            <a:endParaRPr lang="pt-PT"/>
           </a:p>
           <a:p>
             <a:r>
               <a:rPr lang="pt-PT" dirty="0"/>
-              <a:t> Comentários;</a:t>
-            </a:r>
-            <a:endParaRPr lang="pt-PT"/>
+              <a:t> Comentários.</a:t>
+            </a:r>
           </a:p>
         </p:txBody>
       </p:sp>
@@ -7776,247 +10713,6 @@
 </p:sld>
 </file>
 
-<file path=ppt/slides/slide7.xml><?xml version="1.0" encoding="utf-8"?>
-<p:sld xmlns:a="http://schemas.openxmlformats.org/drawingml/2006/main" xmlns:r="http://schemas.openxmlformats.org/officeDocument/2006/relationships" xmlns:p="http://schemas.openxmlformats.org/presentationml/2006/main">
-  <p:cSld>
-    <p:spTree>
-      <p:nvGrpSpPr>
-        <p:cNvPr id="1" name=""/>
-        <p:cNvGrpSpPr/>
-        <p:nvPr/>
-      </p:nvGrpSpPr>
-      <p:grpSpPr>
-        <a:xfrm>
-          <a:off x="0" y="0"/>
-          <a:ext cx="0" cy="0"/>
-          <a:chOff x="0" y="0"/>
-          <a:chExt cx="0" cy="0"/>
-        </a:xfrm>
-      </p:grpSpPr>
-      <p:sp>
-        <p:nvSpPr>
-          <p:cNvPr id="2" name="Título 1">
-            <a:extLst>
-              <a:ext uri="{FF2B5EF4-FFF2-40B4-BE49-F238E27FC236}">
-                <a16:creationId xmlns:a16="http://schemas.microsoft.com/office/drawing/2014/main" id="{B3229BD9-7012-46AF-91AD-13FA18DA0514}"/>
-              </a:ext>
-            </a:extLst>
-          </p:cNvPr>
-          <p:cNvSpPr>
-            <a:spLocks noGrp="1"/>
-          </p:cNvSpPr>
-          <p:nvPr>
-            <p:ph type="title"/>
-          </p:nvPr>
-        </p:nvSpPr>
-        <p:spPr/>
-        <p:txBody>
-          <a:bodyPr/>
-          <a:lstStyle/>
-          <a:p>
-            <a:pPr algn="ctr"/>
-            <a:r>
-              <a:rPr lang="pt-PT" dirty="0"/>
-              <a:t>Back Office</a:t>
-            </a:r>
-          </a:p>
-        </p:txBody>
-      </p:sp>
-      <p:sp>
-        <p:nvSpPr>
-          <p:cNvPr id="3" name="Marcador de Posição de Conteúdo 2">
-            <a:extLst>
-              <a:ext uri="{FF2B5EF4-FFF2-40B4-BE49-F238E27FC236}">
-                <a16:creationId xmlns:a16="http://schemas.microsoft.com/office/drawing/2014/main" id="{E12EEAA8-D473-433A-A074-283D76F201E0}"/>
-              </a:ext>
-            </a:extLst>
-          </p:cNvPr>
-          <p:cNvSpPr>
-            <a:spLocks noGrp="1"/>
-          </p:cNvSpPr>
-          <p:nvPr>
-            <p:ph idx="1"/>
-          </p:nvPr>
-        </p:nvSpPr>
-        <p:spPr/>
-        <p:txBody>
-          <a:bodyPr/>
-          <a:lstStyle/>
-          <a:p>
-            <a:pPr algn="just">
-              <a:lnSpc>
-                <a:spcPct val="150000"/>
-              </a:lnSpc>
-            </a:pPr>
-            <a:r>
-              <a:rPr lang="pt-PT" dirty="0"/>
-              <a:t> Inserir;</a:t>
-            </a:r>
-          </a:p>
-          <a:p>
-            <a:pPr algn="just">
-              <a:lnSpc>
-                <a:spcPct val="150000"/>
-              </a:lnSpc>
-            </a:pPr>
-            <a:r>
-              <a:rPr lang="pt-PT" dirty="0"/>
-              <a:t> Consultar;</a:t>
-            </a:r>
-          </a:p>
-          <a:p>
-            <a:pPr algn="just">
-              <a:lnSpc>
-                <a:spcPct val="150000"/>
-              </a:lnSpc>
-            </a:pPr>
-            <a:r>
-              <a:rPr lang="pt-PT" dirty="0"/>
-              <a:t>Apagar;</a:t>
-            </a:r>
-          </a:p>
-        </p:txBody>
-      </p:sp>
-    </p:spTree>
-    <p:extLst>
-      <p:ext uri="{BB962C8B-B14F-4D97-AF65-F5344CB8AC3E}">
-        <p14:creationId xmlns:p14="http://schemas.microsoft.com/office/powerpoint/2010/main" val="2374673988"/>
-      </p:ext>
-    </p:extLst>
-  </p:cSld>
-  <p:clrMapOvr>
-    <a:masterClrMapping/>
-  </p:clrMapOvr>
-</p:sld>
-</file>
-
-<file path=ppt/slides/slide8.xml><?xml version="1.0" encoding="utf-8"?>
-<p:sld xmlns:a="http://schemas.openxmlformats.org/drawingml/2006/main" xmlns:r="http://schemas.openxmlformats.org/officeDocument/2006/relationships" xmlns:p="http://schemas.openxmlformats.org/presentationml/2006/main">
-  <p:cSld>
-    <p:spTree>
-      <p:nvGrpSpPr>
-        <p:cNvPr id="1" name=""/>
-        <p:cNvGrpSpPr/>
-        <p:nvPr/>
-      </p:nvGrpSpPr>
-      <p:grpSpPr>
-        <a:xfrm>
-          <a:off x="0" y="0"/>
-          <a:ext cx="0" cy="0"/>
-          <a:chOff x="0" y="0"/>
-          <a:chExt cx="0" cy="0"/>
-        </a:xfrm>
-      </p:grpSpPr>
-      <p:sp>
-        <p:nvSpPr>
-          <p:cNvPr id="2" name="Título 1"/>
-          <p:cNvSpPr>
-            <a:spLocks noGrp="1"/>
-          </p:cNvSpPr>
-          <p:nvPr>
-            <p:ph type="title"/>
-          </p:nvPr>
-        </p:nvSpPr>
-        <p:spPr/>
-        <p:txBody>
-          <a:bodyPr rtlCol="0"/>
-          <a:lstStyle/>
-          <a:p>
-            <a:pPr algn="ctr" rtl="0"/>
-            <a:r>
-              <a:rPr lang="pt-PT" dirty="0">
-                <a:solidFill>
-                  <a:srgbClr val="F87526"/>
-                </a:solidFill>
-                <a:latin typeface="Century Gothic" panose="020B0502020202020204" pitchFamily="34" charset="0"/>
-              </a:rPr>
-              <a:t>Conclusão</a:t>
-            </a:r>
-          </a:p>
-        </p:txBody>
-      </p:sp>
-      <p:sp>
-        <p:nvSpPr>
-          <p:cNvPr id="3" name="Marcador de Posição de Conteúdo 2"/>
-          <p:cNvSpPr>
-            <a:spLocks noGrp="1"/>
-          </p:cNvSpPr>
-          <p:nvPr>
-            <p:ph idx="1"/>
-          </p:nvPr>
-        </p:nvSpPr>
-        <p:spPr/>
-        <p:txBody>
-          <a:bodyPr rtlCol="0"/>
-          <a:lstStyle/>
-          <a:p>
-            <a:pPr algn="just" rtl="0">
-              <a:lnSpc>
-                <a:spcPct val="150000"/>
-              </a:lnSpc>
-            </a:pPr>
-            <a:r>
-              <a:rPr lang="pt-PT" dirty="0"/>
-              <a:t>O nosso desempenho;</a:t>
-            </a:r>
-          </a:p>
-          <a:p>
-            <a:pPr algn="just" rtl="0">
-              <a:lnSpc>
-                <a:spcPct val="150000"/>
-              </a:lnSpc>
-            </a:pPr>
-            <a:r>
-              <a:rPr lang="pt-PT" dirty="0"/>
-              <a:t>O que pretendemos para o futuro;</a:t>
-            </a:r>
-          </a:p>
-          <a:p>
-            <a:pPr algn="just" rtl="0">
-              <a:lnSpc>
-                <a:spcPct val="150000"/>
-              </a:lnSpc>
-            </a:pPr>
-            <a:r>
-              <a:rPr lang="pt-PT" dirty="0"/>
-              <a:t>O que gostaríamos de ter feito;</a:t>
-            </a:r>
-          </a:p>
-          <a:p>
-            <a:pPr marL="0" indent="0" rtl="0">
-              <a:buNone/>
-            </a:pPr>
-            <a:endParaRPr lang="pt-PT" dirty="0">
-              <a:latin typeface="Palatino Linotype" panose="02040502050505030304" pitchFamily="18" charset="0"/>
-            </a:endParaRPr>
-          </a:p>
-        </p:txBody>
-      </p:sp>
-    </p:spTree>
-    <p:extLst>
-      <p:ext uri="{BB962C8B-B14F-4D97-AF65-F5344CB8AC3E}">
-        <p14:creationId xmlns:p14="http://schemas.microsoft.com/office/powerpoint/2010/main" val="1794587301"/>
-      </p:ext>
-    </p:extLst>
-  </p:cSld>
-  <p:clrMapOvr>
-    <a:masterClrMapping/>
-  </p:clrMapOvr>
-  <mc:AlternateContent xmlns:mc="http://schemas.openxmlformats.org/markup-compatibility/2006" xmlns:p14="http://schemas.microsoft.com/office/powerpoint/2010/main">
-    <mc:Choice Requires="p14">
-      <p:transition spd="med" p14:dur="700">
-        <p:fade/>
-      </p:transition>
-    </mc:Choice>
-    <mc:Fallback xmlns="">
-      <p:transition spd="med">
-        <p:fade/>
-      </p:transition>
-    </mc:Fallback>
-  </mc:AlternateContent>
-</p:sld>
-</file>
-
 <file path=ppt/slides/slide9.xml><?xml version="1.0" encoding="utf-8"?>
 <p:sld xmlns:a="http://schemas.openxmlformats.org/drawingml/2006/main" xmlns:r="http://schemas.openxmlformats.org/officeDocument/2006/relationships" xmlns:p="http://schemas.openxmlformats.org/presentationml/2006/main">
   <p:cSld>
@@ -8034,66 +10730,184 @@
           <a:chExt cx="0" cy="0"/>
         </a:xfrm>
       </p:grpSpPr>
-      <p:sp>
-        <p:nvSpPr>
-          <p:cNvPr id="2" name="Título 1">
+      <p:pic>
+        <p:nvPicPr>
+          <p:cNvPr id="4" name="Imagem 3">
             <a:extLst>
               <a:ext uri="{FF2B5EF4-FFF2-40B4-BE49-F238E27FC236}">
-                <a16:creationId xmlns:a16="http://schemas.microsoft.com/office/drawing/2014/main" id="{CEDFE6C9-9D8E-4F9F-B162-965654776D5B}"/>
+                <a16:creationId xmlns:a16="http://schemas.microsoft.com/office/drawing/2014/main" id="{4A0D0A1C-6AAB-4B38-B978-6AF2334D320C}"/>
               </a:ext>
             </a:extLst>
           </p:cNvPr>
-          <p:cNvSpPr>
-            <a:spLocks noGrp="1"/>
-          </p:cNvSpPr>
-          <p:nvPr>
-            <p:ph type="title"/>
-          </p:nvPr>
-        </p:nvSpPr>
+          <p:cNvPicPr>
+            <a:picLocks noChangeAspect="1"/>
+          </p:cNvPicPr>
+          <p:nvPr/>
+        </p:nvPicPr>
+        <p:blipFill>
+          <a:blip r:embed="rId2"/>
+          <a:stretch>
+            <a:fillRect/>
+          </a:stretch>
+        </p:blipFill>
         <p:spPr>
           <a:xfrm>
-            <a:off x="2908852" y="2343656"/>
-            <a:ext cx="5314121" cy="1600200"/>
+            <a:off x="423402" y="1413551"/>
+            <a:ext cx="2509793" cy="4030879"/>
           </a:xfrm>
+          <a:prstGeom prst="rect">
+            <a:avLst/>
+          </a:prstGeom>
         </p:spPr>
-        <p:txBody>
-          <a:bodyPr/>
-          <a:lstStyle/>
-          <a:p>
-            <a:pPr algn="ctr"/>
-            <a:r>
-              <a:rPr lang="pt-PT" dirty="0">
-                <a:solidFill>
-                  <a:srgbClr val="F87526"/>
-                </a:solidFill>
-              </a:rPr>
-              <a:t>Visualização do projeto</a:t>
-            </a:r>
-          </a:p>
-        </p:txBody>
-      </p:sp>
+      </p:pic>
+      <p:cxnSp>
+        <p:nvCxnSpPr>
+          <p:cNvPr id="6" name="Conexão reta unidirecional 5">
+            <a:extLst>
+              <a:ext uri="{FF2B5EF4-FFF2-40B4-BE49-F238E27FC236}">
+                <a16:creationId xmlns:a16="http://schemas.microsoft.com/office/drawing/2014/main" id="{5CA8FFD4-0EDF-4520-BB52-23A0E6A329A2}"/>
+              </a:ext>
+            </a:extLst>
+          </p:cNvPr>
+          <p:cNvCxnSpPr/>
+          <p:nvPr/>
+        </p:nvCxnSpPr>
+        <p:spPr>
+          <a:xfrm>
+            <a:off x="3299996" y="3440082"/>
+            <a:ext cx="1104900" cy="0"/>
+          </a:xfrm>
+          <a:prstGeom prst="straightConnector1">
+            <a:avLst/>
+          </a:prstGeom>
+          <a:ln>
+            <a:tailEnd type="triangle"/>
+          </a:ln>
+        </p:spPr>
+        <p:style>
+          <a:lnRef idx="1">
+            <a:schemeClr val="accent1"/>
+          </a:lnRef>
+          <a:fillRef idx="0">
+            <a:schemeClr val="accent1"/>
+          </a:fillRef>
+          <a:effectRef idx="0">
+            <a:schemeClr val="accent1"/>
+          </a:effectRef>
+          <a:fontRef idx="minor">
+            <a:schemeClr val="tx1"/>
+          </a:fontRef>
+        </p:style>
+      </p:cxnSp>
+      <p:pic>
+        <p:nvPicPr>
+          <p:cNvPr id="7" name="Imagem 6">
+            <a:extLst>
+              <a:ext uri="{FF2B5EF4-FFF2-40B4-BE49-F238E27FC236}">
+                <a16:creationId xmlns:a16="http://schemas.microsoft.com/office/drawing/2014/main" id="{B035BFB7-911C-43EB-A441-37EA91D8EEF1}"/>
+              </a:ext>
+            </a:extLst>
+          </p:cNvPr>
+          <p:cNvPicPr>
+            <a:picLocks noChangeAspect="1"/>
+          </p:cNvPicPr>
+          <p:nvPr/>
+        </p:nvPicPr>
+        <p:blipFill>
+          <a:blip r:embed="rId3"/>
+          <a:stretch>
+            <a:fillRect/>
+          </a:stretch>
+        </p:blipFill>
+        <p:spPr>
+          <a:xfrm>
+            <a:off x="4819328" y="1413551"/>
+            <a:ext cx="2509793" cy="4030879"/>
+          </a:xfrm>
+          <a:prstGeom prst="rect">
+            <a:avLst/>
+          </a:prstGeom>
+        </p:spPr>
+      </p:pic>
+      <p:cxnSp>
+        <p:nvCxnSpPr>
+          <p:cNvPr id="8" name="Conexão reta unidirecional 7">
+            <a:extLst>
+              <a:ext uri="{FF2B5EF4-FFF2-40B4-BE49-F238E27FC236}">
+                <a16:creationId xmlns:a16="http://schemas.microsoft.com/office/drawing/2014/main" id="{A5171416-D121-4F32-B116-81042FBB1614}"/>
+              </a:ext>
+            </a:extLst>
+          </p:cNvPr>
+          <p:cNvCxnSpPr/>
+          <p:nvPr/>
+        </p:nvCxnSpPr>
+        <p:spPr>
+          <a:xfrm>
+            <a:off x="7695922" y="3440082"/>
+            <a:ext cx="1104900" cy="0"/>
+          </a:xfrm>
+          <a:prstGeom prst="straightConnector1">
+            <a:avLst/>
+          </a:prstGeom>
+          <a:ln>
+            <a:tailEnd type="triangle"/>
+          </a:ln>
+        </p:spPr>
+        <p:style>
+          <a:lnRef idx="1">
+            <a:schemeClr val="accent1"/>
+          </a:lnRef>
+          <a:fillRef idx="0">
+            <a:schemeClr val="accent1"/>
+          </a:fillRef>
+          <a:effectRef idx="0">
+            <a:schemeClr val="accent1"/>
+          </a:effectRef>
+          <a:fontRef idx="minor">
+            <a:schemeClr val="tx1"/>
+          </a:fontRef>
+        </p:style>
+      </p:cxnSp>
+      <p:pic>
+        <p:nvPicPr>
+          <p:cNvPr id="9" name="Imagem 8">
+            <a:extLst>
+              <a:ext uri="{FF2B5EF4-FFF2-40B4-BE49-F238E27FC236}">
+                <a16:creationId xmlns:a16="http://schemas.microsoft.com/office/drawing/2014/main" id="{89CBF959-690C-4A45-999C-2138A47B2F63}"/>
+              </a:ext>
+            </a:extLst>
+          </p:cNvPr>
+          <p:cNvPicPr>
+            <a:picLocks noChangeAspect="1"/>
+          </p:cNvPicPr>
+          <p:nvPr/>
+        </p:nvPicPr>
+        <p:blipFill>
+          <a:blip r:embed="rId4"/>
+          <a:stretch>
+            <a:fillRect/>
+          </a:stretch>
+        </p:blipFill>
+        <p:spPr>
+          <a:xfrm>
+            <a:off x="9167623" y="1413551"/>
+            <a:ext cx="2509793" cy="4030870"/>
+          </a:xfrm>
+          <a:prstGeom prst="rect">
+            <a:avLst/>
+          </a:prstGeom>
+        </p:spPr>
+      </p:pic>
     </p:spTree>
     <p:extLst>
       <p:ext uri="{BB962C8B-B14F-4D97-AF65-F5344CB8AC3E}">
-        <p14:creationId xmlns:p14="http://schemas.microsoft.com/office/powerpoint/2010/main" val="953198024"/>
+        <p14:creationId xmlns:p14="http://schemas.microsoft.com/office/powerpoint/2010/main" val="3227899632"/>
       </p:ext>
     </p:extLst>
   </p:cSld>
   <p:clrMapOvr>
     <a:masterClrMapping/>
   </p:clrMapOvr>
-  <mc:AlternateContent xmlns:mc="http://schemas.openxmlformats.org/markup-compatibility/2006" xmlns:p14="http://schemas.microsoft.com/office/powerpoint/2010/main">
-    <mc:Choice Requires="p14">
-      <p:transition spd="med" p14:dur="700">
-        <p:fade/>
-      </p:transition>
-    </mc:Choice>
-    <mc:Fallback xmlns="">
-      <p:transition spd="med">
-        <p:fade/>
-      </p:transition>
-    </mc:Fallback>
-  </mc:AlternateContent>
 </p:sld>
 </file>
 
